--- a/assets/resources/graph for web_page.pptx
+++ b/assets/resources/graph for web_page.pptx
@@ -5,12 +5,13 @@
     <p:sldMasterId id="2147483660" r:id="rId1"/>
   </p:sldMasterIdLst>
   <p:notesMasterIdLst>
-    <p:notesMasterId r:id="rId5"/>
+    <p:notesMasterId r:id="rId6"/>
   </p:notesMasterIdLst>
   <p:sldIdLst>
     <p:sldId id="361" r:id="rId2"/>
     <p:sldId id="364" r:id="rId3"/>
-    <p:sldId id="366" r:id="rId4"/>
+    <p:sldId id="367" r:id="rId4"/>
+    <p:sldId id="366" r:id="rId5"/>
   </p:sldIdLst>
   <p:sldSz cx="12192000" cy="6858000"/>
   <p:notesSz cx="6858000" cy="9144000"/>
@@ -109,6 +110,11 @@
       </a:defRPr>
     </a:lvl9pPr>
   </p:defaultTextStyle>
+  <p:extLst>
+    <p:ext uri="{EFAFB233-063F-42B5-8137-9DF3F51BA10A}">
+      <p15:sldGuideLst xmlns:p15="http://schemas.microsoft.com/office/powerpoint/2012/main"/>
+    </p:ext>
+  </p:extLst>
 </p:presentation>
 </file>
 
@@ -194,7 +200,7 @@
           <a:p>
             <a:fld id="{69797AF1-868B-5A42-A764-B7DD04806930}" type="datetimeFigureOut">
               <a:rPr lang="en-US" smtClean="0"/>
-              <a:t>3/18/22</a:t>
+              <a:t>3/20/22</a:t>
             </a:fld>
             <a:endParaRPr lang="en-US"/>
           </a:p>
@@ -1394,6 +1400,472 @@
 </file>
 
 <file path=ppt/notesSlides/notesSlide3.xml><?xml version="1.0" encoding="utf-8"?>
+<p:notes xmlns:a="http://schemas.openxmlformats.org/drawingml/2006/main" xmlns:r="http://schemas.openxmlformats.org/officeDocument/2006/relationships" xmlns:p="http://schemas.openxmlformats.org/presentationml/2006/main" showMasterSp="0" showMasterPhAnim="0">
+  <p:cSld>
+    <p:spTree>
+      <p:nvGrpSpPr>
+        <p:cNvPr id="1" name="Shape 648"/>
+        <p:cNvGrpSpPr/>
+        <p:nvPr/>
+      </p:nvGrpSpPr>
+      <p:grpSpPr>
+        <a:xfrm>
+          <a:off x="0" y="0"/>
+          <a:ext cx="0" cy="0"/>
+          <a:chOff x="0" y="0"/>
+          <a:chExt cx="0" cy="0"/>
+        </a:xfrm>
+      </p:grpSpPr>
+      <p:sp>
+        <p:nvSpPr>
+          <p:cNvPr id="649" name="Google Shape;649;g75f465780c_0_1803:notes"/>
+          <p:cNvSpPr>
+            <a:spLocks noGrp="1" noRot="1" noChangeAspect="1"/>
+          </p:cNvSpPr>
+          <p:nvPr>
+            <p:ph type="sldImg" idx="2"/>
+          </p:nvPr>
+        </p:nvSpPr>
+        <p:spPr>
+          <a:xfrm>
+            <a:off x="381000" y="685800"/>
+            <a:ext cx="6096000" cy="3429000"/>
+          </a:xfrm>
+          <a:custGeom>
+            <a:avLst/>
+            <a:gdLst/>
+            <a:ahLst/>
+            <a:cxnLst/>
+            <a:rect l="l" t="t" r="r" b="b"/>
+            <a:pathLst>
+              <a:path w="120000" h="120000" extrusionOk="0">
+                <a:moveTo>
+                  <a:pt x="0" y="0"/>
+                </a:moveTo>
+                <a:lnTo>
+                  <a:pt x="120000" y="0"/>
+                </a:lnTo>
+                <a:lnTo>
+                  <a:pt x="120000" y="120000"/>
+                </a:lnTo>
+                <a:lnTo>
+                  <a:pt x="0" y="120000"/>
+                </a:lnTo>
+                <a:close/>
+              </a:path>
+            </a:pathLst>
+          </a:custGeom>
+        </p:spPr>
+      </p:sp>
+      <p:sp>
+        <p:nvSpPr>
+          <p:cNvPr id="650" name="Google Shape;650;g75f465780c_0_1803:notes"/>
+          <p:cNvSpPr txBox="1">
+            <a:spLocks noGrp="1"/>
+          </p:cNvSpPr>
+          <p:nvPr>
+            <p:ph type="body" idx="1"/>
+          </p:nvPr>
+        </p:nvSpPr>
+        <p:spPr>
+          <a:xfrm>
+            <a:off x="685800" y="4343400"/>
+            <a:ext cx="5486400" cy="4114800"/>
+          </a:xfrm>
+          <a:prstGeom prst="rect">
+            <a:avLst/>
+          </a:prstGeom>
+        </p:spPr>
+        <p:txBody>
+          <a:bodyPr spcFirstLastPara="1" wrap="square" lIns="91425" tIns="91425" rIns="91425" bIns="91425" anchor="t" anchorCtr="0">
+            <a:noAutofit/>
+          </a:bodyPr>
+          <a:lstStyle/>
+          <a:p>
+            <a:pPr marL="158750" indent="0" rtl="0">
+              <a:spcBef>
+                <a:spcPts val="1800"/>
+              </a:spcBef>
+              <a:spcAft>
+                <a:spcPts val="600"/>
+              </a:spcAft>
+              <a:buNone/>
+            </a:pPr>
+            <a:r>
+              <a:rPr lang="en-US" sz="1100" b="0" i="0" u="none" strike="noStrike" cap="none">
+                <a:solidFill>
+                  <a:srgbClr val="000000"/>
+                </a:solidFill>
+                <a:effectLst/>
+                <a:latin typeface="Arial"/>
+                <a:ea typeface="Arial"/>
+                <a:cs typeface="Arial"/>
+                <a:sym typeface="Arial"/>
+              </a:rPr>
+              <a:t> This is our architecture for predictive &amp; causal modelling . We start with standard preprocessing, feature selection and feature engineering. The processed data is then stored on Azure and ingested by the modeling. </a:t>
+            </a:r>
+          </a:p>
+          <a:p>
+            <a:pPr marL="158750" indent="0" rtl="0">
+              <a:spcBef>
+                <a:spcPts val="1800"/>
+              </a:spcBef>
+              <a:spcAft>
+                <a:spcPts val="600"/>
+              </a:spcAft>
+              <a:buNone/>
+            </a:pPr>
+            <a:r>
+              <a:rPr lang="en-US" sz="1100" b="0" i="0" u="none" strike="noStrike" cap="none">
+                <a:solidFill>
+                  <a:srgbClr val="000000"/>
+                </a:solidFill>
+                <a:effectLst/>
+                <a:latin typeface="Arial"/>
+                <a:ea typeface="Arial"/>
+                <a:cs typeface="Arial"/>
+                <a:sym typeface="Arial"/>
+              </a:rPr>
+              <a:t>You’ll notice that we’re running 2 models yielding both prediction &amp; causal results. This is to offer a robust product applying maximal </a:t>
+            </a:r>
+            <a:r>
+              <a:rPr lang="en-US" sz="1100" b="0" i="0" u="none" strike="noStrike" cap="none" err="1">
+                <a:solidFill>
+                  <a:srgbClr val="000000"/>
+                </a:solidFill>
+                <a:effectLst/>
+                <a:latin typeface="Arial"/>
+                <a:ea typeface="Arial"/>
+                <a:cs typeface="Arial"/>
+                <a:sym typeface="Arial"/>
+              </a:rPr>
+              <a:t>datascience</a:t>
+            </a:r>
+            <a:r>
+              <a:rPr lang="en-US" sz="1100" b="0" i="0" u="none" strike="noStrike" cap="none">
+                <a:solidFill>
+                  <a:srgbClr val="000000"/>
+                </a:solidFill>
+                <a:effectLst/>
+                <a:latin typeface="Arial"/>
+                <a:ea typeface="Arial"/>
+                <a:cs typeface="Arial"/>
+                <a:sym typeface="Arial"/>
+              </a:rPr>
+              <a:t> so as to provide both a statistical basis for assessment and as well offer a useful prediction based on prior sentencing patterns.</a:t>
+            </a:r>
+          </a:p>
+          <a:p>
+            <a:pPr marL="158750" indent="0" rtl="0">
+              <a:spcBef>
+                <a:spcPts val="1800"/>
+              </a:spcBef>
+              <a:spcAft>
+                <a:spcPts val="600"/>
+              </a:spcAft>
+              <a:buNone/>
+            </a:pPr>
+            <a:endParaRPr lang="en-US" sz="1800" b="0" i="0" u="none" strike="noStrike">
+              <a:solidFill>
+                <a:srgbClr val="000000"/>
+              </a:solidFill>
+              <a:effectLst/>
+              <a:latin typeface="Arial" panose="020B0604020202020204" pitchFamily="34" charset="0"/>
+            </a:endParaRPr>
+          </a:p>
+          <a:p>
+            <a:pPr marL="158750" indent="0" rtl="0">
+              <a:spcBef>
+                <a:spcPts val="1800"/>
+              </a:spcBef>
+              <a:spcAft>
+                <a:spcPts val="600"/>
+              </a:spcAft>
+              <a:buNone/>
+            </a:pPr>
+            <a:r>
+              <a:rPr lang="en-US" sz="1800" b="0" i="0" u="none" strike="noStrike">
+                <a:solidFill>
+                  <a:srgbClr val="000000"/>
+                </a:solidFill>
+                <a:effectLst/>
+                <a:latin typeface="Arial" panose="020B0604020202020204" pitchFamily="34" charset="0"/>
+              </a:rPr>
+              <a:t>Requirements:</a:t>
+            </a:r>
+          </a:p>
+          <a:p>
+            <a:pPr rtl="0">
+              <a:spcBef>
+                <a:spcPts val="1800"/>
+              </a:spcBef>
+              <a:spcAft>
+                <a:spcPts val="600"/>
+              </a:spcAft>
+            </a:pPr>
+            <a:r>
+              <a:rPr lang="en-US" sz="1800" b="0" i="0" u="none" strike="noStrike">
+                <a:solidFill>
+                  <a:srgbClr val="000000"/>
+                </a:solidFill>
+                <a:effectLst/>
+                <a:latin typeface="Arial" panose="020B0604020202020204" pitchFamily="34" charset="0"/>
+              </a:rPr>
+              <a:t>Technical discussion. </a:t>
+            </a:r>
+            <a:endParaRPr lang="en-US" b="1">
+              <a:effectLst/>
+            </a:endParaRPr>
+          </a:p>
+          <a:p>
+            <a:pPr rtl="0" fontAlgn="base">
+              <a:spcBef>
+                <a:spcPts val="0"/>
+              </a:spcBef>
+              <a:spcAft>
+                <a:spcPts val="0"/>
+              </a:spcAft>
+              <a:buFont typeface="Arial" panose="020B0604020202020204" pitchFamily="34" charset="0"/>
+              <a:buChar char="•"/>
+            </a:pPr>
+            <a:r>
+              <a:rPr lang="en-US" sz="1800" b="0" i="0" u="none" strike="noStrike">
+                <a:solidFill>
+                  <a:srgbClr val="000000"/>
+                </a:solidFill>
+                <a:effectLst/>
+                <a:latin typeface="Arial" panose="020B0604020202020204" pitchFamily="34" charset="0"/>
+              </a:rPr>
+              <a:t>Team presents the current overall architecture of the product</a:t>
+            </a:r>
+          </a:p>
+          <a:p>
+            <a:pPr rtl="0" fontAlgn="base">
+              <a:spcBef>
+                <a:spcPts val="0"/>
+              </a:spcBef>
+              <a:spcAft>
+                <a:spcPts val="0"/>
+              </a:spcAft>
+              <a:buFont typeface="Arial" panose="020B0604020202020204" pitchFamily="34" charset="0"/>
+              <a:buChar char="•"/>
+            </a:pPr>
+            <a:r>
+              <a:rPr lang="en-US" sz="1800" b="0" i="0" u="none" strike="noStrike">
+                <a:solidFill>
+                  <a:srgbClr val="000000"/>
+                </a:solidFill>
+                <a:effectLst/>
+                <a:latin typeface="Arial" panose="020B0604020202020204" pitchFamily="34" charset="0"/>
+              </a:rPr>
+              <a:t>Team presents  the data pipeline.</a:t>
+            </a:r>
+          </a:p>
+          <a:p>
+            <a:pPr rtl="0" fontAlgn="base">
+              <a:spcBef>
+                <a:spcPts val="0"/>
+              </a:spcBef>
+              <a:spcAft>
+                <a:spcPts val="0"/>
+              </a:spcAft>
+              <a:buFont typeface="Arial" panose="020B0604020202020204" pitchFamily="34" charset="0"/>
+              <a:buChar char="•"/>
+            </a:pPr>
+            <a:r>
+              <a:rPr lang="en-US" sz="1800" b="0" i="0" u="none" strike="noStrike">
+                <a:solidFill>
+                  <a:srgbClr val="000000"/>
+                </a:solidFill>
+                <a:effectLst/>
+                <a:latin typeface="Arial" panose="020B0604020202020204" pitchFamily="34" charset="0"/>
+              </a:rPr>
+              <a:t>The modeling techniques  being used or considered are presented</a:t>
+            </a:r>
+          </a:p>
+          <a:p>
+            <a:pPr rtl="0" fontAlgn="base">
+              <a:spcBef>
+                <a:spcPts val="0"/>
+              </a:spcBef>
+              <a:spcAft>
+                <a:spcPts val="0"/>
+              </a:spcAft>
+              <a:buFont typeface="Arial" panose="020B0604020202020204" pitchFamily="34" charset="0"/>
+              <a:buChar char="•"/>
+            </a:pPr>
+            <a:r>
+              <a:rPr lang="en-US" sz="1800" b="0" i="0" u="none" strike="noStrike">
+                <a:solidFill>
+                  <a:srgbClr val="000000"/>
+                </a:solidFill>
+                <a:effectLst/>
+                <a:latin typeface="Arial" panose="020B0604020202020204" pitchFamily="34" charset="0"/>
+              </a:rPr>
+              <a:t>The current modeling results are presented</a:t>
+            </a:r>
+          </a:p>
+          <a:p>
+            <a:pPr rtl="0" fontAlgn="base">
+              <a:spcBef>
+                <a:spcPts val="0"/>
+              </a:spcBef>
+              <a:spcAft>
+                <a:spcPts val="0"/>
+              </a:spcAft>
+              <a:buFont typeface="Arial" panose="020B0604020202020204" pitchFamily="34" charset="0"/>
+              <a:buChar char="•"/>
+            </a:pPr>
+            <a:r>
+              <a:rPr lang="en-US" sz="1800" b="0" i="0" u="none" strike="noStrike">
+                <a:solidFill>
+                  <a:srgbClr val="000000"/>
+                </a:solidFill>
+                <a:effectLst/>
+                <a:latin typeface="Arial" panose="020B0604020202020204" pitchFamily="34" charset="0"/>
+              </a:rPr>
+              <a:t>Team described the tradeoffs in different modeling techniques</a:t>
+            </a:r>
+          </a:p>
+          <a:p>
+            <a:pPr rtl="0" fontAlgn="base">
+              <a:spcBef>
+                <a:spcPts val="0"/>
+              </a:spcBef>
+              <a:spcAft>
+                <a:spcPts val="0"/>
+              </a:spcAft>
+              <a:buFont typeface="Arial" panose="020B0604020202020204" pitchFamily="34" charset="0"/>
+              <a:buChar char="•"/>
+            </a:pPr>
+            <a:r>
+              <a:rPr lang="en-US" sz="1800" b="0" i="0" u="none" strike="noStrike">
+                <a:solidFill>
+                  <a:srgbClr val="000000"/>
+                </a:solidFill>
+                <a:effectLst/>
+                <a:latin typeface="Arial" panose="020B0604020202020204" pitchFamily="34" charset="0"/>
+              </a:rPr>
+              <a:t>Team described how they will evaluate the model results.</a:t>
+            </a:r>
+          </a:p>
+          <a:p>
+            <a:pPr rtl="0" fontAlgn="base">
+              <a:spcBef>
+                <a:spcPts val="0"/>
+              </a:spcBef>
+              <a:spcAft>
+                <a:spcPts val="0"/>
+              </a:spcAft>
+              <a:buFont typeface="Arial" panose="020B0604020202020204" pitchFamily="34" charset="0"/>
+              <a:buChar char="•"/>
+            </a:pPr>
+            <a:r>
+              <a:rPr lang="en-US" sz="1800" b="0" i="0" u="none" strike="noStrike">
+                <a:solidFill>
+                  <a:srgbClr val="000000"/>
+                </a:solidFill>
+                <a:effectLst/>
+                <a:latin typeface="Arial" panose="020B0604020202020204" pitchFamily="34" charset="0"/>
+              </a:rPr>
+              <a:t>Team lists the challenges identified based on the results so far.</a:t>
+            </a:r>
+          </a:p>
+          <a:p>
+            <a:pPr rtl="0" fontAlgn="base">
+              <a:spcBef>
+                <a:spcPts val="0"/>
+              </a:spcBef>
+              <a:spcAft>
+                <a:spcPts val="0"/>
+              </a:spcAft>
+              <a:buFont typeface="Arial" panose="020B0604020202020204" pitchFamily="34" charset="0"/>
+              <a:buChar char="•"/>
+            </a:pPr>
+            <a:endParaRPr lang="en-US" sz="1800" b="0" i="0" u="none" strike="noStrike">
+              <a:solidFill>
+                <a:srgbClr val="000000"/>
+              </a:solidFill>
+              <a:effectLst/>
+              <a:latin typeface="Arial" panose="020B0604020202020204" pitchFamily="34" charset="0"/>
+            </a:endParaRPr>
+          </a:p>
+          <a:p>
+            <a:pPr marL="457200" marR="0" lvl="0" indent="-298450" algn="l" defTabSz="914400" rtl="0" eaLnBrk="1" fontAlgn="base" latinLnBrk="0" hangingPunct="1">
+              <a:lnSpc>
+                <a:spcPct val="100000"/>
+              </a:lnSpc>
+              <a:spcBef>
+                <a:spcPts val="0"/>
+              </a:spcBef>
+              <a:spcAft>
+                <a:spcPts val="0"/>
+              </a:spcAft>
+              <a:buClr>
+                <a:srgbClr val="000000"/>
+              </a:buClr>
+              <a:buSzPts val="1100"/>
+              <a:buFont typeface="Arial" panose="020B0604020202020204" pitchFamily="34" charset="0"/>
+              <a:buChar char="•"/>
+              <a:tabLst/>
+              <a:defRPr/>
+            </a:pPr>
+            <a:r>
+              <a:rPr lang="en-US" sz="1800" b="0" i="0" u="none" strike="noStrike" cap="none">
+                <a:solidFill>
+                  <a:srgbClr val="000000"/>
+                </a:solidFill>
+                <a:effectLst/>
+                <a:latin typeface="Arial"/>
+                <a:ea typeface="Arial"/>
+                <a:cs typeface="Arial"/>
+                <a:sym typeface="Arial"/>
+              </a:rPr>
+              <a:t>We are currently using unsupervised clustering followed by a matching and sampling procedure to simulate a randomization process to create a treatment and control group. After that is done, we use statistical tests such as the T-test to generate causal insight. As a standard test of the null hypothesis, every time a test is run, we assume the sentencing for the treatment group ( black population), is the same as that of the control group (the white population) and based on the statistical significance and sample distribution, we decide whether we should reject the null and claim there is evidence of bias. We then quantify that bias with the treatment effect mean and confidence interval and store the results for UX visualizations to engage with our users.</a:t>
+            </a:r>
+            <a:endParaRPr lang="en-US" sz="3200" b="0" i="0" u="none" strike="noStrike">
+              <a:solidFill>
+                <a:srgbClr val="000000"/>
+              </a:solidFill>
+              <a:effectLst/>
+              <a:latin typeface="Arial" panose="020B0604020202020204" pitchFamily="34" charset="0"/>
+            </a:endParaRPr>
+          </a:p>
+          <a:p>
+            <a:pPr rtl="0" fontAlgn="base">
+              <a:spcBef>
+                <a:spcPts val="0"/>
+              </a:spcBef>
+              <a:spcAft>
+                <a:spcPts val="0"/>
+              </a:spcAft>
+              <a:buFont typeface="Arial" panose="020B0604020202020204" pitchFamily="34" charset="0"/>
+              <a:buChar char="•"/>
+            </a:pPr>
+            <a:endParaRPr lang="en-US" sz="1800" b="0" i="0" u="none" strike="noStrike">
+              <a:solidFill>
+                <a:srgbClr val="000000"/>
+              </a:solidFill>
+              <a:effectLst/>
+              <a:latin typeface="Arial" panose="020B0604020202020204" pitchFamily="34" charset="0"/>
+            </a:endParaRPr>
+          </a:p>
+        </p:txBody>
+      </p:sp>
+    </p:spTree>
+    <p:extLst>
+      <p:ext uri="{BB962C8B-B14F-4D97-AF65-F5344CB8AC3E}">
+        <p14:creationId xmlns:p14="http://schemas.microsoft.com/office/powerpoint/2010/main" val="2705273022"/>
+      </p:ext>
+    </p:extLst>
+  </p:cSld>
+  <p:clrMapOvr>
+    <a:masterClrMapping/>
+  </p:clrMapOvr>
+</p:notes>
+</file>
+
+<file path=ppt/notesSlides/notesSlide4.xml><?xml version="1.0" encoding="utf-8"?>
 <p:notes xmlns:a="http://schemas.openxmlformats.org/drawingml/2006/main" xmlns:r="http://schemas.openxmlformats.org/officeDocument/2006/relationships" xmlns:p="http://schemas.openxmlformats.org/presentationml/2006/main" showMasterSp="0" showMasterPhAnim="0">
   <p:cSld>
     <p:spTree>
@@ -22348,8 +22820,8 @@
         </p:nvCxnSpPr>
         <p:spPr>
           <a:xfrm flipV="1">
-            <a:off x="5767519" y="5892037"/>
-            <a:ext cx="872028" cy="306024"/>
+            <a:off x="5681462" y="5892037"/>
+            <a:ext cx="958085" cy="362338"/>
           </a:xfrm>
           <a:prstGeom prst="curvedConnector3">
             <a:avLst>
@@ -22561,15 +23033,13 @@
           </p:cNvPr>
           <p:cNvCxnSpPr>
             <a:cxnSpLocks/>
-            <a:stCxn id="34" idx="1"/>
-            <a:endCxn id="75" idx="3"/>
           </p:cNvCxnSpPr>
           <p:nvPr/>
         </p:nvCxnSpPr>
         <p:spPr>
           <a:xfrm rot="10800000" flipV="1">
-            <a:off x="5767520" y="3873172"/>
-            <a:ext cx="538776" cy="947347"/>
+            <a:off x="5769143" y="4350288"/>
+            <a:ext cx="1207412" cy="705558"/>
           </a:xfrm>
           <a:prstGeom prst="curvedConnector3">
             <a:avLst>
@@ -22959,6 +23429,600 @@
 </file>
 
 <file path=ppt/slides/slide3.xml><?xml version="1.0" encoding="utf-8"?>
+<p:sld xmlns:a="http://schemas.openxmlformats.org/drawingml/2006/main" xmlns:r="http://schemas.openxmlformats.org/officeDocument/2006/relationships" xmlns:p="http://schemas.openxmlformats.org/presentationml/2006/main">
+  <p:cSld>
+    <p:spTree>
+      <p:nvGrpSpPr>
+        <p:cNvPr id="1" name="Shape 651"/>
+        <p:cNvGrpSpPr/>
+        <p:nvPr/>
+      </p:nvGrpSpPr>
+      <p:grpSpPr>
+        <a:xfrm>
+          <a:off x="0" y="0"/>
+          <a:ext cx="0" cy="0"/>
+          <a:chOff x="0" y="0"/>
+          <a:chExt cx="0" cy="0"/>
+        </a:xfrm>
+      </p:grpSpPr>
+      <p:sp>
+        <p:nvSpPr>
+          <p:cNvPr id="658" name="Google Shape;658;p47"/>
+          <p:cNvSpPr txBox="1">
+            <a:spLocks noGrp="1"/>
+          </p:cNvSpPr>
+          <p:nvPr>
+            <p:ph type="ctrTitle"/>
+          </p:nvPr>
+        </p:nvSpPr>
+        <p:spPr>
+          <a:xfrm>
+            <a:off x="1199881" y="189949"/>
+            <a:ext cx="9025200" cy="874000"/>
+          </a:xfrm>
+          <a:prstGeom prst="rect">
+            <a:avLst/>
+          </a:prstGeom>
+        </p:spPr>
+        <p:txBody>
+          <a:bodyPr spcFirstLastPara="1" wrap="square" lIns="121900" tIns="121900" rIns="121900" bIns="121900" anchor="t" anchorCtr="0">
+            <a:noAutofit/>
+          </a:bodyPr>
+          <a:lstStyle/>
+          <a:p>
+            <a:r>
+              <a:rPr lang="en" dirty="0"/>
+              <a:t>DAATE MVP </a:t>
+            </a:r>
+            <a:r>
+              <a:rPr lang="en" dirty="0">
+                <a:solidFill>
+                  <a:srgbClr val="0070C0"/>
+                </a:solidFill>
+              </a:rPr>
+              <a:t>DAATE Modeling</a:t>
+            </a:r>
+            <a:endParaRPr dirty="0">
+              <a:solidFill>
+                <a:srgbClr val="0070C0"/>
+              </a:solidFill>
+            </a:endParaRPr>
+          </a:p>
+        </p:txBody>
+      </p:sp>
+      <p:sp>
+        <p:nvSpPr>
+          <p:cNvPr id="33" name="Rectangle 32">
+            <a:extLst>
+              <a:ext uri="{FF2B5EF4-FFF2-40B4-BE49-F238E27FC236}">
+                <a16:creationId xmlns:a16="http://schemas.microsoft.com/office/drawing/2014/main" id="{9FB27B7A-B9DD-4785-AF50-3FD9D45ABE33}"/>
+              </a:ext>
+            </a:extLst>
+          </p:cNvPr>
+          <p:cNvSpPr/>
+          <p:nvPr/>
+        </p:nvSpPr>
+        <p:spPr bwMode="auto">
+          <a:xfrm>
+            <a:off x="1695475" y="1088479"/>
+            <a:ext cx="6789404" cy="5579572"/>
+          </a:xfrm>
+          <a:prstGeom prst="rect">
+            <a:avLst/>
+          </a:prstGeom>
+          <a:solidFill>
+            <a:srgbClr val="FFFFFF"/>
+          </a:solidFill>
+          <a:ln w="9525" cap="flat" cmpd="sng" algn="ctr">
+            <a:solidFill>
+              <a:srgbClr val="000000"/>
+            </a:solidFill>
+            <a:prstDash val="solid"/>
+            <a:headEnd type="none" w="med" len="med"/>
+            <a:tailEnd type="none" w="med" len="med"/>
+          </a:ln>
+          <a:effectLst>
+            <a:outerShdw blurRad="65500" dist="38100" dir="5400000" rotWithShape="0">
+              <a:srgbClr val="000000">
+                <a:alpha val="40000"/>
+              </a:srgbClr>
+            </a:outerShdw>
+          </a:effectLst>
+        </p:spPr>
+        <p:txBody>
+          <a:bodyPr vert="horz" wrap="square" lIns="121915" tIns="60957" rIns="121915" bIns="60957" numCol="1" rtlCol="0" anchor="t" anchorCtr="0" compatLnSpc="1">
+            <a:prstTxWarp prst="textNoShape">
+              <a:avLst/>
+            </a:prstTxWarp>
+          </a:bodyPr>
+          <a:lstStyle/>
+          <a:p>
+            <a:pPr algn="ctr" defTabSz="1218768" fontAlgn="base">
+              <a:spcBef>
+                <a:spcPct val="0"/>
+              </a:spcBef>
+              <a:spcAft>
+                <a:spcPct val="0"/>
+              </a:spcAft>
+              <a:defRPr/>
+            </a:pPr>
+            <a:endParaRPr lang="en-US" sz="2400" dirty="0">
+              <a:solidFill>
+                <a:srgbClr val="000000"/>
+              </a:solidFill>
+              <a:latin typeface="Segoe UI"/>
+              <a:cs typeface="Arial"/>
+              <a:sym typeface="Arial"/>
+            </a:endParaRPr>
+          </a:p>
+        </p:txBody>
+      </p:sp>
+      <p:cxnSp>
+        <p:nvCxnSpPr>
+          <p:cNvPr id="41" name="Curved Connector 24">
+            <a:extLst>
+              <a:ext uri="{FF2B5EF4-FFF2-40B4-BE49-F238E27FC236}">
+                <a16:creationId xmlns:a16="http://schemas.microsoft.com/office/drawing/2014/main" id="{8D10B0DD-2446-4DA8-8653-95FBBCF799B3}"/>
+              </a:ext>
+            </a:extLst>
+          </p:cNvPr>
+          <p:cNvCxnSpPr>
+            <a:cxnSpLocks/>
+          </p:cNvCxnSpPr>
+          <p:nvPr/>
+        </p:nvCxnSpPr>
+        <p:spPr>
+          <a:xfrm flipV="1">
+            <a:off x="6179487" y="2751688"/>
+            <a:ext cx="3475511" cy="452110"/>
+          </a:xfrm>
+          <a:prstGeom prst="curvedConnector3">
+            <a:avLst>
+              <a:gd name="adj1" fmla="val 50000"/>
+            </a:avLst>
+          </a:prstGeom>
+          <a:noFill/>
+          <a:ln w="38100" cap="flat" cmpd="sng" algn="ctr">
+            <a:solidFill>
+              <a:srgbClr val="F38C37"/>
+            </a:solidFill>
+            <a:prstDash val="solid"/>
+            <a:tailEnd type="arrow"/>
+          </a:ln>
+          <a:effectLst>
+            <a:outerShdw blurRad="65500" dist="38100" dir="5400000" rotWithShape="0">
+              <a:srgbClr val="000000">
+                <a:alpha val="40000"/>
+              </a:srgbClr>
+            </a:outerShdw>
+          </a:effectLst>
+        </p:spPr>
+      </p:cxnSp>
+      <p:sp>
+        <p:nvSpPr>
+          <p:cNvPr id="42" name="Right Arrow 4">
+            <a:extLst>
+              <a:ext uri="{FF2B5EF4-FFF2-40B4-BE49-F238E27FC236}">
+                <a16:creationId xmlns:a16="http://schemas.microsoft.com/office/drawing/2014/main" id="{E195B8FB-D722-4DEA-BE3D-CA87BD8A2C54}"/>
+              </a:ext>
+            </a:extLst>
+          </p:cNvPr>
+          <p:cNvSpPr/>
+          <p:nvPr/>
+        </p:nvSpPr>
+        <p:spPr bwMode="auto">
+          <a:xfrm>
+            <a:off x="2669993" y="1673442"/>
+            <a:ext cx="3945952" cy="3037285"/>
+          </a:xfrm>
+          <a:prstGeom prst="rightArrow">
+            <a:avLst/>
+          </a:prstGeom>
+          <a:gradFill rotWithShape="1">
+            <a:gsLst>
+              <a:gs pos="0">
+                <a:srgbClr val="F38C37">
+                  <a:shade val="45000"/>
+                  <a:satMod val="155000"/>
+                </a:srgbClr>
+              </a:gs>
+              <a:gs pos="60000">
+                <a:srgbClr val="F38C37">
+                  <a:shade val="95000"/>
+                  <a:satMod val="150000"/>
+                </a:srgbClr>
+              </a:gs>
+              <a:gs pos="100000">
+                <a:srgbClr val="F38C37">
+                  <a:tint val="87000"/>
+                  <a:satMod val="250000"/>
+                </a:srgbClr>
+              </a:gs>
+            </a:gsLst>
+            <a:lin ang="16200000" scaled="0"/>
+          </a:gradFill>
+          <a:ln w="9525" cap="flat" cmpd="sng" algn="ctr">
+            <a:solidFill>
+              <a:srgbClr val="F38C37">
+                <a:satMod val="150000"/>
+              </a:srgbClr>
+            </a:solidFill>
+            <a:prstDash val="solid"/>
+            <a:headEnd type="none" w="med" len="med"/>
+            <a:tailEnd type="none" w="med" len="med"/>
+          </a:ln>
+          <a:effectLst>
+            <a:outerShdw blurRad="65500" dist="38100" dir="5400000" rotWithShape="0">
+              <a:srgbClr val="000000">
+                <a:alpha val="40000"/>
+              </a:srgbClr>
+            </a:outerShdw>
+          </a:effectLst>
+        </p:spPr>
+        <p:txBody>
+          <a:bodyPr vert="horz" wrap="square" lIns="121915" tIns="60957" rIns="121915" bIns="60957" numCol="1" rtlCol="0" anchor="ctr" anchorCtr="0" compatLnSpc="1">
+            <a:prstTxWarp prst="textNoShape">
+              <a:avLst/>
+            </a:prstTxWarp>
+          </a:bodyPr>
+          <a:lstStyle/>
+          <a:p>
+            <a:pPr algn="ctr" defTabSz="1218768" fontAlgn="base">
+              <a:spcBef>
+                <a:spcPct val="0"/>
+              </a:spcBef>
+              <a:spcAft>
+                <a:spcPct val="0"/>
+              </a:spcAft>
+              <a:defRPr/>
+            </a:pPr>
+            <a:r>
+              <a:rPr lang="en-US" sz="2667" dirty="0">
+                <a:gradFill>
+                  <a:gsLst>
+                    <a:gs pos="0">
+                      <a:srgbClr val="FFFFFF"/>
+                    </a:gs>
+                    <a:gs pos="100000">
+                      <a:srgbClr val="FFFFFF"/>
+                    </a:gs>
+                  </a:gsLst>
+                  <a:lin ang="5400000" scaled="0"/>
+                </a:gradFill>
+                <a:latin typeface="Segoe UI"/>
+                <a:cs typeface="Arial"/>
+                <a:sym typeface="Arial"/>
+              </a:rPr>
+              <a:t>Generate Combinations of independent variables</a:t>
+            </a:r>
+          </a:p>
+        </p:txBody>
+      </p:sp>
+      <p:sp>
+        <p:nvSpPr>
+          <p:cNvPr id="45" name="Rectangle 44">
+            <a:extLst>
+              <a:ext uri="{FF2B5EF4-FFF2-40B4-BE49-F238E27FC236}">
+                <a16:creationId xmlns:a16="http://schemas.microsoft.com/office/drawing/2014/main" id="{4336ED9A-1B37-445D-BADD-1D4771070170}"/>
+              </a:ext>
+            </a:extLst>
+          </p:cNvPr>
+          <p:cNvSpPr/>
+          <p:nvPr/>
+        </p:nvSpPr>
+        <p:spPr>
+          <a:xfrm>
+            <a:off x="9173980" y="1714614"/>
+            <a:ext cx="2091939" cy="269304"/>
+          </a:xfrm>
+          <a:prstGeom prst="rect">
+            <a:avLst/>
+          </a:prstGeom>
+        </p:spPr>
+        <p:txBody>
+          <a:bodyPr wrap="square" lIns="121920" tIns="60960" rIns="121920" bIns="60960" anchor="t">
+            <a:spAutoFit/>
+          </a:bodyPr>
+          <a:lstStyle/>
+          <a:p>
+            <a:pPr defTabSz="913904">
+              <a:lnSpc>
+                <a:spcPct val="95000"/>
+              </a:lnSpc>
+              <a:spcBef>
+                <a:spcPct val="0"/>
+              </a:spcBef>
+              <a:spcAft>
+                <a:spcPct val="0"/>
+              </a:spcAft>
+              <a:defRPr/>
+            </a:pPr>
+            <a:r>
+              <a:rPr lang="en-US" sz="1000" b="1" kern="0" spc="49" dirty="0">
+                <a:solidFill>
+                  <a:sysClr val="windowText" lastClr="000000"/>
+                </a:solidFill>
+                <a:latin typeface="Segoe UI Semibold"/>
+                <a:cs typeface="Segoe UI Semibold"/>
+                <a:sym typeface="Arial"/>
+              </a:rPr>
+              <a:t>BDDE Inference Container</a:t>
+            </a:r>
+            <a:endParaRPr lang="en-US" sz="2400" kern="0" dirty="0">
+              <a:solidFill>
+                <a:sysClr val="windowText" lastClr="000000"/>
+              </a:solidFill>
+              <a:latin typeface="Arial"/>
+              <a:cs typeface="Arial"/>
+              <a:sym typeface="Arial"/>
+            </a:endParaRPr>
+          </a:p>
+        </p:txBody>
+      </p:sp>
+      <p:sp>
+        <p:nvSpPr>
+          <p:cNvPr id="34" name="Rounded Rectangle 9">
+            <a:extLst>
+              <a:ext uri="{FF2B5EF4-FFF2-40B4-BE49-F238E27FC236}">
+                <a16:creationId xmlns:a16="http://schemas.microsoft.com/office/drawing/2014/main" id="{9EB20502-41DD-48A2-942C-6D25D0C18D73}"/>
+              </a:ext>
+            </a:extLst>
+          </p:cNvPr>
+          <p:cNvSpPr/>
+          <p:nvPr/>
+        </p:nvSpPr>
+        <p:spPr bwMode="auto">
+          <a:xfrm>
+            <a:off x="3517219" y="5239771"/>
+            <a:ext cx="1819621" cy="899236"/>
+          </a:xfrm>
+          <a:prstGeom prst="roundRect">
+            <a:avLst/>
+          </a:prstGeom>
+          <a:gradFill rotWithShape="1">
+            <a:gsLst>
+              <a:gs pos="0">
+                <a:srgbClr val="3A94D2">
+                  <a:tint val="65000"/>
+                  <a:satMod val="270000"/>
+                </a:srgbClr>
+              </a:gs>
+              <a:gs pos="25000">
+                <a:srgbClr val="3A94D2">
+                  <a:tint val="60000"/>
+                  <a:satMod val="300000"/>
+                </a:srgbClr>
+              </a:gs>
+              <a:gs pos="100000">
+                <a:srgbClr val="3A94D2">
+                  <a:tint val="29000"/>
+                  <a:satMod val="400000"/>
+                </a:srgbClr>
+              </a:gs>
+            </a:gsLst>
+            <a:lin ang="16200000" scaled="1"/>
+          </a:gradFill>
+          <a:ln w="9525" cap="flat" cmpd="sng" algn="ctr">
+            <a:solidFill>
+              <a:srgbClr val="3A94D2">
+                <a:satMod val="150000"/>
+              </a:srgbClr>
+            </a:solidFill>
+            <a:prstDash val="solid"/>
+            <a:headEnd type="none" w="med" len="med"/>
+            <a:tailEnd type="none" w="med" len="med"/>
+          </a:ln>
+          <a:effectLst>
+            <a:outerShdw blurRad="65500" dist="38100" dir="5400000" rotWithShape="0">
+              <a:srgbClr val="000000">
+                <a:alpha val="40000"/>
+              </a:srgbClr>
+            </a:outerShdw>
+          </a:effectLst>
+        </p:spPr>
+        <p:txBody>
+          <a:bodyPr vert="horz" wrap="square" lIns="121915" tIns="60957" rIns="121915" bIns="60957" numCol="1" rtlCol="0" anchor="ctr" anchorCtr="0" compatLnSpc="1">
+            <a:prstTxWarp prst="textNoShape">
+              <a:avLst/>
+            </a:prstTxWarp>
+          </a:bodyPr>
+          <a:lstStyle/>
+          <a:p>
+            <a:pPr algn="ctr" defTabSz="1218768" fontAlgn="base">
+              <a:spcBef>
+                <a:spcPct val="0"/>
+              </a:spcBef>
+              <a:spcAft>
+                <a:spcPct val="0"/>
+              </a:spcAft>
+              <a:defRPr/>
+            </a:pPr>
+            <a:r>
+              <a:rPr lang="en-US" sz="2133" dirty="0">
+                <a:gradFill>
+                  <a:gsLst>
+                    <a:gs pos="0">
+                      <a:srgbClr val="FFFFFF"/>
+                    </a:gs>
+                    <a:gs pos="100000">
+                      <a:srgbClr val="FFFFFF"/>
+                    </a:gs>
+                  </a:gsLst>
+                  <a:lin ang="5400000" scaled="0"/>
+                </a:gradFill>
+                <a:latin typeface="Segoe UI"/>
+                <a:cs typeface="Arial"/>
+                <a:sym typeface="Arial"/>
+              </a:rPr>
+              <a:t>Prediction Results</a:t>
+            </a:r>
+          </a:p>
+        </p:txBody>
+      </p:sp>
+      <p:cxnSp>
+        <p:nvCxnSpPr>
+          <p:cNvPr id="66" name="Curved Connector 24">
+            <a:extLst>
+              <a:ext uri="{FF2B5EF4-FFF2-40B4-BE49-F238E27FC236}">
+                <a16:creationId xmlns:a16="http://schemas.microsoft.com/office/drawing/2014/main" id="{89940E0E-B79C-456F-8189-161813E9AA4E}"/>
+              </a:ext>
+            </a:extLst>
+          </p:cNvPr>
+          <p:cNvCxnSpPr>
+            <a:cxnSpLocks/>
+            <a:stCxn id="3" idx="2"/>
+          </p:cNvCxnSpPr>
+          <p:nvPr/>
+        </p:nvCxnSpPr>
+        <p:spPr>
+          <a:xfrm rot="5400000">
+            <a:off x="7083985" y="1729405"/>
+            <a:ext cx="2001948" cy="5496237"/>
+          </a:xfrm>
+          <a:prstGeom prst="curvedConnector2">
+            <a:avLst/>
+          </a:prstGeom>
+          <a:noFill/>
+          <a:ln w="38100" cap="flat" cmpd="sng" algn="ctr">
+            <a:solidFill>
+              <a:srgbClr val="F38C37"/>
+            </a:solidFill>
+            <a:prstDash val="solid"/>
+            <a:tailEnd type="arrow"/>
+          </a:ln>
+          <a:effectLst>
+            <a:outerShdw blurRad="65500" dist="38100" dir="5400000" rotWithShape="0">
+              <a:srgbClr val="000000">
+                <a:alpha val="40000"/>
+              </a:srgbClr>
+            </a:outerShdw>
+          </a:effectLst>
+        </p:spPr>
+      </p:cxnSp>
+      <p:pic>
+        <p:nvPicPr>
+          <p:cNvPr id="87" name="Picture 5" descr="C:\Users\torsteng\AppData\Local\Microsoft\Windows\Temporary Internet Files\Content.IE5\AP5NZ56T\MM900043784[1].gif">
+            <a:extLst>
+              <a:ext uri="{FF2B5EF4-FFF2-40B4-BE49-F238E27FC236}">
+                <a16:creationId xmlns:a16="http://schemas.microsoft.com/office/drawing/2014/main" id="{81D55396-65B9-4589-8E5F-B5CAA87D8AFE}"/>
+              </a:ext>
+            </a:extLst>
+          </p:cNvPr>
+          <p:cNvPicPr>
+            <a:picLocks noChangeAspect="1" noChangeArrowheads="1" noCrop="1"/>
+          </p:cNvPicPr>
+          <p:nvPr/>
+        </p:nvPicPr>
+        <p:blipFill>
+          <a:blip r:embed="rId3" cstate="print"/>
+          <a:srcRect/>
+          <a:stretch>
+            <a:fillRect/>
+          </a:stretch>
+        </p:blipFill>
+        <p:spPr bwMode="auto">
+          <a:xfrm>
+            <a:off x="10312839" y="5544199"/>
+            <a:ext cx="699912" cy="699912"/>
+          </a:xfrm>
+          <a:prstGeom prst="rect">
+            <a:avLst/>
+          </a:prstGeom>
+          <a:noFill/>
+        </p:spPr>
+      </p:pic>
+      <p:cxnSp>
+        <p:nvCxnSpPr>
+          <p:cNvPr id="88" name="Curved Connector 24">
+            <a:extLst>
+              <a:ext uri="{FF2B5EF4-FFF2-40B4-BE49-F238E27FC236}">
+                <a16:creationId xmlns:a16="http://schemas.microsoft.com/office/drawing/2014/main" id="{C5AF1ADE-6323-436D-952D-C06BA654DB7C}"/>
+              </a:ext>
+            </a:extLst>
+          </p:cNvPr>
+          <p:cNvCxnSpPr>
+            <a:cxnSpLocks/>
+            <a:endCxn id="87" idx="1"/>
+          </p:cNvCxnSpPr>
+          <p:nvPr/>
+        </p:nvCxnSpPr>
+        <p:spPr>
+          <a:xfrm>
+            <a:off x="5336840" y="5894155"/>
+            <a:ext cx="4975999" cy="12700"/>
+          </a:xfrm>
+          <a:prstGeom prst="curvedConnector3">
+            <a:avLst>
+              <a:gd name="adj1" fmla="val 50000"/>
+            </a:avLst>
+          </a:prstGeom>
+          <a:noFill/>
+          <a:ln w="38100" cap="flat" cmpd="sng" algn="ctr">
+            <a:solidFill>
+              <a:srgbClr val="F38C37"/>
+            </a:solidFill>
+            <a:prstDash val="solid"/>
+            <a:tailEnd type="arrow"/>
+          </a:ln>
+          <a:effectLst>
+            <a:outerShdw blurRad="65500" dist="38100" dir="5400000" rotWithShape="0">
+              <a:srgbClr val="000000">
+                <a:alpha val="40000"/>
+              </a:srgbClr>
+            </a:outerShdw>
+          </a:effectLst>
+        </p:spPr>
+      </p:cxnSp>
+      <p:pic>
+        <p:nvPicPr>
+          <p:cNvPr id="3" name="Picture 2" descr="DAATE Inference Container&#10;">
+            <a:extLst>
+              <a:ext uri="{FF2B5EF4-FFF2-40B4-BE49-F238E27FC236}">
+                <a16:creationId xmlns:a16="http://schemas.microsoft.com/office/drawing/2014/main" id="{CF6EFC03-F2AC-794D-B21C-12248AE10E99}"/>
+              </a:ext>
+            </a:extLst>
+          </p:cNvPr>
+          <p:cNvPicPr>
+            <a:picLocks noChangeAspect="1"/>
+          </p:cNvPicPr>
+          <p:nvPr/>
+        </p:nvPicPr>
+        <p:blipFill>
+          <a:blip r:embed="rId4">
+            <a:extLst>
+              <a:ext uri="{837473B0-CC2E-450A-ABE3-18F120FF3D39}">
+                <a1611:picAttrSrcUrl xmlns:a1611="http://schemas.microsoft.com/office/drawing/2016/11/main" r:id="rId5"/>
+              </a:ext>
+            </a:extLst>
+          </a:blip>
+          <a:stretch>
+            <a:fillRect/>
+          </a:stretch>
+        </p:blipFill>
+        <p:spPr>
+          <a:xfrm>
+            <a:off x="9654998" y="2121758"/>
+            <a:ext cx="2356158" cy="1354791"/>
+          </a:xfrm>
+          <a:prstGeom prst="rect">
+            <a:avLst/>
+          </a:prstGeom>
+        </p:spPr>
+      </p:pic>
+    </p:spTree>
+    <p:extLst>
+      <p:ext uri="{BB962C8B-B14F-4D97-AF65-F5344CB8AC3E}">
+        <p14:creationId xmlns:p14="http://schemas.microsoft.com/office/powerpoint/2010/main" val="2004495830"/>
+      </p:ext>
+    </p:extLst>
+  </p:cSld>
+  <p:clrMapOvr>
+    <a:masterClrMapping/>
+  </p:clrMapOvr>
+</p:sld>
+</file>
+
+<file path=ppt/slides/slide4.xml><?xml version="1.0" encoding="utf-8"?>
 <p:sld xmlns:a="http://schemas.openxmlformats.org/drawingml/2006/main" xmlns:r="http://schemas.openxmlformats.org/officeDocument/2006/relationships" xmlns:p="http://schemas.openxmlformats.org/presentationml/2006/main">
   <p:cSld>
     <p:spTree>
@@ -24141,15 +25205,13 @@
           </p:cNvPr>
           <p:cNvCxnSpPr>
             <a:cxnSpLocks/>
-            <a:stCxn id="37" idx="2"/>
-            <a:endCxn id="34" idx="3"/>
           </p:cNvCxnSpPr>
           <p:nvPr/>
         </p:nvCxnSpPr>
         <p:spPr>
           <a:xfrm rot="5400000">
-            <a:off x="9572034" y="3415968"/>
-            <a:ext cx="761854" cy="190149"/>
+            <a:off x="9818635" y="3321362"/>
+            <a:ext cx="517032" cy="438531"/>
           </a:xfrm>
           <a:prstGeom prst="curvedConnector2">
             <a:avLst/>

--- a/assets/resources/graph for web_page.pptx
+++ b/assets/resources/graph for web_page.pptx
@@ -5,13 +5,16 @@
     <p:sldMasterId id="2147483660" r:id="rId1"/>
   </p:sldMasterIdLst>
   <p:notesMasterIdLst>
-    <p:notesMasterId r:id="rId6"/>
+    <p:notesMasterId r:id="rId9"/>
   </p:notesMasterIdLst>
   <p:sldIdLst>
     <p:sldId id="361" r:id="rId2"/>
     <p:sldId id="364" r:id="rId3"/>
     <p:sldId id="367" r:id="rId4"/>
     <p:sldId id="366" r:id="rId5"/>
+    <p:sldId id="369" r:id="rId6"/>
+    <p:sldId id="371" r:id="rId7"/>
+    <p:sldId id="370" r:id="rId8"/>
   </p:sldIdLst>
   <p:sldSz cx="12192000" cy="6858000"/>
   <p:notesSz cx="6858000" cy="9144000"/>
@@ -118,6 +121,808 @@
 </p:presentation>
 </file>
 
+<file path=ppt/revisionInfo.xml><?xml version="1.0" encoding="utf-8"?>
+<p1510:revInfo xmlns:a="http://schemas.openxmlformats.org/drawingml/2006/main" xmlns:r="http://schemas.openxmlformats.org/officeDocument/2006/relationships" xmlns:p1510="http://schemas.microsoft.com/office/powerpoint/2015/10/main">
+  <p1510:revLst>
+    <p1510:client id="{07AE1321-E1B5-44BC-BC54-8923ADAC392F}" v="6" dt="2022-03-21T19:07:42.282"/>
+  </p1510:revLst>
+</p1510:revInfo>
+</file>
+
+<file path=ppt/changesInfos/changesInfo1.xml><?xml version="1.0" encoding="utf-8"?>
+<pc:chgInfo xmlns:a="http://schemas.openxmlformats.org/drawingml/2006/main" xmlns:r="http://schemas.openxmlformats.org/officeDocument/2006/relationships" xmlns:ac="http://schemas.microsoft.com/office/drawing/2013/main/command" xmlns:pc="http://schemas.microsoft.com/office/powerpoint/2013/main/command">
+  <pc:docChgLst>
+    <pc:chgData name="Jackie N" userId="8b14f1697149b7ae" providerId="LiveId" clId="{07AE1321-E1B5-44BC-BC54-8923ADAC392F}"/>
+    <pc:docChg chg="undo custSel addSld modSld">
+      <pc:chgData name="Jackie N" userId="8b14f1697149b7ae" providerId="LiveId" clId="{07AE1321-E1B5-44BC-BC54-8923ADAC392F}" dt="2022-03-21T19:20:18.345" v="538" actId="20577"/>
+      <pc:docMkLst>
+        <pc:docMk/>
+      </pc:docMkLst>
+      <pc:sldChg chg="modSp mod">
+        <pc:chgData name="Jackie N" userId="8b14f1697149b7ae" providerId="LiveId" clId="{07AE1321-E1B5-44BC-BC54-8923ADAC392F}" dt="2022-03-21T19:19:55.573" v="507" actId="20577"/>
+        <pc:sldMkLst>
+          <pc:docMk/>
+          <pc:sldMk cId="2004495830" sldId="367"/>
+        </pc:sldMkLst>
+        <pc:spChg chg="mod">
+          <ac:chgData name="Jackie N" userId="8b14f1697149b7ae" providerId="LiveId" clId="{07AE1321-E1B5-44BC-BC54-8923ADAC392F}" dt="2022-03-21T19:19:49.229" v="501" actId="20577"/>
+          <ac:spMkLst>
+            <pc:docMk/>
+            <pc:sldMk cId="2004495830" sldId="367"/>
+            <ac:spMk id="45" creationId="{4336ED9A-1B37-445D-BADD-1D4771070170}"/>
+          </ac:spMkLst>
+        </pc:spChg>
+        <pc:spChg chg="mod">
+          <ac:chgData name="Jackie N" userId="8b14f1697149b7ae" providerId="LiveId" clId="{07AE1321-E1B5-44BC-BC54-8923ADAC392F}" dt="2022-03-21T19:19:55.573" v="507" actId="20577"/>
+          <ac:spMkLst>
+            <pc:docMk/>
+            <pc:sldMk cId="2004495830" sldId="367"/>
+            <ac:spMk id="658" creationId="{00000000-0000-0000-0000-000000000000}"/>
+          </ac:spMkLst>
+        </pc:spChg>
+      </pc:sldChg>
+      <pc:sldChg chg="addSp delSp modSp add mod">
+        <pc:chgData name="Jackie N" userId="8b14f1697149b7ae" providerId="LiveId" clId="{07AE1321-E1B5-44BC-BC54-8923ADAC392F}" dt="2022-03-21T19:15:31.225" v="451" actId="20577"/>
+        <pc:sldMkLst>
+          <pc:docMk/>
+          <pc:sldMk cId="3732819603" sldId="369"/>
+        </pc:sldMkLst>
+        <pc:spChg chg="del">
+          <ac:chgData name="Jackie N" userId="8b14f1697149b7ae" providerId="LiveId" clId="{07AE1321-E1B5-44BC-BC54-8923ADAC392F}" dt="2022-03-21T19:05:31.442" v="4" actId="478"/>
+          <ac:spMkLst>
+            <pc:docMk/>
+            <pc:sldMk cId="3732819603" sldId="369"/>
+            <ac:spMk id="3" creationId="{D9CA006A-B985-4C15-84B2-EC43939AA6FE}"/>
+          </ac:spMkLst>
+        </pc:spChg>
+        <pc:spChg chg="mod">
+          <ac:chgData name="Jackie N" userId="8b14f1697149b7ae" providerId="LiveId" clId="{07AE1321-E1B5-44BC-BC54-8923ADAC392F}" dt="2022-03-21T19:09:50.671" v="370" actId="20577"/>
+          <ac:spMkLst>
+            <pc:docMk/>
+            <pc:sldMk cId="3732819603" sldId="369"/>
+            <ac:spMk id="11" creationId="{37E23F2F-855D-4E5D-AFB5-36CDAD70EC34}"/>
+          </ac:spMkLst>
+        </pc:spChg>
+        <pc:spChg chg="del">
+          <ac:chgData name="Jackie N" userId="8b14f1697149b7ae" providerId="LiveId" clId="{07AE1321-E1B5-44BC-BC54-8923ADAC392F}" dt="2022-03-21T19:05:31.442" v="4" actId="478"/>
+          <ac:spMkLst>
+            <pc:docMk/>
+            <pc:sldMk cId="3732819603" sldId="369"/>
+            <ac:spMk id="35" creationId="{DAE5FFE2-4B42-4DF5-9353-CF5D1380D7E7}"/>
+          </ac:spMkLst>
+        </pc:spChg>
+        <pc:spChg chg="del">
+          <ac:chgData name="Jackie N" userId="8b14f1697149b7ae" providerId="LiveId" clId="{07AE1321-E1B5-44BC-BC54-8923ADAC392F}" dt="2022-03-21T19:05:31.442" v="4" actId="478"/>
+          <ac:spMkLst>
+            <pc:docMk/>
+            <pc:sldMk cId="3732819603" sldId="369"/>
+            <ac:spMk id="36" creationId="{DE178307-EAB7-459E-B415-317F23B594A3}"/>
+          </ac:spMkLst>
+        </pc:spChg>
+        <pc:spChg chg="del">
+          <ac:chgData name="Jackie N" userId="8b14f1697149b7ae" providerId="LiveId" clId="{07AE1321-E1B5-44BC-BC54-8923ADAC392F}" dt="2022-03-21T19:05:31.442" v="4" actId="478"/>
+          <ac:spMkLst>
+            <pc:docMk/>
+            <pc:sldMk cId="3732819603" sldId="369"/>
+            <ac:spMk id="43" creationId="{C63E3FF1-0B0F-4A1E-8948-7633B47D8563}"/>
+          </ac:spMkLst>
+        </pc:spChg>
+        <pc:spChg chg="add del mod">
+          <ac:chgData name="Jackie N" userId="8b14f1697149b7ae" providerId="LiveId" clId="{07AE1321-E1B5-44BC-BC54-8923ADAC392F}" dt="2022-03-21T19:05:35.312" v="6"/>
+          <ac:spMkLst>
+            <pc:docMk/>
+            <pc:sldMk cId="3732819603" sldId="369"/>
+            <ac:spMk id="45" creationId="{314E452F-91A7-4634-BDB4-7AC722EB895E}"/>
+          </ac:spMkLst>
+        </pc:spChg>
+        <pc:spChg chg="del">
+          <ac:chgData name="Jackie N" userId="8b14f1697149b7ae" providerId="LiveId" clId="{07AE1321-E1B5-44BC-BC54-8923ADAC392F}" dt="2022-03-21T19:05:31.442" v="4" actId="478"/>
+          <ac:spMkLst>
+            <pc:docMk/>
+            <pc:sldMk cId="3732819603" sldId="369"/>
+            <ac:spMk id="50" creationId="{95C013F2-43D3-46E9-95BC-810376FA5416}"/>
+          </ac:spMkLst>
+        </pc:spChg>
+        <pc:spChg chg="del">
+          <ac:chgData name="Jackie N" userId="8b14f1697149b7ae" providerId="LiveId" clId="{07AE1321-E1B5-44BC-BC54-8923ADAC392F}" dt="2022-03-21T19:05:31.442" v="4" actId="478"/>
+          <ac:spMkLst>
+            <pc:docMk/>
+            <pc:sldMk cId="3732819603" sldId="369"/>
+            <ac:spMk id="51" creationId="{00458AFB-1870-42DD-B7B1-1C89BE15E656}"/>
+          </ac:spMkLst>
+        </pc:spChg>
+        <pc:spChg chg="del">
+          <ac:chgData name="Jackie N" userId="8b14f1697149b7ae" providerId="LiveId" clId="{07AE1321-E1B5-44BC-BC54-8923ADAC392F}" dt="2022-03-21T19:05:31.442" v="4" actId="478"/>
+          <ac:spMkLst>
+            <pc:docMk/>
+            <pc:sldMk cId="3732819603" sldId="369"/>
+            <ac:spMk id="52" creationId="{F8C07DBB-03FB-4129-87D5-293441573335}"/>
+          </ac:spMkLst>
+        </pc:spChg>
+        <pc:spChg chg="del">
+          <ac:chgData name="Jackie N" userId="8b14f1697149b7ae" providerId="LiveId" clId="{07AE1321-E1B5-44BC-BC54-8923ADAC392F}" dt="2022-03-21T19:05:31.442" v="4" actId="478"/>
+          <ac:spMkLst>
+            <pc:docMk/>
+            <pc:sldMk cId="3732819603" sldId="369"/>
+            <ac:spMk id="53" creationId="{A7CC87C6-6CC2-4185-9DEA-9C5BF6C4B92F}"/>
+          </ac:spMkLst>
+        </pc:spChg>
+        <pc:spChg chg="del">
+          <ac:chgData name="Jackie N" userId="8b14f1697149b7ae" providerId="LiveId" clId="{07AE1321-E1B5-44BC-BC54-8923ADAC392F}" dt="2022-03-21T19:05:31.442" v="4" actId="478"/>
+          <ac:spMkLst>
+            <pc:docMk/>
+            <pc:sldMk cId="3732819603" sldId="369"/>
+            <ac:spMk id="54" creationId="{F418C671-699D-4F5D-98AF-7AD831E6FA24}"/>
+          </ac:spMkLst>
+        </pc:spChg>
+        <pc:spChg chg="del">
+          <ac:chgData name="Jackie N" userId="8b14f1697149b7ae" providerId="LiveId" clId="{07AE1321-E1B5-44BC-BC54-8923ADAC392F}" dt="2022-03-21T19:05:31.442" v="4" actId="478"/>
+          <ac:spMkLst>
+            <pc:docMk/>
+            <pc:sldMk cId="3732819603" sldId="369"/>
+            <ac:spMk id="55" creationId="{093C42FB-BE3F-4871-9F30-9E30676AF988}"/>
+          </ac:spMkLst>
+        </pc:spChg>
+        <pc:spChg chg="del">
+          <ac:chgData name="Jackie N" userId="8b14f1697149b7ae" providerId="LiveId" clId="{07AE1321-E1B5-44BC-BC54-8923ADAC392F}" dt="2022-03-21T19:05:31.442" v="4" actId="478"/>
+          <ac:spMkLst>
+            <pc:docMk/>
+            <pc:sldMk cId="3732819603" sldId="369"/>
+            <ac:spMk id="57" creationId="{9A352311-D06A-490D-BE53-BF4485D95814}"/>
+          </ac:spMkLst>
+        </pc:spChg>
+        <pc:spChg chg="del">
+          <ac:chgData name="Jackie N" userId="8b14f1697149b7ae" providerId="LiveId" clId="{07AE1321-E1B5-44BC-BC54-8923ADAC392F}" dt="2022-03-21T19:05:31.442" v="4" actId="478"/>
+          <ac:spMkLst>
+            <pc:docMk/>
+            <pc:sldMk cId="3732819603" sldId="369"/>
+            <ac:spMk id="62" creationId="{5CE50444-4556-4322-874C-065247A84641}"/>
+          </ac:spMkLst>
+        </pc:spChg>
+        <pc:spChg chg="del">
+          <ac:chgData name="Jackie N" userId="8b14f1697149b7ae" providerId="LiveId" clId="{07AE1321-E1B5-44BC-BC54-8923ADAC392F}" dt="2022-03-21T19:05:31.442" v="4" actId="478"/>
+          <ac:spMkLst>
+            <pc:docMk/>
+            <pc:sldMk cId="3732819603" sldId="369"/>
+            <ac:spMk id="67" creationId="{B2523535-FC5F-42BF-96AB-045362F4FEED}"/>
+          </ac:spMkLst>
+        </pc:spChg>
+        <pc:spChg chg="del">
+          <ac:chgData name="Jackie N" userId="8b14f1697149b7ae" providerId="LiveId" clId="{07AE1321-E1B5-44BC-BC54-8923ADAC392F}" dt="2022-03-21T19:05:31.442" v="4" actId="478"/>
+          <ac:spMkLst>
+            <pc:docMk/>
+            <pc:sldMk cId="3732819603" sldId="369"/>
+            <ac:spMk id="68" creationId="{7969981B-C328-4755-8730-BEB3E22EA447}"/>
+          </ac:spMkLst>
+        </pc:spChg>
+        <pc:spChg chg="mod">
+          <ac:chgData name="Jackie N" userId="8b14f1697149b7ae" providerId="LiveId" clId="{07AE1321-E1B5-44BC-BC54-8923ADAC392F}" dt="2022-03-21T19:05:33.732" v="5"/>
+          <ac:spMkLst>
+            <pc:docMk/>
+            <pc:sldMk cId="3732819603" sldId="369"/>
+            <ac:spMk id="71" creationId="{14895FE7-8979-4F08-9225-D1F198B63B85}"/>
+          </ac:spMkLst>
+        </pc:spChg>
+        <pc:spChg chg="add del mod">
+          <ac:chgData name="Jackie N" userId="8b14f1697149b7ae" providerId="LiveId" clId="{07AE1321-E1B5-44BC-BC54-8923ADAC392F}" dt="2022-03-21T19:05:35.312" v="6"/>
+          <ac:spMkLst>
+            <pc:docMk/>
+            <pc:sldMk cId="3732819603" sldId="369"/>
+            <ac:spMk id="74" creationId="{3481BD6F-1457-43AB-8487-101CB571971B}"/>
+          </ac:spMkLst>
+        </pc:spChg>
+        <pc:spChg chg="mod">
+          <ac:chgData name="Jackie N" userId="8b14f1697149b7ae" providerId="LiveId" clId="{07AE1321-E1B5-44BC-BC54-8923ADAC392F}" dt="2022-03-21T19:05:33.732" v="5"/>
+          <ac:spMkLst>
+            <pc:docMk/>
+            <pc:sldMk cId="3732819603" sldId="369"/>
+            <ac:spMk id="77" creationId="{D2974227-AD00-4DD6-8680-E2EDF5217FDB}"/>
+          </ac:spMkLst>
+        </pc:spChg>
+        <pc:spChg chg="add del mod">
+          <ac:chgData name="Jackie N" userId="8b14f1697149b7ae" providerId="LiveId" clId="{07AE1321-E1B5-44BC-BC54-8923ADAC392F}" dt="2022-03-21T19:05:35.312" v="6"/>
+          <ac:spMkLst>
+            <pc:docMk/>
+            <pc:sldMk cId="3732819603" sldId="369"/>
+            <ac:spMk id="78" creationId="{03E4F73E-F1D1-4ACC-8CFC-147F19947414}"/>
+          </ac:spMkLst>
+        </pc:spChg>
+        <pc:spChg chg="add del mod">
+          <ac:chgData name="Jackie N" userId="8b14f1697149b7ae" providerId="LiveId" clId="{07AE1321-E1B5-44BC-BC54-8923ADAC392F}" dt="2022-03-21T19:05:35.312" v="6"/>
+          <ac:spMkLst>
+            <pc:docMk/>
+            <pc:sldMk cId="3732819603" sldId="369"/>
+            <ac:spMk id="79" creationId="{7A95C4D6-EBE3-4812-AE7C-33B1E45E5A5B}"/>
+          </ac:spMkLst>
+        </pc:spChg>
+        <pc:spChg chg="add del mod">
+          <ac:chgData name="Jackie N" userId="8b14f1697149b7ae" providerId="LiveId" clId="{07AE1321-E1B5-44BC-BC54-8923ADAC392F}" dt="2022-03-21T19:05:35.312" v="6"/>
+          <ac:spMkLst>
+            <pc:docMk/>
+            <pc:sldMk cId="3732819603" sldId="369"/>
+            <ac:spMk id="80" creationId="{0F6D04F5-2027-4B07-AFA8-8E51729B7F87}"/>
+          </ac:spMkLst>
+        </pc:spChg>
+        <pc:spChg chg="add del mod">
+          <ac:chgData name="Jackie N" userId="8b14f1697149b7ae" providerId="LiveId" clId="{07AE1321-E1B5-44BC-BC54-8923ADAC392F}" dt="2022-03-21T19:05:35.312" v="6"/>
+          <ac:spMkLst>
+            <pc:docMk/>
+            <pc:sldMk cId="3732819603" sldId="369"/>
+            <ac:spMk id="81" creationId="{9FB211E5-70BC-433D-8AE2-31119186080A}"/>
+          </ac:spMkLst>
+        </pc:spChg>
+        <pc:spChg chg="mod">
+          <ac:chgData name="Jackie N" userId="8b14f1697149b7ae" providerId="LiveId" clId="{07AE1321-E1B5-44BC-BC54-8923ADAC392F}" dt="2022-03-21T19:05:33.732" v="5"/>
+          <ac:spMkLst>
+            <pc:docMk/>
+            <pc:sldMk cId="3732819603" sldId="369"/>
+            <ac:spMk id="88" creationId="{C690B03A-F75D-4F78-9F9C-91A609BE9C7C}"/>
+          </ac:spMkLst>
+        </pc:spChg>
+        <pc:spChg chg="add del mod">
+          <ac:chgData name="Jackie N" userId="8b14f1697149b7ae" providerId="LiveId" clId="{07AE1321-E1B5-44BC-BC54-8923ADAC392F}" dt="2022-03-21T19:05:35.312" v="6"/>
+          <ac:spMkLst>
+            <pc:docMk/>
+            <pc:sldMk cId="3732819603" sldId="369"/>
+            <ac:spMk id="90" creationId="{C51D49CD-868A-41F7-BA68-CCD5B703B30E}"/>
+          </ac:spMkLst>
+        </pc:spChg>
+        <pc:spChg chg="add del mod">
+          <ac:chgData name="Jackie N" userId="8b14f1697149b7ae" providerId="LiveId" clId="{07AE1321-E1B5-44BC-BC54-8923ADAC392F}" dt="2022-03-21T19:05:35.312" v="6"/>
+          <ac:spMkLst>
+            <pc:docMk/>
+            <pc:sldMk cId="3732819603" sldId="369"/>
+            <ac:spMk id="91" creationId="{B328AFFE-C4CB-41FB-BAAC-858447C75622}"/>
+          </ac:spMkLst>
+        </pc:spChg>
+        <pc:spChg chg="add mod">
+          <ac:chgData name="Jackie N" userId="8b14f1697149b7ae" providerId="LiveId" clId="{07AE1321-E1B5-44BC-BC54-8923ADAC392F}" dt="2022-03-21T19:05:44.320" v="7"/>
+          <ac:spMkLst>
+            <pc:docMk/>
+            <pc:sldMk cId="3732819603" sldId="369"/>
+            <ac:spMk id="92" creationId="{62E0DA5E-720F-479C-AF3A-9E634D5BBCB0}"/>
+          </ac:spMkLst>
+        </pc:spChg>
+        <pc:spChg chg="add mod">
+          <ac:chgData name="Jackie N" userId="8b14f1697149b7ae" providerId="LiveId" clId="{07AE1321-E1B5-44BC-BC54-8923ADAC392F}" dt="2022-03-21T19:06:33.137" v="108" actId="1076"/>
+          <ac:spMkLst>
+            <pc:docMk/>
+            <pc:sldMk cId="3732819603" sldId="369"/>
+            <ac:spMk id="93" creationId="{7999C9E9-E149-4E5F-907E-57BA989539A3}"/>
+          </ac:spMkLst>
+        </pc:spChg>
+        <pc:spChg chg="mod">
+          <ac:chgData name="Jackie N" userId="8b14f1697149b7ae" providerId="LiveId" clId="{07AE1321-E1B5-44BC-BC54-8923ADAC392F}" dt="2022-03-21T19:05:44.320" v="7"/>
+          <ac:spMkLst>
+            <pc:docMk/>
+            <pc:sldMk cId="3732819603" sldId="369"/>
+            <ac:spMk id="96" creationId="{34A24359-6A92-4311-B53B-0BE9DAB6053B}"/>
+          </ac:spMkLst>
+        </pc:spChg>
+        <pc:spChg chg="add mod">
+          <ac:chgData name="Jackie N" userId="8b14f1697149b7ae" providerId="LiveId" clId="{07AE1321-E1B5-44BC-BC54-8923ADAC392F}" dt="2022-03-21T19:05:50.568" v="8" actId="14100"/>
+          <ac:spMkLst>
+            <pc:docMk/>
+            <pc:sldMk cId="3732819603" sldId="369"/>
+            <ac:spMk id="99" creationId="{301F5C07-7FF1-4C90-8198-FC9C51216C7E}"/>
+          </ac:spMkLst>
+        </pc:spChg>
+        <pc:spChg chg="mod">
+          <ac:chgData name="Jackie N" userId="8b14f1697149b7ae" providerId="LiveId" clId="{07AE1321-E1B5-44BC-BC54-8923ADAC392F}" dt="2022-03-21T19:05:44.320" v="7"/>
+          <ac:spMkLst>
+            <pc:docMk/>
+            <pc:sldMk cId="3732819603" sldId="369"/>
+            <ac:spMk id="102" creationId="{1FD507AA-6950-4863-B20C-4A9044787D8B}"/>
+          </ac:spMkLst>
+        </pc:spChg>
+        <pc:spChg chg="add mod">
+          <ac:chgData name="Jackie N" userId="8b14f1697149b7ae" providerId="LiveId" clId="{07AE1321-E1B5-44BC-BC54-8923ADAC392F}" dt="2022-03-21T19:05:44.320" v="7"/>
+          <ac:spMkLst>
+            <pc:docMk/>
+            <pc:sldMk cId="3732819603" sldId="369"/>
+            <ac:spMk id="103" creationId="{81413883-6C1C-4C1A-B1BB-B42D007C8525}"/>
+          </ac:spMkLst>
+        </pc:spChg>
+        <pc:spChg chg="add mod">
+          <ac:chgData name="Jackie N" userId="8b14f1697149b7ae" providerId="LiveId" clId="{07AE1321-E1B5-44BC-BC54-8923ADAC392F}" dt="2022-03-21T19:06:37.616" v="109" actId="1076"/>
+          <ac:spMkLst>
+            <pc:docMk/>
+            <pc:sldMk cId="3732819603" sldId="369"/>
+            <ac:spMk id="104" creationId="{8F7524AC-68A6-453C-8749-2435CC547C76}"/>
+          </ac:spMkLst>
+        </pc:spChg>
+        <pc:spChg chg="add mod">
+          <ac:chgData name="Jackie N" userId="8b14f1697149b7ae" providerId="LiveId" clId="{07AE1321-E1B5-44BC-BC54-8923ADAC392F}" dt="2022-03-21T19:15:31.225" v="451" actId="20577"/>
+          <ac:spMkLst>
+            <pc:docMk/>
+            <pc:sldMk cId="3732819603" sldId="369"/>
+            <ac:spMk id="105" creationId="{43C8943A-66D6-435A-8904-1BEFF40068DE}"/>
+          </ac:spMkLst>
+        </pc:spChg>
+        <pc:spChg chg="add del mod">
+          <ac:chgData name="Jackie N" userId="8b14f1697149b7ae" providerId="LiveId" clId="{07AE1321-E1B5-44BC-BC54-8923ADAC392F}" dt="2022-03-21T19:07:00.964" v="137" actId="478"/>
+          <ac:spMkLst>
+            <pc:docMk/>
+            <pc:sldMk cId="3732819603" sldId="369"/>
+            <ac:spMk id="106" creationId="{9A27100E-7D5D-4C0A-8A0C-5CB75632C0FF}"/>
+          </ac:spMkLst>
+        </pc:spChg>
+        <pc:spChg chg="mod">
+          <ac:chgData name="Jackie N" userId="8b14f1697149b7ae" providerId="LiveId" clId="{07AE1321-E1B5-44BC-BC54-8923ADAC392F}" dt="2022-03-21T19:05:44.320" v="7"/>
+          <ac:spMkLst>
+            <pc:docMk/>
+            <pc:sldMk cId="3732819603" sldId="369"/>
+            <ac:spMk id="113" creationId="{6777CAFB-0518-4E10-8247-A61D9673B8C7}"/>
+          </ac:spMkLst>
+        </pc:spChg>
+        <pc:spChg chg="mod">
+          <ac:chgData name="Jackie N" userId="8b14f1697149b7ae" providerId="LiveId" clId="{07AE1321-E1B5-44BC-BC54-8923ADAC392F}" dt="2022-03-21T19:05:58.057" v="10" actId="1076"/>
+          <ac:spMkLst>
+            <pc:docMk/>
+            <pc:sldMk cId="3732819603" sldId="369"/>
+            <ac:spMk id="115" creationId="{685F49E4-53E7-41BA-ABAA-9153A7ED27D0}"/>
+          </ac:spMkLst>
+        </pc:spChg>
+        <pc:spChg chg="add mod">
+          <ac:chgData name="Jackie N" userId="8b14f1697149b7ae" providerId="LiveId" clId="{07AE1321-E1B5-44BC-BC54-8923ADAC392F}" dt="2022-03-21T19:05:44.320" v="7"/>
+          <ac:spMkLst>
+            <pc:docMk/>
+            <pc:sldMk cId="3732819603" sldId="369"/>
+            <ac:spMk id="116" creationId="{71DC2356-AF09-4D62-BC8E-66805B0B5F4C}"/>
+          </ac:spMkLst>
+        </pc:spChg>
+        <pc:spChg chg="add mod">
+          <ac:chgData name="Jackie N" userId="8b14f1697149b7ae" providerId="LiveId" clId="{07AE1321-E1B5-44BC-BC54-8923ADAC392F}" dt="2022-03-21T19:05:44.320" v="7"/>
+          <ac:spMkLst>
+            <pc:docMk/>
+            <pc:sldMk cId="3732819603" sldId="369"/>
+            <ac:spMk id="117" creationId="{35399D29-BBC9-4998-85F2-C7ED90600EF6}"/>
+          </ac:spMkLst>
+        </pc:spChg>
+        <pc:spChg chg="add mod">
+          <ac:chgData name="Jackie N" userId="8b14f1697149b7ae" providerId="LiveId" clId="{07AE1321-E1B5-44BC-BC54-8923ADAC392F}" dt="2022-03-21T19:07:11.635" v="138" actId="1076"/>
+          <ac:spMkLst>
+            <pc:docMk/>
+            <pc:sldMk cId="3732819603" sldId="369"/>
+            <ac:spMk id="118" creationId="{A86DC910-3D53-4415-B119-9F69C3CD6733}"/>
+          </ac:spMkLst>
+        </pc:spChg>
+        <pc:spChg chg="add mod ord">
+          <ac:chgData name="Jackie N" userId="8b14f1697149b7ae" providerId="LiveId" clId="{07AE1321-E1B5-44BC-BC54-8923ADAC392F}" dt="2022-03-21T19:08:17.403" v="177" actId="1076"/>
+          <ac:spMkLst>
+            <pc:docMk/>
+            <pc:sldMk cId="3732819603" sldId="369"/>
+            <ac:spMk id="119" creationId="{021114F5-194D-46DB-A300-4B8B395064F2}"/>
+          </ac:spMkLst>
+        </pc:spChg>
+        <pc:grpChg chg="del">
+          <ac:chgData name="Jackie N" userId="8b14f1697149b7ae" providerId="LiveId" clId="{07AE1321-E1B5-44BC-BC54-8923ADAC392F}" dt="2022-03-21T19:05:31.442" v="4" actId="478"/>
+          <ac:grpSpMkLst>
+            <pc:docMk/>
+            <pc:sldMk cId="3732819603" sldId="369"/>
+            <ac:grpSpMk id="37" creationId="{06D0EBD3-6F0C-47BD-85C8-C060BA28761B}"/>
+          </ac:grpSpMkLst>
+        </pc:grpChg>
+        <pc:grpChg chg="del">
+          <ac:chgData name="Jackie N" userId="8b14f1697149b7ae" providerId="LiveId" clId="{07AE1321-E1B5-44BC-BC54-8923ADAC392F}" dt="2022-03-21T19:05:31.442" v="4" actId="478"/>
+          <ac:grpSpMkLst>
+            <pc:docMk/>
+            <pc:sldMk cId="3732819603" sldId="369"/>
+            <ac:grpSpMk id="47" creationId="{A35FF689-D231-4400-AE95-D77D78E57AEA}"/>
+          </ac:grpSpMkLst>
+        </pc:grpChg>
+        <pc:grpChg chg="del">
+          <ac:chgData name="Jackie N" userId="8b14f1697149b7ae" providerId="LiveId" clId="{07AE1321-E1B5-44BC-BC54-8923ADAC392F}" dt="2022-03-21T19:05:31.442" v="4" actId="478"/>
+          <ac:grpSpMkLst>
+            <pc:docMk/>
+            <pc:sldMk cId="3732819603" sldId="369"/>
+            <ac:grpSpMk id="63" creationId="{6E9619A2-7C03-450E-BBDB-18FE96D134E2}"/>
+          </ac:grpSpMkLst>
+        </pc:grpChg>
+        <pc:grpChg chg="add del mod">
+          <ac:chgData name="Jackie N" userId="8b14f1697149b7ae" providerId="LiveId" clId="{07AE1321-E1B5-44BC-BC54-8923ADAC392F}" dt="2022-03-21T19:05:35.312" v="6"/>
+          <ac:grpSpMkLst>
+            <pc:docMk/>
+            <pc:sldMk cId="3732819603" sldId="369"/>
+            <ac:grpSpMk id="69" creationId="{CDE50DA7-971E-4B80-9AA0-3C9D8E9A3354}"/>
+          </ac:grpSpMkLst>
+        </pc:grpChg>
+        <pc:grpChg chg="add del mod">
+          <ac:chgData name="Jackie N" userId="8b14f1697149b7ae" providerId="LiveId" clId="{07AE1321-E1B5-44BC-BC54-8923ADAC392F}" dt="2022-03-21T19:05:35.312" v="6"/>
+          <ac:grpSpMkLst>
+            <pc:docMk/>
+            <pc:sldMk cId="3732819603" sldId="369"/>
+            <ac:grpSpMk id="75" creationId="{F15B5707-DCB0-4612-9EDC-8F5D48ABED5A}"/>
+          </ac:grpSpMkLst>
+        </pc:grpChg>
+        <pc:grpChg chg="add del mod">
+          <ac:chgData name="Jackie N" userId="8b14f1697149b7ae" providerId="LiveId" clId="{07AE1321-E1B5-44BC-BC54-8923ADAC392F}" dt="2022-03-21T19:05:35.312" v="6"/>
+          <ac:grpSpMkLst>
+            <pc:docMk/>
+            <pc:sldMk cId="3732819603" sldId="369"/>
+            <ac:grpSpMk id="86" creationId="{B8A44CF1-AE27-4FD1-BF72-B714BA624FB9}"/>
+          </ac:grpSpMkLst>
+        </pc:grpChg>
+        <pc:grpChg chg="add mod">
+          <ac:chgData name="Jackie N" userId="8b14f1697149b7ae" providerId="LiveId" clId="{07AE1321-E1B5-44BC-BC54-8923ADAC392F}" dt="2022-03-21T19:08:39.640" v="273" actId="1036"/>
+          <ac:grpSpMkLst>
+            <pc:docMk/>
+            <pc:sldMk cId="3732819603" sldId="369"/>
+            <ac:grpSpMk id="94" creationId="{01C0FB8C-2F2B-4170-8394-77AC09698548}"/>
+          </ac:grpSpMkLst>
+        </pc:grpChg>
+        <pc:grpChg chg="add mod">
+          <ac:chgData name="Jackie N" userId="8b14f1697149b7ae" providerId="LiveId" clId="{07AE1321-E1B5-44BC-BC54-8923ADAC392F}" dt="2022-03-21T19:08:39.640" v="273" actId="1036"/>
+          <ac:grpSpMkLst>
+            <pc:docMk/>
+            <pc:sldMk cId="3732819603" sldId="369"/>
+            <ac:grpSpMk id="100" creationId="{CF4BF398-DC29-4145-A44F-5929ABA01800}"/>
+          </ac:grpSpMkLst>
+        </pc:grpChg>
+        <pc:grpChg chg="add mod">
+          <ac:chgData name="Jackie N" userId="8b14f1697149b7ae" providerId="LiveId" clId="{07AE1321-E1B5-44BC-BC54-8923ADAC392F}" dt="2022-03-21T19:08:58.204" v="350" actId="1076"/>
+          <ac:grpSpMkLst>
+            <pc:docMk/>
+            <pc:sldMk cId="3732819603" sldId="369"/>
+            <ac:grpSpMk id="111" creationId="{2C373BCF-F5BC-4039-BA54-B78521D0C3A4}"/>
+          </ac:grpSpMkLst>
+        </pc:grpChg>
+        <pc:picChg chg="del">
+          <ac:chgData name="Jackie N" userId="8b14f1697149b7ae" providerId="LiveId" clId="{07AE1321-E1B5-44BC-BC54-8923ADAC392F}" dt="2022-03-21T19:05:31.442" v="4" actId="478"/>
+          <ac:picMkLst>
+            <pc:docMk/>
+            <pc:sldMk cId="3732819603" sldId="369"/>
+            <ac:picMk id="40" creationId="{BE70AD58-1FBE-49FE-B4DC-6F2965FAD6AE}"/>
+          </ac:picMkLst>
+        </pc:picChg>
+        <pc:picChg chg="del">
+          <ac:chgData name="Jackie N" userId="8b14f1697149b7ae" providerId="LiveId" clId="{07AE1321-E1B5-44BC-BC54-8923ADAC392F}" dt="2022-03-21T19:04:44.794" v="1" actId="478"/>
+          <ac:picMkLst>
+            <pc:docMk/>
+            <pc:sldMk cId="3732819603" sldId="369"/>
+            <ac:picMk id="41" creationId="{C4E8442D-8A3E-416A-AF1A-CEA1F45DB363}"/>
+          </ac:picMkLst>
+        </pc:picChg>
+        <pc:picChg chg="mod">
+          <ac:chgData name="Jackie N" userId="8b14f1697149b7ae" providerId="LiveId" clId="{07AE1321-E1B5-44BC-BC54-8923ADAC392F}" dt="2022-03-21T19:05:54.369" v="9" actId="1076"/>
+          <ac:picMkLst>
+            <pc:docMk/>
+            <pc:sldMk cId="3732819603" sldId="369"/>
+            <ac:picMk id="46" creationId="{AE548326-FB5F-4D36-B2A5-7BFF42ED2E7C}"/>
+          </ac:picMkLst>
+        </pc:picChg>
+        <pc:picChg chg="del">
+          <ac:chgData name="Jackie N" userId="8b14f1697149b7ae" providerId="LiveId" clId="{07AE1321-E1B5-44BC-BC54-8923ADAC392F}" dt="2022-03-21T19:05:31.442" v="4" actId="478"/>
+          <ac:picMkLst>
+            <pc:docMk/>
+            <pc:sldMk cId="3732819603" sldId="369"/>
+            <ac:picMk id="60" creationId="{0529C03D-A211-4707-A10A-E3F82B935652}"/>
+          </ac:picMkLst>
+        </pc:picChg>
+        <pc:picChg chg="mod">
+          <ac:chgData name="Jackie N" userId="8b14f1697149b7ae" providerId="LiveId" clId="{07AE1321-E1B5-44BC-BC54-8923ADAC392F}" dt="2022-03-21T19:05:33.732" v="5"/>
+          <ac:picMkLst>
+            <pc:docMk/>
+            <pc:sldMk cId="3732819603" sldId="369"/>
+            <ac:picMk id="70" creationId="{40E6184E-B149-42CA-B1EF-2E75A89B58C0}"/>
+          </ac:picMkLst>
+        </pc:picChg>
+        <pc:picChg chg="add del mod">
+          <ac:chgData name="Jackie N" userId="8b14f1697149b7ae" providerId="LiveId" clId="{07AE1321-E1B5-44BC-BC54-8923ADAC392F}" dt="2022-03-21T19:05:35.312" v="6"/>
+          <ac:picMkLst>
+            <pc:docMk/>
+            <pc:sldMk cId="3732819603" sldId="369"/>
+            <ac:picMk id="72" creationId="{A99812F5-B515-4830-8149-A5FAAD6AF644}"/>
+          </ac:picMkLst>
+        </pc:picChg>
+        <pc:picChg chg="mod">
+          <ac:chgData name="Jackie N" userId="8b14f1697149b7ae" providerId="LiveId" clId="{07AE1321-E1B5-44BC-BC54-8923ADAC392F}" dt="2022-03-21T19:05:33.732" v="5"/>
+          <ac:picMkLst>
+            <pc:docMk/>
+            <pc:sldMk cId="3732819603" sldId="369"/>
+            <ac:picMk id="76" creationId="{F530606D-09D2-4544-A414-D991B935F250}"/>
+          </ac:picMkLst>
+        </pc:picChg>
+        <pc:picChg chg="add del mod">
+          <ac:chgData name="Jackie N" userId="8b14f1697149b7ae" providerId="LiveId" clId="{07AE1321-E1B5-44BC-BC54-8923ADAC392F}" dt="2022-03-21T19:05:35.312" v="6"/>
+          <ac:picMkLst>
+            <pc:docMk/>
+            <pc:sldMk cId="3732819603" sldId="369"/>
+            <ac:picMk id="84" creationId="{91158682-0A5E-4431-9966-A11957E696C8}"/>
+          </ac:picMkLst>
+        </pc:picChg>
+        <pc:picChg chg="mod">
+          <ac:chgData name="Jackie N" userId="8b14f1697149b7ae" providerId="LiveId" clId="{07AE1321-E1B5-44BC-BC54-8923ADAC392F}" dt="2022-03-21T19:05:33.732" v="5"/>
+          <ac:picMkLst>
+            <pc:docMk/>
+            <pc:sldMk cId="3732819603" sldId="369"/>
+            <ac:picMk id="87" creationId="{6B136AA6-62E0-4144-B579-E98354EEDBB9}"/>
+          </ac:picMkLst>
+        </pc:picChg>
+        <pc:picChg chg="mod">
+          <ac:chgData name="Jackie N" userId="8b14f1697149b7ae" providerId="LiveId" clId="{07AE1321-E1B5-44BC-BC54-8923ADAC392F}" dt="2022-03-21T19:05:44.320" v="7"/>
+          <ac:picMkLst>
+            <pc:docMk/>
+            <pc:sldMk cId="3732819603" sldId="369"/>
+            <ac:picMk id="95" creationId="{720CBC3A-E74E-4FC7-B8E4-D26AE90673E2}"/>
+          </ac:picMkLst>
+        </pc:picChg>
+        <pc:picChg chg="add mod">
+          <ac:chgData name="Jackie N" userId="8b14f1697149b7ae" providerId="LiveId" clId="{07AE1321-E1B5-44BC-BC54-8923ADAC392F}" dt="2022-03-21T19:08:44.739" v="348" actId="1035"/>
+          <ac:picMkLst>
+            <pc:docMk/>
+            <pc:sldMk cId="3732819603" sldId="369"/>
+            <ac:picMk id="97" creationId="{CFD5134D-7AE3-4851-984E-FC7483353F51}"/>
+          </ac:picMkLst>
+        </pc:picChg>
+        <pc:picChg chg="mod">
+          <ac:chgData name="Jackie N" userId="8b14f1697149b7ae" providerId="LiveId" clId="{07AE1321-E1B5-44BC-BC54-8923ADAC392F}" dt="2022-03-21T19:05:44.320" v="7"/>
+          <ac:picMkLst>
+            <pc:docMk/>
+            <pc:sldMk cId="3732819603" sldId="369"/>
+            <ac:picMk id="101" creationId="{7B733F0F-7616-470F-946A-7DDBCB30A8D2}"/>
+          </ac:picMkLst>
+        </pc:picChg>
+        <pc:picChg chg="add mod">
+          <ac:chgData name="Jackie N" userId="8b14f1697149b7ae" providerId="LiveId" clId="{07AE1321-E1B5-44BC-BC54-8923ADAC392F}" dt="2022-03-21T19:08:55.348" v="349" actId="1076"/>
+          <ac:picMkLst>
+            <pc:docMk/>
+            <pc:sldMk cId="3732819603" sldId="369"/>
+            <ac:picMk id="109" creationId="{9A04F7FE-AB8B-47A4-AC5A-3F5BC2131B30}"/>
+          </ac:picMkLst>
+        </pc:picChg>
+        <pc:picChg chg="mod">
+          <ac:chgData name="Jackie N" userId="8b14f1697149b7ae" providerId="LiveId" clId="{07AE1321-E1B5-44BC-BC54-8923ADAC392F}" dt="2022-03-21T19:05:44.320" v="7"/>
+          <ac:picMkLst>
+            <pc:docMk/>
+            <pc:sldMk cId="3732819603" sldId="369"/>
+            <ac:picMk id="112" creationId="{BBAB7511-9162-4493-BC4F-EB8CCD37BD06}"/>
+          </ac:picMkLst>
+        </pc:picChg>
+        <pc:cxnChg chg="del mod">
+          <ac:chgData name="Jackie N" userId="8b14f1697149b7ae" providerId="LiveId" clId="{07AE1321-E1B5-44BC-BC54-8923ADAC392F}" dt="2022-03-21T19:05:31.442" v="4" actId="478"/>
+          <ac:cxnSpMkLst>
+            <pc:docMk/>
+            <pc:sldMk cId="3732819603" sldId="369"/>
+            <ac:cxnSpMk id="42" creationId="{517F6DB6-D9D2-4E0F-82A1-CAF50331C279}"/>
+          </ac:cxnSpMkLst>
+        </pc:cxnChg>
+        <pc:cxnChg chg="del mod">
+          <ac:chgData name="Jackie N" userId="8b14f1697149b7ae" providerId="LiveId" clId="{07AE1321-E1B5-44BC-BC54-8923ADAC392F}" dt="2022-03-21T19:04:46.449" v="2" actId="478"/>
+          <ac:cxnSpMkLst>
+            <pc:docMk/>
+            <pc:sldMk cId="3732819603" sldId="369"/>
+            <ac:cxnSpMk id="44" creationId="{A9920979-664F-4B5F-975B-8C9C5D053BC2}"/>
+          </ac:cxnSpMkLst>
+        </pc:cxnChg>
+        <pc:cxnChg chg="del mod">
+          <ac:chgData name="Jackie N" userId="8b14f1697149b7ae" providerId="LiveId" clId="{07AE1321-E1B5-44BC-BC54-8923ADAC392F}" dt="2022-03-21T19:05:31.442" v="4" actId="478"/>
+          <ac:cxnSpMkLst>
+            <pc:docMk/>
+            <pc:sldMk cId="3732819603" sldId="369"/>
+            <ac:cxnSpMk id="56" creationId="{E19B9B9E-0009-434A-86AF-3FFA43BB3881}"/>
+          </ac:cxnSpMkLst>
+        </pc:cxnChg>
+        <pc:cxnChg chg="del mod">
+          <ac:chgData name="Jackie N" userId="8b14f1697149b7ae" providerId="LiveId" clId="{07AE1321-E1B5-44BC-BC54-8923ADAC392F}" dt="2022-03-21T19:05:31.442" v="4" actId="478"/>
+          <ac:cxnSpMkLst>
+            <pc:docMk/>
+            <pc:sldMk cId="3732819603" sldId="369"/>
+            <ac:cxnSpMk id="58" creationId="{34C735D3-6F45-4C41-8D5B-F6D420C112E1}"/>
+          </ac:cxnSpMkLst>
+        </pc:cxnChg>
+        <pc:cxnChg chg="del mod">
+          <ac:chgData name="Jackie N" userId="8b14f1697149b7ae" providerId="LiveId" clId="{07AE1321-E1B5-44BC-BC54-8923ADAC392F}" dt="2022-03-21T19:05:31.442" v="4" actId="478"/>
+          <ac:cxnSpMkLst>
+            <pc:docMk/>
+            <pc:sldMk cId="3732819603" sldId="369"/>
+            <ac:cxnSpMk id="59" creationId="{A8686BF6-53B1-4E88-9312-BC72D4AA9CAA}"/>
+          </ac:cxnSpMkLst>
+        </pc:cxnChg>
+        <pc:cxnChg chg="del mod">
+          <ac:chgData name="Jackie N" userId="8b14f1697149b7ae" providerId="LiveId" clId="{07AE1321-E1B5-44BC-BC54-8923ADAC392F}" dt="2022-03-21T19:05:31.442" v="4" actId="478"/>
+          <ac:cxnSpMkLst>
+            <pc:docMk/>
+            <pc:sldMk cId="3732819603" sldId="369"/>
+            <ac:cxnSpMk id="61" creationId="{3874EE50-01F4-41E1-9E02-C78FD0B03903}"/>
+          </ac:cxnSpMkLst>
+        </pc:cxnChg>
+        <pc:cxnChg chg="del mod">
+          <ac:chgData name="Jackie N" userId="8b14f1697149b7ae" providerId="LiveId" clId="{07AE1321-E1B5-44BC-BC54-8923ADAC392F}" dt="2022-03-21T19:05:31.442" v="4" actId="478"/>
+          <ac:cxnSpMkLst>
+            <pc:docMk/>
+            <pc:sldMk cId="3732819603" sldId="369"/>
+            <ac:cxnSpMk id="66" creationId="{B6F21226-96AE-4489-8C03-5C9D740B6593}"/>
+          </ac:cxnSpMkLst>
+        </pc:cxnChg>
+        <pc:cxnChg chg="add del mod">
+          <ac:chgData name="Jackie N" userId="8b14f1697149b7ae" providerId="LiveId" clId="{07AE1321-E1B5-44BC-BC54-8923ADAC392F}" dt="2022-03-21T19:05:35.312" v="6"/>
+          <ac:cxnSpMkLst>
+            <pc:docMk/>
+            <pc:sldMk cId="3732819603" sldId="369"/>
+            <ac:cxnSpMk id="73" creationId="{8363DC24-2ECF-4A24-87C8-07C4BE4E9AA4}"/>
+          </ac:cxnSpMkLst>
+        </pc:cxnChg>
+        <pc:cxnChg chg="add del mod">
+          <ac:chgData name="Jackie N" userId="8b14f1697149b7ae" providerId="LiveId" clId="{07AE1321-E1B5-44BC-BC54-8923ADAC392F}" dt="2022-03-21T19:05:35.312" v="6"/>
+          <ac:cxnSpMkLst>
+            <pc:docMk/>
+            <pc:sldMk cId="3732819603" sldId="369"/>
+            <ac:cxnSpMk id="82" creationId="{B515F6B5-9FEF-4BEA-A298-2E4972CCD10C}"/>
+          </ac:cxnSpMkLst>
+        </pc:cxnChg>
+        <pc:cxnChg chg="add del mod">
+          <ac:chgData name="Jackie N" userId="8b14f1697149b7ae" providerId="LiveId" clId="{07AE1321-E1B5-44BC-BC54-8923ADAC392F}" dt="2022-03-21T19:05:35.312" v="6"/>
+          <ac:cxnSpMkLst>
+            <pc:docMk/>
+            <pc:sldMk cId="3732819603" sldId="369"/>
+            <ac:cxnSpMk id="83" creationId="{434BC9E0-8678-45EA-92EB-A2FA30B4FC26}"/>
+          </ac:cxnSpMkLst>
+        </pc:cxnChg>
+        <pc:cxnChg chg="add del mod">
+          <ac:chgData name="Jackie N" userId="8b14f1697149b7ae" providerId="LiveId" clId="{07AE1321-E1B5-44BC-BC54-8923ADAC392F}" dt="2022-03-21T19:05:35.312" v="6"/>
+          <ac:cxnSpMkLst>
+            <pc:docMk/>
+            <pc:sldMk cId="3732819603" sldId="369"/>
+            <ac:cxnSpMk id="85" creationId="{B13CECF7-3E7A-491D-99E4-3CADF31D2C6F}"/>
+          </ac:cxnSpMkLst>
+        </pc:cxnChg>
+        <pc:cxnChg chg="add del mod">
+          <ac:chgData name="Jackie N" userId="8b14f1697149b7ae" providerId="LiveId" clId="{07AE1321-E1B5-44BC-BC54-8923ADAC392F}" dt="2022-03-21T19:05:35.312" v="6"/>
+          <ac:cxnSpMkLst>
+            <pc:docMk/>
+            <pc:sldMk cId="3732819603" sldId="369"/>
+            <ac:cxnSpMk id="89" creationId="{B4BE8663-0299-4098-A50D-DAFF0100D2EF}"/>
+          </ac:cxnSpMkLst>
+        </pc:cxnChg>
+        <pc:cxnChg chg="add mod">
+          <ac:chgData name="Jackie N" userId="8b14f1697149b7ae" providerId="LiveId" clId="{07AE1321-E1B5-44BC-BC54-8923ADAC392F}" dt="2022-03-21T19:08:39.640" v="273" actId="1036"/>
+          <ac:cxnSpMkLst>
+            <pc:docMk/>
+            <pc:sldMk cId="3732819603" sldId="369"/>
+            <ac:cxnSpMk id="98" creationId="{9E1C9126-2517-4093-93EC-EEE17533B104}"/>
+          </ac:cxnSpMkLst>
+        </pc:cxnChg>
+        <pc:cxnChg chg="add mod">
+          <ac:chgData name="Jackie N" userId="8b14f1697149b7ae" providerId="LiveId" clId="{07AE1321-E1B5-44BC-BC54-8923ADAC392F}" dt="2022-03-21T19:08:07.413" v="174" actId="14100"/>
+          <ac:cxnSpMkLst>
+            <pc:docMk/>
+            <pc:sldMk cId="3732819603" sldId="369"/>
+            <ac:cxnSpMk id="107" creationId="{643464BB-3AC0-4A4D-A90E-DE71980EB5CA}"/>
+          </ac:cxnSpMkLst>
+        </pc:cxnChg>
+        <pc:cxnChg chg="add mod">
+          <ac:chgData name="Jackie N" userId="8b14f1697149b7ae" providerId="LiveId" clId="{07AE1321-E1B5-44BC-BC54-8923ADAC392F}" dt="2022-03-21T19:07:00.964" v="137" actId="478"/>
+          <ac:cxnSpMkLst>
+            <pc:docMk/>
+            <pc:sldMk cId="3732819603" sldId="369"/>
+            <ac:cxnSpMk id="108" creationId="{7F16F149-EA8E-4A08-8FAF-1AF2BFA53F27}"/>
+          </ac:cxnSpMkLst>
+        </pc:cxnChg>
+        <pc:cxnChg chg="add mod">
+          <ac:chgData name="Jackie N" userId="8b14f1697149b7ae" providerId="LiveId" clId="{07AE1321-E1B5-44BC-BC54-8923ADAC392F}" dt="2022-03-21T19:09:02.952" v="351" actId="14100"/>
+          <ac:cxnSpMkLst>
+            <pc:docMk/>
+            <pc:sldMk cId="3732819603" sldId="369"/>
+            <ac:cxnSpMk id="110" creationId="{56003883-F777-4273-94A2-FC485286CB35}"/>
+          </ac:cxnSpMkLst>
+        </pc:cxnChg>
+        <pc:cxnChg chg="add mod">
+          <ac:chgData name="Jackie N" userId="8b14f1697149b7ae" providerId="LiveId" clId="{07AE1321-E1B5-44BC-BC54-8923ADAC392F}" dt="2022-03-21T19:07:28.992" v="141" actId="14100"/>
+          <ac:cxnSpMkLst>
+            <pc:docMk/>
+            <pc:sldMk cId="3732819603" sldId="369"/>
+            <ac:cxnSpMk id="114" creationId="{363E993A-D929-474B-820B-70FD359C6043}"/>
+          </ac:cxnSpMkLst>
+        </pc:cxnChg>
+      </pc:sldChg>
+      <pc:sldChg chg="modSp add mod">
+        <pc:chgData name="Jackie N" userId="8b14f1697149b7ae" providerId="LiveId" clId="{07AE1321-E1B5-44BC-BC54-8923ADAC392F}" dt="2022-03-21T19:20:18.345" v="538" actId="20577"/>
+        <pc:sldMkLst>
+          <pc:docMk/>
+          <pc:sldMk cId="995646795" sldId="370"/>
+        </pc:sldMkLst>
+        <pc:spChg chg="mod">
+          <ac:chgData name="Jackie N" userId="8b14f1697149b7ae" providerId="LiveId" clId="{07AE1321-E1B5-44BC-BC54-8923ADAC392F}" dt="2022-03-21T19:20:18.345" v="538" actId="20577"/>
+          <ac:spMkLst>
+            <pc:docMk/>
+            <pc:sldMk cId="995646795" sldId="370"/>
+            <ac:spMk id="11" creationId="{37E23F2F-855D-4E5D-AFB5-36CDAD70EC34}"/>
+          </ac:spMkLst>
+        </pc:spChg>
+      </pc:sldChg>
+      <pc:sldChg chg="modSp add mod">
+        <pc:chgData name="Jackie N" userId="8b14f1697149b7ae" providerId="LiveId" clId="{07AE1321-E1B5-44BC-BC54-8923ADAC392F}" dt="2022-03-21T19:16:43.003" v="466" actId="255"/>
+        <pc:sldMkLst>
+          <pc:docMk/>
+          <pc:sldMk cId="223997098" sldId="371"/>
+        </pc:sldMkLst>
+        <pc:spChg chg="mod">
+          <ac:chgData name="Jackie N" userId="8b14f1697149b7ae" providerId="LiveId" clId="{07AE1321-E1B5-44BC-BC54-8923ADAC392F}" dt="2022-03-21T19:15:48.970" v="457" actId="20577"/>
+          <ac:spMkLst>
+            <pc:docMk/>
+            <pc:sldMk cId="223997098" sldId="371"/>
+            <ac:spMk id="11" creationId="{37E23F2F-855D-4E5D-AFB5-36CDAD70EC34}"/>
+          </ac:spMkLst>
+        </pc:spChg>
+        <pc:spChg chg="mod">
+          <ac:chgData name="Jackie N" userId="8b14f1697149b7ae" providerId="LiveId" clId="{07AE1321-E1B5-44BC-BC54-8923ADAC392F}" dt="2022-03-21T19:16:28.566" v="465" actId="255"/>
+          <ac:spMkLst>
+            <pc:docMk/>
+            <pc:sldMk cId="223997098" sldId="371"/>
+            <ac:spMk id="104" creationId="{8F7524AC-68A6-453C-8749-2435CC547C76}"/>
+          </ac:spMkLst>
+        </pc:spChg>
+        <pc:spChg chg="mod">
+          <ac:chgData name="Jackie N" userId="8b14f1697149b7ae" providerId="LiveId" clId="{07AE1321-E1B5-44BC-BC54-8923ADAC392F}" dt="2022-03-21T19:15:14.157" v="446"/>
+          <ac:spMkLst>
+            <pc:docMk/>
+            <pc:sldMk cId="223997098" sldId="371"/>
+            <ac:spMk id="105" creationId="{43C8943A-66D6-435A-8904-1BEFF40068DE}"/>
+          </ac:spMkLst>
+        </pc:spChg>
+        <pc:spChg chg="mod">
+          <ac:chgData name="Jackie N" userId="8b14f1697149b7ae" providerId="LiveId" clId="{07AE1321-E1B5-44BC-BC54-8923ADAC392F}" dt="2022-03-21T19:14:11.721" v="440" actId="20577"/>
+          <ac:spMkLst>
+            <pc:docMk/>
+            <pc:sldMk cId="223997098" sldId="371"/>
+            <ac:spMk id="116" creationId="{71DC2356-AF09-4D62-BC8E-66805B0B5F4C}"/>
+          </ac:spMkLst>
+        </pc:spChg>
+        <pc:spChg chg="mod">
+          <ac:chgData name="Jackie N" userId="8b14f1697149b7ae" providerId="LiveId" clId="{07AE1321-E1B5-44BC-BC54-8923ADAC392F}" dt="2022-03-21T19:16:07.843" v="464" actId="14100"/>
+          <ac:spMkLst>
+            <pc:docMk/>
+            <pc:sldMk cId="223997098" sldId="371"/>
+            <ac:spMk id="117" creationId="{35399D29-BBC9-4998-85F2-C7ED90600EF6}"/>
+          </ac:spMkLst>
+        </pc:spChg>
+        <pc:spChg chg="mod">
+          <ac:chgData name="Jackie N" userId="8b14f1697149b7ae" providerId="LiveId" clId="{07AE1321-E1B5-44BC-BC54-8923ADAC392F}" dt="2022-03-21T19:16:43.003" v="466" actId="255"/>
+          <ac:spMkLst>
+            <pc:docMk/>
+            <pc:sldMk cId="223997098" sldId="371"/>
+            <ac:spMk id="118" creationId="{A86DC910-3D53-4415-B119-9F69C3CD6733}"/>
+          </ac:spMkLst>
+        </pc:spChg>
+        <pc:cxnChg chg="mod">
+          <ac:chgData name="Jackie N" userId="8b14f1697149b7ae" providerId="LiveId" clId="{07AE1321-E1B5-44BC-BC54-8923ADAC392F}" dt="2022-03-21T19:12:41.567" v="408" actId="14100"/>
+          <ac:cxnSpMkLst>
+            <pc:docMk/>
+            <pc:sldMk cId="223997098" sldId="371"/>
+            <ac:cxnSpMk id="107" creationId="{643464BB-3AC0-4A4D-A90E-DE71980EB5CA}"/>
+          </ac:cxnSpMkLst>
+        </pc:cxnChg>
+        <pc:cxnChg chg="mod">
+          <ac:chgData name="Jackie N" userId="8b14f1697149b7ae" providerId="LiveId" clId="{07AE1321-E1B5-44BC-BC54-8923ADAC392F}" dt="2022-03-21T19:12:49.307" v="410" actId="14100"/>
+          <ac:cxnSpMkLst>
+            <pc:docMk/>
+            <pc:sldMk cId="223997098" sldId="371"/>
+            <ac:cxnSpMk id="108" creationId="{7F16F149-EA8E-4A08-8FAF-1AF2BFA53F27}"/>
+          </ac:cxnSpMkLst>
+        </pc:cxnChg>
+        <pc:cxnChg chg="mod">
+          <ac:chgData name="Jackie N" userId="8b14f1697149b7ae" providerId="LiveId" clId="{07AE1321-E1B5-44BC-BC54-8923ADAC392F}" dt="2022-03-21T19:12:45.663" v="409" actId="14100"/>
+          <ac:cxnSpMkLst>
+            <pc:docMk/>
+            <pc:sldMk cId="223997098" sldId="371"/>
+            <ac:cxnSpMk id="110" creationId="{56003883-F777-4273-94A2-FC485286CB35}"/>
+          </ac:cxnSpMkLst>
+        </pc:cxnChg>
+        <pc:cxnChg chg="mod">
+          <ac:chgData name="Jackie N" userId="8b14f1697149b7ae" providerId="LiveId" clId="{07AE1321-E1B5-44BC-BC54-8923ADAC392F}" dt="2022-03-21T19:12:41.567" v="408" actId="14100"/>
+          <ac:cxnSpMkLst>
+            <pc:docMk/>
+            <pc:sldMk cId="223997098" sldId="371"/>
+            <ac:cxnSpMk id="114" creationId="{363E993A-D929-474B-820B-70FD359C6043}"/>
+          </ac:cxnSpMkLst>
+        </pc:cxnChg>
+      </pc:sldChg>
+    </pc:docChg>
+  </pc:docChgLst>
+</pc:chgInfo>
+</file>
+
 <file path=ppt/notesMasters/notesMaster1.xml><?xml version="1.0" encoding="utf-8"?>
 <p:notesMaster xmlns:a="http://schemas.openxmlformats.org/drawingml/2006/main" xmlns:r="http://schemas.openxmlformats.org/officeDocument/2006/relationships" xmlns:p="http://schemas.openxmlformats.org/presentationml/2006/main">
   <p:cSld>
@@ -200,7 +1005,7 @@
           <a:p>
             <a:fld id="{69797AF1-868B-5A42-A764-B7DD04806930}" type="datetimeFigureOut">
               <a:rPr lang="en-US" smtClean="0"/>
-              <a:t>3/20/22</a:t>
+              <a:t>3/21/2022</a:t>
             </a:fld>
             <a:endParaRPr lang="en-US"/>
           </a:p>
@@ -1492,7 +2297,7 @@
               <a:buNone/>
             </a:pPr>
             <a:r>
-              <a:rPr lang="en-US" sz="1100" b="0" i="0" u="none" strike="noStrike" cap="none">
+              <a:rPr lang="en-US" sz="1100" b="0" i="0" u="none" strike="noStrike" cap="none" dirty="0">
                 <a:solidFill>
                   <a:srgbClr val="000000"/>
                 </a:solidFill>
@@ -1516,7 +2321,7 @@
               <a:buNone/>
             </a:pPr>
             <a:r>
-              <a:rPr lang="en-US" sz="1100" b="0" i="0" u="none" strike="noStrike" cap="none">
+              <a:rPr lang="en-US" sz="1100" b="0" i="0" u="none" strike="noStrike" cap="none" dirty="0">
                 <a:solidFill>
                   <a:srgbClr val="000000"/>
                 </a:solidFill>
@@ -1529,7 +2334,7 @@
               <a:t>You’ll notice that we’re running 2 models yielding both prediction &amp; causal results. This is to offer a robust product applying maximal </a:t>
             </a:r>
             <a:r>
-              <a:rPr lang="en-US" sz="1100" b="0" i="0" u="none" strike="noStrike" cap="none" err="1">
+              <a:rPr lang="en-US" sz="1100" b="0" i="0" u="none" strike="noStrike" cap="none" dirty="0" err="1">
                 <a:solidFill>
                   <a:srgbClr val="000000"/>
                 </a:solidFill>
@@ -1542,7 +2347,7 @@
               <a:t>datascience</a:t>
             </a:r>
             <a:r>
-              <a:rPr lang="en-US" sz="1100" b="0" i="0" u="none" strike="noStrike" cap="none">
+              <a:rPr lang="en-US" sz="1100" b="0" i="0" u="none" strike="noStrike" cap="none" dirty="0">
                 <a:solidFill>
                   <a:srgbClr val="000000"/>
                 </a:solidFill>
@@ -1565,7 +2370,7 @@
               </a:spcAft>
               <a:buNone/>
             </a:pPr>
-            <a:endParaRPr lang="en-US" sz="1800" b="0" i="0" u="none" strike="noStrike">
+            <a:endParaRPr lang="en-US" sz="1800" b="0" i="0" u="none" strike="noStrike" dirty="0">
               <a:solidFill>
                 <a:srgbClr val="000000"/>
               </a:solidFill>
@@ -1584,7 +2389,7 @@
               <a:buNone/>
             </a:pPr>
             <a:r>
-              <a:rPr lang="en-US" sz="1800" b="0" i="0" u="none" strike="noStrike">
+              <a:rPr lang="en-US" sz="1800" b="0" i="0" u="none" strike="noStrike" dirty="0">
                 <a:solidFill>
                   <a:srgbClr val="000000"/>
                 </a:solidFill>
@@ -1604,7 +2409,7 @@
               </a:spcAft>
             </a:pPr>
             <a:r>
-              <a:rPr lang="en-US" sz="1800" b="0" i="0" u="none" strike="noStrike">
+              <a:rPr lang="en-US" sz="1800" b="0" i="0" u="none" strike="noStrike" dirty="0">
                 <a:solidFill>
                   <a:srgbClr val="000000"/>
                 </a:solidFill>
@@ -1613,7 +2418,7 @@
               </a:rPr>
               <a:t>Technical discussion. </a:t>
             </a:r>
-            <a:endParaRPr lang="en-US" b="1">
+            <a:endParaRPr lang="en-US" b="1" dirty="0">
               <a:effectLst/>
             </a:endParaRPr>
           </a:p>
@@ -1629,7 +2434,7 @@
               <a:buChar char="•"/>
             </a:pPr>
             <a:r>
-              <a:rPr lang="en-US" sz="1800" b="0" i="0" u="none" strike="noStrike">
+              <a:rPr lang="en-US" sz="1800" b="0" i="0" u="none" strike="noStrike" dirty="0">
                 <a:solidFill>
                   <a:srgbClr val="000000"/>
                 </a:solidFill>
@@ -1651,7 +2456,7 @@
               <a:buChar char="•"/>
             </a:pPr>
             <a:r>
-              <a:rPr lang="en-US" sz="1800" b="0" i="0" u="none" strike="noStrike">
+              <a:rPr lang="en-US" sz="1800" b="0" i="0" u="none" strike="noStrike" dirty="0">
                 <a:solidFill>
                   <a:srgbClr val="000000"/>
                 </a:solidFill>
@@ -1673,7 +2478,7 @@
               <a:buChar char="•"/>
             </a:pPr>
             <a:r>
-              <a:rPr lang="en-US" sz="1800" b="0" i="0" u="none" strike="noStrike">
+              <a:rPr lang="en-US" sz="1800" b="0" i="0" u="none" strike="noStrike" dirty="0">
                 <a:solidFill>
                   <a:srgbClr val="000000"/>
                 </a:solidFill>
@@ -1695,7 +2500,7 @@
               <a:buChar char="•"/>
             </a:pPr>
             <a:r>
-              <a:rPr lang="en-US" sz="1800" b="0" i="0" u="none" strike="noStrike">
+              <a:rPr lang="en-US" sz="1800" b="0" i="0" u="none" strike="noStrike" dirty="0">
                 <a:solidFill>
                   <a:srgbClr val="000000"/>
                 </a:solidFill>
@@ -1717,7 +2522,7 @@
               <a:buChar char="•"/>
             </a:pPr>
             <a:r>
-              <a:rPr lang="en-US" sz="1800" b="0" i="0" u="none" strike="noStrike">
+              <a:rPr lang="en-US" sz="1800" b="0" i="0" u="none" strike="noStrike" dirty="0">
                 <a:solidFill>
                   <a:srgbClr val="000000"/>
                 </a:solidFill>
@@ -1739,7 +2544,7 @@
               <a:buChar char="•"/>
             </a:pPr>
             <a:r>
-              <a:rPr lang="en-US" sz="1800" b="0" i="0" u="none" strike="noStrike">
+              <a:rPr lang="en-US" sz="1800" b="0" i="0" u="none" strike="noStrike" dirty="0">
                 <a:solidFill>
                   <a:srgbClr val="000000"/>
                 </a:solidFill>
@@ -1761,7 +2566,7 @@
               <a:buChar char="•"/>
             </a:pPr>
             <a:r>
-              <a:rPr lang="en-US" sz="1800" b="0" i="0" u="none" strike="noStrike">
+              <a:rPr lang="en-US" sz="1800" b="0" i="0" u="none" strike="noStrike" dirty="0">
                 <a:solidFill>
                   <a:srgbClr val="000000"/>
                 </a:solidFill>
@@ -1782,7 +2587,7 @@
               <a:buFont typeface="Arial" panose="020B0604020202020204" pitchFamily="34" charset="0"/>
               <a:buChar char="•"/>
             </a:pPr>
-            <a:endParaRPr lang="en-US" sz="1800" b="0" i="0" u="none" strike="noStrike">
+            <a:endParaRPr lang="en-US" sz="1800" b="0" i="0" u="none" strike="noStrike" dirty="0">
               <a:solidFill>
                 <a:srgbClr val="000000"/>
               </a:solidFill>
@@ -1811,7 +2616,7 @@
               <a:defRPr/>
             </a:pPr>
             <a:r>
-              <a:rPr lang="en-US" sz="1800" b="0" i="0" u="none" strike="noStrike" cap="none">
+              <a:rPr lang="en-US" sz="1800" b="0" i="0" u="none" strike="noStrike" cap="none" dirty="0">
                 <a:solidFill>
                   <a:srgbClr val="000000"/>
                 </a:solidFill>
@@ -1823,7 +2628,7 @@
               </a:rPr>
               <a:t>We are currently using unsupervised clustering followed by a matching and sampling procedure to simulate a randomization process to create a treatment and control group. After that is done, we use statistical tests such as the T-test to generate causal insight. As a standard test of the null hypothesis, every time a test is run, we assume the sentencing for the treatment group ( black population), is the same as that of the control group (the white population) and based on the statistical significance and sample distribution, we decide whether we should reject the null and claim there is evidence of bias. We then quantify that bias with the treatment effect mean and confidence interval and store the results for UX visualizations to engage with our users.</a:t>
             </a:r>
-            <a:endParaRPr lang="en-US" sz="3200" b="0" i="0" u="none" strike="noStrike">
+            <a:endParaRPr lang="en-US" sz="3200" b="0" i="0" u="none" strike="noStrike" dirty="0">
               <a:solidFill>
                 <a:srgbClr val="000000"/>
               </a:solidFill>
@@ -1842,7 +2647,7 @@
               <a:buFont typeface="Arial" panose="020B0604020202020204" pitchFamily="34" charset="0"/>
               <a:buChar char="•"/>
             </a:pPr>
-            <a:endParaRPr lang="en-US" sz="1800" b="0" i="0" u="none" strike="noStrike">
+            <a:endParaRPr lang="en-US" sz="1800" b="0" i="0" u="none" strike="noStrike" dirty="0">
               <a:solidFill>
                 <a:srgbClr val="000000"/>
               </a:solidFill>
@@ -2322,6 +3127,516 @@
     <p:extLst>
       <p:ext uri="{BB962C8B-B14F-4D97-AF65-F5344CB8AC3E}">
         <p14:creationId xmlns:p14="http://schemas.microsoft.com/office/powerpoint/2010/main" val="966396284"/>
+      </p:ext>
+    </p:extLst>
+  </p:cSld>
+  <p:clrMapOvr>
+    <a:masterClrMapping/>
+  </p:clrMapOvr>
+</p:notes>
+</file>
+
+<file path=ppt/notesSlides/notesSlide5.xml><?xml version="1.0" encoding="utf-8"?>
+<p:notes xmlns:a="http://schemas.openxmlformats.org/drawingml/2006/main" xmlns:r="http://schemas.openxmlformats.org/officeDocument/2006/relationships" xmlns:p="http://schemas.openxmlformats.org/presentationml/2006/main">
+  <p:cSld>
+    <p:spTree>
+      <p:nvGrpSpPr>
+        <p:cNvPr id="1" name=""/>
+        <p:cNvGrpSpPr/>
+        <p:nvPr/>
+      </p:nvGrpSpPr>
+      <p:grpSpPr>
+        <a:xfrm>
+          <a:off x="0" y="0"/>
+          <a:ext cx="0" cy="0"/>
+          <a:chOff x="0" y="0"/>
+          <a:chExt cx="0" cy="0"/>
+        </a:xfrm>
+      </p:grpSpPr>
+      <p:sp>
+        <p:nvSpPr>
+          <p:cNvPr id="2" name="Slide Image Placeholder 1"/>
+          <p:cNvSpPr>
+            <a:spLocks noGrp="1" noRot="1" noChangeAspect="1"/>
+          </p:cNvSpPr>
+          <p:nvPr>
+            <p:ph type="sldImg"/>
+          </p:nvPr>
+        </p:nvSpPr>
+        <p:spPr>
+          <a:xfrm>
+            <a:off x="381000" y="685800"/>
+            <a:ext cx="6096000" cy="3429000"/>
+          </a:xfrm>
+        </p:spPr>
+      </p:sp>
+      <p:sp>
+        <p:nvSpPr>
+          <p:cNvPr id="3" name="Notes Placeholder 2"/>
+          <p:cNvSpPr>
+            <a:spLocks noGrp="1"/>
+          </p:cNvSpPr>
+          <p:nvPr>
+            <p:ph type="body" idx="1"/>
+          </p:nvPr>
+        </p:nvSpPr>
+        <p:spPr/>
+        <p:txBody>
+          <a:bodyPr/>
+          <a:lstStyle/>
+          <a:p>
+            <a:pPr marL="158750" indent="0">
+              <a:buNone/>
+            </a:pPr>
+            <a:endParaRPr lang="en-AU"/>
+          </a:p>
+          <a:p>
+            <a:pPr marL="158750" indent="0">
+              <a:buNone/>
+            </a:pPr>
+            <a:r>
+              <a:rPr lang="en-AU"/>
+              <a:t>Jackie created for website use because of the blue. </a:t>
+            </a:r>
+          </a:p>
+          <a:p>
+            <a:endParaRPr lang="en-AU"/>
+          </a:p>
+          <a:p>
+            <a:endParaRPr lang="en-AU"/>
+          </a:p>
+          <a:p>
+            <a:endParaRPr lang="en-US"/>
+          </a:p>
+        </p:txBody>
+      </p:sp>
+      <p:sp>
+        <p:nvSpPr>
+          <p:cNvPr id="4" name="Slide Number Placeholder 3"/>
+          <p:cNvSpPr>
+            <a:spLocks noGrp="1"/>
+          </p:cNvSpPr>
+          <p:nvPr>
+            <p:ph type="sldNum" sz="quarter" idx="10"/>
+          </p:nvPr>
+        </p:nvSpPr>
+        <p:spPr/>
+        <p:txBody>
+          <a:bodyPr/>
+          <a:lstStyle/>
+          <a:p>
+            <a:pPr marL="0" marR="0" lvl="0" indent="0" algn="r" defTabSz="1015313" rtl="0" eaLnBrk="1" fontAlgn="auto" latinLnBrk="0" hangingPunct="1">
+              <a:lnSpc>
+                <a:spcPct val="100000"/>
+              </a:lnSpc>
+              <a:spcBef>
+                <a:spcPts val="0"/>
+              </a:spcBef>
+              <a:spcAft>
+                <a:spcPts val="0"/>
+              </a:spcAft>
+              <a:buClrTx/>
+              <a:buSzTx/>
+              <a:buFontTx/>
+              <a:buNone/>
+              <a:tabLst/>
+              <a:defRPr/>
+            </a:pPr>
+            <a:fld id="{07525D1A-9CA5-4E94-B922-48D4C7E4CB42}" type="slidenum">
+              <a:rPr kumimoji="0" lang="en-US" sz="1300" b="0" i="0" u="none" strike="noStrike" kern="1200" cap="none" spc="0" normalizeH="0" baseline="0" noProof="0">
+                <a:ln>
+                  <a:noFill/>
+                </a:ln>
+                <a:solidFill>
+                  <a:prstClr val="black"/>
+                </a:solidFill>
+                <a:effectLst/>
+                <a:uLnTx/>
+                <a:uFillTx/>
+                <a:latin typeface="Calibri" panose="020F0502020204030204"/>
+                <a:ea typeface="+mn-ea"/>
+                <a:cs typeface="+mn-cs"/>
+              </a:rPr>
+              <a:pPr marL="0" marR="0" lvl="0" indent="0" algn="r" defTabSz="1015313" rtl="0" eaLnBrk="1" fontAlgn="auto" latinLnBrk="0" hangingPunct="1">
+                <a:lnSpc>
+                  <a:spcPct val="100000"/>
+                </a:lnSpc>
+                <a:spcBef>
+                  <a:spcPts val="0"/>
+                </a:spcBef>
+                <a:spcAft>
+                  <a:spcPts val="0"/>
+                </a:spcAft>
+                <a:buClrTx/>
+                <a:buSzTx/>
+                <a:buFontTx/>
+                <a:buNone/>
+                <a:tabLst/>
+                <a:defRPr/>
+              </a:pPr>
+              <a:t>5</a:t>
+            </a:fld>
+            <a:endParaRPr kumimoji="0" lang="en-US" sz="1300" b="0" i="0" u="none" strike="noStrike" kern="1200" cap="none" spc="0" normalizeH="0" baseline="0" noProof="0">
+              <a:ln>
+                <a:noFill/>
+              </a:ln>
+              <a:solidFill>
+                <a:prstClr val="black"/>
+              </a:solidFill>
+              <a:effectLst/>
+              <a:uLnTx/>
+              <a:uFillTx/>
+              <a:latin typeface="Calibri" panose="020F0502020204030204"/>
+              <a:ea typeface="+mn-ea"/>
+              <a:cs typeface="+mn-cs"/>
+            </a:endParaRPr>
+          </a:p>
+        </p:txBody>
+      </p:sp>
+    </p:spTree>
+    <p:extLst>
+      <p:ext uri="{BB962C8B-B14F-4D97-AF65-F5344CB8AC3E}">
+        <p14:creationId xmlns:p14="http://schemas.microsoft.com/office/powerpoint/2010/main" val="1898025042"/>
+      </p:ext>
+    </p:extLst>
+  </p:cSld>
+  <p:clrMapOvr>
+    <a:masterClrMapping/>
+  </p:clrMapOvr>
+</p:notes>
+</file>
+
+<file path=ppt/notesSlides/notesSlide6.xml><?xml version="1.0" encoding="utf-8"?>
+<p:notes xmlns:a="http://schemas.openxmlformats.org/drawingml/2006/main" xmlns:r="http://schemas.openxmlformats.org/officeDocument/2006/relationships" xmlns:p="http://schemas.openxmlformats.org/presentationml/2006/main">
+  <p:cSld>
+    <p:spTree>
+      <p:nvGrpSpPr>
+        <p:cNvPr id="1" name=""/>
+        <p:cNvGrpSpPr/>
+        <p:nvPr/>
+      </p:nvGrpSpPr>
+      <p:grpSpPr>
+        <a:xfrm>
+          <a:off x="0" y="0"/>
+          <a:ext cx="0" cy="0"/>
+          <a:chOff x="0" y="0"/>
+          <a:chExt cx="0" cy="0"/>
+        </a:xfrm>
+      </p:grpSpPr>
+      <p:sp>
+        <p:nvSpPr>
+          <p:cNvPr id="2" name="Slide Image Placeholder 1"/>
+          <p:cNvSpPr>
+            <a:spLocks noGrp="1" noRot="1" noChangeAspect="1"/>
+          </p:cNvSpPr>
+          <p:nvPr>
+            <p:ph type="sldImg"/>
+          </p:nvPr>
+        </p:nvSpPr>
+        <p:spPr>
+          <a:xfrm>
+            <a:off x="381000" y="685800"/>
+            <a:ext cx="6096000" cy="3429000"/>
+          </a:xfrm>
+        </p:spPr>
+      </p:sp>
+      <p:sp>
+        <p:nvSpPr>
+          <p:cNvPr id="3" name="Notes Placeholder 2"/>
+          <p:cNvSpPr>
+            <a:spLocks noGrp="1"/>
+          </p:cNvSpPr>
+          <p:nvPr>
+            <p:ph type="body" idx="1"/>
+          </p:nvPr>
+        </p:nvSpPr>
+        <p:spPr/>
+        <p:txBody>
+          <a:bodyPr/>
+          <a:lstStyle/>
+          <a:p>
+            <a:pPr marL="158750" indent="0">
+              <a:buNone/>
+            </a:pPr>
+            <a:endParaRPr lang="en-AU"/>
+          </a:p>
+          <a:p>
+            <a:pPr marL="158750" indent="0">
+              <a:buNone/>
+            </a:pPr>
+            <a:r>
+              <a:rPr lang="en-AU"/>
+              <a:t>Jackie created for website use because of the blue. </a:t>
+            </a:r>
+          </a:p>
+          <a:p>
+            <a:endParaRPr lang="en-AU"/>
+          </a:p>
+          <a:p>
+            <a:endParaRPr lang="en-AU"/>
+          </a:p>
+          <a:p>
+            <a:endParaRPr lang="en-US"/>
+          </a:p>
+        </p:txBody>
+      </p:sp>
+      <p:sp>
+        <p:nvSpPr>
+          <p:cNvPr id="4" name="Slide Number Placeholder 3"/>
+          <p:cNvSpPr>
+            <a:spLocks noGrp="1"/>
+          </p:cNvSpPr>
+          <p:nvPr>
+            <p:ph type="sldNum" sz="quarter" idx="10"/>
+          </p:nvPr>
+        </p:nvSpPr>
+        <p:spPr/>
+        <p:txBody>
+          <a:bodyPr/>
+          <a:lstStyle/>
+          <a:p>
+            <a:pPr marL="0" marR="0" lvl="0" indent="0" algn="r" defTabSz="1015313" rtl="0" eaLnBrk="1" fontAlgn="auto" latinLnBrk="0" hangingPunct="1">
+              <a:lnSpc>
+                <a:spcPct val="100000"/>
+              </a:lnSpc>
+              <a:spcBef>
+                <a:spcPts val="0"/>
+              </a:spcBef>
+              <a:spcAft>
+                <a:spcPts val="0"/>
+              </a:spcAft>
+              <a:buClrTx/>
+              <a:buSzTx/>
+              <a:buFontTx/>
+              <a:buNone/>
+              <a:tabLst/>
+              <a:defRPr/>
+            </a:pPr>
+            <a:fld id="{07525D1A-9CA5-4E94-B922-48D4C7E4CB42}" type="slidenum">
+              <a:rPr kumimoji="0" lang="en-US" sz="1300" b="0" i="0" u="none" strike="noStrike" kern="1200" cap="none" spc="0" normalizeH="0" baseline="0" noProof="0">
+                <a:ln>
+                  <a:noFill/>
+                </a:ln>
+                <a:solidFill>
+                  <a:prstClr val="black"/>
+                </a:solidFill>
+                <a:effectLst/>
+                <a:uLnTx/>
+                <a:uFillTx/>
+                <a:latin typeface="Calibri" panose="020F0502020204030204"/>
+                <a:ea typeface="+mn-ea"/>
+                <a:cs typeface="+mn-cs"/>
+              </a:rPr>
+              <a:pPr marL="0" marR="0" lvl="0" indent="0" algn="r" defTabSz="1015313" rtl="0" eaLnBrk="1" fontAlgn="auto" latinLnBrk="0" hangingPunct="1">
+                <a:lnSpc>
+                  <a:spcPct val="100000"/>
+                </a:lnSpc>
+                <a:spcBef>
+                  <a:spcPts val="0"/>
+                </a:spcBef>
+                <a:spcAft>
+                  <a:spcPts val="0"/>
+                </a:spcAft>
+                <a:buClrTx/>
+                <a:buSzTx/>
+                <a:buFontTx/>
+                <a:buNone/>
+                <a:tabLst/>
+                <a:defRPr/>
+              </a:pPr>
+              <a:t>6</a:t>
+            </a:fld>
+            <a:endParaRPr kumimoji="0" lang="en-US" sz="1300" b="0" i="0" u="none" strike="noStrike" kern="1200" cap="none" spc="0" normalizeH="0" baseline="0" noProof="0">
+              <a:ln>
+                <a:noFill/>
+              </a:ln>
+              <a:solidFill>
+                <a:prstClr val="black"/>
+              </a:solidFill>
+              <a:effectLst/>
+              <a:uLnTx/>
+              <a:uFillTx/>
+              <a:latin typeface="Calibri" panose="020F0502020204030204"/>
+              <a:ea typeface="+mn-ea"/>
+              <a:cs typeface="+mn-cs"/>
+            </a:endParaRPr>
+          </a:p>
+        </p:txBody>
+      </p:sp>
+    </p:spTree>
+    <p:extLst>
+      <p:ext uri="{BB962C8B-B14F-4D97-AF65-F5344CB8AC3E}">
+        <p14:creationId xmlns:p14="http://schemas.microsoft.com/office/powerpoint/2010/main" val="2586918697"/>
+      </p:ext>
+    </p:extLst>
+  </p:cSld>
+  <p:clrMapOvr>
+    <a:masterClrMapping/>
+  </p:clrMapOvr>
+</p:notes>
+</file>
+
+<file path=ppt/notesSlides/notesSlide7.xml><?xml version="1.0" encoding="utf-8"?>
+<p:notes xmlns:a="http://schemas.openxmlformats.org/drawingml/2006/main" xmlns:r="http://schemas.openxmlformats.org/officeDocument/2006/relationships" xmlns:p="http://schemas.openxmlformats.org/presentationml/2006/main">
+  <p:cSld>
+    <p:spTree>
+      <p:nvGrpSpPr>
+        <p:cNvPr id="1" name=""/>
+        <p:cNvGrpSpPr/>
+        <p:nvPr/>
+      </p:nvGrpSpPr>
+      <p:grpSpPr>
+        <a:xfrm>
+          <a:off x="0" y="0"/>
+          <a:ext cx="0" cy="0"/>
+          <a:chOff x="0" y="0"/>
+          <a:chExt cx="0" cy="0"/>
+        </a:xfrm>
+      </p:grpSpPr>
+      <p:sp>
+        <p:nvSpPr>
+          <p:cNvPr id="2" name="Slide Image Placeholder 1"/>
+          <p:cNvSpPr>
+            <a:spLocks noGrp="1" noRot="1" noChangeAspect="1"/>
+          </p:cNvSpPr>
+          <p:nvPr>
+            <p:ph type="sldImg"/>
+          </p:nvPr>
+        </p:nvSpPr>
+        <p:spPr>
+          <a:xfrm>
+            <a:off x="381000" y="685800"/>
+            <a:ext cx="6096000" cy="3429000"/>
+          </a:xfrm>
+        </p:spPr>
+      </p:sp>
+      <p:sp>
+        <p:nvSpPr>
+          <p:cNvPr id="3" name="Notes Placeholder 2"/>
+          <p:cNvSpPr>
+            <a:spLocks noGrp="1"/>
+          </p:cNvSpPr>
+          <p:nvPr>
+            <p:ph type="body" idx="1"/>
+          </p:nvPr>
+        </p:nvSpPr>
+        <p:spPr/>
+        <p:txBody>
+          <a:bodyPr/>
+          <a:lstStyle/>
+          <a:p>
+            <a:pPr marL="158750" indent="0">
+              <a:buNone/>
+            </a:pPr>
+            <a:endParaRPr lang="en-AU"/>
+          </a:p>
+          <a:p>
+            <a:pPr marL="158750" indent="0">
+              <a:buNone/>
+            </a:pPr>
+            <a:r>
+              <a:rPr lang="en-AU"/>
+              <a:t>Jackie created for website use because of the blue. </a:t>
+            </a:r>
+          </a:p>
+          <a:p>
+            <a:endParaRPr lang="en-AU"/>
+          </a:p>
+          <a:p>
+            <a:endParaRPr lang="en-AU"/>
+          </a:p>
+          <a:p>
+            <a:endParaRPr lang="en-US"/>
+          </a:p>
+        </p:txBody>
+      </p:sp>
+      <p:sp>
+        <p:nvSpPr>
+          <p:cNvPr id="4" name="Slide Number Placeholder 3"/>
+          <p:cNvSpPr>
+            <a:spLocks noGrp="1"/>
+          </p:cNvSpPr>
+          <p:nvPr>
+            <p:ph type="sldNum" sz="quarter" idx="10"/>
+          </p:nvPr>
+        </p:nvSpPr>
+        <p:spPr/>
+        <p:txBody>
+          <a:bodyPr/>
+          <a:lstStyle/>
+          <a:p>
+            <a:pPr marL="0" marR="0" lvl="0" indent="0" algn="r" defTabSz="1015313" rtl="0" eaLnBrk="1" fontAlgn="auto" latinLnBrk="0" hangingPunct="1">
+              <a:lnSpc>
+                <a:spcPct val="100000"/>
+              </a:lnSpc>
+              <a:spcBef>
+                <a:spcPts val="0"/>
+              </a:spcBef>
+              <a:spcAft>
+                <a:spcPts val="0"/>
+              </a:spcAft>
+              <a:buClrTx/>
+              <a:buSzTx/>
+              <a:buFontTx/>
+              <a:buNone/>
+              <a:tabLst/>
+              <a:defRPr/>
+            </a:pPr>
+            <a:fld id="{07525D1A-9CA5-4E94-B922-48D4C7E4CB42}" type="slidenum">
+              <a:rPr kumimoji="0" lang="en-US" sz="1300" b="0" i="0" u="none" strike="noStrike" kern="1200" cap="none" spc="0" normalizeH="0" baseline="0" noProof="0">
+                <a:ln>
+                  <a:noFill/>
+                </a:ln>
+                <a:solidFill>
+                  <a:prstClr val="black"/>
+                </a:solidFill>
+                <a:effectLst/>
+                <a:uLnTx/>
+                <a:uFillTx/>
+                <a:latin typeface="Calibri" panose="020F0502020204030204"/>
+                <a:ea typeface="+mn-ea"/>
+                <a:cs typeface="+mn-cs"/>
+              </a:rPr>
+              <a:pPr marL="0" marR="0" lvl="0" indent="0" algn="r" defTabSz="1015313" rtl="0" eaLnBrk="1" fontAlgn="auto" latinLnBrk="0" hangingPunct="1">
+                <a:lnSpc>
+                  <a:spcPct val="100000"/>
+                </a:lnSpc>
+                <a:spcBef>
+                  <a:spcPts val="0"/>
+                </a:spcBef>
+                <a:spcAft>
+                  <a:spcPts val="0"/>
+                </a:spcAft>
+                <a:buClrTx/>
+                <a:buSzTx/>
+                <a:buFontTx/>
+                <a:buNone/>
+                <a:tabLst/>
+                <a:defRPr/>
+              </a:pPr>
+              <a:t>7</a:t>
+            </a:fld>
+            <a:endParaRPr kumimoji="0" lang="en-US" sz="1300" b="0" i="0" u="none" strike="noStrike" kern="1200" cap="none" spc="0" normalizeH="0" baseline="0" noProof="0">
+              <a:ln>
+                <a:noFill/>
+              </a:ln>
+              <a:solidFill>
+                <a:prstClr val="black"/>
+              </a:solidFill>
+              <a:effectLst/>
+              <a:uLnTx/>
+              <a:uFillTx/>
+              <a:latin typeface="Calibri" panose="020F0502020204030204"/>
+              <a:ea typeface="+mn-ea"/>
+              <a:cs typeface="+mn-cs"/>
+            </a:endParaRPr>
+          </a:p>
+        </p:txBody>
+      </p:sp>
+    </p:spTree>
+    <p:extLst>
+      <p:ext uri="{BB962C8B-B14F-4D97-AF65-F5344CB8AC3E}">
+        <p14:creationId xmlns:p14="http://schemas.microsoft.com/office/powerpoint/2010/main" val="3672476067"/>
       </p:ext>
     </p:extLst>
   </p:cSld>
@@ -12917,6 +14232,143 @@
 </p:sldLayout>
 </file>
 
+<file path=ppt/slideLayouts/slideLayout22.xml><?xml version="1.0" encoding="utf-8"?>
+<p:sldLayout xmlns:a="http://schemas.openxmlformats.org/drawingml/2006/main" xmlns:r="http://schemas.openxmlformats.org/officeDocument/2006/relationships" xmlns:p="http://schemas.openxmlformats.org/presentationml/2006/main" userDrawn="1">
+  <p:cSld name="Demo slide">
+    <p:bg>
+      <p:bgPr>
+        <a:solidFill>
+          <a:srgbClr val="4472C4"/>
+        </a:solidFill>
+        <a:effectLst/>
+      </p:bgPr>
+    </p:bg>
+    <p:spTree>
+      <p:nvGrpSpPr>
+        <p:cNvPr id="1" name=""/>
+        <p:cNvGrpSpPr/>
+        <p:nvPr/>
+      </p:nvGrpSpPr>
+      <p:grpSpPr>
+        <a:xfrm>
+          <a:off x="0" y="0"/>
+          <a:ext cx="0" cy="0"/>
+          <a:chOff x="0" y="0"/>
+          <a:chExt cx="0" cy="0"/>
+        </a:xfrm>
+      </p:grpSpPr>
+      <p:sp>
+        <p:nvSpPr>
+          <p:cNvPr id="2" name="Title 1"/>
+          <p:cNvSpPr>
+            <a:spLocks noGrp="1"/>
+          </p:cNvSpPr>
+          <p:nvPr>
+            <p:ph type="title" hasCustomPrompt="1"/>
+          </p:nvPr>
+        </p:nvSpPr>
+        <p:spPr>
+          <a:xfrm>
+            <a:off x="269242" y="1186358"/>
+            <a:ext cx="9859116" cy="2697988"/>
+          </a:xfrm>
+          <a:prstGeom prst="rect">
+            <a:avLst/>
+          </a:prstGeom>
+          <a:noFill/>
+        </p:spPr>
+        <p:txBody>
+          <a:bodyPr tIns="91440" bIns="91440" anchor="t" anchorCtr="0"/>
+          <a:lstStyle>
+            <a:lvl1pPr>
+              <a:defRPr sz="7058" spc="-99" baseline="0">
+                <a:solidFill>
+                  <a:schemeClr val="bg1"/>
+                </a:solidFill>
+              </a:defRPr>
+            </a:lvl1pPr>
+          </a:lstStyle>
+          <a:p>
+            <a:r>
+              <a:rPr lang="en-US"/>
+              <a:t>Demo title</a:t>
+            </a:r>
+          </a:p>
+        </p:txBody>
+      </p:sp>
+      <p:sp>
+        <p:nvSpPr>
+          <p:cNvPr id="5" name="Text Placeholder 4"/>
+          <p:cNvSpPr>
+            <a:spLocks noGrp="1"/>
+          </p:cNvSpPr>
+          <p:nvPr>
+            <p:ph type="body" sz="quarter" idx="12" hasCustomPrompt="1"/>
+          </p:nvPr>
+        </p:nvSpPr>
+        <p:spPr>
+          <a:xfrm>
+            <a:off x="269241" y="3877274"/>
+            <a:ext cx="9860675" cy="1793881"/>
+          </a:xfrm>
+          <a:prstGeom prst="rect">
+            <a:avLst/>
+          </a:prstGeom>
+          <a:noFill/>
+        </p:spPr>
+        <p:txBody>
+          <a:bodyPr lIns="182880" tIns="146304" rIns="182880" bIns="146304">
+            <a:noAutofit/>
+          </a:bodyPr>
+          <a:lstStyle>
+            <a:lvl1pPr marL="0" indent="0">
+              <a:spcBef>
+                <a:spcPts val="0"/>
+              </a:spcBef>
+              <a:buNone/>
+              <a:defRPr sz="3529" spc="0" baseline="0">
+                <a:solidFill>
+                  <a:schemeClr val="bg1"/>
+                </a:solidFill>
+                <a:latin typeface="Segoe UI Light" panose="020B0502040204020203" pitchFamily="34" charset="0"/>
+                <a:cs typeface="Segoe UI Light" panose="020B0502040204020203" pitchFamily="34" charset="0"/>
+              </a:defRPr>
+            </a:lvl1pPr>
+          </a:lstStyle>
+          <a:p>
+            <a:pPr lvl="0"/>
+            <a:r>
+              <a:rPr lang="en-US"/>
+              <a:t>Speaker Name</a:t>
+            </a:r>
+          </a:p>
+        </p:txBody>
+      </p:sp>
+    </p:spTree>
+    <p:extLst>
+      <p:ext uri="{BB962C8B-B14F-4D97-AF65-F5344CB8AC3E}">
+        <p14:creationId xmlns:p14="http://schemas.microsoft.com/office/powerpoint/2010/main" val="2958038386"/>
+      </p:ext>
+    </p:extLst>
+  </p:cSld>
+  <p:clrMapOvr>
+    <a:masterClrMapping/>
+  </p:clrMapOvr>
+  <mc:AlternateContent xmlns:mc="http://schemas.openxmlformats.org/markup-compatibility/2006" xmlns:p14="http://schemas.microsoft.com/office/powerpoint/2010/main">
+    <mc:Choice Requires="p14">
+      <p:transition spd="slow" p14:dur="3400">
+        <p14:reveal/>
+      </p:transition>
+    </mc:Choice>
+    <mc:Fallback xmlns="">
+      <p:transition spd="slow">
+        <p:fade/>
+      </p:transition>
+    </mc:Fallback>
+  </mc:AlternateContent>
+</p:sldLayout>
+</file>
+
 <file path=ppt/slideLayouts/slideLayout3.xml><?xml version="1.0" encoding="utf-8"?>
 <p:sldLayout xmlns:a="http://schemas.openxmlformats.org/drawingml/2006/main" xmlns:r="http://schemas.openxmlformats.org/officeDocument/2006/relationships" xmlns:p="http://schemas.openxmlformats.org/presentationml/2006/main" matchingName="Title only" type="titleOnly">
   <p:cSld name="Title only">
@@ -18730,6 +20182,7 @@
     <p:sldLayoutId id="2147483679" r:id="rId19"/>
     <p:sldLayoutId id="2147483680" r:id="rId20"/>
     <p:sldLayoutId id="2147483681" r:id="rId21"/>
+    <p:sldLayoutId id="2147483682" r:id="rId22"/>
   </p:sldLayoutIdLst>
   <p:hf sldNum="0" hdr="0" ftr="0" dt="0"/>
   <p:txStyles>
@@ -23713,7 +25166,7 @@
         <p:spPr>
           <a:xfrm>
             <a:off x="9173980" y="1714614"/>
-            <a:ext cx="2091939" cy="269304"/>
+            <a:ext cx="2381327" cy="415498"/>
           </a:xfrm>
           <a:prstGeom prst="rect">
             <a:avLst/>
@@ -23746,7 +25199,7 @@
                 <a:cs typeface="Segoe UI Semibold"/>
                 <a:sym typeface="Arial"/>
               </a:rPr>
-              <a:t>BDDE Inference Container</a:t>
+              <a:t>Bias Detection Engine Inference (BDDE) Container</a:t>
             </a:r>
             <a:endParaRPr lang="en-US" sz="2400" kern="0" dirty="0">
               <a:solidFill>
@@ -25885,6 +27338,5912 @@
   <p:clrMapOvr>
     <a:masterClrMapping/>
   </p:clrMapOvr>
+</p:sld>
+</file>
+
+<file path=ppt/slides/slide5.xml><?xml version="1.0" encoding="utf-8"?>
+<p:sld xmlns:a="http://schemas.openxmlformats.org/drawingml/2006/main" xmlns:r="http://schemas.openxmlformats.org/officeDocument/2006/relationships" xmlns:p="http://schemas.openxmlformats.org/presentationml/2006/main">
+  <p:cSld>
+    <p:spTree>
+      <p:nvGrpSpPr>
+        <p:cNvPr id="1" name=""/>
+        <p:cNvGrpSpPr/>
+        <p:nvPr/>
+      </p:nvGrpSpPr>
+      <p:grpSpPr>
+        <a:xfrm>
+          <a:off x="0" y="0"/>
+          <a:ext cx="0" cy="0"/>
+          <a:chOff x="0" y="0"/>
+          <a:chExt cx="0" cy="0"/>
+        </a:xfrm>
+      </p:grpSpPr>
+      <p:sp>
+        <p:nvSpPr>
+          <p:cNvPr id="119" name="Rectangle 118">
+            <a:extLst>
+              <a:ext uri="{FF2B5EF4-FFF2-40B4-BE49-F238E27FC236}">
+                <a16:creationId xmlns:a16="http://schemas.microsoft.com/office/drawing/2014/main" id="{021114F5-194D-46DB-A300-4B8B395064F2}"/>
+              </a:ext>
+            </a:extLst>
+          </p:cNvPr>
+          <p:cNvSpPr/>
+          <p:nvPr/>
+        </p:nvSpPr>
+        <p:spPr>
+          <a:xfrm>
+            <a:off x="9064917" y="1213630"/>
+            <a:ext cx="2438400" cy="5564463"/>
+          </a:xfrm>
+          <a:prstGeom prst="rect">
+            <a:avLst/>
+          </a:prstGeom>
+          <a:solidFill>
+            <a:schemeClr val="tx1"/>
+          </a:solidFill>
+          <a:ln>
+            <a:solidFill>
+              <a:schemeClr val="tx1"/>
+            </a:solidFill>
+          </a:ln>
+        </p:spPr>
+        <p:style>
+          <a:lnRef idx="2">
+            <a:schemeClr val="accent1">
+              <a:shade val="50000"/>
+            </a:schemeClr>
+          </a:lnRef>
+          <a:fillRef idx="1">
+            <a:schemeClr val="accent1"/>
+          </a:fillRef>
+          <a:effectRef idx="0">
+            <a:schemeClr val="accent1"/>
+          </a:effectRef>
+          <a:fontRef idx="minor">
+            <a:schemeClr val="lt1"/>
+          </a:fontRef>
+        </p:style>
+        <p:txBody>
+          <a:bodyPr rtlCol="0" anchor="ctr"/>
+          <a:lstStyle/>
+          <a:p>
+            <a:pPr algn="ctr"/>
+            <a:endParaRPr lang="en-US" sz="2400"/>
+          </a:p>
+        </p:txBody>
+      </p:sp>
+      <p:sp>
+        <p:nvSpPr>
+          <p:cNvPr id="11" name="Title 10">
+            <a:extLst>
+              <a:ext uri="{FF2B5EF4-FFF2-40B4-BE49-F238E27FC236}">
+                <a16:creationId xmlns:a16="http://schemas.microsoft.com/office/drawing/2014/main" id="{37E23F2F-855D-4E5D-AFB5-36CDAD70EC34}"/>
+              </a:ext>
+            </a:extLst>
+          </p:cNvPr>
+          <p:cNvSpPr>
+            <a:spLocks noGrp="1"/>
+          </p:cNvSpPr>
+          <p:nvPr>
+            <p:ph type="title"/>
+          </p:nvPr>
+        </p:nvSpPr>
+        <p:spPr>
+          <a:xfrm>
+            <a:off x="413359" y="50875"/>
+            <a:ext cx="10972800" cy="772728"/>
+          </a:xfrm>
+        </p:spPr>
+        <p:txBody>
+          <a:bodyPr>
+            <a:normAutofit fontScale="90000"/>
+          </a:bodyPr>
+          <a:lstStyle/>
+          <a:p>
+            <a:pPr algn="ctr"/>
+            <a:r>
+              <a:rPr lang="en-US" sz="4000" dirty="0">
+                <a:latin typeface="Segoe UI" panose="020B0502040204020203" pitchFamily="34" charset="0"/>
+                <a:cs typeface="Segoe UI" panose="020B0502040204020203" pitchFamily="34" charset="0"/>
+              </a:rPr>
+              <a:t>DAATE MVP Predictive Model Architecture</a:t>
+            </a:r>
+          </a:p>
+        </p:txBody>
+      </p:sp>
+      <p:sp>
+        <p:nvSpPr>
+          <p:cNvPr id="115" name="Rectangle 114">
+            <a:extLst>
+              <a:ext uri="{FF2B5EF4-FFF2-40B4-BE49-F238E27FC236}">
+                <a16:creationId xmlns:a16="http://schemas.microsoft.com/office/drawing/2014/main" id="{685F49E4-53E7-41BA-ABAA-9153A7ED27D0}"/>
+              </a:ext>
+            </a:extLst>
+          </p:cNvPr>
+          <p:cNvSpPr/>
+          <p:nvPr/>
+        </p:nvSpPr>
+        <p:spPr>
+          <a:xfrm>
+            <a:off x="61968" y="2949385"/>
+            <a:ext cx="1543120" cy="415498"/>
+          </a:xfrm>
+          <a:prstGeom prst="rect">
+            <a:avLst/>
+          </a:prstGeom>
+        </p:spPr>
+        <p:txBody>
+          <a:bodyPr wrap="square" lIns="121920" tIns="60960" rIns="121920" bIns="60960" anchor="t">
+            <a:spAutoFit/>
+          </a:bodyPr>
+          <a:lstStyle/>
+          <a:p>
+            <a:pPr defTabSz="913881">
+              <a:lnSpc>
+                <a:spcPct val="95000"/>
+              </a:lnSpc>
+              <a:spcBef>
+                <a:spcPct val="0"/>
+              </a:spcBef>
+              <a:spcAft>
+                <a:spcPct val="0"/>
+              </a:spcAft>
+              <a:defRPr/>
+            </a:pPr>
+            <a:r>
+              <a:rPr lang="en-US" sz="1000" b="1" spc="49" dirty="0">
+                <a:solidFill>
+                  <a:srgbClr val="F7F2E2"/>
+                </a:solidFill>
+                <a:latin typeface="Segoe UI Semibold"/>
+                <a:cs typeface="Segoe UI Semibold"/>
+              </a:rPr>
+              <a:t>Florida Department Of Corrections</a:t>
+            </a:r>
+            <a:endParaRPr lang="en-US" sz="2400" dirty="0">
+              <a:solidFill>
+                <a:srgbClr val="F7F2E2"/>
+              </a:solidFill>
+            </a:endParaRPr>
+          </a:p>
+        </p:txBody>
+      </p:sp>
+      <p:pic>
+        <p:nvPicPr>
+          <p:cNvPr id="46" name="Picture 45" descr="Logo&#10;&#10;Description automatically generated">
+            <a:extLst>
+              <a:ext uri="{FF2B5EF4-FFF2-40B4-BE49-F238E27FC236}">
+                <a16:creationId xmlns:a16="http://schemas.microsoft.com/office/drawing/2014/main" id="{AE548326-FB5F-4D36-B2A5-7BFF42ED2E7C}"/>
+              </a:ext>
+            </a:extLst>
+          </p:cNvPr>
+          <p:cNvPicPr>
+            <a:picLocks noChangeAspect="1"/>
+          </p:cNvPicPr>
+          <p:nvPr/>
+        </p:nvPicPr>
+        <p:blipFill>
+          <a:blip r:embed="rId3"/>
+          <a:stretch>
+            <a:fillRect/>
+          </a:stretch>
+        </p:blipFill>
+        <p:spPr>
+          <a:xfrm>
+            <a:off x="228470" y="1862288"/>
+            <a:ext cx="1014849" cy="1014849"/>
+          </a:xfrm>
+          <a:prstGeom prst="rect">
+            <a:avLst/>
+          </a:prstGeom>
+        </p:spPr>
+      </p:pic>
+      <p:sp>
+        <p:nvSpPr>
+          <p:cNvPr id="92" name="Rectangle 91">
+            <a:extLst>
+              <a:ext uri="{FF2B5EF4-FFF2-40B4-BE49-F238E27FC236}">
+                <a16:creationId xmlns:a16="http://schemas.microsoft.com/office/drawing/2014/main" id="{62E0DA5E-720F-479C-AF3A-9E634D5BBCB0}"/>
+              </a:ext>
+            </a:extLst>
+          </p:cNvPr>
+          <p:cNvSpPr/>
+          <p:nvPr/>
+        </p:nvSpPr>
+        <p:spPr bwMode="auto">
+          <a:xfrm>
+            <a:off x="1895583" y="1198521"/>
+            <a:ext cx="6789404" cy="5579572"/>
+          </a:xfrm>
+          <a:prstGeom prst="rect">
+            <a:avLst/>
+          </a:prstGeom>
+          <a:solidFill>
+            <a:srgbClr val="FFFFFF"/>
+          </a:solidFill>
+          <a:ln w="9525" cap="flat" cmpd="sng" algn="ctr">
+            <a:solidFill>
+              <a:srgbClr val="000000"/>
+            </a:solidFill>
+            <a:prstDash val="solid"/>
+            <a:headEnd type="none" w="med" len="med"/>
+            <a:tailEnd type="none" w="med" len="med"/>
+          </a:ln>
+          <a:effectLst>
+            <a:outerShdw blurRad="65500" dist="38100" dir="5400000" rotWithShape="0">
+              <a:srgbClr val="000000">
+                <a:alpha val="40000"/>
+              </a:srgbClr>
+            </a:outerShdw>
+          </a:effectLst>
+        </p:spPr>
+        <p:txBody>
+          <a:bodyPr vert="horz" wrap="square" lIns="121915" tIns="60957" rIns="121915" bIns="60957" numCol="1" rtlCol="0" anchor="t" anchorCtr="0" compatLnSpc="1">
+            <a:prstTxWarp prst="textNoShape">
+              <a:avLst/>
+            </a:prstTxWarp>
+          </a:bodyPr>
+          <a:lstStyle/>
+          <a:p>
+            <a:pPr algn="ctr" defTabSz="1218768" fontAlgn="base">
+              <a:spcBef>
+                <a:spcPct val="0"/>
+              </a:spcBef>
+              <a:spcAft>
+                <a:spcPct val="0"/>
+              </a:spcAft>
+              <a:defRPr/>
+            </a:pPr>
+            <a:endParaRPr lang="en-US" sz="2400" dirty="0">
+              <a:solidFill>
+                <a:srgbClr val="000000"/>
+              </a:solidFill>
+              <a:latin typeface="Segoe UI"/>
+              <a:cs typeface="Arial"/>
+              <a:sym typeface="Arial"/>
+            </a:endParaRPr>
+          </a:p>
+        </p:txBody>
+      </p:sp>
+      <p:sp>
+        <p:nvSpPr>
+          <p:cNvPr id="93" name="Rounded Rectangle 11">
+            <a:extLst>
+              <a:ext uri="{FF2B5EF4-FFF2-40B4-BE49-F238E27FC236}">
+                <a16:creationId xmlns:a16="http://schemas.microsoft.com/office/drawing/2014/main" id="{7999C9E9-E149-4E5F-907E-57BA989539A3}"/>
+              </a:ext>
+            </a:extLst>
+          </p:cNvPr>
+          <p:cNvSpPr/>
+          <p:nvPr/>
+        </p:nvSpPr>
+        <p:spPr bwMode="auto">
+          <a:xfrm>
+            <a:off x="4651222" y="1913650"/>
+            <a:ext cx="2497073" cy="912123"/>
+          </a:xfrm>
+          <a:prstGeom prst="roundRect">
+            <a:avLst/>
+          </a:prstGeom>
+          <a:gradFill rotWithShape="1">
+            <a:gsLst>
+              <a:gs pos="0">
+                <a:srgbClr val="3A94D2">
+                  <a:tint val="65000"/>
+                  <a:satMod val="270000"/>
+                </a:srgbClr>
+              </a:gs>
+              <a:gs pos="25000">
+                <a:srgbClr val="3A94D2">
+                  <a:tint val="60000"/>
+                  <a:satMod val="300000"/>
+                </a:srgbClr>
+              </a:gs>
+              <a:gs pos="100000">
+                <a:srgbClr val="3A94D2">
+                  <a:tint val="29000"/>
+                  <a:satMod val="400000"/>
+                </a:srgbClr>
+              </a:gs>
+            </a:gsLst>
+            <a:lin ang="16200000" scaled="1"/>
+          </a:gradFill>
+          <a:ln w="9525" cap="flat" cmpd="sng" algn="ctr">
+            <a:solidFill>
+              <a:srgbClr val="3A94D2">
+                <a:satMod val="150000"/>
+              </a:srgbClr>
+            </a:solidFill>
+            <a:prstDash val="solid"/>
+            <a:headEnd type="none" w="med" len="med"/>
+            <a:tailEnd type="none" w="med" len="med"/>
+          </a:ln>
+          <a:effectLst>
+            <a:outerShdw blurRad="65500" dist="38100" dir="5400000" rotWithShape="0">
+              <a:srgbClr val="000000">
+                <a:alpha val="40000"/>
+              </a:srgbClr>
+            </a:outerShdw>
+          </a:effectLst>
+        </p:spPr>
+        <p:txBody>
+          <a:bodyPr vert="horz" wrap="square" lIns="121915" tIns="60957" rIns="121915" bIns="60957" numCol="1" rtlCol="0" anchor="ctr" anchorCtr="0" compatLnSpc="1">
+            <a:prstTxWarp prst="textNoShape">
+              <a:avLst/>
+            </a:prstTxWarp>
+          </a:bodyPr>
+          <a:lstStyle/>
+          <a:p>
+            <a:pPr algn="ctr" defTabSz="1218768" fontAlgn="base">
+              <a:spcBef>
+                <a:spcPct val="0"/>
+              </a:spcBef>
+              <a:spcAft>
+                <a:spcPct val="0"/>
+              </a:spcAft>
+              <a:defRPr/>
+            </a:pPr>
+            <a:r>
+              <a:rPr lang="en-US" sz="1867" dirty="0">
+                <a:gradFill>
+                  <a:gsLst>
+                    <a:gs pos="0">
+                      <a:srgbClr val="FFFFFF"/>
+                    </a:gs>
+                    <a:gs pos="100000">
+                      <a:srgbClr val="FFFFFF"/>
+                    </a:gs>
+                  </a:gsLst>
+                  <a:lin ang="5400000" scaled="0"/>
+                </a:gradFill>
+                <a:latin typeface="Segoe UI"/>
+                <a:cs typeface="Arial"/>
+                <a:sym typeface="Arial"/>
+              </a:rPr>
+              <a:t>EDA, Cleansing etc.</a:t>
+            </a:r>
+          </a:p>
+        </p:txBody>
+      </p:sp>
+      <p:grpSp>
+        <p:nvGrpSpPr>
+          <p:cNvPr id="94" name="Group 116">
+            <a:extLst>
+              <a:ext uri="{FF2B5EF4-FFF2-40B4-BE49-F238E27FC236}">
+                <a16:creationId xmlns:a16="http://schemas.microsoft.com/office/drawing/2014/main" id="{01C0FB8C-2F2B-4170-8394-77AC09698548}"/>
+              </a:ext>
+            </a:extLst>
+          </p:cNvPr>
+          <p:cNvGrpSpPr/>
+          <p:nvPr/>
+        </p:nvGrpSpPr>
+        <p:grpSpPr>
+          <a:xfrm>
+            <a:off x="9554657" y="2758884"/>
+            <a:ext cx="986755" cy="1016000"/>
+            <a:chOff x="555334" y="4191000"/>
+            <a:chExt cx="587666" cy="609600"/>
+          </a:xfrm>
+        </p:grpSpPr>
+        <p:pic>
+          <p:nvPicPr>
+            <p:cNvPr id="95" name="Picture 3" descr="C:\Documents and Settings\antonk\Local Settings\Temporary Internet Files\Content.IE5\AV78XKCM\MCj04348450000[1].png">
+              <a:extLst>
+                <a:ext uri="{FF2B5EF4-FFF2-40B4-BE49-F238E27FC236}">
+                  <a16:creationId xmlns:a16="http://schemas.microsoft.com/office/drawing/2014/main" id="{720CBC3A-E74E-4FC7-B8E4-D26AE90673E2}"/>
+                </a:ext>
+              </a:extLst>
+            </p:cNvPr>
+            <p:cNvPicPr>
+              <a:picLocks noChangeAspect="1" noChangeArrowheads="1"/>
+            </p:cNvPicPr>
+            <p:nvPr/>
+          </p:nvPicPr>
+          <p:blipFill>
+            <a:blip r:embed="rId4" cstate="print"/>
+            <a:srcRect/>
+            <a:stretch>
+              <a:fillRect/>
+            </a:stretch>
+          </p:blipFill>
+          <p:spPr bwMode="auto">
+            <a:xfrm>
+              <a:off x="555334" y="4191000"/>
+              <a:ext cx="587666" cy="527538"/>
+            </a:xfrm>
+            <a:prstGeom prst="rect">
+              <a:avLst/>
+            </a:prstGeom>
+            <a:noFill/>
+          </p:spPr>
+        </p:pic>
+        <p:sp>
+          <p:nvSpPr>
+            <p:cNvPr id="96" name="Can 21">
+              <a:extLst>
+                <a:ext uri="{FF2B5EF4-FFF2-40B4-BE49-F238E27FC236}">
+                  <a16:creationId xmlns:a16="http://schemas.microsoft.com/office/drawing/2014/main" id="{34A24359-6A92-4311-B53B-0BE9DAB6053B}"/>
+                </a:ext>
+              </a:extLst>
+            </p:cNvPr>
+            <p:cNvSpPr/>
+            <p:nvPr/>
+          </p:nvSpPr>
+          <p:spPr>
+            <a:xfrm>
+              <a:off x="860133" y="4419600"/>
+              <a:ext cx="228600" cy="381000"/>
+            </a:xfrm>
+            <a:prstGeom prst="can">
+              <a:avLst/>
+            </a:prstGeom>
+            <a:gradFill rotWithShape="1">
+              <a:gsLst>
+                <a:gs pos="0">
+                  <a:srgbClr val="3A94D2">
+                    <a:shade val="45000"/>
+                    <a:satMod val="155000"/>
+                  </a:srgbClr>
+                </a:gs>
+                <a:gs pos="60000">
+                  <a:srgbClr val="3A94D2">
+                    <a:shade val="95000"/>
+                    <a:satMod val="150000"/>
+                  </a:srgbClr>
+                </a:gs>
+                <a:gs pos="100000">
+                  <a:srgbClr val="3A94D2">
+                    <a:tint val="87000"/>
+                    <a:satMod val="250000"/>
+                  </a:srgbClr>
+                </a:gs>
+              </a:gsLst>
+              <a:lin ang="16200000" scaled="0"/>
+            </a:gradFill>
+            <a:ln>
+              <a:noFill/>
+            </a:ln>
+            <a:effectLst>
+              <a:outerShdw blurRad="65500" dist="38100" dir="5400000" rotWithShape="0">
+                <a:srgbClr val="000000">
+                  <a:alpha val="40000"/>
+                </a:srgbClr>
+              </a:outerShdw>
+            </a:effectLst>
+            <a:scene3d>
+              <a:camera prst="orthographicFront" fov="0">
+                <a:rot lat="0" lon="0" rev="0"/>
+              </a:camera>
+              <a:lightRig rig="contrasting" dir="t">
+                <a:rot lat="0" lon="0" rev="12000000"/>
+              </a:lightRig>
+            </a:scene3d>
+            <a:sp3d prstMaterial="powder">
+              <a:bevelT h="50800"/>
+            </a:sp3d>
+          </p:spPr>
+          <p:txBody>
+            <a:bodyPr rtlCol="0" anchor="ctr"/>
+            <a:lstStyle/>
+            <a:p>
+              <a:pPr algn="ctr" defTabSz="1219120">
+                <a:defRPr/>
+              </a:pPr>
+              <a:endParaRPr lang="en-US" sz="1600">
+                <a:solidFill>
+                  <a:srgbClr val="8557C9">
+                    <a:lumMod val="25000"/>
+                  </a:srgbClr>
+                </a:solidFill>
+                <a:latin typeface="Segoe UI"/>
+                <a:cs typeface="Arial" pitchFamily="34" charset="0"/>
+                <a:sym typeface="Arial"/>
+              </a:endParaRPr>
+            </a:p>
+          </p:txBody>
+        </p:sp>
+      </p:grpSp>
+      <p:pic>
+        <p:nvPicPr>
+          <p:cNvPr id="97" name="Picture 2" descr="Bloomberg Professional Service">
+            <a:extLst>
+              <a:ext uri="{FF2B5EF4-FFF2-40B4-BE49-F238E27FC236}">
+                <a16:creationId xmlns:a16="http://schemas.microsoft.com/office/drawing/2014/main" id="{CFD5134D-7AE3-4851-984E-FC7483353F51}"/>
+              </a:ext>
+            </a:extLst>
+          </p:cNvPr>
+          <p:cNvPicPr>
+            <a:picLocks noChangeAspect="1" noChangeArrowheads="1"/>
+          </p:cNvPicPr>
+          <p:nvPr/>
+        </p:nvPicPr>
+        <p:blipFill>
+          <a:blip r:embed="rId5" cstate="print"/>
+          <a:srcRect l="2614" t="12749" r="3268" b="39442"/>
+          <a:stretch>
+            <a:fillRect/>
+          </a:stretch>
+        </p:blipFill>
+        <p:spPr bwMode="auto">
+          <a:xfrm>
+            <a:off x="9413369" y="1887939"/>
+            <a:ext cx="1930400" cy="804333"/>
+          </a:xfrm>
+          <a:prstGeom prst="rect">
+            <a:avLst/>
+          </a:prstGeom>
+          <a:noFill/>
+        </p:spPr>
+      </p:pic>
+      <p:cxnSp>
+        <p:nvCxnSpPr>
+          <p:cNvPr id="98" name="Curved Connector 24">
+            <a:extLst>
+              <a:ext uri="{FF2B5EF4-FFF2-40B4-BE49-F238E27FC236}">
+                <a16:creationId xmlns:a16="http://schemas.microsoft.com/office/drawing/2014/main" id="{9E1C9126-2517-4093-93EC-EEE17533B104}"/>
+              </a:ext>
+            </a:extLst>
+          </p:cNvPr>
+          <p:cNvCxnSpPr>
+            <a:cxnSpLocks/>
+            <a:stCxn id="93" idx="3"/>
+            <a:endCxn id="95" idx="1"/>
+          </p:cNvCxnSpPr>
+          <p:nvPr/>
+        </p:nvCxnSpPr>
+        <p:spPr>
+          <a:xfrm>
+            <a:off x="7148295" y="2369712"/>
+            <a:ext cx="2406362" cy="828787"/>
+          </a:xfrm>
+          <a:prstGeom prst="curvedConnector3">
+            <a:avLst>
+              <a:gd name="adj1" fmla="val 50000"/>
+            </a:avLst>
+          </a:prstGeom>
+          <a:noFill/>
+          <a:ln w="38100" cap="flat" cmpd="sng" algn="ctr">
+            <a:solidFill>
+              <a:srgbClr val="F38C37"/>
+            </a:solidFill>
+            <a:prstDash val="solid"/>
+            <a:tailEnd type="arrow"/>
+          </a:ln>
+          <a:effectLst>
+            <a:outerShdw blurRad="65500" dist="38100" dir="5400000" rotWithShape="0">
+              <a:srgbClr val="000000">
+                <a:alpha val="40000"/>
+              </a:srgbClr>
+            </a:outerShdw>
+          </a:effectLst>
+        </p:spPr>
+      </p:cxnSp>
+      <p:sp>
+        <p:nvSpPr>
+          <p:cNvPr id="99" name="Right Arrow 4">
+            <a:extLst>
+              <a:ext uri="{FF2B5EF4-FFF2-40B4-BE49-F238E27FC236}">
+                <a16:creationId xmlns:a16="http://schemas.microsoft.com/office/drawing/2014/main" id="{301F5C07-7FF1-4C90-8198-FC9C51216C7E}"/>
+              </a:ext>
+            </a:extLst>
+          </p:cNvPr>
+          <p:cNvSpPr/>
+          <p:nvPr/>
+        </p:nvSpPr>
+        <p:spPr bwMode="auto">
+          <a:xfrm>
+            <a:off x="1408238" y="1718424"/>
+            <a:ext cx="2837804" cy="1302579"/>
+          </a:xfrm>
+          <a:prstGeom prst="rightArrow">
+            <a:avLst/>
+          </a:prstGeom>
+          <a:gradFill rotWithShape="1">
+            <a:gsLst>
+              <a:gs pos="0">
+                <a:srgbClr val="F38C37">
+                  <a:shade val="45000"/>
+                  <a:satMod val="155000"/>
+                </a:srgbClr>
+              </a:gs>
+              <a:gs pos="60000">
+                <a:srgbClr val="F38C37">
+                  <a:shade val="95000"/>
+                  <a:satMod val="150000"/>
+                </a:srgbClr>
+              </a:gs>
+              <a:gs pos="100000">
+                <a:srgbClr val="F38C37">
+                  <a:tint val="87000"/>
+                  <a:satMod val="250000"/>
+                </a:srgbClr>
+              </a:gs>
+            </a:gsLst>
+            <a:lin ang="16200000" scaled="0"/>
+          </a:gradFill>
+          <a:ln w="9525" cap="flat" cmpd="sng" algn="ctr">
+            <a:solidFill>
+              <a:srgbClr val="F38C37">
+                <a:satMod val="150000"/>
+              </a:srgbClr>
+            </a:solidFill>
+            <a:prstDash val="solid"/>
+            <a:headEnd type="none" w="med" len="med"/>
+            <a:tailEnd type="none" w="med" len="med"/>
+          </a:ln>
+          <a:effectLst>
+            <a:outerShdw blurRad="65500" dist="38100" dir="5400000" rotWithShape="0">
+              <a:srgbClr val="000000">
+                <a:alpha val="40000"/>
+              </a:srgbClr>
+            </a:outerShdw>
+          </a:effectLst>
+        </p:spPr>
+        <p:txBody>
+          <a:bodyPr vert="horz" wrap="square" lIns="121915" tIns="60957" rIns="121915" bIns="60957" numCol="1" rtlCol="0" anchor="ctr" anchorCtr="0" compatLnSpc="1">
+            <a:prstTxWarp prst="textNoShape">
+              <a:avLst/>
+            </a:prstTxWarp>
+          </a:bodyPr>
+          <a:lstStyle/>
+          <a:p>
+            <a:pPr algn="ctr" defTabSz="1218768" fontAlgn="base">
+              <a:spcBef>
+                <a:spcPct val="0"/>
+              </a:spcBef>
+              <a:spcAft>
+                <a:spcPct val="0"/>
+              </a:spcAft>
+              <a:defRPr/>
+            </a:pPr>
+            <a:r>
+              <a:rPr lang="en-US" sz="2667" dirty="0">
+                <a:gradFill>
+                  <a:gsLst>
+                    <a:gs pos="0">
+                      <a:srgbClr val="FFFFFF"/>
+                    </a:gs>
+                    <a:gs pos="100000">
+                      <a:srgbClr val="FFFFFF"/>
+                    </a:gs>
+                  </a:gsLst>
+                  <a:lin ang="5400000" scaled="0"/>
+                </a:gradFill>
+                <a:latin typeface="Segoe UI"/>
+                <a:cs typeface="Arial"/>
+                <a:sym typeface="Arial"/>
+              </a:rPr>
+              <a:t>Data</a:t>
+            </a:r>
+          </a:p>
+        </p:txBody>
+      </p:sp>
+      <p:grpSp>
+        <p:nvGrpSpPr>
+          <p:cNvPr id="100" name="Group 99">
+            <a:extLst>
+              <a:ext uri="{FF2B5EF4-FFF2-40B4-BE49-F238E27FC236}">
+                <a16:creationId xmlns:a16="http://schemas.microsoft.com/office/drawing/2014/main" id="{CF4BF398-DC29-4145-A44F-5929ABA01800}"/>
+              </a:ext>
+            </a:extLst>
+          </p:cNvPr>
+          <p:cNvGrpSpPr/>
+          <p:nvPr/>
+        </p:nvGrpSpPr>
+        <p:grpSpPr>
+          <a:xfrm>
+            <a:off x="10682655" y="3102941"/>
+            <a:ext cx="712054" cy="626116"/>
+            <a:chOff x="3434328" y="3336433"/>
+            <a:chExt cx="1059543" cy="925108"/>
+          </a:xfrm>
+        </p:grpSpPr>
+        <p:pic>
+          <p:nvPicPr>
+            <p:cNvPr id="101" name="Picture 100">
+              <a:extLst>
+                <a:ext uri="{FF2B5EF4-FFF2-40B4-BE49-F238E27FC236}">
+                  <a16:creationId xmlns:a16="http://schemas.microsoft.com/office/drawing/2014/main" id="{7B733F0F-7616-470F-946A-7DDBCB30A8D2}"/>
+                </a:ext>
+              </a:extLst>
+            </p:cNvPr>
+            <p:cNvPicPr>
+              <a:picLocks noChangeAspect="1"/>
+            </p:cNvPicPr>
+            <p:nvPr/>
+          </p:nvPicPr>
+          <p:blipFill>
+            <a:blip r:embed="rId6" cstate="print">
+              <a:extLst>
+                <a:ext uri="{28A0092B-C50C-407E-A947-70E740481C1C}">
+                  <a14:useLocalDpi xmlns:a14="http://schemas.microsoft.com/office/drawing/2010/main"/>
+                </a:ext>
+              </a:extLst>
+            </a:blip>
+            <a:stretch>
+              <a:fillRect/>
+            </a:stretch>
+          </p:blipFill>
+          <p:spPr>
+            <a:xfrm>
+              <a:off x="3714959" y="3336433"/>
+              <a:ext cx="635521" cy="635521"/>
+            </a:xfrm>
+            <a:prstGeom prst="rect">
+              <a:avLst/>
+            </a:prstGeom>
+          </p:spPr>
+        </p:pic>
+        <p:sp>
+          <p:nvSpPr>
+            <p:cNvPr id="102" name="Rectangle 101">
+              <a:extLst>
+                <a:ext uri="{FF2B5EF4-FFF2-40B4-BE49-F238E27FC236}">
+                  <a16:creationId xmlns:a16="http://schemas.microsoft.com/office/drawing/2014/main" id="{1FD507AA-6950-4863-B20C-4A9044787D8B}"/>
+                </a:ext>
+              </a:extLst>
+            </p:cNvPr>
+            <p:cNvSpPr/>
+            <p:nvPr/>
+          </p:nvSpPr>
+          <p:spPr>
+            <a:xfrm>
+              <a:off x="3434328" y="3965953"/>
+              <a:ext cx="1059543" cy="295588"/>
+            </a:xfrm>
+            <a:prstGeom prst="rect">
+              <a:avLst/>
+            </a:prstGeom>
+          </p:spPr>
+          <p:txBody>
+            <a:bodyPr wrap="none">
+              <a:spAutoFit/>
+            </a:bodyPr>
+            <a:lstStyle/>
+            <a:p>
+              <a:pPr algn="ctr" defTabSz="932215"/>
+              <a:r>
+                <a:rPr lang="en-US" sz="700" kern="0">
+                  <a:solidFill>
+                    <a:prstClr val="white">
+                      <a:lumMod val="50000"/>
+                    </a:prstClr>
+                  </a:solidFill>
+                  <a:latin typeface="Segoe UI Semibold" panose="020B0702040204020203" pitchFamily="34" charset="0"/>
+                  <a:ea typeface="MS PGothic" panose="020B0600070205080204" pitchFamily="34" charset="-128"/>
+                  <a:cs typeface="Segoe UI Semibold" panose="020B0702040204020203" pitchFamily="34" charset="0"/>
+                  <a:sym typeface="Arial"/>
+                </a:rPr>
+                <a:t>AZURE SQL DB</a:t>
+              </a:r>
+            </a:p>
+          </p:txBody>
+        </p:sp>
+      </p:grpSp>
+      <p:sp>
+        <p:nvSpPr>
+          <p:cNvPr id="103" name="Rounded Rectangle 9">
+            <a:extLst>
+              <a:ext uri="{FF2B5EF4-FFF2-40B4-BE49-F238E27FC236}">
+                <a16:creationId xmlns:a16="http://schemas.microsoft.com/office/drawing/2014/main" id="{81413883-6C1C-4C1A-B1BB-B42D007C8525}"/>
+              </a:ext>
+            </a:extLst>
+          </p:cNvPr>
+          <p:cNvSpPr/>
+          <p:nvPr/>
+        </p:nvSpPr>
+        <p:spPr bwMode="auto">
+          <a:xfrm>
+            <a:off x="2234722" y="3130115"/>
+            <a:ext cx="3532798" cy="3380809"/>
+          </a:xfrm>
+          <a:prstGeom prst="roundRect">
+            <a:avLst/>
+          </a:prstGeom>
+          <a:solidFill>
+            <a:srgbClr val="0070C0"/>
+          </a:solidFill>
+          <a:ln w="9525" cap="flat" cmpd="sng" algn="ctr">
+            <a:solidFill>
+              <a:srgbClr val="3A94D2">
+                <a:satMod val="150000"/>
+              </a:srgbClr>
+            </a:solidFill>
+            <a:prstDash val="solid"/>
+            <a:headEnd type="none" w="med" len="med"/>
+            <a:tailEnd type="none" w="med" len="med"/>
+          </a:ln>
+          <a:effectLst>
+            <a:outerShdw blurRad="65500" dist="38100" dir="5400000" rotWithShape="0">
+              <a:srgbClr val="000000">
+                <a:alpha val="40000"/>
+              </a:srgbClr>
+            </a:outerShdw>
+          </a:effectLst>
+        </p:spPr>
+        <p:txBody>
+          <a:bodyPr vert="horz" wrap="square" lIns="121915" tIns="60957" rIns="121915" bIns="60957" numCol="1" rtlCol="0" anchor="ctr" anchorCtr="0" compatLnSpc="1">
+            <a:prstTxWarp prst="textNoShape">
+              <a:avLst/>
+            </a:prstTxWarp>
+          </a:bodyPr>
+          <a:lstStyle/>
+          <a:p>
+            <a:pPr algn="ctr" defTabSz="1218768" fontAlgn="base">
+              <a:spcBef>
+                <a:spcPct val="0"/>
+              </a:spcBef>
+              <a:spcAft>
+                <a:spcPct val="0"/>
+              </a:spcAft>
+              <a:defRPr/>
+            </a:pPr>
+            <a:endParaRPr lang="en-US" sz="2667">
+              <a:gradFill>
+                <a:gsLst>
+                  <a:gs pos="0">
+                    <a:srgbClr val="FFFFFF"/>
+                  </a:gs>
+                  <a:gs pos="100000">
+                    <a:srgbClr val="FFFFFF"/>
+                  </a:gs>
+                </a:gsLst>
+                <a:lin ang="5400000" scaled="0"/>
+              </a:gradFill>
+              <a:latin typeface="Segoe UI"/>
+              <a:cs typeface="Arial"/>
+              <a:sym typeface="Arial"/>
+            </a:endParaRPr>
+          </a:p>
+        </p:txBody>
+      </p:sp>
+      <p:sp>
+        <p:nvSpPr>
+          <p:cNvPr id="104" name="Rounded Rectangle 9">
+            <a:extLst>
+              <a:ext uri="{FF2B5EF4-FFF2-40B4-BE49-F238E27FC236}">
+                <a16:creationId xmlns:a16="http://schemas.microsoft.com/office/drawing/2014/main" id="{8F7524AC-68A6-453C-8749-2435CC547C76}"/>
+              </a:ext>
+            </a:extLst>
+          </p:cNvPr>
+          <p:cNvSpPr/>
+          <p:nvPr/>
+        </p:nvSpPr>
+        <p:spPr bwMode="auto">
+          <a:xfrm>
+            <a:off x="6639547" y="3436331"/>
+            <a:ext cx="1819621" cy="899236"/>
+          </a:xfrm>
+          <a:prstGeom prst="roundRect">
+            <a:avLst/>
+          </a:prstGeom>
+          <a:gradFill rotWithShape="1">
+            <a:gsLst>
+              <a:gs pos="0">
+                <a:srgbClr val="3A94D2">
+                  <a:tint val="65000"/>
+                  <a:satMod val="270000"/>
+                </a:srgbClr>
+              </a:gs>
+              <a:gs pos="25000">
+                <a:srgbClr val="3A94D2">
+                  <a:tint val="60000"/>
+                  <a:satMod val="300000"/>
+                </a:srgbClr>
+              </a:gs>
+              <a:gs pos="100000">
+                <a:srgbClr val="3A94D2">
+                  <a:tint val="29000"/>
+                  <a:satMod val="400000"/>
+                </a:srgbClr>
+              </a:gs>
+            </a:gsLst>
+            <a:lin ang="16200000" scaled="1"/>
+          </a:gradFill>
+          <a:ln w="9525" cap="flat" cmpd="sng" algn="ctr">
+            <a:solidFill>
+              <a:srgbClr val="3A94D2">
+                <a:satMod val="150000"/>
+              </a:srgbClr>
+            </a:solidFill>
+            <a:prstDash val="solid"/>
+            <a:headEnd type="none" w="med" len="med"/>
+            <a:tailEnd type="none" w="med" len="med"/>
+          </a:ln>
+          <a:effectLst>
+            <a:outerShdw blurRad="65500" dist="38100" dir="5400000" rotWithShape="0">
+              <a:srgbClr val="000000">
+                <a:alpha val="40000"/>
+              </a:srgbClr>
+            </a:outerShdw>
+          </a:effectLst>
+        </p:spPr>
+        <p:txBody>
+          <a:bodyPr vert="horz" wrap="square" lIns="121915" tIns="60957" rIns="121915" bIns="60957" numCol="1" rtlCol="0" anchor="ctr" anchorCtr="0" compatLnSpc="1">
+            <a:prstTxWarp prst="textNoShape">
+              <a:avLst/>
+            </a:prstTxWarp>
+          </a:bodyPr>
+          <a:lstStyle/>
+          <a:p>
+            <a:pPr algn="ctr" defTabSz="1218768" fontAlgn="base">
+              <a:spcBef>
+                <a:spcPct val="0"/>
+              </a:spcBef>
+              <a:spcAft>
+                <a:spcPct val="0"/>
+              </a:spcAft>
+              <a:defRPr/>
+            </a:pPr>
+            <a:r>
+              <a:rPr lang="en-US" sz="2133" dirty="0">
+                <a:gradFill>
+                  <a:gsLst>
+                    <a:gs pos="0">
+                      <a:srgbClr val="FFFFFF"/>
+                    </a:gs>
+                    <a:gs pos="100000">
+                      <a:srgbClr val="FFFFFF"/>
+                    </a:gs>
+                  </a:gsLst>
+                  <a:lin ang="5400000" scaled="0"/>
+                </a:gradFill>
+                <a:latin typeface="Segoe UI"/>
+                <a:cs typeface="Arial"/>
+                <a:sym typeface="Arial"/>
+              </a:rPr>
+              <a:t>Baseline Model</a:t>
+            </a:r>
+          </a:p>
+        </p:txBody>
+      </p:sp>
+      <p:sp>
+        <p:nvSpPr>
+          <p:cNvPr id="105" name="Rounded Rectangle 9">
+            <a:extLst>
+              <a:ext uri="{FF2B5EF4-FFF2-40B4-BE49-F238E27FC236}">
+                <a16:creationId xmlns:a16="http://schemas.microsoft.com/office/drawing/2014/main" id="{43C8943A-66D6-435A-8904-1BEFF40068DE}"/>
+              </a:ext>
+            </a:extLst>
+          </p:cNvPr>
+          <p:cNvSpPr/>
+          <p:nvPr/>
+        </p:nvSpPr>
+        <p:spPr bwMode="auto">
+          <a:xfrm>
+            <a:off x="2532183" y="4218826"/>
+            <a:ext cx="2932109" cy="1143046"/>
+          </a:xfrm>
+          <a:prstGeom prst="roundRect">
+            <a:avLst/>
+          </a:prstGeom>
+          <a:gradFill rotWithShape="1">
+            <a:gsLst>
+              <a:gs pos="0">
+                <a:srgbClr val="3A94D2">
+                  <a:tint val="65000"/>
+                  <a:satMod val="270000"/>
+                </a:srgbClr>
+              </a:gs>
+              <a:gs pos="25000">
+                <a:srgbClr val="3A94D2">
+                  <a:tint val="60000"/>
+                  <a:satMod val="300000"/>
+                </a:srgbClr>
+              </a:gs>
+              <a:gs pos="100000">
+                <a:srgbClr val="3A94D2">
+                  <a:tint val="29000"/>
+                  <a:satMod val="400000"/>
+                </a:srgbClr>
+              </a:gs>
+            </a:gsLst>
+            <a:lin ang="16200000" scaled="1"/>
+          </a:gradFill>
+          <a:ln w="9525" cap="flat" cmpd="sng" algn="ctr">
+            <a:solidFill>
+              <a:srgbClr val="3A94D2">
+                <a:satMod val="150000"/>
+              </a:srgbClr>
+            </a:solidFill>
+            <a:prstDash val="solid"/>
+            <a:headEnd type="none" w="med" len="med"/>
+            <a:tailEnd type="none" w="med" len="med"/>
+          </a:ln>
+          <a:effectLst>
+            <a:outerShdw blurRad="65500" dist="38100" dir="5400000" rotWithShape="0">
+              <a:srgbClr val="000000">
+                <a:alpha val="40000"/>
+              </a:srgbClr>
+            </a:outerShdw>
+          </a:effectLst>
+        </p:spPr>
+        <p:txBody>
+          <a:bodyPr vert="horz" wrap="square" lIns="121915" tIns="60957" rIns="121915" bIns="60957" numCol="1" rtlCol="0" anchor="ctr" anchorCtr="0" compatLnSpc="1">
+            <a:prstTxWarp prst="textNoShape">
+              <a:avLst/>
+            </a:prstTxWarp>
+          </a:bodyPr>
+          <a:lstStyle/>
+          <a:p>
+            <a:pPr algn="ctr" defTabSz="1218768" fontAlgn="base">
+              <a:spcBef>
+                <a:spcPct val="0"/>
+              </a:spcBef>
+              <a:spcAft>
+                <a:spcPct val="0"/>
+              </a:spcAft>
+              <a:defRPr/>
+            </a:pPr>
+            <a:r>
+              <a:rPr lang="en-US" sz="1400" dirty="0">
+                <a:gradFill>
+                  <a:gsLst>
+                    <a:gs pos="0">
+                      <a:srgbClr val="FFFFFF"/>
+                    </a:gs>
+                    <a:gs pos="100000">
+                      <a:srgbClr val="FFFFFF"/>
+                    </a:gs>
+                  </a:gsLst>
+                  <a:lin ang="5400000" scaled="0"/>
+                </a:gradFill>
+                <a:latin typeface="Segoe UI"/>
+                <a:cs typeface="Arial"/>
+                <a:sym typeface="Arial"/>
+              </a:rPr>
+              <a:t>Data transformation</a:t>
+            </a:r>
+          </a:p>
+          <a:p>
+            <a:pPr algn="ctr" defTabSz="1218768" fontAlgn="base">
+              <a:spcBef>
+                <a:spcPct val="0"/>
+              </a:spcBef>
+              <a:spcAft>
+                <a:spcPct val="0"/>
+              </a:spcAft>
+              <a:defRPr/>
+            </a:pPr>
+            <a:r>
+              <a:rPr lang="en-US" sz="1400" dirty="0">
+                <a:gradFill>
+                  <a:gsLst>
+                    <a:gs pos="0">
+                      <a:srgbClr val="FFFFFF"/>
+                    </a:gs>
+                    <a:gs pos="100000">
+                      <a:srgbClr val="FFFFFF"/>
+                    </a:gs>
+                  </a:gsLst>
+                  <a:lin ang="5400000" scaled="0"/>
+                </a:gradFill>
+                <a:latin typeface="Segoe UI"/>
+                <a:cs typeface="Arial"/>
+                <a:sym typeface="Arial"/>
+              </a:rPr>
+              <a:t>+</a:t>
+            </a:r>
+          </a:p>
+          <a:p>
+            <a:pPr algn="ctr" defTabSz="1218768" fontAlgn="base">
+              <a:spcBef>
+                <a:spcPct val="0"/>
+              </a:spcBef>
+              <a:spcAft>
+                <a:spcPct val="0"/>
+              </a:spcAft>
+              <a:defRPr/>
+            </a:pPr>
+            <a:r>
+              <a:rPr lang="en-US" sz="1400" dirty="0">
+                <a:gradFill>
+                  <a:gsLst>
+                    <a:gs pos="0">
+                      <a:srgbClr val="FFFFFF"/>
+                    </a:gs>
+                    <a:gs pos="100000">
+                      <a:srgbClr val="FFFFFF"/>
+                    </a:gs>
+                  </a:gsLst>
+                  <a:lin ang="5400000" scaled="0"/>
+                </a:gradFill>
+                <a:latin typeface="Segoe UI"/>
+                <a:cs typeface="Arial"/>
+                <a:sym typeface="Arial"/>
+              </a:rPr>
+              <a:t> Normalization and Regularization</a:t>
+            </a:r>
+          </a:p>
+        </p:txBody>
+      </p:sp>
+      <p:cxnSp>
+        <p:nvCxnSpPr>
+          <p:cNvPr id="107" name="Curved Connector 24">
+            <a:extLst>
+              <a:ext uri="{FF2B5EF4-FFF2-40B4-BE49-F238E27FC236}">
+                <a16:creationId xmlns:a16="http://schemas.microsoft.com/office/drawing/2014/main" id="{643464BB-3AC0-4A4D-A90E-DE71980EB5CA}"/>
+              </a:ext>
+            </a:extLst>
+          </p:cNvPr>
+          <p:cNvCxnSpPr>
+            <a:cxnSpLocks/>
+            <a:endCxn id="104" idx="3"/>
+          </p:cNvCxnSpPr>
+          <p:nvPr/>
+        </p:nvCxnSpPr>
+        <p:spPr>
+          <a:xfrm rot="10800000" flipV="1">
+            <a:off x="8459169" y="3491653"/>
+            <a:ext cx="1095489" cy="394296"/>
+          </a:xfrm>
+          <a:prstGeom prst="curvedConnector3">
+            <a:avLst>
+              <a:gd name="adj1" fmla="val 50000"/>
+            </a:avLst>
+          </a:prstGeom>
+          <a:noFill/>
+          <a:ln w="38100" cap="flat" cmpd="sng" algn="ctr">
+            <a:solidFill>
+              <a:srgbClr val="F38C37"/>
+            </a:solidFill>
+            <a:prstDash val="solid"/>
+            <a:tailEnd type="arrow"/>
+          </a:ln>
+          <a:effectLst>
+            <a:outerShdw blurRad="65500" dist="38100" dir="5400000" rotWithShape="0">
+              <a:srgbClr val="000000">
+                <a:alpha val="40000"/>
+              </a:srgbClr>
+            </a:outerShdw>
+          </a:effectLst>
+        </p:spPr>
+      </p:cxnSp>
+      <p:cxnSp>
+        <p:nvCxnSpPr>
+          <p:cNvPr id="108" name="Curved Connector 24">
+            <a:extLst>
+              <a:ext uri="{FF2B5EF4-FFF2-40B4-BE49-F238E27FC236}">
+                <a16:creationId xmlns:a16="http://schemas.microsoft.com/office/drawing/2014/main" id="{7F16F149-EA8E-4A08-8FAF-1AF2BFA53F27}"/>
+              </a:ext>
+            </a:extLst>
+          </p:cNvPr>
+          <p:cNvCxnSpPr>
+            <a:cxnSpLocks/>
+          </p:cNvCxnSpPr>
+          <p:nvPr/>
+        </p:nvCxnSpPr>
+        <p:spPr>
+          <a:xfrm flipV="1">
+            <a:off x="5681462" y="5779967"/>
+            <a:ext cx="958085" cy="474408"/>
+          </a:xfrm>
+          <a:prstGeom prst="curvedConnector3">
+            <a:avLst>
+              <a:gd name="adj1" fmla="val 50000"/>
+            </a:avLst>
+          </a:prstGeom>
+          <a:noFill/>
+          <a:ln w="38100" cap="flat" cmpd="sng" algn="ctr">
+            <a:solidFill>
+              <a:srgbClr val="F38C37"/>
+            </a:solidFill>
+            <a:prstDash val="solid"/>
+            <a:tailEnd type="arrow"/>
+          </a:ln>
+          <a:effectLst>
+            <a:outerShdw blurRad="65500" dist="38100" dir="5400000" rotWithShape="0">
+              <a:srgbClr val="000000">
+                <a:alpha val="40000"/>
+              </a:srgbClr>
+            </a:outerShdw>
+          </a:effectLst>
+        </p:spPr>
+      </p:cxnSp>
+      <p:pic>
+        <p:nvPicPr>
+          <p:cNvPr id="109" name="Picture 5" descr="C:\Users\torsteng\AppData\Local\Microsoft\Windows\Temporary Internet Files\Content.IE5\AP5NZ56T\MM900043784[1].gif">
+            <a:extLst>
+              <a:ext uri="{FF2B5EF4-FFF2-40B4-BE49-F238E27FC236}">
+                <a16:creationId xmlns:a16="http://schemas.microsoft.com/office/drawing/2014/main" id="{9A04F7FE-AB8B-47A4-AC5A-3F5BC2131B30}"/>
+              </a:ext>
+            </a:extLst>
+          </p:cNvPr>
+          <p:cNvPicPr>
+            <a:picLocks noChangeAspect="1" noChangeArrowheads="1" noCrop="1"/>
+          </p:cNvPicPr>
+          <p:nvPr/>
+        </p:nvPicPr>
+        <p:blipFill>
+          <a:blip r:embed="rId7" cstate="print"/>
+          <a:srcRect/>
+          <a:stretch>
+            <a:fillRect/>
+          </a:stretch>
+        </p:blipFill>
+        <p:spPr bwMode="auto">
+          <a:xfrm>
+            <a:off x="9908414" y="4661960"/>
+            <a:ext cx="699912" cy="699912"/>
+          </a:xfrm>
+          <a:prstGeom prst="rect">
+            <a:avLst/>
+          </a:prstGeom>
+          <a:noFill/>
+        </p:spPr>
+      </p:pic>
+      <p:cxnSp>
+        <p:nvCxnSpPr>
+          <p:cNvPr id="110" name="Curved Connector 24">
+            <a:extLst>
+              <a:ext uri="{FF2B5EF4-FFF2-40B4-BE49-F238E27FC236}">
+                <a16:creationId xmlns:a16="http://schemas.microsoft.com/office/drawing/2014/main" id="{56003883-F777-4273-94A2-FC485286CB35}"/>
+              </a:ext>
+            </a:extLst>
+          </p:cNvPr>
+          <p:cNvCxnSpPr>
+            <a:cxnSpLocks/>
+            <a:stCxn id="118" idx="3"/>
+          </p:cNvCxnSpPr>
+          <p:nvPr/>
+        </p:nvCxnSpPr>
+        <p:spPr>
+          <a:xfrm flipV="1">
+            <a:off x="8456701" y="5659479"/>
+            <a:ext cx="1455337" cy="92781"/>
+          </a:xfrm>
+          <a:prstGeom prst="curvedConnector3">
+            <a:avLst>
+              <a:gd name="adj1" fmla="val 50000"/>
+            </a:avLst>
+          </a:prstGeom>
+          <a:noFill/>
+          <a:ln w="38100" cap="flat" cmpd="sng" algn="ctr">
+            <a:solidFill>
+              <a:srgbClr val="F38C37"/>
+            </a:solidFill>
+            <a:prstDash val="solid"/>
+            <a:tailEnd type="arrow"/>
+          </a:ln>
+          <a:effectLst>
+            <a:outerShdw blurRad="65500" dist="38100" dir="5400000" rotWithShape="0">
+              <a:srgbClr val="000000">
+                <a:alpha val="40000"/>
+              </a:srgbClr>
+            </a:outerShdw>
+          </a:effectLst>
+        </p:spPr>
+      </p:cxnSp>
+      <p:grpSp>
+        <p:nvGrpSpPr>
+          <p:cNvPr id="111" name="Group 110">
+            <a:extLst>
+              <a:ext uri="{FF2B5EF4-FFF2-40B4-BE49-F238E27FC236}">
+                <a16:creationId xmlns:a16="http://schemas.microsoft.com/office/drawing/2014/main" id="{2C373BCF-F5BC-4039-BA54-B78521D0C3A4}"/>
+              </a:ext>
+            </a:extLst>
+          </p:cNvPr>
+          <p:cNvGrpSpPr/>
+          <p:nvPr/>
+        </p:nvGrpSpPr>
+        <p:grpSpPr>
+          <a:xfrm>
+            <a:off x="9912038" y="5466909"/>
+            <a:ext cx="712054" cy="626116"/>
+            <a:chOff x="3434328" y="3336433"/>
+            <a:chExt cx="1059543" cy="925108"/>
+          </a:xfrm>
+        </p:grpSpPr>
+        <p:pic>
+          <p:nvPicPr>
+            <p:cNvPr id="112" name="Picture 111">
+              <a:extLst>
+                <a:ext uri="{FF2B5EF4-FFF2-40B4-BE49-F238E27FC236}">
+                  <a16:creationId xmlns:a16="http://schemas.microsoft.com/office/drawing/2014/main" id="{BBAB7511-9162-4493-BC4F-EB8CCD37BD06}"/>
+                </a:ext>
+              </a:extLst>
+            </p:cNvPr>
+            <p:cNvPicPr>
+              <a:picLocks noChangeAspect="1"/>
+            </p:cNvPicPr>
+            <p:nvPr/>
+          </p:nvPicPr>
+          <p:blipFill>
+            <a:blip r:embed="rId6" cstate="print">
+              <a:extLst>
+                <a:ext uri="{28A0092B-C50C-407E-A947-70E740481C1C}">
+                  <a14:useLocalDpi xmlns:a14="http://schemas.microsoft.com/office/drawing/2010/main"/>
+                </a:ext>
+              </a:extLst>
+            </a:blip>
+            <a:stretch>
+              <a:fillRect/>
+            </a:stretch>
+          </p:blipFill>
+          <p:spPr>
+            <a:xfrm>
+              <a:off x="3714959" y="3336433"/>
+              <a:ext cx="635521" cy="635521"/>
+            </a:xfrm>
+            <a:prstGeom prst="rect">
+              <a:avLst/>
+            </a:prstGeom>
+          </p:spPr>
+        </p:pic>
+        <p:sp>
+          <p:nvSpPr>
+            <p:cNvPr id="113" name="Rectangle 112">
+              <a:extLst>
+                <a:ext uri="{FF2B5EF4-FFF2-40B4-BE49-F238E27FC236}">
+                  <a16:creationId xmlns:a16="http://schemas.microsoft.com/office/drawing/2014/main" id="{6777CAFB-0518-4E10-8247-A61D9673B8C7}"/>
+                </a:ext>
+              </a:extLst>
+            </p:cNvPr>
+            <p:cNvSpPr/>
+            <p:nvPr/>
+          </p:nvSpPr>
+          <p:spPr>
+            <a:xfrm>
+              <a:off x="3434328" y="3965953"/>
+              <a:ext cx="1059543" cy="295588"/>
+            </a:xfrm>
+            <a:prstGeom prst="rect">
+              <a:avLst/>
+            </a:prstGeom>
+          </p:spPr>
+          <p:txBody>
+            <a:bodyPr wrap="none">
+              <a:spAutoFit/>
+            </a:bodyPr>
+            <a:lstStyle/>
+            <a:p>
+              <a:pPr algn="ctr" defTabSz="932215"/>
+              <a:r>
+                <a:rPr lang="en-US" sz="700" kern="0">
+                  <a:solidFill>
+                    <a:prstClr val="white">
+                      <a:lumMod val="50000"/>
+                    </a:prstClr>
+                  </a:solidFill>
+                  <a:latin typeface="Segoe UI Semibold" panose="020B0702040204020203" pitchFamily="34" charset="0"/>
+                  <a:ea typeface="MS PGothic" panose="020B0600070205080204" pitchFamily="34" charset="-128"/>
+                  <a:cs typeface="Segoe UI Semibold" panose="020B0702040204020203" pitchFamily="34" charset="0"/>
+                  <a:sym typeface="Arial"/>
+                </a:rPr>
+                <a:t>AZURE SQL DB</a:t>
+              </a:r>
+            </a:p>
+          </p:txBody>
+        </p:sp>
+      </p:grpSp>
+      <p:cxnSp>
+        <p:nvCxnSpPr>
+          <p:cNvPr id="114" name="Curved Connector 24">
+            <a:extLst>
+              <a:ext uri="{FF2B5EF4-FFF2-40B4-BE49-F238E27FC236}">
+                <a16:creationId xmlns:a16="http://schemas.microsoft.com/office/drawing/2014/main" id="{363E993A-D929-474B-820B-70FD359C6043}"/>
+              </a:ext>
+            </a:extLst>
+          </p:cNvPr>
+          <p:cNvCxnSpPr>
+            <a:cxnSpLocks/>
+            <a:stCxn id="104" idx="1"/>
+          </p:cNvCxnSpPr>
+          <p:nvPr/>
+        </p:nvCxnSpPr>
+        <p:spPr>
+          <a:xfrm rot="10800000" flipV="1">
+            <a:off x="5674495" y="3885949"/>
+            <a:ext cx="965052" cy="611544"/>
+          </a:xfrm>
+          <a:prstGeom prst="curvedConnector3">
+            <a:avLst>
+              <a:gd name="adj1" fmla="val 50000"/>
+            </a:avLst>
+          </a:prstGeom>
+          <a:noFill/>
+          <a:ln w="38100" cap="flat" cmpd="sng" algn="ctr">
+            <a:solidFill>
+              <a:srgbClr val="F38C37"/>
+            </a:solidFill>
+            <a:prstDash val="solid"/>
+            <a:tailEnd type="arrow"/>
+          </a:ln>
+          <a:effectLst>
+            <a:outerShdw blurRad="65500" dist="38100" dir="5400000" rotWithShape="0">
+              <a:srgbClr val="000000">
+                <a:alpha val="40000"/>
+              </a:srgbClr>
+            </a:outerShdw>
+          </a:effectLst>
+        </p:spPr>
+      </p:cxnSp>
+      <p:sp>
+        <p:nvSpPr>
+          <p:cNvPr id="116" name="Rounded Rectangle 9">
+            <a:extLst>
+              <a:ext uri="{FF2B5EF4-FFF2-40B4-BE49-F238E27FC236}">
+                <a16:creationId xmlns:a16="http://schemas.microsoft.com/office/drawing/2014/main" id="{71DC2356-AF09-4D62-BC8E-66805B0B5F4C}"/>
+              </a:ext>
+            </a:extLst>
+          </p:cNvPr>
+          <p:cNvSpPr/>
+          <p:nvPr/>
+        </p:nvSpPr>
+        <p:spPr bwMode="auto">
+          <a:xfrm>
+            <a:off x="2556887" y="3328781"/>
+            <a:ext cx="2880433" cy="769858"/>
+          </a:xfrm>
+          <a:prstGeom prst="roundRect">
+            <a:avLst/>
+          </a:prstGeom>
+          <a:gradFill rotWithShape="1">
+            <a:gsLst>
+              <a:gs pos="0">
+                <a:srgbClr val="3A94D2">
+                  <a:tint val="65000"/>
+                  <a:satMod val="270000"/>
+                </a:srgbClr>
+              </a:gs>
+              <a:gs pos="25000">
+                <a:srgbClr val="3A94D2">
+                  <a:tint val="60000"/>
+                  <a:satMod val="300000"/>
+                </a:srgbClr>
+              </a:gs>
+              <a:gs pos="100000">
+                <a:srgbClr val="3A94D2">
+                  <a:tint val="29000"/>
+                  <a:satMod val="400000"/>
+                </a:srgbClr>
+              </a:gs>
+            </a:gsLst>
+            <a:lin ang="16200000" scaled="1"/>
+          </a:gradFill>
+          <a:ln w="9525" cap="flat" cmpd="sng" algn="ctr">
+            <a:solidFill>
+              <a:srgbClr val="3A94D2">
+                <a:satMod val="150000"/>
+              </a:srgbClr>
+            </a:solidFill>
+            <a:prstDash val="solid"/>
+            <a:headEnd type="none" w="med" len="med"/>
+            <a:tailEnd type="none" w="med" len="med"/>
+          </a:ln>
+          <a:effectLst>
+            <a:outerShdw blurRad="65500" dist="38100" dir="5400000" rotWithShape="0">
+              <a:srgbClr val="000000">
+                <a:alpha val="40000"/>
+              </a:srgbClr>
+            </a:outerShdw>
+          </a:effectLst>
+        </p:spPr>
+        <p:txBody>
+          <a:bodyPr vert="horz" wrap="square" lIns="121915" tIns="60957" rIns="121915" bIns="60957" numCol="1" rtlCol="0" anchor="ctr" anchorCtr="0" compatLnSpc="1">
+            <a:prstTxWarp prst="textNoShape">
+              <a:avLst/>
+            </a:prstTxWarp>
+          </a:bodyPr>
+          <a:lstStyle/>
+          <a:p>
+            <a:pPr algn="ctr" defTabSz="1218768" fontAlgn="base">
+              <a:spcBef>
+                <a:spcPct val="0"/>
+              </a:spcBef>
+              <a:spcAft>
+                <a:spcPct val="0"/>
+              </a:spcAft>
+              <a:defRPr/>
+            </a:pPr>
+            <a:r>
+              <a:rPr lang="en-US" sz="1400" dirty="0">
+                <a:gradFill>
+                  <a:gsLst>
+                    <a:gs pos="0">
+                      <a:srgbClr val="FFFFFF"/>
+                    </a:gs>
+                    <a:gs pos="100000">
+                      <a:srgbClr val="FFFFFF"/>
+                    </a:gs>
+                  </a:gsLst>
+                  <a:lin ang="5400000" scaled="0"/>
+                </a:gradFill>
+                <a:latin typeface="Segoe UI"/>
+                <a:cs typeface="Arial"/>
+                <a:sym typeface="Arial"/>
+              </a:rPr>
+              <a:t>Feature Selection</a:t>
+            </a:r>
+          </a:p>
+          <a:p>
+            <a:pPr algn="ctr" defTabSz="1218768" fontAlgn="base">
+              <a:spcBef>
+                <a:spcPct val="0"/>
+              </a:spcBef>
+              <a:spcAft>
+                <a:spcPct val="0"/>
+              </a:spcAft>
+              <a:defRPr/>
+            </a:pPr>
+            <a:r>
+              <a:rPr lang="en-US" sz="1400" dirty="0">
+                <a:gradFill>
+                  <a:gsLst>
+                    <a:gs pos="0">
+                      <a:srgbClr val="FFFFFF"/>
+                    </a:gs>
+                    <a:gs pos="100000">
+                      <a:srgbClr val="FFFFFF"/>
+                    </a:gs>
+                  </a:gsLst>
+                  <a:lin ang="5400000" scaled="0"/>
+                </a:gradFill>
+                <a:latin typeface="Segoe UI"/>
+                <a:cs typeface="Arial"/>
+                <a:sym typeface="Arial"/>
+              </a:rPr>
+              <a:t>+</a:t>
+            </a:r>
+            <a:endParaRPr lang="en-US" sz="1400" dirty="0">
+              <a:gradFill>
+                <a:gsLst>
+                  <a:gs pos="0">
+                    <a:srgbClr val="FFFFFF"/>
+                  </a:gs>
+                  <a:gs pos="100000">
+                    <a:srgbClr val="FFFFFF"/>
+                  </a:gs>
+                </a:gsLst>
+                <a:lin ang="5400000" scaled="0"/>
+              </a:gradFill>
+              <a:latin typeface="Segoe UI"/>
+              <a:cs typeface="Segoe UI"/>
+              <a:sym typeface="Arial"/>
+            </a:endParaRPr>
+          </a:p>
+          <a:p>
+            <a:pPr algn="ctr" defTabSz="1218768" fontAlgn="base">
+              <a:spcBef>
+                <a:spcPct val="0"/>
+              </a:spcBef>
+              <a:spcAft>
+                <a:spcPct val="0"/>
+              </a:spcAft>
+              <a:defRPr/>
+            </a:pPr>
+            <a:r>
+              <a:rPr lang="en-US" sz="1400" dirty="0">
+                <a:gradFill>
+                  <a:gsLst>
+                    <a:gs pos="0">
+                      <a:srgbClr val="FFFFFF"/>
+                    </a:gs>
+                    <a:gs pos="100000">
+                      <a:srgbClr val="FFFFFF"/>
+                    </a:gs>
+                  </a:gsLst>
+                  <a:lin ang="5400000" scaled="0"/>
+                </a:gradFill>
+                <a:latin typeface="Segoe UI"/>
+                <a:cs typeface="Arial"/>
+                <a:sym typeface="Arial"/>
+              </a:rPr>
+              <a:t>Feature Engineering</a:t>
+            </a:r>
+            <a:endParaRPr lang="en-US" sz="1400" dirty="0">
+              <a:gradFill>
+                <a:gsLst>
+                  <a:gs pos="0">
+                    <a:srgbClr val="FFFFFF"/>
+                  </a:gs>
+                  <a:gs pos="100000">
+                    <a:srgbClr val="FFFFFF"/>
+                  </a:gs>
+                </a:gsLst>
+                <a:lin ang="5400000" scaled="0"/>
+              </a:gradFill>
+              <a:latin typeface="Segoe UI"/>
+              <a:cs typeface="Segoe UI"/>
+              <a:sym typeface="Arial"/>
+            </a:endParaRPr>
+          </a:p>
+        </p:txBody>
+      </p:sp>
+      <p:sp>
+        <p:nvSpPr>
+          <p:cNvPr id="117" name="Rounded Rectangle 9">
+            <a:extLst>
+              <a:ext uri="{FF2B5EF4-FFF2-40B4-BE49-F238E27FC236}">
+                <a16:creationId xmlns:a16="http://schemas.microsoft.com/office/drawing/2014/main" id="{35399D29-BBC9-4998-85F2-C7ED90600EF6}"/>
+              </a:ext>
+            </a:extLst>
+          </p:cNvPr>
+          <p:cNvSpPr/>
+          <p:nvPr/>
+        </p:nvSpPr>
+        <p:spPr bwMode="auto">
+          <a:xfrm>
+            <a:off x="2556887" y="5435337"/>
+            <a:ext cx="2907405" cy="819038"/>
+          </a:xfrm>
+          <a:prstGeom prst="roundRect">
+            <a:avLst/>
+          </a:prstGeom>
+          <a:gradFill rotWithShape="1">
+            <a:gsLst>
+              <a:gs pos="0">
+                <a:srgbClr val="3A94D2">
+                  <a:tint val="65000"/>
+                  <a:satMod val="270000"/>
+                </a:srgbClr>
+              </a:gs>
+              <a:gs pos="25000">
+                <a:srgbClr val="3A94D2">
+                  <a:tint val="60000"/>
+                  <a:satMod val="300000"/>
+                </a:srgbClr>
+              </a:gs>
+              <a:gs pos="100000">
+                <a:srgbClr val="3A94D2">
+                  <a:tint val="29000"/>
+                  <a:satMod val="400000"/>
+                </a:srgbClr>
+              </a:gs>
+            </a:gsLst>
+            <a:lin ang="16200000" scaled="1"/>
+          </a:gradFill>
+          <a:ln w="9525" cap="flat" cmpd="sng" algn="ctr">
+            <a:solidFill>
+              <a:srgbClr val="3A94D2">
+                <a:satMod val="150000"/>
+              </a:srgbClr>
+            </a:solidFill>
+            <a:prstDash val="solid"/>
+            <a:headEnd type="none" w="med" len="med"/>
+            <a:tailEnd type="none" w="med" len="med"/>
+          </a:ln>
+          <a:effectLst>
+            <a:outerShdw blurRad="65500" dist="38100" dir="5400000" rotWithShape="0">
+              <a:srgbClr val="000000">
+                <a:alpha val="40000"/>
+              </a:srgbClr>
+            </a:outerShdw>
+          </a:effectLst>
+        </p:spPr>
+        <p:txBody>
+          <a:bodyPr vert="horz" wrap="square" lIns="121915" tIns="60957" rIns="121915" bIns="60957" numCol="1" rtlCol="0" anchor="ctr" anchorCtr="0" compatLnSpc="1">
+            <a:prstTxWarp prst="textNoShape">
+              <a:avLst/>
+            </a:prstTxWarp>
+          </a:bodyPr>
+          <a:lstStyle/>
+          <a:p>
+            <a:pPr algn="ctr" defTabSz="1218768" fontAlgn="base">
+              <a:spcBef>
+                <a:spcPct val="0"/>
+              </a:spcBef>
+              <a:spcAft>
+                <a:spcPct val="0"/>
+              </a:spcAft>
+              <a:defRPr/>
+            </a:pPr>
+            <a:r>
+              <a:rPr lang="en-US" sz="1400" dirty="0">
+                <a:gradFill>
+                  <a:gsLst>
+                    <a:gs pos="0">
+                      <a:srgbClr val="FFFFFF"/>
+                    </a:gs>
+                    <a:gs pos="100000">
+                      <a:srgbClr val="FFFFFF"/>
+                    </a:gs>
+                  </a:gsLst>
+                  <a:lin ang="5400000" scaled="0"/>
+                </a:gradFill>
+                <a:latin typeface="Segoe UI"/>
+                <a:cs typeface="Arial"/>
+                <a:sym typeface="Arial"/>
+              </a:rPr>
+              <a:t>Model Configuration</a:t>
+            </a:r>
+          </a:p>
+          <a:p>
+            <a:pPr algn="ctr" defTabSz="1218768" fontAlgn="base">
+              <a:spcBef>
+                <a:spcPct val="0"/>
+              </a:spcBef>
+              <a:spcAft>
+                <a:spcPct val="0"/>
+              </a:spcAft>
+              <a:defRPr/>
+            </a:pPr>
+            <a:r>
+              <a:rPr lang="en-US" sz="1400" dirty="0">
+                <a:gradFill>
+                  <a:gsLst>
+                    <a:gs pos="0">
+                      <a:srgbClr val="FFFFFF"/>
+                    </a:gs>
+                    <a:gs pos="100000">
+                      <a:srgbClr val="FFFFFF"/>
+                    </a:gs>
+                  </a:gsLst>
+                  <a:lin ang="5400000" scaled="0"/>
+                </a:gradFill>
+                <a:latin typeface="Segoe UI"/>
+                <a:cs typeface="Arial"/>
+                <a:sym typeface="Arial"/>
+              </a:rPr>
+              <a:t>+</a:t>
+            </a:r>
+          </a:p>
+          <a:p>
+            <a:pPr algn="ctr" defTabSz="1218768" fontAlgn="base">
+              <a:spcBef>
+                <a:spcPct val="0"/>
+              </a:spcBef>
+              <a:spcAft>
+                <a:spcPct val="0"/>
+              </a:spcAft>
+              <a:defRPr/>
+            </a:pPr>
+            <a:r>
+              <a:rPr lang="en-US" sz="1400" dirty="0">
+                <a:gradFill>
+                  <a:gsLst>
+                    <a:gs pos="0">
+                      <a:srgbClr val="FFFFFF"/>
+                    </a:gs>
+                    <a:gs pos="100000">
+                      <a:srgbClr val="FFFFFF"/>
+                    </a:gs>
+                  </a:gsLst>
+                  <a:lin ang="5400000" scaled="0"/>
+                </a:gradFill>
+                <a:latin typeface="Segoe UI"/>
+                <a:cs typeface="Arial"/>
+                <a:sym typeface="Arial"/>
+              </a:rPr>
+              <a:t>Hyper-Parameter Tuning</a:t>
+            </a:r>
+          </a:p>
+        </p:txBody>
+      </p:sp>
+      <p:sp>
+        <p:nvSpPr>
+          <p:cNvPr id="118" name="Rounded Rectangle 9">
+            <a:extLst>
+              <a:ext uri="{FF2B5EF4-FFF2-40B4-BE49-F238E27FC236}">
+                <a16:creationId xmlns:a16="http://schemas.microsoft.com/office/drawing/2014/main" id="{A86DC910-3D53-4415-B119-9F69C3CD6733}"/>
+              </a:ext>
+            </a:extLst>
+          </p:cNvPr>
+          <p:cNvSpPr/>
+          <p:nvPr/>
+        </p:nvSpPr>
+        <p:spPr bwMode="auto">
+          <a:xfrm>
+            <a:off x="6637080" y="5302642"/>
+            <a:ext cx="1819621" cy="899236"/>
+          </a:xfrm>
+          <a:prstGeom prst="roundRect">
+            <a:avLst/>
+          </a:prstGeom>
+          <a:gradFill rotWithShape="1">
+            <a:gsLst>
+              <a:gs pos="0">
+                <a:srgbClr val="3A94D2">
+                  <a:tint val="65000"/>
+                  <a:satMod val="270000"/>
+                </a:srgbClr>
+              </a:gs>
+              <a:gs pos="25000">
+                <a:srgbClr val="3A94D2">
+                  <a:tint val="60000"/>
+                  <a:satMod val="300000"/>
+                </a:srgbClr>
+              </a:gs>
+              <a:gs pos="100000">
+                <a:srgbClr val="3A94D2">
+                  <a:tint val="29000"/>
+                  <a:satMod val="400000"/>
+                </a:srgbClr>
+              </a:gs>
+            </a:gsLst>
+            <a:lin ang="16200000" scaled="1"/>
+          </a:gradFill>
+          <a:ln w="9525" cap="flat" cmpd="sng" algn="ctr">
+            <a:solidFill>
+              <a:srgbClr val="3A94D2">
+                <a:satMod val="150000"/>
+              </a:srgbClr>
+            </a:solidFill>
+            <a:prstDash val="solid"/>
+            <a:headEnd type="none" w="med" len="med"/>
+            <a:tailEnd type="none" w="med" len="med"/>
+          </a:ln>
+          <a:effectLst>
+            <a:outerShdw blurRad="65500" dist="38100" dir="5400000" rotWithShape="0">
+              <a:srgbClr val="000000">
+                <a:alpha val="40000"/>
+              </a:srgbClr>
+            </a:outerShdw>
+          </a:effectLst>
+        </p:spPr>
+        <p:txBody>
+          <a:bodyPr vert="horz" wrap="square" lIns="121915" tIns="60957" rIns="121915" bIns="60957" numCol="1" rtlCol="0" anchor="ctr" anchorCtr="0" compatLnSpc="1">
+            <a:prstTxWarp prst="textNoShape">
+              <a:avLst/>
+            </a:prstTxWarp>
+          </a:bodyPr>
+          <a:lstStyle/>
+          <a:p>
+            <a:pPr algn="ctr" defTabSz="1218768" fontAlgn="base">
+              <a:spcBef>
+                <a:spcPct val="0"/>
+              </a:spcBef>
+              <a:spcAft>
+                <a:spcPct val="0"/>
+              </a:spcAft>
+              <a:defRPr/>
+            </a:pPr>
+            <a:r>
+              <a:rPr lang="en-US" sz="2133" dirty="0">
+                <a:gradFill>
+                  <a:gsLst>
+                    <a:gs pos="0">
+                      <a:srgbClr val="FFFFFF"/>
+                    </a:gs>
+                    <a:gs pos="100000">
+                      <a:srgbClr val="FFFFFF"/>
+                    </a:gs>
+                  </a:gsLst>
+                  <a:lin ang="5400000" scaled="0"/>
+                </a:gradFill>
+                <a:latin typeface="Segoe UI"/>
+                <a:cs typeface="Arial"/>
+                <a:sym typeface="Arial"/>
+              </a:rPr>
+              <a:t>Predictive Results</a:t>
+            </a:r>
+          </a:p>
+        </p:txBody>
+      </p:sp>
+    </p:spTree>
+    <p:extLst>
+      <p:ext uri="{BB962C8B-B14F-4D97-AF65-F5344CB8AC3E}">
+        <p14:creationId xmlns:p14="http://schemas.microsoft.com/office/powerpoint/2010/main" val="3732819603"/>
+      </p:ext>
+    </p:extLst>
+  </p:cSld>
+  <p:clrMapOvr>
+    <a:masterClrMapping/>
+  </p:clrMapOvr>
+  <mc:AlternateContent xmlns:mc="http://schemas.openxmlformats.org/markup-compatibility/2006" xmlns:p14="http://schemas.microsoft.com/office/powerpoint/2010/main">
+    <mc:Choice Requires="p14">
+      <p:transition spd="slow" p14:dur="3400">
+        <p14:reveal/>
+      </p:transition>
+    </mc:Choice>
+    <mc:Fallback xmlns="">
+      <p:transition spd="slow">
+        <p:fade/>
+      </p:transition>
+    </mc:Fallback>
+  </mc:AlternateContent>
+</p:sld>
+</file>
+
+<file path=ppt/slides/slide6.xml><?xml version="1.0" encoding="utf-8"?>
+<p:sld xmlns:a="http://schemas.openxmlformats.org/drawingml/2006/main" xmlns:r="http://schemas.openxmlformats.org/officeDocument/2006/relationships" xmlns:p="http://schemas.openxmlformats.org/presentationml/2006/main">
+  <p:cSld>
+    <p:spTree>
+      <p:nvGrpSpPr>
+        <p:cNvPr id="1" name=""/>
+        <p:cNvGrpSpPr/>
+        <p:nvPr/>
+      </p:nvGrpSpPr>
+      <p:grpSpPr>
+        <a:xfrm>
+          <a:off x="0" y="0"/>
+          <a:ext cx="0" cy="0"/>
+          <a:chOff x="0" y="0"/>
+          <a:chExt cx="0" cy="0"/>
+        </a:xfrm>
+      </p:grpSpPr>
+      <p:sp>
+        <p:nvSpPr>
+          <p:cNvPr id="119" name="Rectangle 118">
+            <a:extLst>
+              <a:ext uri="{FF2B5EF4-FFF2-40B4-BE49-F238E27FC236}">
+                <a16:creationId xmlns:a16="http://schemas.microsoft.com/office/drawing/2014/main" id="{021114F5-194D-46DB-A300-4B8B395064F2}"/>
+              </a:ext>
+            </a:extLst>
+          </p:cNvPr>
+          <p:cNvSpPr/>
+          <p:nvPr/>
+        </p:nvSpPr>
+        <p:spPr>
+          <a:xfrm>
+            <a:off x="9064917" y="1213630"/>
+            <a:ext cx="2438400" cy="5564463"/>
+          </a:xfrm>
+          <a:prstGeom prst="rect">
+            <a:avLst/>
+          </a:prstGeom>
+          <a:solidFill>
+            <a:schemeClr val="tx1"/>
+          </a:solidFill>
+          <a:ln>
+            <a:solidFill>
+              <a:schemeClr val="tx1"/>
+            </a:solidFill>
+          </a:ln>
+        </p:spPr>
+        <p:style>
+          <a:lnRef idx="2">
+            <a:schemeClr val="accent1">
+              <a:shade val="50000"/>
+            </a:schemeClr>
+          </a:lnRef>
+          <a:fillRef idx="1">
+            <a:schemeClr val="accent1"/>
+          </a:fillRef>
+          <a:effectRef idx="0">
+            <a:schemeClr val="accent1"/>
+          </a:effectRef>
+          <a:fontRef idx="minor">
+            <a:schemeClr val="lt1"/>
+          </a:fontRef>
+        </p:style>
+        <p:txBody>
+          <a:bodyPr rtlCol="0" anchor="ctr"/>
+          <a:lstStyle/>
+          <a:p>
+            <a:pPr algn="ctr"/>
+            <a:endParaRPr lang="en-US" sz="2400"/>
+          </a:p>
+        </p:txBody>
+      </p:sp>
+      <p:sp>
+        <p:nvSpPr>
+          <p:cNvPr id="11" name="Title 10">
+            <a:extLst>
+              <a:ext uri="{FF2B5EF4-FFF2-40B4-BE49-F238E27FC236}">
+                <a16:creationId xmlns:a16="http://schemas.microsoft.com/office/drawing/2014/main" id="{37E23F2F-855D-4E5D-AFB5-36CDAD70EC34}"/>
+              </a:ext>
+            </a:extLst>
+          </p:cNvPr>
+          <p:cNvSpPr>
+            <a:spLocks noGrp="1"/>
+          </p:cNvSpPr>
+          <p:nvPr>
+            <p:ph type="title"/>
+          </p:nvPr>
+        </p:nvSpPr>
+        <p:spPr>
+          <a:xfrm>
+            <a:off x="413359" y="50875"/>
+            <a:ext cx="10972800" cy="772728"/>
+          </a:xfrm>
+        </p:spPr>
+        <p:txBody>
+          <a:bodyPr>
+            <a:normAutofit fontScale="90000"/>
+          </a:bodyPr>
+          <a:lstStyle/>
+          <a:p>
+            <a:pPr algn="ctr"/>
+            <a:r>
+              <a:rPr lang="en-US" sz="4000" dirty="0">
+                <a:latin typeface="Segoe UI" panose="020B0502040204020203" pitchFamily="34" charset="0"/>
+                <a:cs typeface="Segoe UI" panose="020B0502040204020203" pitchFamily="34" charset="0"/>
+              </a:rPr>
+              <a:t>DAATE MVP Causal Model Architecture</a:t>
+            </a:r>
+          </a:p>
+        </p:txBody>
+      </p:sp>
+      <p:sp>
+        <p:nvSpPr>
+          <p:cNvPr id="115" name="Rectangle 114">
+            <a:extLst>
+              <a:ext uri="{FF2B5EF4-FFF2-40B4-BE49-F238E27FC236}">
+                <a16:creationId xmlns:a16="http://schemas.microsoft.com/office/drawing/2014/main" id="{685F49E4-53E7-41BA-ABAA-9153A7ED27D0}"/>
+              </a:ext>
+            </a:extLst>
+          </p:cNvPr>
+          <p:cNvSpPr/>
+          <p:nvPr/>
+        </p:nvSpPr>
+        <p:spPr>
+          <a:xfrm>
+            <a:off x="61968" y="2949385"/>
+            <a:ext cx="1543120" cy="415498"/>
+          </a:xfrm>
+          <a:prstGeom prst="rect">
+            <a:avLst/>
+          </a:prstGeom>
+        </p:spPr>
+        <p:txBody>
+          <a:bodyPr wrap="square" lIns="121920" tIns="60960" rIns="121920" bIns="60960" anchor="t">
+            <a:spAutoFit/>
+          </a:bodyPr>
+          <a:lstStyle/>
+          <a:p>
+            <a:pPr defTabSz="913881">
+              <a:lnSpc>
+                <a:spcPct val="95000"/>
+              </a:lnSpc>
+              <a:spcBef>
+                <a:spcPct val="0"/>
+              </a:spcBef>
+              <a:spcAft>
+                <a:spcPct val="0"/>
+              </a:spcAft>
+              <a:defRPr/>
+            </a:pPr>
+            <a:r>
+              <a:rPr lang="en-US" sz="1000" b="1" spc="49" dirty="0">
+                <a:solidFill>
+                  <a:srgbClr val="F7F2E2"/>
+                </a:solidFill>
+                <a:latin typeface="Segoe UI Semibold"/>
+                <a:cs typeface="Segoe UI Semibold"/>
+              </a:rPr>
+              <a:t>Florida Department Of Corrections</a:t>
+            </a:r>
+            <a:endParaRPr lang="en-US" sz="2400" dirty="0">
+              <a:solidFill>
+                <a:srgbClr val="F7F2E2"/>
+              </a:solidFill>
+            </a:endParaRPr>
+          </a:p>
+        </p:txBody>
+      </p:sp>
+      <p:pic>
+        <p:nvPicPr>
+          <p:cNvPr id="46" name="Picture 45" descr="Logo&#10;&#10;Description automatically generated">
+            <a:extLst>
+              <a:ext uri="{FF2B5EF4-FFF2-40B4-BE49-F238E27FC236}">
+                <a16:creationId xmlns:a16="http://schemas.microsoft.com/office/drawing/2014/main" id="{AE548326-FB5F-4D36-B2A5-7BFF42ED2E7C}"/>
+              </a:ext>
+            </a:extLst>
+          </p:cNvPr>
+          <p:cNvPicPr>
+            <a:picLocks noChangeAspect="1"/>
+          </p:cNvPicPr>
+          <p:nvPr/>
+        </p:nvPicPr>
+        <p:blipFill>
+          <a:blip r:embed="rId3"/>
+          <a:stretch>
+            <a:fillRect/>
+          </a:stretch>
+        </p:blipFill>
+        <p:spPr>
+          <a:xfrm>
+            <a:off x="228470" y="1862288"/>
+            <a:ext cx="1014849" cy="1014849"/>
+          </a:xfrm>
+          <a:prstGeom prst="rect">
+            <a:avLst/>
+          </a:prstGeom>
+        </p:spPr>
+      </p:pic>
+      <p:sp>
+        <p:nvSpPr>
+          <p:cNvPr id="92" name="Rectangle 91">
+            <a:extLst>
+              <a:ext uri="{FF2B5EF4-FFF2-40B4-BE49-F238E27FC236}">
+                <a16:creationId xmlns:a16="http://schemas.microsoft.com/office/drawing/2014/main" id="{62E0DA5E-720F-479C-AF3A-9E634D5BBCB0}"/>
+              </a:ext>
+            </a:extLst>
+          </p:cNvPr>
+          <p:cNvSpPr/>
+          <p:nvPr/>
+        </p:nvSpPr>
+        <p:spPr bwMode="auto">
+          <a:xfrm>
+            <a:off x="1895583" y="1198521"/>
+            <a:ext cx="6789404" cy="5579572"/>
+          </a:xfrm>
+          <a:prstGeom prst="rect">
+            <a:avLst/>
+          </a:prstGeom>
+          <a:solidFill>
+            <a:srgbClr val="FFFFFF"/>
+          </a:solidFill>
+          <a:ln w="9525" cap="flat" cmpd="sng" algn="ctr">
+            <a:solidFill>
+              <a:srgbClr val="000000"/>
+            </a:solidFill>
+            <a:prstDash val="solid"/>
+            <a:headEnd type="none" w="med" len="med"/>
+            <a:tailEnd type="none" w="med" len="med"/>
+          </a:ln>
+          <a:effectLst>
+            <a:outerShdw blurRad="65500" dist="38100" dir="5400000" rotWithShape="0">
+              <a:srgbClr val="000000">
+                <a:alpha val="40000"/>
+              </a:srgbClr>
+            </a:outerShdw>
+          </a:effectLst>
+        </p:spPr>
+        <p:txBody>
+          <a:bodyPr vert="horz" wrap="square" lIns="121915" tIns="60957" rIns="121915" bIns="60957" numCol="1" rtlCol="0" anchor="t" anchorCtr="0" compatLnSpc="1">
+            <a:prstTxWarp prst="textNoShape">
+              <a:avLst/>
+            </a:prstTxWarp>
+          </a:bodyPr>
+          <a:lstStyle/>
+          <a:p>
+            <a:pPr algn="ctr" defTabSz="1218768" fontAlgn="base">
+              <a:spcBef>
+                <a:spcPct val="0"/>
+              </a:spcBef>
+              <a:spcAft>
+                <a:spcPct val="0"/>
+              </a:spcAft>
+              <a:defRPr/>
+            </a:pPr>
+            <a:endParaRPr lang="en-US" sz="2400" dirty="0">
+              <a:solidFill>
+                <a:srgbClr val="000000"/>
+              </a:solidFill>
+              <a:latin typeface="Segoe UI"/>
+              <a:cs typeface="Arial"/>
+              <a:sym typeface="Arial"/>
+            </a:endParaRPr>
+          </a:p>
+        </p:txBody>
+      </p:sp>
+      <p:sp>
+        <p:nvSpPr>
+          <p:cNvPr id="93" name="Rounded Rectangle 11">
+            <a:extLst>
+              <a:ext uri="{FF2B5EF4-FFF2-40B4-BE49-F238E27FC236}">
+                <a16:creationId xmlns:a16="http://schemas.microsoft.com/office/drawing/2014/main" id="{7999C9E9-E149-4E5F-907E-57BA989539A3}"/>
+              </a:ext>
+            </a:extLst>
+          </p:cNvPr>
+          <p:cNvSpPr/>
+          <p:nvPr/>
+        </p:nvSpPr>
+        <p:spPr bwMode="auto">
+          <a:xfrm>
+            <a:off x="4651222" y="1913650"/>
+            <a:ext cx="2497073" cy="912123"/>
+          </a:xfrm>
+          <a:prstGeom prst="roundRect">
+            <a:avLst/>
+          </a:prstGeom>
+          <a:gradFill rotWithShape="1">
+            <a:gsLst>
+              <a:gs pos="0">
+                <a:srgbClr val="3A94D2">
+                  <a:tint val="65000"/>
+                  <a:satMod val="270000"/>
+                </a:srgbClr>
+              </a:gs>
+              <a:gs pos="25000">
+                <a:srgbClr val="3A94D2">
+                  <a:tint val="60000"/>
+                  <a:satMod val="300000"/>
+                </a:srgbClr>
+              </a:gs>
+              <a:gs pos="100000">
+                <a:srgbClr val="3A94D2">
+                  <a:tint val="29000"/>
+                  <a:satMod val="400000"/>
+                </a:srgbClr>
+              </a:gs>
+            </a:gsLst>
+            <a:lin ang="16200000" scaled="1"/>
+          </a:gradFill>
+          <a:ln w="9525" cap="flat" cmpd="sng" algn="ctr">
+            <a:solidFill>
+              <a:srgbClr val="3A94D2">
+                <a:satMod val="150000"/>
+              </a:srgbClr>
+            </a:solidFill>
+            <a:prstDash val="solid"/>
+            <a:headEnd type="none" w="med" len="med"/>
+            <a:tailEnd type="none" w="med" len="med"/>
+          </a:ln>
+          <a:effectLst>
+            <a:outerShdw blurRad="65500" dist="38100" dir="5400000" rotWithShape="0">
+              <a:srgbClr val="000000">
+                <a:alpha val="40000"/>
+              </a:srgbClr>
+            </a:outerShdw>
+          </a:effectLst>
+        </p:spPr>
+        <p:txBody>
+          <a:bodyPr vert="horz" wrap="square" lIns="121915" tIns="60957" rIns="121915" bIns="60957" numCol="1" rtlCol="0" anchor="ctr" anchorCtr="0" compatLnSpc="1">
+            <a:prstTxWarp prst="textNoShape">
+              <a:avLst/>
+            </a:prstTxWarp>
+          </a:bodyPr>
+          <a:lstStyle/>
+          <a:p>
+            <a:pPr algn="ctr" defTabSz="1218768" fontAlgn="base">
+              <a:spcBef>
+                <a:spcPct val="0"/>
+              </a:spcBef>
+              <a:spcAft>
+                <a:spcPct val="0"/>
+              </a:spcAft>
+              <a:defRPr/>
+            </a:pPr>
+            <a:r>
+              <a:rPr lang="en-US" sz="1867" dirty="0">
+                <a:gradFill>
+                  <a:gsLst>
+                    <a:gs pos="0">
+                      <a:srgbClr val="FFFFFF"/>
+                    </a:gs>
+                    <a:gs pos="100000">
+                      <a:srgbClr val="FFFFFF"/>
+                    </a:gs>
+                  </a:gsLst>
+                  <a:lin ang="5400000" scaled="0"/>
+                </a:gradFill>
+                <a:latin typeface="Segoe UI"/>
+                <a:cs typeface="Arial"/>
+                <a:sym typeface="Arial"/>
+              </a:rPr>
+              <a:t>EDA, Cleansing etc.</a:t>
+            </a:r>
+          </a:p>
+        </p:txBody>
+      </p:sp>
+      <p:grpSp>
+        <p:nvGrpSpPr>
+          <p:cNvPr id="94" name="Group 116">
+            <a:extLst>
+              <a:ext uri="{FF2B5EF4-FFF2-40B4-BE49-F238E27FC236}">
+                <a16:creationId xmlns:a16="http://schemas.microsoft.com/office/drawing/2014/main" id="{01C0FB8C-2F2B-4170-8394-77AC09698548}"/>
+              </a:ext>
+            </a:extLst>
+          </p:cNvPr>
+          <p:cNvGrpSpPr/>
+          <p:nvPr/>
+        </p:nvGrpSpPr>
+        <p:grpSpPr>
+          <a:xfrm>
+            <a:off x="9554657" y="2758884"/>
+            <a:ext cx="986755" cy="1016000"/>
+            <a:chOff x="555334" y="4191000"/>
+            <a:chExt cx="587666" cy="609600"/>
+          </a:xfrm>
+        </p:grpSpPr>
+        <p:pic>
+          <p:nvPicPr>
+            <p:cNvPr id="95" name="Picture 3" descr="C:\Documents and Settings\antonk\Local Settings\Temporary Internet Files\Content.IE5\AV78XKCM\MCj04348450000[1].png">
+              <a:extLst>
+                <a:ext uri="{FF2B5EF4-FFF2-40B4-BE49-F238E27FC236}">
+                  <a16:creationId xmlns:a16="http://schemas.microsoft.com/office/drawing/2014/main" id="{720CBC3A-E74E-4FC7-B8E4-D26AE90673E2}"/>
+                </a:ext>
+              </a:extLst>
+            </p:cNvPr>
+            <p:cNvPicPr>
+              <a:picLocks noChangeAspect="1" noChangeArrowheads="1"/>
+            </p:cNvPicPr>
+            <p:nvPr/>
+          </p:nvPicPr>
+          <p:blipFill>
+            <a:blip r:embed="rId4" cstate="print"/>
+            <a:srcRect/>
+            <a:stretch>
+              <a:fillRect/>
+            </a:stretch>
+          </p:blipFill>
+          <p:spPr bwMode="auto">
+            <a:xfrm>
+              <a:off x="555334" y="4191000"/>
+              <a:ext cx="587666" cy="527538"/>
+            </a:xfrm>
+            <a:prstGeom prst="rect">
+              <a:avLst/>
+            </a:prstGeom>
+            <a:noFill/>
+          </p:spPr>
+        </p:pic>
+        <p:sp>
+          <p:nvSpPr>
+            <p:cNvPr id="96" name="Can 21">
+              <a:extLst>
+                <a:ext uri="{FF2B5EF4-FFF2-40B4-BE49-F238E27FC236}">
+                  <a16:creationId xmlns:a16="http://schemas.microsoft.com/office/drawing/2014/main" id="{34A24359-6A92-4311-B53B-0BE9DAB6053B}"/>
+                </a:ext>
+              </a:extLst>
+            </p:cNvPr>
+            <p:cNvSpPr/>
+            <p:nvPr/>
+          </p:nvSpPr>
+          <p:spPr>
+            <a:xfrm>
+              <a:off x="860133" y="4419600"/>
+              <a:ext cx="228600" cy="381000"/>
+            </a:xfrm>
+            <a:prstGeom prst="can">
+              <a:avLst/>
+            </a:prstGeom>
+            <a:gradFill rotWithShape="1">
+              <a:gsLst>
+                <a:gs pos="0">
+                  <a:srgbClr val="3A94D2">
+                    <a:shade val="45000"/>
+                    <a:satMod val="155000"/>
+                  </a:srgbClr>
+                </a:gs>
+                <a:gs pos="60000">
+                  <a:srgbClr val="3A94D2">
+                    <a:shade val="95000"/>
+                    <a:satMod val="150000"/>
+                  </a:srgbClr>
+                </a:gs>
+                <a:gs pos="100000">
+                  <a:srgbClr val="3A94D2">
+                    <a:tint val="87000"/>
+                    <a:satMod val="250000"/>
+                  </a:srgbClr>
+                </a:gs>
+              </a:gsLst>
+              <a:lin ang="16200000" scaled="0"/>
+            </a:gradFill>
+            <a:ln>
+              <a:noFill/>
+            </a:ln>
+            <a:effectLst>
+              <a:outerShdw blurRad="65500" dist="38100" dir="5400000" rotWithShape="0">
+                <a:srgbClr val="000000">
+                  <a:alpha val="40000"/>
+                </a:srgbClr>
+              </a:outerShdw>
+            </a:effectLst>
+            <a:scene3d>
+              <a:camera prst="orthographicFront" fov="0">
+                <a:rot lat="0" lon="0" rev="0"/>
+              </a:camera>
+              <a:lightRig rig="contrasting" dir="t">
+                <a:rot lat="0" lon="0" rev="12000000"/>
+              </a:lightRig>
+            </a:scene3d>
+            <a:sp3d prstMaterial="powder">
+              <a:bevelT h="50800"/>
+            </a:sp3d>
+          </p:spPr>
+          <p:txBody>
+            <a:bodyPr rtlCol="0" anchor="ctr"/>
+            <a:lstStyle/>
+            <a:p>
+              <a:pPr algn="ctr" defTabSz="1219120">
+                <a:defRPr/>
+              </a:pPr>
+              <a:endParaRPr lang="en-US" sz="1600">
+                <a:solidFill>
+                  <a:srgbClr val="8557C9">
+                    <a:lumMod val="25000"/>
+                  </a:srgbClr>
+                </a:solidFill>
+                <a:latin typeface="Segoe UI"/>
+                <a:cs typeface="Arial" pitchFamily="34" charset="0"/>
+                <a:sym typeface="Arial"/>
+              </a:endParaRPr>
+            </a:p>
+          </p:txBody>
+        </p:sp>
+      </p:grpSp>
+      <p:pic>
+        <p:nvPicPr>
+          <p:cNvPr id="97" name="Picture 2" descr="Bloomberg Professional Service">
+            <a:extLst>
+              <a:ext uri="{FF2B5EF4-FFF2-40B4-BE49-F238E27FC236}">
+                <a16:creationId xmlns:a16="http://schemas.microsoft.com/office/drawing/2014/main" id="{CFD5134D-7AE3-4851-984E-FC7483353F51}"/>
+              </a:ext>
+            </a:extLst>
+          </p:cNvPr>
+          <p:cNvPicPr>
+            <a:picLocks noChangeAspect="1" noChangeArrowheads="1"/>
+          </p:cNvPicPr>
+          <p:nvPr/>
+        </p:nvPicPr>
+        <p:blipFill>
+          <a:blip r:embed="rId5" cstate="print"/>
+          <a:srcRect l="2614" t="12749" r="3268" b="39442"/>
+          <a:stretch>
+            <a:fillRect/>
+          </a:stretch>
+        </p:blipFill>
+        <p:spPr bwMode="auto">
+          <a:xfrm>
+            <a:off x="9413369" y="1887939"/>
+            <a:ext cx="1930400" cy="804333"/>
+          </a:xfrm>
+          <a:prstGeom prst="rect">
+            <a:avLst/>
+          </a:prstGeom>
+          <a:noFill/>
+        </p:spPr>
+      </p:pic>
+      <p:cxnSp>
+        <p:nvCxnSpPr>
+          <p:cNvPr id="98" name="Curved Connector 24">
+            <a:extLst>
+              <a:ext uri="{FF2B5EF4-FFF2-40B4-BE49-F238E27FC236}">
+                <a16:creationId xmlns:a16="http://schemas.microsoft.com/office/drawing/2014/main" id="{9E1C9126-2517-4093-93EC-EEE17533B104}"/>
+              </a:ext>
+            </a:extLst>
+          </p:cNvPr>
+          <p:cNvCxnSpPr>
+            <a:cxnSpLocks/>
+            <a:stCxn id="93" idx="3"/>
+            <a:endCxn id="95" idx="1"/>
+          </p:cNvCxnSpPr>
+          <p:nvPr/>
+        </p:nvCxnSpPr>
+        <p:spPr>
+          <a:xfrm>
+            <a:off x="7148295" y="2369712"/>
+            <a:ext cx="2406362" cy="828787"/>
+          </a:xfrm>
+          <a:prstGeom prst="curvedConnector3">
+            <a:avLst>
+              <a:gd name="adj1" fmla="val 50000"/>
+            </a:avLst>
+          </a:prstGeom>
+          <a:noFill/>
+          <a:ln w="38100" cap="flat" cmpd="sng" algn="ctr">
+            <a:solidFill>
+              <a:srgbClr val="F38C37"/>
+            </a:solidFill>
+            <a:prstDash val="solid"/>
+            <a:tailEnd type="arrow"/>
+          </a:ln>
+          <a:effectLst>
+            <a:outerShdw blurRad="65500" dist="38100" dir="5400000" rotWithShape="0">
+              <a:srgbClr val="000000">
+                <a:alpha val="40000"/>
+              </a:srgbClr>
+            </a:outerShdw>
+          </a:effectLst>
+        </p:spPr>
+      </p:cxnSp>
+      <p:sp>
+        <p:nvSpPr>
+          <p:cNvPr id="99" name="Right Arrow 4">
+            <a:extLst>
+              <a:ext uri="{FF2B5EF4-FFF2-40B4-BE49-F238E27FC236}">
+                <a16:creationId xmlns:a16="http://schemas.microsoft.com/office/drawing/2014/main" id="{301F5C07-7FF1-4C90-8198-FC9C51216C7E}"/>
+              </a:ext>
+            </a:extLst>
+          </p:cNvPr>
+          <p:cNvSpPr/>
+          <p:nvPr/>
+        </p:nvSpPr>
+        <p:spPr bwMode="auto">
+          <a:xfrm>
+            <a:off x="1408238" y="1718424"/>
+            <a:ext cx="2837804" cy="1302579"/>
+          </a:xfrm>
+          <a:prstGeom prst="rightArrow">
+            <a:avLst/>
+          </a:prstGeom>
+          <a:gradFill rotWithShape="1">
+            <a:gsLst>
+              <a:gs pos="0">
+                <a:srgbClr val="F38C37">
+                  <a:shade val="45000"/>
+                  <a:satMod val="155000"/>
+                </a:srgbClr>
+              </a:gs>
+              <a:gs pos="60000">
+                <a:srgbClr val="F38C37">
+                  <a:shade val="95000"/>
+                  <a:satMod val="150000"/>
+                </a:srgbClr>
+              </a:gs>
+              <a:gs pos="100000">
+                <a:srgbClr val="F38C37">
+                  <a:tint val="87000"/>
+                  <a:satMod val="250000"/>
+                </a:srgbClr>
+              </a:gs>
+            </a:gsLst>
+            <a:lin ang="16200000" scaled="0"/>
+          </a:gradFill>
+          <a:ln w="9525" cap="flat" cmpd="sng" algn="ctr">
+            <a:solidFill>
+              <a:srgbClr val="F38C37">
+                <a:satMod val="150000"/>
+              </a:srgbClr>
+            </a:solidFill>
+            <a:prstDash val="solid"/>
+            <a:headEnd type="none" w="med" len="med"/>
+            <a:tailEnd type="none" w="med" len="med"/>
+          </a:ln>
+          <a:effectLst>
+            <a:outerShdw blurRad="65500" dist="38100" dir="5400000" rotWithShape="0">
+              <a:srgbClr val="000000">
+                <a:alpha val="40000"/>
+              </a:srgbClr>
+            </a:outerShdw>
+          </a:effectLst>
+        </p:spPr>
+        <p:txBody>
+          <a:bodyPr vert="horz" wrap="square" lIns="121915" tIns="60957" rIns="121915" bIns="60957" numCol="1" rtlCol="0" anchor="ctr" anchorCtr="0" compatLnSpc="1">
+            <a:prstTxWarp prst="textNoShape">
+              <a:avLst/>
+            </a:prstTxWarp>
+          </a:bodyPr>
+          <a:lstStyle/>
+          <a:p>
+            <a:pPr algn="ctr" defTabSz="1218768" fontAlgn="base">
+              <a:spcBef>
+                <a:spcPct val="0"/>
+              </a:spcBef>
+              <a:spcAft>
+                <a:spcPct val="0"/>
+              </a:spcAft>
+              <a:defRPr/>
+            </a:pPr>
+            <a:r>
+              <a:rPr lang="en-US" sz="2667" dirty="0">
+                <a:gradFill>
+                  <a:gsLst>
+                    <a:gs pos="0">
+                      <a:srgbClr val="FFFFFF"/>
+                    </a:gs>
+                    <a:gs pos="100000">
+                      <a:srgbClr val="FFFFFF"/>
+                    </a:gs>
+                  </a:gsLst>
+                  <a:lin ang="5400000" scaled="0"/>
+                </a:gradFill>
+                <a:latin typeface="Segoe UI"/>
+                <a:cs typeface="Arial"/>
+                <a:sym typeface="Arial"/>
+              </a:rPr>
+              <a:t>Data</a:t>
+            </a:r>
+          </a:p>
+        </p:txBody>
+      </p:sp>
+      <p:grpSp>
+        <p:nvGrpSpPr>
+          <p:cNvPr id="100" name="Group 99">
+            <a:extLst>
+              <a:ext uri="{FF2B5EF4-FFF2-40B4-BE49-F238E27FC236}">
+                <a16:creationId xmlns:a16="http://schemas.microsoft.com/office/drawing/2014/main" id="{CF4BF398-DC29-4145-A44F-5929ABA01800}"/>
+              </a:ext>
+            </a:extLst>
+          </p:cNvPr>
+          <p:cNvGrpSpPr/>
+          <p:nvPr/>
+        </p:nvGrpSpPr>
+        <p:grpSpPr>
+          <a:xfrm>
+            <a:off x="10682655" y="3102941"/>
+            <a:ext cx="712054" cy="626116"/>
+            <a:chOff x="3434328" y="3336433"/>
+            <a:chExt cx="1059543" cy="925108"/>
+          </a:xfrm>
+        </p:grpSpPr>
+        <p:pic>
+          <p:nvPicPr>
+            <p:cNvPr id="101" name="Picture 100">
+              <a:extLst>
+                <a:ext uri="{FF2B5EF4-FFF2-40B4-BE49-F238E27FC236}">
+                  <a16:creationId xmlns:a16="http://schemas.microsoft.com/office/drawing/2014/main" id="{7B733F0F-7616-470F-946A-7DDBCB30A8D2}"/>
+                </a:ext>
+              </a:extLst>
+            </p:cNvPr>
+            <p:cNvPicPr>
+              <a:picLocks noChangeAspect="1"/>
+            </p:cNvPicPr>
+            <p:nvPr/>
+          </p:nvPicPr>
+          <p:blipFill>
+            <a:blip r:embed="rId6" cstate="print">
+              <a:extLst>
+                <a:ext uri="{28A0092B-C50C-407E-A947-70E740481C1C}">
+                  <a14:useLocalDpi xmlns:a14="http://schemas.microsoft.com/office/drawing/2010/main"/>
+                </a:ext>
+              </a:extLst>
+            </a:blip>
+            <a:stretch>
+              <a:fillRect/>
+            </a:stretch>
+          </p:blipFill>
+          <p:spPr>
+            <a:xfrm>
+              <a:off x="3714959" y="3336433"/>
+              <a:ext cx="635521" cy="635521"/>
+            </a:xfrm>
+            <a:prstGeom prst="rect">
+              <a:avLst/>
+            </a:prstGeom>
+          </p:spPr>
+        </p:pic>
+        <p:sp>
+          <p:nvSpPr>
+            <p:cNvPr id="102" name="Rectangle 101">
+              <a:extLst>
+                <a:ext uri="{FF2B5EF4-FFF2-40B4-BE49-F238E27FC236}">
+                  <a16:creationId xmlns:a16="http://schemas.microsoft.com/office/drawing/2014/main" id="{1FD507AA-6950-4863-B20C-4A9044787D8B}"/>
+                </a:ext>
+              </a:extLst>
+            </p:cNvPr>
+            <p:cNvSpPr/>
+            <p:nvPr/>
+          </p:nvSpPr>
+          <p:spPr>
+            <a:xfrm>
+              <a:off x="3434328" y="3965953"/>
+              <a:ext cx="1059543" cy="295588"/>
+            </a:xfrm>
+            <a:prstGeom prst="rect">
+              <a:avLst/>
+            </a:prstGeom>
+          </p:spPr>
+          <p:txBody>
+            <a:bodyPr wrap="none">
+              <a:spAutoFit/>
+            </a:bodyPr>
+            <a:lstStyle/>
+            <a:p>
+              <a:pPr algn="ctr" defTabSz="932215"/>
+              <a:r>
+                <a:rPr lang="en-US" sz="700" kern="0">
+                  <a:solidFill>
+                    <a:prstClr val="white">
+                      <a:lumMod val="50000"/>
+                    </a:prstClr>
+                  </a:solidFill>
+                  <a:latin typeface="Segoe UI Semibold" panose="020B0702040204020203" pitchFamily="34" charset="0"/>
+                  <a:ea typeface="MS PGothic" panose="020B0600070205080204" pitchFamily="34" charset="-128"/>
+                  <a:cs typeface="Segoe UI Semibold" panose="020B0702040204020203" pitchFamily="34" charset="0"/>
+                  <a:sym typeface="Arial"/>
+                </a:rPr>
+                <a:t>AZURE SQL DB</a:t>
+              </a:r>
+            </a:p>
+          </p:txBody>
+        </p:sp>
+      </p:grpSp>
+      <p:sp>
+        <p:nvSpPr>
+          <p:cNvPr id="103" name="Rounded Rectangle 9">
+            <a:extLst>
+              <a:ext uri="{FF2B5EF4-FFF2-40B4-BE49-F238E27FC236}">
+                <a16:creationId xmlns:a16="http://schemas.microsoft.com/office/drawing/2014/main" id="{81413883-6C1C-4C1A-B1BB-B42D007C8525}"/>
+              </a:ext>
+            </a:extLst>
+          </p:cNvPr>
+          <p:cNvSpPr/>
+          <p:nvPr/>
+        </p:nvSpPr>
+        <p:spPr bwMode="auto">
+          <a:xfrm>
+            <a:off x="2234722" y="3130115"/>
+            <a:ext cx="3532798" cy="3380809"/>
+          </a:xfrm>
+          <a:prstGeom prst="roundRect">
+            <a:avLst/>
+          </a:prstGeom>
+          <a:solidFill>
+            <a:srgbClr val="0070C0"/>
+          </a:solidFill>
+          <a:ln w="9525" cap="flat" cmpd="sng" algn="ctr">
+            <a:solidFill>
+              <a:srgbClr val="3A94D2">
+                <a:satMod val="150000"/>
+              </a:srgbClr>
+            </a:solidFill>
+            <a:prstDash val="solid"/>
+            <a:headEnd type="none" w="med" len="med"/>
+            <a:tailEnd type="none" w="med" len="med"/>
+          </a:ln>
+          <a:effectLst>
+            <a:outerShdw blurRad="65500" dist="38100" dir="5400000" rotWithShape="0">
+              <a:srgbClr val="000000">
+                <a:alpha val="40000"/>
+              </a:srgbClr>
+            </a:outerShdw>
+          </a:effectLst>
+        </p:spPr>
+        <p:txBody>
+          <a:bodyPr vert="horz" wrap="square" lIns="121915" tIns="60957" rIns="121915" bIns="60957" numCol="1" rtlCol="0" anchor="ctr" anchorCtr="0" compatLnSpc="1">
+            <a:prstTxWarp prst="textNoShape">
+              <a:avLst/>
+            </a:prstTxWarp>
+          </a:bodyPr>
+          <a:lstStyle/>
+          <a:p>
+            <a:pPr algn="ctr" defTabSz="1218768" fontAlgn="base">
+              <a:spcBef>
+                <a:spcPct val="0"/>
+              </a:spcBef>
+              <a:spcAft>
+                <a:spcPct val="0"/>
+              </a:spcAft>
+              <a:defRPr/>
+            </a:pPr>
+            <a:endParaRPr lang="en-US" sz="2667">
+              <a:gradFill>
+                <a:gsLst>
+                  <a:gs pos="0">
+                    <a:srgbClr val="FFFFFF"/>
+                  </a:gs>
+                  <a:gs pos="100000">
+                    <a:srgbClr val="FFFFFF"/>
+                  </a:gs>
+                </a:gsLst>
+                <a:lin ang="5400000" scaled="0"/>
+              </a:gradFill>
+              <a:latin typeface="Segoe UI"/>
+              <a:cs typeface="Arial"/>
+              <a:sym typeface="Arial"/>
+            </a:endParaRPr>
+          </a:p>
+        </p:txBody>
+      </p:sp>
+      <p:sp>
+        <p:nvSpPr>
+          <p:cNvPr id="104" name="Rounded Rectangle 9">
+            <a:extLst>
+              <a:ext uri="{FF2B5EF4-FFF2-40B4-BE49-F238E27FC236}">
+                <a16:creationId xmlns:a16="http://schemas.microsoft.com/office/drawing/2014/main" id="{8F7524AC-68A6-453C-8749-2435CC547C76}"/>
+              </a:ext>
+            </a:extLst>
+          </p:cNvPr>
+          <p:cNvSpPr/>
+          <p:nvPr/>
+        </p:nvSpPr>
+        <p:spPr bwMode="auto">
+          <a:xfrm>
+            <a:off x="6465823" y="3436331"/>
+            <a:ext cx="1993345" cy="899236"/>
+          </a:xfrm>
+          <a:prstGeom prst="roundRect">
+            <a:avLst/>
+          </a:prstGeom>
+          <a:gradFill rotWithShape="1">
+            <a:gsLst>
+              <a:gs pos="0">
+                <a:srgbClr val="3A94D2">
+                  <a:tint val="65000"/>
+                  <a:satMod val="270000"/>
+                </a:srgbClr>
+              </a:gs>
+              <a:gs pos="25000">
+                <a:srgbClr val="3A94D2">
+                  <a:tint val="60000"/>
+                  <a:satMod val="300000"/>
+                </a:srgbClr>
+              </a:gs>
+              <a:gs pos="100000">
+                <a:srgbClr val="3A94D2">
+                  <a:tint val="29000"/>
+                  <a:satMod val="400000"/>
+                </a:srgbClr>
+              </a:gs>
+            </a:gsLst>
+            <a:lin ang="16200000" scaled="1"/>
+          </a:gradFill>
+          <a:ln w="9525" cap="flat" cmpd="sng" algn="ctr">
+            <a:solidFill>
+              <a:srgbClr val="3A94D2">
+                <a:satMod val="150000"/>
+              </a:srgbClr>
+            </a:solidFill>
+            <a:prstDash val="solid"/>
+            <a:headEnd type="none" w="med" len="med"/>
+            <a:tailEnd type="none" w="med" len="med"/>
+          </a:ln>
+          <a:effectLst>
+            <a:outerShdw blurRad="65500" dist="38100" dir="5400000" rotWithShape="0">
+              <a:srgbClr val="000000">
+                <a:alpha val="40000"/>
+              </a:srgbClr>
+            </a:outerShdw>
+          </a:effectLst>
+        </p:spPr>
+        <p:txBody>
+          <a:bodyPr vert="horz" wrap="square" lIns="121915" tIns="60957" rIns="121915" bIns="60957" numCol="1" rtlCol="0" anchor="ctr" anchorCtr="0" compatLnSpc="1">
+            <a:prstTxWarp prst="textNoShape">
+              <a:avLst/>
+            </a:prstTxWarp>
+          </a:bodyPr>
+          <a:lstStyle/>
+          <a:p>
+            <a:pPr algn="ctr" defTabSz="1218768" fontAlgn="base">
+              <a:spcBef>
+                <a:spcPct val="0"/>
+              </a:spcBef>
+              <a:spcAft>
+                <a:spcPct val="0"/>
+              </a:spcAft>
+              <a:defRPr/>
+            </a:pPr>
+            <a:r>
+              <a:rPr lang="en-US" dirty="0">
+                <a:gradFill>
+                  <a:gsLst>
+                    <a:gs pos="0">
+                      <a:srgbClr val="FFFFFF"/>
+                    </a:gs>
+                    <a:gs pos="100000">
+                      <a:srgbClr val="FFFFFF"/>
+                    </a:gs>
+                  </a:gsLst>
+                  <a:lin ang="5400000" scaled="0"/>
+                </a:gradFill>
+                <a:latin typeface="Segoe UI"/>
+                <a:cs typeface="Arial"/>
+                <a:sym typeface="Arial"/>
+              </a:rPr>
+              <a:t>Feature Space Identification</a:t>
+            </a:r>
+          </a:p>
+        </p:txBody>
+      </p:sp>
+      <p:sp>
+        <p:nvSpPr>
+          <p:cNvPr id="105" name="Rounded Rectangle 9">
+            <a:extLst>
+              <a:ext uri="{FF2B5EF4-FFF2-40B4-BE49-F238E27FC236}">
+                <a16:creationId xmlns:a16="http://schemas.microsoft.com/office/drawing/2014/main" id="{43C8943A-66D6-435A-8904-1BEFF40068DE}"/>
+              </a:ext>
+            </a:extLst>
+          </p:cNvPr>
+          <p:cNvSpPr/>
+          <p:nvPr/>
+        </p:nvSpPr>
+        <p:spPr bwMode="auto">
+          <a:xfrm>
+            <a:off x="2532183" y="4218826"/>
+            <a:ext cx="2932109" cy="949342"/>
+          </a:xfrm>
+          <a:prstGeom prst="roundRect">
+            <a:avLst/>
+          </a:prstGeom>
+          <a:gradFill rotWithShape="1">
+            <a:gsLst>
+              <a:gs pos="0">
+                <a:srgbClr val="3A94D2">
+                  <a:tint val="65000"/>
+                  <a:satMod val="270000"/>
+                </a:srgbClr>
+              </a:gs>
+              <a:gs pos="25000">
+                <a:srgbClr val="3A94D2">
+                  <a:tint val="60000"/>
+                  <a:satMod val="300000"/>
+                </a:srgbClr>
+              </a:gs>
+              <a:gs pos="100000">
+                <a:srgbClr val="3A94D2">
+                  <a:tint val="29000"/>
+                  <a:satMod val="400000"/>
+                </a:srgbClr>
+              </a:gs>
+            </a:gsLst>
+            <a:lin ang="16200000" scaled="1"/>
+          </a:gradFill>
+          <a:ln w="9525" cap="flat" cmpd="sng" algn="ctr">
+            <a:solidFill>
+              <a:srgbClr val="3A94D2">
+                <a:satMod val="150000"/>
+              </a:srgbClr>
+            </a:solidFill>
+            <a:prstDash val="solid"/>
+            <a:headEnd type="none" w="med" len="med"/>
+            <a:tailEnd type="none" w="med" len="med"/>
+          </a:ln>
+          <a:effectLst>
+            <a:outerShdw blurRad="65500" dist="38100" dir="5400000" rotWithShape="0">
+              <a:srgbClr val="000000">
+                <a:alpha val="40000"/>
+              </a:srgbClr>
+            </a:outerShdw>
+          </a:effectLst>
+        </p:spPr>
+        <p:txBody>
+          <a:bodyPr vert="horz" wrap="square" lIns="121915" tIns="60957" rIns="121915" bIns="60957" numCol="1" rtlCol="0" anchor="ctr" anchorCtr="0" compatLnSpc="1">
+            <a:prstTxWarp prst="textNoShape">
+              <a:avLst/>
+            </a:prstTxWarp>
+          </a:bodyPr>
+          <a:lstStyle/>
+          <a:p>
+            <a:pPr algn="ctr" defTabSz="1218768" fontAlgn="base">
+              <a:spcBef>
+                <a:spcPct val="0"/>
+              </a:spcBef>
+              <a:spcAft>
+                <a:spcPct val="0"/>
+              </a:spcAft>
+              <a:defRPr/>
+            </a:pPr>
+            <a:r>
+              <a:rPr lang="en-US" sz="1400" dirty="0">
+                <a:gradFill>
+                  <a:gsLst>
+                    <a:gs pos="0">
+                      <a:srgbClr val="FFFFFF"/>
+                    </a:gs>
+                    <a:gs pos="100000">
+                      <a:srgbClr val="FFFFFF"/>
+                    </a:gs>
+                  </a:gsLst>
+                  <a:lin ang="5400000" scaled="0"/>
+                </a:gradFill>
+                <a:latin typeface="Segoe UI"/>
+                <a:cs typeface="Arial"/>
+                <a:sym typeface="Arial"/>
+              </a:rPr>
+              <a:t>Distance-Based Clustering</a:t>
+            </a:r>
+          </a:p>
+          <a:p>
+            <a:pPr algn="ctr" defTabSz="1218768" fontAlgn="base">
+              <a:spcBef>
+                <a:spcPct val="0"/>
+              </a:spcBef>
+              <a:spcAft>
+                <a:spcPct val="0"/>
+              </a:spcAft>
+              <a:defRPr/>
+            </a:pPr>
+            <a:r>
+              <a:rPr lang="en-US" sz="1400" dirty="0">
+                <a:gradFill>
+                  <a:gsLst>
+                    <a:gs pos="0">
+                      <a:srgbClr val="FFFFFF"/>
+                    </a:gs>
+                    <a:gs pos="100000">
+                      <a:srgbClr val="FFFFFF"/>
+                    </a:gs>
+                  </a:gsLst>
+                  <a:lin ang="5400000" scaled="0"/>
+                </a:gradFill>
+                <a:latin typeface="Segoe UI"/>
+                <a:cs typeface="Arial"/>
+                <a:sym typeface="Arial"/>
+              </a:rPr>
+              <a:t>+</a:t>
+            </a:r>
+          </a:p>
+          <a:p>
+            <a:pPr algn="ctr" defTabSz="1218768" fontAlgn="base">
+              <a:spcBef>
+                <a:spcPct val="0"/>
+              </a:spcBef>
+              <a:spcAft>
+                <a:spcPct val="0"/>
+              </a:spcAft>
+              <a:defRPr/>
+            </a:pPr>
+            <a:r>
+              <a:rPr lang="en-US" sz="1400" dirty="0">
+                <a:gradFill>
+                  <a:gsLst>
+                    <a:gs pos="0">
+                      <a:srgbClr val="FFFFFF"/>
+                    </a:gs>
+                    <a:gs pos="100000">
+                      <a:srgbClr val="FFFFFF"/>
+                    </a:gs>
+                  </a:gsLst>
+                  <a:lin ang="5400000" scaled="0"/>
+                </a:gradFill>
+                <a:latin typeface="Segoe UI"/>
+                <a:cs typeface="Arial"/>
+                <a:sym typeface="Arial"/>
+              </a:rPr>
+              <a:t>Cluster Method Optimization</a:t>
+            </a:r>
+          </a:p>
+        </p:txBody>
+      </p:sp>
+      <p:cxnSp>
+        <p:nvCxnSpPr>
+          <p:cNvPr id="107" name="Curved Connector 24">
+            <a:extLst>
+              <a:ext uri="{FF2B5EF4-FFF2-40B4-BE49-F238E27FC236}">
+                <a16:creationId xmlns:a16="http://schemas.microsoft.com/office/drawing/2014/main" id="{643464BB-3AC0-4A4D-A90E-DE71980EB5CA}"/>
+              </a:ext>
+            </a:extLst>
+          </p:cNvPr>
+          <p:cNvCxnSpPr>
+            <a:cxnSpLocks/>
+            <a:endCxn id="104" idx="3"/>
+          </p:cNvCxnSpPr>
+          <p:nvPr/>
+        </p:nvCxnSpPr>
+        <p:spPr>
+          <a:xfrm rot="10800000" flipV="1">
+            <a:off x="8459169" y="3491653"/>
+            <a:ext cx="1095493" cy="394296"/>
+          </a:xfrm>
+          <a:prstGeom prst="curvedConnector3">
+            <a:avLst>
+              <a:gd name="adj1" fmla="val 50000"/>
+            </a:avLst>
+          </a:prstGeom>
+          <a:noFill/>
+          <a:ln w="38100" cap="flat" cmpd="sng" algn="ctr">
+            <a:solidFill>
+              <a:srgbClr val="F38C37"/>
+            </a:solidFill>
+            <a:prstDash val="solid"/>
+            <a:tailEnd type="arrow"/>
+          </a:ln>
+          <a:effectLst>
+            <a:outerShdw blurRad="65500" dist="38100" dir="5400000" rotWithShape="0">
+              <a:srgbClr val="000000">
+                <a:alpha val="40000"/>
+              </a:srgbClr>
+            </a:outerShdw>
+          </a:effectLst>
+        </p:spPr>
+      </p:cxnSp>
+      <p:cxnSp>
+        <p:nvCxnSpPr>
+          <p:cNvPr id="108" name="Curved Connector 24">
+            <a:extLst>
+              <a:ext uri="{FF2B5EF4-FFF2-40B4-BE49-F238E27FC236}">
+                <a16:creationId xmlns:a16="http://schemas.microsoft.com/office/drawing/2014/main" id="{7F16F149-EA8E-4A08-8FAF-1AF2BFA53F27}"/>
+              </a:ext>
+            </a:extLst>
+          </p:cNvPr>
+          <p:cNvCxnSpPr>
+            <a:cxnSpLocks/>
+            <a:endCxn id="118" idx="1"/>
+          </p:cNvCxnSpPr>
+          <p:nvPr/>
+        </p:nvCxnSpPr>
+        <p:spPr>
+          <a:xfrm flipV="1">
+            <a:off x="5681462" y="5752260"/>
+            <a:ext cx="784362" cy="502115"/>
+          </a:xfrm>
+          <a:prstGeom prst="curvedConnector3">
+            <a:avLst>
+              <a:gd name="adj1" fmla="val 50000"/>
+            </a:avLst>
+          </a:prstGeom>
+          <a:noFill/>
+          <a:ln w="38100" cap="flat" cmpd="sng" algn="ctr">
+            <a:solidFill>
+              <a:srgbClr val="F38C37"/>
+            </a:solidFill>
+            <a:prstDash val="solid"/>
+            <a:tailEnd type="arrow"/>
+          </a:ln>
+          <a:effectLst>
+            <a:outerShdw blurRad="65500" dist="38100" dir="5400000" rotWithShape="0">
+              <a:srgbClr val="000000">
+                <a:alpha val="40000"/>
+              </a:srgbClr>
+            </a:outerShdw>
+          </a:effectLst>
+        </p:spPr>
+      </p:cxnSp>
+      <p:pic>
+        <p:nvPicPr>
+          <p:cNvPr id="109" name="Picture 5" descr="C:\Users\torsteng\AppData\Local\Microsoft\Windows\Temporary Internet Files\Content.IE5\AP5NZ56T\MM900043784[1].gif">
+            <a:extLst>
+              <a:ext uri="{FF2B5EF4-FFF2-40B4-BE49-F238E27FC236}">
+                <a16:creationId xmlns:a16="http://schemas.microsoft.com/office/drawing/2014/main" id="{9A04F7FE-AB8B-47A4-AC5A-3F5BC2131B30}"/>
+              </a:ext>
+            </a:extLst>
+          </p:cNvPr>
+          <p:cNvPicPr>
+            <a:picLocks noChangeAspect="1" noChangeArrowheads="1" noCrop="1"/>
+          </p:cNvPicPr>
+          <p:nvPr/>
+        </p:nvPicPr>
+        <p:blipFill>
+          <a:blip r:embed="rId7" cstate="print"/>
+          <a:srcRect/>
+          <a:stretch>
+            <a:fillRect/>
+          </a:stretch>
+        </p:blipFill>
+        <p:spPr bwMode="auto">
+          <a:xfrm>
+            <a:off x="9908414" y="4661960"/>
+            <a:ext cx="699912" cy="699912"/>
+          </a:xfrm>
+          <a:prstGeom prst="rect">
+            <a:avLst/>
+          </a:prstGeom>
+          <a:noFill/>
+        </p:spPr>
+      </p:pic>
+      <p:cxnSp>
+        <p:nvCxnSpPr>
+          <p:cNvPr id="110" name="Curved Connector 24">
+            <a:extLst>
+              <a:ext uri="{FF2B5EF4-FFF2-40B4-BE49-F238E27FC236}">
+                <a16:creationId xmlns:a16="http://schemas.microsoft.com/office/drawing/2014/main" id="{56003883-F777-4273-94A2-FC485286CB35}"/>
+              </a:ext>
+            </a:extLst>
+          </p:cNvPr>
+          <p:cNvCxnSpPr>
+            <a:cxnSpLocks/>
+            <a:stCxn id="118" idx="3"/>
+          </p:cNvCxnSpPr>
+          <p:nvPr/>
+        </p:nvCxnSpPr>
+        <p:spPr>
+          <a:xfrm flipV="1">
+            <a:off x="8456702" y="5659479"/>
+            <a:ext cx="1455336" cy="92781"/>
+          </a:xfrm>
+          <a:prstGeom prst="curvedConnector3">
+            <a:avLst>
+              <a:gd name="adj1" fmla="val 50000"/>
+            </a:avLst>
+          </a:prstGeom>
+          <a:noFill/>
+          <a:ln w="38100" cap="flat" cmpd="sng" algn="ctr">
+            <a:solidFill>
+              <a:srgbClr val="F38C37"/>
+            </a:solidFill>
+            <a:prstDash val="solid"/>
+            <a:tailEnd type="arrow"/>
+          </a:ln>
+          <a:effectLst>
+            <a:outerShdw blurRad="65500" dist="38100" dir="5400000" rotWithShape="0">
+              <a:srgbClr val="000000">
+                <a:alpha val="40000"/>
+              </a:srgbClr>
+            </a:outerShdw>
+          </a:effectLst>
+        </p:spPr>
+      </p:cxnSp>
+      <p:grpSp>
+        <p:nvGrpSpPr>
+          <p:cNvPr id="111" name="Group 110">
+            <a:extLst>
+              <a:ext uri="{FF2B5EF4-FFF2-40B4-BE49-F238E27FC236}">
+                <a16:creationId xmlns:a16="http://schemas.microsoft.com/office/drawing/2014/main" id="{2C373BCF-F5BC-4039-BA54-B78521D0C3A4}"/>
+              </a:ext>
+            </a:extLst>
+          </p:cNvPr>
+          <p:cNvGrpSpPr/>
+          <p:nvPr/>
+        </p:nvGrpSpPr>
+        <p:grpSpPr>
+          <a:xfrm>
+            <a:off x="9912038" y="5466909"/>
+            <a:ext cx="712054" cy="626116"/>
+            <a:chOff x="3434328" y="3336433"/>
+            <a:chExt cx="1059543" cy="925108"/>
+          </a:xfrm>
+        </p:grpSpPr>
+        <p:pic>
+          <p:nvPicPr>
+            <p:cNvPr id="112" name="Picture 111">
+              <a:extLst>
+                <a:ext uri="{FF2B5EF4-FFF2-40B4-BE49-F238E27FC236}">
+                  <a16:creationId xmlns:a16="http://schemas.microsoft.com/office/drawing/2014/main" id="{BBAB7511-9162-4493-BC4F-EB8CCD37BD06}"/>
+                </a:ext>
+              </a:extLst>
+            </p:cNvPr>
+            <p:cNvPicPr>
+              <a:picLocks noChangeAspect="1"/>
+            </p:cNvPicPr>
+            <p:nvPr/>
+          </p:nvPicPr>
+          <p:blipFill>
+            <a:blip r:embed="rId6" cstate="print">
+              <a:extLst>
+                <a:ext uri="{28A0092B-C50C-407E-A947-70E740481C1C}">
+                  <a14:useLocalDpi xmlns:a14="http://schemas.microsoft.com/office/drawing/2010/main"/>
+                </a:ext>
+              </a:extLst>
+            </a:blip>
+            <a:stretch>
+              <a:fillRect/>
+            </a:stretch>
+          </p:blipFill>
+          <p:spPr>
+            <a:xfrm>
+              <a:off x="3714959" y="3336433"/>
+              <a:ext cx="635521" cy="635521"/>
+            </a:xfrm>
+            <a:prstGeom prst="rect">
+              <a:avLst/>
+            </a:prstGeom>
+          </p:spPr>
+        </p:pic>
+        <p:sp>
+          <p:nvSpPr>
+            <p:cNvPr id="113" name="Rectangle 112">
+              <a:extLst>
+                <a:ext uri="{FF2B5EF4-FFF2-40B4-BE49-F238E27FC236}">
+                  <a16:creationId xmlns:a16="http://schemas.microsoft.com/office/drawing/2014/main" id="{6777CAFB-0518-4E10-8247-A61D9673B8C7}"/>
+                </a:ext>
+              </a:extLst>
+            </p:cNvPr>
+            <p:cNvSpPr/>
+            <p:nvPr/>
+          </p:nvSpPr>
+          <p:spPr>
+            <a:xfrm>
+              <a:off x="3434328" y="3965953"/>
+              <a:ext cx="1059543" cy="295588"/>
+            </a:xfrm>
+            <a:prstGeom prst="rect">
+              <a:avLst/>
+            </a:prstGeom>
+          </p:spPr>
+          <p:txBody>
+            <a:bodyPr wrap="none">
+              <a:spAutoFit/>
+            </a:bodyPr>
+            <a:lstStyle/>
+            <a:p>
+              <a:pPr algn="ctr" defTabSz="932215"/>
+              <a:r>
+                <a:rPr lang="en-US" sz="700" kern="0">
+                  <a:solidFill>
+                    <a:prstClr val="white">
+                      <a:lumMod val="50000"/>
+                    </a:prstClr>
+                  </a:solidFill>
+                  <a:latin typeface="Segoe UI Semibold" panose="020B0702040204020203" pitchFamily="34" charset="0"/>
+                  <a:ea typeface="MS PGothic" panose="020B0600070205080204" pitchFamily="34" charset="-128"/>
+                  <a:cs typeface="Segoe UI Semibold" panose="020B0702040204020203" pitchFamily="34" charset="0"/>
+                  <a:sym typeface="Arial"/>
+                </a:rPr>
+                <a:t>AZURE SQL DB</a:t>
+              </a:r>
+            </a:p>
+          </p:txBody>
+        </p:sp>
+      </p:grpSp>
+      <p:cxnSp>
+        <p:nvCxnSpPr>
+          <p:cNvPr id="114" name="Curved Connector 24">
+            <a:extLst>
+              <a:ext uri="{FF2B5EF4-FFF2-40B4-BE49-F238E27FC236}">
+                <a16:creationId xmlns:a16="http://schemas.microsoft.com/office/drawing/2014/main" id="{363E993A-D929-474B-820B-70FD359C6043}"/>
+              </a:ext>
+            </a:extLst>
+          </p:cNvPr>
+          <p:cNvCxnSpPr>
+            <a:cxnSpLocks/>
+            <a:stCxn id="104" idx="1"/>
+          </p:cNvCxnSpPr>
+          <p:nvPr/>
+        </p:nvCxnSpPr>
+        <p:spPr>
+          <a:xfrm rot="10800000" flipV="1">
+            <a:off x="5674495" y="3885949"/>
+            <a:ext cx="791328" cy="611544"/>
+          </a:xfrm>
+          <a:prstGeom prst="curvedConnector3">
+            <a:avLst>
+              <a:gd name="adj1" fmla="val 50000"/>
+            </a:avLst>
+          </a:prstGeom>
+          <a:noFill/>
+          <a:ln w="38100" cap="flat" cmpd="sng" algn="ctr">
+            <a:solidFill>
+              <a:srgbClr val="F38C37"/>
+            </a:solidFill>
+            <a:prstDash val="solid"/>
+            <a:tailEnd type="arrow"/>
+          </a:ln>
+          <a:effectLst>
+            <a:outerShdw blurRad="65500" dist="38100" dir="5400000" rotWithShape="0">
+              <a:srgbClr val="000000">
+                <a:alpha val="40000"/>
+              </a:srgbClr>
+            </a:outerShdw>
+          </a:effectLst>
+        </p:spPr>
+      </p:cxnSp>
+      <p:sp>
+        <p:nvSpPr>
+          <p:cNvPr id="116" name="Rounded Rectangle 9">
+            <a:extLst>
+              <a:ext uri="{FF2B5EF4-FFF2-40B4-BE49-F238E27FC236}">
+                <a16:creationId xmlns:a16="http://schemas.microsoft.com/office/drawing/2014/main" id="{71DC2356-AF09-4D62-BC8E-66805B0B5F4C}"/>
+              </a:ext>
+            </a:extLst>
+          </p:cNvPr>
+          <p:cNvSpPr/>
+          <p:nvPr/>
+        </p:nvSpPr>
+        <p:spPr bwMode="auto">
+          <a:xfrm>
+            <a:off x="2556887" y="3328781"/>
+            <a:ext cx="2880433" cy="769858"/>
+          </a:xfrm>
+          <a:prstGeom prst="roundRect">
+            <a:avLst/>
+          </a:prstGeom>
+          <a:gradFill rotWithShape="1">
+            <a:gsLst>
+              <a:gs pos="0">
+                <a:srgbClr val="3A94D2">
+                  <a:tint val="65000"/>
+                  <a:satMod val="270000"/>
+                </a:srgbClr>
+              </a:gs>
+              <a:gs pos="25000">
+                <a:srgbClr val="3A94D2">
+                  <a:tint val="60000"/>
+                  <a:satMod val="300000"/>
+                </a:srgbClr>
+              </a:gs>
+              <a:gs pos="100000">
+                <a:srgbClr val="3A94D2">
+                  <a:tint val="29000"/>
+                  <a:satMod val="400000"/>
+                </a:srgbClr>
+              </a:gs>
+            </a:gsLst>
+            <a:lin ang="16200000" scaled="1"/>
+          </a:gradFill>
+          <a:ln w="9525" cap="flat" cmpd="sng" algn="ctr">
+            <a:solidFill>
+              <a:srgbClr val="3A94D2">
+                <a:satMod val="150000"/>
+              </a:srgbClr>
+            </a:solidFill>
+            <a:prstDash val="solid"/>
+            <a:headEnd type="none" w="med" len="med"/>
+            <a:tailEnd type="none" w="med" len="med"/>
+          </a:ln>
+          <a:effectLst>
+            <a:outerShdw blurRad="65500" dist="38100" dir="5400000" rotWithShape="0">
+              <a:srgbClr val="000000">
+                <a:alpha val="40000"/>
+              </a:srgbClr>
+            </a:outerShdw>
+          </a:effectLst>
+        </p:spPr>
+        <p:txBody>
+          <a:bodyPr vert="horz" wrap="square" lIns="121915" tIns="60957" rIns="121915" bIns="60957" numCol="1" rtlCol="0" anchor="ctr" anchorCtr="0" compatLnSpc="1">
+            <a:prstTxWarp prst="textNoShape">
+              <a:avLst/>
+            </a:prstTxWarp>
+          </a:bodyPr>
+          <a:lstStyle/>
+          <a:p>
+            <a:pPr algn="ctr" defTabSz="1218768" fontAlgn="base">
+              <a:spcBef>
+                <a:spcPct val="0"/>
+              </a:spcBef>
+              <a:spcAft>
+                <a:spcPct val="0"/>
+              </a:spcAft>
+              <a:defRPr/>
+            </a:pPr>
+            <a:r>
+              <a:rPr lang="en-US" sz="1400" dirty="0">
+                <a:gradFill>
+                  <a:gsLst>
+                    <a:gs pos="0">
+                      <a:srgbClr val="FFFFFF"/>
+                    </a:gs>
+                    <a:gs pos="100000">
+                      <a:srgbClr val="FFFFFF"/>
+                    </a:gs>
+                  </a:gsLst>
+                  <a:lin ang="5400000" scaled="0"/>
+                </a:gradFill>
+                <a:latin typeface="Segoe UI"/>
+                <a:cs typeface="Arial"/>
+                <a:sym typeface="Arial"/>
+              </a:rPr>
+              <a:t>Data transformation</a:t>
+            </a:r>
+          </a:p>
+          <a:p>
+            <a:pPr algn="ctr" defTabSz="1218768" fontAlgn="base">
+              <a:spcBef>
+                <a:spcPct val="0"/>
+              </a:spcBef>
+              <a:spcAft>
+                <a:spcPct val="0"/>
+              </a:spcAft>
+              <a:defRPr/>
+            </a:pPr>
+            <a:r>
+              <a:rPr lang="en-US" sz="1400" dirty="0">
+                <a:gradFill>
+                  <a:gsLst>
+                    <a:gs pos="0">
+                      <a:srgbClr val="FFFFFF"/>
+                    </a:gs>
+                    <a:gs pos="100000">
+                      <a:srgbClr val="FFFFFF"/>
+                    </a:gs>
+                  </a:gsLst>
+                  <a:lin ang="5400000" scaled="0"/>
+                </a:gradFill>
+                <a:latin typeface="Segoe UI"/>
+                <a:cs typeface="Arial"/>
+                <a:sym typeface="Arial"/>
+              </a:rPr>
+              <a:t>+</a:t>
+            </a:r>
+          </a:p>
+          <a:p>
+            <a:pPr algn="ctr" defTabSz="1218768" fontAlgn="base">
+              <a:spcBef>
+                <a:spcPct val="0"/>
+              </a:spcBef>
+              <a:spcAft>
+                <a:spcPct val="0"/>
+              </a:spcAft>
+              <a:defRPr/>
+            </a:pPr>
+            <a:r>
+              <a:rPr lang="en-US" sz="1400" dirty="0">
+                <a:gradFill>
+                  <a:gsLst>
+                    <a:gs pos="0">
+                      <a:srgbClr val="FFFFFF"/>
+                    </a:gs>
+                    <a:gs pos="100000">
+                      <a:srgbClr val="FFFFFF"/>
+                    </a:gs>
+                  </a:gsLst>
+                  <a:lin ang="5400000" scaled="0"/>
+                </a:gradFill>
+                <a:latin typeface="Segoe UI"/>
+                <a:cs typeface="Arial"/>
+                <a:sym typeface="Arial"/>
+              </a:rPr>
+              <a:t> Normalization</a:t>
+            </a:r>
+          </a:p>
+        </p:txBody>
+      </p:sp>
+      <p:sp>
+        <p:nvSpPr>
+          <p:cNvPr id="117" name="Rounded Rectangle 9">
+            <a:extLst>
+              <a:ext uri="{FF2B5EF4-FFF2-40B4-BE49-F238E27FC236}">
+                <a16:creationId xmlns:a16="http://schemas.microsoft.com/office/drawing/2014/main" id="{35399D29-BBC9-4998-85F2-C7ED90600EF6}"/>
+              </a:ext>
+            </a:extLst>
+          </p:cNvPr>
+          <p:cNvSpPr/>
+          <p:nvPr/>
+        </p:nvSpPr>
+        <p:spPr bwMode="auto">
+          <a:xfrm>
+            <a:off x="2556887" y="5252720"/>
+            <a:ext cx="2907405" cy="1158240"/>
+          </a:xfrm>
+          <a:prstGeom prst="roundRect">
+            <a:avLst/>
+          </a:prstGeom>
+          <a:gradFill rotWithShape="1">
+            <a:gsLst>
+              <a:gs pos="0">
+                <a:srgbClr val="3A94D2">
+                  <a:tint val="65000"/>
+                  <a:satMod val="270000"/>
+                </a:srgbClr>
+              </a:gs>
+              <a:gs pos="25000">
+                <a:srgbClr val="3A94D2">
+                  <a:tint val="60000"/>
+                  <a:satMod val="300000"/>
+                </a:srgbClr>
+              </a:gs>
+              <a:gs pos="100000">
+                <a:srgbClr val="3A94D2">
+                  <a:tint val="29000"/>
+                  <a:satMod val="400000"/>
+                </a:srgbClr>
+              </a:gs>
+            </a:gsLst>
+            <a:lin ang="16200000" scaled="1"/>
+          </a:gradFill>
+          <a:ln w="9525" cap="flat" cmpd="sng" algn="ctr">
+            <a:solidFill>
+              <a:srgbClr val="3A94D2">
+                <a:satMod val="150000"/>
+              </a:srgbClr>
+            </a:solidFill>
+            <a:prstDash val="solid"/>
+            <a:headEnd type="none" w="med" len="med"/>
+            <a:tailEnd type="none" w="med" len="med"/>
+          </a:ln>
+          <a:effectLst>
+            <a:outerShdw blurRad="65500" dist="38100" dir="5400000" rotWithShape="0">
+              <a:srgbClr val="000000">
+                <a:alpha val="40000"/>
+              </a:srgbClr>
+            </a:outerShdw>
+          </a:effectLst>
+        </p:spPr>
+        <p:txBody>
+          <a:bodyPr vert="horz" wrap="square" lIns="121915" tIns="60957" rIns="121915" bIns="60957" numCol="1" rtlCol="0" anchor="ctr" anchorCtr="0" compatLnSpc="1">
+            <a:prstTxWarp prst="textNoShape">
+              <a:avLst/>
+            </a:prstTxWarp>
+          </a:bodyPr>
+          <a:lstStyle/>
+          <a:p>
+            <a:pPr algn="ctr" defTabSz="1218768" fontAlgn="base">
+              <a:spcBef>
+                <a:spcPct val="0"/>
+              </a:spcBef>
+              <a:spcAft>
+                <a:spcPct val="0"/>
+              </a:spcAft>
+              <a:defRPr/>
+            </a:pPr>
+            <a:r>
+              <a:rPr lang="en-US" sz="1400" dirty="0">
+                <a:gradFill>
+                  <a:gsLst>
+                    <a:gs pos="0">
+                      <a:srgbClr val="FFFFFF"/>
+                    </a:gs>
+                    <a:gs pos="100000">
+                      <a:srgbClr val="FFFFFF"/>
+                    </a:gs>
+                  </a:gsLst>
+                  <a:lin ang="5400000" scaled="0"/>
+                </a:gradFill>
+                <a:latin typeface="Segoe UI"/>
+                <a:cs typeface="Arial"/>
+                <a:sym typeface="Arial"/>
+              </a:rPr>
+              <a:t>Subgroup Matching</a:t>
+            </a:r>
+          </a:p>
+          <a:p>
+            <a:pPr algn="ctr" defTabSz="1218768" fontAlgn="base">
+              <a:spcBef>
+                <a:spcPct val="0"/>
+              </a:spcBef>
+              <a:spcAft>
+                <a:spcPct val="0"/>
+              </a:spcAft>
+              <a:defRPr/>
+            </a:pPr>
+            <a:r>
+              <a:rPr lang="en-US" sz="1400" dirty="0">
+                <a:gradFill>
+                  <a:gsLst>
+                    <a:gs pos="0">
+                      <a:srgbClr val="FFFFFF"/>
+                    </a:gs>
+                    <a:gs pos="100000">
+                      <a:srgbClr val="FFFFFF"/>
+                    </a:gs>
+                  </a:gsLst>
+                  <a:lin ang="5400000" scaled="0"/>
+                </a:gradFill>
+                <a:latin typeface="Segoe UI"/>
+                <a:cs typeface="Arial"/>
+                <a:sym typeface="Arial"/>
+              </a:rPr>
+              <a:t>+</a:t>
+            </a:r>
+          </a:p>
+          <a:p>
+            <a:pPr algn="ctr" defTabSz="1218768" fontAlgn="base">
+              <a:spcBef>
+                <a:spcPct val="0"/>
+              </a:spcBef>
+              <a:spcAft>
+                <a:spcPct val="0"/>
+              </a:spcAft>
+              <a:defRPr/>
+            </a:pPr>
+            <a:r>
+              <a:rPr lang="en-US" sz="1400" dirty="0">
+                <a:gradFill>
+                  <a:gsLst>
+                    <a:gs pos="0">
+                      <a:srgbClr val="FFFFFF"/>
+                    </a:gs>
+                    <a:gs pos="100000">
+                      <a:srgbClr val="FFFFFF"/>
+                    </a:gs>
+                  </a:gsLst>
+                  <a:lin ang="5400000" scaled="0"/>
+                </a:gradFill>
+                <a:latin typeface="Segoe UI"/>
+                <a:cs typeface="Arial"/>
+                <a:sym typeface="Arial"/>
+              </a:rPr>
+              <a:t>Stratified Sampling</a:t>
+            </a:r>
+          </a:p>
+          <a:p>
+            <a:pPr algn="ctr" defTabSz="1218768" fontAlgn="base">
+              <a:spcBef>
+                <a:spcPct val="0"/>
+              </a:spcBef>
+              <a:spcAft>
+                <a:spcPct val="0"/>
+              </a:spcAft>
+              <a:defRPr/>
+            </a:pPr>
+            <a:r>
+              <a:rPr lang="en-US" sz="1400" dirty="0">
+                <a:gradFill>
+                  <a:gsLst>
+                    <a:gs pos="0">
+                      <a:srgbClr val="FFFFFF"/>
+                    </a:gs>
+                    <a:gs pos="100000">
+                      <a:srgbClr val="FFFFFF"/>
+                    </a:gs>
+                  </a:gsLst>
+                  <a:lin ang="5400000" scaled="0"/>
+                </a:gradFill>
+                <a:latin typeface="Segoe UI"/>
+                <a:cs typeface="Arial"/>
+                <a:sym typeface="Arial"/>
+              </a:rPr>
+              <a:t>+</a:t>
+            </a:r>
+          </a:p>
+          <a:p>
+            <a:pPr algn="ctr" defTabSz="1218768" fontAlgn="base">
+              <a:spcBef>
+                <a:spcPct val="0"/>
+              </a:spcBef>
+              <a:spcAft>
+                <a:spcPct val="0"/>
+              </a:spcAft>
+              <a:defRPr/>
+            </a:pPr>
+            <a:r>
+              <a:rPr lang="en-US" sz="1400" dirty="0">
+                <a:gradFill>
+                  <a:gsLst>
+                    <a:gs pos="0">
+                      <a:srgbClr val="FFFFFF"/>
+                    </a:gs>
+                    <a:gs pos="100000">
+                      <a:srgbClr val="FFFFFF"/>
+                    </a:gs>
+                  </a:gsLst>
+                  <a:lin ang="5400000" scaled="0"/>
+                </a:gradFill>
+                <a:latin typeface="Segoe UI"/>
+                <a:cs typeface="Arial"/>
+                <a:sym typeface="Arial"/>
+              </a:rPr>
+              <a:t>Contrast Group Creation</a:t>
+            </a:r>
+          </a:p>
+        </p:txBody>
+      </p:sp>
+      <p:sp>
+        <p:nvSpPr>
+          <p:cNvPr id="118" name="Rounded Rectangle 9">
+            <a:extLst>
+              <a:ext uri="{FF2B5EF4-FFF2-40B4-BE49-F238E27FC236}">
+                <a16:creationId xmlns:a16="http://schemas.microsoft.com/office/drawing/2014/main" id="{A86DC910-3D53-4415-B119-9F69C3CD6733}"/>
+              </a:ext>
+            </a:extLst>
+          </p:cNvPr>
+          <p:cNvSpPr/>
+          <p:nvPr/>
+        </p:nvSpPr>
+        <p:spPr bwMode="auto">
+          <a:xfrm>
+            <a:off x="6465824" y="5302642"/>
+            <a:ext cx="1990878" cy="899236"/>
+          </a:xfrm>
+          <a:prstGeom prst="roundRect">
+            <a:avLst/>
+          </a:prstGeom>
+          <a:gradFill rotWithShape="1">
+            <a:gsLst>
+              <a:gs pos="0">
+                <a:srgbClr val="3A94D2">
+                  <a:tint val="65000"/>
+                  <a:satMod val="270000"/>
+                </a:srgbClr>
+              </a:gs>
+              <a:gs pos="25000">
+                <a:srgbClr val="3A94D2">
+                  <a:tint val="60000"/>
+                  <a:satMod val="300000"/>
+                </a:srgbClr>
+              </a:gs>
+              <a:gs pos="100000">
+                <a:srgbClr val="3A94D2">
+                  <a:tint val="29000"/>
+                  <a:satMod val="400000"/>
+                </a:srgbClr>
+              </a:gs>
+            </a:gsLst>
+            <a:lin ang="16200000" scaled="1"/>
+          </a:gradFill>
+          <a:ln w="9525" cap="flat" cmpd="sng" algn="ctr">
+            <a:solidFill>
+              <a:srgbClr val="3A94D2">
+                <a:satMod val="150000"/>
+              </a:srgbClr>
+            </a:solidFill>
+            <a:prstDash val="solid"/>
+            <a:headEnd type="none" w="med" len="med"/>
+            <a:tailEnd type="none" w="med" len="med"/>
+          </a:ln>
+          <a:effectLst>
+            <a:outerShdw blurRad="65500" dist="38100" dir="5400000" rotWithShape="0">
+              <a:srgbClr val="000000">
+                <a:alpha val="40000"/>
+              </a:srgbClr>
+            </a:outerShdw>
+          </a:effectLst>
+        </p:spPr>
+        <p:txBody>
+          <a:bodyPr vert="horz" wrap="square" lIns="121915" tIns="60957" rIns="121915" bIns="60957" numCol="1" rtlCol="0" anchor="ctr" anchorCtr="0" compatLnSpc="1">
+            <a:prstTxWarp prst="textNoShape">
+              <a:avLst/>
+            </a:prstTxWarp>
+          </a:bodyPr>
+          <a:lstStyle/>
+          <a:p>
+            <a:pPr algn="ctr" defTabSz="1218768" fontAlgn="base">
+              <a:spcBef>
+                <a:spcPct val="0"/>
+              </a:spcBef>
+              <a:spcAft>
+                <a:spcPct val="0"/>
+              </a:spcAft>
+              <a:defRPr/>
+            </a:pPr>
+            <a:r>
+              <a:rPr lang="en-US" dirty="0">
+                <a:gradFill>
+                  <a:gsLst>
+                    <a:gs pos="0">
+                      <a:srgbClr val="FFFFFF"/>
+                    </a:gs>
+                    <a:gs pos="100000">
+                      <a:srgbClr val="FFFFFF"/>
+                    </a:gs>
+                  </a:gsLst>
+                  <a:lin ang="5400000" scaled="0"/>
+                </a:gradFill>
+                <a:latin typeface="Segoe UI"/>
+                <a:cs typeface="Arial"/>
+                <a:sym typeface="Arial"/>
+              </a:rPr>
+              <a:t>Significance Testing</a:t>
+            </a:r>
+          </a:p>
+        </p:txBody>
+      </p:sp>
+    </p:spTree>
+    <p:extLst>
+      <p:ext uri="{BB962C8B-B14F-4D97-AF65-F5344CB8AC3E}">
+        <p14:creationId xmlns:p14="http://schemas.microsoft.com/office/powerpoint/2010/main" val="223997098"/>
+      </p:ext>
+    </p:extLst>
+  </p:cSld>
+  <p:clrMapOvr>
+    <a:masterClrMapping/>
+  </p:clrMapOvr>
+  <mc:AlternateContent xmlns:mc="http://schemas.openxmlformats.org/markup-compatibility/2006">
+    <mc:Choice xmlns:p14="http://schemas.microsoft.com/office/powerpoint/2010/main" Requires="p14">
+      <p:transition spd="slow" p14:dur="3400">
+        <p14:reveal/>
+      </p:transition>
+    </mc:Choice>
+    <mc:Fallback>
+      <p:transition spd="slow">
+        <p:fade/>
+      </p:transition>
+    </mc:Fallback>
+  </mc:AlternateContent>
+</p:sld>
+</file>
+
+<file path=ppt/slides/slide7.xml><?xml version="1.0" encoding="utf-8"?>
+<p:sld xmlns:a="http://schemas.openxmlformats.org/drawingml/2006/main" xmlns:r="http://schemas.openxmlformats.org/officeDocument/2006/relationships" xmlns:p="http://schemas.openxmlformats.org/presentationml/2006/main">
+  <p:cSld>
+    <p:spTree>
+      <p:nvGrpSpPr>
+        <p:cNvPr id="1" name=""/>
+        <p:cNvGrpSpPr/>
+        <p:nvPr/>
+      </p:nvGrpSpPr>
+      <p:grpSpPr>
+        <a:xfrm>
+          <a:off x="0" y="0"/>
+          <a:ext cx="0" cy="0"/>
+          <a:chOff x="0" y="0"/>
+          <a:chExt cx="0" cy="0"/>
+        </a:xfrm>
+      </p:grpSpPr>
+      <p:sp>
+        <p:nvSpPr>
+          <p:cNvPr id="3" name="Rectangle 2">
+            <a:extLst>
+              <a:ext uri="{FF2B5EF4-FFF2-40B4-BE49-F238E27FC236}">
+                <a16:creationId xmlns:a16="http://schemas.microsoft.com/office/drawing/2014/main" id="{D9CA006A-B985-4C15-84B2-EC43939AA6FE}"/>
+              </a:ext>
+            </a:extLst>
+          </p:cNvPr>
+          <p:cNvSpPr/>
+          <p:nvPr/>
+        </p:nvSpPr>
+        <p:spPr>
+          <a:xfrm>
+            <a:off x="9064917" y="1213630"/>
+            <a:ext cx="2438400" cy="5564463"/>
+          </a:xfrm>
+          <a:prstGeom prst="rect">
+            <a:avLst/>
+          </a:prstGeom>
+          <a:solidFill>
+            <a:schemeClr val="tx1"/>
+          </a:solidFill>
+          <a:ln>
+            <a:solidFill>
+              <a:schemeClr val="tx1"/>
+            </a:solidFill>
+          </a:ln>
+        </p:spPr>
+        <p:style>
+          <a:lnRef idx="2">
+            <a:schemeClr val="accent1">
+              <a:shade val="50000"/>
+            </a:schemeClr>
+          </a:lnRef>
+          <a:fillRef idx="1">
+            <a:schemeClr val="accent1"/>
+          </a:fillRef>
+          <a:effectRef idx="0">
+            <a:schemeClr val="accent1"/>
+          </a:effectRef>
+          <a:fontRef idx="minor">
+            <a:schemeClr val="lt1"/>
+          </a:fontRef>
+        </p:style>
+        <p:txBody>
+          <a:bodyPr rtlCol="0" anchor="ctr"/>
+          <a:lstStyle/>
+          <a:p>
+            <a:pPr algn="ctr"/>
+            <a:endParaRPr lang="en-US" sz="2400"/>
+          </a:p>
+        </p:txBody>
+      </p:sp>
+      <p:sp>
+        <p:nvSpPr>
+          <p:cNvPr id="11" name="Title 10">
+            <a:extLst>
+              <a:ext uri="{FF2B5EF4-FFF2-40B4-BE49-F238E27FC236}">
+                <a16:creationId xmlns:a16="http://schemas.microsoft.com/office/drawing/2014/main" id="{37E23F2F-855D-4E5D-AFB5-36CDAD70EC34}"/>
+              </a:ext>
+            </a:extLst>
+          </p:cNvPr>
+          <p:cNvSpPr>
+            <a:spLocks noGrp="1"/>
+          </p:cNvSpPr>
+          <p:nvPr>
+            <p:ph type="title"/>
+          </p:nvPr>
+        </p:nvSpPr>
+        <p:spPr>
+          <a:xfrm>
+            <a:off x="413359" y="50875"/>
+            <a:ext cx="10972800" cy="772728"/>
+          </a:xfrm>
+        </p:spPr>
+        <p:txBody>
+          <a:bodyPr>
+            <a:normAutofit fontScale="90000"/>
+          </a:bodyPr>
+          <a:lstStyle/>
+          <a:p>
+            <a:pPr algn="ctr"/>
+            <a:r>
+              <a:rPr lang="en-US" sz="4000" dirty="0">
+                <a:latin typeface="Segoe UI" panose="020B0502040204020203" pitchFamily="34" charset="0"/>
+                <a:cs typeface="Segoe UI" panose="020B0502040204020203" pitchFamily="34" charset="0"/>
+              </a:rPr>
+              <a:t>DAATE MVP Bias Detection Engine Model Architecture</a:t>
+            </a:r>
+          </a:p>
+        </p:txBody>
+      </p:sp>
+      <p:sp>
+        <p:nvSpPr>
+          <p:cNvPr id="115" name="Rectangle 114">
+            <a:extLst>
+              <a:ext uri="{FF2B5EF4-FFF2-40B4-BE49-F238E27FC236}">
+                <a16:creationId xmlns:a16="http://schemas.microsoft.com/office/drawing/2014/main" id="{685F49E4-53E7-41BA-ABAA-9153A7ED27D0}"/>
+              </a:ext>
+            </a:extLst>
+          </p:cNvPr>
+          <p:cNvSpPr/>
+          <p:nvPr/>
+        </p:nvSpPr>
+        <p:spPr>
+          <a:xfrm>
+            <a:off x="179811" y="3074363"/>
+            <a:ext cx="1543120" cy="415498"/>
+          </a:xfrm>
+          <a:prstGeom prst="rect">
+            <a:avLst/>
+          </a:prstGeom>
+        </p:spPr>
+        <p:txBody>
+          <a:bodyPr wrap="square" lIns="121920" tIns="60960" rIns="121920" bIns="60960" anchor="t">
+            <a:spAutoFit/>
+          </a:bodyPr>
+          <a:lstStyle/>
+          <a:p>
+            <a:pPr defTabSz="913881">
+              <a:lnSpc>
+                <a:spcPct val="95000"/>
+              </a:lnSpc>
+              <a:spcBef>
+                <a:spcPct val="0"/>
+              </a:spcBef>
+              <a:spcAft>
+                <a:spcPct val="0"/>
+              </a:spcAft>
+              <a:defRPr/>
+            </a:pPr>
+            <a:r>
+              <a:rPr lang="en-US" sz="1000" b="1" spc="49">
+                <a:solidFill>
+                  <a:srgbClr val="F7F2E2"/>
+                </a:solidFill>
+                <a:latin typeface="Segoe UI Semibold"/>
+                <a:cs typeface="Segoe UI Semibold"/>
+              </a:rPr>
+              <a:t>Florida Department Of Corrections</a:t>
+            </a:r>
+            <a:endParaRPr lang="en-US" sz="2400">
+              <a:solidFill>
+                <a:srgbClr val="F7F2E2"/>
+              </a:solidFill>
+            </a:endParaRPr>
+          </a:p>
+        </p:txBody>
+      </p:sp>
+      <p:sp>
+        <p:nvSpPr>
+          <p:cNvPr id="35" name="Rectangle 34">
+            <a:extLst>
+              <a:ext uri="{FF2B5EF4-FFF2-40B4-BE49-F238E27FC236}">
+                <a16:creationId xmlns:a16="http://schemas.microsoft.com/office/drawing/2014/main" id="{DAE5FFE2-4B42-4DF5-9353-CF5D1380D7E7}"/>
+              </a:ext>
+            </a:extLst>
+          </p:cNvPr>
+          <p:cNvSpPr/>
+          <p:nvPr/>
+        </p:nvSpPr>
+        <p:spPr bwMode="auto">
+          <a:xfrm>
+            <a:off x="1895583" y="1198521"/>
+            <a:ext cx="6789404" cy="5579572"/>
+          </a:xfrm>
+          <a:prstGeom prst="rect">
+            <a:avLst/>
+          </a:prstGeom>
+          <a:solidFill>
+            <a:srgbClr val="FFFFFF"/>
+          </a:solidFill>
+          <a:ln w="9525" cap="flat" cmpd="sng" algn="ctr">
+            <a:solidFill>
+              <a:schemeClr val="tx1"/>
+            </a:solidFill>
+            <a:prstDash val="solid"/>
+            <a:headEnd type="none" w="med" len="med"/>
+            <a:tailEnd type="none" w="med" len="med"/>
+          </a:ln>
+          <a:effectLst>
+            <a:outerShdw blurRad="65500" dist="38100" dir="5400000" rotWithShape="0">
+              <a:srgbClr val="000000">
+                <a:alpha val="40000"/>
+              </a:srgbClr>
+            </a:outerShdw>
+          </a:effectLst>
+        </p:spPr>
+        <p:txBody>
+          <a:bodyPr vert="horz" wrap="square" lIns="121915" tIns="60957" rIns="121915" bIns="60957" numCol="1" rtlCol="0" anchor="t" anchorCtr="0" compatLnSpc="1">
+            <a:prstTxWarp prst="textNoShape">
+              <a:avLst/>
+            </a:prstTxWarp>
+          </a:bodyPr>
+          <a:lstStyle/>
+          <a:p>
+            <a:pPr algn="ctr" defTabSz="1218768" fontAlgn="base">
+              <a:spcBef>
+                <a:spcPct val="0"/>
+              </a:spcBef>
+              <a:spcAft>
+                <a:spcPct val="0"/>
+              </a:spcAft>
+              <a:defRPr/>
+            </a:pPr>
+            <a:r>
+              <a:rPr lang="en-US" sz="2400">
+                <a:solidFill>
+                  <a:srgbClr val="000000"/>
+                </a:solidFill>
+                <a:latin typeface="Segoe UI"/>
+              </a:rPr>
+              <a:t>Operational processing pipeline</a:t>
+            </a:r>
+          </a:p>
+        </p:txBody>
+      </p:sp>
+      <p:sp>
+        <p:nvSpPr>
+          <p:cNvPr id="36" name="Rounded Rectangle 11">
+            <a:extLst>
+              <a:ext uri="{FF2B5EF4-FFF2-40B4-BE49-F238E27FC236}">
+                <a16:creationId xmlns:a16="http://schemas.microsoft.com/office/drawing/2014/main" id="{DE178307-EAB7-459E-B415-317F23B594A3}"/>
+              </a:ext>
+            </a:extLst>
+          </p:cNvPr>
+          <p:cNvSpPr/>
+          <p:nvPr/>
+        </p:nvSpPr>
+        <p:spPr bwMode="auto">
+          <a:xfrm>
+            <a:off x="3545565" y="1909721"/>
+            <a:ext cx="1836807" cy="1164640"/>
+          </a:xfrm>
+          <a:prstGeom prst="roundRect">
+            <a:avLst/>
+          </a:prstGeom>
+          <a:gradFill rotWithShape="1">
+            <a:gsLst>
+              <a:gs pos="0">
+                <a:srgbClr val="3A94D2">
+                  <a:tint val="65000"/>
+                  <a:satMod val="270000"/>
+                </a:srgbClr>
+              </a:gs>
+              <a:gs pos="25000">
+                <a:srgbClr val="3A94D2">
+                  <a:tint val="60000"/>
+                  <a:satMod val="300000"/>
+                </a:srgbClr>
+              </a:gs>
+              <a:gs pos="100000">
+                <a:srgbClr val="3A94D2">
+                  <a:tint val="29000"/>
+                  <a:satMod val="400000"/>
+                </a:srgbClr>
+              </a:gs>
+            </a:gsLst>
+            <a:lin ang="16200000" scaled="1"/>
+          </a:gradFill>
+          <a:ln w="9525" cap="flat" cmpd="sng" algn="ctr">
+            <a:solidFill>
+              <a:srgbClr val="3A94D2">
+                <a:satMod val="150000"/>
+              </a:srgbClr>
+            </a:solidFill>
+            <a:prstDash val="solid"/>
+            <a:headEnd type="none" w="med" len="med"/>
+            <a:tailEnd type="none" w="med" len="med"/>
+          </a:ln>
+          <a:effectLst>
+            <a:outerShdw blurRad="65500" dist="38100" dir="5400000" rotWithShape="0">
+              <a:srgbClr val="000000">
+                <a:alpha val="40000"/>
+              </a:srgbClr>
+            </a:outerShdw>
+          </a:effectLst>
+        </p:spPr>
+        <p:txBody>
+          <a:bodyPr vert="horz" wrap="square" lIns="121915" tIns="60957" rIns="121915" bIns="60957" numCol="1" rtlCol="0" anchor="ctr" anchorCtr="0" compatLnSpc="1">
+            <a:prstTxWarp prst="textNoShape">
+              <a:avLst/>
+            </a:prstTxWarp>
+          </a:bodyPr>
+          <a:lstStyle/>
+          <a:p>
+            <a:pPr algn="ctr" defTabSz="1218768" fontAlgn="base">
+              <a:spcBef>
+                <a:spcPct val="0"/>
+              </a:spcBef>
+              <a:spcAft>
+                <a:spcPct val="0"/>
+              </a:spcAft>
+              <a:defRPr/>
+            </a:pPr>
+            <a:r>
+              <a:rPr lang="en-US" sz="2400">
+                <a:gradFill>
+                  <a:gsLst>
+                    <a:gs pos="0">
+                      <a:srgbClr val="FFFFFF"/>
+                    </a:gs>
+                    <a:gs pos="100000">
+                      <a:srgbClr val="FFFFFF"/>
+                    </a:gs>
+                  </a:gsLst>
+                  <a:lin ang="5400000" scaled="0"/>
+                </a:gradFill>
+                <a:latin typeface="Segoe UI"/>
+              </a:rPr>
+              <a:t>EDA, Cleansing etc.</a:t>
+            </a:r>
+          </a:p>
+        </p:txBody>
+      </p:sp>
+      <p:grpSp>
+        <p:nvGrpSpPr>
+          <p:cNvPr id="37" name="Group 116">
+            <a:extLst>
+              <a:ext uri="{FF2B5EF4-FFF2-40B4-BE49-F238E27FC236}">
+                <a16:creationId xmlns:a16="http://schemas.microsoft.com/office/drawing/2014/main" id="{06D0EBD3-6F0C-47BD-85C8-C060BA28761B}"/>
+              </a:ext>
+            </a:extLst>
+          </p:cNvPr>
+          <p:cNvGrpSpPr/>
+          <p:nvPr/>
+        </p:nvGrpSpPr>
+        <p:grpSpPr>
+          <a:xfrm>
+            <a:off x="9633404" y="3449004"/>
+            <a:ext cx="986755" cy="1016000"/>
+            <a:chOff x="555334" y="4191000"/>
+            <a:chExt cx="587666" cy="609600"/>
+          </a:xfrm>
+        </p:grpSpPr>
+        <p:pic>
+          <p:nvPicPr>
+            <p:cNvPr id="38" name="Picture 3" descr="C:\Documents and Settings\antonk\Local Settings\Temporary Internet Files\Content.IE5\AV78XKCM\MCj04348450000[1].png">
+              <a:extLst>
+                <a:ext uri="{FF2B5EF4-FFF2-40B4-BE49-F238E27FC236}">
+                  <a16:creationId xmlns:a16="http://schemas.microsoft.com/office/drawing/2014/main" id="{40EF481F-F5C3-4900-A8E6-F43F019464E8}"/>
+                </a:ext>
+              </a:extLst>
+            </p:cNvPr>
+            <p:cNvPicPr>
+              <a:picLocks noChangeAspect="1" noChangeArrowheads="1"/>
+            </p:cNvPicPr>
+            <p:nvPr/>
+          </p:nvPicPr>
+          <p:blipFill>
+            <a:blip r:embed="rId3" cstate="print"/>
+            <a:srcRect/>
+            <a:stretch>
+              <a:fillRect/>
+            </a:stretch>
+          </p:blipFill>
+          <p:spPr bwMode="auto">
+            <a:xfrm>
+              <a:off x="555334" y="4191000"/>
+              <a:ext cx="587666" cy="527538"/>
+            </a:xfrm>
+            <a:prstGeom prst="rect">
+              <a:avLst/>
+            </a:prstGeom>
+            <a:noFill/>
+          </p:spPr>
+        </p:pic>
+        <p:sp>
+          <p:nvSpPr>
+            <p:cNvPr id="39" name="Can 21">
+              <a:extLst>
+                <a:ext uri="{FF2B5EF4-FFF2-40B4-BE49-F238E27FC236}">
+                  <a16:creationId xmlns:a16="http://schemas.microsoft.com/office/drawing/2014/main" id="{B5280ED3-BFDC-47B4-AA9E-386A831C71FB}"/>
+                </a:ext>
+              </a:extLst>
+            </p:cNvPr>
+            <p:cNvSpPr/>
+            <p:nvPr/>
+          </p:nvSpPr>
+          <p:spPr>
+            <a:xfrm>
+              <a:off x="860133" y="4419600"/>
+              <a:ext cx="228600" cy="381000"/>
+            </a:xfrm>
+            <a:prstGeom prst="can">
+              <a:avLst/>
+            </a:prstGeom>
+            <a:gradFill rotWithShape="1">
+              <a:gsLst>
+                <a:gs pos="0">
+                  <a:srgbClr val="3A94D2">
+                    <a:shade val="45000"/>
+                    <a:satMod val="155000"/>
+                  </a:srgbClr>
+                </a:gs>
+                <a:gs pos="60000">
+                  <a:srgbClr val="3A94D2">
+                    <a:shade val="95000"/>
+                    <a:satMod val="150000"/>
+                  </a:srgbClr>
+                </a:gs>
+                <a:gs pos="100000">
+                  <a:srgbClr val="3A94D2">
+                    <a:tint val="87000"/>
+                    <a:satMod val="250000"/>
+                  </a:srgbClr>
+                </a:gs>
+              </a:gsLst>
+              <a:lin ang="16200000" scaled="0"/>
+            </a:gradFill>
+            <a:ln>
+              <a:noFill/>
+            </a:ln>
+            <a:effectLst>
+              <a:outerShdw blurRad="65500" dist="38100" dir="5400000" rotWithShape="0">
+                <a:srgbClr val="000000">
+                  <a:alpha val="40000"/>
+                </a:srgbClr>
+              </a:outerShdw>
+            </a:effectLst>
+            <a:scene3d>
+              <a:camera prst="orthographicFront" fov="0">
+                <a:rot lat="0" lon="0" rev="0"/>
+              </a:camera>
+              <a:lightRig rig="contrasting" dir="t">
+                <a:rot lat="0" lon="0" rev="12000000"/>
+              </a:lightRig>
+            </a:scene3d>
+            <a:sp3d prstMaterial="powder">
+              <a:bevelT h="50800"/>
+            </a:sp3d>
+          </p:spPr>
+          <p:txBody>
+            <a:bodyPr rtlCol="0" anchor="ctr"/>
+            <a:lstStyle/>
+            <a:p>
+              <a:pPr algn="ctr" defTabSz="1219120">
+                <a:defRPr/>
+              </a:pPr>
+              <a:endParaRPr lang="en-US" sz="1600">
+                <a:solidFill>
+                  <a:srgbClr val="8557C9">
+                    <a:lumMod val="25000"/>
+                  </a:srgbClr>
+                </a:solidFill>
+                <a:latin typeface="Segoe UI"/>
+                <a:cs typeface="Arial" pitchFamily="34" charset="0"/>
+              </a:endParaRPr>
+            </a:p>
+          </p:txBody>
+        </p:sp>
+      </p:grpSp>
+      <p:pic>
+        <p:nvPicPr>
+          <p:cNvPr id="40" name="Picture 2" descr="Bloomberg Professional Service">
+            <a:extLst>
+              <a:ext uri="{FF2B5EF4-FFF2-40B4-BE49-F238E27FC236}">
+                <a16:creationId xmlns:a16="http://schemas.microsoft.com/office/drawing/2014/main" id="{BE70AD58-1FBE-49FE-B4DC-6F2965FAD6AE}"/>
+              </a:ext>
+            </a:extLst>
+          </p:cNvPr>
+          <p:cNvPicPr>
+            <a:picLocks noChangeAspect="1" noChangeArrowheads="1"/>
+          </p:cNvPicPr>
+          <p:nvPr/>
+        </p:nvPicPr>
+        <p:blipFill>
+          <a:blip r:embed="rId4" cstate="print"/>
+          <a:srcRect l="2614" t="12749" r="3268" b="39442"/>
+          <a:stretch>
+            <a:fillRect/>
+          </a:stretch>
+        </p:blipFill>
+        <p:spPr bwMode="auto">
+          <a:xfrm>
+            <a:off x="9411456" y="2321650"/>
+            <a:ext cx="1930400" cy="804333"/>
+          </a:xfrm>
+          <a:prstGeom prst="rect">
+            <a:avLst/>
+          </a:prstGeom>
+          <a:noFill/>
+        </p:spPr>
+      </p:pic>
+      <p:cxnSp>
+        <p:nvCxnSpPr>
+          <p:cNvPr id="42" name="Curved Connector 24">
+            <a:extLst>
+              <a:ext uri="{FF2B5EF4-FFF2-40B4-BE49-F238E27FC236}">
+                <a16:creationId xmlns:a16="http://schemas.microsoft.com/office/drawing/2014/main" id="{517F6DB6-D9D2-4E0F-82A1-CAF50331C279}"/>
+              </a:ext>
+            </a:extLst>
+          </p:cNvPr>
+          <p:cNvCxnSpPr>
+            <a:cxnSpLocks/>
+            <a:stCxn id="50" idx="3"/>
+            <a:endCxn id="38" idx="1"/>
+          </p:cNvCxnSpPr>
+          <p:nvPr/>
+        </p:nvCxnSpPr>
+        <p:spPr>
+          <a:xfrm>
+            <a:off x="7891401" y="2506423"/>
+            <a:ext cx="1742003" cy="1382197"/>
+          </a:xfrm>
+          <a:prstGeom prst="curvedConnector3">
+            <a:avLst>
+              <a:gd name="adj1" fmla="val 50000"/>
+            </a:avLst>
+          </a:prstGeom>
+          <a:noFill/>
+          <a:ln w="38100" cap="flat" cmpd="sng" algn="ctr">
+            <a:solidFill>
+              <a:srgbClr val="F38C37"/>
+            </a:solidFill>
+            <a:prstDash val="solid"/>
+            <a:tailEnd type="arrow"/>
+          </a:ln>
+          <a:effectLst>
+            <a:outerShdw blurRad="65500" dist="38100" dir="5400000" rotWithShape="0">
+              <a:srgbClr val="000000">
+                <a:alpha val="40000"/>
+              </a:srgbClr>
+            </a:outerShdw>
+          </a:effectLst>
+        </p:spPr>
+      </p:cxnSp>
+      <p:sp>
+        <p:nvSpPr>
+          <p:cNvPr id="43" name="Right Arrow 4">
+            <a:extLst>
+              <a:ext uri="{FF2B5EF4-FFF2-40B4-BE49-F238E27FC236}">
+                <a16:creationId xmlns:a16="http://schemas.microsoft.com/office/drawing/2014/main" id="{C63E3FF1-0B0F-4A1E-8948-7633B47D8563}"/>
+              </a:ext>
+            </a:extLst>
+          </p:cNvPr>
+          <p:cNvSpPr/>
+          <p:nvPr/>
+        </p:nvSpPr>
+        <p:spPr bwMode="auto">
+          <a:xfrm>
+            <a:off x="1399288" y="1823404"/>
+            <a:ext cx="2121896" cy="1302579"/>
+          </a:xfrm>
+          <a:prstGeom prst="rightArrow">
+            <a:avLst/>
+          </a:prstGeom>
+          <a:gradFill rotWithShape="1">
+            <a:gsLst>
+              <a:gs pos="0">
+                <a:srgbClr val="F38C37">
+                  <a:shade val="45000"/>
+                  <a:satMod val="155000"/>
+                </a:srgbClr>
+              </a:gs>
+              <a:gs pos="60000">
+                <a:srgbClr val="F38C37">
+                  <a:shade val="95000"/>
+                  <a:satMod val="150000"/>
+                </a:srgbClr>
+              </a:gs>
+              <a:gs pos="100000">
+                <a:srgbClr val="F38C37">
+                  <a:tint val="87000"/>
+                  <a:satMod val="250000"/>
+                </a:srgbClr>
+              </a:gs>
+            </a:gsLst>
+            <a:lin ang="16200000" scaled="0"/>
+          </a:gradFill>
+          <a:ln w="9525" cap="flat" cmpd="sng" algn="ctr">
+            <a:solidFill>
+              <a:srgbClr val="F38C37">
+                <a:satMod val="150000"/>
+              </a:srgbClr>
+            </a:solidFill>
+            <a:prstDash val="solid"/>
+            <a:headEnd type="none" w="med" len="med"/>
+            <a:tailEnd type="none" w="med" len="med"/>
+          </a:ln>
+          <a:effectLst>
+            <a:outerShdw blurRad="65500" dist="38100" dir="5400000" rotWithShape="0">
+              <a:srgbClr val="000000">
+                <a:alpha val="40000"/>
+              </a:srgbClr>
+            </a:outerShdw>
+          </a:effectLst>
+        </p:spPr>
+        <p:txBody>
+          <a:bodyPr vert="horz" wrap="square" lIns="121915" tIns="60957" rIns="121915" bIns="60957" numCol="1" rtlCol="0" anchor="ctr" anchorCtr="0" compatLnSpc="1">
+            <a:prstTxWarp prst="textNoShape">
+              <a:avLst/>
+            </a:prstTxWarp>
+          </a:bodyPr>
+          <a:lstStyle/>
+          <a:p>
+            <a:pPr algn="ctr" defTabSz="1218768" fontAlgn="base">
+              <a:spcBef>
+                <a:spcPct val="0"/>
+              </a:spcBef>
+              <a:spcAft>
+                <a:spcPct val="0"/>
+              </a:spcAft>
+              <a:defRPr/>
+            </a:pPr>
+            <a:r>
+              <a:rPr lang="en-US" sz="2667">
+                <a:gradFill>
+                  <a:gsLst>
+                    <a:gs pos="0">
+                      <a:srgbClr val="FFFFFF"/>
+                    </a:gs>
+                    <a:gs pos="100000">
+                      <a:srgbClr val="FFFFFF"/>
+                    </a:gs>
+                  </a:gsLst>
+                  <a:lin ang="5400000" scaled="0"/>
+                </a:gradFill>
+                <a:latin typeface="Segoe UI"/>
+              </a:rPr>
+              <a:t>Data</a:t>
+            </a:r>
+          </a:p>
+        </p:txBody>
+      </p:sp>
+      <p:pic>
+        <p:nvPicPr>
+          <p:cNvPr id="46" name="Picture 45" descr="Logo&#10;&#10;Description automatically generated">
+            <a:extLst>
+              <a:ext uri="{FF2B5EF4-FFF2-40B4-BE49-F238E27FC236}">
+                <a16:creationId xmlns:a16="http://schemas.microsoft.com/office/drawing/2014/main" id="{AE548326-FB5F-4D36-B2A5-7BFF42ED2E7C}"/>
+              </a:ext>
+            </a:extLst>
+          </p:cNvPr>
+          <p:cNvPicPr>
+            <a:picLocks noChangeAspect="1"/>
+          </p:cNvPicPr>
+          <p:nvPr/>
+        </p:nvPicPr>
+        <p:blipFill>
+          <a:blip r:embed="rId5"/>
+          <a:stretch>
+            <a:fillRect/>
+          </a:stretch>
+        </p:blipFill>
+        <p:spPr>
+          <a:xfrm>
+            <a:off x="252146" y="1950641"/>
+            <a:ext cx="1014849" cy="1014849"/>
+          </a:xfrm>
+          <a:prstGeom prst="rect">
+            <a:avLst/>
+          </a:prstGeom>
+        </p:spPr>
+      </p:pic>
+      <p:grpSp>
+        <p:nvGrpSpPr>
+          <p:cNvPr id="47" name="Group 46">
+            <a:extLst>
+              <a:ext uri="{FF2B5EF4-FFF2-40B4-BE49-F238E27FC236}">
+                <a16:creationId xmlns:a16="http://schemas.microsoft.com/office/drawing/2014/main" id="{A35FF689-D231-4400-AE95-D77D78E57AEA}"/>
+              </a:ext>
+            </a:extLst>
+          </p:cNvPr>
+          <p:cNvGrpSpPr/>
+          <p:nvPr/>
+        </p:nvGrpSpPr>
+        <p:grpSpPr>
+          <a:xfrm>
+            <a:off x="10645583" y="3695600"/>
+            <a:ext cx="788998" cy="626116"/>
+            <a:chOff x="3377083" y="3336433"/>
+            <a:chExt cx="1174035" cy="925108"/>
+          </a:xfrm>
+        </p:grpSpPr>
+        <p:pic>
+          <p:nvPicPr>
+            <p:cNvPr id="48" name="Picture 47">
+              <a:extLst>
+                <a:ext uri="{FF2B5EF4-FFF2-40B4-BE49-F238E27FC236}">
+                  <a16:creationId xmlns:a16="http://schemas.microsoft.com/office/drawing/2014/main" id="{6E84B4A0-DBA7-4D78-A01F-A014FD2AD714}"/>
+                </a:ext>
+              </a:extLst>
+            </p:cNvPr>
+            <p:cNvPicPr>
+              <a:picLocks noChangeAspect="1"/>
+            </p:cNvPicPr>
+            <p:nvPr/>
+          </p:nvPicPr>
+          <p:blipFill>
+            <a:blip r:embed="rId6" cstate="print">
+              <a:extLst>
+                <a:ext uri="{28A0092B-C50C-407E-A947-70E740481C1C}">
+                  <a14:useLocalDpi xmlns:a14="http://schemas.microsoft.com/office/drawing/2010/main"/>
+                </a:ext>
+              </a:extLst>
+            </a:blip>
+            <a:stretch>
+              <a:fillRect/>
+            </a:stretch>
+          </p:blipFill>
+          <p:spPr>
+            <a:xfrm>
+              <a:off x="3714959" y="3336433"/>
+              <a:ext cx="635521" cy="635521"/>
+            </a:xfrm>
+            <a:prstGeom prst="rect">
+              <a:avLst/>
+            </a:prstGeom>
+          </p:spPr>
+        </p:pic>
+        <p:sp>
+          <p:nvSpPr>
+            <p:cNvPr id="49" name="Rectangle 48">
+              <a:extLst>
+                <a:ext uri="{FF2B5EF4-FFF2-40B4-BE49-F238E27FC236}">
+                  <a16:creationId xmlns:a16="http://schemas.microsoft.com/office/drawing/2014/main" id="{67CFAD37-C196-4D8A-8D0A-4361D0653AC2}"/>
+                </a:ext>
+              </a:extLst>
+            </p:cNvPr>
+            <p:cNvSpPr/>
+            <p:nvPr/>
+          </p:nvSpPr>
+          <p:spPr>
+            <a:xfrm>
+              <a:off x="3377083" y="3965953"/>
+              <a:ext cx="1174035" cy="295588"/>
+            </a:xfrm>
+            <a:prstGeom prst="rect">
+              <a:avLst/>
+            </a:prstGeom>
+          </p:spPr>
+          <p:txBody>
+            <a:bodyPr wrap="none">
+              <a:spAutoFit/>
+            </a:bodyPr>
+            <a:lstStyle/>
+            <a:p>
+              <a:pPr algn="ctr" defTabSz="932215"/>
+              <a:r>
+                <a:rPr lang="en-US" sz="700" dirty="0">
+                  <a:solidFill>
+                    <a:prstClr val="white">
+                      <a:lumMod val="50000"/>
+                    </a:prstClr>
+                  </a:solidFill>
+                  <a:latin typeface="Segoe UI Semibold" panose="020B0702040204020203" pitchFamily="34" charset="0"/>
+                  <a:ea typeface="MS PGothic" panose="020B0600070205080204" pitchFamily="34" charset="-128"/>
+                  <a:cs typeface="Segoe UI Semibold" panose="020B0702040204020203" pitchFamily="34" charset="0"/>
+                </a:rPr>
+                <a:t>AZURE SQL DB</a:t>
+              </a:r>
+            </a:p>
+          </p:txBody>
+        </p:sp>
+      </p:grpSp>
+      <p:sp>
+        <p:nvSpPr>
+          <p:cNvPr id="50" name="Rounded Rectangle 9">
+            <a:extLst>
+              <a:ext uri="{FF2B5EF4-FFF2-40B4-BE49-F238E27FC236}">
+                <a16:creationId xmlns:a16="http://schemas.microsoft.com/office/drawing/2014/main" id="{95C013F2-43D3-46E9-95BC-810376FA5416}"/>
+              </a:ext>
+            </a:extLst>
+          </p:cNvPr>
+          <p:cNvSpPr/>
+          <p:nvPr/>
+        </p:nvSpPr>
+        <p:spPr bwMode="auto">
+          <a:xfrm>
+            <a:off x="5570876" y="1927731"/>
+            <a:ext cx="2320525" cy="1157383"/>
+          </a:xfrm>
+          <a:prstGeom prst="roundRect">
+            <a:avLst/>
+          </a:prstGeom>
+          <a:gradFill rotWithShape="1">
+            <a:gsLst>
+              <a:gs pos="0">
+                <a:srgbClr val="3A94D2">
+                  <a:tint val="65000"/>
+                  <a:satMod val="270000"/>
+                </a:srgbClr>
+              </a:gs>
+              <a:gs pos="25000">
+                <a:srgbClr val="3A94D2">
+                  <a:tint val="60000"/>
+                  <a:satMod val="300000"/>
+                </a:srgbClr>
+              </a:gs>
+              <a:gs pos="100000">
+                <a:srgbClr val="3A94D2">
+                  <a:tint val="29000"/>
+                  <a:satMod val="400000"/>
+                </a:srgbClr>
+              </a:gs>
+            </a:gsLst>
+            <a:lin ang="16200000" scaled="1"/>
+          </a:gradFill>
+          <a:ln w="9525" cap="flat" cmpd="sng" algn="ctr">
+            <a:solidFill>
+              <a:srgbClr val="3A94D2">
+                <a:satMod val="150000"/>
+              </a:srgbClr>
+            </a:solidFill>
+            <a:prstDash val="solid"/>
+            <a:headEnd type="none" w="med" len="med"/>
+            <a:tailEnd type="none" w="med" len="med"/>
+          </a:ln>
+          <a:effectLst>
+            <a:outerShdw blurRad="65500" dist="38100" dir="5400000" rotWithShape="0">
+              <a:srgbClr val="000000">
+                <a:alpha val="40000"/>
+              </a:srgbClr>
+            </a:outerShdw>
+          </a:effectLst>
+        </p:spPr>
+        <p:txBody>
+          <a:bodyPr vert="horz" wrap="square" lIns="121915" tIns="60957" rIns="121915" bIns="60957" numCol="1" rtlCol="0" anchor="ctr" anchorCtr="0" compatLnSpc="1">
+            <a:prstTxWarp prst="textNoShape">
+              <a:avLst/>
+            </a:prstTxWarp>
+          </a:bodyPr>
+          <a:lstStyle/>
+          <a:p>
+            <a:pPr algn="ctr" defTabSz="1218768" fontAlgn="base">
+              <a:spcBef>
+                <a:spcPct val="0"/>
+              </a:spcBef>
+              <a:spcAft>
+                <a:spcPct val="0"/>
+              </a:spcAft>
+              <a:defRPr/>
+            </a:pPr>
+            <a:r>
+              <a:rPr lang="en-US" sz="1467">
+                <a:gradFill>
+                  <a:gsLst>
+                    <a:gs pos="0">
+                      <a:srgbClr val="FFFFFF"/>
+                    </a:gs>
+                    <a:gs pos="100000">
+                      <a:srgbClr val="FFFFFF"/>
+                    </a:gs>
+                  </a:gsLst>
+                  <a:lin ang="5400000" scaled="0"/>
+                </a:gradFill>
+                <a:latin typeface="Segoe UI"/>
+              </a:rPr>
+              <a:t>Feature Selection</a:t>
+            </a:r>
+          </a:p>
+          <a:p>
+            <a:pPr algn="ctr" defTabSz="1218768" fontAlgn="base">
+              <a:spcBef>
+                <a:spcPct val="0"/>
+              </a:spcBef>
+              <a:spcAft>
+                <a:spcPct val="0"/>
+              </a:spcAft>
+              <a:defRPr/>
+            </a:pPr>
+            <a:r>
+              <a:rPr lang="en-US" sz="1467">
+                <a:gradFill>
+                  <a:gsLst>
+                    <a:gs pos="0">
+                      <a:srgbClr val="FFFFFF"/>
+                    </a:gs>
+                    <a:gs pos="100000">
+                      <a:srgbClr val="FFFFFF"/>
+                    </a:gs>
+                  </a:gsLst>
+                  <a:lin ang="5400000" scaled="0"/>
+                </a:gradFill>
+                <a:latin typeface="Segoe UI"/>
+              </a:rPr>
+              <a:t>+</a:t>
+            </a:r>
+            <a:endParaRPr lang="en-US" sz="1467">
+              <a:gradFill>
+                <a:gsLst>
+                  <a:gs pos="0">
+                    <a:srgbClr val="FFFFFF"/>
+                  </a:gs>
+                  <a:gs pos="100000">
+                    <a:srgbClr val="FFFFFF"/>
+                  </a:gs>
+                </a:gsLst>
+                <a:lin ang="5400000" scaled="0"/>
+              </a:gradFill>
+              <a:latin typeface="Segoe UI"/>
+              <a:cs typeface="Segoe UI"/>
+            </a:endParaRPr>
+          </a:p>
+          <a:p>
+            <a:pPr algn="ctr" defTabSz="1218768" fontAlgn="base">
+              <a:spcBef>
+                <a:spcPct val="0"/>
+              </a:spcBef>
+              <a:spcAft>
+                <a:spcPct val="0"/>
+              </a:spcAft>
+              <a:defRPr/>
+            </a:pPr>
+            <a:r>
+              <a:rPr lang="en-US" sz="1467">
+                <a:gradFill>
+                  <a:gsLst>
+                    <a:gs pos="0">
+                      <a:srgbClr val="FFFFFF"/>
+                    </a:gs>
+                    <a:gs pos="100000">
+                      <a:srgbClr val="FFFFFF"/>
+                    </a:gs>
+                  </a:gsLst>
+                  <a:lin ang="5400000" scaled="0"/>
+                </a:gradFill>
+                <a:latin typeface="Segoe UI"/>
+              </a:rPr>
+              <a:t>Feature Engineering</a:t>
+            </a:r>
+            <a:endParaRPr lang="en-US" sz="1467">
+              <a:gradFill>
+                <a:gsLst>
+                  <a:gs pos="0">
+                    <a:srgbClr val="FFFFFF"/>
+                  </a:gs>
+                  <a:gs pos="100000">
+                    <a:srgbClr val="FFFFFF"/>
+                  </a:gs>
+                </a:gsLst>
+                <a:lin ang="5400000" scaled="0"/>
+              </a:gradFill>
+              <a:latin typeface="Segoe UI"/>
+              <a:cs typeface="Segoe UI"/>
+            </a:endParaRPr>
+          </a:p>
+          <a:p>
+            <a:pPr algn="ctr" defTabSz="1218768" fontAlgn="base">
+              <a:spcBef>
+                <a:spcPct val="0"/>
+              </a:spcBef>
+              <a:spcAft>
+                <a:spcPct val="0"/>
+              </a:spcAft>
+              <a:defRPr/>
+            </a:pPr>
+            <a:r>
+              <a:rPr lang="en-US" sz="1467">
+                <a:gradFill>
+                  <a:gsLst>
+                    <a:gs pos="0">
+                      <a:srgbClr val="FFFFFF"/>
+                    </a:gs>
+                    <a:gs pos="100000">
+                      <a:srgbClr val="FFFFFF"/>
+                    </a:gs>
+                  </a:gsLst>
+                  <a:lin ang="5400000" scaled="0"/>
+                </a:gradFill>
+                <a:latin typeface="Segoe UI"/>
+              </a:rPr>
+              <a:t>+</a:t>
+            </a:r>
+            <a:endParaRPr lang="en-US" sz="1467">
+              <a:gradFill>
+                <a:gsLst>
+                  <a:gs pos="0">
+                    <a:srgbClr val="FFFFFF"/>
+                  </a:gs>
+                  <a:gs pos="100000">
+                    <a:srgbClr val="FFFFFF"/>
+                  </a:gs>
+                </a:gsLst>
+                <a:lin ang="5400000" scaled="0"/>
+              </a:gradFill>
+              <a:latin typeface="Segoe UI"/>
+              <a:cs typeface="Segoe UI"/>
+            </a:endParaRPr>
+          </a:p>
+          <a:p>
+            <a:pPr algn="ctr" defTabSz="1218768" fontAlgn="base">
+              <a:spcBef>
+                <a:spcPct val="0"/>
+              </a:spcBef>
+              <a:spcAft>
+                <a:spcPct val="0"/>
+              </a:spcAft>
+              <a:defRPr/>
+            </a:pPr>
+            <a:r>
+              <a:rPr lang="en-US" sz="1467">
+                <a:gradFill>
+                  <a:gsLst>
+                    <a:gs pos="0">
+                      <a:srgbClr val="FFFFFF"/>
+                    </a:gs>
+                    <a:gs pos="100000">
+                      <a:srgbClr val="FFFFFF"/>
+                    </a:gs>
+                  </a:gsLst>
+                  <a:lin ang="5400000" scaled="0"/>
+                </a:gradFill>
+                <a:latin typeface="Segoe UI"/>
+              </a:rPr>
+              <a:t>Balance data</a:t>
+            </a:r>
+          </a:p>
+        </p:txBody>
+      </p:sp>
+      <p:sp>
+        <p:nvSpPr>
+          <p:cNvPr id="51" name="Rounded Rectangle 9">
+            <a:extLst>
+              <a:ext uri="{FF2B5EF4-FFF2-40B4-BE49-F238E27FC236}">
+                <a16:creationId xmlns:a16="http://schemas.microsoft.com/office/drawing/2014/main" id="{00458AFB-1870-42DD-B7B1-1C89BE15E656}"/>
+              </a:ext>
+            </a:extLst>
+          </p:cNvPr>
+          <p:cNvSpPr/>
+          <p:nvPr/>
+        </p:nvSpPr>
+        <p:spPr bwMode="auto">
+          <a:xfrm>
+            <a:off x="2121359" y="4121662"/>
+            <a:ext cx="2320525" cy="1157383"/>
+          </a:xfrm>
+          <a:prstGeom prst="roundRect">
+            <a:avLst/>
+          </a:prstGeom>
+          <a:gradFill rotWithShape="1">
+            <a:gsLst>
+              <a:gs pos="0">
+                <a:srgbClr val="3A94D2">
+                  <a:tint val="65000"/>
+                  <a:satMod val="270000"/>
+                </a:srgbClr>
+              </a:gs>
+              <a:gs pos="25000">
+                <a:srgbClr val="3A94D2">
+                  <a:tint val="60000"/>
+                  <a:satMod val="300000"/>
+                </a:srgbClr>
+              </a:gs>
+              <a:gs pos="100000">
+                <a:srgbClr val="3A94D2">
+                  <a:tint val="29000"/>
+                  <a:satMod val="400000"/>
+                </a:srgbClr>
+              </a:gs>
+            </a:gsLst>
+            <a:lin ang="16200000" scaled="1"/>
+          </a:gradFill>
+          <a:ln w="9525" cap="flat" cmpd="sng" algn="ctr">
+            <a:solidFill>
+              <a:srgbClr val="3A94D2">
+                <a:satMod val="150000"/>
+              </a:srgbClr>
+            </a:solidFill>
+            <a:prstDash val="solid"/>
+            <a:headEnd type="none" w="med" len="med"/>
+            <a:tailEnd type="none" w="med" len="med"/>
+          </a:ln>
+          <a:effectLst>
+            <a:outerShdw blurRad="65500" dist="38100" dir="5400000" rotWithShape="0">
+              <a:srgbClr val="000000">
+                <a:alpha val="40000"/>
+              </a:srgbClr>
+            </a:outerShdw>
+          </a:effectLst>
+        </p:spPr>
+        <p:txBody>
+          <a:bodyPr vert="horz" wrap="square" lIns="121915" tIns="60957" rIns="121915" bIns="60957" numCol="1" rtlCol="0" anchor="ctr" anchorCtr="0" compatLnSpc="1">
+            <a:prstTxWarp prst="textNoShape">
+              <a:avLst/>
+            </a:prstTxWarp>
+          </a:bodyPr>
+          <a:lstStyle/>
+          <a:p>
+            <a:pPr algn="ctr" defTabSz="1218768" fontAlgn="base">
+              <a:spcBef>
+                <a:spcPct val="0"/>
+              </a:spcBef>
+              <a:spcAft>
+                <a:spcPct val="0"/>
+              </a:spcAft>
+              <a:defRPr/>
+            </a:pPr>
+            <a:r>
+              <a:rPr lang="en-US" sz="2400">
+                <a:gradFill>
+                  <a:gsLst>
+                    <a:gs pos="0">
+                      <a:srgbClr val="FFFFFF"/>
+                    </a:gs>
+                    <a:gs pos="100000">
+                      <a:srgbClr val="FFFFFF"/>
+                    </a:gs>
+                  </a:gsLst>
+                  <a:lin ang="5400000" scaled="0"/>
+                </a:gradFill>
+                <a:latin typeface="Segoe UI"/>
+              </a:rPr>
+              <a:t>Sampling</a:t>
+            </a:r>
+          </a:p>
+        </p:txBody>
+      </p:sp>
+      <p:sp>
+        <p:nvSpPr>
+          <p:cNvPr id="52" name="Rounded Rectangle 9">
+            <a:extLst>
+              <a:ext uri="{FF2B5EF4-FFF2-40B4-BE49-F238E27FC236}">
+                <a16:creationId xmlns:a16="http://schemas.microsoft.com/office/drawing/2014/main" id="{F8C07DBB-03FB-4129-87D5-293441573335}"/>
+              </a:ext>
+            </a:extLst>
+          </p:cNvPr>
+          <p:cNvSpPr/>
+          <p:nvPr/>
+        </p:nvSpPr>
+        <p:spPr bwMode="auto">
+          <a:xfrm>
+            <a:off x="5456892" y="3354257"/>
+            <a:ext cx="2568843" cy="3380809"/>
+          </a:xfrm>
+          <a:prstGeom prst="roundRect">
+            <a:avLst/>
+          </a:prstGeom>
+          <a:solidFill>
+            <a:srgbClr val="0070C0"/>
+          </a:solidFill>
+          <a:ln w="9525" cap="flat" cmpd="sng" algn="ctr">
+            <a:solidFill>
+              <a:srgbClr val="3A94D2">
+                <a:satMod val="150000"/>
+              </a:srgbClr>
+            </a:solidFill>
+            <a:prstDash val="solid"/>
+            <a:headEnd type="none" w="med" len="med"/>
+            <a:tailEnd type="none" w="med" len="med"/>
+          </a:ln>
+          <a:effectLst>
+            <a:outerShdw blurRad="65500" dist="38100" dir="5400000" rotWithShape="0">
+              <a:srgbClr val="000000">
+                <a:alpha val="40000"/>
+              </a:srgbClr>
+            </a:outerShdw>
+          </a:effectLst>
+        </p:spPr>
+        <p:txBody>
+          <a:bodyPr vert="horz" wrap="square" lIns="121915" tIns="60957" rIns="121915" bIns="60957" numCol="1" rtlCol="0" anchor="ctr" anchorCtr="0" compatLnSpc="1">
+            <a:prstTxWarp prst="textNoShape">
+              <a:avLst/>
+            </a:prstTxWarp>
+          </a:bodyPr>
+          <a:lstStyle/>
+          <a:p>
+            <a:pPr algn="ctr" defTabSz="1218768" fontAlgn="base">
+              <a:spcBef>
+                <a:spcPct val="0"/>
+              </a:spcBef>
+              <a:spcAft>
+                <a:spcPct val="0"/>
+              </a:spcAft>
+              <a:defRPr/>
+            </a:pPr>
+            <a:endParaRPr lang="en-US" sz="2667">
+              <a:gradFill>
+                <a:gsLst>
+                  <a:gs pos="0">
+                    <a:srgbClr val="FFFFFF"/>
+                  </a:gs>
+                  <a:gs pos="100000">
+                    <a:srgbClr val="FFFFFF"/>
+                  </a:gs>
+                </a:gsLst>
+                <a:lin ang="5400000" scaled="0"/>
+              </a:gradFill>
+              <a:latin typeface="Segoe UI"/>
+            </a:endParaRPr>
+          </a:p>
+        </p:txBody>
+      </p:sp>
+      <p:sp>
+        <p:nvSpPr>
+          <p:cNvPr id="53" name="Rounded Rectangle 9">
+            <a:extLst>
+              <a:ext uri="{FF2B5EF4-FFF2-40B4-BE49-F238E27FC236}">
+                <a16:creationId xmlns:a16="http://schemas.microsoft.com/office/drawing/2014/main" id="{A7CC87C6-6CC2-4185-9DEA-9C5BF6C4B92F}"/>
+              </a:ext>
+            </a:extLst>
+          </p:cNvPr>
+          <p:cNvSpPr/>
+          <p:nvPr/>
+        </p:nvSpPr>
+        <p:spPr bwMode="auto">
+          <a:xfrm>
+            <a:off x="5858042" y="3553543"/>
+            <a:ext cx="1819621" cy="899236"/>
+          </a:xfrm>
+          <a:prstGeom prst="roundRect">
+            <a:avLst/>
+          </a:prstGeom>
+          <a:gradFill rotWithShape="1">
+            <a:gsLst>
+              <a:gs pos="0">
+                <a:srgbClr val="3A94D2">
+                  <a:tint val="65000"/>
+                  <a:satMod val="270000"/>
+                </a:srgbClr>
+              </a:gs>
+              <a:gs pos="25000">
+                <a:srgbClr val="3A94D2">
+                  <a:tint val="60000"/>
+                  <a:satMod val="300000"/>
+                </a:srgbClr>
+              </a:gs>
+              <a:gs pos="100000">
+                <a:srgbClr val="3A94D2">
+                  <a:tint val="29000"/>
+                  <a:satMod val="400000"/>
+                </a:srgbClr>
+              </a:gs>
+            </a:gsLst>
+            <a:lin ang="16200000" scaled="1"/>
+          </a:gradFill>
+          <a:ln w="9525" cap="flat" cmpd="sng" algn="ctr">
+            <a:solidFill>
+              <a:srgbClr val="3A94D2">
+                <a:satMod val="150000"/>
+              </a:srgbClr>
+            </a:solidFill>
+            <a:prstDash val="solid"/>
+            <a:headEnd type="none" w="med" len="med"/>
+            <a:tailEnd type="none" w="med" len="med"/>
+          </a:ln>
+          <a:effectLst>
+            <a:outerShdw blurRad="65500" dist="38100" dir="5400000" rotWithShape="0">
+              <a:srgbClr val="000000">
+                <a:alpha val="40000"/>
+              </a:srgbClr>
+            </a:outerShdw>
+          </a:effectLst>
+        </p:spPr>
+        <p:txBody>
+          <a:bodyPr vert="horz" wrap="square" lIns="121915" tIns="60957" rIns="121915" bIns="60957" numCol="1" rtlCol="0" anchor="ctr" anchorCtr="0" compatLnSpc="1">
+            <a:prstTxWarp prst="textNoShape">
+              <a:avLst/>
+            </a:prstTxWarp>
+          </a:bodyPr>
+          <a:lstStyle/>
+          <a:p>
+            <a:pPr algn="ctr" defTabSz="1218768" fontAlgn="base">
+              <a:spcBef>
+                <a:spcPct val="0"/>
+              </a:spcBef>
+              <a:spcAft>
+                <a:spcPct val="0"/>
+              </a:spcAft>
+              <a:defRPr/>
+            </a:pPr>
+            <a:r>
+              <a:rPr lang="en-US" sz="2133">
+                <a:gradFill>
+                  <a:gsLst>
+                    <a:gs pos="0">
+                      <a:srgbClr val="FFFFFF"/>
+                    </a:gs>
+                    <a:gs pos="100000">
+                      <a:srgbClr val="FFFFFF"/>
+                    </a:gs>
+                  </a:gsLst>
+                  <a:lin ang="5400000" scaled="0"/>
+                </a:gradFill>
+                <a:latin typeface="Segoe UI"/>
+              </a:rPr>
+              <a:t>Modelling</a:t>
+            </a:r>
+          </a:p>
+        </p:txBody>
+      </p:sp>
+      <p:sp>
+        <p:nvSpPr>
+          <p:cNvPr id="54" name="Rounded Rectangle 9">
+            <a:extLst>
+              <a:ext uri="{FF2B5EF4-FFF2-40B4-BE49-F238E27FC236}">
+                <a16:creationId xmlns:a16="http://schemas.microsoft.com/office/drawing/2014/main" id="{F418C671-699D-4F5D-98AF-7AD831E6FA24}"/>
+              </a:ext>
+            </a:extLst>
+          </p:cNvPr>
+          <p:cNvSpPr/>
+          <p:nvPr/>
+        </p:nvSpPr>
+        <p:spPr bwMode="auto">
+          <a:xfrm>
+            <a:off x="5844140" y="4595045"/>
+            <a:ext cx="1847425" cy="899236"/>
+          </a:xfrm>
+          <a:prstGeom prst="roundRect">
+            <a:avLst/>
+          </a:prstGeom>
+          <a:gradFill rotWithShape="1">
+            <a:gsLst>
+              <a:gs pos="0">
+                <a:srgbClr val="3A94D2">
+                  <a:tint val="65000"/>
+                  <a:satMod val="270000"/>
+                </a:srgbClr>
+              </a:gs>
+              <a:gs pos="25000">
+                <a:srgbClr val="3A94D2">
+                  <a:tint val="60000"/>
+                  <a:satMod val="300000"/>
+                </a:srgbClr>
+              </a:gs>
+              <a:gs pos="100000">
+                <a:srgbClr val="3A94D2">
+                  <a:tint val="29000"/>
+                  <a:satMod val="400000"/>
+                </a:srgbClr>
+              </a:gs>
+            </a:gsLst>
+            <a:lin ang="16200000" scaled="1"/>
+          </a:gradFill>
+          <a:ln w="9525" cap="flat" cmpd="sng" algn="ctr">
+            <a:solidFill>
+              <a:srgbClr val="3A94D2">
+                <a:satMod val="150000"/>
+              </a:srgbClr>
+            </a:solidFill>
+            <a:prstDash val="solid"/>
+            <a:headEnd type="none" w="med" len="med"/>
+            <a:tailEnd type="none" w="med" len="med"/>
+          </a:ln>
+          <a:effectLst>
+            <a:outerShdw blurRad="65500" dist="38100" dir="5400000" rotWithShape="0">
+              <a:srgbClr val="000000">
+                <a:alpha val="40000"/>
+              </a:srgbClr>
+            </a:outerShdw>
+          </a:effectLst>
+        </p:spPr>
+        <p:txBody>
+          <a:bodyPr vert="horz" wrap="square" lIns="121915" tIns="60957" rIns="121915" bIns="60957" numCol="1" rtlCol="0" anchor="ctr" anchorCtr="0" compatLnSpc="1">
+            <a:prstTxWarp prst="textNoShape">
+              <a:avLst/>
+            </a:prstTxWarp>
+          </a:bodyPr>
+          <a:lstStyle/>
+          <a:p>
+            <a:pPr algn="ctr" defTabSz="1218768" fontAlgn="base">
+              <a:spcBef>
+                <a:spcPct val="0"/>
+              </a:spcBef>
+              <a:spcAft>
+                <a:spcPct val="0"/>
+              </a:spcAft>
+              <a:defRPr/>
+            </a:pPr>
+            <a:r>
+              <a:rPr lang="en-US" sz="2133">
+                <a:gradFill>
+                  <a:gsLst>
+                    <a:gs pos="0">
+                      <a:srgbClr val="FFFFFF"/>
+                    </a:gs>
+                    <a:gs pos="100000">
+                      <a:srgbClr val="FFFFFF"/>
+                    </a:gs>
+                  </a:gsLst>
+                  <a:lin ang="5400000" scaled="0"/>
+                </a:gradFill>
+                <a:latin typeface="Segoe UI"/>
+              </a:rPr>
+              <a:t>Matching</a:t>
+            </a:r>
+          </a:p>
+        </p:txBody>
+      </p:sp>
+      <p:sp>
+        <p:nvSpPr>
+          <p:cNvPr id="55" name="Rounded Rectangle 9">
+            <a:extLst>
+              <a:ext uri="{FF2B5EF4-FFF2-40B4-BE49-F238E27FC236}">
+                <a16:creationId xmlns:a16="http://schemas.microsoft.com/office/drawing/2014/main" id="{093C42FB-BE3F-4871-9F30-9E30676AF988}"/>
+              </a:ext>
+            </a:extLst>
+          </p:cNvPr>
+          <p:cNvSpPr/>
+          <p:nvPr/>
+        </p:nvSpPr>
+        <p:spPr bwMode="auto">
+          <a:xfrm>
+            <a:off x="5863190" y="5690019"/>
+            <a:ext cx="1847425" cy="899236"/>
+          </a:xfrm>
+          <a:prstGeom prst="roundRect">
+            <a:avLst/>
+          </a:prstGeom>
+          <a:gradFill rotWithShape="1">
+            <a:gsLst>
+              <a:gs pos="0">
+                <a:srgbClr val="3A94D2">
+                  <a:tint val="65000"/>
+                  <a:satMod val="270000"/>
+                </a:srgbClr>
+              </a:gs>
+              <a:gs pos="25000">
+                <a:srgbClr val="3A94D2">
+                  <a:tint val="60000"/>
+                  <a:satMod val="300000"/>
+                </a:srgbClr>
+              </a:gs>
+              <a:gs pos="100000">
+                <a:srgbClr val="3A94D2">
+                  <a:tint val="29000"/>
+                  <a:satMod val="400000"/>
+                </a:srgbClr>
+              </a:gs>
+            </a:gsLst>
+            <a:lin ang="16200000" scaled="1"/>
+          </a:gradFill>
+          <a:ln w="9525" cap="flat" cmpd="sng" algn="ctr">
+            <a:solidFill>
+              <a:srgbClr val="3A94D2">
+                <a:satMod val="150000"/>
+              </a:srgbClr>
+            </a:solidFill>
+            <a:prstDash val="solid"/>
+            <a:headEnd type="none" w="med" len="med"/>
+            <a:tailEnd type="none" w="med" len="med"/>
+          </a:ln>
+          <a:effectLst>
+            <a:outerShdw blurRad="65500" dist="38100" dir="5400000" rotWithShape="0">
+              <a:srgbClr val="000000">
+                <a:alpha val="40000"/>
+              </a:srgbClr>
+            </a:outerShdw>
+          </a:effectLst>
+        </p:spPr>
+        <p:txBody>
+          <a:bodyPr vert="horz" wrap="square" lIns="121915" tIns="60957" rIns="121915" bIns="60957" numCol="1" rtlCol="0" anchor="ctr" anchorCtr="0" compatLnSpc="1">
+            <a:prstTxWarp prst="textNoShape">
+              <a:avLst/>
+            </a:prstTxWarp>
+          </a:bodyPr>
+          <a:lstStyle/>
+          <a:p>
+            <a:pPr algn="ctr" defTabSz="1218768" fontAlgn="base">
+              <a:spcBef>
+                <a:spcPct val="0"/>
+              </a:spcBef>
+              <a:spcAft>
+                <a:spcPct val="0"/>
+              </a:spcAft>
+              <a:defRPr/>
+            </a:pPr>
+            <a:r>
+              <a:rPr lang="en-US" sz="2400">
+                <a:gradFill>
+                  <a:gsLst>
+                    <a:gs pos="0">
+                      <a:srgbClr val="FFFFFF"/>
+                    </a:gs>
+                    <a:gs pos="100000">
+                      <a:srgbClr val="FFFFFF"/>
+                    </a:gs>
+                  </a:gsLst>
+                  <a:lin ang="5400000" scaled="0"/>
+                </a:gradFill>
+                <a:latin typeface="Segoe UI"/>
+              </a:rPr>
+              <a:t>Significance Test</a:t>
+            </a:r>
+          </a:p>
+        </p:txBody>
+      </p:sp>
+      <p:cxnSp>
+        <p:nvCxnSpPr>
+          <p:cNvPr id="56" name="Curved Connector 24">
+            <a:extLst>
+              <a:ext uri="{FF2B5EF4-FFF2-40B4-BE49-F238E27FC236}">
+                <a16:creationId xmlns:a16="http://schemas.microsoft.com/office/drawing/2014/main" id="{E19B9B9E-0009-434A-86AF-3FFA43BB3881}"/>
+              </a:ext>
+            </a:extLst>
+          </p:cNvPr>
+          <p:cNvCxnSpPr>
+            <a:cxnSpLocks/>
+            <a:endCxn id="53" idx="3"/>
+          </p:cNvCxnSpPr>
+          <p:nvPr/>
+        </p:nvCxnSpPr>
+        <p:spPr>
+          <a:xfrm rot="10800000">
+            <a:off x="7677663" y="4003163"/>
+            <a:ext cx="2136459" cy="363124"/>
+          </a:xfrm>
+          <a:prstGeom prst="curvedConnector3">
+            <a:avLst>
+              <a:gd name="adj1" fmla="val 50000"/>
+            </a:avLst>
+          </a:prstGeom>
+          <a:noFill/>
+          <a:ln w="38100" cap="flat" cmpd="sng" algn="ctr">
+            <a:solidFill>
+              <a:srgbClr val="F38C37"/>
+            </a:solidFill>
+            <a:prstDash val="solid"/>
+            <a:tailEnd type="arrow"/>
+          </a:ln>
+          <a:effectLst>
+            <a:outerShdw blurRad="65500" dist="38100" dir="5400000" rotWithShape="0">
+              <a:srgbClr val="000000">
+                <a:alpha val="40000"/>
+              </a:srgbClr>
+            </a:outerShdw>
+          </a:effectLst>
+        </p:spPr>
+      </p:cxnSp>
+      <p:sp>
+        <p:nvSpPr>
+          <p:cNvPr id="57" name="Arrow: Curved Right 56">
+            <a:extLst>
+              <a:ext uri="{FF2B5EF4-FFF2-40B4-BE49-F238E27FC236}">
+                <a16:creationId xmlns:a16="http://schemas.microsoft.com/office/drawing/2014/main" id="{9A352311-D06A-490D-BE53-BF4485D95814}"/>
+              </a:ext>
+            </a:extLst>
+          </p:cNvPr>
+          <p:cNvSpPr/>
+          <p:nvPr/>
+        </p:nvSpPr>
+        <p:spPr>
+          <a:xfrm>
+            <a:off x="5521851" y="3931096"/>
+            <a:ext cx="336191" cy="1107165"/>
+          </a:xfrm>
+          <a:prstGeom prst="curvedRightArrow">
+            <a:avLst/>
+          </a:prstGeom>
+        </p:spPr>
+        <p:style>
+          <a:lnRef idx="2">
+            <a:schemeClr val="accent1">
+              <a:shade val="50000"/>
+            </a:schemeClr>
+          </a:lnRef>
+          <a:fillRef idx="1">
+            <a:schemeClr val="accent1"/>
+          </a:fillRef>
+          <a:effectRef idx="0">
+            <a:schemeClr val="accent1"/>
+          </a:effectRef>
+          <a:fontRef idx="minor">
+            <a:schemeClr val="lt1"/>
+          </a:fontRef>
+        </p:style>
+        <p:txBody>
+          <a:bodyPr rtlCol="0" anchor="ctr"/>
+          <a:lstStyle/>
+          <a:p>
+            <a:pPr algn="ctr"/>
+            <a:endParaRPr lang="en-US" sz="2400">
+              <a:solidFill>
+                <a:schemeClr val="tx1"/>
+              </a:solidFill>
+            </a:endParaRPr>
+          </a:p>
+        </p:txBody>
+      </p:sp>
+      <p:cxnSp>
+        <p:nvCxnSpPr>
+          <p:cNvPr id="58" name="Curved Connector 24">
+            <a:extLst>
+              <a:ext uri="{FF2B5EF4-FFF2-40B4-BE49-F238E27FC236}">
+                <a16:creationId xmlns:a16="http://schemas.microsoft.com/office/drawing/2014/main" id="{34C735D3-6F45-4C41-8D5B-F6D420C112E1}"/>
+              </a:ext>
+            </a:extLst>
+          </p:cNvPr>
+          <p:cNvCxnSpPr>
+            <a:cxnSpLocks/>
+            <a:stCxn id="54" idx="1"/>
+            <a:endCxn id="51" idx="3"/>
+          </p:cNvCxnSpPr>
+          <p:nvPr/>
+        </p:nvCxnSpPr>
+        <p:spPr>
+          <a:xfrm rot="10800000">
+            <a:off x="4441886" y="4700354"/>
+            <a:ext cx="1402255" cy="344309"/>
+          </a:xfrm>
+          <a:prstGeom prst="curvedConnector3">
+            <a:avLst>
+              <a:gd name="adj1" fmla="val 50000"/>
+            </a:avLst>
+          </a:prstGeom>
+          <a:noFill/>
+          <a:ln w="38100" cap="flat" cmpd="sng" algn="ctr">
+            <a:solidFill>
+              <a:srgbClr val="F38C37"/>
+            </a:solidFill>
+            <a:prstDash val="solid"/>
+            <a:tailEnd type="arrow"/>
+          </a:ln>
+          <a:effectLst>
+            <a:outerShdw blurRad="65500" dist="38100" dir="5400000" rotWithShape="0">
+              <a:srgbClr val="000000">
+                <a:alpha val="40000"/>
+              </a:srgbClr>
+            </a:outerShdw>
+          </a:effectLst>
+        </p:spPr>
+      </p:cxnSp>
+      <p:cxnSp>
+        <p:nvCxnSpPr>
+          <p:cNvPr id="59" name="Curved Connector 24">
+            <a:extLst>
+              <a:ext uri="{FF2B5EF4-FFF2-40B4-BE49-F238E27FC236}">
+                <a16:creationId xmlns:a16="http://schemas.microsoft.com/office/drawing/2014/main" id="{A8686BF6-53B1-4E88-9312-BC72D4AA9CAA}"/>
+              </a:ext>
+            </a:extLst>
+          </p:cNvPr>
+          <p:cNvCxnSpPr>
+            <a:cxnSpLocks/>
+            <a:stCxn id="51" idx="2"/>
+            <a:endCxn id="55" idx="1"/>
+          </p:cNvCxnSpPr>
+          <p:nvPr/>
+        </p:nvCxnSpPr>
+        <p:spPr>
+          <a:xfrm rot="16200000" flipH="1">
+            <a:off x="4142110" y="4418556"/>
+            <a:ext cx="860593" cy="2581568"/>
+          </a:xfrm>
+          <a:prstGeom prst="curvedConnector2">
+            <a:avLst/>
+          </a:prstGeom>
+          <a:noFill/>
+          <a:ln w="38100" cap="flat" cmpd="sng" algn="ctr">
+            <a:solidFill>
+              <a:srgbClr val="F38C37"/>
+            </a:solidFill>
+            <a:prstDash val="solid"/>
+            <a:tailEnd type="arrow"/>
+          </a:ln>
+          <a:effectLst>
+            <a:outerShdw blurRad="65500" dist="38100" dir="5400000" rotWithShape="0">
+              <a:srgbClr val="000000">
+                <a:alpha val="40000"/>
+              </a:srgbClr>
+            </a:outerShdw>
+          </a:effectLst>
+        </p:spPr>
+      </p:cxnSp>
+      <p:pic>
+        <p:nvPicPr>
+          <p:cNvPr id="60" name="Picture 5" descr="C:\Users\torsteng\AppData\Local\Microsoft\Windows\Temporary Internet Files\Content.IE5\AP5NZ56T\MM900043784[1].gif">
+            <a:extLst>
+              <a:ext uri="{FF2B5EF4-FFF2-40B4-BE49-F238E27FC236}">
+                <a16:creationId xmlns:a16="http://schemas.microsoft.com/office/drawing/2014/main" id="{0529C03D-A211-4707-A10A-E3F82B935652}"/>
+              </a:ext>
+            </a:extLst>
+          </p:cNvPr>
+          <p:cNvPicPr>
+            <a:picLocks noChangeAspect="1" noChangeArrowheads="1" noCrop="1"/>
+          </p:cNvPicPr>
+          <p:nvPr/>
+        </p:nvPicPr>
+        <p:blipFill>
+          <a:blip r:embed="rId7" cstate="print"/>
+          <a:srcRect/>
+          <a:stretch>
+            <a:fillRect/>
+          </a:stretch>
+        </p:blipFill>
+        <p:spPr bwMode="auto">
+          <a:xfrm>
+            <a:off x="9841500" y="5236056"/>
+            <a:ext cx="699912" cy="699912"/>
+          </a:xfrm>
+          <a:prstGeom prst="rect">
+            <a:avLst/>
+          </a:prstGeom>
+          <a:noFill/>
+        </p:spPr>
+      </p:pic>
+      <p:cxnSp>
+        <p:nvCxnSpPr>
+          <p:cNvPr id="61" name="Curved Connector 24">
+            <a:extLst>
+              <a:ext uri="{FF2B5EF4-FFF2-40B4-BE49-F238E27FC236}">
+                <a16:creationId xmlns:a16="http://schemas.microsoft.com/office/drawing/2014/main" id="{3874EE50-01F4-41E1-9E02-C78FD0B03903}"/>
+              </a:ext>
+            </a:extLst>
+          </p:cNvPr>
+          <p:cNvCxnSpPr>
+            <a:cxnSpLocks/>
+            <a:stCxn id="55" idx="3"/>
+            <a:endCxn id="60" idx="1"/>
+          </p:cNvCxnSpPr>
+          <p:nvPr/>
+        </p:nvCxnSpPr>
+        <p:spPr>
+          <a:xfrm flipV="1">
+            <a:off x="7710615" y="5586013"/>
+            <a:ext cx="2130885" cy="553625"/>
+          </a:xfrm>
+          <a:prstGeom prst="curvedConnector3">
+            <a:avLst>
+              <a:gd name="adj1" fmla="val 50000"/>
+            </a:avLst>
+          </a:prstGeom>
+          <a:noFill/>
+          <a:ln w="38100" cap="flat" cmpd="sng" algn="ctr">
+            <a:solidFill>
+              <a:srgbClr val="F38C37"/>
+            </a:solidFill>
+            <a:prstDash val="solid"/>
+            <a:tailEnd type="arrow"/>
+          </a:ln>
+          <a:effectLst>
+            <a:outerShdw blurRad="65500" dist="38100" dir="5400000" rotWithShape="0">
+              <a:srgbClr val="000000">
+                <a:alpha val="40000"/>
+              </a:srgbClr>
+            </a:outerShdw>
+          </a:effectLst>
+        </p:spPr>
+      </p:cxnSp>
+      <p:sp>
+        <p:nvSpPr>
+          <p:cNvPr id="62" name="Rounded Rectangle 9">
+            <a:extLst>
+              <a:ext uri="{FF2B5EF4-FFF2-40B4-BE49-F238E27FC236}">
+                <a16:creationId xmlns:a16="http://schemas.microsoft.com/office/drawing/2014/main" id="{5CE50444-4556-4322-874C-065247A84641}"/>
+              </a:ext>
+            </a:extLst>
+          </p:cNvPr>
+          <p:cNvSpPr/>
+          <p:nvPr/>
+        </p:nvSpPr>
+        <p:spPr bwMode="auto">
+          <a:xfrm>
+            <a:off x="9310529" y="5983093"/>
+            <a:ext cx="1808040" cy="642481"/>
+          </a:xfrm>
+          <a:prstGeom prst="roundRect">
+            <a:avLst/>
+          </a:prstGeom>
+          <a:gradFill rotWithShape="1">
+            <a:gsLst>
+              <a:gs pos="0">
+                <a:srgbClr val="3A94D2">
+                  <a:tint val="65000"/>
+                  <a:satMod val="270000"/>
+                </a:srgbClr>
+              </a:gs>
+              <a:gs pos="25000">
+                <a:srgbClr val="3A94D2">
+                  <a:tint val="60000"/>
+                  <a:satMod val="300000"/>
+                </a:srgbClr>
+              </a:gs>
+              <a:gs pos="100000">
+                <a:srgbClr val="3A94D2">
+                  <a:tint val="29000"/>
+                  <a:satMod val="400000"/>
+                </a:srgbClr>
+              </a:gs>
+            </a:gsLst>
+            <a:lin ang="16200000" scaled="1"/>
+          </a:gradFill>
+          <a:ln w="9525" cap="flat" cmpd="sng" algn="ctr">
+            <a:solidFill>
+              <a:srgbClr val="3A94D2">
+                <a:satMod val="150000"/>
+              </a:srgbClr>
+            </a:solidFill>
+            <a:prstDash val="solid"/>
+            <a:headEnd type="none" w="med" len="med"/>
+            <a:tailEnd type="none" w="med" len="med"/>
+          </a:ln>
+          <a:effectLst>
+            <a:outerShdw blurRad="65500" dist="38100" dir="5400000" rotWithShape="0">
+              <a:srgbClr val="000000">
+                <a:alpha val="40000"/>
+              </a:srgbClr>
+            </a:outerShdw>
+          </a:effectLst>
+        </p:spPr>
+        <p:txBody>
+          <a:bodyPr vert="horz" wrap="square" lIns="121915" tIns="60957" rIns="121915" bIns="60957" numCol="1" rtlCol="0" anchor="ctr" anchorCtr="0" compatLnSpc="1">
+            <a:prstTxWarp prst="textNoShape">
+              <a:avLst/>
+            </a:prstTxWarp>
+          </a:bodyPr>
+          <a:lstStyle/>
+          <a:p>
+            <a:pPr algn="ctr" defTabSz="1218768" fontAlgn="base">
+              <a:spcBef>
+                <a:spcPct val="0"/>
+              </a:spcBef>
+              <a:spcAft>
+                <a:spcPct val="0"/>
+              </a:spcAft>
+              <a:defRPr/>
+            </a:pPr>
+            <a:r>
+              <a:rPr lang="en-US" sz="1467">
+                <a:gradFill>
+                  <a:gsLst>
+                    <a:gs pos="0">
+                      <a:srgbClr val="FFFFFF"/>
+                    </a:gs>
+                    <a:gs pos="100000">
+                      <a:srgbClr val="FFFFFF"/>
+                    </a:gs>
+                  </a:gsLst>
+                  <a:lin ang="5400000" scaled="0"/>
+                </a:gradFill>
+                <a:latin typeface="Segoe UI"/>
+              </a:rPr>
+              <a:t>Statistical Inference</a:t>
+            </a:r>
+          </a:p>
+        </p:txBody>
+      </p:sp>
+      <p:grpSp>
+        <p:nvGrpSpPr>
+          <p:cNvPr id="63" name="Group 62">
+            <a:extLst>
+              <a:ext uri="{FF2B5EF4-FFF2-40B4-BE49-F238E27FC236}">
+                <a16:creationId xmlns:a16="http://schemas.microsoft.com/office/drawing/2014/main" id="{6E9619A2-7C03-450E-BBDB-18FE96D134E2}"/>
+              </a:ext>
+            </a:extLst>
+          </p:cNvPr>
+          <p:cNvGrpSpPr/>
+          <p:nvPr/>
+        </p:nvGrpSpPr>
+        <p:grpSpPr>
+          <a:xfrm>
+            <a:off x="10724072" y="5326199"/>
+            <a:ext cx="788998" cy="626116"/>
+            <a:chOff x="3377083" y="3336433"/>
+            <a:chExt cx="1174035" cy="925108"/>
+          </a:xfrm>
+        </p:grpSpPr>
+        <p:pic>
+          <p:nvPicPr>
+            <p:cNvPr id="64" name="Picture 63">
+              <a:extLst>
+                <a:ext uri="{FF2B5EF4-FFF2-40B4-BE49-F238E27FC236}">
+                  <a16:creationId xmlns:a16="http://schemas.microsoft.com/office/drawing/2014/main" id="{D550031A-8F09-4245-979B-3F0FD58974E7}"/>
+                </a:ext>
+              </a:extLst>
+            </p:cNvPr>
+            <p:cNvPicPr>
+              <a:picLocks noChangeAspect="1"/>
+            </p:cNvPicPr>
+            <p:nvPr/>
+          </p:nvPicPr>
+          <p:blipFill>
+            <a:blip r:embed="rId6" cstate="print">
+              <a:extLst>
+                <a:ext uri="{28A0092B-C50C-407E-A947-70E740481C1C}">
+                  <a14:useLocalDpi xmlns:a14="http://schemas.microsoft.com/office/drawing/2010/main"/>
+                </a:ext>
+              </a:extLst>
+            </a:blip>
+            <a:stretch>
+              <a:fillRect/>
+            </a:stretch>
+          </p:blipFill>
+          <p:spPr>
+            <a:xfrm>
+              <a:off x="3714959" y="3336433"/>
+              <a:ext cx="635521" cy="635521"/>
+            </a:xfrm>
+            <a:prstGeom prst="rect">
+              <a:avLst/>
+            </a:prstGeom>
+          </p:spPr>
+        </p:pic>
+        <p:sp>
+          <p:nvSpPr>
+            <p:cNvPr id="65" name="Rectangle 64">
+              <a:extLst>
+                <a:ext uri="{FF2B5EF4-FFF2-40B4-BE49-F238E27FC236}">
+                  <a16:creationId xmlns:a16="http://schemas.microsoft.com/office/drawing/2014/main" id="{58900AB2-13DD-419B-985C-332BF779B3E6}"/>
+                </a:ext>
+              </a:extLst>
+            </p:cNvPr>
+            <p:cNvSpPr/>
+            <p:nvPr/>
+          </p:nvSpPr>
+          <p:spPr>
+            <a:xfrm>
+              <a:off x="3377083" y="3965953"/>
+              <a:ext cx="1174035" cy="295588"/>
+            </a:xfrm>
+            <a:prstGeom prst="rect">
+              <a:avLst/>
+            </a:prstGeom>
+          </p:spPr>
+          <p:txBody>
+            <a:bodyPr wrap="none">
+              <a:spAutoFit/>
+            </a:bodyPr>
+            <a:lstStyle/>
+            <a:p>
+              <a:pPr algn="ctr" defTabSz="932215"/>
+              <a:r>
+                <a:rPr lang="en-US" sz="700" dirty="0">
+                  <a:solidFill>
+                    <a:prstClr val="white">
+                      <a:lumMod val="50000"/>
+                    </a:prstClr>
+                  </a:solidFill>
+                  <a:latin typeface="Segoe UI Semibold" panose="020B0702040204020203" pitchFamily="34" charset="0"/>
+                  <a:ea typeface="MS PGothic" panose="020B0600070205080204" pitchFamily="34" charset="-128"/>
+                  <a:cs typeface="Segoe UI Semibold" panose="020B0702040204020203" pitchFamily="34" charset="0"/>
+                </a:rPr>
+                <a:t>AZURE SQL DB</a:t>
+              </a:r>
+            </a:p>
+          </p:txBody>
+        </p:sp>
+      </p:grpSp>
+      <p:cxnSp>
+        <p:nvCxnSpPr>
+          <p:cNvPr id="66" name="Curved Connector 24">
+            <a:extLst>
+              <a:ext uri="{FF2B5EF4-FFF2-40B4-BE49-F238E27FC236}">
+                <a16:creationId xmlns:a16="http://schemas.microsoft.com/office/drawing/2014/main" id="{B6F21226-96AE-4489-8C03-5C9D740B6593}"/>
+              </a:ext>
+            </a:extLst>
+          </p:cNvPr>
+          <p:cNvCxnSpPr>
+            <a:cxnSpLocks/>
+            <a:stCxn id="53" idx="3"/>
+          </p:cNvCxnSpPr>
+          <p:nvPr/>
+        </p:nvCxnSpPr>
+        <p:spPr>
+          <a:xfrm>
+            <a:off x="7677663" y="4003162"/>
+            <a:ext cx="2099164" cy="1323036"/>
+          </a:xfrm>
+          <a:prstGeom prst="curvedConnector3">
+            <a:avLst>
+              <a:gd name="adj1" fmla="val 50000"/>
+            </a:avLst>
+          </a:prstGeom>
+          <a:noFill/>
+          <a:ln w="38100" cap="flat" cmpd="sng" algn="ctr">
+            <a:solidFill>
+              <a:srgbClr val="F38C37"/>
+            </a:solidFill>
+            <a:prstDash val="solid"/>
+            <a:tailEnd type="arrow"/>
+          </a:ln>
+          <a:effectLst>
+            <a:outerShdw blurRad="65500" dist="38100" dir="5400000" rotWithShape="0">
+              <a:srgbClr val="000000">
+                <a:alpha val="40000"/>
+              </a:srgbClr>
+            </a:outerShdw>
+          </a:effectLst>
+        </p:spPr>
+      </p:cxnSp>
+      <p:sp>
+        <p:nvSpPr>
+          <p:cNvPr id="67" name="TextBox 66">
+            <a:extLst>
+              <a:ext uri="{FF2B5EF4-FFF2-40B4-BE49-F238E27FC236}">
+                <a16:creationId xmlns:a16="http://schemas.microsoft.com/office/drawing/2014/main" id="{B2523535-FC5F-42BF-96AB-045362F4FEED}"/>
+              </a:ext>
+            </a:extLst>
+          </p:cNvPr>
+          <p:cNvSpPr txBox="1"/>
+          <p:nvPr/>
+        </p:nvSpPr>
+        <p:spPr>
+          <a:xfrm>
+            <a:off x="9002412" y="4778556"/>
+            <a:ext cx="1474325" cy="276999"/>
+          </a:xfrm>
+          <a:prstGeom prst="rect">
+            <a:avLst/>
+          </a:prstGeom>
+          <a:noFill/>
+        </p:spPr>
+        <p:txBody>
+          <a:bodyPr wrap="square" rtlCol="0">
+            <a:spAutoFit/>
+          </a:bodyPr>
+          <a:lstStyle/>
+          <a:p>
+            <a:r>
+              <a:rPr lang="en-US" sz="1200" dirty="0"/>
+              <a:t>Prediction results</a:t>
+            </a:r>
+          </a:p>
+        </p:txBody>
+      </p:sp>
+      <p:sp>
+        <p:nvSpPr>
+          <p:cNvPr id="68" name="TextBox 67">
+            <a:extLst>
+              <a:ext uri="{FF2B5EF4-FFF2-40B4-BE49-F238E27FC236}">
+                <a16:creationId xmlns:a16="http://schemas.microsoft.com/office/drawing/2014/main" id="{7969981B-C328-4755-8730-BEB3E22EA447}"/>
+              </a:ext>
+            </a:extLst>
+          </p:cNvPr>
+          <p:cNvSpPr txBox="1"/>
+          <p:nvPr/>
+        </p:nvSpPr>
+        <p:spPr>
+          <a:xfrm>
+            <a:off x="8040563" y="5436505"/>
+            <a:ext cx="817076" cy="461665"/>
+          </a:xfrm>
+          <a:prstGeom prst="rect">
+            <a:avLst/>
+          </a:prstGeom>
+          <a:noFill/>
+        </p:spPr>
+        <p:txBody>
+          <a:bodyPr wrap="square" rtlCol="0">
+            <a:spAutoFit/>
+          </a:bodyPr>
+          <a:lstStyle/>
+          <a:p>
+            <a:r>
+              <a:rPr lang="en-US" sz="1200" dirty="0"/>
+              <a:t>Causal </a:t>
+            </a:r>
+          </a:p>
+          <a:p>
+            <a:r>
+              <a:rPr lang="en-US" sz="1200" dirty="0"/>
+              <a:t>results</a:t>
+            </a:r>
+          </a:p>
+        </p:txBody>
+      </p:sp>
+    </p:spTree>
+    <p:extLst>
+      <p:ext uri="{BB962C8B-B14F-4D97-AF65-F5344CB8AC3E}">
+        <p14:creationId xmlns:p14="http://schemas.microsoft.com/office/powerpoint/2010/main" val="995646795"/>
+      </p:ext>
+    </p:extLst>
+  </p:cSld>
+  <p:clrMapOvr>
+    <a:masterClrMapping/>
+  </p:clrMapOvr>
+  <mc:AlternateContent xmlns:mc="http://schemas.openxmlformats.org/markup-compatibility/2006">
+    <mc:Choice xmlns:p14="http://schemas.microsoft.com/office/powerpoint/2010/main" Requires="p14">
+      <p:transition spd="slow" p14:dur="3400">
+        <p14:reveal/>
+      </p:transition>
+    </mc:Choice>
+    <mc:Fallback>
+      <p:transition spd="slow">
+        <p:fade/>
+      </p:transition>
+    </mc:Fallback>
+  </mc:AlternateContent>
 </p:sld>
 </file>
 

--- a/assets/resources/graph for web_page.pptx
+++ b/assets/resources/graph for web_page.pptx
@@ -124,7 +124,7 @@
 <file path=ppt/revisionInfo.xml><?xml version="1.0" encoding="utf-8"?>
 <p1510:revInfo xmlns:a="http://schemas.openxmlformats.org/drawingml/2006/main" xmlns:r="http://schemas.openxmlformats.org/officeDocument/2006/relationships" xmlns:p1510="http://schemas.microsoft.com/office/powerpoint/2015/10/main">
   <p1510:revLst>
-    <p1510:client id="{07AE1321-E1B5-44BC-BC54-8923ADAC392F}" v="6" dt="2022-03-21T19:07:42.282"/>
+    <p1510:client id="{07AE1321-E1B5-44BC-BC54-8923ADAC392F}" v="16" dt="2022-03-23T19:57:00.391"/>
   </p1510:revLst>
 </p1510:revInfo>
 </file>
@@ -134,16 +134,56 @@
   <pc:docChgLst>
     <pc:chgData name="Jackie N" userId="8b14f1697149b7ae" providerId="LiveId" clId="{07AE1321-E1B5-44BC-BC54-8923ADAC392F}"/>
     <pc:docChg chg="undo custSel addSld modSld">
-      <pc:chgData name="Jackie N" userId="8b14f1697149b7ae" providerId="LiveId" clId="{07AE1321-E1B5-44BC-BC54-8923ADAC392F}" dt="2022-03-21T19:20:18.345" v="538" actId="20577"/>
+      <pc:chgData name="Jackie N" userId="8b14f1697149b7ae" providerId="LiveId" clId="{07AE1321-E1B5-44BC-BC54-8923ADAC392F}" dt="2022-03-23T19:57:05.245" v="614" actId="1076"/>
       <pc:docMkLst>
         <pc:docMk/>
       </pc:docMkLst>
-      <pc:sldChg chg="modSp mod">
-        <pc:chgData name="Jackie N" userId="8b14f1697149b7ae" providerId="LiveId" clId="{07AE1321-E1B5-44BC-BC54-8923ADAC392F}" dt="2022-03-21T19:19:55.573" v="507" actId="20577"/>
+      <pc:sldChg chg="addSp modSp mod">
+        <pc:chgData name="Jackie N" userId="8b14f1697149b7ae" providerId="LiveId" clId="{07AE1321-E1B5-44BC-BC54-8923ADAC392F}" dt="2022-03-23T19:56:01.460" v="609" actId="20577"/>
         <pc:sldMkLst>
           <pc:docMk/>
           <pc:sldMk cId="2004495830" sldId="367"/>
         </pc:sldMkLst>
+        <pc:spChg chg="add mod">
+          <ac:chgData name="Jackie N" userId="8b14f1697149b7ae" providerId="LiveId" clId="{07AE1321-E1B5-44BC-BC54-8923ADAC392F}" dt="2022-03-23T19:55:52.595" v="601" actId="20577"/>
+          <ac:spMkLst>
+            <pc:docMk/>
+            <pc:sldMk cId="2004495830" sldId="367"/>
+            <ac:spMk id="5" creationId="{387D8D78-8B7E-4122-84AF-18C6E0CCBDC4}"/>
+          </ac:spMkLst>
+        </pc:spChg>
+        <pc:spChg chg="add mod">
+          <ac:chgData name="Jackie N" userId="8b14f1697149b7ae" providerId="LiveId" clId="{07AE1321-E1B5-44BC-BC54-8923ADAC392F}" dt="2022-03-22T23:35:12.300" v="540" actId="1076"/>
+          <ac:spMkLst>
+            <pc:docMk/>
+            <pc:sldMk cId="2004495830" sldId="367"/>
+            <ac:spMk id="12" creationId="{4DB1916D-7FF6-4818-8FEE-A1B570EC346E}"/>
+          </ac:spMkLst>
+        </pc:spChg>
+        <pc:spChg chg="add mod">
+          <ac:chgData name="Jackie N" userId="8b14f1697149b7ae" providerId="LiveId" clId="{07AE1321-E1B5-44BC-BC54-8923ADAC392F}" dt="2022-03-23T19:56:01.460" v="609" actId="20577"/>
+          <ac:spMkLst>
+            <pc:docMk/>
+            <pc:sldMk cId="2004495830" sldId="367"/>
+            <ac:spMk id="18" creationId="{415243F2-6896-44F3-AAA4-BBB8C9465D91}"/>
+          </ac:spMkLst>
+        </pc:spChg>
+        <pc:spChg chg="mod">
+          <ac:chgData name="Jackie N" userId="8b14f1697149b7ae" providerId="LiveId" clId="{07AE1321-E1B5-44BC-BC54-8923ADAC392F}" dt="2022-03-22T23:36:17.735" v="554" actId="14100"/>
+          <ac:spMkLst>
+            <pc:docMk/>
+            <pc:sldMk cId="2004495830" sldId="367"/>
+            <ac:spMk id="33" creationId="{9FB27B7A-B9DD-4785-AF50-3FD9D45ABE33}"/>
+          </ac:spMkLst>
+        </pc:spChg>
+        <pc:spChg chg="mod">
+          <ac:chgData name="Jackie N" userId="8b14f1697149b7ae" providerId="LiveId" clId="{07AE1321-E1B5-44BC-BC54-8923ADAC392F}" dt="2022-03-22T23:35:38.263" v="549" actId="1076"/>
+          <ac:spMkLst>
+            <pc:docMk/>
+            <pc:sldMk cId="2004495830" sldId="367"/>
+            <ac:spMk id="42" creationId="{E195B8FB-D722-4DEA-BE3D-CA87BD8A2C54}"/>
+          </ac:spMkLst>
+        </pc:spChg>
         <pc:spChg chg="mod">
           <ac:chgData name="Jackie N" userId="8b14f1697149b7ae" providerId="LiveId" clId="{07AE1321-E1B5-44BC-BC54-8923ADAC392F}" dt="2022-03-21T19:19:49.229" v="501" actId="20577"/>
           <ac:spMkLst>
@@ -160,9 +200,33 @@
             <ac:spMk id="658" creationId="{00000000-0000-0000-0000-000000000000}"/>
           </ac:spMkLst>
         </pc:spChg>
+        <pc:picChg chg="add mod">
+          <ac:chgData name="Jackie N" userId="8b14f1697149b7ae" providerId="LiveId" clId="{07AE1321-E1B5-44BC-BC54-8923ADAC392F}" dt="2022-03-22T23:35:12.300" v="540" actId="1076"/>
+          <ac:picMkLst>
+            <pc:docMk/>
+            <pc:sldMk cId="2004495830" sldId="367"/>
+            <ac:picMk id="13" creationId="{6E832ADD-9016-4013-B9F9-EE4ED4A0A610}"/>
+          </ac:picMkLst>
+        </pc:picChg>
+        <pc:picChg chg="add mod">
+          <ac:chgData name="Jackie N" userId="8b14f1697149b7ae" providerId="LiveId" clId="{07AE1321-E1B5-44BC-BC54-8923ADAC392F}" dt="2022-03-22T23:36:27.697" v="556" actId="1076"/>
+          <ac:picMkLst>
+            <pc:docMk/>
+            <pc:sldMk cId="2004495830" sldId="367"/>
+            <ac:picMk id="1026" creationId="{DDC9FF5D-A32B-4C0E-AC67-435B0C68B319}"/>
+          </ac:picMkLst>
+        </pc:picChg>
+        <pc:cxnChg chg="mod">
+          <ac:chgData name="Jackie N" userId="8b14f1697149b7ae" providerId="LiveId" clId="{07AE1321-E1B5-44BC-BC54-8923ADAC392F}" dt="2022-03-22T23:35:49.746" v="551" actId="14100"/>
+          <ac:cxnSpMkLst>
+            <pc:docMk/>
+            <pc:sldMk cId="2004495830" sldId="367"/>
+            <ac:cxnSpMk id="41" creationId="{8D10B0DD-2446-4DA8-8653-95FBBCF799B3}"/>
+          </ac:cxnSpMkLst>
+        </pc:cxnChg>
       </pc:sldChg>
       <pc:sldChg chg="addSp delSp modSp add mod">
-        <pc:chgData name="Jackie N" userId="8b14f1697149b7ae" providerId="LiveId" clId="{07AE1321-E1B5-44BC-BC54-8923ADAC392F}" dt="2022-03-21T19:15:31.225" v="451" actId="20577"/>
+        <pc:chgData name="Jackie N" userId="8b14f1697149b7ae" providerId="LiveId" clId="{07AE1321-E1B5-44BC-BC54-8923ADAC392F}" dt="2022-03-23T19:57:05.245" v="614" actId="1076"/>
         <pc:sldMkLst>
           <pc:docMk/>
           <pc:sldMk cId="3732819603" sldId="369"/>
@@ -181,6 +245,22 @@
             <pc:docMk/>
             <pc:sldMk cId="3732819603" sldId="369"/>
             <ac:spMk id="11" creationId="{37E23F2F-855D-4E5D-AFB5-36CDAD70EC34}"/>
+          </ac:spMkLst>
+        </pc:spChg>
+        <pc:spChg chg="add mod">
+          <ac:chgData name="Jackie N" userId="8b14f1697149b7ae" providerId="LiveId" clId="{07AE1321-E1B5-44BC-BC54-8923ADAC392F}" dt="2022-03-23T19:56:51.301" v="612" actId="1076"/>
+          <ac:spMkLst>
+            <pc:docMk/>
+            <pc:sldMk cId="3732819603" sldId="369"/>
+            <ac:spMk id="31" creationId="{D4D8B0C8-B0ED-42BE-A498-BC640A90AE92}"/>
+          </ac:spMkLst>
+        </pc:spChg>
+        <pc:spChg chg="add mod">
+          <ac:chgData name="Jackie N" userId="8b14f1697149b7ae" providerId="LiveId" clId="{07AE1321-E1B5-44BC-BC54-8923ADAC392F}" dt="2022-03-23T19:57:05.245" v="614" actId="1076"/>
+          <ac:spMkLst>
+            <pc:docMk/>
+            <pc:sldMk cId="3732819603" sldId="369"/>
+            <ac:spMk id="32" creationId="{414646BB-C66E-40B0-9213-EC0EA17468E4}"/>
           </ac:spMkLst>
         </pc:spChg>
         <pc:spChg chg="del">
@@ -1005,7 +1085,7 @@
           <a:p>
             <a:fld id="{69797AF1-868B-5A42-A764-B7DD04806930}" type="datetimeFigureOut">
               <a:rPr lang="en-US" smtClean="0"/>
-              <a:t>3/21/2022</a:t>
+              <a:t>3/22/2022</a:t>
             </a:fld>
             <a:endParaRPr lang="en-US"/>
           </a:p>
@@ -25026,8 +25106,8 @@
         </p:nvCxnSpPr>
         <p:spPr>
           <a:xfrm flipV="1">
-            <a:off x="6179487" y="2751688"/>
-            <a:ext cx="3475511" cy="452110"/>
+            <a:off x="7824839" y="2751688"/>
+            <a:ext cx="1830159" cy="213801"/>
           </a:xfrm>
           <a:prstGeom prst="curvedConnector3">
             <a:avLst>
@@ -25065,8 +25145,8 @@
         </p:nvSpPr>
         <p:spPr bwMode="auto">
           <a:xfrm>
-            <a:off x="2669993" y="1673442"/>
-            <a:ext cx="3945952" cy="3037285"/>
+            <a:off x="1371300" y="2121758"/>
+            <a:ext cx="4904057" cy="1737406"/>
           </a:xfrm>
           <a:prstGeom prst="rightArrow">
             <a:avLst/>
@@ -25462,6 +25542,222 @@
           </a:prstGeom>
         </p:spPr>
       </p:pic>
+      <p:sp>
+        <p:nvSpPr>
+          <p:cNvPr id="12" name="Rectangle 11">
+            <a:extLst>
+              <a:ext uri="{FF2B5EF4-FFF2-40B4-BE49-F238E27FC236}">
+                <a16:creationId xmlns:a16="http://schemas.microsoft.com/office/drawing/2014/main" id="{4DB1916D-7FF6-4818-8FEE-A1B570EC346E}"/>
+              </a:ext>
+            </a:extLst>
+          </p:cNvPr>
+          <p:cNvSpPr/>
+          <p:nvPr/>
+        </p:nvSpPr>
+        <p:spPr>
+          <a:xfrm>
+            <a:off x="143686" y="3581786"/>
+            <a:ext cx="1543120" cy="415498"/>
+          </a:xfrm>
+          <a:prstGeom prst="rect">
+            <a:avLst/>
+          </a:prstGeom>
+        </p:spPr>
+        <p:txBody>
+          <a:bodyPr wrap="square" lIns="121920" tIns="60960" rIns="121920" bIns="60960" anchor="t">
+            <a:spAutoFit/>
+          </a:bodyPr>
+          <a:lstStyle/>
+          <a:p>
+            <a:pPr defTabSz="913904">
+              <a:lnSpc>
+                <a:spcPct val="95000"/>
+              </a:lnSpc>
+              <a:spcBef>
+                <a:spcPct val="0"/>
+              </a:spcBef>
+              <a:spcAft>
+                <a:spcPct val="0"/>
+              </a:spcAft>
+              <a:defRPr/>
+            </a:pPr>
+            <a:r>
+              <a:rPr lang="en-US" sz="1000" b="1" kern="0" spc="49">
+                <a:solidFill>
+                  <a:sysClr val="windowText" lastClr="000000"/>
+                </a:solidFill>
+                <a:latin typeface="Segoe UI Semibold"/>
+                <a:cs typeface="Segoe UI Semibold"/>
+                <a:sym typeface="Arial"/>
+              </a:rPr>
+              <a:t>Florida Department Of Corrections</a:t>
+            </a:r>
+            <a:endParaRPr lang="en-US" sz="2400" kern="0">
+              <a:solidFill>
+                <a:sysClr val="windowText" lastClr="000000"/>
+              </a:solidFill>
+              <a:latin typeface="Arial"/>
+              <a:cs typeface="Arial"/>
+              <a:sym typeface="Arial"/>
+            </a:endParaRPr>
+          </a:p>
+        </p:txBody>
+      </p:sp>
+      <p:pic>
+        <p:nvPicPr>
+          <p:cNvPr id="13" name="Picture 12" descr="Logo&#10;&#10;Description automatically generated">
+            <a:extLst>
+              <a:ext uri="{FF2B5EF4-FFF2-40B4-BE49-F238E27FC236}">
+                <a16:creationId xmlns:a16="http://schemas.microsoft.com/office/drawing/2014/main" id="{6E832ADD-9016-4013-B9F9-EE4ED4A0A610}"/>
+              </a:ext>
+            </a:extLst>
+          </p:cNvPr>
+          <p:cNvPicPr>
+            <a:picLocks noChangeAspect="1"/>
+          </p:cNvPicPr>
+          <p:nvPr/>
+        </p:nvPicPr>
+        <p:blipFill>
+          <a:blip r:embed="rId6"/>
+          <a:stretch>
+            <a:fillRect/>
+          </a:stretch>
+        </p:blipFill>
+        <p:spPr>
+          <a:xfrm>
+            <a:off x="216021" y="2458065"/>
+            <a:ext cx="1014849" cy="1014849"/>
+          </a:xfrm>
+          <a:prstGeom prst="rect">
+            <a:avLst/>
+          </a:prstGeom>
+        </p:spPr>
+      </p:pic>
+      <p:pic>
+        <p:nvPicPr>
+          <p:cNvPr id="1026" name="Picture 2" descr="See the source image">
+            <a:extLst>
+              <a:ext uri="{FF2B5EF4-FFF2-40B4-BE49-F238E27FC236}">
+                <a16:creationId xmlns:a16="http://schemas.microsoft.com/office/drawing/2014/main" id="{DDC9FF5D-A32B-4C0E-AC67-435B0C68B319}"/>
+              </a:ext>
+            </a:extLst>
+          </p:cNvPr>
+          <p:cNvPicPr>
+            <a:picLocks noChangeAspect="1" noChangeArrowheads="1"/>
+          </p:cNvPicPr>
+          <p:nvPr/>
+        </p:nvPicPr>
+        <p:blipFill>
+          <a:blip r:embed="rId7">
+            <a:extLst>
+              <a:ext uri="{28A0092B-C50C-407E-A947-70E740481C1C}">
+                <a14:useLocalDpi xmlns:a14="http://schemas.microsoft.com/office/drawing/2010/main" val="0"/>
+              </a:ext>
+            </a:extLst>
+          </a:blip>
+          <a:srcRect/>
+          <a:stretch>
+            <a:fillRect/>
+          </a:stretch>
+        </p:blipFill>
+        <p:spPr bwMode="auto">
+          <a:xfrm>
+            <a:off x="6531176" y="2458065"/>
+            <a:ext cx="1037844" cy="1037844"/>
+          </a:xfrm>
+          <a:prstGeom prst="rect">
+            <a:avLst/>
+          </a:prstGeom>
+          <a:noFill/>
+          <a:extLst>
+            <a:ext uri="{909E8E84-426E-40DD-AFC4-6F175D3DCCD1}">
+              <a14:hiddenFill xmlns:a14="http://schemas.microsoft.com/office/drawing/2010/main">
+                <a:solidFill>
+                  <a:srgbClr val="FFFFFF"/>
+                </a:solidFill>
+              </a14:hiddenFill>
+            </a:ext>
+          </a:extLst>
+        </p:spPr>
+      </p:pic>
+      <p:sp>
+        <p:nvSpPr>
+          <p:cNvPr id="5" name="TextBox 4">
+            <a:extLst>
+              <a:ext uri="{FF2B5EF4-FFF2-40B4-BE49-F238E27FC236}">
+                <a16:creationId xmlns:a16="http://schemas.microsoft.com/office/drawing/2014/main" id="{387D8D78-8B7E-4122-84AF-18C6E0CCBDC4}"/>
+              </a:ext>
+            </a:extLst>
+          </p:cNvPr>
+          <p:cNvSpPr txBox="1"/>
+          <p:nvPr/>
+        </p:nvSpPr>
+        <p:spPr>
+          <a:xfrm>
+            <a:off x="6019787" y="1335024"/>
+            <a:ext cx="1898917" cy="646331"/>
+          </a:xfrm>
+          <a:prstGeom prst="rect">
+            <a:avLst/>
+          </a:prstGeom>
+          <a:noFill/>
+        </p:spPr>
+        <p:txBody>
+          <a:bodyPr wrap="square" rtlCol="0">
+            <a:spAutoFit/>
+          </a:bodyPr>
+          <a:lstStyle/>
+          <a:p>
+            <a:r>
+              <a:rPr lang="en-US" dirty="0">
+                <a:solidFill>
+                  <a:schemeClr val="accent5"/>
+                </a:solidFill>
+              </a:rPr>
+              <a:t>Add model input variables here</a:t>
+            </a:r>
+          </a:p>
+        </p:txBody>
+      </p:sp>
+      <p:sp>
+        <p:nvSpPr>
+          <p:cNvPr id="18" name="TextBox 17">
+            <a:extLst>
+              <a:ext uri="{FF2B5EF4-FFF2-40B4-BE49-F238E27FC236}">
+                <a16:creationId xmlns:a16="http://schemas.microsoft.com/office/drawing/2014/main" id="{415243F2-6896-44F3-AAA4-BBB8C9465D91}"/>
+              </a:ext>
+            </a:extLst>
+          </p:cNvPr>
+          <p:cNvSpPr txBox="1"/>
+          <p:nvPr/>
+        </p:nvSpPr>
+        <p:spPr>
+          <a:xfrm>
+            <a:off x="3319259" y="4346015"/>
+            <a:ext cx="1898917" cy="923330"/>
+          </a:xfrm>
+          <a:prstGeom prst="rect">
+            <a:avLst/>
+          </a:prstGeom>
+          <a:noFill/>
+        </p:spPr>
+        <p:txBody>
+          <a:bodyPr wrap="square" rtlCol="0">
+            <a:spAutoFit/>
+          </a:bodyPr>
+          <a:lstStyle/>
+          <a:p>
+            <a:r>
+              <a:rPr lang="en-US" dirty="0">
+                <a:solidFill>
+                  <a:schemeClr val="accent5"/>
+                </a:solidFill>
+              </a:rPr>
+              <a:t>Add model output variables here</a:t>
+            </a:r>
+          </a:p>
+        </p:txBody>
+      </p:sp>
     </p:spTree>
     <p:extLst>
       <p:ext uri="{BB962C8B-B14F-4D97-AF65-F5344CB8AC3E}">
@@ -29206,6 +29502,84 @@
                 <a:sym typeface="Arial"/>
               </a:rPr>
               <a:t>Predictive Results</a:t>
+            </a:r>
+          </a:p>
+        </p:txBody>
+      </p:sp>
+      <p:sp>
+        <p:nvSpPr>
+          <p:cNvPr id="31" name="TextBox 30">
+            <a:extLst>
+              <a:ext uri="{FF2B5EF4-FFF2-40B4-BE49-F238E27FC236}">
+                <a16:creationId xmlns:a16="http://schemas.microsoft.com/office/drawing/2014/main" id="{D4D8B0C8-B0ED-42BE-A498-BC640A90AE92}"/>
+              </a:ext>
+            </a:extLst>
+          </p:cNvPr>
+          <p:cNvSpPr txBox="1"/>
+          <p:nvPr/>
+        </p:nvSpPr>
+        <p:spPr>
+          <a:xfrm>
+            <a:off x="9098575" y="3749325"/>
+            <a:ext cx="1898917" cy="646331"/>
+          </a:xfrm>
+          <a:prstGeom prst="rect">
+            <a:avLst/>
+          </a:prstGeom>
+          <a:noFill/>
+        </p:spPr>
+        <p:txBody>
+          <a:bodyPr wrap="square" rtlCol="0">
+            <a:spAutoFit/>
+          </a:bodyPr>
+          <a:lstStyle/>
+          <a:p>
+            <a:r>
+              <a:rPr lang="en-US" dirty="0">
+                <a:solidFill>
+                  <a:schemeClr val="accent5"/>
+                </a:solidFill>
+              </a:rPr>
+              <a:t>Add model input variables here</a:t>
+            </a:r>
+          </a:p>
+        </p:txBody>
+      </p:sp>
+      <p:sp>
+        <p:nvSpPr>
+          <p:cNvPr id="32" name="TextBox 31">
+            <a:extLst>
+              <a:ext uri="{FF2B5EF4-FFF2-40B4-BE49-F238E27FC236}">
+                <a16:creationId xmlns:a16="http://schemas.microsoft.com/office/drawing/2014/main" id="{414646BB-C66E-40B0-9213-EC0EA17468E4}"/>
+              </a:ext>
+            </a:extLst>
+          </p:cNvPr>
+          <p:cNvSpPr txBox="1"/>
+          <p:nvPr/>
+        </p:nvSpPr>
+        <p:spPr>
+          <a:xfrm>
+            <a:off x="9098574" y="5885769"/>
+            <a:ext cx="1898917" cy="923330"/>
+          </a:xfrm>
+          <a:prstGeom prst="rect">
+            <a:avLst/>
+          </a:prstGeom>
+          <a:noFill/>
+        </p:spPr>
+        <p:txBody>
+          <a:bodyPr wrap="square" rtlCol="0">
+            <a:spAutoFit/>
+          </a:bodyPr>
+          <a:lstStyle/>
+          <a:p>
+            <a:r>
+              <a:rPr lang="en-US" dirty="0">
+                <a:solidFill>
+                  <a:schemeClr val="accent5"/>
+                </a:solidFill>
+              </a:rPr>
+              <a:t>Add model output variables here</a:t>
             </a:r>
           </a:p>
         </p:txBody>
@@ -31143,13 +31517,13 @@
   <p:clrMapOvr>
     <a:masterClrMapping/>
   </p:clrMapOvr>
-  <mc:AlternateContent xmlns:mc="http://schemas.openxmlformats.org/markup-compatibility/2006">
-    <mc:Choice xmlns:p14="http://schemas.microsoft.com/office/powerpoint/2010/main" Requires="p14">
+  <mc:AlternateContent xmlns:mc="http://schemas.openxmlformats.org/markup-compatibility/2006" xmlns:p14="http://schemas.microsoft.com/office/powerpoint/2010/main">
+    <mc:Choice Requires="p14">
       <p:transition spd="slow" p14:dur="3400">
         <p14:reveal/>
       </p:transition>
     </mc:Choice>
-    <mc:Fallback>
+    <mc:Fallback xmlns="">
       <p:transition spd="slow">
         <p:fade/>
       </p:transition>
@@ -33232,13 +33606,13 @@
   <p:clrMapOvr>
     <a:masterClrMapping/>
   </p:clrMapOvr>
-  <mc:AlternateContent xmlns:mc="http://schemas.openxmlformats.org/markup-compatibility/2006">
-    <mc:Choice xmlns:p14="http://schemas.microsoft.com/office/powerpoint/2010/main" Requires="p14">
+  <mc:AlternateContent xmlns:mc="http://schemas.openxmlformats.org/markup-compatibility/2006" xmlns:p14="http://schemas.microsoft.com/office/powerpoint/2010/main">
+    <mc:Choice Requires="p14">
       <p:transition spd="slow" p14:dur="3400">
         <p14:reveal/>
       </p:transition>
     </mc:Choice>
-    <mc:Fallback>
+    <mc:Fallback xmlns="">
       <p:transition spd="slow">
         <p:fade/>
       </p:transition>

--- a/assets/resources/graph for web_page.pptx
+++ b/assets/resources/graph for web_page.pptx
@@ -124,7 +124,7 @@
 <file path=ppt/revisionInfo.xml><?xml version="1.0" encoding="utf-8"?>
 <p1510:revInfo xmlns:a="http://schemas.openxmlformats.org/drawingml/2006/main" xmlns:r="http://schemas.openxmlformats.org/officeDocument/2006/relationships" xmlns:p1510="http://schemas.microsoft.com/office/powerpoint/2015/10/main">
   <p1510:revLst>
-    <p1510:client id="{07AE1321-E1B5-44BC-BC54-8923ADAC392F}" v="16" dt="2022-03-23T19:57:00.391"/>
+    <p1510:client id="{07AE1321-E1B5-44BC-BC54-8923ADAC392F}" v="17" dt="2022-03-24T20:39:21.505"/>
   </p1510:revLst>
 </p1510:revInfo>
 </file>
@@ -134,7 +134,7 @@
   <pc:docChgLst>
     <pc:chgData name="Jackie N" userId="8b14f1697149b7ae" providerId="LiveId" clId="{07AE1321-E1B5-44BC-BC54-8923ADAC392F}"/>
     <pc:docChg chg="undo custSel addSld modSld">
-      <pc:chgData name="Jackie N" userId="8b14f1697149b7ae" providerId="LiveId" clId="{07AE1321-E1B5-44BC-BC54-8923ADAC392F}" dt="2022-03-23T19:57:05.245" v="614" actId="1076"/>
+      <pc:chgData name="Jackie N" userId="8b14f1697149b7ae" providerId="LiveId" clId="{07AE1321-E1B5-44BC-BC54-8923ADAC392F}" dt="2022-03-24T20:39:55.301" v="772" actId="1076"/>
       <pc:docMkLst>
         <pc:docMk/>
       </pc:docMkLst>
@@ -226,7 +226,7 @@
         </pc:cxnChg>
       </pc:sldChg>
       <pc:sldChg chg="addSp delSp modSp add mod">
-        <pc:chgData name="Jackie N" userId="8b14f1697149b7ae" providerId="LiveId" clId="{07AE1321-E1B5-44BC-BC54-8923ADAC392F}" dt="2022-03-23T19:57:05.245" v="614" actId="1076"/>
+        <pc:chgData name="Jackie N" userId="8b14f1697149b7ae" providerId="LiveId" clId="{07AE1321-E1B5-44BC-BC54-8923ADAC392F}" dt="2022-03-24T20:39:55.301" v="772" actId="1076"/>
         <pc:sldMkLst>
           <pc:docMk/>
           <pc:sldMk cId="3732819603" sldId="369"/>
@@ -248,19 +248,27 @@
           </ac:spMkLst>
         </pc:spChg>
         <pc:spChg chg="add mod">
-          <ac:chgData name="Jackie N" userId="8b14f1697149b7ae" providerId="LiveId" clId="{07AE1321-E1B5-44BC-BC54-8923ADAC392F}" dt="2022-03-23T19:56:51.301" v="612" actId="1076"/>
+          <ac:chgData name="Jackie N" userId="8b14f1697149b7ae" providerId="LiveId" clId="{07AE1321-E1B5-44BC-BC54-8923ADAC392F}" dt="2022-03-24T20:39:16.873" v="693" actId="1076"/>
           <ac:spMkLst>
             <pc:docMk/>
             <pc:sldMk cId="3732819603" sldId="369"/>
             <ac:spMk id="31" creationId="{D4D8B0C8-B0ED-42BE-A498-BC640A90AE92}"/>
           </ac:spMkLst>
         </pc:spChg>
-        <pc:spChg chg="add mod">
-          <ac:chgData name="Jackie N" userId="8b14f1697149b7ae" providerId="LiveId" clId="{07AE1321-E1B5-44BC-BC54-8923ADAC392F}" dt="2022-03-23T19:57:05.245" v="614" actId="1076"/>
+        <pc:spChg chg="add del mod">
+          <ac:chgData name="Jackie N" userId="8b14f1697149b7ae" providerId="LiveId" clId="{07AE1321-E1B5-44BC-BC54-8923ADAC392F}" dt="2022-03-24T20:39:48.381" v="771" actId="478"/>
           <ac:spMkLst>
             <pc:docMk/>
             <pc:sldMk cId="3732819603" sldId="369"/>
             <ac:spMk id="32" creationId="{414646BB-C66E-40B0-9213-EC0EA17468E4}"/>
+          </ac:spMkLst>
+        </pc:spChg>
+        <pc:spChg chg="add mod">
+          <ac:chgData name="Jackie N" userId="8b14f1697149b7ae" providerId="LiveId" clId="{07AE1321-E1B5-44BC-BC54-8923ADAC392F}" dt="2022-03-24T20:39:55.301" v="772" actId="1076"/>
+          <ac:spMkLst>
+            <pc:docMk/>
+            <pc:sldMk cId="3732819603" sldId="369"/>
+            <ac:spMk id="33" creationId="{3D8AB278-EC65-4039-88A5-B924041DE5F8}"/>
           </ac:spMkLst>
         </pc:spChg>
         <pc:spChg chg="del">
@@ -1085,7 +1093,7 @@
           <a:p>
             <a:fld id="{69797AF1-868B-5A42-A764-B7DD04806930}" type="datetimeFigureOut">
               <a:rPr lang="en-US" smtClean="0"/>
-              <a:t>3/22/2022</a:t>
+              <a:t>3/24/2022</a:t>
             </a:fld>
             <a:endParaRPr lang="en-US"/>
           </a:p>
@@ -29520,8 +29528,8 @@
         </p:nvSpPr>
         <p:spPr>
           <a:xfrm>
-            <a:off x="9098575" y="3749325"/>
-            <a:ext cx="1898917" cy="646331"/>
+            <a:off x="9024126" y="3837412"/>
+            <a:ext cx="2404742" cy="430887"/>
           </a:xfrm>
           <a:prstGeom prst="rect">
             <a:avLst/>
@@ -29535,22 +29543,30 @@
           <a:lstStyle/>
           <a:p>
             <a:r>
-              <a:rPr lang="en-US" dirty="0">
+              <a:rPr lang="en-US" sz="1100" b="1" dirty="0">
                 <a:solidFill>
                   <a:schemeClr val="accent5"/>
                 </a:solidFill>
               </a:rPr>
-              <a:t>Add model input variables here</a:t>
+              <a:t>Model Inputs</a:t>
+            </a:r>
+            <a:r>
+              <a:rPr lang="en-US" sz="1100" dirty="0">
+                <a:solidFill>
+                  <a:schemeClr val="accent5"/>
+                </a:solidFill>
+              </a:rPr>
+              <a:t>: Age, Gender, Race, *Judge, Crime Type</a:t>
             </a:r>
           </a:p>
         </p:txBody>
       </p:sp>
       <p:sp>
         <p:nvSpPr>
-          <p:cNvPr id="32" name="TextBox 31">
+          <p:cNvPr id="33" name="TextBox 32">
             <a:extLst>
               <a:ext uri="{FF2B5EF4-FFF2-40B4-BE49-F238E27FC236}">
-                <a16:creationId xmlns:a16="http://schemas.microsoft.com/office/drawing/2014/main" id="{414646BB-C66E-40B0-9213-EC0EA17468E4}"/>
+                <a16:creationId xmlns:a16="http://schemas.microsoft.com/office/drawing/2014/main" id="{3D8AB278-EC65-4039-88A5-B924041DE5F8}"/>
               </a:ext>
             </a:extLst>
           </p:cNvPr>
@@ -29559,8 +29575,8 @@
         </p:nvSpPr>
         <p:spPr>
           <a:xfrm>
-            <a:off x="9098574" y="5885769"/>
-            <a:ext cx="1898917" cy="923330"/>
+            <a:off x="9081746" y="6206793"/>
+            <a:ext cx="2404742" cy="261610"/>
           </a:xfrm>
           <a:prstGeom prst="rect">
             <a:avLst/>
@@ -29574,12 +29590,20 @@
           <a:lstStyle/>
           <a:p>
             <a:r>
-              <a:rPr lang="en-US" dirty="0">
+              <a:rPr lang="en-US" sz="1100" b="1" dirty="0">
                 <a:solidFill>
                   <a:schemeClr val="accent5"/>
                 </a:solidFill>
               </a:rPr>
-              <a:t>Add model output variables here</a:t>
+              <a:t>Model Output</a:t>
+            </a:r>
+            <a:r>
+              <a:rPr lang="en-US" sz="1100" dirty="0">
+                <a:solidFill>
+                  <a:schemeClr val="accent5"/>
+                </a:solidFill>
+              </a:rPr>
+              <a:t>: Sentence in Days</a:t>
             </a:r>
           </a:p>
         </p:txBody>

--- a/assets/resources/graph for web_page.pptx
+++ b/assets/resources/graph for web_page.pptx
@@ -5,16 +5,17 @@
     <p:sldMasterId id="2147483660" r:id="rId1"/>
   </p:sldMasterIdLst>
   <p:notesMasterIdLst>
-    <p:notesMasterId r:id="rId9"/>
+    <p:notesMasterId r:id="rId10"/>
   </p:notesMasterIdLst>
   <p:sldIdLst>
     <p:sldId id="369" r:id="rId2"/>
     <p:sldId id="373" r:id="rId3"/>
-    <p:sldId id="371" r:id="rId4"/>
-    <p:sldId id="361" r:id="rId5"/>
-    <p:sldId id="364" r:id="rId6"/>
-    <p:sldId id="367" r:id="rId7"/>
-    <p:sldId id="366" r:id="rId8"/>
+    <p:sldId id="374" r:id="rId4"/>
+    <p:sldId id="371" r:id="rId5"/>
+    <p:sldId id="361" r:id="rId6"/>
+    <p:sldId id="364" r:id="rId7"/>
+    <p:sldId id="367" r:id="rId8"/>
+    <p:sldId id="366" r:id="rId9"/>
   </p:sldIdLst>
   <p:sldSz cx="12192000" cy="6858000"/>
   <p:notesSz cx="6858000" cy="9144000"/>
@@ -124,7 +125,7 @@
 <file path=ppt/revisionInfo.xml><?xml version="1.0" encoding="utf-8"?>
 <p1510:revInfo xmlns:a="http://schemas.openxmlformats.org/drawingml/2006/main" xmlns:r="http://schemas.openxmlformats.org/officeDocument/2006/relationships" xmlns:p1510="http://schemas.microsoft.com/office/powerpoint/2015/10/main">
   <p1510:revLst>
-    <p1510:client id="{07AE1321-E1B5-44BC-BC54-8923ADAC392F}" v="31" dt="2022-03-25T17:35:56.146"/>
+    <p1510:client id="{07AE1321-E1B5-44BC-BC54-8923ADAC392F}" v="32" dt="2022-03-25T22:15:41.771"/>
   </p1510:revLst>
 </p1510:revInfo>
 </file>
@@ -134,7 +135,7 @@
   <pc:docChgLst>
     <pc:chgData name="Jackie N" userId="8b14f1697149b7ae" providerId="LiveId" clId="{07AE1321-E1B5-44BC-BC54-8923ADAC392F}"/>
     <pc:docChg chg="undo custSel addSld delSld modSld sldOrd">
-      <pc:chgData name="Jackie N" userId="8b14f1697149b7ae" providerId="LiveId" clId="{07AE1321-E1B5-44BC-BC54-8923ADAC392F}" dt="2022-03-25T17:39:27.319" v="953"/>
+      <pc:chgData name="Jackie N" userId="8b14f1697149b7ae" providerId="LiveId" clId="{07AE1321-E1B5-44BC-BC54-8923ADAC392F}" dt="2022-03-25T22:16:05.046" v="960" actId="20577"/>
       <pc:docMkLst>
         <pc:docMk/>
       </pc:docMkLst>
@@ -1457,6 +1458,21 @@
           </ac:cxnSpMkLst>
         </pc:cxnChg>
       </pc:sldChg>
+      <pc:sldChg chg="modSp add mod">
+        <pc:chgData name="Jackie N" userId="8b14f1697149b7ae" providerId="LiveId" clId="{07AE1321-E1B5-44BC-BC54-8923ADAC392F}" dt="2022-03-25T22:16:05.046" v="960" actId="20577"/>
+        <pc:sldMkLst>
+          <pc:docMk/>
+          <pc:sldMk cId="1285128099" sldId="374"/>
+        </pc:sldMkLst>
+        <pc:spChg chg="mod">
+          <ac:chgData name="Jackie N" userId="8b14f1697149b7ae" providerId="LiveId" clId="{07AE1321-E1B5-44BC-BC54-8923ADAC392F}" dt="2022-03-25T22:16:05.046" v="960" actId="20577"/>
+          <ac:spMkLst>
+            <pc:docMk/>
+            <pc:sldMk cId="1285128099" sldId="374"/>
+            <ac:spMk id="31" creationId="{83303F25-04CE-4148-AE22-552B5BF809ED}"/>
+          </ac:spMkLst>
+        </pc:spChg>
+      </pc:sldChg>
     </pc:docChg>
   </pc:docChgLst>
 </pc:chgInfo>
@@ -2322,11 +2338,11 @@
 </file>
 
 <file path=ppt/notesSlides/notesSlide4.xml><?xml version="1.0" encoding="utf-8"?>
-<p:notes xmlns:a="http://schemas.openxmlformats.org/drawingml/2006/main" xmlns:r="http://schemas.openxmlformats.org/officeDocument/2006/relationships" xmlns:p="http://schemas.openxmlformats.org/presentationml/2006/main" showMasterSp="0" showMasterPhAnim="0">
+<p:notes xmlns:a="http://schemas.openxmlformats.org/drawingml/2006/main" xmlns:r="http://schemas.openxmlformats.org/officeDocument/2006/relationships" xmlns:p="http://schemas.openxmlformats.org/presentationml/2006/main">
   <p:cSld>
     <p:spTree>
       <p:nvGrpSpPr>
-        <p:cNvPr id="1" name="Shape 648"/>
+        <p:cNvPr id="1" name=""/>
         <p:cNvGrpSpPr/>
         <p:nvPr/>
       </p:nvGrpSpPr>
@@ -2340,12 +2356,12 @@
       </p:grpSpPr>
       <p:sp>
         <p:nvSpPr>
-          <p:cNvPr id="649" name="Google Shape;649;g75f465780c_0_1803:notes"/>
+          <p:cNvPr id="2" name="Slide Image Placeholder 1"/>
           <p:cNvSpPr>
             <a:spLocks noGrp="1" noRot="1" noChangeAspect="1"/>
           </p:cNvSpPr>
           <p:nvPr>
-            <p:ph type="sldImg" idx="2"/>
+            <p:ph type="sldImg"/>
           </p:nvPr>
         </p:nvSpPr>
         <p:spPr>
@@ -2353,367 +2369,64 @@
             <a:off x="381000" y="685800"/>
             <a:ext cx="6096000" cy="3429000"/>
           </a:xfrm>
-          <a:custGeom>
-            <a:avLst/>
-            <a:gdLst/>
-            <a:ahLst/>
-            <a:cxnLst/>
-            <a:rect l="l" t="t" r="r" b="b"/>
-            <a:pathLst>
-              <a:path w="120000" h="120000" extrusionOk="0">
-                <a:moveTo>
-                  <a:pt x="0" y="0"/>
-                </a:moveTo>
-                <a:lnTo>
-                  <a:pt x="120000" y="0"/>
-                </a:lnTo>
-                <a:lnTo>
-                  <a:pt x="120000" y="120000"/>
-                </a:lnTo>
-                <a:lnTo>
-                  <a:pt x="0" y="120000"/>
-                </a:lnTo>
-                <a:close/>
-              </a:path>
-            </a:pathLst>
-          </a:custGeom>
         </p:spPr>
       </p:sp>
       <p:sp>
         <p:nvSpPr>
-          <p:cNvPr id="650" name="Google Shape;650;g75f465780c_0_1803:notes"/>
-          <p:cNvSpPr txBox="1">
+          <p:cNvPr id="3" name="Notes Placeholder 2"/>
+          <p:cNvSpPr>
             <a:spLocks noGrp="1"/>
           </p:cNvSpPr>
           <p:nvPr>
             <p:ph type="body" idx="1"/>
           </p:nvPr>
         </p:nvSpPr>
-        <p:spPr>
-          <a:xfrm>
-            <a:off x="685800" y="4343400"/>
-            <a:ext cx="5486400" cy="4114800"/>
-          </a:xfrm>
-          <a:prstGeom prst="rect">
-            <a:avLst/>
-          </a:prstGeom>
-        </p:spPr>
+        <p:spPr/>
         <p:txBody>
-          <a:bodyPr spcFirstLastPara="1" wrap="square" lIns="91425" tIns="91425" rIns="91425" bIns="91425" anchor="t" anchorCtr="0">
-            <a:noAutofit/>
-          </a:bodyPr>
+          <a:bodyPr/>
           <a:lstStyle/>
           <a:p>
-            <a:pPr marL="158750" indent="0" rtl="0">
-              <a:spcBef>
-                <a:spcPts val="1800"/>
-              </a:spcBef>
-              <a:spcAft>
-                <a:spcPts val="600"/>
-              </a:spcAft>
+            <a:pPr marL="158750" indent="0">
+              <a:buNone/>
+            </a:pPr>
+            <a:endParaRPr lang="en-AU"/>
+          </a:p>
+          <a:p>
+            <a:pPr marL="158750" indent="0">
               <a:buNone/>
             </a:pPr>
             <a:r>
-              <a:rPr lang="en-US" sz="1100" b="0" i="0" u="none" strike="noStrike" cap="none">
-                <a:solidFill>
-                  <a:srgbClr val="000000"/>
-                </a:solidFill>
-                <a:effectLst/>
-                <a:latin typeface="Arial"/>
-                <a:ea typeface="Arial"/>
-                <a:cs typeface="Arial"/>
-                <a:sym typeface="Arial"/>
-              </a:rPr>
-              <a:t> This is our architecture for predictive &amp; causal modelling . We start with standard preprocessing, feature selection and feature engineering. The processed data is then stored on Azure and ingested by the modeling. </a:t>
+              <a:rPr lang="en-AU"/>
+              <a:t>Jackie created for website use because of the blue. </a:t>
             </a:r>
           </a:p>
           <a:p>
-            <a:pPr marL="158750" indent="0" rtl="0">
-              <a:spcBef>
-                <a:spcPts val="1800"/>
-              </a:spcBef>
-              <a:spcAft>
-                <a:spcPts val="600"/>
-              </a:spcAft>
-              <a:buNone/>
-            </a:pPr>
-            <a:r>
-              <a:rPr lang="en-US" sz="1100" b="0" i="0" u="none" strike="noStrike" cap="none">
-                <a:solidFill>
-                  <a:srgbClr val="000000"/>
-                </a:solidFill>
-                <a:effectLst/>
-                <a:latin typeface="Arial"/>
-                <a:ea typeface="Arial"/>
-                <a:cs typeface="Arial"/>
-                <a:sym typeface="Arial"/>
-              </a:rPr>
-              <a:t>You’ll notice that we’re running 2 models yielding both prediction &amp; causal results. This is to offer a robust product applying maximal </a:t>
-            </a:r>
-            <a:r>
-              <a:rPr lang="en-US" sz="1100" b="0" i="0" u="none" strike="noStrike" cap="none" err="1">
-                <a:solidFill>
-                  <a:srgbClr val="000000"/>
-                </a:solidFill>
-                <a:effectLst/>
-                <a:latin typeface="Arial"/>
-                <a:ea typeface="Arial"/>
-                <a:cs typeface="Arial"/>
-                <a:sym typeface="Arial"/>
-              </a:rPr>
-              <a:t>datascience</a:t>
-            </a:r>
-            <a:r>
-              <a:rPr lang="en-US" sz="1100" b="0" i="0" u="none" strike="noStrike" cap="none">
-                <a:solidFill>
-                  <a:srgbClr val="000000"/>
-                </a:solidFill>
-                <a:effectLst/>
-                <a:latin typeface="Arial"/>
-                <a:ea typeface="Arial"/>
-                <a:cs typeface="Arial"/>
-                <a:sym typeface="Arial"/>
-              </a:rPr>
-              <a:t> so as to provide both a statistical basis for assessment and as well offer a useful prediction based on prior sentencing patterns.</a:t>
-            </a:r>
+            <a:endParaRPr lang="en-AU"/>
           </a:p>
           <a:p>
-            <a:pPr marL="158750" indent="0" rtl="0">
-              <a:spcBef>
-                <a:spcPts val="1800"/>
-              </a:spcBef>
-              <a:spcAft>
-                <a:spcPts val="600"/>
-              </a:spcAft>
-              <a:buNone/>
-            </a:pPr>
-            <a:endParaRPr lang="en-US" sz="1800" b="0" i="0" u="none" strike="noStrike">
-              <a:solidFill>
-                <a:srgbClr val="000000"/>
-              </a:solidFill>
-              <a:effectLst/>
-              <a:latin typeface="Arial" panose="020B0604020202020204" pitchFamily="34" charset="0"/>
-            </a:endParaRPr>
+            <a:endParaRPr lang="en-AU"/>
           </a:p>
           <a:p>
-            <a:pPr marL="158750" indent="0" rtl="0">
-              <a:spcBef>
-                <a:spcPts val="1800"/>
-              </a:spcBef>
-              <a:spcAft>
-                <a:spcPts val="600"/>
-              </a:spcAft>
-              <a:buNone/>
-            </a:pPr>
-            <a:r>
-              <a:rPr lang="en-US" sz="1800" b="0" i="0" u="none" strike="noStrike">
-                <a:solidFill>
-                  <a:srgbClr val="000000"/>
-                </a:solidFill>
-                <a:effectLst/>
-                <a:latin typeface="Arial" panose="020B0604020202020204" pitchFamily="34" charset="0"/>
-              </a:rPr>
-              <a:t>Requirements:</a:t>
-            </a:r>
+            <a:endParaRPr lang="en-US"/>
           </a:p>
+        </p:txBody>
+      </p:sp>
+      <p:sp>
+        <p:nvSpPr>
+          <p:cNvPr id="4" name="Slide Number Placeholder 3"/>
+          <p:cNvSpPr>
+            <a:spLocks noGrp="1"/>
+          </p:cNvSpPr>
+          <p:nvPr>
+            <p:ph type="sldNum" sz="quarter" idx="10"/>
+          </p:nvPr>
+        </p:nvSpPr>
+        <p:spPr/>
+        <p:txBody>
+          <a:bodyPr/>
+          <a:lstStyle/>
           <a:p>
-            <a:pPr rtl="0">
-              <a:spcBef>
-                <a:spcPts val="1800"/>
-              </a:spcBef>
-              <a:spcAft>
-                <a:spcPts val="600"/>
-              </a:spcAft>
-            </a:pPr>
-            <a:r>
-              <a:rPr lang="en-US" sz="1800" b="0" i="0" u="none" strike="noStrike">
-                <a:solidFill>
-                  <a:srgbClr val="000000"/>
-                </a:solidFill>
-                <a:effectLst/>
-                <a:latin typeface="Arial" panose="020B0604020202020204" pitchFamily="34" charset="0"/>
-              </a:rPr>
-              <a:t>Technical discussion. </a:t>
-            </a:r>
-            <a:endParaRPr lang="en-US" b="1">
-              <a:effectLst/>
-            </a:endParaRPr>
-          </a:p>
-          <a:p>
-            <a:pPr rtl="0" fontAlgn="base">
-              <a:spcBef>
-                <a:spcPts val="0"/>
-              </a:spcBef>
-              <a:spcAft>
-                <a:spcPts val="0"/>
-              </a:spcAft>
-              <a:buFont typeface="Arial" panose="020B0604020202020204" pitchFamily="34" charset="0"/>
-              <a:buChar char="•"/>
-            </a:pPr>
-            <a:r>
-              <a:rPr lang="en-US" sz="1800" b="0" i="0" u="none" strike="noStrike">
-                <a:solidFill>
-                  <a:srgbClr val="000000"/>
-                </a:solidFill>
-                <a:effectLst/>
-                <a:latin typeface="Arial" panose="020B0604020202020204" pitchFamily="34" charset="0"/>
-              </a:rPr>
-              <a:t>Team presents the current overall architecture of the product</a:t>
-            </a:r>
-          </a:p>
-          <a:p>
-            <a:pPr rtl="0" fontAlgn="base">
-              <a:spcBef>
-                <a:spcPts val="0"/>
-              </a:spcBef>
-              <a:spcAft>
-                <a:spcPts val="0"/>
-              </a:spcAft>
-              <a:buFont typeface="Arial" panose="020B0604020202020204" pitchFamily="34" charset="0"/>
-              <a:buChar char="•"/>
-            </a:pPr>
-            <a:r>
-              <a:rPr lang="en-US" sz="1800" b="0" i="0" u="none" strike="noStrike">
-                <a:solidFill>
-                  <a:srgbClr val="000000"/>
-                </a:solidFill>
-                <a:effectLst/>
-                <a:latin typeface="Arial" panose="020B0604020202020204" pitchFamily="34" charset="0"/>
-              </a:rPr>
-              <a:t>Team presents  the data pipeline.</a:t>
-            </a:r>
-          </a:p>
-          <a:p>
-            <a:pPr rtl="0" fontAlgn="base">
-              <a:spcBef>
-                <a:spcPts val="0"/>
-              </a:spcBef>
-              <a:spcAft>
-                <a:spcPts val="0"/>
-              </a:spcAft>
-              <a:buFont typeface="Arial" panose="020B0604020202020204" pitchFamily="34" charset="0"/>
-              <a:buChar char="•"/>
-            </a:pPr>
-            <a:r>
-              <a:rPr lang="en-US" sz="1800" b="0" i="0" u="none" strike="noStrike">
-                <a:solidFill>
-                  <a:srgbClr val="000000"/>
-                </a:solidFill>
-                <a:effectLst/>
-                <a:latin typeface="Arial" panose="020B0604020202020204" pitchFamily="34" charset="0"/>
-              </a:rPr>
-              <a:t>The modeling techniques  being used or considered are presented</a:t>
-            </a:r>
-          </a:p>
-          <a:p>
-            <a:pPr rtl="0" fontAlgn="base">
-              <a:spcBef>
-                <a:spcPts val="0"/>
-              </a:spcBef>
-              <a:spcAft>
-                <a:spcPts val="0"/>
-              </a:spcAft>
-              <a:buFont typeface="Arial" panose="020B0604020202020204" pitchFamily="34" charset="0"/>
-              <a:buChar char="•"/>
-            </a:pPr>
-            <a:r>
-              <a:rPr lang="en-US" sz="1800" b="0" i="0" u="none" strike="noStrike">
-                <a:solidFill>
-                  <a:srgbClr val="000000"/>
-                </a:solidFill>
-                <a:effectLst/>
-                <a:latin typeface="Arial" panose="020B0604020202020204" pitchFamily="34" charset="0"/>
-              </a:rPr>
-              <a:t>The current modeling results are presented</a:t>
-            </a:r>
-          </a:p>
-          <a:p>
-            <a:pPr rtl="0" fontAlgn="base">
-              <a:spcBef>
-                <a:spcPts val="0"/>
-              </a:spcBef>
-              <a:spcAft>
-                <a:spcPts val="0"/>
-              </a:spcAft>
-              <a:buFont typeface="Arial" panose="020B0604020202020204" pitchFamily="34" charset="0"/>
-              <a:buChar char="•"/>
-            </a:pPr>
-            <a:r>
-              <a:rPr lang="en-US" sz="1800" b="0" i="0" u="none" strike="noStrike">
-                <a:solidFill>
-                  <a:srgbClr val="000000"/>
-                </a:solidFill>
-                <a:effectLst/>
-                <a:latin typeface="Arial" panose="020B0604020202020204" pitchFamily="34" charset="0"/>
-              </a:rPr>
-              <a:t>Team described the tradeoffs in different modeling techniques</a:t>
-            </a:r>
-          </a:p>
-          <a:p>
-            <a:pPr rtl="0" fontAlgn="base">
-              <a:spcBef>
-                <a:spcPts val="0"/>
-              </a:spcBef>
-              <a:spcAft>
-                <a:spcPts val="0"/>
-              </a:spcAft>
-              <a:buFont typeface="Arial" panose="020B0604020202020204" pitchFamily="34" charset="0"/>
-              <a:buChar char="•"/>
-            </a:pPr>
-            <a:r>
-              <a:rPr lang="en-US" sz="1800" b="0" i="0" u="none" strike="noStrike">
-                <a:solidFill>
-                  <a:srgbClr val="000000"/>
-                </a:solidFill>
-                <a:effectLst/>
-                <a:latin typeface="Arial" panose="020B0604020202020204" pitchFamily="34" charset="0"/>
-              </a:rPr>
-              <a:t>Team described how they will evaluate the model results.</a:t>
-            </a:r>
-          </a:p>
-          <a:p>
-            <a:pPr rtl="0" fontAlgn="base">
-              <a:spcBef>
-                <a:spcPts val="0"/>
-              </a:spcBef>
-              <a:spcAft>
-                <a:spcPts val="0"/>
-              </a:spcAft>
-              <a:buFont typeface="Arial" panose="020B0604020202020204" pitchFamily="34" charset="0"/>
-              <a:buChar char="•"/>
-            </a:pPr>
-            <a:r>
-              <a:rPr lang="en-US" sz="1800" b="0" i="0" u="none" strike="noStrike">
-                <a:solidFill>
-                  <a:srgbClr val="000000"/>
-                </a:solidFill>
-                <a:effectLst/>
-                <a:latin typeface="Arial" panose="020B0604020202020204" pitchFamily="34" charset="0"/>
-              </a:rPr>
-              <a:t>Team lists the challenges identified based on the results so far.</a:t>
-            </a:r>
-          </a:p>
-          <a:p>
-            <a:pPr rtl="0" fontAlgn="base">
-              <a:spcBef>
-                <a:spcPts val="0"/>
-              </a:spcBef>
-              <a:spcAft>
-                <a:spcPts val="0"/>
-              </a:spcAft>
-              <a:buFont typeface="Arial" panose="020B0604020202020204" pitchFamily="34" charset="0"/>
-              <a:buChar char="•"/>
-            </a:pPr>
-            <a:endParaRPr lang="en-US" sz="1800" b="0" i="0" u="none" strike="noStrike">
-              <a:solidFill>
-                <a:srgbClr val="000000"/>
-              </a:solidFill>
-              <a:effectLst/>
-              <a:latin typeface="Arial" panose="020B0604020202020204" pitchFamily="34" charset="0"/>
-            </a:endParaRPr>
-          </a:p>
-          <a:p>
-            <a:pPr marL="457200" marR="0" lvl="0" indent="-298450" algn="l" defTabSz="914400" rtl="0" eaLnBrk="1" fontAlgn="base" latinLnBrk="0" hangingPunct="1">
+            <a:pPr marL="0" marR="0" lvl="0" indent="0" algn="r" defTabSz="1015313" rtl="0" eaLnBrk="1" fontAlgn="auto" latinLnBrk="0" hangingPunct="1">
               <a:lnSpc>
                 <a:spcPct val="100000"/>
               </a:lnSpc>
@@ -2723,53 +2436,60 @@
               <a:spcAft>
                 <a:spcPts val="0"/>
               </a:spcAft>
-              <a:buClr>
-                <a:srgbClr val="000000"/>
-              </a:buClr>
-              <a:buSzPts val="1100"/>
-              <a:buFont typeface="Arial" panose="020B0604020202020204" pitchFamily="34" charset="0"/>
-              <a:buChar char="•"/>
+              <a:buClrTx/>
+              <a:buSzTx/>
+              <a:buFontTx/>
+              <a:buNone/>
               <a:tabLst/>
               <a:defRPr/>
             </a:pPr>
-            <a:r>
-              <a:rPr lang="en-US" sz="1800" b="0" i="0" u="none" strike="noStrike" cap="none">
-                <a:solidFill>
-                  <a:srgbClr val="000000"/>
+            <a:fld id="{07525D1A-9CA5-4E94-B922-48D4C7E4CB42}" type="slidenum">
+              <a:rPr kumimoji="0" lang="en-US" sz="1300" b="0" i="0" u="none" strike="noStrike" kern="1200" cap="none" spc="0" normalizeH="0" baseline="0" noProof="0">
+                <a:ln>
+                  <a:noFill/>
+                </a:ln>
+                <a:solidFill>
+                  <a:prstClr val="black"/>
                 </a:solidFill>
                 <a:effectLst/>
-                <a:latin typeface="Arial"/>
-                <a:ea typeface="Arial"/>
-                <a:cs typeface="Arial"/>
-                <a:sym typeface="Arial"/>
+                <a:uLnTx/>
+                <a:uFillTx/>
+                <a:latin typeface="Calibri" panose="020F0502020204030204"/>
+                <a:ea typeface="+mn-ea"/>
+                <a:cs typeface="+mn-cs"/>
               </a:rPr>
-              <a:t>We are currently using unsupervised clustering followed by a matching and sampling procedure to simulate a randomization process to create a treatment and control group. After that is done, we use statistical tests such as the T-test to generate causal insight. As a standard test of the null hypothesis, every time a test is run, we assume the sentencing for the treatment group ( black population), is the same as that of the control group (the white population) and based on the statistical significance and sample distribution, we decide whether we should reject the null and claim there is evidence of bias. We then quantify that bias with the treatment effect mean and confidence interval and store the results for UX visualizations to engage with our users.</a:t>
-            </a:r>
-            <a:endParaRPr lang="en-US" sz="3200" b="0" i="0" u="none" strike="noStrike">
+              <a:pPr marL="0" marR="0" lvl="0" indent="0" algn="r" defTabSz="1015313" rtl="0" eaLnBrk="1" fontAlgn="auto" latinLnBrk="0" hangingPunct="1">
+                <a:lnSpc>
+                  <a:spcPct val="100000"/>
+                </a:lnSpc>
+                <a:spcBef>
+                  <a:spcPts val="0"/>
+                </a:spcBef>
+                <a:spcAft>
+                  <a:spcPts val="0"/>
+                </a:spcAft>
+                <a:buClrTx/>
+                <a:buSzTx/>
+                <a:buFontTx/>
+                <a:buNone/>
+                <a:tabLst/>
+                <a:defRPr/>
+              </a:pPr>
+              <a:t>4</a:t>
+            </a:fld>
+            <a:endParaRPr kumimoji="0" lang="en-US" sz="1300" b="0" i="0" u="none" strike="noStrike" kern="1200" cap="none" spc="0" normalizeH="0" baseline="0" noProof="0">
+              <a:ln>
+                <a:noFill/>
+              </a:ln>
               <a:solidFill>
-                <a:srgbClr val="000000"/>
+                <a:prstClr val="black"/>
               </a:solidFill>
               <a:effectLst/>
-              <a:latin typeface="Arial" panose="020B0604020202020204" pitchFamily="34" charset="0"/>
-            </a:endParaRPr>
-          </a:p>
-          <a:p>
-            <a:pPr rtl="0" fontAlgn="base">
-              <a:spcBef>
-                <a:spcPts val="0"/>
-              </a:spcBef>
-              <a:spcAft>
-                <a:spcPts val="0"/>
-              </a:spcAft>
-              <a:buFont typeface="Arial" panose="020B0604020202020204" pitchFamily="34" charset="0"/>
-              <a:buChar char="•"/>
-            </a:pPr>
-            <a:endParaRPr lang="en-US" sz="1800" b="0" i="0" u="none" strike="noStrike">
-              <a:solidFill>
-                <a:srgbClr val="000000"/>
-              </a:solidFill>
-              <a:effectLst/>
-              <a:latin typeface="Arial" panose="020B0604020202020204" pitchFamily="34" charset="0"/>
+              <a:uLnTx/>
+              <a:uFillTx/>
+              <a:latin typeface="Calibri" panose="020F0502020204030204"/>
+              <a:ea typeface="+mn-ea"/>
+              <a:cs typeface="+mn-cs"/>
             </a:endParaRPr>
           </a:p>
         </p:txBody>
@@ -2777,7 +2497,7 @@
     </p:spTree>
     <p:extLst>
       <p:ext uri="{BB962C8B-B14F-4D97-AF65-F5344CB8AC3E}">
-        <p14:creationId xmlns:p14="http://schemas.microsoft.com/office/powerpoint/2010/main" val="2542702029"/>
+        <p14:creationId xmlns:p14="http://schemas.microsoft.com/office/powerpoint/2010/main" val="2586918697"/>
       </p:ext>
     </p:extLst>
   </p:cSld>
@@ -3243,7 +2963,7 @@
     </p:spTree>
     <p:extLst>
       <p:ext uri="{BB962C8B-B14F-4D97-AF65-F5344CB8AC3E}">
-        <p14:creationId xmlns:p14="http://schemas.microsoft.com/office/powerpoint/2010/main" val="622348654"/>
+        <p14:creationId xmlns:p14="http://schemas.microsoft.com/office/powerpoint/2010/main" val="2542702029"/>
       </p:ext>
     </p:extLst>
   </p:cSld>
@@ -3346,6 +3066,472 @@
               <a:buNone/>
             </a:pPr>
             <a:r>
+              <a:rPr lang="en-US" sz="1100" b="0" i="0" u="none" strike="noStrike" cap="none">
+                <a:solidFill>
+                  <a:srgbClr val="000000"/>
+                </a:solidFill>
+                <a:effectLst/>
+                <a:latin typeface="Arial"/>
+                <a:ea typeface="Arial"/>
+                <a:cs typeface="Arial"/>
+                <a:sym typeface="Arial"/>
+              </a:rPr>
+              <a:t> This is our architecture for predictive &amp; causal modelling . We start with standard preprocessing, feature selection and feature engineering. The processed data is then stored on Azure and ingested by the modeling. </a:t>
+            </a:r>
+          </a:p>
+          <a:p>
+            <a:pPr marL="158750" indent="0" rtl="0">
+              <a:spcBef>
+                <a:spcPts val="1800"/>
+              </a:spcBef>
+              <a:spcAft>
+                <a:spcPts val="600"/>
+              </a:spcAft>
+              <a:buNone/>
+            </a:pPr>
+            <a:r>
+              <a:rPr lang="en-US" sz="1100" b="0" i="0" u="none" strike="noStrike" cap="none">
+                <a:solidFill>
+                  <a:srgbClr val="000000"/>
+                </a:solidFill>
+                <a:effectLst/>
+                <a:latin typeface="Arial"/>
+                <a:ea typeface="Arial"/>
+                <a:cs typeface="Arial"/>
+                <a:sym typeface="Arial"/>
+              </a:rPr>
+              <a:t>You’ll notice that we’re running 2 models yielding both prediction &amp; causal results. This is to offer a robust product applying maximal </a:t>
+            </a:r>
+            <a:r>
+              <a:rPr lang="en-US" sz="1100" b="0" i="0" u="none" strike="noStrike" cap="none" err="1">
+                <a:solidFill>
+                  <a:srgbClr val="000000"/>
+                </a:solidFill>
+                <a:effectLst/>
+                <a:latin typeface="Arial"/>
+                <a:ea typeface="Arial"/>
+                <a:cs typeface="Arial"/>
+                <a:sym typeface="Arial"/>
+              </a:rPr>
+              <a:t>datascience</a:t>
+            </a:r>
+            <a:r>
+              <a:rPr lang="en-US" sz="1100" b="0" i="0" u="none" strike="noStrike" cap="none">
+                <a:solidFill>
+                  <a:srgbClr val="000000"/>
+                </a:solidFill>
+                <a:effectLst/>
+                <a:latin typeface="Arial"/>
+                <a:ea typeface="Arial"/>
+                <a:cs typeface="Arial"/>
+                <a:sym typeface="Arial"/>
+              </a:rPr>
+              <a:t> so as to provide both a statistical basis for assessment and as well offer a useful prediction based on prior sentencing patterns.</a:t>
+            </a:r>
+          </a:p>
+          <a:p>
+            <a:pPr marL="158750" indent="0" rtl="0">
+              <a:spcBef>
+                <a:spcPts val="1800"/>
+              </a:spcBef>
+              <a:spcAft>
+                <a:spcPts val="600"/>
+              </a:spcAft>
+              <a:buNone/>
+            </a:pPr>
+            <a:endParaRPr lang="en-US" sz="1800" b="0" i="0" u="none" strike="noStrike">
+              <a:solidFill>
+                <a:srgbClr val="000000"/>
+              </a:solidFill>
+              <a:effectLst/>
+              <a:latin typeface="Arial" panose="020B0604020202020204" pitchFamily="34" charset="0"/>
+            </a:endParaRPr>
+          </a:p>
+          <a:p>
+            <a:pPr marL="158750" indent="0" rtl="0">
+              <a:spcBef>
+                <a:spcPts val="1800"/>
+              </a:spcBef>
+              <a:spcAft>
+                <a:spcPts val="600"/>
+              </a:spcAft>
+              <a:buNone/>
+            </a:pPr>
+            <a:r>
+              <a:rPr lang="en-US" sz="1800" b="0" i="0" u="none" strike="noStrike">
+                <a:solidFill>
+                  <a:srgbClr val="000000"/>
+                </a:solidFill>
+                <a:effectLst/>
+                <a:latin typeface="Arial" panose="020B0604020202020204" pitchFamily="34" charset="0"/>
+              </a:rPr>
+              <a:t>Requirements:</a:t>
+            </a:r>
+          </a:p>
+          <a:p>
+            <a:pPr rtl="0">
+              <a:spcBef>
+                <a:spcPts val="1800"/>
+              </a:spcBef>
+              <a:spcAft>
+                <a:spcPts val="600"/>
+              </a:spcAft>
+            </a:pPr>
+            <a:r>
+              <a:rPr lang="en-US" sz="1800" b="0" i="0" u="none" strike="noStrike">
+                <a:solidFill>
+                  <a:srgbClr val="000000"/>
+                </a:solidFill>
+                <a:effectLst/>
+                <a:latin typeface="Arial" panose="020B0604020202020204" pitchFamily="34" charset="0"/>
+              </a:rPr>
+              <a:t>Technical discussion. </a:t>
+            </a:r>
+            <a:endParaRPr lang="en-US" b="1">
+              <a:effectLst/>
+            </a:endParaRPr>
+          </a:p>
+          <a:p>
+            <a:pPr rtl="0" fontAlgn="base">
+              <a:spcBef>
+                <a:spcPts val="0"/>
+              </a:spcBef>
+              <a:spcAft>
+                <a:spcPts val="0"/>
+              </a:spcAft>
+              <a:buFont typeface="Arial" panose="020B0604020202020204" pitchFamily="34" charset="0"/>
+              <a:buChar char="•"/>
+            </a:pPr>
+            <a:r>
+              <a:rPr lang="en-US" sz="1800" b="0" i="0" u="none" strike="noStrike">
+                <a:solidFill>
+                  <a:srgbClr val="000000"/>
+                </a:solidFill>
+                <a:effectLst/>
+                <a:latin typeface="Arial" panose="020B0604020202020204" pitchFamily="34" charset="0"/>
+              </a:rPr>
+              <a:t>Team presents the current overall architecture of the product</a:t>
+            </a:r>
+          </a:p>
+          <a:p>
+            <a:pPr rtl="0" fontAlgn="base">
+              <a:spcBef>
+                <a:spcPts val="0"/>
+              </a:spcBef>
+              <a:spcAft>
+                <a:spcPts val="0"/>
+              </a:spcAft>
+              <a:buFont typeface="Arial" panose="020B0604020202020204" pitchFamily="34" charset="0"/>
+              <a:buChar char="•"/>
+            </a:pPr>
+            <a:r>
+              <a:rPr lang="en-US" sz="1800" b="0" i="0" u="none" strike="noStrike">
+                <a:solidFill>
+                  <a:srgbClr val="000000"/>
+                </a:solidFill>
+                <a:effectLst/>
+                <a:latin typeface="Arial" panose="020B0604020202020204" pitchFamily="34" charset="0"/>
+              </a:rPr>
+              <a:t>Team presents  the data pipeline.</a:t>
+            </a:r>
+          </a:p>
+          <a:p>
+            <a:pPr rtl="0" fontAlgn="base">
+              <a:spcBef>
+                <a:spcPts val="0"/>
+              </a:spcBef>
+              <a:spcAft>
+                <a:spcPts val="0"/>
+              </a:spcAft>
+              <a:buFont typeface="Arial" panose="020B0604020202020204" pitchFamily="34" charset="0"/>
+              <a:buChar char="•"/>
+            </a:pPr>
+            <a:r>
+              <a:rPr lang="en-US" sz="1800" b="0" i="0" u="none" strike="noStrike">
+                <a:solidFill>
+                  <a:srgbClr val="000000"/>
+                </a:solidFill>
+                <a:effectLst/>
+                <a:latin typeface="Arial" panose="020B0604020202020204" pitchFamily="34" charset="0"/>
+              </a:rPr>
+              <a:t>The modeling techniques  being used or considered are presented</a:t>
+            </a:r>
+          </a:p>
+          <a:p>
+            <a:pPr rtl="0" fontAlgn="base">
+              <a:spcBef>
+                <a:spcPts val="0"/>
+              </a:spcBef>
+              <a:spcAft>
+                <a:spcPts val="0"/>
+              </a:spcAft>
+              <a:buFont typeface="Arial" panose="020B0604020202020204" pitchFamily="34" charset="0"/>
+              <a:buChar char="•"/>
+            </a:pPr>
+            <a:r>
+              <a:rPr lang="en-US" sz="1800" b="0" i="0" u="none" strike="noStrike">
+                <a:solidFill>
+                  <a:srgbClr val="000000"/>
+                </a:solidFill>
+                <a:effectLst/>
+                <a:latin typeface="Arial" panose="020B0604020202020204" pitchFamily="34" charset="0"/>
+              </a:rPr>
+              <a:t>The current modeling results are presented</a:t>
+            </a:r>
+          </a:p>
+          <a:p>
+            <a:pPr rtl="0" fontAlgn="base">
+              <a:spcBef>
+                <a:spcPts val="0"/>
+              </a:spcBef>
+              <a:spcAft>
+                <a:spcPts val="0"/>
+              </a:spcAft>
+              <a:buFont typeface="Arial" panose="020B0604020202020204" pitchFamily="34" charset="0"/>
+              <a:buChar char="•"/>
+            </a:pPr>
+            <a:r>
+              <a:rPr lang="en-US" sz="1800" b="0" i="0" u="none" strike="noStrike">
+                <a:solidFill>
+                  <a:srgbClr val="000000"/>
+                </a:solidFill>
+                <a:effectLst/>
+                <a:latin typeface="Arial" panose="020B0604020202020204" pitchFamily="34" charset="0"/>
+              </a:rPr>
+              <a:t>Team described the tradeoffs in different modeling techniques</a:t>
+            </a:r>
+          </a:p>
+          <a:p>
+            <a:pPr rtl="0" fontAlgn="base">
+              <a:spcBef>
+                <a:spcPts val="0"/>
+              </a:spcBef>
+              <a:spcAft>
+                <a:spcPts val="0"/>
+              </a:spcAft>
+              <a:buFont typeface="Arial" panose="020B0604020202020204" pitchFamily="34" charset="0"/>
+              <a:buChar char="•"/>
+            </a:pPr>
+            <a:r>
+              <a:rPr lang="en-US" sz="1800" b="0" i="0" u="none" strike="noStrike">
+                <a:solidFill>
+                  <a:srgbClr val="000000"/>
+                </a:solidFill>
+                <a:effectLst/>
+                <a:latin typeface="Arial" panose="020B0604020202020204" pitchFamily="34" charset="0"/>
+              </a:rPr>
+              <a:t>Team described how they will evaluate the model results.</a:t>
+            </a:r>
+          </a:p>
+          <a:p>
+            <a:pPr rtl="0" fontAlgn="base">
+              <a:spcBef>
+                <a:spcPts val="0"/>
+              </a:spcBef>
+              <a:spcAft>
+                <a:spcPts val="0"/>
+              </a:spcAft>
+              <a:buFont typeface="Arial" panose="020B0604020202020204" pitchFamily="34" charset="0"/>
+              <a:buChar char="•"/>
+            </a:pPr>
+            <a:r>
+              <a:rPr lang="en-US" sz="1800" b="0" i="0" u="none" strike="noStrike">
+                <a:solidFill>
+                  <a:srgbClr val="000000"/>
+                </a:solidFill>
+                <a:effectLst/>
+                <a:latin typeface="Arial" panose="020B0604020202020204" pitchFamily="34" charset="0"/>
+              </a:rPr>
+              <a:t>Team lists the challenges identified based on the results so far.</a:t>
+            </a:r>
+          </a:p>
+          <a:p>
+            <a:pPr rtl="0" fontAlgn="base">
+              <a:spcBef>
+                <a:spcPts val="0"/>
+              </a:spcBef>
+              <a:spcAft>
+                <a:spcPts val="0"/>
+              </a:spcAft>
+              <a:buFont typeface="Arial" panose="020B0604020202020204" pitchFamily="34" charset="0"/>
+              <a:buChar char="•"/>
+            </a:pPr>
+            <a:endParaRPr lang="en-US" sz="1800" b="0" i="0" u="none" strike="noStrike">
+              <a:solidFill>
+                <a:srgbClr val="000000"/>
+              </a:solidFill>
+              <a:effectLst/>
+              <a:latin typeface="Arial" panose="020B0604020202020204" pitchFamily="34" charset="0"/>
+            </a:endParaRPr>
+          </a:p>
+          <a:p>
+            <a:pPr marL="457200" marR="0" lvl="0" indent="-298450" algn="l" defTabSz="914400" rtl="0" eaLnBrk="1" fontAlgn="base" latinLnBrk="0" hangingPunct="1">
+              <a:lnSpc>
+                <a:spcPct val="100000"/>
+              </a:lnSpc>
+              <a:spcBef>
+                <a:spcPts val="0"/>
+              </a:spcBef>
+              <a:spcAft>
+                <a:spcPts val="0"/>
+              </a:spcAft>
+              <a:buClr>
+                <a:srgbClr val="000000"/>
+              </a:buClr>
+              <a:buSzPts val="1100"/>
+              <a:buFont typeface="Arial" panose="020B0604020202020204" pitchFamily="34" charset="0"/>
+              <a:buChar char="•"/>
+              <a:tabLst/>
+              <a:defRPr/>
+            </a:pPr>
+            <a:r>
+              <a:rPr lang="en-US" sz="1800" b="0" i="0" u="none" strike="noStrike" cap="none">
+                <a:solidFill>
+                  <a:srgbClr val="000000"/>
+                </a:solidFill>
+                <a:effectLst/>
+                <a:latin typeface="Arial"/>
+                <a:ea typeface="Arial"/>
+                <a:cs typeface="Arial"/>
+                <a:sym typeface="Arial"/>
+              </a:rPr>
+              <a:t>We are currently using unsupervised clustering followed by a matching and sampling procedure to simulate a randomization process to create a treatment and control group. After that is done, we use statistical tests such as the T-test to generate causal insight. As a standard test of the null hypothesis, every time a test is run, we assume the sentencing for the treatment group ( black population), is the same as that of the control group (the white population) and based on the statistical significance and sample distribution, we decide whether we should reject the null and claim there is evidence of bias. We then quantify that bias with the treatment effect mean and confidence interval and store the results for UX visualizations to engage with our users.</a:t>
+            </a:r>
+            <a:endParaRPr lang="en-US" sz="3200" b="0" i="0" u="none" strike="noStrike">
+              <a:solidFill>
+                <a:srgbClr val="000000"/>
+              </a:solidFill>
+              <a:effectLst/>
+              <a:latin typeface="Arial" panose="020B0604020202020204" pitchFamily="34" charset="0"/>
+            </a:endParaRPr>
+          </a:p>
+          <a:p>
+            <a:pPr rtl="0" fontAlgn="base">
+              <a:spcBef>
+                <a:spcPts val="0"/>
+              </a:spcBef>
+              <a:spcAft>
+                <a:spcPts val="0"/>
+              </a:spcAft>
+              <a:buFont typeface="Arial" panose="020B0604020202020204" pitchFamily="34" charset="0"/>
+              <a:buChar char="•"/>
+            </a:pPr>
+            <a:endParaRPr lang="en-US" sz="1800" b="0" i="0" u="none" strike="noStrike">
+              <a:solidFill>
+                <a:srgbClr val="000000"/>
+              </a:solidFill>
+              <a:effectLst/>
+              <a:latin typeface="Arial" panose="020B0604020202020204" pitchFamily="34" charset="0"/>
+            </a:endParaRPr>
+          </a:p>
+        </p:txBody>
+      </p:sp>
+    </p:spTree>
+    <p:extLst>
+      <p:ext uri="{BB962C8B-B14F-4D97-AF65-F5344CB8AC3E}">
+        <p14:creationId xmlns:p14="http://schemas.microsoft.com/office/powerpoint/2010/main" val="622348654"/>
+      </p:ext>
+    </p:extLst>
+  </p:cSld>
+  <p:clrMapOvr>
+    <a:masterClrMapping/>
+  </p:clrMapOvr>
+</p:notes>
+</file>
+
+<file path=ppt/notesSlides/notesSlide7.xml><?xml version="1.0" encoding="utf-8"?>
+<p:notes xmlns:a="http://schemas.openxmlformats.org/drawingml/2006/main" xmlns:r="http://schemas.openxmlformats.org/officeDocument/2006/relationships" xmlns:p="http://schemas.openxmlformats.org/presentationml/2006/main" showMasterSp="0" showMasterPhAnim="0">
+  <p:cSld>
+    <p:spTree>
+      <p:nvGrpSpPr>
+        <p:cNvPr id="1" name="Shape 648"/>
+        <p:cNvGrpSpPr/>
+        <p:nvPr/>
+      </p:nvGrpSpPr>
+      <p:grpSpPr>
+        <a:xfrm>
+          <a:off x="0" y="0"/>
+          <a:ext cx="0" cy="0"/>
+          <a:chOff x="0" y="0"/>
+          <a:chExt cx="0" cy="0"/>
+        </a:xfrm>
+      </p:grpSpPr>
+      <p:sp>
+        <p:nvSpPr>
+          <p:cNvPr id="649" name="Google Shape;649;g75f465780c_0_1803:notes"/>
+          <p:cNvSpPr>
+            <a:spLocks noGrp="1" noRot="1" noChangeAspect="1"/>
+          </p:cNvSpPr>
+          <p:nvPr>
+            <p:ph type="sldImg" idx="2"/>
+          </p:nvPr>
+        </p:nvSpPr>
+        <p:spPr>
+          <a:xfrm>
+            <a:off x="381000" y="685800"/>
+            <a:ext cx="6096000" cy="3429000"/>
+          </a:xfrm>
+          <a:custGeom>
+            <a:avLst/>
+            <a:gdLst/>
+            <a:ahLst/>
+            <a:cxnLst/>
+            <a:rect l="l" t="t" r="r" b="b"/>
+            <a:pathLst>
+              <a:path w="120000" h="120000" extrusionOk="0">
+                <a:moveTo>
+                  <a:pt x="0" y="0"/>
+                </a:moveTo>
+                <a:lnTo>
+                  <a:pt x="120000" y="0"/>
+                </a:lnTo>
+                <a:lnTo>
+                  <a:pt x="120000" y="120000"/>
+                </a:lnTo>
+                <a:lnTo>
+                  <a:pt x="0" y="120000"/>
+                </a:lnTo>
+                <a:close/>
+              </a:path>
+            </a:pathLst>
+          </a:custGeom>
+        </p:spPr>
+      </p:sp>
+      <p:sp>
+        <p:nvSpPr>
+          <p:cNvPr id="650" name="Google Shape;650;g75f465780c_0_1803:notes"/>
+          <p:cNvSpPr txBox="1">
+            <a:spLocks noGrp="1"/>
+          </p:cNvSpPr>
+          <p:nvPr>
+            <p:ph type="body" idx="1"/>
+          </p:nvPr>
+        </p:nvSpPr>
+        <p:spPr>
+          <a:xfrm>
+            <a:off x="685800" y="4343400"/>
+            <a:ext cx="5486400" cy="4114800"/>
+          </a:xfrm>
+          <a:prstGeom prst="rect">
+            <a:avLst/>
+          </a:prstGeom>
+        </p:spPr>
+        <p:txBody>
+          <a:bodyPr spcFirstLastPara="1" wrap="square" lIns="91425" tIns="91425" rIns="91425" bIns="91425" anchor="t" anchorCtr="0">
+            <a:noAutofit/>
+          </a:bodyPr>
+          <a:lstStyle/>
+          <a:p>
+            <a:pPr marL="158750" indent="0" rtl="0">
+              <a:spcBef>
+                <a:spcPts val="1800"/>
+              </a:spcBef>
+              <a:spcAft>
+                <a:spcPts val="600"/>
+              </a:spcAft>
+              <a:buNone/>
+            </a:pPr>
+            <a:r>
               <a:rPr lang="en-US" sz="1100" b="0" i="0" u="none" strike="noStrike" cap="none" dirty="0">
                 <a:solidFill>
                   <a:srgbClr val="000000"/>
@@ -3719,7 +3905,7 @@
 </p:notes>
 </file>
 
-<file path=ppt/notesSlides/notesSlide7.xml><?xml version="1.0" encoding="utf-8"?>
+<file path=ppt/notesSlides/notesSlide8.xml><?xml version="1.0" encoding="utf-8"?>
 <p:notes xmlns:a="http://schemas.openxmlformats.org/drawingml/2006/main" xmlns:r="http://schemas.openxmlformats.org/officeDocument/2006/relationships" xmlns:p="http://schemas.openxmlformats.org/presentationml/2006/main" showMasterSp="0" showMasterPhAnim="0">
   <p:cSld>
     <p:spTree>
@@ -25134,13 +25320,13 @@
   <p:clrMapOvr>
     <a:masterClrMapping/>
   </p:clrMapOvr>
-  <mc:AlternateContent xmlns:mc="http://schemas.openxmlformats.org/markup-compatibility/2006">
-    <mc:Choice xmlns:p14="http://schemas.microsoft.com/office/powerpoint/2010/main" Requires="p14">
+  <mc:AlternateContent xmlns:mc="http://schemas.openxmlformats.org/markup-compatibility/2006" xmlns:p14="http://schemas.microsoft.com/office/powerpoint/2010/main">
+    <mc:Choice Requires="p14">
       <p:transition spd="slow" p14:dur="3400">
         <p14:reveal/>
       </p:transition>
     </mc:Choice>
-    <mc:Fallback>
+    <mc:Fallback xmlns="">
       <p:transition spd="slow">
         <p:fade/>
       </p:transition>
@@ -27052,6 +27238,2094 @@
           <p:cNvPr id="31" name="TextBox 30">
             <a:extLst>
               <a:ext uri="{FF2B5EF4-FFF2-40B4-BE49-F238E27FC236}">
+                <a16:creationId xmlns:a16="http://schemas.microsoft.com/office/drawing/2014/main" id="{83303F25-04CE-4148-AE22-552B5BF809ED}"/>
+              </a:ext>
+            </a:extLst>
+          </p:cNvPr>
+          <p:cNvSpPr txBox="1"/>
+          <p:nvPr/>
+        </p:nvSpPr>
+        <p:spPr>
+          <a:xfrm>
+            <a:off x="9024126" y="3837412"/>
+            <a:ext cx="2404742" cy="769441"/>
+          </a:xfrm>
+          <a:prstGeom prst="rect">
+            <a:avLst/>
+          </a:prstGeom>
+          <a:noFill/>
+        </p:spPr>
+        <p:txBody>
+          <a:bodyPr wrap="square" rtlCol="0">
+            <a:spAutoFit/>
+          </a:bodyPr>
+          <a:lstStyle/>
+          <a:p>
+            <a:r>
+              <a:rPr lang="en-US" sz="1100" b="1" dirty="0">
+                <a:solidFill>
+                  <a:schemeClr val="accent5"/>
+                </a:solidFill>
+              </a:rPr>
+              <a:t>Model Inputs</a:t>
+            </a:r>
+            <a:r>
+              <a:rPr lang="en-US" sz="1100" dirty="0">
+                <a:solidFill>
+                  <a:schemeClr val="accent5"/>
+                </a:solidFill>
+              </a:rPr>
+              <a:t>: Age, Gender, </a:t>
+            </a:r>
+            <a:r>
+              <a:rPr lang="en-US" sz="1100" dirty="0" err="1">
+                <a:solidFill>
+                  <a:schemeClr val="accent5"/>
+                </a:solidFill>
+              </a:rPr>
+              <a:t>Totpts</a:t>
+            </a:r>
+            <a:r>
+              <a:rPr lang="en-US" sz="1100" dirty="0">
+                <a:solidFill>
+                  <a:schemeClr val="accent5"/>
+                </a:solidFill>
+              </a:rPr>
+              <a:t>. </a:t>
+            </a:r>
+          </a:p>
+          <a:p>
+            <a:r>
+              <a:rPr lang="en-US" sz="1100" b="1">
+                <a:solidFill>
+                  <a:schemeClr val="accent5"/>
+                </a:solidFill>
+              </a:rPr>
+              <a:t>Segmented by</a:t>
+            </a:r>
+            <a:r>
+              <a:rPr lang="en-US" sz="1100">
+                <a:solidFill>
+                  <a:schemeClr val="accent5"/>
+                </a:solidFill>
+              </a:rPr>
+              <a:t> </a:t>
+            </a:r>
+            <a:r>
+              <a:rPr lang="en-US" sz="1100" dirty="0">
+                <a:solidFill>
+                  <a:schemeClr val="accent5"/>
+                </a:solidFill>
+              </a:rPr>
+              <a:t>Crime Type</a:t>
+            </a:r>
+            <a:r>
+              <a:rPr lang="en-US" sz="1100">
+                <a:solidFill>
+                  <a:schemeClr val="accent5"/>
+                </a:solidFill>
+              </a:rPr>
+              <a:t>, geo-locations,</a:t>
+            </a:r>
+            <a:r>
+              <a:rPr lang="en-US" sz="1100" b="1">
+                <a:solidFill>
+                  <a:schemeClr val="accent5"/>
+                </a:solidFill>
+              </a:rPr>
+              <a:t> </a:t>
+            </a:r>
+            <a:r>
+              <a:rPr lang="en-US" sz="1100">
+                <a:solidFill>
+                  <a:schemeClr val="accent5"/>
+                </a:solidFill>
+              </a:rPr>
+              <a:t>*Judge</a:t>
+            </a:r>
+            <a:endParaRPr lang="en-US" sz="1100" dirty="0">
+              <a:solidFill>
+                <a:schemeClr val="accent5"/>
+              </a:solidFill>
+            </a:endParaRPr>
+          </a:p>
+        </p:txBody>
+      </p:sp>
+      <p:sp>
+        <p:nvSpPr>
+          <p:cNvPr id="32" name="TextBox 31">
+            <a:extLst>
+              <a:ext uri="{FF2B5EF4-FFF2-40B4-BE49-F238E27FC236}">
+                <a16:creationId xmlns:a16="http://schemas.microsoft.com/office/drawing/2014/main" id="{A9408A4D-7598-5E4A-A2FD-3375A50ACE5F}"/>
+              </a:ext>
+            </a:extLst>
+          </p:cNvPr>
+          <p:cNvSpPr txBox="1"/>
+          <p:nvPr/>
+        </p:nvSpPr>
+        <p:spPr>
+          <a:xfrm>
+            <a:off x="9081746" y="6026239"/>
+            <a:ext cx="2404742" cy="769441"/>
+          </a:xfrm>
+          <a:prstGeom prst="rect">
+            <a:avLst/>
+          </a:prstGeom>
+          <a:noFill/>
+        </p:spPr>
+        <p:txBody>
+          <a:bodyPr wrap="square" rtlCol="0">
+            <a:spAutoFit/>
+          </a:bodyPr>
+          <a:lstStyle/>
+          <a:p>
+            <a:r>
+              <a:rPr lang="en-US" sz="1100" b="1" dirty="0">
+                <a:solidFill>
+                  <a:schemeClr val="accent5"/>
+                </a:solidFill>
+              </a:rPr>
+              <a:t>Model Output</a:t>
+            </a:r>
+            <a:r>
+              <a:rPr lang="en-US" sz="1100" dirty="0">
+                <a:solidFill>
+                  <a:schemeClr val="accent5"/>
+                </a:solidFill>
+              </a:rPr>
+              <a:t>: Sentence Difference in Days, confidence interval and p-value for the Difference</a:t>
+            </a:r>
+          </a:p>
+        </p:txBody>
+      </p:sp>
+    </p:spTree>
+    <p:extLst>
+      <p:ext uri="{BB962C8B-B14F-4D97-AF65-F5344CB8AC3E}">
+        <p14:creationId xmlns:p14="http://schemas.microsoft.com/office/powerpoint/2010/main" val="1285128099"/>
+      </p:ext>
+    </p:extLst>
+  </p:cSld>
+  <p:clrMapOvr>
+    <a:masterClrMapping/>
+  </p:clrMapOvr>
+  <mc:AlternateContent xmlns:mc="http://schemas.openxmlformats.org/markup-compatibility/2006" xmlns:p14="http://schemas.microsoft.com/office/powerpoint/2010/main">
+    <mc:Choice Requires="p14">
+      <p:transition spd="slow" p14:dur="3400">
+        <p14:reveal/>
+      </p:transition>
+    </mc:Choice>
+    <mc:Fallback xmlns="">
+      <p:transition spd="slow">
+        <p:fade/>
+      </p:transition>
+    </mc:Fallback>
+  </mc:AlternateContent>
+</p:sld>
+</file>
+
+<file path=ppt/slides/slide4.xml><?xml version="1.0" encoding="utf-8"?>
+<p:sld xmlns:a="http://schemas.openxmlformats.org/drawingml/2006/main" xmlns:r="http://schemas.openxmlformats.org/officeDocument/2006/relationships" xmlns:p="http://schemas.openxmlformats.org/presentationml/2006/main">
+  <p:cSld>
+    <p:spTree>
+      <p:nvGrpSpPr>
+        <p:cNvPr id="1" name=""/>
+        <p:cNvGrpSpPr/>
+        <p:nvPr/>
+      </p:nvGrpSpPr>
+      <p:grpSpPr>
+        <a:xfrm>
+          <a:off x="0" y="0"/>
+          <a:ext cx="0" cy="0"/>
+          <a:chOff x="0" y="0"/>
+          <a:chExt cx="0" cy="0"/>
+        </a:xfrm>
+      </p:grpSpPr>
+      <p:sp>
+        <p:nvSpPr>
+          <p:cNvPr id="119" name="Rectangle 118">
+            <a:extLst>
+              <a:ext uri="{FF2B5EF4-FFF2-40B4-BE49-F238E27FC236}">
+                <a16:creationId xmlns:a16="http://schemas.microsoft.com/office/drawing/2014/main" id="{021114F5-194D-46DB-A300-4B8B395064F2}"/>
+              </a:ext>
+            </a:extLst>
+          </p:cNvPr>
+          <p:cNvSpPr/>
+          <p:nvPr/>
+        </p:nvSpPr>
+        <p:spPr>
+          <a:xfrm>
+            <a:off x="9064917" y="1213630"/>
+            <a:ext cx="2438400" cy="5564463"/>
+          </a:xfrm>
+          <a:prstGeom prst="rect">
+            <a:avLst/>
+          </a:prstGeom>
+          <a:solidFill>
+            <a:schemeClr val="tx1"/>
+          </a:solidFill>
+          <a:ln>
+            <a:solidFill>
+              <a:schemeClr val="tx1"/>
+            </a:solidFill>
+          </a:ln>
+        </p:spPr>
+        <p:style>
+          <a:lnRef idx="2">
+            <a:schemeClr val="accent1">
+              <a:shade val="50000"/>
+            </a:schemeClr>
+          </a:lnRef>
+          <a:fillRef idx="1">
+            <a:schemeClr val="accent1"/>
+          </a:fillRef>
+          <a:effectRef idx="0">
+            <a:schemeClr val="accent1"/>
+          </a:effectRef>
+          <a:fontRef idx="minor">
+            <a:schemeClr val="lt1"/>
+          </a:fontRef>
+        </p:style>
+        <p:txBody>
+          <a:bodyPr rtlCol="0" anchor="ctr"/>
+          <a:lstStyle/>
+          <a:p>
+            <a:pPr algn="ctr"/>
+            <a:endParaRPr lang="en-US" sz="2400"/>
+          </a:p>
+        </p:txBody>
+      </p:sp>
+      <p:sp>
+        <p:nvSpPr>
+          <p:cNvPr id="11" name="Title 10">
+            <a:extLst>
+              <a:ext uri="{FF2B5EF4-FFF2-40B4-BE49-F238E27FC236}">
+                <a16:creationId xmlns:a16="http://schemas.microsoft.com/office/drawing/2014/main" id="{37E23F2F-855D-4E5D-AFB5-36CDAD70EC34}"/>
+              </a:ext>
+            </a:extLst>
+          </p:cNvPr>
+          <p:cNvSpPr>
+            <a:spLocks noGrp="1"/>
+          </p:cNvSpPr>
+          <p:nvPr>
+            <p:ph type="title"/>
+          </p:nvPr>
+        </p:nvSpPr>
+        <p:spPr>
+          <a:xfrm>
+            <a:off x="413359" y="50875"/>
+            <a:ext cx="10972800" cy="772728"/>
+          </a:xfrm>
+        </p:spPr>
+        <p:txBody>
+          <a:bodyPr>
+            <a:normAutofit fontScale="90000"/>
+          </a:bodyPr>
+          <a:lstStyle/>
+          <a:p>
+            <a:pPr algn="ctr"/>
+            <a:r>
+              <a:rPr lang="en-US" sz="4000" dirty="0">
+                <a:latin typeface="Segoe UI" panose="020B0502040204020203" pitchFamily="34" charset="0"/>
+                <a:cs typeface="Segoe UI" panose="020B0502040204020203" pitchFamily="34" charset="0"/>
+              </a:rPr>
+              <a:t>DAATE MVP Causal Model Architecture</a:t>
+            </a:r>
+          </a:p>
+        </p:txBody>
+      </p:sp>
+      <p:sp>
+        <p:nvSpPr>
+          <p:cNvPr id="115" name="Rectangle 114">
+            <a:extLst>
+              <a:ext uri="{FF2B5EF4-FFF2-40B4-BE49-F238E27FC236}">
+                <a16:creationId xmlns:a16="http://schemas.microsoft.com/office/drawing/2014/main" id="{685F49E4-53E7-41BA-ABAA-9153A7ED27D0}"/>
+              </a:ext>
+            </a:extLst>
+          </p:cNvPr>
+          <p:cNvSpPr/>
+          <p:nvPr/>
+        </p:nvSpPr>
+        <p:spPr>
+          <a:xfrm>
+            <a:off x="61968" y="2949385"/>
+            <a:ext cx="1543120" cy="415498"/>
+          </a:xfrm>
+          <a:prstGeom prst="rect">
+            <a:avLst/>
+          </a:prstGeom>
+        </p:spPr>
+        <p:txBody>
+          <a:bodyPr wrap="square" lIns="121920" tIns="60960" rIns="121920" bIns="60960" anchor="t">
+            <a:spAutoFit/>
+          </a:bodyPr>
+          <a:lstStyle/>
+          <a:p>
+            <a:pPr defTabSz="913881">
+              <a:lnSpc>
+                <a:spcPct val="95000"/>
+              </a:lnSpc>
+              <a:spcBef>
+                <a:spcPct val="0"/>
+              </a:spcBef>
+              <a:spcAft>
+                <a:spcPct val="0"/>
+              </a:spcAft>
+              <a:defRPr/>
+            </a:pPr>
+            <a:r>
+              <a:rPr lang="en-US" sz="1000" b="1" spc="49" dirty="0">
+                <a:solidFill>
+                  <a:srgbClr val="F7F2E2"/>
+                </a:solidFill>
+                <a:latin typeface="Segoe UI Semibold"/>
+                <a:cs typeface="Segoe UI Semibold"/>
+              </a:rPr>
+              <a:t>Florida Department Of Corrections</a:t>
+            </a:r>
+            <a:endParaRPr lang="en-US" sz="2400" dirty="0">
+              <a:solidFill>
+                <a:srgbClr val="F7F2E2"/>
+              </a:solidFill>
+            </a:endParaRPr>
+          </a:p>
+        </p:txBody>
+      </p:sp>
+      <p:pic>
+        <p:nvPicPr>
+          <p:cNvPr id="46" name="Picture 45" descr="Logo&#10;&#10;Description automatically generated">
+            <a:extLst>
+              <a:ext uri="{FF2B5EF4-FFF2-40B4-BE49-F238E27FC236}">
+                <a16:creationId xmlns:a16="http://schemas.microsoft.com/office/drawing/2014/main" id="{AE548326-FB5F-4D36-B2A5-7BFF42ED2E7C}"/>
+              </a:ext>
+            </a:extLst>
+          </p:cNvPr>
+          <p:cNvPicPr>
+            <a:picLocks noChangeAspect="1"/>
+          </p:cNvPicPr>
+          <p:nvPr/>
+        </p:nvPicPr>
+        <p:blipFill>
+          <a:blip r:embed="rId3"/>
+          <a:stretch>
+            <a:fillRect/>
+          </a:stretch>
+        </p:blipFill>
+        <p:spPr>
+          <a:xfrm>
+            <a:off x="228470" y="1862288"/>
+            <a:ext cx="1014849" cy="1014849"/>
+          </a:xfrm>
+          <a:prstGeom prst="rect">
+            <a:avLst/>
+          </a:prstGeom>
+        </p:spPr>
+      </p:pic>
+      <p:sp>
+        <p:nvSpPr>
+          <p:cNvPr id="92" name="Rectangle 91">
+            <a:extLst>
+              <a:ext uri="{FF2B5EF4-FFF2-40B4-BE49-F238E27FC236}">
+                <a16:creationId xmlns:a16="http://schemas.microsoft.com/office/drawing/2014/main" id="{62E0DA5E-720F-479C-AF3A-9E634D5BBCB0}"/>
+              </a:ext>
+            </a:extLst>
+          </p:cNvPr>
+          <p:cNvSpPr/>
+          <p:nvPr/>
+        </p:nvSpPr>
+        <p:spPr bwMode="auto">
+          <a:xfrm>
+            <a:off x="1895583" y="1198521"/>
+            <a:ext cx="6789404" cy="5579572"/>
+          </a:xfrm>
+          <a:prstGeom prst="rect">
+            <a:avLst/>
+          </a:prstGeom>
+          <a:solidFill>
+            <a:srgbClr val="FFFFFF"/>
+          </a:solidFill>
+          <a:ln w="9525" cap="flat" cmpd="sng" algn="ctr">
+            <a:solidFill>
+              <a:srgbClr val="000000"/>
+            </a:solidFill>
+            <a:prstDash val="solid"/>
+            <a:headEnd type="none" w="med" len="med"/>
+            <a:tailEnd type="none" w="med" len="med"/>
+          </a:ln>
+          <a:effectLst>
+            <a:outerShdw blurRad="65500" dist="38100" dir="5400000" rotWithShape="0">
+              <a:srgbClr val="000000">
+                <a:alpha val="40000"/>
+              </a:srgbClr>
+            </a:outerShdw>
+          </a:effectLst>
+        </p:spPr>
+        <p:txBody>
+          <a:bodyPr vert="horz" wrap="square" lIns="121915" tIns="60957" rIns="121915" bIns="60957" numCol="1" rtlCol="0" anchor="t" anchorCtr="0" compatLnSpc="1">
+            <a:prstTxWarp prst="textNoShape">
+              <a:avLst/>
+            </a:prstTxWarp>
+          </a:bodyPr>
+          <a:lstStyle/>
+          <a:p>
+            <a:pPr algn="ctr" defTabSz="1218768" fontAlgn="base">
+              <a:spcBef>
+                <a:spcPct val="0"/>
+              </a:spcBef>
+              <a:spcAft>
+                <a:spcPct val="0"/>
+              </a:spcAft>
+              <a:defRPr/>
+            </a:pPr>
+            <a:endParaRPr lang="en-US" sz="2400" dirty="0">
+              <a:solidFill>
+                <a:srgbClr val="000000"/>
+              </a:solidFill>
+              <a:latin typeface="Segoe UI"/>
+              <a:cs typeface="Arial"/>
+              <a:sym typeface="Arial"/>
+            </a:endParaRPr>
+          </a:p>
+        </p:txBody>
+      </p:sp>
+      <p:sp>
+        <p:nvSpPr>
+          <p:cNvPr id="93" name="Rounded Rectangle 11">
+            <a:extLst>
+              <a:ext uri="{FF2B5EF4-FFF2-40B4-BE49-F238E27FC236}">
+                <a16:creationId xmlns:a16="http://schemas.microsoft.com/office/drawing/2014/main" id="{7999C9E9-E149-4E5F-907E-57BA989539A3}"/>
+              </a:ext>
+            </a:extLst>
+          </p:cNvPr>
+          <p:cNvSpPr/>
+          <p:nvPr/>
+        </p:nvSpPr>
+        <p:spPr bwMode="auto">
+          <a:xfrm>
+            <a:off x="4651222" y="1913650"/>
+            <a:ext cx="2497073" cy="912123"/>
+          </a:xfrm>
+          <a:prstGeom prst="roundRect">
+            <a:avLst/>
+          </a:prstGeom>
+          <a:gradFill rotWithShape="1">
+            <a:gsLst>
+              <a:gs pos="0">
+                <a:srgbClr val="3A94D2">
+                  <a:tint val="65000"/>
+                  <a:satMod val="270000"/>
+                </a:srgbClr>
+              </a:gs>
+              <a:gs pos="25000">
+                <a:srgbClr val="3A94D2">
+                  <a:tint val="60000"/>
+                  <a:satMod val="300000"/>
+                </a:srgbClr>
+              </a:gs>
+              <a:gs pos="100000">
+                <a:srgbClr val="3A94D2">
+                  <a:tint val="29000"/>
+                  <a:satMod val="400000"/>
+                </a:srgbClr>
+              </a:gs>
+            </a:gsLst>
+            <a:lin ang="16200000" scaled="1"/>
+          </a:gradFill>
+          <a:ln w="9525" cap="flat" cmpd="sng" algn="ctr">
+            <a:solidFill>
+              <a:srgbClr val="3A94D2">
+                <a:satMod val="150000"/>
+              </a:srgbClr>
+            </a:solidFill>
+            <a:prstDash val="solid"/>
+            <a:headEnd type="none" w="med" len="med"/>
+            <a:tailEnd type="none" w="med" len="med"/>
+          </a:ln>
+          <a:effectLst>
+            <a:outerShdw blurRad="65500" dist="38100" dir="5400000" rotWithShape="0">
+              <a:srgbClr val="000000">
+                <a:alpha val="40000"/>
+              </a:srgbClr>
+            </a:outerShdw>
+          </a:effectLst>
+        </p:spPr>
+        <p:txBody>
+          <a:bodyPr vert="horz" wrap="square" lIns="121915" tIns="60957" rIns="121915" bIns="60957" numCol="1" rtlCol="0" anchor="ctr" anchorCtr="0" compatLnSpc="1">
+            <a:prstTxWarp prst="textNoShape">
+              <a:avLst/>
+            </a:prstTxWarp>
+          </a:bodyPr>
+          <a:lstStyle/>
+          <a:p>
+            <a:pPr algn="ctr" defTabSz="1218768" fontAlgn="base">
+              <a:spcBef>
+                <a:spcPct val="0"/>
+              </a:spcBef>
+              <a:spcAft>
+                <a:spcPct val="0"/>
+              </a:spcAft>
+              <a:defRPr/>
+            </a:pPr>
+            <a:r>
+              <a:rPr lang="en-US" sz="1867" dirty="0">
+                <a:gradFill>
+                  <a:gsLst>
+                    <a:gs pos="0">
+                      <a:srgbClr val="FFFFFF"/>
+                    </a:gs>
+                    <a:gs pos="100000">
+                      <a:srgbClr val="FFFFFF"/>
+                    </a:gs>
+                  </a:gsLst>
+                  <a:lin ang="5400000" scaled="0"/>
+                </a:gradFill>
+                <a:latin typeface="Segoe UI"/>
+                <a:cs typeface="Arial"/>
+                <a:sym typeface="Arial"/>
+              </a:rPr>
+              <a:t>EDA, Cleansing etc.</a:t>
+            </a:r>
+          </a:p>
+        </p:txBody>
+      </p:sp>
+      <p:grpSp>
+        <p:nvGrpSpPr>
+          <p:cNvPr id="94" name="Group 116">
+            <a:extLst>
+              <a:ext uri="{FF2B5EF4-FFF2-40B4-BE49-F238E27FC236}">
+                <a16:creationId xmlns:a16="http://schemas.microsoft.com/office/drawing/2014/main" id="{01C0FB8C-2F2B-4170-8394-77AC09698548}"/>
+              </a:ext>
+            </a:extLst>
+          </p:cNvPr>
+          <p:cNvGrpSpPr/>
+          <p:nvPr/>
+        </p:nvGrpSpPr>
+        <p:grpSpPr>
+          <a:xfrm>
+            <a:off x="9554657" y="2758884"/>
+            <a:ext cx="986755" cy="1016000"/>
+            <a:chOff x="555334" y="4191000"/>
+            <a:chExt cx="587666" cy="609600"/>
+          </a:xfrm>
+        </p:grpSpPr>
+        <p:pic>
+          <p:nvPicPr>
+            <p:cNvPr id="95" name="Picture 3" descr="C:\Documents and Settings\antonk\Local Settings\Temporary Internet Files\Content.IE5\AV78XKCM\MCj04348450000[1].png">
+              <a:extLst>
+                <a:ext uri="{FF2B5EF4-FFF2-40B4-BE49-F238E27FC236}">
+                  <a16:creationId xmlns:a16="http://schemas.microsoft.com/office/drawing/2014/main" id="{720CBC3A-E74E-4FC7-B8E4-D26AE90673E2}"/>
+                </a:ext>
+              </a:extLst>
+            </p:cNvPr>
+            <p:cNvPicPr>
+              <a:picLocks noChangeAspect="1" noChangeArrowheads="1"/>
+            </p:cNvPicPr>
+            <p:nvPr/>
+          </p:nvPicPr>
+          <p:blipFill>
+            <a:blip r:embed="rId4" cstate="print"/>
+            <a:srcRect/>
+            <a:stretch>
+              <a:fillRect/>
+            </a:stretch>
+          </p:blipFill>
+          <p:spPr bwMode="auto">
+            <a:xfrm>
+              <a:off x="555334" y="4191000"/>
+              <a:ext cx="587666" cy="527538"/>
+            </a:xfrm>
+            <a:prstGeom prst="rect">
+              <a:avLst/>
+            </a:prstGeom>
+            <a:noFill/>
+          </p:spPr>
+        </p:pic>
+        <p:sp>
+          <p:nvSpPr>
+            <p:cNvPr id="96" name="Can 21">
+              <a:extLst>
+                <a:ext uri="{FF2B5EF4-FFF2-40B4-BE49-F238E27FC236}">
+                  <a16:creationId xmlns:a16="http://schemas.microsoft.com/office/drawing/2014/main" id="{34A24359-6A92-4311-B53B-0BE9DAB6053B}"/>
+                </a:ext>
+              </a:extLst>
+            </p:cNvPr>
+            <p:cNvSpPr/>
+            <p:nvPr/>
+          </p:nvSpPr>
+          <p:spPr>
+            <a:xfrm>
+              <a:off x="860133" y="4419600"/>
+              <a:ext cx="228600" cy="381000"/>
+            </a:xfrm>
+            <a:prstGeom prst="can">
+              <a:avLst/>
+            </a:prstGeom>
+            <a:gradFill rotWithShape="1">
+              <a:gsLst>
+                <a:gs pos="0">
+                  <a:srgbClr val="3A94D2">
+                    <a:shade val="45000"/>
+                    <a:satMod val="155000"/>
+                  </a:srgbClr>
+                </a:gs>
+                <a:gs pos="60000">
+                  <a:srgbClr val="3A94D2">
+                    <a:shade val="95000"/>
+                    <a:satMod val="150000"/>
+                  </a:srgbClr>
+                </a:gs>
+                <a:gs pos="100000">
+                  <a:srgbClr val="3A94D2">
+                    <a:tint val="87000"/>
+                    <a:satMod val="250000"/>
+                  </a:srgbClr>
+                </a:gs>
+              </a:gsLst>
+              <a:lin ang="16200000" scaled="0"/>
+            </a:gradFill>
+            <a:ln>
+              <a:noFill/>
+            </a:ln>
+            <a:effectLst>
+              <a:outerShdw blurRad="65500" dist="38100" dir="5400000" rotWithShape="0">
+                <a:srgbClr val="000000">
+                  <a:alpha val="40000"/>
+                </a:srgbClr>
+              </a:outerShdw>
+            </a:effectLst>
+            <a:scene3d>
+              <a:camera prst="orthographicFront" fov="0">
+                <a:rot lat="0" lon="0" rev="0"/>
+              </a:camera>
+              <a:lightRig rig="contrasting" dir="t">
+                <a:rot lat="0" lon="0" rev="12000000"/>
+              </a:lightRig>
+            </a:scene3d>
+            <a:sp3d prstMaterial="powder">
+              <a:bevelT h="50800"/>
+            </a:sp3d>
+          </p:spPr>
+          <p:txBody>
+            <a:bodyPr rtlCol="0" anchor="ctr"/>
+            <a:lstStyle/>
+            <a:p>
+              <a:pPr algn="ctr" defTabSz="1219120">
+                <a:defRPr/>
+              </a:pPr>
+              <a:endParaRPr lang="en-US" sz="1600">
+                <a:solidFill>
+                  <a:srgbClr val="8557C9">
+                    <a:lumMod val="25000"/>
+                  </a:srgbClr>
+                </a:solidFill>
+                <a:latin typeface="Segoe UI"/>
+                <a:cs typeface="Arial" pitchFamily="34" charset="0"/>
+                <a:sym typeface="Arial"/>
+              </a:endParaRPr>
+            </a:p>
+          </p:txBody>
+        </p:sp>
+      </p:grpSp>
+      <p:pic>
+        <p:nvPicPr>
+          <p:cNvPr id="97" name="Picture 2" descr="Bloomberg Professional Service">
+            <a:extLst>
+              <a:ext uri="{FF2B5EF4-FFF2-40B4-BE49-F238E27FC236}">
+                <a16:creationId xmlns:a16="http://schemas.microsoft.com/office/drawing/2014/main" id="{CFD5134D-7AE3-4851-984E-FC7483353F51}"/>
+              </a:ext>
+            </a:extLst>
+          </p:cNvPr>
+          <p:cNvPicPr>
+            <a:picLocks noChangeAspect="1" noChangeArrowheads="1"/>
+          </p:cNvPicPr>
+          <p:nvPr/>
+        </p:nvPicPr>
+        <p:blipFill>
+          <a:blip r:embed="rId5" cstate="print"/>
+          <a:srcRect l="2614" t="12749" r="3268" b="39442"/>
+          <a:stretch>
+            <a:fillRect/>
+          </a:stretch>
+        </p:blipFill>
+        <p:spPr bwMode="auto">
+          <a:xfrm>
+            <a:off x="9413369" y="1887939"/>
+            <a:ext cx="1930400" cy="804333"/>
+          </a:xfrm>
+          <a:prstGeom prst="rect">
+            <a:avLst/>
+          </a:prstGeom>
+          <a:noFill/>
+        </p:spPr>
+      </p:pic>
+      <p:cxnSp>
+        <p:nvCxnSpPr>
+          <p:cNvPr id="98" name="Curved Connector 24">
+            <a:extLst>
+              <a:ext uri="{FF2B5EF4-FFF2-40B4-BE49-F238E27FC236}">
+                <a16:creationId xmlns:a16="http://schemas.microsoft.com/office/drawing/2014/main" id="{9E1C9126-2517-4093-93EC-EEE17533B104}"/>
+              </a:ext>
+            </a:extLst>
+          </p:cNvPr>
+          <p:cNvCxnSpPr>
+            <a:cxnSpLocks/>
+            <a:stCxn id="93" idx="3"/>
+            <a:endCxn id="95" idx="1"/>
+          </p:cNvCxnSpPr>
+          <p:nvPr/>
+        </p:nvCxnSpPr>
+        <p:spPr>
+          <a:xfrm>
+            <a:off x="7148295" y="2369712"/>
+            <a:ext cx="2406362" cy="828787"/>
+          </a:xfrm>
+          <a:prstGeom prst="curvedConnector3">
+            <a:avLst>
+              <a:gd name="adj1" fmla="val 50000"/>
+            </a:avLst>
+          </a:prstGeom>
+          <a:noFill/>
+          <a:ln w="38100" cap="flat" cmpd="sng" algn="ctr">
+            <a:solidFill>
+              <a:srgbClr val="F38C37"/>
+            </a:solidFill>
+            <a:prstDash val="solid"/>
+            <a:tailEnd type="arrow"/>
+          </a:ln>
+          <a:effectLst>
+            <a:outerShdw blurRad="65500" dist="38100" dir="5400000" rotWithShape="0">
+              <a:srgbClr val="000000">
+                <a:alpha val="40000"/>
+              </a:srgbClr>
+            </a:outerShdw>
+          </a:effectLst>
+        </p:spPr>
+      </p:cxnSp>
+      <p:sp>
+        <p:nvSpPr>
+          <p:cNvPr id="99" name="Right Arrow 4">
+            <a:extLst>
+              <a:ext uri="{FF2B5EF4-FFF2-40B4-BE49-F238E27FC236}">
+                <a16:creationId xmlns:a16="http://schemas.microsoft.com/office/drawing/2014/main" id="{301F5C07-7FF1-4C90-8198-FC9C51216C7E}"/>
+              </a:ext>
+            </a:extLst>
+          </p:cNvPr>
+          <p:cNvSpPr/>
+          <p:nvPr/>
+        </p:nvSpPr>
+        <p:spPr bwMode="auto">
+          <a:xfrm>
+            <a:off x="1408238" y="1718424"/>
+            <a:ext cx="2837804" cy="1302579"/>
+          </a:xfrm>
+          <a:prstGeom prst="rightArrow">
+            <a:avLst/>
+          </a:prstGeom>
+          <a:gradFill rotWithShape="1">
+            <a:gsLst>
+              <a:gs pos="0">
+                <a:srgbClr val="F38C37">
+                  <a:shade val="45000"/>
+                  <a:satMod val="155000"/>
+                </a:srgbClr>
+              </a:gs>
+              <a:gs pos="60000">
+                <a:srgbClr val="F38C37">
+                  <a:shade val="95000"/>
+                  <a:satMod val="150000"/>
+                </a:srgbClr>
+              </a:gs>
+              <a:gs pos="100000">
+                <a:srgbClr val="F38C37">
+                  <a:tint val="87000"/>
+                  <a:satMod val="250000"/>
+                </a:srgbClr>
+              </a:gs>
+            </a:gsLst>
+            <a:lin ang="16200000" scaled="0"/>
+          </a:gradFill>
+          <a:ln w="9525" cap="flat" cmpd="sng" algn="ctr">
+            <a:solidFill>
+              <a:srgbClr val="F38C37">
+                <a:satMod val="150000"/>
+              </a:srgbClr>
+            </a:solidFill>
+            <a:prstDash val="solid"/>
+            <a:headEnd type="none" w="med" len="med"/>
+            <a:tailEnd type="none" w="med" len="med"/>
+          </a:ln>
+          <a:effectLst>
+            <a:outerShdw blurRad="65500" dist="38100" dir="5400000" rotWithShape="0">
+              <a:srgbClr val="000000">
+                <a:alpha val="40000"/>
+              </a:srgbClr>
+            </a:outerShdw>
+          </a:effectLst>
+        </p:spPr>
+        <p:txBody>
+          <a:bodyPr vert="horz" wrap="square" lIns="121915" tIns="60957" rIns="121915" bIns="60957" numCol="1" rtlCol="0" anchor="ctr" anchorCtr="0" compatLnSpc="1">
+            <a:prstTxWarp prst="textNoShape">
+              <a:avLst/>
+            </a:prstTxWarp>
+          </a:bodyPr>
+          <a:lstStyle/>
+          <a:p>
+            <a:pPr algn="ctr" defTabSz="1218768" fontAlgn="base">
+              <a:spcBef>
+                <a:spcPct val="0"/>
+              </a:spcBef>
+              <a:spcAft>
+                <a:spcPct val="0"/>
+              </a:spcAft>
+              <a:defRPr/>
+            </a:pPr>
+            <a:r>
+              <a:rPr lang="en-US" sz="2667" dirty="0">
+                <a:gradFill>
+                  <a:gsLst>
+                    <a:gs pos="0">
+                      <a:srgbClr val="FFFFFF"/>
+                    </a:gs>
+                    <a:gs pos="100000">
+                      <a:srgbClr val="FFFFFF"/>
+                    </a:gs>
+                  </a:gsLst>
+                  <a:lin ang="5400000" scaled="0"/>
+                </a:gradFill>
+                <a:latin typeface="Segoe UI"/>
+                <a:cs typeface="Arial"/>
+                <a:sym typeface="Arial"/>
+              </a:rPr>
+              <a:t>Data</a:t>
+            </a:r>
+          </a:p>
+        </p:txBody>
+      </p:sp>
+      <p:grpSp>
+        <p:nvGrpSpPr>
+          <p:cNvPr id="100" name="Group 99">
+            <a:extLst>
+              <a:ext uri="{FF2B5EF4-FFF2-40B4-BE49-F238E27FC236}">
+                <a16:creationId xmlns:a16="http://schemas.microsoft.com/office/drawing/2014/main" id="{CF4BF398-DC29-4145-A44F-5929ABA01800}"/>
+              </a:ext>
+            </a:extLst>
+          </p:cNvPr>
+          <p:cNvGrpSpPr/>
+          <p:nvPr/>
+        </p:nvGrpSpPr>
+        <p:grpSpPr>
+          <a:xfrm>
+            <a:off x="10682655" y="3102941"/>
+            <a:ext cx="712054" cy="626116"/>
+            <a:chOff x="3434328" y="3336433"/>
+            <a:chExt cx="1059543" cy="925108"/>
+          </a:xfrm>
+        </p:grpSpPr>
+        <p:pic>
+          <p:nvPicPr>
+            <p:cNvPr id="101" name="Picture 100">
+              <a:extLst>
+                <a:ext uri="{FF2B5EF4-FFF2-40B4-BE49-F238E27FC236}">
+                  <a16:creationId xmlns:a16="http://schemas.microsoft.com/office/drawing/2014/main" id="{7B733F0F-7616-470F-946A-7DDBCB30A8D2}"/>
+                </a:ext>
+              </a:extLst>
+            </p:cNvPr>
+            <p:cNvPicPr>
+              <a:picLocks noChangeAspect="1"/>
+            </p:cNvPicPr>
+            <p:nvPr/>
+          </p:nvPicPr>
+          <p:blipFill>
+            <a:blip r:embed="rId6" cstate="print">
+              <a:extLst>
+                <a:ext uri="{28A0092B-C50C-407E-A947-70E740481C1C}">
+                  <a14:useLocalDpi xmlns:a14="http://schemas.microsoft.com/office/drawing/2010/main"/>
+                </a:ext>
+              </a:extLst>
+            </a:blip>
+            <a:stretch>
+              <a:fillRect/>
+            </a:stretch>
+          </p:blipFill>
+          <p:spPr>
+            <a:xfrm>
+              <a:off x="3714959" y="3336433"/>
+              <a:ext cx="635521" cy="635521"/>
+            </a:xfrm>
+            <a:prstGeom prst="rect">
+              <a:avLst/>
+            </a:prstGeom>
+          </p:spPr>
+        </p:pic>
+        <p:sp>
+          <p:nvSpPr>
+            <p:cNvPr id="102" name="Rectangle 101">
+              <a:extLst>
+                <a:ext uri="{FF2B5EF4-FFF2-40B4-BE49-F238E27FC236}">
+                  <a16:creationId xmlns:a16="http://schemas.microsoft.com/office/drawing/2014/main" id="{1FD507AA-6950-4863-B20C-4A9044787D8B}"/>
+                </a:ext>
+              </a:extLst>
+            </p:cNvPr>
+            <p:cNvSpPr/>
+            <p:nvPr/>
+          </p:nvSpPr>
+          <p:spPr>
+            <a:xfrm>
+              <a:off x="3434328" y="3965953"/>
+              <a:ext cx="1059543" cy="295588"/>
+            </a:xfrm>
+            <a:prstGeom prst="rect">
+              <a:avLst/>
+            </a:prstGeom>
+          </p:spPr>
+          <p:txBody>
+            <a:bodyPr wrap="none">
+              <a:spAutoFit/>
+            </a:bodyPr>
+            <a:lstStyle/>
+            <a:p>
+              <a:pPr algn="ctr" defTabSz="932215"/>
+              <a:r>
+                <a:rPr lang="en-US" sz="700" kern="0">
+                  <a:solidFill>
+                    <a:prstClr val="white">
+                      <a:lumMod val="50000"/>
+                    </a:prstClr>
+                  </a:solidFill>
+                  <a:latin typeface="Segoe UI Semibold" panose="020B0702040204020203" pitchFamily="34" charset="0"/>
+                  <a:ea typeface="MS PGothic" panose="020B0600070205080204" pitchFamily="34" charset="-128"/>
+                  <a:cs typeface="Segoe UI Semibold" panose="020B0702040204020203" pitchFamily="34" charset="0"/>
+                  <a:sym typeface="Arial"/>
+                </a:rPr>
+                <a:t>AZURE SQL DB</a:t>
+              </a:r>
+            </a:p>
+          </p:txBody>
+        </p:sp>
+      </p:grpSp>
+      <p:sp>
+        <p:nvSpPr>
+          <p:cNvPr id="103" name="Rounded Rectangle 9">
+            <a:extLst>
+              <a:ext uri="{FF2B5EF4-FFF2-40B4-BE49-F238E27FC236}">
+                <a16:creationId xmlns:a16="http://schemas.microsoft.com/office/drawing/2014/main" id="{81413883-6C1C-4C1A-B1BB-B42D007C8525}"/>
+              </a:ext>
+            </a:extLst>
+          </p:cNvPr>
+          <p:cNvSpPr/>
+          <p:nvPr/>
+        </p:nvSpPr>
+        <p:spPr bwMode="auto">
+          <a:xfrm>
+            <a:off x="2234722" y="3130115"/>
+            <a:ext cx="3532798" cy="3380809"/>
+          </a:xfrm>
+          <a:prstGeom prst="roundRect">
+            <a:avLst/>
+          </a:prstGeom>
+          <a:solidFill>
+            <a:srgbClr val="0070C0"/>
+          </a:solidFill>
+          <a:ln w="9525" cap="flat" cmpd="sng" algn="ctr">
+            <a:solidFill>
+              <a:srgbClr val="3A94D2">
+                <a:satMod val="150000"/>
+              </a:srgbClr>
+            </a:solidFill>
+            <a:prstDash val="solid"/>
+            <a:headEnd type="none" w="med" len="med"/>
+            <a:tailEnd type="none" w="med" len="med"/>
+          </a:ln>
+          <a:effectLst>
+            <a:outerShdw blurRad="65500" dist="38100" dir="5400000" rotWithShape="0">
+              <a:srgbClr val="000000">
+                <a:alpha val="40000"/>
+              </a:srgbClr>
+            </a:outerShdw>
+          </a:effectLst>
+        </p:spPr>
+        <p:txBody>
+          <a:bodyPr vert="horz" wrap="square" lIns="121915" tIns="60957" rIns="121915" bIns="60957" numCol="1" rtlCol="0" anchor="ctr" anchorCtr="0" compatLnSpc="1">
+            <a:prstTxWarp prst="textNoShape">
+              <a:avLst/>
+            </a:prstTxWarp>
+          </a:bodyPr>
+          <a:lstStyle/>
+          <a:p>
+            <a:pPr algn="ctr" defTabSz="1218768" fontAlgn="base">
+              <a:spcBef>
+                <a:spcPct val="0"/>
+              </a:spcBef>
+              <a:spcAft>
+                <a:spcPct val="0"/>
+              </a:spcAft>
+              <a:defRPr/>
+            </a:pPr>
+            <a:endParaRPr lang="en-US" sz="2667">
+              <a:gradFill>
+                <a:gsLst>
+                  <a:gs pos="0">
+                    <a:srgbClr val="FFFFFF"/>
+                  </a:gs>
+                  <a:gs pos="100000">
+                    <a:srgbClr val="FFFFFF"/>
+                  </a:gs>
+                </a:gsLst>
+                <a:lin ang="5400000" scaled="0"/>
+              </a:gradFill>
+              <a:latin typeface="Segoe UI"/>
+              <a:cs typeface="Arial"/>
+              <a:sym typeface="Arial"/>
+            </a:endParaRPr>
+          </a:p>
+        </p:txBody>
+      </p:sp>
+      <p:sp>
+        <p:nvSpPr>
+          <p:cNvPr id="104" name="Rounded Rectangle 9">
+            <a:extLst>
+              <a:ext uri="{FF2B5EF4-FFF2-40B4-BE49-F238E27FC236}">
+                <a16:creationId xmlns:a16="http://schemas.microsoft.com/office/drawing/2014/main" id="{8F7524AC-68A6-453C-8749-2435CC547C76}"/>
+              </a:ext>
+            </a:extLst>
+          </p:cNvPr>
+          <p:cNvSpPr/>
+          <p:nvPr/>
+        </p:nvSpPr>
+        <p:spPr bwMode="auto">
+          <a:xfrm>
+            <a:off x="6465823" y="3436331"/>
+            <a:ext cx="1993345" cy="899236"/>
+          </a:xfrm>
+          <a:prstGeom prst="roundRect">
+            <a:avLst/>
+          </a:prstGeom>
+          <a:gradFill rotWithShape="1">
+            <a:gsLst>
+              <a:gs pos="0">
+                <a:srgbClr val="3A94D2">
+                  <a:tint val="65000"/>
+                  <a:satMod val="270000"/>
+                </a:srgbClr>
+              </a:gs>
+              <a:gs pos="25000">
+                <a:srgbClr val="3A94D2">
+                  <a:tint val="60000"/>
+                  <a:satMod val="300000"/>
+                </a:srgbClr>
+              </a:gs>
+              <a:gs pos="100000">
+                <a:srgbClr val="3A94D2">
+                  <a:tint val="29000"/>
+                  <a:satMod val="400000"/>
+                </a:srgbClr>
+              </a:gs>
+            </a:gsLst>
+            <a:lin ang="16200000" scaled="1"/>
+          </a:gradFill>
+          <a:ln w="9525" cap="flat" cmpd="sng" algn="ctr">
+            <a:solidFill>
+              <a:srgbClr val="3A94D2">
+                <a:satMod val="150000"/>
+              </a:srgbClr>
+            </a:solidFill>
+            <a:prstDash val="solid"/>
+            <a:headEnd type="none" w="med" len="med"/>
+            <a:tailEnd type="none" w="med" len="med"/>
+          </a:ln>
+          <a:effectLst>
+            <a:outerShdw blurRad="65500" dist="38100" dir="5400000" rotWithShape="0">
+              <a:srgbClr val="000000">
+                <a:alpha val="40000"/>
+              </a:srgbClr>
+            </a:outerShdw>
+          </a:effectLst>
+        </p:spPr>
+        <p:txBody>
+          <a:bodyPr vert="horz" wrap="square" lIns="121915" tIns="60957" rIns="121915" bIns="60957" numCol="1" rtlCol="0" anchor="ctr" anchorCtr="0" compatLnSpc="1">
+            <a:prstTxWarp prst="textNoShape">
+              <a:avLst/>
+            </a:prstTxWarp>
+          </a:bodyPr>
+          <a:lstStyle/>
+          <a:p>
+            <a:pPr algn="ctr" defTabSz="1218768" fontAlgn="base">
+              <a:spcBef>
+                <a:spcPct val="0"/>
+              </a:spcBef>
+              <a:spcAft>
+                <a:spcPct val="0"/>
+              </a:spcAft>
+              <a:defRPr/>
+            </a:pPr>
+            <a:r>
+              <a:rPr lang="en-US" dirty="0">
+                <a:gradFill>
+                  <a:gsLst>
+                    <a:gs pos="0">
+                      <a:srgbClr val="FFFFFF"/>
+                    </a:gs>
+                    <a:gs pos="100000">
+                      <a:srgbClr val="FFFFFF"/>
+                    </a:gs>
+                  </a:gsLst>
+                  <a:lin ang="5400000" scaled="0"/>
+                </a:gradFill>
+                <a:latin typeface="Segoe UI"/>
+                <a:cs typeface="Arial"/>
+                <a:sym typeface="Arial"/>
+              </a:rPr>
+              <a:t>Feature Space Identification</a:t>
+            </a:r>
+          </a:p>
+        </p:txBody>
+      </p:sp>
+      <p:sp>
+        <p:nvSpPr>
+          <p:cNvPr id="105" name="Rounded Rectangle 9">
+            <a:extLst>
+              <a:ext uri="{FF2B5EF4-FFF2-40B4-BE49-F238E27FC236}">
+                <a16:creationId xmlns:a16="http://schemas.microsoft.com/office/drawing/2014/main" id="{43C8943A-66D6-435A-8904-1BEFF40068DE}"/>
+              </a:ext>
+            </a:extLst>
+          </p:cNvPr>
+          <p:cNvSpPr/>
+          <p:nvPr/>
+        </p:nvSpPr>
+        <p:spPr bwMode="auto">
+          <a:xfrm>
+            <a:off x="2532183" y="4218826"/>
+            <a:ext cx="2932109" cy="949342"/>
+          </a:xfrm>
+          <a:prstGeom prst="roundRect">
+            <a:avLst/>
+          </a:prstGeom>
+          <a:gradFill rotWithShape="1">
+            <a:gsLst>
+              <a:gs pos="0">
+                <a:srgbClr val="3A94D2">
+                  <a:tint val="65000"/>
+                  <a:satMod val="270000"/>
+                </a:srgbClr>
+              </a:gs>
+              <a:gs pos="25000">
+                <a:srgbClr val="3A94D2">
+                  <a:tint val="60000"/>
+                  <a:satMod val="300000"/>
+                </a:srgbClr>
+              </a:gs>
+              <a:gs pos="100000">
+                <a:srgbClr val="3A94D2">
+                  <a:tint val="29000"/>
+                  <a:satMod val="400000"/>
+                </a:srgbClr>
+              </a:gs>
+            </a:gsLst>
+            <a:lin ang="16200000" scaled="1"/>
+          </a:gradFill>
+          <a:ln w="9525" cap="flat" cmpd="sng" algn="ctr">
+            <a:solidFill>
+              <a:srgbClr val="3A94D2">
+                <a:satMod val="150000"/>
+              </a:srgbClr>
+            </a:solidFill>
+            <a:prstDash val="solid"/>
+            <a:headEnd type="none" w="med" len="med"/>
+            <a:tailEnd type="none" w="med" len="med"/>
+          </a:ln>
+          <a:effectLst>
+            <a:outerShdw blurRad="65500" dist="38100" dir="5400000" rotWithShape="0">
+              <a:srgbClr val="000000">
+                <a:alpha val="40000"/>
+              </a:srgbClr>
+            </a:outerShdw>
+          </a:effectLst>
+        </p:spPr>
+        <p:txBody>
+          <a:bodyPr vert="horz" wrap="square" lIns="121915" tIns="60957" rIns="121915" bIns="60957" numCol="1" rtlCol="0" anchor="ctr" anchorCtr="0" compatLnSpc="1">
+            <a:prstTxWarp prst="textNoShape">
+              <a:avLst/>
+            </a:prstTxWarp>
+          </a:bodyPr>
+          <a:lstStyle/>
+          <a:p>
+            <a:pPr algn="ctr" defTabSz="1218768" fontAlgn="base">
+              <a:spcBef>
+                <a:spcPct val="0"/>
+              </a:spcBef>
+              <a:spcAft>
+                <a:spcPct val="0"/>
+              </a:spcAft>
+              <a:defRPr/>
+            </a:pPr>
+            <a:r>
+              <a:rPr lang="en-US" sz="1400" dirty="0">
+                <a:gradFill>
+                  <a:gsLst>
+                    <a:gs pos="0">
+                      <a:srgbClr val="FFFFFF"/>
+                    </a:gs>
+                    <a:gs pos="100000">
+                      <a:srgbClr val="FFFFFF"/>
+                    </a:gs>
+                  </a:gsLst>
+                  <a:lin ang="5400000" scaled="0"/>
+                </a:gradFill>
+                <a:latin typeface="Segoe UI"/>
+                <a:cs typeface="Arial"/>
+                <a:sym typeface="Arial"/>
+              </a:rPr>
+              <a:t>Distance-Based Clustering</a:t>
+            </a:r>
+          </a:p>
+          <a:p>
+            <a:pPr algn="ctr" defTabSz="1218768" fontAlgn="base">
+              <a:spcBef>
+                <a:spcPct val="0"/>
+              </a:spcBef>
+              <a:spcAft>
+                <a:spcPct val="0"/>
+              </a:spcAft>
+              <a:defRPr/>
+            </a:pPr>
+            <a:r>
+              <a:rPr lang="en-US" sz="1400" dirty="0">
+                <a:gradFill>
+                  <a:gsLst>
+                    <a:gs pos="0">
+                      <a:srgbClr val="FFFFFF"/>
+                    </a:gs>
+                    <a:gs pos="100000">
+                      <a:srgbClr val="FFFFFF"/>
+                    </a:gs>
+                  </a:gsLst>
+                  <a:lin ang="5400000" scaled="0"/>
+                </a:gradFill>
+                <a:latin typeface="Segoe UI"/>
+                <a:cs typeface="Arial"/>
+                <a:sym typeface="Arial"/>
+              </a:rPr>
+              <a:t>+</a:t>
+            </a:r>
+          </a:p>
+          <a:p>
+            <a:pPr algn="ctr" defTabSz="1218768" fontAlgn="base">
+              <a:spcBef>
+                <a:spcPct val="0"/>
+              </a:spcBef>
+              <a:spcAft>
+                <a:spcPct val="0"/>
+              </a:spcAft>
+              <a:defRPr/>
+            </a:pPr>
+            <a:r>
+              <a:rPr lang="en-US" sz="1400" dirty="0">
+                <a:gradFill>
+                  <a:gsLst>
+                    <a:gs pos="0">
+                      <a:srgbClr val="FFFFFF"/>
+                    </a:gs>
+                    <a:gs pos="100000">
+                      <a:srgbClr val="FFFFFF"/>
+                    </a:gs>
+                  </a:gsLst>
+                  <a:lin ang="5400000" scaled="0"/>
+                </a:gradFill>
+                <a:latin typeface="Segoe UI"/>
+                <a:cs typeface="Arial"/>
+                <a:sym typeface="Arial"/>
+              </a:rPr>
+              <a:t>Cluster Method Optimization</a:t>
+            </a:r>
+          </a:p>
+        </p:txBody>
+      </p:sp>
+      <p:cxnSp>
+        <p:nvCxnSpPr>
+          <p:cNvPr id="107" name="Curved Connector 24">
+            <a:extLst>
+              <a:ext uri="{FF2B5EF4-FFF2-40B4-BE49-F238E27FC236}">
+                <a16:creationId xmlns:a16="http://schemas.microsoft.com/office/drawing/2014/main" id="{643464BB-3AC0-4A4D-A90E-DE71980EB5CA}"/>
+              </a:ext>
+            </a:extLst>
+          </p:cNvPr>
+          <p:cNvCxnSpPr>
+            <a:cxnSpLocks/>
+            <a:endCxn id="104" idx="3"/>
+          </p:cNvCxnSpPr>
+          <p:nvPr/>
+        </p:nvCxnSpPr>
+        <p:spPr>
+          <a:xfrm rot="10800000" flipV="1">
+            <a:off x="8459169" y="3491653"/>
+            <a:ext cx="1095493" cy="394296"/>
+          </a:xfrm>
+          <a:prstGeom prst="curvedConnector3">
+            <a:avLst>
+              <a:gd name="adj1" fmla="val 50000"/>
+            </a:avLst>
+          </a:prstGeom>
+          <a:noFill/>
+          <a:ln w="38100" cap="flat" cmpd="sng" algn="ctr">
+            <a:solidFill>
+              <a:srgbClr val="F38C37"/>
+            </a:solidFill>
+            <a:prstDash val="solid"/>
+            <a:tailEnd type="arrow"/>
+          </a:ln>
+          <a:effectLst>
+            <a:outerShdw blurRad="65500" dist="38100" dir="5400000" rotWithShape="0">
+              <a:srgbClr val="000000">
+                <a:alpha val="40000"/>
+              </a:srgbClr>
+            </a:outerShdw>
+          </a:effectLst>
+        </p:spPr>
+      </p:cxnSp>
+      <p:cxnSp>
+        <p:nvCxnSpPr>
+          <p:cNvPr id="108" name="Curved Connector 24">
+            <a:extLst>
+              <a:ext uri="{FF2B5EF4-FFF2-40B4-BE49-F238E27FC236}">
+                <a16:creationId xmlns:a16="http://schemas.microsoft.com/office/drawing/2014/main" id="{7F16F149-EA8E-4A08-8FAF-1AF2BFA53F27}"/>
+              </a:ext>
+            </a:extLst>
+          </p:cNvPr>
+          <p:cNvCxnSpPr>
+            <a:cxnSpLocks/>
+            <a:endCxn id="118" idx="1"/>
+          </p:cNvCxnSpPr>
+          <p:nvPr/>
+        </p:nvCxnSpPr>
+        <p:spPr>
+          <a:xfrm flipV="1">
+            <a:off x="5681462" y="5752260"/>
+            <a:ext cx="784362" cy="502115"/>
+          </a:xfrm>
+          <a:prstGeom prst="curvedConnector3">
+            <a:avLst>
+              <a:gd name="adj1" fmla="val 50000"/>
+            </a:avLst>
+          </a:prstGeom>
+          <a:noFill/>
+          <a:ln w="38100" cap="flat" cmpd="sng" algn="ctr">
+            <a:solidFill>
+              <a:srgbClr val="F38C37"/>
+            </a:solidFill>
+            <a:prstDash val="solid"/>
+            <a:tailEnd type="arrow"/>
+          </a:ln>
+          <a:effectLst>
+            <a:outerShdw blurRad="65500" dist="38100" dir="5400000" rotWithShape="0">
+              <a:srgbClr val="000000">
+                <a:alpha val="40000"/>
+              </a:srgbClr>
+            </a:outerShdw>
+          </a:effectLst>
+        </p:spPr>
+      </p:cxnSp>
+      <p:pic>
+        <p:nvPicPr>
+          <p:cNvPr id="109" name="Picture 5" descr="C:\Users\torsteng\AppData\Local\Microsoft\Windows\Temporary Internet Files\Content.IE5\AP5NZ56T\MM900043784[1].gif">
+            <a:extLst>
+              <a:ext uri="{FF2B5EF4-FFF2-40B4-BE49-F238E27FC236}">
+                <a16:creationId xmlns:a16="http://schemas.microsoft.com/office/drawing/2014/main" id="{9A04F7FE-AB8B-47A4-AC5A-3F5BC2131B30}"/>
+              </a:ext>
+            </a:extLst>
+          </p:cNvPr>
+          <p:cNvPicPr>
+            <a:picLocks noChangeAspect="1" noChangeArrowheads="1" noCrop="1"/>
+          </p:cNvPicPr>
+          <p:nvPr/>
+        </p:nvPicPr>
+        <p:blipFill>
+          <a:blip r:embed="rId7" cstate="print"/>
+          <a:srcRect/>
+          <a:stretch>
+            <a:fillRect/>
+          </a:stretch>
+        </p:blipFill>
+        <p:spPr bwMode="auto">
+          <a:xfrm>
+            <a:off x="9908414" y="4661960"/>
+            <a:ext cx="699912" cy="699912"/>
+          </a:xfrm>
+          <a:prstGeom prst="rect">
+            <a:avLst/>
+          </a:prstGeom>
+          <a:noFill/>
+        </p:spPr>
+      </p:pic>
+      <p:cxnSp>
+        <p:nvCxnSpPr>
+          <p:cNvPr id="110" name="Curved Connector 24">
+            <a:extLst>
+              <a:ext uri="{FF2B5EF4-FFF2-40B4-BE49-F238E27FC236}">
+                <a16:creationId xmlns:a16="http://schemas.microsoft.com/office/drawing/2014/main" id="{56003883-F777-4273-94A2-FC485286CB35}"/>
+              </a:ext>
+            </a:extLst>
+          </p:cNvPr>
+          <p:cNvCxnSpPr>
+            <a:cxnSpLocks/>
+            <a:stCxn id="118" idx="3"/>
+          </p:cNvCxnSpPr>
+          <p:nvPr/>
+        </p:nvCxnSpPr>
+        <p:spPr>
+          <a:xfrm flipV="1">
+            <a:off x="8456702" y="5659479"/>
+            <a:ext cx="1455336" cy="92781"/>
+          </a:xfrm>
+          <a:prstGeom prst="curvedConnector3">
+            <a:avLst>
+              <a:gd name="adj1" fmla="val 50000"/>
+            </a:avLst>
+          </a:prstGeom>
+          <a:noFill/>
+          <a:ln w="38100" cap="flat" cmpd="sng" algn="ctr">
+            <a:solidFill>
+              <a:srgbClr val="F38C37"/>
+            </a:solidFill>
+            <a:prstDash val="solid"/>
+            <a:tailEnd type="arrow"/>
+          </a:ln>
+          <a:effectLst>
+            <a:outerShdw blurRad="65500" dist="38100" dir="5400000" rotWithShape="0">
+              <a:srgbClr val="000000">
+                <a:alpha val="40000"/>
+              </a:srgbClr>
+            </a:outerShdw>
+          </a:effectLst>
+        </p:spPr>
+      </p:cxnSp>
+      <p:grpSp>
+        <p:nvGrpSpPr>
+          <p:cNvPr id="111" name="Group 110">
+            <a:extLst>
+              <a:ext uri="{FF2B5EF4-FFF2-40B4-BE49-F238E27FC236}">
+                <a16:creationId xmlns:a16="http://schemas.microsoft.com/office/drawing/2014/main" id="{2C373BCF-F5BC-4039-BA54-B78521D0C3A4}"/>
+              </a:ext>
+            </a:extLst>
+          </p:cNvPr>
+          <p:cNvGrpSpPr/>
+          <p:nvPr/>
+        </p:nvGrpSpPr>
+        <p:grpSpPr>
+          <a:xfrm>
+            <a:off x="9912038" y="5466909"/>
+            <a:ext cx="712054" cy="626116"/>
+            <a:chOff x="3434328" y="3336433"/>
+            <a:chExt cx="1059543" cy="925108"/>
+          </a:xfrm>
+        </p:grpSpPr>
+        <p:pic>
+          <p:nvPicPr>
+            <p:cNvPr id="112" name="Picture 111">
+              <a:extLst>
+                <a:ext uri="{FF2B5EF4-FFF2-40B4-BE49-F238E27FC236}">
+                  <a16:creationId xmlns:a16="http://schemas.microsoft.com/office/drawing/2014/main" id="{BBAB7511-9162-4493-BC4F-EB8CCD37BD06}"/>
+                </a:ext>
+              </a:extLst>
+            </p:cNvPr>
+            <p:cNvPicPr>
+              <a:picLocks noChangeAspect="1"/>
+            </p:cNvPicPr>
+            <p:nvPr/>
+          </p:nvPicPr>
+          <p:blipFill>
+            <a:blip r:embed="rId6" cstate="print">
+              <a:extLst>
+                <a:ext uri="{28A0092B-C50C-407E-A947-70E740481C1C}">
+                  <a14:useLocalDpi xmlns:a14="http://schemas.microsoft.com/office/drawing/2010/main"/>
+                </a:ext>
+              </a:extLst>
+            </a:blip>
+            <a:stretch>
+              <a:fillRect/>
+            </a:stretch>
+          </p:blipFill>
+          <p:spPr>
+            <a:xfrm>
+              <a:off x="3714959" y="3336433"/>
+              <a:ext cx="635521" cy="635521"/>
+            </a:xfrm>
+            <a:prstGeom prst="rect">
+              <a:avLst/>
+            </a:prstGeom>
+          </p:spPr>
+        </p:pic>
+        <p:sp>
+          <p:nvSpPr>
+            <p:cNvPr id="113" name="Rectangle 112">
+              <a:extLst>
+                <a:ext uri="{FF2B5EF4-FFF2-40B4-BE49-F238E27FC236}">
+                  <a16:creationId xmlns:a16="http://schemas.microsoft.com/office/drawing/2014/main" id="{6777CAFB-0518-4E10-8247-A61D9673B8C7}"/>
+                </a:ext>
+              </a:extLst>
+            </p:cNvPr>
+            <p:cNvSpPr/>
+            <p:nvPr/>
+          </p:nvSpPr>
+          <p:spPr>
+            <a:xfrm>
+              <a:off x="3434328" y="3965953"/>
+              <a:ext cx="1059543" cy="295588"/>
+            </a:xfrm>
+            <a:prstGeom prst="rect">
+              <a:avLst/>
+            </a:prstGeom>
+          </p:spPr>
+          <p:txBody>
+            <a:bodyPr wrap="none">
+              <a:spAutoFit/>
+            </a:bodyPr>
+            <a:lstStyle/>
+            <a:p>
+              <a:pPr algn="ctr" defTabSz="932215"/>
+              <a:r>
+                <a:rPr lang="en-US" sz="700" kern="0">
+                  <a:solidFill>
+                    <a:prstClr val="white">
+                      <a:lumMod val="50000"/>
+                    </a:prstClr>
+                  </a:solidFill>
+                  <a:latin typeface="Segoe UI Semibold" panose="020B0702040204020203" pitchFamily="34" charset="0"/>
+                  <a:ea typeface="MS PGothic" panose="020B0600070205080204" pitchFamily="34" charset="-128"/>
+                  <a:cs typeface="Segoe UI Semibold" panose="020B0702040204020203" pitchFamily="34" charset="0"/>
+                  <a:sym typeface="Arial"/>
+                </a:rPr>
+                <a:t>AZURE SQL DB</a:t>
+              </a:r>
+            </a:p>
+          </p:txBody>
+        </p:sp>
+      </p:grpSp>
+      <p:cxnSp>
+        <p:nvCxnSpPr>
+          <p:cNvPr id="114" name="Curved Connector 24">
+            <a:extLst>
+              <a:ext uri="{FF2B5EF4-FFF2-40B4-BE49-F238E27FC236}">
+                <a16:creationId xmlns:a16="http://schemas.microsoft.com/office/drawing/2014/main" id="{363E993A-D929-474B-820B-70FD359C6043}"/>
+              </a:ext>
+            </a:extLst>
+          </p:cNvPr>
+          <p:cNvCxnSpPr>
+            <a:cxnSpLocks/>
+            <a:stCxn id="104" idx="1"/>
+          </p:cNvCxnSpPr>
+          <p:nvPr/>
+        </p:nvCxnSpPr>
+        <p:spPr>
+          <a:xfrm rot="10800000" flipV="1">
+            <a:off x="5674495" y="3885949"/>
+            <a:ext cx="791328" cy="611544"/>
+          </a:xfrm>
+          <a:prstGeom prst="curvedConnector3">
+            <a:avLst>
+              <a:gd name="adj1" fmla="val 50000"/>
+            </a:avLst>
+          </a:prstGeom>
+          <a:noFill/>
+          <a:ln w="38100" cap="flat" cmpd="sng" algn="ctr">
+            <a:solidFill>
+              <a:srgbClr val="F38C37"/>
+            </a:solidFill>
+            <a:prstDash val="solid"/>
+            <a:tailEnd type="arrow"/>
+          </a:ln>
+          <a:effectLst>
+            <a:outerShdw blurRad="65500" dist="38100" dir="5400000" rotWithShape="0">
+              <a:srgbClr val="000000">
+                <a:alpha val="40000"/>
+              </a:srgbClr>
+            </a:outerShdw>
+          </a:effectLst>
+        </p:spPr>
+      </p:cxnSp>
+      <p:sp>
+        <p:nvSpPr>
+          <p:cNvPr id="116" name="Rounded Rectangle 9">
+            <a:extLst>
+              <a:ext uri="{FF2B5EF4-FFF2-40B4-BE49-F238E27FC236}">
+                <a16:creationId xmlns:a16="http://schemas.microsoft.com/office/drawing/2014/main" id="{71DC2356-AF09-4D62-BC8E-66805B0B5F4C}"/>
+              </a:ext>
+            </a:extLst>
+          </p:cNvPr>
+          <p:cNvSpPr/>
+          <p:nvPr/>
+        </p:nvSpPr>
+        <p:spPr bwMode="auto">
+          <a:xfrm>
+            <a:off x="2556887" y="3328781"/>
+            <a:ext cx="2880433" cy="769858"/>
+          </a:xfrm>
+          <a:prstGeom prst="roundRect">
+            <a:avLst/>
+          </a:prstGeom>
+          <a:gradFill rotWithShape="1">
+            <a:gsLst>
+              <a:gs pos="0">
+                <a:srgbClr val="3A94D2">
+                  <a:tint val="65000"/>
+                  <a:satMod val="270000"/>
+                </a:srgbClr>
+              </a:gs>
+              <a:gs pos="25000">
+                <a:srgbClr val="3A94D2">
+                  <a:tint val="60000"/>
+                  <a:satMod val="300000"/>
+                </a:srgbClr>
+              </a:gs>
+              <a:gs pos="100000">
+                <a:srgbClr val="3A94D2">
+                  <a:tint val="29000"/>
+                  <a:satMod val="400000"/>
+                </a:srgbClr>
+              </a:gs>
+            </a:gsLst>
+            <a:lin ang="16200000" scaled="1"/>
+          </a:gradFill>
+          <a:ln w="9525" cap="flat" cmpd="sng" algn="ctr">
+            <a:solidFill>
+              <a:srgbClr val="3A94D2">
+                <a:satMod val="150000"/>
+              </a:srgbClr>
+            </a:solidFill>
+            <a:prstDash val="solid"/>
+            <a:headEnd type="none" w="med" len="med"/>
+            <a:tailEnd type="none" w="med" len="med"/>
+          </a:ln>
+          <a:effectLst>
+            <a:outerShdw blurRad="65500" dist="38100" dir="5400000" rotWithShape="0">
+              <a:srgbClr val="000000">
+                <a:alpha val="40000"/>
+              </a:srgbClr>
+            </a:outerShdw>
+          </a:effectLst>
+        </p:spPr>
+        <p:txBody>
+          <a:bodyPr vert="horz" wrap="square" lIns="121915" tIns="60957" rIns="121915" bIns="60957" numCol="1" rtlCol="0" anchor="ctr" anchorCtr="0" compatLnSpc="1">
+            <a:prstTxWarp prst="textNoShape">
+              <a:avLst/>
+            </a:prstTxWarp>
+          </a:bodyPr>
+          <a:lstStyle/>
+          <a:p>
+            <a:pPr algn="ctr" defTabSz="1218768" fontAlgn="base">
+              <a:spcBef>
+                <a:spcPct val="0"/>
+              </a:spcBef>
+              <a:spcAft>
+                <a:spcPct val="0"/>
+              </a:spcAft>
+              <a:defRPr/>
+            </a:pPr>
+            <a:r>
+              <a:rPr lang="en-US" sz="1400" dirty="0">
+                <a:gradFill>
+                  <a:gsLst>
+                    <a:gs pos="0">
+                      <a:srgbClr val="FFFFFF"/>
+                    </a:gs>
+                    <a:gs pos="100000">
+                      <a:srgbClr val="FFFFFF"/>
+                    </a:gs>
+                  </a:gsLst>
+                  <a:lin ang="5400000" scaled="0"/>
+                </a:gradFill>
+                <a:latin typeface="Segoe UI"/>
+                <a:cs typeface="Arial"/>
+                <a:sym typeface="Arial"/>
+              </a:rPr>
+              <a:t>Data transformation</a:t>
+            </a:r>
+          </a:p>
+          <a:p>
+            <a:pPr algn="ctr" defTabSz="1218768" fontAlgn="base">
+              <a:spcBef>
+                <a:spcPct val="0"/>
+              </a:spcBef>
+              <a:spcAft>
+                <a:spcPct val="0"/>
+              </a:spcAft>
+              <a:defRPr/>
+            </a:pPr>
+            <a:r>
+              <a:rPr lang="en-US" sz="1400" dirty="0">
+                <a:gradFill>
+                  <a:gsLst>
+                    <a:gs pos="0">
+                      <a:srgbClr val="FFFFFF"/>
+                    </a:gs>
+                    <a:gs pos="100000">
+                      <a:srgbClr val="FFFFFF"/>
+                    </a:gs>
+                  </a:gsLst>
+                  <a:lin ang="5400000" scaled="0"/>
+                </a:gradFill>
+                <a:latin typeface="Segoe UI"/>
+                <a:cs typeface="Arial"/>
+                <a:sym typeface="Arial"/>
+              </a:rPr>
+              <a:t>+</a:t>
+            </a:r>
+          </a:p>
+          <a:p>
+            <a:pPr algn="ctr" defTabSz="1218768" fontAlgn="base">
+              <a:spcBef>
+                <a:spcPct val="0"/>
+              </a:spcBef>
+              <a:spcAft>
+                <a:spcPct val="0"/>
+              </a:spcAft>
+              <a:defRPr/>
+            </a:pPr>
+            <a:r>
+              <a:rPr lang="en-US" sz="1400" dirty="0">
+                <a:gradFill>
+                  <a:gsLst>
+                    <a:gs pos="0">
+                      <a:srgbClr val="FFFFFF"/>
+                    </a:gs>
+                    <a:gs pos="100000">
+                      <a:srgbClr val="FFFFFF"/>
+                    </a:gs>
+                  </a:gsLst>
+                  <a:lin ang="5400000" scaled="0"/>
+                </a:gradFill>
+                <a:latin typeface="Segoe UI"/>
+                <a:cs typeface="Arial"/>
+                <a:sym typeface="Arial"/>
+              </a:rPr>
+              <a:t> Normalization</a:t>
+            </a:r>
+          </a:p>
+        </p:txBody>
+      </p:sp>
+      <p:sp>
+        <p:nvSpPr>
+          <p:cNvPr id="117" name="Rounded Rectangle 9">
+            <a:extLst>
+              <a:ext uri="{FF2B5EF4-FFF2-40B4-BE49-F238E27FC236}">
+                <a16:creationId xmlns:a16="http://schemas.microsoft.com/office/drawing/2014/main" id="{35399D29-BBC9-4998-85F2-C7ED90600EF6}"/>
+              </a:ext>
+            </a:extLst>
+          </p:cNvPr>
+          <p:cNvSpPr/>
+          <p:nvPr/>
+        </p:nvSpPr>
+        <p:spPr bwMode="auto">
+          <a:xfrm>
+            <a:off x="2556887" y="5252720"/>
+            <a:ext cx="2907405" cy="1158240"/>
+          </a:xfrm>
+          <a:prstGeom prst="roundRect">
+            <a:avLst/>
+          </a:prstGeom>
+          <a:gradFill rotWithShape="1">
+            <a:gsLst>
+              <a:gs pos="0">
+                <a:srgbClr val="3A94D2">
+                  <a:tint val="65000"/>
+                  <a:satMod val="270000"/>
+                </a:srgbClr>
+              </a:gs>
+              <a:gs pos="25000">
+                <a:srgbClr val="3A94D2">
+                  <a:tint val="60000"/>
+                  <a:satMod val="300000"/>
+                </a:srgbClr>
+              </a:gs>
+              <a:gs pos="100000">
+                <a:srgbClr val="3A94D2">
+                  <a:tint val="29000"/>
+                  <a:satMod val="400000"/>
+                </a:srgbClr>
+              </a:gs>
+            </a:gsLst>
+            <a:lin ang="16200000" scaled="1"/>
+          </a:gradFill>
+          <a:ln w="9525" cap="flat" cmpd="sng" algn="ctr">
+            <a:solidFill>
+              <a:srgbClr val="3A94D2">
+                <a:satMod val="150000"/>
+              </a:srgbClr>
+            </a:solidFill>
+            <a:prstDash val="solid"/>
+            <a:headEnd type="none" w="med" len="med"/>
+            <a:tailEnd type="none" w="med" len="med"/>
+          </a:ln>
+          <a:effectLst>
+            <a:outerShdw blurRad="65500" dist="38100" dir="5400000" rotWithShape="0">
+              <a:srgbClr val="000000">
+                <a:alpha val="40000"/>
+              </a:srgbClr>
+            </a:outerShdw>
+          </a:effectLst>
+        </p:spPr>
+        <p:txBody>
+          <a:bodyPr vert="horz" wrap="square" lIns="121915" tIns="60957" rIns="121915" bIns="60957" numCol="1" rtlCol="0" anchor="ctr" anchorCtr="0" compatLnSpc="1">
+            <a:prstTxWarp prst="textNoShape">
+              <a:avLst/>
+            </a:prstTxWarp>
+          </a:bodyPr>
+          <a:lstStyle/>
+          <a:p>
+            <a:pPr algn="ctr" defTabSz="1218768" fontAlgn="base">
+              <a:spcBef>
+                <a:spcPct val="0"/>
+              </a:spcBef>
+              <a:spcAft>
+                <a:spcPct val="0"/>
+              </a:spcAft>
+              <a:defRPr/>
+            </a:pPr>
+            <a:r>
+              <a:rPr lang="en-US" sz="1400" dirty="0">
+                <a:gradFill>
+                  <a:gsLst>
+                    <a:gs pos="0">
+                      <a:srgbClr val="FFFFFF"/>
+                    </a:gs>
+                    <a:gs pos="100000">
+                      <a:srgbClr val="FFFFFF"/>
+                    </a:gs>
+                  </a:gsLst>
+                  <a:lin ang="5400000" scaled="0"/>
+                </a:gradFill>
+                <a:latin typeface="Segoe UI"/>
+                <a:cs typeface="Arial"/>
+                <a:sym typeface="Arial"/>
+              </a:rPr>
+              <a:t>Subgroup Matching</a:t>
+            </a:r>
+          </a:p>
+          <a:p>
+            <a:pPr algn="ctr" defTabSz="1218768" fontAlgn="base">
+              <a:spcBef>
+                <a:spcPct val="0"/>
+              </a:spcBef>
+              <a:spcAft>
+                <a:spcPct val="0"/>
+              </a:spcAft>
+              <a:defRPr/>
+            </a:pPr>
+            <a:r>
+              <a:rPr lang="en-US" sz="1400" dirty="0">
+                <a:gradFill>
+                  <a:gsLst>
+                    <a:gs pos="0">
+                      <a:srgbClr val="FFFFFF"/>
+                    </a:gs>
+                    <a:gs pos="100000">
+                      <a:srgbClr val="FFFFFF"/>
+                    </a:gs>
+                  </a:gsLst>
+                  <a:lin ang="5400000" scaled="0"/>
+                </a:gradFill>
+                <a:latin typeface="Segoe UI"/>
+                <a:cs typeface="Arial"/>
+                <a:sym typeface="Arial"/>
+              </a:rPr>
+              <a:t>+</a:t>
+            </a:r>
+          </a:p>
+          <a:p>
+            <a:pPr algn="ctr" defTabSz="1218768" fontAlgn="base">
+              <a:spcBef>
+                <a:spcPct val="0"/>
+              </a:spcBef>
+              <a:spcAft>
+                <a:spcPct val="0"/>
+              </a:spcAft>
+              <a:defRPr/>
+            </a:pPr>
+            <a:r>
+              <a:rPr lang="en-US" sz="1400" dirty="0">
+                <a:gradFill>
+                  <a:gsLst>
+                    <a:gs pos="0">
+                      <a:srgbClr val="FFFFFF"/>
+                    </a:gs>
+                    <a:gs pos="100000">
+                      <a:srgbClr val="FFFFFF"/>
+                    </a:gs>
+                  </a:gsLst>
+                  <a:lin ang="5400000" scaled="0"/>
+                </a:gradFill>
+                <a:latin typeface="Segoe UI"/>
+                <a:cs typeface="Arial"/>
+                <a:sym typeface="Arial"/>
+              </a:rPr>
+              <a:t>Stratified Sampling</a:t>
+            </a:r>
+          </a:p>
+          <a:p>
+            <a:pPr algn="ctr" defTabSz="1218768" fontAlgn="base">
+              <a:spcBef>
+                <a:spcPct val="0"/>
+              </a:spcBef>
+              <a:spcAft>
+                <a:spcPct val="0"/>
+              </a:spcAft>
+              <a:defRPr/>
+            </a:pPr>
+            <a:r>
+              <a:rPr lang="en-US" sz="1400" dirty="0">
+                <a:gradFill>
+                  <a:gsLst>
+                    <a:gs pos="0">
+                      <a:srgbClr val="FFFFFF"/>
+                    </a:gs>
+                    <a:gs pos="100000">
+                      <a:srgbClr val="FFFFFF"/>
+                    </a:gs>
+                  </a:gsLst>
+                  <a:lin ang="5400000" scaled="0"/>
+                </a:gradFill>
+                <a:latin typeface="Segoe UI"/>
+                <a:cs typeface="Arial"/>
+                <a:sym typeface="Arial"/>
+              </a:rPr>
+              <a:t>+</a:t>
+            </a:r>
+          </a:p>
+          <a:p>
+            <a:pPr algn="ctr" defTabSz="1218768" fontAlgn="base">
+              <a:spcBef>
+                <a:spcPct val="0"/>
+              </a:spcBef>
+              <a:spcAft>
+                <a:spcPct val="0"/>
+              </a:spcAft>
+              <a:defRPr/>
+            </a:pPr>
+            <a:r>
+              <a:rPr lang="en-US" sz="1400" dirty="0">
+                <a:gradFill>
+                  <a:gsLst>
+                    <a:gs pos="0">
+                      <a:srgbClr val="FFFFFF"/>
+                    </a:gs>
+                    <a:gs pos="100000">
+                      <a:srgbClr val="FFFFFF"/>
+                    </a:gs>
+                  </a:gsLst>
+                  <a:lin ang="5400000" scaled="0"/>
+                </a:gradFill>
+                <a:latin typeface="Segoe UI"/>
+                <a:cs typeface="Arial"/>
+                <a:sym typeface="Arial"/>
+              </a:rPr>
+              <a:t>Contrast Group Creation</a:t>
+            </a:r>
+          </a:p>
+        </p:txBody>
+      </p:sp>
+      <p:sp>
+        <p:nvSpPr>
+          <p:cNvPr id="118" name="Rounded Rectangle 9">
+            <a:extLst>
+              <a:ext uri="{FF2B5EF4-FFF2-40B4-BE49-F238E27FC236}">
+                <a16:creationId xmlns:a16="http://schemas.microsoft.com/office/drawing/2014/main" id="{A86DC910-3D53-4415-B119-9F69C3CD6733}"/>
+              </a:ext>
+            </a:extLst>
+          </p:cNvPr>
+          <p:cNvSpPr/>
+          <p:nvPr/>
+        </p:nvSpPr>
+        <p:spPr bwMode="auto">
+          <a:xfrm>
+            <a:off x="6465824" y="5302642"/>
+            <a:ext cx="1990878" cy="899236"/>
+          </a:xfrm>
+          <a:prstGeom prst="roundRect">
+            <a:avLst/>
+          </a:prstGeom>
+          <a:gradFill rotWithShape="1">
+            <a:gsLst>
+              <a:gs pos="0">
+                <a:srgbClr val="3A94D2">
+                  <a:tint val="65000"/>
+                  <a:satMod val="270000"/>
+                </a:srgbClr>
+              </a:gs>
+              <a:gs pos="25000">
+                <a:srgbClr val="3A94D2">
+                  <a:tint val="60000"/>
+                  <a:satMod val="300000"/>
+                </a:srgbClr>
+              </a:gs>
+              <a:gs pos="100000">
+                <a:srgbClr val="3A94D2">
+                  <a:tint val="29000"/>
+                  <a:satMod val="400000"/>
+                </a:srgbClr>
+              </a:gs>
+            </a:gsLst>
+            <a:lin ang="16200000" scaled="1"/>
+          </a:gradFill>
+          <a:ln w="9525" cap="flat" cmpd="sng" algn="ctr">
+            <a:solidFill>
+              <a:srgbClr val="3A94D2">
+                <a:satMod val="150000"/>
+              </a:srgbClr>
+            </a:solidFill>
+            <a:prstDash val="solid"/>
+            <a:headEnd type="none" w="med" len="med"/>
+            <a:tailEnd type="none" w="med" len="med"/>
+          </a:ln>
+          <a:effectLst>
+            <a:outerShdw blurRad="65500" dist="38100" dir="5400000" rotWithShape="0">
+              <a:srgbClr val="000000">
+                <a:alpha val="40000"/>
+              </a:srgbClr>
+            </a:outerShdw>
+          </a:effectLst>
+        </p:spPr>
+        <p:txBody>
+          <a:bodyPr vert="horz" wrap="square" lIns="121915" tIns="60957" rIns="121915" bIns="60957" numCol="1" rtlCol="0" anchor="ctr" anchorCtr="0" compatLnSpc="1">
+            <a:prstTxWarp prst="textNoShape">
+              <a:avLst/>
+            </a:prstTxWarp>
+          </a:bodyPr>
+          <a:lstStyle/>
+          <a:p>
+            <a:pPr algn="ctr" defTabSz="1218768" fontAlgn="base">
+              <a:spcBef>
+                <a:spcPct val="0"/>
+              </a:spcBef>
+              <a:spcAft>
+                <a:spcPct val="0"/>
+              </a:spcAft>
+              <a:defRPr/>
+            </a:pPr>
+            <a:r>
+              <a:rPr lang="en-US" dirty="0">
+                <a:gradFill>
+                  <a:gsLst>
+                    <a:gs pos="0">
+                      <a:srgbClr val="FFFFFF"/>
+                    </a:gs>
+                    <a:gs pos="100000">
+                      <a:srgbClr val="FFFFFF"/>
+                    </a:gs>
+                  </a:gsLst>
+                  <a:lin ang="5400000" scaled="0"/>
+                </a:gradFill>
+                <a:latin typeface="Segoe UI"/>
+                <a:cs typeface="Arial"/>
+                <a:sym typeface="Arial"/>
+              </a:rPr>
+              <a:t>Significance Testing</a:t>
+            </a:r>
+          </a:p>
+        </p:txBody>
+      </p:sp>
+      <p:sp>
+        <p:nvSpPr>
+          <p:cNvPr id="31" name="TextBox 30">
+            <a:extLst>
+              <a:ext uri="{FF2B5EF4-FFF2-40B4-BE49-F238E27FC236}">
                 <a16:creationId xmlns:a16="http://schemas.microsoft.com/office/drawing/2014/main" id="{90F6F963-9D3C-4DE8-A6B4-F51E435CDDB3}"/>
               </a:ext>
             </a:extLst>
@@ -27166,7 +29440,7 @@
 </p:sld>
 </file>
 
-<file path=ppt/slides/slide4.xml><?xml version="1.0" encoding="utf-8"?>
+<file path=ppt/slides/slide5.xml><?xml version="1.0" encoding="utf-8"?>
 <p:sld xmlns:a="http://schemas.openxmlformats.org/drawingml/2006/main" xmlns:r="http://schemas.openxmlformats.org/officeDocument/2006/relationships" xmlns:p="http://schemas.openxmlformats.org/presentationml/2006/main">
   <p:cSld>
     <p:spTree>
@@ -29332,7 +31606,7 @@
 </p:sld>
 </file>
 
-<file path=ppt/slides/slide5.xml><?xml version="1.0" encoding="utf-8"?>
+<file path=ppt/slides/slide6.xml><?xml version="1.0" encoding="utf-8"?>
 <p:sld xmlns:a="http://schemas.openxmlformats.org/drawingml/2006/main" xmlns:r="http://schemas.openxmlformats.org/officeDocument/2006/relationships" xmlns:p="http://schemas.openxmlformats.org/presentationml/2006/main">
   <p:cSld>
     <p:spTree>
@@ -31170,7 +33444,7 @@
 </p:sld>
 </file>
 
-<file path=ppt/slides/slide6.xml><?xml version="1.0" encoding="utf-8"?>
+<file path=ppt/slides/slide7.xml><?xml version="1.0" encoding="utf-8"?>
 <p:sld xmlns:a="http://schemas.openxmlformats.org/drawingml/2006/main" xmlns:r="http://schemas.openxmlformats.org/officeDocument/2006/relationships" xmlns:p="http://schemas.openxmlformats.org/presentationml/2006/main">
   <p:cSld>
     <p:spTree>
@@ -31980,7 +34254,7 @@
 </p:sld>
 </file>
 
-<file path=ppt/slides/slide7.xml><?xml version="1.0" encoding="utf-8"?>
+<file path=ppt/slides/slide8.xml><?xml version="1.0" encoding="utf-8"?>
 <p:sld xmlns:a="http://schemas.openxmlformats.org/drawingml/2006/main" xmlns:r="http://schemas.openxmlformats.org/officeDocument/2006/relationships" xmlns:p="http://schemas.openxmlformats.org/presentationml/2006/main">
   <p:cSld>
     <p:spTree>

--- a/assets/resources/graph for web_page.pptx
+++ b/assets/resources/graph for web_page.pptx
@@ -125,7 +125,7 @@
 <file path=ppt/revisionInfo.xml><?xml version="1.0" encoding="utf-8"?>
 <p1510:revInfo xmlns:a="http://schemas.openxmlformats.org/drawingml/2006/main" xmlns:r="http://schemas.openxmlformats.org/officeDocument/2006/relationships" xmlns:p1510="http://schemas.microsoft.com/office/powerpoint/2015/10/main">
   <p1510:revLst>
-    <p1510:client id="{07AE1321-E1B5-44BC-BC54-8923ADAC392F}" v="32" dt="2022-03-25T22:15:41.771"/>
+    <p1510:client id="{07AE1321-E1B5-44BC-BC54-8923ADAC392F}" v="312" dt="2022-03-26T19:32:09.715"/>
   </p1510:revLst>
 </p1510:revInfo>
 </file>
@@ -135,7 +135,7 @@
   <pc:docChgLst>
     <pc:chgData name="Jackie N" userId="8b14f1697149b7ae" providerId="LiveId" clId="{07AE1321-E1B5-44BC-BC54-8923ADAC392F}"/>
     <pc:docChg chg="undo custSel addSld delSld modSld sldOrd">
-      <pc:chgData name="Jackie N" userId="8b14f1697149b7ae" providerId="LiveId" clId="{07AE1321-E1B5-44BC-BC54-8923ADAC392F}" dt="2022-03-25T22:16:05.046" v="960" actId="20577"/>
+      <pc:chgData name="Jackie N" userId="8b14f1697149b7ae" providerId="LiveId" clId="{07AE1321-E1B5-44BC-BC54-8923ADAC392F}" dt="2022-03-26T19:32:09.715" v="1240" actId="166"/>
       <pc:docMkLst>
         <pc:docMk/>
       </pc:docMkLst>
@@ -248,7 +248,7 @@
         </pc:cxnChg>
       </pc:sldChg>
       <pc:sldChg chg="addSp delSp modSp add mod">
-        <pc:chgData name="Jackie N" userId="8b14f1697149b7ae" providerId="LiveId" clId="{07AE1321-E1B5-44BC-BC54-8923ADAC392F}" dt="2022-03-25T17:28:41.253" v="811" actId="20577"/>
+        <pc:chgData name="Jackie N" userId="8b14f1697149b7ae" providerId="LiveId" clId="{07AE1321-E1B5-44BC-BC54-8923ADAC392F}" dt="2022-03-26T19:21:36.289" v="968" actId="20577"/>
         <pc:sldMkLst>
           <pc:docMk/>
           <pc:sldMk cId="3732819603" sldId="369"/>
@@ -270,7 +270,7 @@
           </ac:spMkLst>
         </pc:spChg>
         <pc:spChg chg="add mod">
-          <ac:chgData name="Jackie N" userId="8b14f1697149b7ae" providerId="LiveId" clId="{07AE1321-E1B5-44BC-BC54-8923ADAC392F}" dt="2022-03-25T14:37:13.818" v="778" actId="20577"/>
+          <ac:chgData name="Jackie N" userId="8b14f1697149b7ae" providerId="LiveId" clId="{07AE1321-E1B5-44BC-BC54-8923ADAC392F}" dt="2022-03-26T19:21:36.289" v="968" actId="20577"/>
           <ac:spMkLst>
             <pc:docMk/>
             <pc:sldMk cId="3732819603" sldId="369"/>
@@ -1324,11 +1324,19 @@
         </pc:spChg>
       </pc:sldChg>
       <pc:sldChg chg="addSp delSp modSp add mod">
-        <pc:chgData name="Jackie N" userId="8b14f1697149b7ae" providerId="LiveId" clId="{07AE1321-E1B5-44BC-BC54-8923ADAC392F}" dt="2022-03-25T17:34:57.049" v="942" actId="20577"/>
+        <pc:chgData name="Jackie N" userId="8b14f1697149b7ae" providerId="LiveId" clId="{07AE1321-E1B5-44BC-BC54-8923ADAC392F}" dt="2022-03-26T19:32:09.715" v="1240" actId="166"/>
         <pc:sldMkLst>
           <pc:docMk/>
           <pc:sldMk cId="2833893545" sldId="373"/>
         </pc:sldMkLst>
+        <pc:spChg chg="add del mod">
+          <ac:chgData name="Jackie N" userId="8b14f1697149b7ae" providerId="LiveId" clId="{07AE1321-E1B5-44BC-BC54-8923ADAC392F}" dt="2022-03-26T19:29:00.697" v="1145" actId="478"/>
+          <ac:spMkLst>
+            <pc:docMk/>
+            <pc:sldMk cId="2833893545" sldId="373"/>
+            <ac:spMk id="3" creationId="{7A632013-AA7A-4B60-B9C2-4F5919356FD4}"/>
+          </ac:spMkLst>
+        </pc:spChg>
         <pc:spChg chg="mod">
           <ac:chgData name="Jackie N" userId="8b14f1697149b7ae" providerId="LiveId" clId="{07AE1321-E1B5-44BC-BC54-8923ADAC392F}" dt="2022-03-25T17:28:49.947" v="816" actId="20577"/>
           <ac:spMkLst>
@@ -1338,39 +1346,111 @@
           </ac:spMkLst>
         </pc:spChg>
         <pc:spChg chg="mod">
-          <ac:chgData name="Jackie N" userId="8b14f1697149b7ae" providerId="LiveId" clId="{07AE1321-E1B5-44BC-BC54-8923ADAC392F}" dt="2022-03-25T17:34:57.049" v="942" actId="20577"/>
+          <ac:chgData name="Jackie N" userId="8b14f1697149b7ae" providerId="LiveId" clId="{07AE1321-E1B5-44BC-BC54-8923ADAC392F}" dt="2022-03-26T19:28:46.617" v="1129" actId="1035"/>
           <ac:spMkLst>
             <pc:docMk/>
             <pc:sldMk cId="2833893545" sldId="373"/>
             <ac:spMk id="31" creationId="{D4D8B0C8-B0ED-42BE-A498-BC640A90AE92}"/>
           </ac:spMkLst>
         </pc:spChg>
+        <pc:spChg chg="add del">
+          <ac:chgData name="Jackie N" userId="8b14f1697149b7ae" providerId="LiveId" clId="{07AE1321-E1B5-44BC-BC54-8923ADAC392F}" dt="2022-03-26T19:21:59.995" v="970" actId="22"/>
+          <ac:spMkLst>
+            <pc:docMk/>
+            <pc:sldMk cId="2833893545" sldId="373"/>
+            <ac:spMk id="36" creationId="{0EF7F440-9D01-432E-B3D2-208CFB773BD7}"/>
+          </ac:spMkLst>
+        </pc:spChg>
         <pc:spChg chg="add mod">
-          <ac:chgData name="Jackie N" userId="8b14f1697149b7ae" providerId="LiveId" clId="{07AE1321-E1B5-44BC-BC54-8923ADAC392F}" dt="2022-03-25T17:33:40.405" v="928"/>
+          <ac:chgData name="Jackie N" userId="8b14f1697149b7ae" providerId="LiveId" clId="{07AE1321-E1B5-44BC-BC54-8923ADAC392F}" dt="2022-03-26T19:31:31.824" v="1232" actId="1038"/>
           <ac:spMkLst>
             <pc:docMk/>
             <pc:sldMk cId="2833893545" sldId="373"/>
             <ac:spMk id="44" creationId="{8A9DAE27-EB4E-47C4-8474-1C8111F6545F}"/>
           </ac:spMkLst>
         </pc:spChg>
+        <pc:spChg chg="mod">
+          <ac:chgData name="Jackie N" userId="8b14f1697149b7ae" providerId="LiveId" clId="{07AE1321-E1B5-44BC-BC54-8923ADAC392F}" dt="2022-03-26T19:29:51.415" v="1151"/>
+          <ac:spMkLst>
+            <pc:docMk/>
+            <pc:sldMk cId="2833893545" sldId="373"/>
+            <ac:spMk id="45" creationId="{1D255DA1-DF4F-4986-BE6A-CA60D934E7A9}"/>
+          </ac:spMkLst>
+        </pc:spChg>
         <pc:spChg chg="add mod ord">
-          <ac:chgData name="Jackie N" userId="8b14f1697149b7ae" providerId="LiveId" clId="{07AE1321-E1B5-44BC-BC54-8923ADAC392F}" dt="2022-03-25T17:33:49.016" v="929" actId="207"/>
+          <ac:chgData name="Jackie N" userId="8b14f1697149b7ae" providerId="LiveId" clId="{07AE1321-E1B5-44BC-BC54-8923ADAC392F}" dt="2022-03-26T19:31:31.824" v="1232" actId="1038"/>
           <ac:spMkLst>
             <pc:docMk/>
             <pc:sldMk cId="2833893545" sldId="373"/>
             <ac:spMk id="47" creationId="{4045D4C8-84DF-4CB6-B58A-E58C48BE8536}"/>
           </ac:spMkLst>
         </pc:spChg>
+        <pc:spChg chg="mod">
+          <ac:chgData name="Jackie N" userId="8b14f1697149b7ae" providerId="LiveId" clId="{07AE1321-E1B5-44BC-BC54-8923ADAC392F}" dt="2022-03-26T19:29:51.415" v="1151"/>
+          <ac:spMkLst>
+            <pc:docMk/>
+            <pc:sldMk cId="2833893545" sldId="373"/>
+            <ac:spMk id="51" creationId="{77450C76-7458-473B-9B77-7D057EFD413B}"/>
+          </ac:spMkLst>
+        </pc:spChg>
+        <pc:spChg chg="add del mod">
+          <ac:chgData name="Jackie N" userId="8b14f1697149b7ae" providerId="LiveId" clId="{07AE1321-E1B5-44BC-BC54-8923ADAC392F}" dt="2022-03-26T19:30:21.572" v="1156" actId="478"/>
+          <ac:spMkLst>
+            <pc:docMk/>
+            <pc:sldMk cId="2833893545" sldId="373"/>
+            <ac:spMk id="52" creationId="{331EB54C-27BE-4E98-AC32-9E40306B3BB3}"/>
+          </ac:spMkLst>
+        </pc:spChg>
+        <pc:spChg chg="add del mod">
+          <ac:chgData name="Jackie N" userId="8b14f1697149b7ae" providerId="LiveId" clId="{07AE1321-E1B5-44BC-BC54-8923ADAC392F}" dt="2022-03-26T19:30:33.817" v="1160" actId="478"/>
+          <ac:spMkLst>
+            <pc:docMk/>
+            <pc:sldMk cId="2833893545" sldId="373"/>
+            <ac:spMk id="53" creationId="{4A929795-8D02-43D6-A5B4-3FAA7946F478}"/>
+          </ac:spMkLst>
+        </pc:spChg>
+        <pc:spChg chg="mod">
+          <ac:chgData name="Jackie N" userId="8b14f1697149b7ae" providerId="LiveId" clId="{07AE1321-E1B5-44BC-BC54-8923ADAC392F}" dt="2022-03-26T19:30:49.043" v="1165" actId="1076"/>
+          <ac:spMkLst>
+            <pc:docMk/>
+            <pc:sldMk cId="2833893545" sldId="373"/>
+            <ac:spMk id="55" creationId="{B8107BFB-DD79-4CD4-BDD9-253861459390}"/>
+          </ac:spMkLst>
+        </pc:spChg>
+        <pc:spChg chg="mod">
+          <ac:chgData name="Jackie N" userId="8b14f1697149b7ae" providerId="LiveId" clId="{07AE1321-E1B5-44BC-BC54-8923ADAC392F}" dt="2022-03-26T19:30:49.043" v="1165" actId="1076"/>
+          <ac:spMkLst>
+            <pc:docMk/>
+            <pc:sldMk cId="2833893545" sldId="373"/>
+            <ac:spMk id="56" creationId="{C9FA9BAB-FC8A-43C0-B258-9E3DE15AD596}"/>
+          </ac:spMkLst>
+        </pc:spChg>
         <pc:spChg chg="mod ord">
-          <ac:chgData name="Jackie N" userId="8b14f1697149b7ae" providerId="LiveId" clId="{07AE1321-E1B5-44BC-BC54-8923ADAC392F}" dt="2022-03-25T17:34:04.826" v="933" actId="1076"/>
+          <ac:chgData name="Jackie N" userId="8b14f1697149b7ae" providerId="LiveId" clId="{07AE1321-E1B5-44BC-BC54-8923ADAC392F}" dt="2022-03-26T19:31:56.312" v="1238" actId="14100"/>
           <ac:spMkLst>
             <pc:docMk/>
             <pc:sldMk cId="2833893545" sldId="373"/>
             <ac:spMk id="92" creationId="{62E0DA5E-720F-479C-AF3A-9E634D5BBCB0}"/>
           </ac:spMkLst>
         </pc:spChg>
+        <pc:spChg chg="add del">
+          <ac:chgData name="Jackie N" userId="8b14f1697149b7ae" providerId="LiveId" clId="{07AE1321-E1B5-44BC-BC54-8923ADAC392F}" dt="2022-03-26T19:29:23.493" v="1148" actId="478"/>
+          <ac:spMkLst>
+            <pc:docMk/>
+            <pc:sldMk cId="2833893545" sldId="373"/>
+            <ac:spMk id="93" creationId="{7999C9E9-E149-4E5F-907E-57BA989539A3}"/>
+          </ac:spMkLst>
+        </pc:spChg>
+        <pc:spChg chg="add del mod ord">
+          <ac:chgData name="Jackie N" userId="8b14f1697149b7ae" providerId="LiveId" clId="{07AE1321-E1B5-44BC-BC54-8923ADAC392F}" dt="2022-03-26T19:32:09.715" v="1240" actId="166"/>
+          <ac:spMkLst>
+            <pc:docMk/>
+            <pc:sldMk cId="2833893545" sldId="373"/>
+            <ac:spMk id="99" creationId="{301F5C07-7FF1-4C90-8198-FC9C51216C7E}"/>
+          </ac:spMkLst>
+        </pc:spChg>
         <pc:spChg chg="mod">
-          <ac:chgData name="Jackie N" userId="8b14f1697149b7ae" providerId="LiveId" clId="{07AE1321-E1B5-44BC-BC54-8923ADAC392F}" dt="2022-03-25T17:31:03.267" v="890" actId="14100"/>
+          <ac:chgData name="Jackie N" userId="8b14f1697149b7ae" providerId="LiveId" clId="{07AE1321-E1B5-44BC-BC54-8923ADAC392F}" dt="2022-03-26T19:31:31.824" v="1232" actId="1038"/>
           <ac:spMkLst>
             <pc:docMk/>
             <pc:sldMk cId="2833893545" sldId="373"/>
@@ -1378,7 +1458,7 @@
           </ac:spMkLst>
         </pc:spChg>
         <pc:spChg chg="mod">
-          <ac:chgData name="Jackie N" userId="8b14f1697149b7ae" providerId="LiveId" clId="{07AE1321-E1B5-44BC-BC54-8923ADAC392F}" dt="2022-03-25T17:29:41.973" v="881" actId="14100"/>
+          <ac:chgData name="Jackie N" userId="8b14f1697149b7ae" providerId="LiveId" clId="{07AE1321-E1B5-44BC-BC54-8923ADAC392F}" dt="2022-03-26T19:31:31.824" v="1232" actId="1038"/>
           <ac:spMkLst>
             <pc:docMk/>
             <pc:sldMk cId="2833893545" sldId="373"/>
@@ -1391,6 +1471,14 @@
             <pc:docMk/>
             <pc:sldMk cId="2833893545" sldId="373"/>
             <ac:spMk id="105" creationId="{43C8943A-66D6-435A-8904-1BEFF40068DE}"/>
+          </ac:spMkLst>
+        </pc:spChg>
+        <pc:spChg chg="add del">
+          <ac:chgData name="Jackie N" userId="8b14f1697149b7ae" providerId="LiveId" clId="{07AE1321-E1B5-44BC-BC54-8923ADAC392F}" dt="2022-03-26T19:29:17.006" v="1147" actId="478"/>
+          <ac:spMkLst>
+            <pc:docMk/>
+            <pc:sldMk cId="2833893545" sldId="373"/>
+            <ac:spMk id="115" creationId="{685F49E4-53E7-41BA-ABAA-9153A7ED27D0}"/>
           </ac:spMkLst>
         </pc:spChg>
         <pc:spChg chg="del">
@@ -1409,12 +1497,76 @@
             <ac:spMk id="117" creationId="{35399D29-BBC9-4998-85F2-C7ED90600EF6}"/>
           </ac:spMkLst>
         </pc:spChg>
+        <pc:spChg chg="mod">
+          <ac:chgData name="Jackie N" userId="8b14f1697149b7ae" providerId="LiveId" clId="{07AE1321-E1B5-44BC-BC54-8923ADAC392F}" dt="2022-03-26T19:31:36.625" v="1233" actId="1076"/>
+          <ac:spMkLst>
+            <pc:docMk/>
+            <pc:sldMk cId="2833893545" sldId="373"/>
+            <ac:spMk id="118" creationId="{A86DC910-3D53-4415-B119-9F69C3CD6733}"/>
+          </ac:spMkLst>
+        </pc:spChg>
+        <pc:grpChg chg="add mod">
+          <ac:chgData name="Jackie N" userId="8b14f1697149b7ae" providerId="LiveId" clId="{07AE1321-E1B5-44BC-BC54-8923ADAC392F}" dt="2022-03-26T19:31:31.824" v="1232" actId="1038"/>
+          <ac:grpSpMkLst>
+            <pc:docMk/>
+            <pc:sldMk cId="2833893545" sldId="373"/>
+            <ac:grpSpMk id="8" creationId="{26276A59-1DA1-48D3-9E20-3521754ADF56}"/>
+          </ac:grpSpMkLst>
+        </pc:grpChg>
+        <pc:grpChg chg="add mod">
+          <ac:chgData name="Jackie N" userId="8b14f1697149b7ae" providerId="LiveId" clId="{07AE1321-E1B5-44BC-BC54-8923ADAC392F}" dt="2022-03-26T19:29:51.415" v="1151"/>
+          <ac:grpSpMkLst>
+            <pc:docMk/>
+            <pc:sldMk cId="2833893545" sldId="373"/>
+            <ac:grpSpMk id="42" creationId="{A814B973-FFD3-4979-8A2A-F360431F4157}"/>
+          </ac:grpSpMkLst>
+        </pc:grpChg>
+        <pc:grpChg chg="add mod">
+          <ac:chgData name="Jackie N" userId="8b14f1697149b7ae" providerId="LiveId" clId="{07AE1321-E1B5-44BC-BC54-8923ADAC392F}" dt="2022-03-26T19:29:51.415" v="1151"/>
+          <ac:grpSpMkLst>
+            <pc:docMk/>
+            <pc:sldMk cId="2833893545" sldId="373"/>
+            <ac:grpSpMk id="49" creationId="{F87FE32D-CD6B-4DCF-91E3-87014998FDC7}"/>
+          </ac:grpSpMkLst>
+        </pc:grpChg>
+        <pc:grpChg chg="add mod">
+          <ac:chgData name="Jackie N" userId="8b14f1697149b7ae" providerId="LiveId" clId="{07AE1321-E1B5-44BC-BC54-8923ADAC392F}" dt="2022-03-26T19:30:49.043" v="1165" actId="1076"/>
+          <ac:grpSpMkLst>
+            <pc:docMk/>
+            <pc:sldMk cId="2833893545" sldId="373"/>
+            <ac:grpSpMk id="54" creationId="{14CE3AE3-881B-45C6-AC49-62B48FEB640B}"/>
+          </ac:grpSpMkLst>
+        </pc:grpChg>
+        <pc:grpChg chg="del">
+          <ac:chgData name="Jackie N" userId="8b14f1697149b7ae" providerId="LiveId" clId="{07AE1321-E1B5-44BC-BC54-8923ADAC392F}" dt="2022-03-26T19:26:52.954" v="991" actId="478"/>
+          <ac:grpSpMkLst>
+            <pc:docMk/>
+            <pc:sldMk cId="2833893545" sldId="373"/>
+            <ac:grpSpMk id="94" creationId="{01C0FB8C-2F2B-4170-8394-77AC09698548}"/>
+          </ac:grpSpMkLst>
+        </pc:grpChg>
+        <pc:grpChg chg="del">
+          <ac:chgData name="Jackie N" userId="8b14f1697149b7ae" providerId="LiveId" clId="{07AE1321-E1B5-44BC-BC54-8923ADAC392F}" dt="2022-03-26T19:26:53.740" v="992" actId="478"/>
+          <ac:grpSpMkLst>
+            <pc:docMk/>
+            <pc:sldMk cId="2833893545" sldId="373"/>
+            <ac:grpSpMk id="100" creationId="{CF4BF398-DC29-4145-A44F-5929ABA01800}"/>
+          </ac:grpSpMkLst>
+        </pc:grpChg>
         <pc:picChg chg="add mod">
-          <ac:chgData name="Jackie N" userId="8b14f1697149b7ae" providerId="LiveId" clId="{07AE1321-E1B5-44BC-BC54-8923ADAC392F}" dt="2022-03-25T17:30:26.914" v="885" actId="1076"/>
+          <ac:chgData name="Jackie N" userId="8b14f1697149b7ae" providerId="LiveId" clId="{07AE1321-E1B5-44BC-BC54-8923ADAC392F}" dt="2022-03-26T19:31:31.824" v="1232" actId="1038"/>
           <ac:picMkLst>
             <pc:docMk/>
             <pc:sldMk cId="2833893545" sldId="373"/>
             <ac:picMk id="41" creationId="{69CCF810-B3C3-46FE-A7F2-F31790E5D22E}"/>
+          </ac:picMkLst>
+        </pc:picChg>
+        <pc:picChg chg="mod">
+          <ac:chgData name="Jackie N" userId="8b14f1697149b7ae" providerId="LiveId" clId="{07AE1321-E1B5-44BC-BC54-8923ADAC392F}" dt="2022-03-26T19:29:51.415" v="1151"/>
+          <ac:picMkLst>
+            <pc:docMk/>
+            <pc:sldMk cId="2833893545" sldId="373"/>
+            <ac:picMk id="43" creationId="{CB8E6C6A-0DF3-4DD8-A0EF-CDEC8949B5D3}"/>
           </ac:picMkLst>
         </pc:picChg>
         <pc:picChg chg="add del mod">
@@ -1425,8 +1577,40 @@
             <ac:picMk id="45" creationId="{C6B7FEA5-A641-4B19-8EF7-50A08B18D699}"/>
           </ac:picMkLst>
         </pc:picChg>
+        <pc:picChg chg="add del">
+          <ac:chgData name="Jackie N" userId="8b14f1697149b7ae" providerId="LiveId" clId="{07AE1321-E1B5-44BC-BC54-8923ADAC392F}" dt="2022-03-26T19:29:15.106" v="1146" actId="478"/>
+          <ac:picMkLst>
+            <pc:docMk/>
+            <pc:sldMk cId="2833893545" sldId="373"/>
+            <ac:picMk id="46" creationId="{AE548326-FB5F-4D36-B2A5-7BFF42ED2E7C}"/>
+          </ac:picMkLst>
+        </pc:picChg>
+        <pc:picChg chg="mod">
+          <ac:chgData name="Jackie N" userId="8b14f1697149b7ae" providerId="LiveId" clId="{07AE1321-E1B5-44BC-BC54-8923ADAC392F}" dt="2022-03-26T19:29:51.415" v="1151"/>
+          <ac:picMkLst>
+            <pc:docMk/>
+            <pc:sldMk cId="2833893545" sldId="373"/>
+            <ac:picMk id="50" creationId="{0FF2B951-7119-4020-BF50-723D10E6901B}"/>
+          </ac:picMkLst>
+        </pc:picChg>
+        <pc:picChg chg="mod">
+          <ac:chgData name="Jackie N" userId="8b14f1697149b7ae" providerId="LiveId" clId="{07AE1321-E1B5-44BC-BC54-8923ADAC392F}" dt="2022-03-26T19:30:49.043" v="1165" actId="1076"/>
+          <ac:picMkLst>
+            <pc:docMk/>
+            <pc:sldMk cId="2833893545" sldId="373"/>
+            <ac:picMk id="57" creationId="{D531644B-4CC7-41D7-A361-DC466375E61B}"/>
+          </ac:picMkLst>
+        </pc:picChg>
+        <pc:picChg chg="mod">
+          <ac:chgData name="Jackie N" userId="8b14f1697149b7ae" providerId="LiveId" clId="{07AE1321-E1B5-44BC-BC54-8923ADAC392F}" dt="2022-03-26T19:28:47.802" v="1132" actId="1035"/>
+          <ac:picMkLst>
+            <pc:docMk/>
+            <pc:sldMk cId="2833893545" sldId="373"/>
+            <ac:picMk id="97" creationId="{CFD5134D-7AE3-4851-984E-FC7483353F51}"/>
+          </ac:picMkLst>
+        </pc:picChg>
         <pc:picChg chg="add mod">
-          <ac:chgData name="Jackie N" userId="8b14f1697149b7ae" providerId="LiveId" clId="{07AE1321-E1B5-44BC-BC54-8923ADAC392F}" dt="2022-03-25T17:32:51.586" v="905" actId="1076"/>
+          <ac:chgData name="Jackie N" userId="8b14f1697149b7ae" providerId="LiveId" clId="{07AE1321-E1B5-44BC-BC54-8923ADAC392F}" dt="2022-03-26T19:31:31.824" v="1232" actId="1038"/>
           <ac:picMkLst>
             <pc:docMk/>
             <pc:sldMk cId="2833893545" sldId="373"/>
@@ -1434,15 +1618,23 @@
           </ac:picMkLst>
         </pc:picChg>
         <pc:cxnChg chg="add mod">
-          <ac:chgData name="Jackie N" userId="8b14f1697149b7ae" providerId="LiveId" clId="{07AE1321-E1B5-44BC-BC54-8923ADAC392F}" dt="2022-03-25T17:34:08.770" v="934" actId="14100"/>
+          <ac:chgData name="Jackie N" userId="8b14f1697149b7ae" providerId="LiveId" clId="{07AE1321-E1B5-44BC-BC54-8923ADAC392F}" dt="2022-03-26T19:31:31.824" v="1232" actId="1038"/>
           <ac:cxnSpMkLst>
             <pc:docMk/>
             <pc:sldMk cId="2833893545" sldId="373"/>
             <ac:cxnSpMk id="48" creationId="{BA077138-4AFC-4844-ABD3-B66C880900FA}"/>
           </ac:cxnSpMkLst>
         </pc:cxnChg>
-        <pc:cxnChg chg="mod">
-          <ac:chgData name="Jackie N" userId="8b14f1697149b7ae" providerId="LiveId" clId="{07AE1321-E1B5-44BC-BC54-8923ADAC392F}" dt="2022-03-25T17:29:41.973" v="881" actId="14100"/>
+        <pc:cxnChg chg="add del mod">
+          <ac:chgData name="Jackie N" userId="8b14f1697149b7ae" providerId="LiveId" clId="{07AE1321-E1B5-44BC-BC54-8923ADAC392F}" dt="2022-03-26T19:29:23.493" v="1148" actId="478"/>
+          <ac:cxnSpMkLst>
+            <pc:docMk/>
+            <pc:sldMk cId="2833893545" sldId="373"/>
+            <ac:cxnSpMk id="98" creationId="{9E1C9126-2517-4093-93EC-EEE17533B104}"/>
+          </ac:cxnSpMkLst>
+        </pc:cxnChg>
+        <pc:cxnChg chg="del mod">
+          <ac:chgData name="Jackie N" userId="8b14f1697149b7ae" providerId="LiveId" clId="{07AE1321-E1B5-44BC-BC54-8923ADAC392F}" dt="2022-03-26T19:29:33.025" v="1150" actId="478"/>
           <ac:cxnSpMkLst>
             <pc:docMk/>
             <pc:sldMk cId="2833893545" sldId="373"/>
@@ -1450,7 +1642,23 @@
           </ac:cxnSpMkLst>
         </pc:cxnChg>
         <pc:cxnChg chg="mod">
-          <ac:chgData name="Jackie N" userId="8b14f1697149b7ae" providerId="LiveId" clId="{07AE1321-E1B5-44BC-BC54-8923ADAC392F}" dt="2022-03-25T17:31:07.925" v="891" actId="14100"/>
+          <ac:chgData name="Jackie N" userId="8b14f1697149b7ae" providerId="LiveId" clId="{07AE1321-E1B5-44BC-BC54-8923ADAC392F}" dt="2022-03-26T19:31:50.059" v="1237" actId="14100"/>
+          <ac:cxnSpMkLst>
+            <pc:docMk/>
+            <pc:sldMk cId="2833893545" sldId="373"/>
+            <ac:cxnSpMk id="108" creationId="{7F16F149-EA8E-4A08-8FAF-1AF2BFA53F27}"/>
+          </ac:cxnSpMkLst>
+        </pc:cxnChg>
+        <pc:cxnChg chg="mod">
+          <ac:chgData name="Jackie N" userId="8b14f1697149b7ae" providerId="LiveId" clId="{07AE1321-E1B5-44BC-BC54-8923ADAC392F}" dt="2022-03-26T19:31:36.625" v="1233" actId="1076"/>
+          <ac:cxnSpMkLst>
+            <pc:docMk/>
+            <pc:sldMk cId="2833893545" sldId="373"/>
+            <ac:cxnSpMk id="110" creationId="{56003883-F777-4273-94A2-FC485286CB35}"/>
+          </ac:cxnSpMkLst>
+        </pc:cxnChg>
+        <pc:cxnChg chg="mod">
+          <ac:chgData name="Jackie N" userId="8b14f1697149b7ae" providerId="LiveId" clId="{07AE1321-E1B5-44BC-BC54-8923ADAC392F}" dt="2022-03-26T19:31:31.824" v="1232" actId="1038"/>
           <ac:cxnSpMkLst>
             <pc:docMk/>
             <pc:sldMk cId="2833893545" sldId="373"/>
@@ -1560,7 +1768,7 @@
           <a:p>
             <a:fld id="{69797AF1-868B-5A42-A764-B7DD04806930}" type="datetimeFigureOut">
               <a:rPr lang="en-US" smtClean="0"/>
-              <a:t>3/25/2022</a:t>
+              <a:t>3/26/2022</a:t>
             </a:fld>
             <a:endParaRPr lang="en-US"/>
           </a:p>
@@ -23486,7 +23694,7 @@
         <p:spPr>
           <a:xfrm>
             <a:off x="9024126" y="3837412"/>
-            <a:ext cx="2404742" cy="430887"/>
+            <a:ext cx="2404742" cy="769441"/>
           </a:xfrm>
           <a:prstGeom prst="rect">
             <a:avLst/>
@@ -23513,7 +23721,48 @@
                   <a:schemeClr val="accent5"/>
                 </a:solidFill>
               </a:rPr>
-              <a:t>: Age, Gender, Race, Crime Type, *Judge</a:t>
+              <a:t>: Age, Gender, Race</a:t>
+            </a:r>
+          </a:p>
+          <a:p>
+            <a:endParaRPr lang="en-US" sz="1100" b="1" dirty="0">
+              <a:solidFill>
+                <a:schemeClr val="accent5"/>
+              </a:solidFill>
+            </a:endParaRPr>
+          </a:p>
+          <a:p>
+            <a:r>
+              <a:rPr lang="en-US" sz="1100" b="1" dirty="0">
+                <a:solidFill>
+                  <a:schemeClr val="accent5"/>
+                </a:solidFill>
+              </a:rPr>
+              <a:t>Segmented by</a:t>
+            </a:r>
+            <a:r>
+              <a:rPr lang="en-US" sz="1100" dirty="0">
+                <a:solidFill>
+                  <a:schemeClr val="accent5"/>
+                </a:solidFill>
+              </a:rPr>
+              <a:t> Crime Type, geo-locations,</a:t>
+            </a:r>
+            <a:r>
+              <a:rPr lang="en-US" sz="1100" b="1" dirty="0">
+                <a:solidFill>
+                  <a:schemeClr val="accent5"/>
+                </a:solidFill>
+              </a:rPr>
+              <a:t> </a:t>
+            </a:r>
+            <a:r>
+              <a:rPr lang="en-US" sz="1100" dirty="0">
+                <a:solidFill>
+                  <a:schemeClr val="accent5"/>
+                </a:solidFill>
+              </a:rPr>
+              <a:t>*Judge</a:t>
             </a:r>
           </a:p>
         </p:txBody>
@@ -23621,8 +23870,8 @@
         </p:nvSpPr>
         <p:spPr bwMode="auto">
           <a:xfrm>
-            <a:off x="1895583" y="1198521"/>
-            <a:ext cx="6789404" cy="5579572"/>
+            <a:off x="2318660" y="1198521"/>
+            <a:ext cx="6366326" cy="5579572"/>
           </a:xfrm>
           <a:prstGeom prst="rect">
             <a:avLst/>
@@ -23667,83 +23916,6 @@
               <a:solidFill>
                 <a:srgbClr val="000000"/>
               </a:solidFill>
-              <a:latin typeface="Segoe UI"/>
-              <a:cs typeface="Arial"/>
-              <a:sym typeface="Arial"/>
-            </a:endParaRPr>
-          </a:p>
-        </p:txBody>
-      </p:sp>
-      <p:sp>
-        <p:nvSpPr>
-          <p:cNvPr id="47" name="Rounded Rectangle 9">
-            <a:extLst>
-              <a:ext uri="{FF2B5EF4-FFF2-40B4-BE49-F238E27FC236}">
-                <a16:creationId xmlns:a16="http://schemas.microsoft.com/office/drawing/2014/main" id="{4045D4C8-84DF-4CB6-B58A-E58C48BE8536}"/>
-              </a:ext>
-            </a:extLst>
-          </p:cNvPr>
-          <p:cNvSpPr/>
-          <p:nvPr/>
-        </p:nvSpPr>
-        <p:spPr bwMode="auto">
-          <a:xfrm>
-            <a:off x="2260731" y="5120669"/>
-            <a:ext cx="3372291" cy="1478461"/>
-          </a:xfrm>
-          <a:prstGeom prst="roundRect">
-            <a:avLst/>
-          </a:prstGeom>
-          <a:solidFill>
-            <a:srgbClr val="2396ED"/>
-          </a:solidFill>
-          <a:ln w="9525" cap="flat" cmpd="sng" algn="ctr">
-            <a:solidFill>
-              <a:srgbClr val="3A94D2">
-                <a:satMod val="150000"/>
-              </a:srgbClr>
-            </a:solidFill>
-            <a:prstDash val="solid"/>
-            <a:headEnd type="none" w="med" len="med"/>
-            <a:tailEnd type="none" w="med" len="med"/>
-          </a:ln>
-          <a:effectLst>
-            <a:outerShdw blurRad="65500" dist="38100" dir="5400000" rotWithShape="0">
-              <a:srgbClr val="000000">
-                <a:alpha val="40000"/>
-              </a:srgbClr>
-            </a:outerShdw>
-          </a:effectLst>
-        </p:spPr>
-        <p:txBody>
-          <a:bodyPr vert="horz" wrap="square" lIns="121915" tIns="60957" rIns="121915" bIns="60957" numCol="1" rtlCol="0" anchor="ctr" anchorCtr="0" compatLnSpc="1">
-            <a:prstTxWarp prst="textNoShape">
-              <a:avLst/>
-            </a:prstTxWarp>
-          </a:bodyPr>
-          <a:lstStyle/>
-          <a:p>
-            <a:pPr algn="ctr" defTabSz="1218768" fontAlgn="base">
-              <a:spcBef>
-                <a:spcPct val="0"/>
-              </a:spcBef>
-              <a:spcAft>
-                <a:spcPct val="0"/>
-              </a:spcAft>
-              <a:defRPr/>
-            </a:pPr>
-            <a:endParaRPr lang="en-US" sz="2667">
-              <a:gradFill>
-                <a:gsLst>
-                  <a:gs pos="0">
-                    <a:srgbClr val="FFFFFF"/>
-                  </a:gs>
-                  <a:gs pos="100000">
-                    <a:srgbClr val="FFFFFF"/>
-                  </a:gs>
-                </a:gsLst>
-                <a:lin ang="5400000" scaled="0"/>
-              </a:gradFill>
               <a:latin typeface="Segoe UI"/>
               <a:cs typeface="Arial"/>
               <a:sym typeface="Arial"/>
@@ -23844,331 +24016,6 @@
           </a:p>
         </p:txBody>
       </p:sp>
-      <p:sp>
-        <p:nvSpPr>
-          <p:cNvPr id="115" name="Rectangle 114">
-            <a:extLst>
-              <a:ext uri="{FF2B5EF4-FFF2-40B4-BE49-F238E27FC236}">
-                <a16:creationId xmlns:a16="http://schemas.microsoft.com/office/drawing/2014/main" id="{685F49E4-53E7-41BA-ABAA-9153A7ED27D0}"/>
-              </a:ext>
-            </a:extLst>
-          </p:cNvPr>
-          <p:cNvSpPr/>
-          <p:nvPr/>
-        </p:nvSpPr>
-        <p:spPr>
-          <a:xfrm>
-            <a:off x="61968" y="2949385"/>
-            <a:ext cx="1543120" cy="415498"/>
-          </a:xfrm>
-          <a:prstGeom prst="rect">
-            <a:avLst/>
-          </a:prstGeom>
-        </p:spPr>
-        <p:txBody>
-          <a:bodyPr wrap="square" lIns="121920" tIns="60960" rIns="121920" bIns="60960" anchor="t">
-            <a:spAutoFit/>
-          </a:bodyPr>
-          <a:lstStyle/>
-          <a:p>
-            <a:pPr defTabSz="913881">
-              <a:lnSpc>
-                <a:spcPct val="95000"/>
-              </a:lnSpc>
-              <a:spcBef>
-                <a:spcPct val="0"/>
-              </a:spcBef>
-              <a:spcAft>
-                <a:spcPct val="0"/>
-              </a:spcAft>
-              <a:defRPr/>
-            </a:pPr>
-            <a:r>
-              <a:rPr lang="en-US" sz="1000" b="1" spc="49" dirty="0">
-                <a:solidFill>
-                  <a:srgbClr val="F7F2E2"/>
-                </a:solidFill>
-                <a:latin typeface="Segoe UI Semibold"/>
-                <a:cs typeface="Segoe UI Semibold"/>
-              </a:rPr>
-              <a:t>Florida Department Of Corrections</a:t>
-            </a:r>
-            <a:endParaRPr lang="en-US" sz="2400" dirty="0">
-              <a:solidFill>
-                <a:srgbClr val="F7F2E2"/>
-              </a:solidFill>
-            </a:endParaRPr>
-          </a:p>
-        </p:txBody>
-      </p:sp>
-      <p:pic>
-        <p:nvPicPr>
-          <p:cNvPr id="46" name="Picture 45" descr="Logo&#10;&#10;Description automatically generated">
-            <a:extLst>
-              <a:ext uri="{FF2B5EF4-FFF2-40B4-BE49-F238E27FC236}">
-                <a16:creationId xmlns:a16="http://schemas.microsoft.com/office/drawing/2014/main" id="{AE548326-FB5F-4D36-B2A5-7BFF42ED2E7C}"/>
-              </a:ext>
-            </a:extLst>
-          </p:cNvPr>
-          <p:cNvPicPr>
-            <a:picLocks noChangeAspect="1"/>
-          </p:cNvPicPr>
-          <p:nvPr/>
-        </p:nvPicPr>
-        <p:blipFill>
-          <a:blip r:embed="rId3"/>
-          <a:stretch>
-            <a:fillRect/>
-          </a:stretch>
-        </p:blipFill>
-        <p:spPr>
-          <a:xfrm>
-            <a:off x="228470" y="1862288"/>
-            <a:ext cx="1014849" cy="1014849"/>
-          </a:xfrm>
-          <a:prstGeom prst="rect">
-            <a:avLst/>
-          </a:prstGeom>
-        </p:spPr>
-      </p:pic>
-      <p:sp>
-        <p:nvSpPr>
-          <p:cNvPr id="93" name="Rounded Rectangle 11">
-            <a:extLst>
-              <a:ext uri="{FF2B5EF4-FFF2-40B4-BE49-F238E27FC236}">
-                <a16:creationId xmlns:a16="http://schemas.microsoft.com/office/drawing/2014/main" id="{7999C9E9-E149-4E5F-907E-57BA989539A3}"/>
-              </a:ext>
-            </a:extLst>
-          </p:cNvPr>
-          <p:cNvSpPr/>
-          <p:nvPr/>
-        </p:nvSpPr>
-        <p:spPr bwMode="auto">
-          <a:xfrm>
-            <a:off x="4651222" y="1913650"/>
-            <a:ext cx="2497073" cy="912123"/>
-          </a:xfrm>
-          <a:prstGeom prst="roundRect">
-            <a:avLst/>
-          </a:prstGeom>
-          <a:gradFill rotWithShape="1">
-            <a:gsLst>
-              <a:gs pos="0">
-                <a:srgbClr val="3A94D2">
-                  <a:tint val="65000"/>
-                  <a:satMod val="270000"/>
-                </a:srgbClr>
-              </a:gs>
-              <a:gs pos="25000">
-                <a:srgbClr val="3A94D2">
-                  <a:tint val="60000"/>
-                  <a:satMod val="300000"/>
-                </a:srgbClr>
-              </a:gs>
-              <a:gs pos="100000">
-                <a:srgbClr val="3A94D2">
-                  <a:tint val="29000"/>
-                  <a:satMod val="400000"/>
-                </a:srgbClr>
-              </a:gs>
-            </a:gsLst>
-            <a:lin ang="16200000" scaled="1"/>
-          </a:gradFill>
-          <a:ln w="9525" cap="flat" cmpd="sng" algn="ctr">
-            <a:solidFill>
-              <a:srgbClr val="3A94D2">
-                <a:satMod val="150000"/>
-              </a:srgbClr>
-            </a:solidFill>
-            <a:prstDash val="solid"/>
-            <a:headEnd type="none" w="med" len="med"/>
-            <a:tailEnd type="none" w="med" len="med"/>
-          </a:ln>
-          <a:effectLst>
-            <a:outerShdw blurRad="65500" dist="38100" dir="5400000" rotWithShape="0">
-              <a:srgbClr val="000000">
-                <a:alpha val="40000"/>
-              </a:srgbClr>
-            </a:outerShdw>
-          </a:effectLst>
-        </p:spPr>
-        <p:txBody>
-          <a:bodyPr vert="horz" wrap="square" lIns="121915" tIns="60957" rIns="121915" bIns="60957" numCol="1" rtlCol="0" anchor="ctr" anchorCtr="0" compatLnSpc="1">
-            <a:prstTxWarp prst="textNoShape">
-              <a:avLst/>
-            </a:prstTxWarp>
-          </a:bodyPr>
-          <a:lstStyle/>
-          <a:p>
-            <a:pPr algn="ctr" defTabSz="1218768" fontAlgn="base">
-              <a:spcBef>
-                <a:spcPct val="0"/>
-              </a:spcBef>
-              <a:spcAft>
-                <a:spcPct val="0"/>
-              </a:spcAft>
-              <a:defRPr/>
-            </a:pPr>
-            <a:r>
-              <a:rPr lang="en-US" sz="1867" dirty="0">
-                <a:gradFill>
-                  <a:gsLst>
-                    <a:gs pos="0">
-                      <a:srgbClr val="FFFFFF"/>
-                    </a:gs>
-                    <a:gs pos="100000">
-                      <a:srgbClr val="FFFFFF"/>
-                    </a:gs>
-                  </a:gsLst>
-                  <a:lin ang="5400000" scaled="0"/>
-                </a:gradFill>
-                <a:latin typeface="Segoe UI"/>
-                <a:cs typeface="Arial"/>
-                <a:sym typeface="Arial"/>
-              </a:rPr>
-              <a:t>EDA, Cleansing etc.</a:t>
-            </a:r>
-          </a:p>
-        </p:txBody>
-      </p:sp>
-      <p:grpSp>
-        <p:nvGrpSpPr>
-          <p:cNvPr id="94" name="Group 116">
-            <a:extLst>
-              <a:ext uri="{FF2B5EF4-FFF2-40B4-BE49-F238E27FC236}">
-                <a16:creationId xmlns:a16="http://schemas.microsoft.com/office/drawing/2014/main" id="{01C0FB8C-2F2B-4170-8394-77AC09698548}"/>
-              </a:ext>
-            </a:extLst>
-          </p:cNvPr>
-          <p:cNvGrpSpPr/>
-          <p:nvPr/>
-        </p:nvGrpSpPr>
-        <p:grpSpPr>
-          <a:xfrm>
-            <a:off x="9554657" y="2758884"/>
-            <a:ext cx="986755" cy="1016000"/>
-            <a:chOff x="555334" y="4191000"/>
-            <a:chExt cx="587666" cy="609600"/>
-          </a:xfrm>
-        </p:grpSpPr>
-        <p:pic>
-          <p:nvPicPr>
-            <p:cNvPr id="95" name="Picture 3" descr="C:\Documents and Settings\antonk\Local Settings\Temporary Internet Files\Content.IE5\AV78XKCM\MCj04348450000[1].png">
-              <a:extLst>
-                <a:ext uri="{FF2B5EF4-FFF2-40B4-BE49-F238E27FC236}">
-                  <a16:creationId xmlns:a16="http://schemas.microsoft.com/office/drawing/2014/main" id="{720CBC3A-E74E-4FC7-B8E4-D26AE90673E2}"/>
-                </a:ext>
-              </a:extLst>
-            </p:cNvPr>
-            <p:cNvPicPr>
-              <a:picLocks noChangeAspect="1" noChangeArrowheads="1"/>
-            </p:cNvPicPr>
-            <p:nvPr/>
-          </p:nvPicPr>
-          <p:blipFill>
-            <a:blip r:embed="rId4" cstate="print"/>
-            <a:srcRect/>
-            <a:stretch>
-              <a:fillRect/>
-            </a:stretch>
-          </p:blipFill>
-          <p:spPr bwMode="auto">
-            <a:xfrm>
-              <a:off x="555334" y="4191000"/>
-              <a:ext cx="587666" cy="527538"/>
-            </a:xfrm>
-            <a:prstGeom prst="rect">
-              <a:avLst/>
-            </a:prstGeom>
-            <a:noFill/>
-          </p:spPr>
-        </p:pic>
-        <p:sp>
-          <p:nvSpPr>
-            <p:cNvPr id="96" name="Can 21">
-              <a:extLst>
-                <a:ext uri="{FF2B5EF4-FFF2-40B4-BE49-F238E27FC236}">
-                  <a16:creationId xmlns:a16="http://schemas.microsoft.com/office/drawing/2014/main" id="{34A24359-6A92-4311-B53B-0BE9DAB6053B}"/>
-                </a:ext>
-              </a:extLst>
-            </p:cNvPr>
-            <p:cNvSpPr/>
-            <p:nvPr/>
-          </p:nvSpPr>
-          <p:spPr>
-            <a:xfrm>
-              <a:off x="860133" y="4419600"/>
-              <a:ext cx="228600" cy="381000"/>
-            </a:xfrm>
-            <a:prstGeom prst="can">
-              <a:avLst/>
-            </a:prstGeom>
-            <a:gradFill rotWithShape="1">
-              <a:gsLst>
-                <a:gs pos="0">
-                  <a:srgbClr val="3A94D2">
-                    <a:shade val="45000"/>
-                    <a:satMod val="155000"/>
-                  </a:srgbClr>
-                </a:gs>
-                <a:gs pos="60000">
-                  <a:srgbClr val="3A94D2">
-                    <a:shade val="95000"/>
-                    <a:satMod val="150000"/>
-                  </a:srgbClr>
-                </a:gs>
-                <a:gs pos="100000">
-                  <a:srgbClr val="3A94D2">
-                    <a:tint val="87000"/>
-                    <a:satMod val="250000"/>
-                  </a:srgbClr>
-                </a:gs>
-              </a:gsLst>
-              <a:lin ang="16200000" scaled="0"/>
-            </a:gradFill>
-            <a:ln>
-              <a:noFill/>
-            </a:ln>
-            <a:effectLst>
-              <a:outerShdw blurRad="65500" dist="38100" dir="5400000" rotWithShape="0">
-                <a:srgbClr val="000000">
-                  <a:alpha val="40000"/>
-                </a:srgbClr>
-              </a:outerShdw>
-            </a:effectLst>
-            <a:scene3d>
-              <a:camera prst="orthographicFront" fov="0">
-                <a:rot lat="0" lon="0" rev="0"/>
-              </a:camera>
-              <a:lightRig rig="contrasting" dir="t">
-                <a:rot lat="0" lon="0" rev="12000000"/>
-              </a:lightRig>
-            </a:scene3d>
-            <a:sp3d prstMaterial="powder">
-              <a:bevelT h="50800"/>
-            </a:sp3d>
-          </p:spPr>
-          <p:txBody>
-            <a:bodyPr rtlCol="0" anchor="ctr"/>
-            <a:lstStyle/>
-            <a:p>
-              <a:pPr algn="ctr" defTabSz="1219120">
-                <a:defRPr/>
-              </a:pPr>
-              <a:endParaRPr lang="en-US" sz="1600">
-                <a:solidFill>
-                  <a:srgbClr val="8557C9">
-                    <a:lumMod val="25000"/>
-                  </a:srgbClr>
-                </a:solidFill>
-                <a:latin typeface="Segoe UI"/>
-                <a:cs typeface="Arial" pitchFamily="34" charset="0"/>
-                <a:sym typeface="Arial"/>
-              </a:endParaRPr>
-            </a:p>
-          </p:txBody>
-        </p:sp>
-      </p:grpSp>
       <p:pic>
         <p:nvPicPr>
           <p:cNvPr id="97" name="Picture 2" descr="Bloomberg Professional Service">
@@ -24184,7 +24031,7 @@
           <p:nvPr/>
         </p:nvPicPr>
         <p:blipFill>
-          <a:blip r:embed="rId5" cstate="print"/>
+          <a:blip r:embed="rId3" cstate="print"/>
           <a:srcRect l="2614" t="12749" r="3268" b="39442"/>
           <a:stretch>
             <a:fillRect/>
@@ -24212,8 +24059,6 @@
           </p:cNvPr>
           <p:cNvCxnSpPr>
             <a:cxnSpLocks/>
-            <a:stCxn id="93" idx="3"/>
-            <a:endCxn id="95" idx="1"/>
           </p:cNvCxnSpPr>
           <p:nvPr/>
         </p:nvCxnSpPr>
@@ -24246,208 +24091,6 @@
       </p:cxnSp>
       <p:sp>
         <p:nvSpPr>
-          <p:cNvPr id="99" name="Right Arrow 4">
-            <a:extLst>
-              <a:ext uri="{FF2B5EF4-FFF2-40B4-BE49-F238E27FC236}">
-                <a16:creationId xmlns:a16="http://schemas.microsoft.com/office/drawing/2014/main" id="{301F5C07-7FF1-4C90-8198-FC9C51216C7E}"/>
-              </a:ext>
-            </a:extLst>
-          </p:cNvPr>
-          <p:cNvSpPr/>
-          <p:nvPr/>
-        </p:nvSpPr>
-        <p:spPr bwMode="auto">
-          <a:xfrm>
-            <a:off x="1408238" y="1718424"/>
-            <a:ext cx="2837804" cy="1302579"/>
-          </a:xfrm>
-          <a:prstGeom prst="rightArrow">
-            <a:avLst/>
-          </a:prstGeom>
-          <a:gradFill rotWithShape="1">
-            <a:gsLst>
-              <a:gs pos="0">
-                <a:srgbClr val="F38C37">
-                  <a:shade val="45000"/>
-                  <a:satMod val="155000"/>
-                </a:srgbClr>
-              </a:gs>
-              <a:gs pos="60000">
-                <a:srgbClr val="F38C37">
-                  <a:shade val="95000"/>
-                  <a:satMod val="150000"/>
-                </a:srgbClr>
-              </a:gs>
-              <a:gs pos="100000">
-                <a:srgbClr val="F38C37">
-                  <a:tint val="87000"/>
-                  <a:satMod val="250000"/>
-                </a:srgbClr>
-              </a:gs>
-            </a:gsLst>
-            <a:lin ang="16200000" scaled="0"/>
-          </a:gradFill>
-          <a:ln w="9525" cap="flat" cmpd="sng" algn="ctr">
-            <a:solidFill>
-              <a:srgbClr val="F38C37">
-                <a:satMod val="150000"/>
-              </a:srgbClr>
-            </a:solidFill>
-            <a:prstDash val="solid"/>
-            <a:headEnd type="none" w="med" len="med"/>
-            <a:tailEnd type="none" w="med" len="med"/>
-          </a:ln>
-          <a:effectLst>
-            <a:outerShdw blurRad="65500" dist="38100" dir="5400000" rotWithShape="0">
-              <a:srgbClr val="000000">
-                <a:alpha val="40000"/>
-              </a:srgbClr>
-            </a:outerShdw>
-          </a:effectLst>
-        </p:spPr>
-        <p:txBody>
-          <a:bodyPr vert="horz" wrap="square" lIns="121915" tIns="60957" rIns="121915" bIns="60957" numCol="1" rtlCol="0" anchor="ctr" anchorCtr="0" compatLnSpc="1">
-            <a:prstTxWarp prst="textNoShape">
-              <a:avLst/>
-            </a:prstTxWarp>
-          </a:bodyPr>
-          <a:lstStyle/>
-          <a:p>
-            <a:pPr algn="ctr" defTabSz="1218768" fontAlgn="base">
-              <a:spcBef>
-                <a:spcPct val="0"/>
-              </a:spcBef>
-              <a:spcAft>
-                <a:spcPct val="0"/>
-              </a:spcAft>
-              <a:defRPr/>
-            </a:pPr>
-            <a:r>
-              <a:rPr lang="en-US" sz="2667" dirty="0">
-                <a:gradFill>
-                  <a:gsLst>
-                    <a:gs pos="0">
-                      <a:srgbClr val="FFFFFF"/>
-                    </a:gs>
-                    <a:gs pos="100000">
-                      <a:srgbClr val="FFFFFF"/>
-                    </a:gs>
-                  </a:gsLst>
-                  <a:lin ang="5400000" scaled="0"/>
-                </a:gradFill>
-                <a:latin typeface="Segoe UI"/>
-                <a:cs typeface="Arial"/>
-                <a:sym typeface="Arial"/>
-              </a:rPr>
-              <a:t>Data</a:t>
-            </a:r>
-          </a:p>
-        </p:txBody>
-      </p:sp>
-      <p:grpSp>
-        <p:nvGrpSpPr>
-          <p:cNvPr id="100" name="Group 99">
-            <a:extLst>
-              <a:ext uri="{FF2B5EF4-FFF2-40B4-BE49-F238E27FC236}">
-                <a16:creationId xmlns:a16="http://schemas.microsoft.com/office/drawing/2014/main" id="{CF4BF398-DC29-4145-A44F-5929ABA01800}"/>
-              </a:ext>
-            </a:extLst>
-          </p:cNvPr>
-          <p:cNvGrpSpPr/>
-          <p:nvPr/>
-        </p:nvGrpSpPr>
-        <p:grpSpPr>
-          <a:xfrm>
-            <a:off x="10682655" y="3102941"/>
-            <a:ext cx="712054" cy="626116"/>
-            <a:chOff x="3434328" y="3336433"/>
-            <a:chExt cx="1059543" cy="925108"/>
-          </a:xfrm>
-        </p:grpSpPr>
-        <p:pic>
-          <p:nvPicPr>
-            <p:cNvPr id="101" name="Picture 100">
-              <a:extLst>
-                <a:ext uri="{FF2B5EF4-FFF2-40B4-BE49-F238E27FC236}">
-                  <a16:creationId xmlns:a16="http://schemas.microsoft.com/office/drawing/2014/main" id="{7B733F0F-7616-470F-946A-7DDBCB30A8D2}"/>
-                </a:ext>
-              </a:extLst>
-            </p:cNvPr>
-            <p:cNvPicPr>
-              <a:picLocks noChangeAspect="1"/>
-            </p:cNvPicPr>
-            <p:nvPr/>
-          </p:nvPicPr>
-          <p:blipFill>
-            <a:blip r:embed="rId6" cstate="print">
-              <a:extLst>
-                <a:ext uri="{28A0092B-C50C-407E-A947-70E740481C1C}">
-                  <a14:useLocalDpi xmlns:a14="http://schemas.microsoft.com/office/drawing/2010/main"/>
-                </a:ext>
-              </a:extLst>
-            </a:blip>
-            <a:stretch>
-              <a:fillRect/>
-            </a:stretch>
-          </p:blipFill>
-          <p:spPr>
-            <a:xfrm>
-              <a:off x="3714959" y="3336433"/>
-              <a:ext cx="635521" cy="635521"/>
-            </a:xfrm>
-            <a:prstGeom prst="rect">
-              <a:avLst/>
-            </a:prstGeom>
-          </p:spPr>
-        </p:pic>
-        <p:sp>
-          <p:nvSpPr>
-            <p:cNvPr id="102" name="Rectangle 101">
-              <a:extLst>
-                <a:ext uri="{FF2B5EF4-FFF2-40B4-BE49-F238E27FC236}">
-                  <a16:creationId xmlns:a16="http://schemas.microsoft.com/office/drawing/2014/main" id="{1FD507AA-6950-4863-B20C-4A9044787D8B}"/>
-                </a:ext>
-              </a:extLst>
-            </p:cNvPr>
-            <p:cNvSpPr/>
-            <p:nvPr/>
-          </p:nvSpPr>
-          <p:spPr>
-            <a:xfrm>
-              <a:off x="3434328" y="3965953"/>
-              <a:ext cx="1059543" cy="295588"/>
-            </a:xfrm>
-            <a:prstGeom prst="rect">
-              <a:avLst/>
-            </a:prstGeom>
-          </p:spPr>
-          <p:txBody>
-            <a:bodyPr wrap="none">
-              <a:spAutoFit/>
-            </a:bodyPr>
-            <a:lstStyle/>
-            <a:p>
-              <a:pPr algn="ctr" defTabSz="932215"/>
-              <a:r>
-                <a:rPr lang="en-US" sz="700" kern="0">
-                  <a:solidFill>
-                    <a:prstClr val="white">
-                      <a:lumMod val="50000"/>
-                    </a:prstClr>
-                  </a:solidFill>
-                  <a:latin typeface="Segoe UI Semibold" panose="020B0702040204020203" pitchFamily="34" charset="0"/>
-                  <a:ea typeface="MS PGothic" panose="020B0600070205080204" pitchFamily="34" charset="-128"/>
-                  <a:cs typeface="Segoe UI Semibold" panose="020B0702040204020203" pitchFamily="34" charset="0"/>
-                  <a:sym typeface="Arial"/>
-                </a:rPr>
-                <a:t>AZURE SQL DB</a:t>
-              </a:r>
-            </a:p>
-          </p:txBody>
-        </p:sp>
-      </p:grpSp>
-      <p:sp>
-        <p:nvSpPr>
           <p:cNvPr id="103" name="Rounded Rectangle 9">
             <a:extLst>
               <a:ext uri="{FF2B5EF4-FFF2-40B4-BE49-F238E27FC236}">
@@ -24460,7 +24103,7 @@
         </p:nvSpPr>
         <p:spPr bwMode="auto">
           <a:xfrm>
-            <a:off x="2234722" y="3130115"/>
+            <a:off x="2769646" y="3130115"/>
             <a:ext cx="3372291" cy="1478461"/>
           </a:xfrm>
           <a:prstGeom prst="roundRect">
@@ -24537,7 +24180,7 @@
         </p:nvSpPr>
         <p:spPr bwMode="auto">
           <a:xfrm>
-            <a:off x="5976083" y="3130114"/>
+            <a:off x="4983517" y="1618994"/>
             <a:ext cx="2616669" cy="1332157"/>
           </a:xfrm>
           <a:prstGeom prst="roundRect">
@@ -24625,48 +24268,6 @@
       </p:sp>
       <p:cxnSp>
         <p:nvCxnSpPr>
-          <p:cNvPr id="107" name="Curved Connector 24">
-            <a:extLst>
-              <a:ext uri="{FF2B5EF4-FFF2-40B4-BE49-F238E27FC236}">
-                <a16:creationId xmlns:a16="http://schemas.microsoft.com/office/drawing/2014/main" id="{643464BB-3AC0-4A4D-A90E-DE71980EB5CA}"/>
-              </a:ext>
-            </a:extLst>
-          </p:cNvPr>
-          <p:cNvCxnSpPr>
-            <a:cxnSpLocks/>
-            <a:endCxn id="104" idx="3"/>
-          </p:cNvCxnSpPr>
-          <p:nvPr/>
-        </p:nvCxnSpPr>
-        <p:spPr>
-          <a:xfrm rot="10800000" flipV="1">
-            <a:off x="8592753" y="3491653"/>
-            <a:ext cx="961921" cy="304540"/>
-          </a:xfrm>
-          <a:prstGeom prst="curvedConnector3">
-            <a:avLst>
-              <a:gd name="adj1" fmla="val 50000"/>
-            </a:avLst>
-          </a:prstGeom>
-          <a:noFill/>
-          <a:ln w="38100" cap="flat" cmpd="sng" algn="ctr">
-            <a:solidFill>
-              <a:srgbClr val="F38C37"/>
-            </a:solidFill>
-            <a:prstDash val="solid"/>
-            <a:tailEnd type="arrow"/>
-          </a:ln>
-          <a:effectLst>
-            <a:outerShdw blurRad="65500" dist="38100" dir="5400000" rotWithShape="0">
-              <a:srgbClr val="000000">
-                <a:alpha val="40000"/>
-              </a:srgbClr>
-            </a:outerShdw>
-          </a:effectLst>
-        </p:spPr>
-      </p:cxnSp>
-      <p:cxnSp>
-        <p:nvCxnSpPr>
           <p:cNvPr id="108" name="Curved Connector 24">
             <a:extLst>
               <a:ext uri="{FF2B5EF4-FFF2-40B4-BE49-F238E27FC236}">
@@ -24676,13 +24277,14 @@
           </p:cNvPr>
           <p:cNvCxnSpPr>
             <a:cxnSpLocks/>
+            <a:endCxn id="118" idx="1"/>
           </p:cNvCxnSpPr>
           <p:nvPr/>
         </p:nvCxnSpPr>
         <p:spPr>
           <a:xfrm flipV="1">
-            <a:off x="5681462" y="5779967"/>
-            <a:ext cx="958085" cy="474408"/>
+            <a:off x="6092917" y="5746300"/>
+            <a:ext cx="636394" cy="370993"/>
           </a:xfrm>
           <a:prstGeom prst="curvedConnector3">
             <a:avLst>
@@ -24721,7 +24323,7 @@
           <p:nvPr/>
         </p:nvPicPr>
         <p:blipFill>
-          <a:blip r:embed="rId7" cstate="print"/>
+          <a:blip r:embed="rId4" cstate="print"/>
           <a:srcRect/>
           <a:stretch>
             <a:fillRect/>
@@ -24755,7 +24357,7 @@
         </p:nvCxnSpPr>
         <p:spPr>
           <a:xfrm flipV="1">
-            <a:off x="8456701" y="5659479"/>
+            <a:off x="8548932" y="5653519"/>
             <a:ext cx="1455337" cy="92781"/>
           </a:xfrm>
           <a:prstGeom prst="curvedConnector3">
@@ -24815,7 +24417,7 @@
             <p:nvPr/>
           </p:nvPicPr>
           <p:blipFill>
-            <a:blip r:embed="rId6" cstate="print">
+            <a:blip r:embed="rId5" cstate="print">
               <a:extLst>
                 <a:ext uri="{28A0092B-C50C-407E-A947-70E740481C1C}">
                   <a14:useLocalDpi xmlns:a14="http://schemas.microsoft.com/office/drawing/2010/main"/>
@@ -24893,15 +24495,14 @@
           </p:cNvPr>
           <p:cNvCxnSpPr>
             <a:cxnSpLocks/>
-            <a:stCxn id="104" idx="1"/>
             <a:endCxn id="103" idx="3"/>
           </p:cNvCxnSpPr>
           <p:nvPr/>
         </p:nvCxnSpPr>
         <p:spPr>
           <a:xfrm rot="10800000" flipV="1">
-            <a:off x="5607013" y="3796192"/>
-            <a:ext cx="369070" cy="73153"/>
+            <a:off x="6141937" y="3493008"/>
+            <a:ext cx="3806356" cy="376338"/>
           </a:xfrm>
           <a:prstGeom prst="curvedConnector3">
             <a:avLst>
@@ -24939,7 +24540,7 @@
         </p:nvSpPr>
         <p:spPr bwMode="auto">
           <a:xfrm>
-            <a:off x="6637080" y="5302642"/>
+            <a:off x="6729311" y="5296682"/>
             <a:ext cx="1819621" cy="899236"/>
           </a:xfrm>
           <a:prstGeom prst="roundRect">
@@ -25040,7 +24641,7 @@
         <p:spPr>
           <a:xfrm>
             <a:off x="9024126" y="3837412"/>
-            <a:ext cx="2404742" cy="430887"/>
+            <a:ext cx="2561322" cy="938719"/>
           </a:xfrm>
           <a:prstGeom prst="rect">
             <a:avLst/>
@@ -25067,8 +24668,40 @@
                   <a:schemeClr val="accent5"/>
                 </a:solidFill>
               </a:rPr>
-              <a:t>: Gender, Race, Crime Type, Amount</a:t>
+              <a:t>: Gender, Race, Amount</a:t>
             </a:r>
+          </a:p>
+          <a:p>
+            <a:endParaRPr lang="en-US" sz="1100" dirty="0">
+              <a:solidFill>
+                <a:schemeClr val="accent5"/>
+              </a:solidFill>
+            </a:endParaRPr>
+          </a:p>
+          <a:p>
+            <a:r>
+              <a:rPr lang="en-US" sz="1100" b="1" dirty="0">
+                <a:solidFill>
+                  <a:schemeClr val="accent5"/>
+                </a:solidFill>
+              </a:rPr>
+              <a:t>Segmented by</a:t>
+            </a:r>
+            <a:r>
+              <a:rPr lang="en-US" sz="1100" dirty="0">
+                <a:solidFill>
+                  <a:schemeClr val="accent5"/>
+                </a:solidFill>
+              </a:rPr>
+              <a:t> Crime Type, geo-location</a:t>
+            </a:r>
+          </a:p>
+          <a:p>
+            <a:endParaRPr lang="en-US" sz="1100" dirty="0">
+              <a:solidFill>
+                <a:schemeClr val="accent5"/>
+              </a:solidFill>
+            </a:endParaRPr>
           </a:p>
         </p:txBody>
       </p:sp>
@@ -25134,7 +24767,7 @@
           <p:nvPr/>
         </p:nvPicPr>
         <p:blipFill>
-          <a:blip r:embed="rId8">
+          <a:blip r:embed="rId6">
             <a:extLst>
               <a:ext uri="{28A0092B-C50C-407E-A947-70E740481C1C}">
                 <a14:useLocalDpi xmlns:a14="http://schemas.microsoft.com/office/drawing/2010/main" val="0"/>
@@ -25148,7 +24781,7 @@
         </p:blipFill>
         <p:spPr bwMode="auto">
           <a:xfrm>
-            <a:off x="3508518" y="3277272"/>
+            <a:off x="4043442" y="3277272"/>
             <a:ext cx="1037844" cy="1037844"/>
           </a:xfrm>
           <a:prstGeom prst="rect">
@@ -25166,108 +24799,206 @@
           </a:extLst>
         </p:spPr>
       </p:pic>
-      <p:sp>
-        <p:nvSpPr>
-          <p:cNvPr id="44" name="Rectangle 43">
+      <p:grpSp>
+        <p:nvGrpSpPr>
+          <p:cNvPr id="8" name="Group 7">
             <a:extLst>
               <a:ext uri="{FF2B5EF4-FFF2-40B4-BE49-F238E27FC236}">
-                <a16:creationId xmlns:a16="http://schemas.microsoft.com/office/drawing/2014/main" id="{8A9DAE27-EB4E-47C4-8474-1C8111F6545F}"/>
+                <a16:creationId xmlns:a16="http://schemas.microsoft.com/office/drawing/2014/main" id="{26276A59-1DA1-48D3-9E20-3521754ADF56}"/>
               </a:ext>
             </a:extLst>
           </p:cNvPr>
-          <p:cNvSpPr/>
+          <p:cNvGrpSpPr/>
           <p:nvPr/>
-        </p:nvSpPr>
-        <p:spPr>
+        </p:nvGrpSpPr>
+        <p:grpSpPr>
           <a:xfrm>
-            <a:off x="2458530" y="5193720"/>
-            <a:ext cx="3046158" cy="415498"/>
+            <a:off x="2795655" y="5120669"/>
+            <a:ext cx="3372291" cy="1478461"/>
+            <a:chOff x="2260731" y="5120669"/>
+            <a:chExt cx="3372291" cy="1478461"/>
           </a:xfrm>
-          <a:prstGeom prst="rect">
-            <a:avLst/>
-          </a:prstGeom>
-        </p:spPr>
-        <p:txBody>
-          <a:bodyPr wrap="square" lIns="121920" tIns="60960" rIns="121920" bIns="60960" anchor="t">
-            <a:spAutoFit/>
-          </a:bodyPr>
-          <a:lstStyle/>
-          <a:p>
-            <a:pPr defTabSz="913904">
-              <a:lnSpc>
-                <a:spcPct val="95000"/>
-              </a:lnSpc>
-              <a:spcBef>
-                <a:spcPct val="0"/>
-              </a:spcBef>
-              <a:spcAft>
-                <a:spcPct val="0"/>
-              </a:spcAft>
-              <a:defRPr/>
-            </a:pPr>
-            <a:r>
-              <a:rPr lang="en-US" sz="1000" b="1" kern="0" spc="49" dirty="0">
-                <a:latin typeface="Segoe UI Semibold"/>
-                <a:cs typeface="Segoe UI Semibold"/>
+        </p:grpSpPr>
+        <p:sp>
+          <p:nvSpPr>
+            <p:cNvPr id="47" name="Rounded Rectangle 9">
+              <a:extLst>
+                <a:ext uri="{FF2B5EF4-FFF2-40B4-BE49-F238E27FC236}">
+                  <a16:creationId xmlns:a16="http://schemas.microsoft.com/office/drawing/2014/main" id="{4045D4C8-84DF-4CB6-B58A-E58C48BE8536}"/>
+                </a:ext>
+              </a:extLst>
+            </p:cNvPr>
+            <p:cNvSpPr/>
+            <p:nvPr/>
+          </p:nvSpPr>
+          <p:spPr bwMode="auto">
+            <a:xfrm>
+              <a:off x="2260731" y="5120669"/>
+              <a:ext cx="3372291" cy="1478461"/>
+            </a:xfrm>
+            <a:prstGeom prst="roundRect">
+              <a:avLst/>
+            </a:prstGeom>
+            <a:solidFill>
+              <a:srgbClr val="2396ED"/>
+            </a:solidFill>
+            <a:ln w="9525" cap="flat" cmpd="sng" algn="ctr">
+              <a:solidFill>
+                <a:srgbClr val="3A94D2">
+                  <a:satMod val="150000"/>
+                </a:srgbClr>
+              </a:solidFill>
+              <a:prstDash val="solid"/>
+              <a:headEnd type="none" w="med" len="med"/>
+              <a:tailEnd type="none" w="med" len="med"/>
+            </a:ln>
+            <a:effectLst>
+              <a:outerShdw blurRad="65500" dist="38100" dir="5400000" rotWithShape="0">
+                <a:srgbClr val="000000">
+                  <a:alpha val="40000"/>
+                </a:srgbClr>
+              </a:outerShdw>
+            </a:effectLst>
+          </p:spPr>
+          <p:txBody>
+            <a:bodyPr vert="horz" wrap="square" lIns="121915" tIns="60957" rIns="121915" bIns="60957" numCol="1" rtlCol="0" anchor="ctr" anchorCtr="0" compatLnSpc="1">
+              <a:prstTxWarp prst="textNoShape">
+                <a:avLst/>
+              </a:prstTxWarp>
+            </a:bodyPr>
+            <a:lstStyle/>
+            <a:p>
+              <a:pPr algn="ctr" defTabSz="1218768" fontAlgn="base">
+                <a:spcBef>
+                  <a:spcPct val="0"/>
+                </a:spcBef>
+                <a:spcAft>
+                  <a:spcPct val="0"/>
+                </a:spcAft>
+                <a:defRPr/>
+              </a:pPr>
+              <a:endParaRPr lang="en-US" sz="2667">
+                <a:gradFill>
+                  <a:gsLst>
+                    <a:gs pos="0">
+                      <a:srgbClr val="FFFFFF"/>
+                    </a:gs>
+                    <a:gs pos="100000">
+                      <a:srgbClr val="FFFFFF"/>
+                    </a:gs>
+                  </a:gsLst>
+                  <a:lin ang="5400000" scaled="0"/>
+                </a:gradFill>
+                <a:latin typeface="Segoe UI"/>
+                <a:cs typeface="Arial"/>
                 <a:sym typeface="Arial"/>
-              </a:rPr>
-              <a:t>Bias &amp; Disparity Detection Engine (BDDE) Inference Container</a:t>
-            </a:r>
-            <a:endParaRPr lang="en-US" sz="2400" kern="0" dirty="0">
-              <a:latin typeface="Arial"/>
-              <a:cs typeface="Arial"/>
-              <a:sym typeface="Arial"/>
-            </a:endParaRPr>
-          </a:p>
-        </p:txBody>
-      </p:sp>
-      <p:pic>
-        <p:nvPicPr>
-          <p:cNvPr id="1026" name="Picture 2" descr="See the source image">
+              </a:endParaRPr>
+            </a:p>
+          </p:txBody>
+        </p:sp>
+        <p:sp>
+          <p:nvSpPr>
+            <p:cNvPr id="44" name="Rectangle 43">
+              <a:extLst>
+                <a:ext uri="{FF2B5EF4-FFF2-40B4-BE49-F238E27FC236}">
+                  <a16:creationId xmlns:a16="http://schemas.microsoft.com/office/drawing/2014/main" id="{8A9DAE27-EB4E-47C4-8474-1C8111F6545F}"/>
+                </a:ext>
+              </a:extLst>
+            </p:cNvPr>
+            <p:cNvSpPr/>
+            <p:nvPr/>
+          </p:nvSpPr>
+          <p:spPr>
+            <a:xfrm>
+              <a:off x="2458530" y="5193720"/>
+              <a:ext cx="3046158" cy="415498"/>
+            </a:xfrm>
+            <a:prstGeom prst="rect">
+              <a:avLst/>
+            </a:prstGeom>
+          </p:spPr>
+          <p:txBody>
+            <a:bodyPr wrap="square" lIns="121920" tIns="60960" rIns="121920" bIns="60960" anchor="t">
+              <a:spAutoFit/>
+            </a:bodyPr>
+            <a:lstStyle/>
+            <a:p>
+              <a:pPr defTabSz="913904">
+                <a:lnSpc>
+                  <a:spcPct val="95000"/>
+                </a:lnSpc>
+                <a:spcBef>
+                  <a:spcPct val="0"/>
+                </a:spcBef>
+                <a:spcAft>
+                  <a:spcPct val="0"/>
+                </a:spcAft>
+                <a:defRPr/>
+              </a:pPr>
+              <a:r>
+                <a:rPr lang="en-US" sz="1000" b="1" kern="0" spc="49" dirty="0">
+                  <a:latin typeface="Segoe UI Semibold"/>
+                  <a:cs typeface="Segoe UI Semibold"/>
+                  <a:sym typeface="Arial"/>
+                </a:rPr>
+                <a:t>Bias &amp; Disparity Detection Engine (BDDE) Inference Container</a:t>
+              </a:r>
+              <a:endParaRPr lang="en-US" sz="2400" kern="0" dirty="0">
+                <a:latin typeface="Arial"/>
+                <a:cs typeface="Arial"/>
+                <a:sym typeface="Arial"/>
+              </a:endParaRPr>
+            </a:p>
+          </p:txBody>
+        </p:sp>
+        <p:pic>
+          <p:nvPicPr>
+            <p:cNvPr id="1026" name="Picture 2" descr="See the source image">
+              <a:extLst>
+                <a:ext uri="{FF2B5EF4-FFF2-40B4-BE49-F238E27FC236}">
+                  <a16:creationId xmlns:a16="http://schemas.microsoft.com/office/drawing/2014/main" id="{9CC22851-B628-472B-92C4-4E36BB64BF16}"/>
+                </a:ext>
+              </a:extLst>
+            </p:cNvPr>
+            <p:cNvPicPr>
+              <a:picLocks noChangeAspect="1" noChangeArrowheads="1"/>
+            </p:cNvPicPr>
+            <p:nvPr/>
+          </p:nvPicPr>
+          <p:blipFill>
+            <a:blip r:embed="rId7">
+              <a:extLst>
+                <a:ext uri="{28A0092B-C50C-407E-A947-70E740481C1C}">
+                  <a14:useLocalDpi xmlns:a14="http://schemas.microsoft.com/office/drawing/2010/main" val="0"/>
+                </a:ext>
+              </a:extLst>
+            </a:blip>
+            <a:srcRect/>
+            <a:stretch>
+              <a:fillRect/>
+            </a:stretch>
+          </p:blipFill>
+          <p:spPr bwMode="auto">
+            <a:xfrm>
+              <a:off x="3081396" y="5659479"/>
+              <a:ext cx="1624477" cy="848789"/>
+            </a:xfrm>
+            <a:prstGeom prst="rect">
+              <a:avLst/>
+            </a:prstGeom>
+            <a:noFill/>
             <a:extLst>
-              <a:ext uri="{FF2B5EF4-FFF2-40B4-BE49-F238E27FC236}">
-                <a16:creationId xmlns:a16="http://schemas.microsoft.com/office/drawing/2014/main" id="{9CC22851-B628-472B-92C4-4E36BB64BF16}"/>
+              <a:ext uri="{909E8E84-426E-40DD-AFC4-6F175D3DCCD1}">
+                <a14:hiddenFill xmlns:a14="http://schemas.microsoft.com/office/drawing/2010/main">
+                  <a:solidFill>
+                    <a:srgbClr val="FFFFFF"/>
+                  </a:solidFill>
+                </a14:hiddenFill>
               </a:ext>
             </a:extLst>
-          </p:cNvPr>
-          <p:cNvPicPr>
-            <a:picLocks noChangeAspect="1" noChangeArrowheads="1"/>
-          </p:cNvPicPr>
-          <p:nvPr/>
-        </p:nvPicPr>
-        <p:blipFill>
-          <a:blip r:embed="rId9">
-            <a:extLst>
-              <a:ext uri="{28A0092B-C50C-407E-A947-70E740481C1C}">
-                <a14:useLocalDpi xmlns:a14="http://schemas.microsoft.com/office/drawing/2010/main" val="0"/>
-              </a:ext>
-            </a:extLst>
-          </a:blip>
-          <a:srcRect/>
-          <a:stretch>
-            <a:fillRect/>
-          </a:stretch>
-        </p:blipFill>
-        <p:spPr bwMode="auto">
-          <a:xfrm>
-            <a:off x="3081396" y="5659479"/>
-            <a:ext cx="1624477" cy="848789"/>
-          </a:xfrm>
-          <a:prstGeom prst="rect">
-            <a:avLst/>
-          </a:prstGeom>
-          <a:noFill/>
-          <a:extLst>
-            <a:ext uri="{909E8E84-426E-40DD-AFC4-6F175D3DCCD1}">
-              <a14:hiddenFill xmlns:a14="http://schemas.microsoft.com/office/drawing/2010/main">
-                <a:solidFill>
-                  <a:srgbClr val="FFFFFF"/>
-                </a:solidFill>
-              </a14:hiddenFill>
-            </a:ext>
-          </a:extLst>
-        </p:spPr>
-      </p:pic>
+          </p:spPr>
+        </p:pic>
+      </p:grpSp>
       <p:cxnSp>
         <p:nvCxnSpPr>
           <p:cNvPr id="48" name="Curved Connector 24">
@@ -25285,7 +25016,7 @@
         </p:nvCxnSpPr>
         <p:spPr>
           <a:xfrm rot="16200000" flipH="1">
-            <a:off x="3685106" y="4858898"/>
+            <a:off x="4220030" y="4858898"/>
             <a:ext cx="523540" cy="2"/>
           </a:xfrm>
           <a:prstGeom prst="curvedConnector3">
@@ -25310,6 +25041,546 @@
           </a:effectLst>
         </p:spPr>
       </p:cxnSp>
+      <p:grpSp>
+        <p:nvGrpSpPr>
+          <p:cNvPr id="42" name="Group 116">
+            <a:extLst>
+              <a:ext uri="{FF2B5EF4-FFF2-40B4-BE49-F238E27FC236}">
+                <a16:creationId xmlns:a16="http://schemas.microsoft.com/office/drawing/2014/main" id="{A814B973-FFD3-4979-8A2A-F360431F4157}"/>
+              </a:ext>
+            </a:extLst>
+          </p:cNvPr>
+          <p:cNvGrpSpPr/>
+          <p:nvPr/>
+        </p:nvGrpSpPr>
+        <p:grpSpPr>
+          <a:xfrm>
+            <a:off x="9554657" y="2758884"/>
+            <a:ext cx="986755" cy="1016000"/>
+            <a:chOff x="555334" y="4191000"/>
+            <a:chExt cx="587666" cy="609600"/>
+          </a:xfrm>
+        </p:grpSpPr>
+        <p:pic>
+          <p:nvPicPr>
+            <p:cNvPr id="43" name="Picture 3" descr="C:\Documents and Settings\antonk\Local Settings\Temporary Internet Files\Content.IE5\AV78XKCM\MCj04348450000[1].png">
+              <a:extLst>
+                <a:ext uri="{FF2B5EF4-FFF2-40B4-BE49-F238E27FC236}">
+                  <a16:creationId xmlns:a16="http://schemas.microsoft.com/office/drawing/2014/main" id="{CB8E6C6A-0DF3-4DD8-A0EF-CDEC8949B5D3}"/>
+                </a:ext>
+              </a:extLst>
+            </p:cNvPr>
+            <p:cNvPicPr>
+              <a:picLocks noChangeAspect="1" noChangeArrowheads="1"/>
+            </p:cNvPicPr>
+            <p:nvPr/>
+          </p:nvPicPr>
+          <p:blipFill>
+            <a:blip r:embed="rId8" cstate="print"/>
+            <a:srcRect/>
+            <a:stretch>
+              <a:fillRect/>
+            </a:stretch>
+          </p:blipFill>
+          <p:spPr bwMode="auto">
+            <a:xfrm>
+              <a:off x="555334" y="4191000"/>
+              <a:ext cx="587666" cy="527538"/>
+            </a:xfrm>
+            <a:prstGeom prst="rect">
+              <a:avLst/>
+            </a:prstGeom>
+            <a:noFill/>
+          </p:spPr>
+        </p:pic>
+        <p:sp>
+          <p:nvSpPr>
+            <p:cNvPr id="45" name="Can 21">
+              <a:extLst>
+                <a:ext uri="{FF2B5EF4-FFF2-40B4-BE49-F238E27FC236}">
+                  <a16:creationId xmlns:a16="http://schemas.microsoft.com/office/drawing/2014/main" id="{1D255DA1-DF4F-4986-BE6A-CA60D934E7A9}"/>
+                </a:ext>
+              </a:extLst>
+            </p:cNvPr>
+            <p:cNvSpPr/>
+            <p:nvPr/>
+          </p:nvSpPr>
+          <p:spPr>
+            <a:xfrm>
+              <a:off x="860133" y="4419600"/>
+              <a:ext cx="228600" cy="381000"/>
+            </a:xfrm>
+            <a:prstGeom prst="can">
+              <a:avLst/>
+            </a:prstGeom>
+            <a:gradFill rotWithShape="1">
+              <a:gsLst>
+                <a:gs pos="0">
+                  <a:srgbClr val="3A94D2">
+                    <a:shade val="45000"/>
+                    <a:satMod val="155000"/>
+                  </a:srgbClr>
+                </a:gs>
+                <a:gs pos="60000">
+                  <a:srgbClr val="3A94D2">
+                    <a:shade val="95000"/>
+                    <a:satMod val="150000"/>
+                  </a:srgbClr>
+                </a:gs>
+                <a:gs pos="100000">
+                  <a:srgbClr val="3A94D2">
+                    <a:tint val="87000"/>
+                    <a:satMod val="250000"/>
+                  </a:srgbClr>
+                </a:gs>
+              </a:gsLst>
+              <a:lin ang="16200000" scaled="0"/>
+            </a:gradFill>
+            <a:ln>
+              <a:noFill/>
+            </a:ln>
+            <a:effectLst>
+              <a:outerShdw blurRad="65500" dist="38100" dir="5400000" rotWithShape="0">
+                <a:srgbClr val="000000">
+                  <a:alpha val="40000"/>
+                </a:srgbClr>
+              </a:outerShdw>
+            </a:effectLst>
+            <a:scene3d>
+              <a:camera prst="orthographicFront" fov="0">
+                <a:rot lat="0" lon="0" rev="0"/>
+              </a:camera>
+              <a:lightRig rig="contrasting" dir="t">
+                <a:rot lat="0" lon="0" rev="12000000"/>
+              </a:lightRig>
+            </a:scene3d>
+            <a:sp3d prstMaterial="powder">
+              <a:bevelT h="50800"/>
+            </a:sp3d>
+          </p:spPr>
+          <p:txBody>
+            <a:bodyPr rtlCol="0" anchor="ctr"/>
+            <a:lstStyle/>
+            <a:p>
+              <a:pPr algn="ctr" defTabSz="1219120">
+                <a:defRPr/>
+              </a:pPr>
+              <a:endParaRPr lang="en-US" sz="1600">
+                <a:solidFill>
+                  <a:srgbClr val="8557C9">
+                    <a:lumMod val="25000"/>
+                  </a:srgbClr>
+                </a:solidFill>
+                <a:latin typeface="Segoe UI"/>
+                <a:cs typeface="Arial" pitchFamily="34" charset="0"/>
+                <a:sym typeface="Arial"/>
+              </a:endParaRPr>
+            </a:p>
+          </p:txBody>
+        </p:sp>
+      </p:grpSp>
+      <p:grpSp>
+        <p:nvGrpSpPr>
+          <p:cNvPr id="49" name="Group 48">
+            <a:extLst>
+              <a:ext uri="{FF2B5EF4-FFF2-40B4-BE49-F238E27FC236}">
+                <a16:creationId xmlns:a16="http://schemas.microsoft.com/office/drawing/2014/main" id="{F87FE32D-CD6B-4DCF-91E3-87014998FDC7}"/>
+              </a:ext>
+            </a:extLst>
+          </p:cNvPr>
+          <p:cNvGrpSpPr/>
+          <p:nvPr/>
+        </p:nvGrpSpPr>
+        <p:grpSpPr>
+          <a:xfrm>
+            <a:off x="10682655" y="3102941"/>
+            <a:ext cx="712054" cy="626116"/>
+            <a:chOff x="3434328" y="3336433"/>
+            <a:chExt cx="1059543" cy="925108"/>
+          </a:xfrm>
+        </p:grpSpPr>
+        <p:pic>
+          <p:nvPicPr>
+            <p:cNvPr id="50" name="Picture 49">
+              <a:extLst>
+                <a:ext uri="{FF2B5EF4-FFF2-40B4-BE49-F238E27FC236}">
+                  <a16:creationId xmlns:a16="http://schemas.microsoft.com/office/drawing/2014/main" id="{0FF2B951-7119-4020-BF50-723D10E6901B}"/>
+                </a:ext>
+              </a:extLst>
+            </p:cNvPr>
+            <p:cNvPicPr>
+              <a:picLocks noChangeAspect="1"/>
+            </p:cNvPicPr>
+            <p:nvPr/>
+          </p:nvPicPr>
+          <p:blipFill>
+            <a:blip r:embed="rId5" cstate="print">
+              <a:extLst>
+                <a:ext uri="{28A0092B-C50C-407E-A947-70E740481C1C}">
+                  <a14:useLocalDpi xmlns:a14="http://schemas.microsoft.com/office/drawing/2010/main"/>
+                </a:ext>
+              </a:extLst>
+            </a:blip>
+            <a:stretch>
+              <a:fillRect/>
+            </a:stretch>
+          </p:blipFill>
+          <p:spPr>
+            <a:xfrm>
+              <a:off x="3714959" y="3336433"/>
+              <a:ext cx="635521" cy="635521"/>
+            </a:xfrm>
+            <a:prstGeom prst="rect">
+              <a:avLst/>
+            </a:prstGeom>
+          </p:spPr>
+        </p:pic>
+        <p:sp>
+          <p:nvSpPr>
+            <p:cNvPr id="51" name="Rectangle 50">
+              <a:extLst>
+                <a:ext uri="{FF2B5EF4-FFF2-40B4-BE49-F238E27FC236}">
+                  <a16:creationId xmlns:a16="http://schemas.microsoft.com/office/drawing/2014/main" id="{77450C76-7458-473B-9B77-7D057EFD413B}"/>
+                </a:ext>
+              </a:extLst>
+            </p:cNvPr>
+            <p:cNvSpPr/>
+            <p:nvPr/>
+          </p:nvSpPr>
+          <p:spPr>
+            <a:xfrm>
+              <a:off x="3434328" y="3965953"/>
+              <a:ext cx="1059543" cy="295588"/>
+            </a:xfrm>
+            <a:prstGeom prst="rect">
+              <a:avLst/>
+            </a:prstGeom>
+          </p:spPr>
+          <p:txBody>
+            <a:bodyPr wrap="none">
+              <a:spAutoFit/>
+            </a:bodyPr>
+            <a:lstStyle/>
+            <a:p>
+              <a:pPr algn="ctr" defTabSz="932215"/>
+              <a:r>
+                <a:rPr lang="en-US" sz="700" kern="0">
+                  <a:solidFill>
+                    <a:prstClr val="white">
+                      <a:lumMod val="50000"/>
+                    </a:prstClr>
+                  </a:solidFill>
+                  <a:latin typeface="Segoe UI Semibold" panose="020B0702040204020203" pitchFamily="34" charset="0"/>
+                  <a:ea typeface="MS PGothic" panose="020B0600070205080204" pitchFamily="34" charset="-128"/>
+                  <a:cs typeface="Segoe UI Semibold" panose="020B0702040204020203" pitchFamily="34" charset="0"/>
+                  <a:sym typeface="Arial"/>
+                </a:rPr>
+                <a:t>AZURE SQL DB</a:t>
+              </a:r>
+            </a:p>
+          </p:txBody>
+        </p:sp>
+      </p:grpSp>
+      <p:grpSp>
+        <p:nvGrpSpPr>
+          <p:cNvPr id="54" name="Group 53">
+            <a:extLst>
+              <a:ext uri="{FF2B5EF4-FFF2-40B4-BE49-F238E27FC236}">
+                <a16:creationId xmlns:a16="http://schemas.microsoft.com/office/drawing/2014/main" id="{14CE3AE3-881B-45C6-AC49-62B48FEB640B}"/>
+              </a:ext>
+            </a:extLst>
+          </p:cNvPr>
+          <p:cNvGrpSpPr/>
+          <p:nvPr/>
+        </p:nvGrpSpPr>
+        <p:grpSpPr>
+          <a:xfrm>
+            <a:off x="71431" y="1615891"/>
+            <a:ext cx="2189300" cy="1507641"/>
+            <a:chOff x="2260731" y="5120669"/>
+            <a:chExt cx="3372291" cy="1478461"/>
+          </a:xfrm>
+        </p:grpSpPr>
+        <p:sp>
+          <p:nvSpPr>
+            <p:cNvPr id="55" name="Rounded Rectangle 9">
+              <a:extLst>
+                <a:ext uri="{FF2B5EF4-FFF2-40B4-BE49-F238E27FC236}">
+                  <a16:creationId xmlns:a16="http://schemas.microsoft.com/office/drawing/2014/main" id="{B8107BFB-DD79-4CD4-BDD9-253861459390}"/>
+                </a:ext>
+              </a:extLst>
+            </p:cNvPr>
+            <p:cNvSpPr/>
+            <p:nvPr/>
+          </p:nvSpPr>
+          <p:spPr bwMode="auto">
+            <a:xfrm>
+              <a:off x="2260731" y="5120669"/>
+              <a:ext cx="3372291" cy="1478461"/>
+            </a:xfrm>
+            <a:prstGeom prst="roundRect">
+              <a:avLst/>
+            </a:prstGeom>
+            <a:solidFill>
+              <a:srgbClr val="2396ED"/>
+            </a:solidFill>
+            <a:ln w="9525" cap="flat" cmpd="sng" algn="ctr">
+              <a:solidFill>
+                <a:srgbClr val="3A94D2">
+                  <a:satMod val="150000"/>
+                </a:srgbClr>
+              </a:solidFill>
+              <a:prstDash val="solid"/>
+              <a:headEnd type="none" w="med" len="med"/>
+              <a:tailEnd type="none" w="med" len="med"/>
+            </a:ln>
+            <a:effectLst>
+              <a:outerShdw blurRad="65500" dist="38100" dir="5400000" rotWithShape="0">
+                <a:srgbClr val="000000">
+                  <a:alpha val="40000"/>
+                </a:srgbClr>
+              </a:outerShdw>
+            </a:effectLst>
+          </p:spPr>
+          <p:txBody>
+            <a:bodyPr vert="horz" wrap="square" lIns="121915" tIns="60957" rIns="121915" bIns="60957" numCol="1" rtlCol="0" anchor="ctr" anchorCtr="0" compatLnSpc="1">
+              <a:prstTxWarp prst="textNoShape">
+                <a:avLst/>
+              </a:prstTxWarp>
+            </a:bodyPr>
+            <a:lstStyle/>
+            <a:p>
+              <a:pPr algn="ctr" defTabSz="1218768" fontAlgn="base">
+                <a:spcBef>
+                  <a:spcPct val="0"/>
+                </a:spcBef>
+                <a:spcAft>
+                  <a:spcPct val="0"/>
+                </a:spcAft>
+                <a:defRPr/>
+              </a:pPr>
+              <a:endParaRPr lang="en-US" sz="2667">
+                <a:gradFill>
+                  <a:gsLst>
+                    <a:gs pos="0">
+                      <a:srgbClr val="FFFFFF"/>
+                    </a:gs>
+                    <a:gs pos="100000">
+                      <a:srgbClr val="FFFFFF"/>
+                    </a:gs>
+                  </a:gsLst>
+                  <a:lin ang="5400000" scaled="0"/>
+                </a:gradFill>
+                <a:latin typeface="Segoe UI"/>
+                <a:cs typeface="Arial"/>
+                <a:sym typeface="Arial"/>
+              </a:endParaRPr>
+            </a:p>
+          </p:txBody>
+        </p:sp>
+        <p:sp>
+          <p:nvSpPr>
+            <p:cNvPr id="56" name="Rectangle 55">
+              <a:extLst>
+                <a:ext uri="{FF2B5EF4-FFF2-40B4-BE49-F238E27FC236}">
+                  <a16:creationId xmlns:a16="http://schemas.microsoft.com/office/drawing/2014/main" id="{C9FA9BAB-FC8A-43C0-B258-9E3DE15AD596}"/>
+                </a:ext>
+              </a:extLst>
+            </p:cNvPr>
+            <p:cNvSpPr/>
+            <p:nvPr/>
+          </p:nvSpPr>
+          <p:spPr>
+            <a:xfrm>
+              <a:off x="2458530" y="5193720"/>
+              <a:ext cx="3046158" cy="415498"/>
+            </a:xfrm>
+            <a:prstGeom prst="rect">
+              <a:avLst/>
+            </a:prstGeom>
+          </p:spPr>
+          <p:txBody>
+            <a:bodyPr wrap="square" lIns="121920" tIns="60960" rIns="121920" bIns="60960" anchor="t">
+              <a:spAutoFit/>
+            </a:bodyPr>
+            <a:lstStyle/>
+            <a:p>
+              <a:pPr defTabSz="913904">
+                <a:lnSpc>
+                  <a:spcPct val="95000"/>
+                </a:lnSpc>
+                <a:spcBef>
+                  <a:spcPct val="0"/>
+                </a:spcBef>
+                <a:spcAft>
+                  <a:spcPct val="0"/>
+                </a:spcAft>
+                <a:defRPr/>
+              </a:pPr>
+              <a:r>
+                <a:rPr lang="en-US" sz="1000" b="1" kern="0" spc="49" dirty="0">
+                  <a:latin typeface="Segoe UI Semibold"/>
+                  <a:cs typeface="Segoe UI Semibold"/>
+                  <a:sym typeface="Arial"/>
+                </a:rPr>
+                <a:t>Bias &amp; Disparity Detection Engine (BDDE) Inference Container</a:t>
+              </a:r>
+              <a:endParaRPr lang="en-US" sz="2400" kern="0" dirty="0">
+                <a:latin typeface="Arial"/>
+                <a:cs typeface="Arial"/>
+                <a:sym typeface="Arial"/>
+              </a:endParaRPr>
+            </a:p>
+          </p:txBody>
+        </p:sp>
+        <p:pic>
+          <p:nvPicPr>
+            <p:cNvPr id="57" name="Picture 2" descr="See the source image">
+              <a:extLst>
+                <a:ext uri="{FF2B5EF4-FFF2-40B4-BE49-F238E27FC236}">
+                  <a16:creationId xmlns:a16="http://schemas.microsoft.com/office/drawing/2014/main" id="{D531644B-4CC7-41D7-A361-DC466375E61B}"/>
+                </a:ext>
+              </a:extLst>
+            </p:cNvPr>
+            <p:cNvPicPr>
+              <a:picLocks noChangeAspect="1" noChangeArrowheads="1"/>
+            </p:cNvPicPr>
+            <p:nvPr/>
+          </p:nvPicPr>
+          <p:blipFill>
+            <a:blip r:embed="rId7">
+              <a:extLst>
+                <a:ext uri="{28A0092B-C50C-407E-A947-70E740481C1C}">
+                  <a14:useLocalDpi xmlns:a14="http://schemas.microsoft.com/office/drawing/2010/main" val="0"/>
+                </a:ext>
+              </a:extLst>
+            </a:blip>
+            <a:srcRect/>
+            <a:stretch>
+              <a:fillRect/>
+            </a:stretch>
+          </p:blipFill>
+          <p:spPr bwMode="auto">
+            <a:xfrm>
+              <a:off x="3081396" y="5659479"/>
+              <a:ext cx="1624477" cy="848789"/>
+            </a:xfrm>
+            <a:prstGeom prst="rect">
+              <a:avLst/>
+            </a:prstGeom>
+            <a:noFill/>
+            <a:extLst>
+              <a:ext uri="{909E8E84-426E-40DD-AFC4-6F175D3DCCD1}">
+                <a14:hiddenFill xmlns:a14="http://schemas.microsoft.com/office/drawing/2010/main">
+                  <a:solidFill>
+                    <a:srgbClr val="FFFFFF"/>
+                  </a:solidFill>
+                </a14:hiddenFill>
+              </a:ext>
+            </a:extLst>
+          </p:spPr>
+        </p:pic>
+      </p:grpSp>
+      <p:sp>
+        <p:nvSpPr>
+          <p:cNvPr id="99" name="Right Arrow 4">
+            <a:extLst>
+              <a:ext uri="{FF2B5EF4-FFF2-40B4-BE49-F238E27FC236}">
+                <a16:creationId xmlns:a16="http://schemas.microsoft.com/office/drawing/2014/main" id="{301F5C07-7FF1-4C90-8198-FC9C51216C7E}"/>
+              </a:ext>
+            </a:extLst>
+          </p:cNvPr>
+          <p:cNvSpPr/>
+          <p:nvPr/>
+        </p:nvSpPr>
+        <p:spPr bwMode="auto">
+          <a:xfrm>
+            <a:off x="2159112" y="1718424"/>
+            <a:ext cx="2804010" cy="1302579"/>
+          </a:xfrm>
+          <a:prstGeom prst="rightArrow">
+            <a:avLst/>
+          </a:prstGeom>
+          <a:gradFill rotWithShape="1">
+            <a:gsLst>
+              <a:gs pos="0">
+                <a:srgbClr val="F38C37">
+                  <a:shade val="45000"/>
+                  <a:satMod val="155000"/>
+                </a:srgbClr>
+              </a:gs>
+              <a:gs pos="60000">
+                <a:srgbClr val="F38C37">
+                  <a:shade val="95000"/>
+                  <a:satMod val="150000"/>
+                </a:srgbClr>
+              </a:gs>
+              <a:gs pos="100000">
+                <a:srgbClr val="F38C37">
+                  <a:tint val="87000"/>
+                  <a:satMod val="250000"/>
+                </a:srgbClr>
+              </a:gs>
+            </a:gsLst>
+            <a:lin ang="16200000" scaled="0"/>
+          </a:gradFill>
+          <a:ln w="9525" cap="flat" cmpd="sng" algn="ctr">
+            <a:solidFill>
+              <a:srgbClr val="F38C37">
+                <a:satMod val="150000"/>
+              </a:srgbClr>
+            </a:solidFill>
+            <a:prstDash val="solid"/>
+            <a:headEnd type="none" w="med" len="med"/>
+            <a:tailEnd type="none" w="med" len="med"/>
+          </a:ln>
+          <a:effectLst>
+            <a:outerShdw blurRad="65500" dist="38100" dir="5400000" rotWithShape="0">
+              <a:srgbClr val="000000">
+                <a:alpha val="40000"/>
+              </a:srgbClr>
+            </a:outerShdw>
+          </a:effectLst>
+        </p:spPr>
+        <p:txBody>
+          <a:bodyPr vert="horz" wrap="square" lIns="121915" tIns="60957" rIns="121915" bIns="60957" numCol="1" rtlCol="0" anchor="ctr" anchorCtr="0" compatLnSpc="1">
+            <a:prstTxWarp prst="textNoShape">
+              <a:avLst/>
+            </a:prstTxWarp>
+          </a:bodyPr>
+          <a:lstStyle/>
+          <a:p>
+            <a:pPr algn="ctr" defTabSz="1218768" fontAlgn="base">
+              <a:spcBef>
+                <a:spcPct val="0"/>
+              </a:spcBef>
+              <a:spcAft>
+                <a:spcPct val="0"/>
+              </a:spcAft>
+              <a:defRPr/>
+            </a:pPr>
+            <a:r>
+              <a:rPr lang="en-US" dirty="0">
+                <a:gradFill>
+                  <a:gsLst>
+                    <a:gs pos="0">
+                      <a:srgbClr val="FFFFFF"/>
+                    </a:gs>
+                    <a:gs pos="100000">
+                      <a:srgbClr val="FFFFFF"/>
+                    </a:gs>
+                  </a:gsLst>
+                  <a:lin ang="5400000" scaled="0"/>
+                </a:gradFill>
+                <a:latin typeface="Segoe UI"/>
+                <a:cs typeface="Arial"/>
+                <a:sym typeface="Arial"/>
+              </a:rPr>
+              <a:t>BDDE Data</a:t>
+            </a:r>
+          </a:p>
+        </p:txBody>
+      </p:sp>
     </p:spTree>
     <p:extLst>
       <p:ext uri="{BB962C8B-B14F-4D97-AF65-F5344CB8AC3E}">
@@ -27296,7 +27567,7 @@
           </a:p>
           <a:p>
             <a:r>
-              <a:rPr lang="en-US" sz="1100" b="1">
+              <a:rPr lang="en-US" sz="1100" b="1" dirty="0">
                 <a:solidFill>
                   <a:schemeClr val="accent5"/>
                 </a:solidFill>
@@ -27304,7 +27575,15 @@
               <a:t>Segmented by</a:t>
             </a:r>
             <a:r>
-              <a:rPr lang="en-US" sz="1100">
+              <a:rPr lang="en-US" sz="1100" dirty="0">
+                <a:solidFill>
+                  <a:schemeClr val="accent5"/>
+                </a:solidFill>
+              </a:rPr>
+              <a:t> Crime Type, geo-locations,</a:t>
+            </a:r>
+            <a:r>
+              <a:rPr lang="en-US" sz="1100" b="1" dirty="0">
                 <a:solidFill>
                   <a:schemeClr val="accent5"/>
                 </a:solidFill>
@@ -27317,37 +27596,8 @@
                   <a:schemeClr val="accent5"/>
                 </a:solidFill>
               </a:rPr>
-              <a:t>Crime Type</a:t>
-            </a:r>
-            <a:r>
-              <a:rPr lang="en-US" sz="1100">
-                <a:solidFill>
-                  <a:schemeClr val="accent5"/>
-                </a:solidFill>
-              </a:rPr>
-              <a:t>, geo-locations,</a:t>
-            </a:r>
-            <a:r>
-              <a:rPr lang="en-US" sz="1100" b="1">
-                <a:solidFill>
-                  <a:schemeClr val="accent5"/>
-                </a:solidFill>
-              </a:rPr>
-              <a:t> </a:t>
-            </a:r>
-            <a:r>
-              <a:rPr lang="en-US" sz="1100">
-                <a:solidFill>
-                  <a:schemeClr val="accent5"/>
-                </a:solidFill>
-              </a:rPr>
               <a:t>*Judge</a:t>
             </a:r>
-            <a:endParaRPr lang="en-US" sz="1100" dirty="0">
-              <a:solidFill>
-                <a:schemeClr val="accent5"/>
-              </a:solidFill>
-            </a:endParaRPr>
           </a:p>
         </p:txBody>
       </p:sp>

--- a/assets/resources/graph for web_page.pptx
+++ b/assets/resources/graph for web_page.pptx
@@ -5,17 +5,13 @@
     <p:sldMasterId id="2147483660" r:id="rId1"/>
   </p:sldMasterIdLst>
   <p:notesMasterIdLst>
-    <p:notesMasterId r:id="rId10"/>
+    <p:notesMasterId r:id="rId6"/>
   </p:notesMasterIdLst>
   <p:sldIdLst>
     <p:sldId id="369" r:id="rId2"/>
     <p:sldId id="373" r:id="rId3"/>
     <p:sldId id="374" r:id="rId4"/>
     <p:sldId id="371" r:id="rId5"/>
-    <p:sldId id="361" r:id="rId6"/>
-    <p:sldId id="364" r:id="rId7"/>
-    <p:sldId id="367" r:id="rId8"/>
-    <p:sldId id="366" r:id="rId9"/>
   </p:sldIdLst>
   <p:sldSz cx="12192000" cy="6858000"/>
   <p:notesSz cx="6858000" cy="9144000"/>
@@ -132,6 +128,58 @@
 
 <file path=ppt/changesInfos/changesInfo1.xml><?xml version="1.0" encoding="utf-8"?>
 <pc:chgInfo xmlns:a="http://schemas.openxmlformats.org/drawingml/2006/main" xmlns:r="http://schemas.openxmlformats.org/officeDocument/2006/relationships" xmlns:ac="http://schemas.microsoft.com/office/drawing/2013/main/command" xmlns:pc="http://schemas.microsoft.com/office/powerpoint/2013/main/command">
+  <pc:docChgLst>
+    <pc:chgData name="Jackie N" userId="8b14f1697149b7ae" providerId="LiveId" clId="{A40D20E0-276C-458F-AB91-5416EF5DCD0C}"/>
+    <pc:docChg chg="delSld">
+      <pc:chgData name="Jackie N" userId="8b14f1697149b7ae" providerId="LiveId" clId="{A40D20E0-276C-458F-AB91-5416EF5DCD0C}" dt="2022-03-26T19:40:03.149" v="3" actId="47"/>
+      <pc:docMkLst>
+        <pc:docMk/>
+      </pc:docMkLst>
+      <pc:sldChg chg="del">
+        <pc:chgData name="Jackie N" userId="8b14f1697149b7ae" providerId="LiveId" clId="{A40D20E0-276C-458F-AB91-5416EF5DCD0C}" dt="2022-03-26T19:39:50.712" v="2" actId="47"/>
+        <pc:sldMkLst>
+          <pc:docMk/>
+          <pc:sldMk cId="3970752288" sldId="361"/>
+        </pc:sldMkLst>
+      </pc:sldChg>
+      <pc:sldChg chg="del">
+        <pc:chgData name="Jackie N" userId="8b14f1697149b7ae" providerId="LiveId" clId="{A40D20E0-276C-458F-AB91-5416EF5DCD0C}" dt="2022-03-26T19:39:39.852" v="0" actId="47"/>
+        <pc:sldMkLst>
+          <pc:docMk/>
+          <pc:sldMk cId="4160911636" sldId="364"/>
+        </pc:sldMkLst>
+      </pc:sldChg>
+      <pc:sldChg chg="del">
+        <pc:chgData name="Jackie N" userId="8b14f1697149b7ae" providerId="LiveId" clId="{A40D20E0-276C-458F-AB91-5416EF5DCD0C}" dt="2022-03-26T19:39:44.653" v="1" actId="47"/>
+        <pc:sldMkLst>
+          <pc:docMk/>
+          <pc:sldMk cId="1988895959" sldId="366"/>
+        </pc:sldMkLst>
+      </pc:sldChg>
+      <pc:sldChg chg="del">
+        <pc:chgData name="Jackie N" userId="8b14f1697149b7ae" providerId="LiveId" clId="{A40D20E0-276C-458F-AB91-5416EF5DCD0C}" dt="2022-03-26T19:40:03.149" v="3" actId="47"/>
+        <pc:sldMkLst>
+          <pc:docMk/>
+          <pc:sldMk cId="2004495830" sldId="367"/>
+        </pc:sldMkLst>
+      </pc:sldChg>
+      <pc:sldMasterChg chg="delSldLayout">
+        <pc:chgData name="Jackie N" userId="8b14f1697149b7ae" providerId="LiveId" clId="{A40D20E0-276C-458F-AB91-5416EF5DCD0C}" dt="2022-03-26T19:40:03.149" v="3" actId="47"/>
+        <pc:sldMasterMkLst>
+          <pc:docMk/>
+          <pc:sldMasterMk cId="799137622" sldId="2147483660"/>
+        </pc:sldMasterMkLst>
+        <pc:sldLayoutChg chg="del">
+          <pc:chgData name="Jackie N" userId="8b14f1697149b7ae" providerId="LiveId" clId="{A40D20E0-276C-458F-AB91-5416EF5DCD0C}" dt="2022-03-26T19:40:03.149" v="3" actId="47"/>
+          <pc:sldLayoutMkLst>
+            <pc:docMk/>
+            <pc:sldMasterMk cId="799137622" sldId="2147483660"/>
+            <pc:sldLayoutMk cId="3424010658" sldId="2147483673"/>
+          </pc:sldLayoutMkLst>
+        </pc:sldLayoutChg>
+      </pc:sldMasterChg>
+    </pc:docChg>
+  </pc:docChgLst>
   <pc:docChgLst>
     <pc:chgData name="Jackie N" userId="8b14f1697149b7ae" providerId="LiveId" clId="{07AE1321-E1B5-44BC-BC54-8923ADAC392F}"/>
     <pc:docChg chg="undo custSel addSld delSld modSld sldOrd">
@@ -2715,1870 +2763,6 @@
 </p:notes>
 </file>
 
-<file path=ppt/notesSlides/notesSlide5.xml><?xml version="1.0" encoding="utf-8"?>
-<p:notes xmlns:a="http://schemas.openxmlformats.org/drawingml/2006/main" xmlns:r="http://schemas.openxmlformats.org/officeDocument/2006/relationships" xmlns:p="http://schemas.openxmlformats.org/presentationml/2006/main" showMasterSp="0" showMasterPhAnim="0">
-  <p:cSld>
-    <p:spTree>
-      <p:nvGrpSpPr>
-        <p:cNvPr id="1" name="Shape 648"/>
-        <p:cNvGrpSpPr/>
-        <p:nvPr/>
-      </p:nvGrpSpPr>
-      <p:grpSpPr>
-        <a:xfrm>
-          <a:off x="0" y="0"/>
-          <a:ext cx="0" cy="0"/>
-          <a:chOff x="0" y="0"/>
-          <a:chExt cx="0" cy="0"/>
-        </a:xfrm>
-      </p:grpSpPr>
-      <p:sp>
-        <p:nvSpPr>
-          <p:cNvPr id="649" name="Google Shape;649;g75f465780c_0_1803:notes"/>
-          <p:cNvSpPr>
-            <a:spLocks noGrp="1" noRot="1" noChangeAspect="1"/>
-          </p:cNvSpPr>
-          <p:nvPr>
-            <p:ph type="sldImg" idx="2"/>
-          </p:nvPr>
-        </p:nvSpPr>
-        <p:spPr>
-          <a:xfrm>
-            <a:off x="381000" y="685800"/>
-            <a:ext cx="6096000" cy="3429000"/>
-          </a:xfrm>
-          <a:custGeom>
-            <a:avLst/>
-            <a:gdLst/>
-            <a:ahLst/>
-            <a:cxnLst/>
-            <a:rect l="l" t="t" r="r" b="b"/>
-            <a:pathLst>
-              <a:path w="120000" h="120000" extrusionOk="0">
-                <a:moveTo>
-                  <a:pt x="0" y="0"/>
-                </a:moveTo>
-                <a:lnTo>
-                  <a:pt x="120000" y="0"/>
-                </a:lnTo>
-                <a:lnTo>
-                  <a:pt x="120000" y="120000"/>
-                </a:lnTo>
-                <a:lnTo>
-                  <a:pt x="0" y="120000"/>
-                </a:lnTo>
-                <a:close/>
-              </a:path>
-            </a:pathLst>
-          </a:custGeom>
-        </p:spPr>
-      </p:sp>
-      <p:sp>
-        <p:nvSpPr>
-          <p:cNvPr id="650" name="Google Shape;650;g75f465780c_0_1803:notes"/>
-          <p:cNvSpPr txBox="1">
-            <a:spLocks noGrp="1"/>
-          </p:cNvSpPr>
-          <p:nvPr>
-            <p:ph type="body" idx="1"/>
-          </p:nvPr>
-        </p:nvSpPr>
-        <p:spPr>
-          <a:xfrm>
-            <a:off x="685800" y="4343400"/>
-            <a:ext cx="5486400" cy="4114800"/>
-          </a:xfrm>
-          <a:prstGeom prst="rect">
-            <a:avLst/>
-          </a:prstGeom>
-        </p:spPr>
-        <p:txBody>
-          <a:bodyPr spcFirstLastPara="1" wrap="square" lIns="91425" tIns="91425" rIns="91425" bIns="91425" anchor="t" anchorCtr="0">
-            <a:noAutofit/>
-          </a:bodyPr>
-          <a:lstStyle/>
-          <a:p>
-            <a:pPr marL="158750" indent="0" rtl="0">
-              <a:spcBef>
-                <a:spcPts val="1800"/>
-              </a:spcBef>
-              <a:spcAft>
-                <a:spcPts val="600"/>
-              </a:spcAft>
-              <a:buNone/>
-            </a:pPr>
-            <a:r>
-              <a:rPr lang="en-US" sz="1100" b="0" i="0" u="none" strike="noStrike" cap="none">
-                <a:solidFill>
-                  <a:srgbClr val="000000"/>
-                </a:solidFill>
-                <a:effectLst/>
-                <a:latin typeface="Arial"/>
-                <a:ea typeface="Arial"/>
-                <a:cs typeface="Arial"/>
-                <a:sym typeface="Arial"/>
-              </a:rPr>
-              <a:t> This is our architecture for predictive &amp; causal modelling . We start with standard preprocessing, feature selection and feature engineering. The processed data is then stored on Azure and ingested by the modeling. </a:t>
-            </a:r>
-          </a:p>
-          <a:p>
-            <a:pPr marL="158750" indent="0" rtl="0">
-              <a:spcBef>
-                <a:spcPts val="1800"/>
-              </a:spcBef>
-              <a:spcAft>
-                <a:spcPts val="600"/>
-              </a:spcAft>
-              <a:buNone/>
-            </a:pPr>
-            <a:r>
-              <a:rPr lang="en-US" sz="1100" b="0" i="0" u="none" strike="noStrike" cap="none">
-                <a:solidFill>
-                  <a:srgbClr val="000000"/>
-                </a:solidFill>
-                <a:effectLst/>
-                <a:latin typeface="Arial"/>
-                <a:ea typeface="Arial"/>
-                <a:cs typeface="Arial"/>
-                <a:sym typeface="Arial"/>
-              </a:rPr>
-              <a:t>You’ll notice that we’re running 2 models yielding both prediction &amp; causal results. This is to offer a robust product applying maximal </a:t>
-            </a:r>
-            <a:r>
-              <a:rPr lang="en-US" sz="1100" b="0" i="0" u="none" strike="noStrike" cap="none" err="1">
-                <a:solidFill>
-                  <a:srgbClr val="000000"/>
-                </a:solidFill>
-                <a:effectLst/>
-                <a:latin typeface="Arial"/>
-                <a:ea typeface="Arial"/>
-                <a:cs typeface="Arial"/>
-                <a:sym typeface="Arial"/>
-              </a:rPr>
-              <a:t>datascience</a:t>
-            </a:r>
-            <a:r>
-              <a:rPr lang="en-US" sz="1100" b="0" i="0" u="none" strike="noStrike" cap="none">
-                <a:solidFill>
-                  <a:srgbClr val="000000"/>
-                </a:solidFill>
-                <a:effectLst/>
-                <a:latin typeface="Arial"/>
-                <a:ea typeface="Arial"/>
-                <a:cs typeface="Arial"/>
-                <a:sym typeface="Arial"/>
-              </a:rPr>
-              <a:t> so as to provide both a statistical basis for assessment and as well offer a useful prediction based on prior sentencing patterns.</a:t>
-            </a:r>
-          </a:p>
-          <a:p>
-            <a:pPr marL="158750" indent="0" rtl="0">
-              <a:spcBef>
-                <a:spcPts val="1800"/>
-              </a:spcBef>
-              <a:spcAft>
-                <a:spcPts val="600"/>
-              </a:spcAft>
-              <a:buNone/>
-            </a:pPr>
-            <a:endParaRPr lang="en-US" sz="1800" b="0" i="0" u="none" strike="noStrike">
-              <a:solidFill>
-                <a:srgbClr val="000000"/>
-              </a:solidFill>
-              <a:effectLst/>
-              <a:latin typeface="Arial" panose="020B0604020202020204" pitchFamily="34" charset="0"/>
-            </a:endParaRPr>
-          </a:p>
-          <a:p>
-            <a:pPr marL="158750" indent="0" rtl="0">
-              <a:spcBef>
-                <a:spcPts val="1800"/>
-              </a:spcBef>
-              <a:spcAft>
-                <a:spcPts val="600"/>
-              </a:spcAft>
-              <a:buNone/>
-            </a:pPr>
-            <a:r>
-              <a:rPr lang="en-US" sz="1800" b="0" i="0" u="none" strike="noStrike">
-                <a:solidFill>
-                  <a:srgbClr val="000000"/>
-                </a:solidFill>
-                <a:effectLst/>
-                <a:latin typeface="Arial" panose="020B0604020202020204" pitchFamily="34" charset="0"/>
-              </a:rPr>
-              <a:t>Requirements:</a:t>
-            </a:r>
-          </a:p>
-          <a:p>
-            <a:pPr rtl="0">
-              <a:spcBef>
-                <a:spcPts val="1800"/>
-              </a:spcBef>
-              <a:spcAft>
-                <a:spcPts val="600"/>
-              </a:spcAft>
-            </a:pPr>
-            <a:r>
-              <a:rPr lang="en-US" sz="1800" b="0" i="0" u="none" strike="noStrike">
-                <a:solidFill>
-                  <a:srgbClr val="000000"/>
-                </a:solidFill>
-                <a:effectLst/>
-                <a:latin typeface="Arial" panose="020B0604020202020204" pitchFamily="34" charset="0"/>
-              </a:rPr>
-              <a:t>Technical discussion. </a:t>
-            </a:r>
-            <a:endParaRPr lang="en-US" b="1">
-              <a:effectLst/>
-            </a:endParaRPr>
-          </a:p>
-          <a:p>
-            <a:pPr rtl="0" fontAlgn="base">
-              <a:spcBef>
-                <a:spcPts val="0"/>
-              </a:spcBef>
-              <a:spcAft>
-                <a:spcPts val="0"/>
-              </a:spcAft>
-              <a:buFont typeface="Arial" panose="020B0604020202020204" pitchFamily="34" charset="0"/>
-              <a:buChar char="•"/>
-            </a:pPr>
-            <a:r>
-              <a:rPr lang="en-US" sz="1800" b="0" i="0" u="none" strike="noStrike">
-                <a:solidFill>
-                  <a:srgbClr val="000000"/>
-                </a:solidFill>
-                <a:effectLst/>
-                <a:latin typeface="Arial" panose="020B0604020202020204" pitchFamily="34" charset="0"/>
-              </a:rPr>
-              <a:t>Team presents the current overall architecture of the product</a:t>
-            </a:r>
-          </a:p>
-          <a:p>
-            <a:pPr rtl="0" fontAlgn="base">
-              <a:spcBef>
-                <a:spcPts val="0"/>
-              </a:spcBef>
-              <a:spcAft>
-                <a:spcPts val="0"/>
-              </a:spcAft>
-              <a:buFont typeface="Arial" panose="020B0604020202020204" pitchFamily="34" charset="0"/>
-              <a:buChar char="•"/>
-            </a:pPr>
-            <a:r>
-              <a:rPr lang="en-US" sz="1800" b="0" i="0" u="none" strike="noStrike">
-                <a:solidFill>
-                  <a:srgbClr val="000000"/>
-                </a:solidFill>
-                <a:effectLst/>
-                <a:latin typeface="Arial" panose="020B0604020202020204" pitchFamily="34" charset="0"/>
-              </a:rPr>
-              <a:t>Team presents  the data pipeline.</a:t>
-            </a:r>
-          </a:p>
-          <a:p>
-            <a:pPr rtl="0" fontAlgn="base">
-              <a:spcBef>
-                <a:spcPts val="0"/>
-              </a:spcBef>
-              <a:spcAft>
-                <a:spcPts val="0"/>
-              </a:spcAft>
-              <a:buFont typeface="Arial" panose="020B0604020202020204" pitchFamily="34" charset="0"/>
-              <a:buChar char="•"/>
-            </a:pPr>
-            <a:r>
-              <a:rPr lang="en-US" sz="1800" b="0" i="0" u="none" strike="noStrike">
-                <a:solidFill>
-                  <a:srgbClr val="000000"/>
-                </a:solidFill>
-                <a:effectLst/>
-                <a:latin typeface="Arial" panose="020B0604020202020204" pitchFamily="34" charset="0"/>
-              </a:rPr>
-              <a:t>The modeling techniques  being used or considered are presented</a:t>
-            </a:r>
-          </a:p>
-          <a:p>
-            <a:pPr rtl="0" fontAlgn="base">
-              <a:spcBef>
-                <a:spcPts val="0"/>
-              </a:spcBef>
-              <a:spcAft>
-                <a:spcPts val="0"/>
-              </a:spcAft>
-              <a:buFont typeface="Arial" panose="020B0604020202020204" pitchFamily="34" charset="0"/>
-              <a:buChar char="•"/>
-            </a:pPr>
-            <a:r>
-              <a:rPr lang="en-US" sz="1800" b="0" i="0" u="none" strike="noStrike">
-                <a:solidFill>
-                  <a:srgbClr val="000000"/>
-                </a:solidFill>
-                <a:effectLst/>
-                <a:latin typeface="Arial" panose="020B0604020202020204" pitchFamily="34" charset="0"/>
-              </a:rPr>
-              <a:t>The current modeling results are presented</a:t>
-            </a:r>
-          </a:p>
-          <a:p>
-            <a:pPr rtl="0" fontAlgn="base">
-              <a:spcBef>
-                <a:spcPts val="0"/>
-              </a:spcBef>
-              <a:spcAft>
-                <a:spcPts val="0"/>
-              </a:spcAft>
-              <a:buFont typeface="Arial" panose="020B0604020202020204" pitchFamily="34" charset="0"/>
-              <a:buChar char="•"/>
-            </a:pPr>
-            <a:r>
-              <a:rPr lang="en-US" sz="1800" b="0" i="0" u="none" strike="noStrike">
-                <a:solidFill>
-                  <a:srgbClr val="000000"/>
-                </a:solidFill>
-                <a:effectLst/>
-                <a:latin typeface="Arial" panose="020B0604020202020204" pitchFamily="34" charset="0"/>
-              </a:rPr>
-              <a:t>Team described the tradeoffs in different modeling techniques</a:t>
-            </a:r>
-          </a:p>
-          <a:p>
-            <a:pPr rtl="0" fontAlgn="base">
-              <a:spcBef>
-                <a:spcPts val="0"/>
-              </a:spcBef>
-              <a:spcAft>
-                <a:spcPts val="0"/>
-              </a:spcAft>
-              <a:buFont typeface="Arial" panose="020B0604020202020204" pitchFamily="34" charset="0"/>
-              <a:buChar char="•"/>
-            </a:pPr>
-            <a:r>
-              <a:rPr lang="en-US" sz="1800" b="0" i="0" u="none" strike="noStrike">
-                <a:solidFill>
-                  <a:srgbClr val="000000"/>
-                </a:solidFill>
-                <a:effectLst/>
-                <a:latin typeface="Arial" panose="020B0604020202020204" pitchFamily="34" charset="0"/>
-              </a:rPr>
-              <a:t>Team described how they will evaluate the model results.</a:t>
-            </a:r>
-          </a:p>
-          <a:p>
-            <a:pPr rtl="0" fontAlgn="base">
-              <a:spcBef>
-                <a:spcPts val="0"/>
-              </a:spcBef>
-              <a:spcAft>
-                <a:spcPts val="0"/>
-              </a:spcAft>
-              <a:buFont typeface="Arial" panose="020B0604020202020204" pitchFamily="34" charset="0"/>
-              <a:buChar char="•"/>
-            </a:pPr>
-            <a:r>
-              <a:rPr lang="en-US" sz="1800" b="0" i="0" u="none" strike="noStrike">
-                <a:solidFill>
-                  <a:srgbClr val="000000"/>
-                </a:solidFill>
-                <a:effectLst/>
-                <a:latin typeface="Arial" panose="020B0604020202020204" pitchFamily="34" charset="0"/>
-              </a:rPr>
-              <a:t>Team lists the challenges identified based on the results so far.</a:t>
-            </a:r>
-          </a:p>
-          <a:p>
-            <a:pPr rtl="0" fontAlgn="base">
-              <a:spcBef>
-                <a:spcPts val="0"/>
-              </a:spcBef>
-              <a:spcAft>
-                <a:spcPts val="0"/>
-              </a:spcAft>
-              <a:buFont typeface="Arial" panose="020B0604020202020204" pitchFamily="34" charset="0"/>
-              <a:buChar char="•"/>
-            </a:pPr>
-            <a:endParaRPr lang="en-US" sz="1800" b="0" i="0" u="none" strike="noStrike">
-              <a:solidFill>
-                <a:srgbClr val="000000"/>
-              </a:solidFill>
-              <a:effectLst/>
-              <a:latin typeface="Arial" panose="020B0604020202020204" pitchFamily="34" charset="0"/>
-            </a:endParaRPr>
-          </a:p>
-          <a:p>
-            <a:pPr marL="457200" marR="0" lvl="0" indent="-298450" algn="l" defTabSz="914400" rtl="0" eaLnBrk="1" fontAlgn="base" latinLnBrk="0" hangingPunct="1">
-              <a:lnSpc>
-                <a:spcPct val="100000"/>
-              </a:lnSpc>
-              <a:spcBef>
-                <a:spcPts val="0"/>
-              </a:spcBef>
-              <a:spcAft>
-                <a:spcPts val="0"/>
-              </a:spcAft>
-              <a:buClr>
-                <a:srgbClr val="000000"/>
-              </a:buClr>
-              <a:buSzPts val="1100"/>
-              <a:buFont typeface="Arial" panose="020B0604020202020204" pitchFamily="34" charset="0"/>
-              <a:buChar char="•"/>
-              <a:tabLst/>
-              <a:defRPr/>
-            </a:pPr>
-            <a:r>
-              <a:rPr lang="en-US" sz="1800" b="0" i="0" u="none" strike="noStrike" cap="none">
-                <a:solidFill>
-                  <a:srgbClr val="000000"/>
-                </a:solidFill>
-                <a:effectLst/>
-                <a:latin typeface="Arial"/>
-                <a:ea typeface="Arial"/>
-                <a:cs typeface="Arial"/>
-                <a:sym typeface="Arial"/>
-              </a:rPr>
-              <a:t>We are currently using unsupervised clustering followed by a matching and sampling procedure to simulate a randomization process to create a treatment and control group. After that is done, we use statistical tests such as the T-test to generate causal insight. As a standard test of the null hypothesis, every time a test is run, we assume the sentencing for the treatment group ( black population), is the same as that of the control group (the white population) and based on the statistical significance and sample distribution, we decide whether we should reject the null and claim there is evidence of bias. We then quantify that bias with the treatment effect mean and confidence interval and store the results for UX visualizations to engage with our users.</a:t>
-            </a:r>
-            <a:endParaRPr lang="en-US" sz="3200" b="0" i="0" u="none" strike="noStrike">
-              <a:solidFill>
-                <a:srgbClr val="000000"/>
-              </a:solidFill>
-              <a:effectLst/>
-              <a:latin typeface="Arial" panose="020B0604020202020204" pitchFamily="34" charset="0"/>
-            </a:endParaRPr>
-          </a:p>
-          <a:p>
-            <a:pPr rtl="0" fontAlgn="base">
-              <a:spcBef>
-                <a:spcPts val="0"/>
-              </a:spcBef>
-              <a:spcAft>
-                <a:spcPts val="0"/>
-              </a:spcAft>
-              <a:buFont typeface="Arial" panose="020B0604020202020204" pitchFamily="34" charset="0"/>
-              <a:buChar char="•"/>
-            </a:pPr>
-            <a:endParaRPr lang="en-US" sz="1800" b="0" i="0" u="none" strike="noStrike">
-              <a:solidFill>
-                <a:srgbClr val="000000"/>
-              </a:solidFill>
-              <a:effectLst/>
-              <a:latin typeface="Arial" panose="020B0604020202020204" pitchFamily="34" charset="0"/>
-            </a:endParaRPr>
-          </a:p>
-        </p:txBody>
-      </p:sp>
-    </p:spTree>
-    <p:extLst>
-      <p:ext uri="{BB962C8B-B14F-4D97-AF65-F5344CB8AC3E}">
-        <p14:creationId xmlns:p14="http://schemas.microsoft.com/office/powerpoint/2010/main" val="2542702029"/>
-      </p:ext>
-    </p:extLst>
-  </p:cSld>
-  <p:clrMapOvr>
-    <a:masterClrMapping/>
-  </p:clrMapOvr>
-</p:notes>
-</file>
-
-<file path=ppt/notesSlides/notesSlide6.xml><?xml version="1.0" encoding="utf-8"?>
-<p:notes xmlns:a="http://schemas.openxmlformats.org/drawingml/2006/main" xmlns:r="http://schemas.openxmlformats.org/officeDocument/2006/relationships" xmlns:p="http://schemas.openxmlformats.org/presentationml/2006/main" showMasterSp="0" showMasterPhAnim="0">
-  <p:cSld>
-    <p:spTree>
-      <p:nvGrpSpPr>
-        <p:cNvPr id="1" name="Shape 648"/>
-        <p:cNvGrpSpPr/>
-        <p:nvPr/>
-      </p:nvGrpSpPr>
-      <p:grpSpPr>
-        <a:xfrm>
-          <a:off x="0" y="0"/>
-          <a:ext cx="0" cy="0"/>
-          <a:chOff x="0" y="0"/>
-          <a:chExt cx="0" cy="0"/>
-        </a:xfrm>
-      </p:grpSpPr>
-      <p:sp>
-        <p:nvSpPr>
-          <p:cNvPr id="649" name="Google Shape;649;g75f465780c_0_1803:notes"/>
-          <p:cNvSpPr>
-            <a:spLocks noGrp="1" noRot="1" noChangeAspect="1"/>
-          </p:cNvSpPr>
-          <p:nvPr>
-            <p:ph type="sldImg" idx="2"/>
-          </p:nvPr>
-        </p:nvSpPr>
-        <p:spPr>
-          <a:xfrm>
-            <a:off x="381000" y="685800"/>
-            <a:ext cx="6096000" cy="3429000"/>
-          </a:xfrm>
-          <a:custGeom>
-            <a:avLst/>
-            <a:gdLst/>
-            <a:ahLst/>
-            <a:cxnLst/>
-            <a:rect l="l" t="t" r="r" b="b"/>
-            <a:pathLst>
-              <a:path w="120000" h="120000" extrusionOk="0">
-                <a:moveTo>
-                  <a:pt x="0" y="0"/>
-                </a:moveTo>
-                <a:lnTo>
-                  <a:pt x="120000" y="0"/>
-                </a:lnTo>
-                <a:lnTo>
-                  <a:pt x="120000" y="120000"/>
-                </a:lnTo>
-                <a:lnTo>
-                  <a:pt x="0" y="120000"/>
-                </a:lnTo>
-                <a:close/>
-              </a:path>
-            </a:pathLst>
-          </a:custGeom>
-        </p:spPr>
-      </p:sp>
-      <p:sp>
-        <p:nvSpPr>
-          <p:cNvPr id="650" name="Google Shape;650;g75f465780c_0_1803:notes"/>
-          <p:cNvSpPr txBox="1">
-            <a:spLocks noGrp="1"/>
-          </p:cNvSpPr>
-          <p:nvPr>
-            <p:ph type="body" idx="1"/>
-          </p:nvPr>
-        </p:nvSpPr>
-        <p:spPr>
-          <a:xfrm>
-            <a:off x="685800" y="4343400"/>
-            <a:ext cx="5486400" cy="4114800"/>
-          </a:xfrm>
-          <a:prstGeom prst="rect">
-            <a:avLst/>
-          </a:prstGeom>
-        </p:spPr>
-        <p:txBody>
-          <a:bodyPr spcFirstLastPara="1" wrap="square" lIns="91425" tIns="91425" rIns="91425" bIns="91425" anchor="t" anchorCtr="0">
-            <a:noAutofit/>
-          </a:bodyPr>
-          <a:lstStyle/>
-          <a:p>
-            <a:pPr marL="158750" indent="0" rtl="0">
-              <a:spcBef>
-                <a:spcPts val="1800"/>
-              </a:spcBef>
-              <a:spcAft>
-                <a:spcPts val="600"/>
-              </a:spcAft>
-              <a:buNone/>
-            </a:pPr>
-            <a:r>
-              <a:rPr lang="en-US" sz="1100" b="0" i="0" u="none" strike="noStrike" cap="none">
-                <a:solidFill>
-                  <a:srgbClr val="000000"/>
-                </a:solidFill>
-                <a:effectLst/>
-                <a:latin typeface="Arial"/>
-                <a:ea typeface="Arial"/>
-                <a:cs typeface="Arial"/>
-                <a:sym typeface="Arial"/>
-              </a:rPr>
-              <a:t> This is our architecture for predictive &amp; causal modelling . We start with standard preprocessing, feature selection and feature engineering. The processed data is then stored on Azure and ingested by the modeling. </a:t>
-            </a:r>
-          </a:p>
-          <a:p>
-            <a:pPr marL="158750" indent="0" rtl="0">
-              <a:spcBef>
-                <a:spcPts val="1800"/>
-              </a:spcBef>
-              <a:spcAft>
-                <a:spcPts val="600"/>
-              </a:spcAft>
-              <a:buNone/>
-            </a:pPr>
-            <a:r>
-              <a:rPr lang="en-US" sz="1100" b="0" i="0" u="none" strike="noStrike" cap="none">
-                <a:solidFill>
-                  <a:srgbClr val="000000"/>
-                </a:solidFill>
-                <a:effectLst/>
-                <a:latin typeface="Arial"/>
-                <a:ea typeface="Arial"/>
-                <a:cs typeface="Arial"/>
-                <a:sym typeface="Arial"/>
-              </a:rPr>
-              <a:t>You’ll notice that we’re running 2 models yielding both prediction &amp; causal results. This is to offer a robust product applying maximal </a:t>
-            </a:r>
-            <a:r>
-              <a:rPr lang="en-US" sz="1100" b="0" i="0" u="none" strike="noStrike" cap="none" err="1">
-                <a:solidFill>
-                  <a:srgbClr val="000000"/>
-                </a:solidFill>
-                <a:effectLst/>
-                <a:latin typeface="Arial"/>
-                <a:ea typeface="Arial"/>
-                <a:cs typeface="Arial"/>
-                <a:sym typeface="Arial"/>
-              </a:rPr>
-              <a:t>datascience</a:t>
-            </a:r>
-            <a:r>
-              <a:rPr lang="en-US" sz="1100" b="0" i="0" u="none" strike="noStrike" cap="none">
-                <a:solidFill>
-                  <a:srgbClr val="000000"/>
-                </a:solidFill>
-                <a:effectLst/>
-                <a:latin typeface="Arial"/>
-                <a:ea typeface="Arial"/>
-                <a:cs typeface="Arial"/>
-                <a:sym typeface="Arial"/>
-              </a:rPr>
-              <a:t> so as to provide both a statistical basis for assessment and as well offer a useful prediction based on prior sentencing patterns.</a:t>
-            </a:r>
-          </a:p>
-          <a:p>
-            <a:pPr marL="158750" indent="0" rtl="0">
-              <a:spcBef>
-                <a:spcPts val="1800"/>
-              </a:spcBef>
-              <a:spcAft>
-                <a:spcPts val="600"/>
-              </a:spcAft>
-              <a:buNone/>
-            </a:pPr>
-            <a:endParaRPr lang="en-US" sz="1800" b="0" i="0" u="none" strike="noStrike">
-              <a:solidFill>
-                <a:srgbClr val="000000"/>
-              </a:solidFill>
-              <a:effectLst/>
-              <a:latin typeface="Arial" panose="020B0604020202020204" pitchFamily="34" charset="0"/>
-            </a:endParaRPr>
-          </a:p>
-          <a:p>
-            <a:pPr marL="158750" indent="0" rtl="0">
-              <a:spcBef>
-                <a:spcPts val="1800"/>
-              </a:spcBef>
-              <a:spcAft>
-                <a:spcPts val="600"/>
-              </a:spcAft>
-              <a:buNone/>
-            </a:pPr>
-            <a:r>
-              <a:rPr lang="en-US" sz="1800" b="0" i="0" u="none" strike="noStrike">
-                <a:solidFill>
-                  <a:srgbClr val="000000"/>
-                </a:solidFill>
-                <a:effectLst/>
-                <a:latin typeface="Arial" panose="020B0604020202020204" pitchFamily="34" charset="0"/>
-              </a:rPr>
-              <a:t>Requirements:</a:t>
-            </a:r>
-          </a:p>
-          <a:p>
-            <a:pPr rtl="0">
-              <a:spcBef>
-                <a:spcPts val="1800"/>
-              </a:spcBef>
-              <a:spcAft>
-                <a:spcPts val="600"/>
-              </a:spcAft>
-            </a:pPr>
-            <a:r>
-              <a:rPr lang="en-US" sz="1800" b="0" i="0" u="none" strike="noStrike">
-                <a:solidFill>
-                  <a:srgbClr val="000000"/>
-                </a:solidFill>
-                <a:effectLst/>
-                <a:latin typeface="Arial" panose="020B0604020202020204" pitchFamily="34" charset="0"/>
-              </a:rPr>
-              <a:t>Technical discussion. </a:t>
-            </a:r>
-            <a:endParaRPr lang="en-US" b="1">
-              <a:effectLst/>
-            </a:endParaRPr>
-          </a:p>
-          <a:p>
-            <a:pPr rtl="0" fontAlgn="base">
-              <a:spcBef>
-                <a:spcPts val="0"/>
-              </a:spcBef>
-              <a:spcAft>
-                <a:spcPts val="0"/>
-              </a:spcAft>
-              <a:buFont typeface="Arial" panose="020B0604020202020204" pitchFamily="34" charset="0"/>
-              <a:buChar char="•"/>
-            </a:pPr>
-            <a:r>
-              <a:rPr lang="en-US" sz="1800" b="0" i="0" u="none" strike="noStrike">
-                <a:solidFill>
-                  <a:srgbClr val="000000"/>
-                </a:solidFill>
-                <a:effectLst/>
-                <a:latin typeface="Arial" panose="020B0604020202020204" pitchFamily="34" charset="0"/>
-              </a:rPr>
-              <a:t>Team presents the current overall architecture of the product</a:t>
-            </a:r>
-          </a:p>
-          <a:p>
-            <a:pPr rtl="0" fontAlgn="base">
-              <a:spcBef>
-                <a:spcPts val="0"/>
-              </a:spcBef>
-              <a:spcAft>
-                <a:spcPts val="0"/>
-              </a:spcAft>
-              <a:buFont typeface="Arial" panose="020B0604020202020204" pitchFamily="34" charset="0"/>
-              <a:buChar char="•"/>
-            </a:pPr>
-            <a:r>
-              <a:rPr lang="en-US" sz="1800" b="0" i="0" u="none" strike="noStrike">
-                <a:solidFill>
-                  <a:srgbClr val="000000"/>
-                </a:solidFill>
-                <a:effectLst/>
-                <a:latin typeface="Arial" panose="020B0604020202020204" pitchFamily="34" charset="0"/>
-              </a:rPr>
-              <a:t>Team presents  the data pipeline.</a:t>
-            </a:r>
-          </a:p>
-          <a:p>
-            <a:pPr rtl="0" fontAlgn="base">
-              <a:spcBef>
-                <a:spcPts val="0"/>
-              </a:spcBef>
-              <a:spcAft>
-                <a:spcPts val="0"/>
-              </a:spcAft>
-              <a:buFont typeface="Arial" panose="020B0604020202020204" pitchFamily="34" charset="0"/>
-              <a:buChar char="•"/>
-            </a:pPr>
-            <a:r>
-              <a:rPr lang="en-US" sz="1800" b="0" i="0" u="none" strike="noStrike">
-                <a:solidFill>
-                  <a:srgbClr val="000000"/>
-                </a:solidFill>
-                <a:effectLst/>
-                <a:latin typeface="Arial" panose="020B0604020202020204" pitchFamily="34" charset="0"/>
-              </a:rPr>
-              <a:t>The modeling techniques  being used or considered are presented</a:t>
-            </a:r>
-          </a:p>
-          <a:p>
-            <a:pPr rtl="0" fontAlgn="base">
-              <a:spcBef>
-                <a:spcPts val="0"/>
-              </a:spcBef>
-              <a:spcAft>
-                <a:spcPts val="0"/>
-              </a:spcAft>
-              <a:buFont typeface="Arial" panose="020B0604020202020204" pitchFamily="34" charset="0"/>
-              <a:buChar char="•"/>
-            </a:pPr>
-            <a:r>
-              <a:rPr lang="en-US" sz="1800" b="0" i="0" u="none" strike="noStrike">
-                <a:solidFill>
-                  <a:srgbClr val="000000"/>
-                </a:solidFill>
-                <a:effectLst/>
-                <a:latin typeface="Arial" panose="020B0604020202020204" pitchFamily="34" charset="0"/>
-              </a:rPr>
-              <a:t>The current modeling results are presented</a:t>
-            </a:r>
-          </a:p>
-          <a:p>
-            <a:pPr rtl="0" fontAlgn="base">
-              <a:spcBef>
-                <a:spcPts val="0"/>
-              </a:spcBef>
-              <a:spcAft>
-                <a:spcPts val="0"/>
-              </a:spcAft>
-              <a:buFont typeface="Arial" panose="020B0604020202020204" pitchFamily="34" charset="0"/>
-              <a:buChar char="•"/>
-            </a:pPr>
-            <a:r>
-              <a:rPr lang="en-US" sz="1800" b="0" i="0" u="none" strike="noStrike">
-                <a:solidFill>
-                  <a:srgbClr val="000000"/>
-                </a:solidFill>
-                <a:effectLst/>
-                <a:latin typeface="Arial" panose="020B0604020202020204" pitchFamily="34" charset="0"/>
-              </a:rPr>
-              <a:t>Team described the tradeoffs in different modeling techniques</a:t>
-            </a:r>
-          </a:p>
-          <a:p>
-            <a:pPr rtl="0" fontAlgn="base">
-              <a:spcBef>
-                <a:spcPts val="0"/>
-              </a:spcBef>
-              <a:spcAft>
-                <a:spcPts val="0"/>
-              </a:spcAft>
-              <a:buFont typeface="Arial" panose="020B0604020202020204" pitchFamily="34" charset="0"/>
-              <a:buChar char="•"/>
-            </a:pPr>
-            <a:r>
-              <a:rPr lang="en-US" sz="1800" b="0" i="0" u="none" strike="noStrike">
-                <a:solidFill>
-                  <a:srgbClr val="000000"/>
-                </a:solidFill>
-                <a:effectLst/>
-                <a:latin typeface="Arial" panose="020B0604020202020204" pitchFamily="34" charset="0"/>
-              </a:rPr>
-              <a:t>Team described how they will evaluate the model results.</a:t>
-            </a:r>
-          </a:p>
-          <a:p>
-            <a:pPr rtl="0" fontAlgn="base">
-              <a:spcBef>
-                <a:spcPts val="0"/>
-              </a:spcBef>
-              <a:spcAft>
-                <a:spcPts val="0"/>
-              </a:spcAft>
-              <a:buFont typeface="Arial" panose="020B0604020202020204" pitchFamily="34" charset="0"/>
-              <a:buChar char="•"/>
-            </a:pPr>
-            <a:r>
-              <a:rPr lang="en-US" sz="1800" b="0" i="0" u="none" strike="noStrike">
-                <a:solidFill>
-                  <a:srgbClr val="000000"/>
-                </a:solidFill>
-                <a:effectLst/>
-                <a:latin typeface="Arial" panose="020B0604020202020204" pitchFamily="34" charset="0"/>
-              </a:rPr>
-              <a:t>Team lists the challenges identified based on the results so far.</a:t>
-            </a:r>
-          </a:p>
-          <a:p>
-            <a:pPr rtl="0" fontAlgn="base">
-              <a:spcBef>
-                <a:spcPts val="0"/>
-              </a:spcBef>
-              <a:spcAft>
-                <a:spcPts val="0"/>
-              </a:spcAft>
-              <a:buFont typeface="Arial" panose="020B0604020202020204" pitchFamily="34" charset="0"/>
-              <a:buChar char="•"/>
-            </a:pPr>
-            <a:endParaRPr lang="en-US" sz="1800" b="0" i="0" u="none" strike="noStrike">
-              <a:solidFill>
-                <a:srgbClr val="000000"/>
-              </a:solidFill>
-              <a:effectLst/>
-              <a:latin typeface="Arial" panose="020B0604020202020204" pitchFamily="34" charset="0"/>
-            </a:endParaRPr>
-          </a:p>
-          <a:p>
-            <a:pPr marL="457200" marR="0" lvl="0" indent="-298450" algn="l" defTabSz="914400" rtl="0" eaLnBrk="1" fontAlgn="base" latinLnBrk="0" hangingPunct="1">
-              <a:lnSpc>
-                <a:spcPct val="100000"/>
-              </a:lnSpc>
-              <a:spcBef>
-                <a:spcPts val="0"/>
-              </a:spcBef>
-              <a:spcAft>
-                <a:spcPts val="0"/>
-              </a:spcAft>
-              <a:buClr>
-                <a:srgbClr val="000000"/>
-              </a:buClr>
-              <a:buSzPts val="1100"/>
-              <a:buFont typeface="Arial" panose="020B0604020202020204" pitchFamily="34" charset="0"/>
-              <a:buChar char="•"/>
-              <a:tabLst/>
-              <a:defRPr/>
-            </a:pPr>
-            <a:r>
-              <a:rPr lang="en-US" sz="1800" b="0" i="0" u="none" strike="noStrike" cap="none">
-                <a:solidFill>
-                  <a:srgbClr val="000000"/>
-                </a:solidFill>
-                <a:effectLst/>
-                <a:latin typeface="Arial"/>
-                <a:ea typeface="Arial"/>
-                <a:cs typeface="Arial"/>
-                <a:sym typeface="Arial"/>
-              </a:rPr>
-              <a:t>We are currently using unsupervised clustering followed by a matching and sampling procedure to simulate a randomization process to create a treatment and control group. After that is done, we use statistical tests such as the T-test to generate causal insight. As a standard test of the null hypothesis, every time a test is run, we assume the sentencing for the treatment group ( black population), is the same as that of the control group (the white population) and based on the statistical significance and sample distribution, we decide whether we should reject the null and claim there is evidence of bias. We then quantify that bias with the treatment effect mean and confidence interval and store the results for UX visualizations to engage with our users.</a:t>
-            </a:r>
-            <a:endParaRPr lang="en-US" sz="3200" b="0" i="0" u="none" strike="noStrike">
-              <a:solidFill>
-                <a:srgbClr val="000000"/>
-              </a:solidFill>
-              <a:effectLst/>
-              <a:latin typeface="Arial" panose="020B0604020202020204" pitchFamily="34" charset="0"/>
-            </a:endParaRPr>
-          </a:p>
-          <a:p>
-            <a:pPr rtl="0" fontAlgn="base">
-              <a:spcBef>
-                <a:spcPts val="0"/>
-              </a:spcBef>
-              <a:spcAft>
-                <a:spcPts val="0"/>
-              </a:spcAft>
-              <a:buFont typeface="Arial" panose="020B0604020202020204" pitchFamily="34" charset="0"/>
-              <a:buChar char="•"/>
-            </a:pPr>
-            <a:endParaRPr lang="en-US" sz="1800" b="0" i="0" u="none" strike="noStrike">
-              <a:solidFill>
-                <a:srgbClr val="000000"/>
-              </a:solidFill>
-              <a:effectLst/>
-              <a:latin typeface="Arial" panose="020B0604020202020204" pitchFamily="34" charset="0"/>
-            </a:endParaRPr>
-          </a:p>
-        </p:txBody>
-      </p:sp>
-    </p:spTree>
-    <p:extLst>
-      <p:ext uri="{BB962C8B-B14F-4D97-AF65-F5344CB8AC3E}">
-        <p14:creationId xmlns:p14="http://schemas.microsoft.com/office/powerpoint/2010/main" val="622348654"/>
-      </p:ext>
-    </p:extLst>
-  </p:cSld>
-  <p:clrMapOvr>
-    <a:masterClrMapping/>
-  </p:clrMapOvr>
-</p:notes>
-</file>
-
-<file path=ppt/notesSlides/notesSlide7.xml><?xml version="1.0" encoding="utf-8"?>
-<p:notes xmlns:a="http://schemas.openxmlformats.org/drawingml/2006/main" xmlns:r="http://schemas.openxmlformats.org/officeDocument/2006/relationships" xmlns:p="http://schemas.openxmlformats.org/presentationml/2006/main" showMasterSp="0" showMasterPhAnim="0">
-  <p:cSld>
-    <p:spTree>
-      <p:nvGrpSpPr>
-        <p:cNvPr id="1" name="Shape 648"/>
-        <p:cNvGrpSpPr/>
-        <p:nvPr/>
-      </p:nvGrpSpPr>
-      <p:grpSpPr>
-        <a:xfrm>
-          <a:off x="0" y="0"/>
-          <a:ext cx="0" cy="0"/>
-          <a:chOff x="0" y="0"/>
-          <a:chExt cx="0" cy="0"/>
-        </a:xfrm>
-      </p:grpSpPr>
-      <p:sp>
-        <p:nvSpPr>
-          <p:cNvPr id="649" name="Google Shape;649;g75f465780c_0_1803:notes"/>
-          <p:cNvSpPr>
-            <a:spLocks noGrp="1" noRot="1" noChangeAspect="1"/>
-          </p:cNvSpPr>
-          <p:nvPr>
-            <p:ph type="sldImg" idx="2"/>
-          </p:nvPr>
-        </p:nvSpPr>
-        <p:spPr>
-          <a:xfrm>
-            <a:off x="381000" y="685800"/>
-            <a:ext cx="6096000" cy="3429000"/>
-          </a:xfrm>
-          <a:custGeom>
-            <a:avLst/>
-            <a:gdLst/>
-            <a:ahLst/>
-            <a:cxnLst/>
-            <a:rect l="l" t="t" r="r" b="b"/>
-            <a:pathLst>
-              <a:path w="120000" h="120000" extrusionOk="0">
-                <a:moveTo>
-                  <a:pt x="0" y="0"/>
-                </a:moveTo>
-                <a:lnTo>
-                  <a:pt x="120000" y="0"/>
-                </a:lnTo>
-                <a:lnTo>
-                  <a:pt x="120000" y="120000"/>
-                </a:lnTo>
-                <a:lnTo>
-                  <a:pt x="0" y="120000"/>
-                </a:lnTo>
-                <a:close/>
-              </a:path>
-            </a:pathLst>
-          </a:custGeom>
-        </p:spPr>
-      </p:sp>
-      <p:sp>
-        <p:nvSpPr>
-          <p:cNvPr id="650" name="Google Shape;650;g75f465780c_0_1803:notes"/>
-          <p:cNvSpPr txBox="1">
-            <a:spLocks noGrp="1"/>
-          </p:cNvSpPr>
-          <p:nvPr>
-            <p:ph type="body" idx="1"/>
-          </p:nvPr>
-        </p:nvSpPr>
-        <p:spPr>
-          <a:xfrm>
-            <a:off x="685800" y="4343400"/>
-            <a:ext cx="5486400" cy="4114800"/>
-          </a:xfrm>
-          <a:prstGeom prst="rect">
-            <a:avLst/>
-          </a:prstGeom>
-        </p:spPr>
-        <p:txBody>
-          <a:bodyPr spcFirstLastPara="1" wrap="square" lIns="91425" tIns="91425" rIns="91425" bIns="91425" anchor="t" anchorCtr="0">
-            <a:noAutofit/>
-          </a:bodyPr>
-          <a:lstStyle/>
-          <a:p>
-            <a:pPr marL="158750" indent="0" rtl="0">
-              <a:spcBef>
-                <a:spcPts val="1800"/>
-              </a:spcBef>
-              <a:spcAft>
-                <a:spcPts val="600"/>
-              </a:spcAft>
-              <a:buNone/>
-            </a:pPr>
-            <a:r>
-              <a:rPr lang="en-US" sz="1100" b="0" i="0" u="none" strike="noStrike" cap="none" dirty="0">
-                <a:solidFill>
-                  <a:srgbClr val="000000"/>
-                </a:solidFill>
-                <a:effectLst/>
-                <a:latin typeface="Arial"/>
-                <a:ea typeface="Arial"/>
-                <a:cs typeface="Arial"/>
-                <a:sym typeface="Arial"/>
-              </a:rPr>
-              <a:t> This is our architecture for predictive &amp; causal modelling . We start with standard preprocessing, feature selection and feature engineering. The processed data is then stored on Azure and ingested by the modeling. </a:t>
-            </a:r>
-          </a:p>
-          <a:p>
-            <a:pPr marL="158750" indent="0" rtl="0">
-              <a:spcBef>
-                <a:spcPts val="1800"/>
-              </a:spcBef>
-              <a:spcAft>
-                <a:spcPts val="600"/>
-              </a:spcAft>
-              <a:buNone/>
-            </a:pPr>
-            <a:r>
-              <a:rPr lang="en-US" sz="1100" b="0" i="0" u="none" strike="noStrike" cap="none" dirty="0">
-                <a:solidFill>
-                  <a:srgbClr val="000000"/>
-                </a:solidFill>
-                <a:effectLst/>
-                <a:latin typeface="Arial"/>
-                <a:ea typeface="Arial"/>
-                <a:cs typeface="Arial"/>
-                <a:sym typeface="Arial"/>
-              </a:rPr>
-              <a:t>You’ll notice that we’re running 2 models yielding both prediction &amp; causal results. This is to offer a robust product applying maximal </a:t>
-            </a:r>
-            <a:r>
-              <a:rPr lang="en-US" sz="1100" b="0" i="0" u="none" strike="noStrike" cap="none" dirty="0" err="1">
-                <a:solidFill>
-                  <a:srgbClr val="000000"/>
-                </a:solidFill>
-                <a:effectLst/>
-                <a:latin typeface="Arial"/>
-                <a:ea typeface="Arial"/>
-                <a:cs typeface="Arial"/>
-                <a:sym typeface="Arial"/>
-              </a:rPr>
-              <a:t>datascience</a:t>
-            </a:r>
-            <a:r>
-              <a:rPr lang="en-US" sz="1100" b="0" i="0" u="none" strike="noStrike" cap="none" dirty="0">
-                <a:solidFill>
-                  <a:srgbClr val="000000"/>
-                </a:solidFill>
-                <a:effectLst/>
-                <a:latin typeface="Arial"/>
-                <a:ea typeface="Arial"/>
-                <a:cs typeface="Arial"/>
-                <a:sym typeface="Arial"/>
-              </a:rPr>
-              <a:t> so as to provide both a statistical basis for assessment and as well offer a useful prediction based on prior sentencing patterns.</a:t>
-            </a:r>
-          </a:p>
-          <a:p>
-            <a:pPr marL="158750" indent="0" rtl="0">
-              <a:spcBef>
-                <a:spcPts val="1800"/>
-              </a:spcBef>
-              <a:spcAft>
-                <a:spcPts val="600"/>
-              </a:spcAft>
-              <a:buNone/>
-            </a:pPr>
-            <a:endParaRPr lang="en-US" sz="1800" b="0" i="0" u="none" strike="noStrike" dirty="0">
-              <a:solidFill>
-                <a:srgbClr val="000000"/>
-              </a:solidFill>
-              <a:effectLst/>
-              <a:latin typeface="Arial" panose="020B0604020202020204" pitchFamily="34" charset="0"/>
-            </a:endParaRPr>
-          </a:p>
-          <a:p>
-            <a:pPr marL="158750" indent="0" rtl="0">
-              <a:spcBef>
-                <a:spcPts val="1800"/>
-              </a:spcBef>
-              <a:spcAft>
-                <a:spcPts val="600"/>
-              </a:spcAft>
-              <a:buNone/>
-            </a:pPr>
-            <a:r>
-              <a:rPr lang="en-US" sz="1800" b="0" i="0" u="none" strike="noStrike" dirty="0">
-                <a:solidFill>
-                  <a:srgbClr val="000000"/>
-                </a:solidFill>
-                <a:effectLst/>
-                <a:latin typeface="Arial" panose="020B0604020202020204" pitchFamily="34" charset="0"/>
-              </a:rPr>
-              <a:t>Requirements:</a:t>
-            </a:r>
-          </a:p>
-          <a:p>
-            <a:pPr rtl="0">
-              <a:spcBef>
-                <a:spcPts val="1800"/>
-              </a:spcBef>
-              <a:spcAft>
-                <a:spcPts val="600"/>
-              </a:spcAft>
-            </a:pPr>
-            <a:r>
-              <a:rPr lang="en-US" sz="1800" b="0" i="0" u="none" strike="noStrike" dirty="0">
-                <a:solidFill>
-                  <a:srgbClr val="000000"/>
-                </a:solidFill>
-                <a:effectLst/>
-                <a:latin typeface="Arial" panose="020B0604020202020204" pitchFamily="34" charset="0"/>
-              </a:rPr>
-              <a:t>Technical discussion. </a:t>
-            </a:r>
-            <a:endParaRPr lang="en-US" b="1" dirty="0">
-              <a:effectLst/>
-            </a:endParaRPr>
-          </a:p>
-          <a:p>
-            <a:pPr rtl="0" fontAlgn="base">
-              <a:spcBef>
-                <a:spcPts val="0"/>
-              </a:spcBef>
-              <a:spcAft>
-                <a:spcPts val="0"/>
-              </a:spcAft>
-              <a:buFont typeface="Arial" panose="020B0604020202020204" pitchFamily="34" charset="0"/>
-              <a:buChar char="•"/>
-            </a:pPr>
-            <a:r>
-              <a:rPr lang="en-US" sz="1800" b="0" i="0" u="none" strike="noStrike" dirty="0">
-                <a:solidFill>
-                  <a:srgbClr val="000000"/>
-                </a:solidFill>
-                <a:effectLst/>
-                <a:latin typeface="Arial" panose="020B0604020202020204" pitchFamily="34" charset="0"/>
-              </a:rPr>
-              <a:t>Team presents the current overall architecture of the product</a:t>
-            </a:r>
-          </a:p>
-          <a:p>
-            <a:pPr rtl="0" fontAlgn="base">
-              <a:spcBef>
-                <a:spcPts val="0"/>
-              </a:spcBef>
-              <a:spcAft>
-                <a:spcPts val="0"/>
-              </a:spcAft>
-              <a:buFont typeface="Arial" panose="020B0604020202020204" pitchFamily="34" charset="0"/>
-              <a:buChar char="•"/>
-            </a:pPr>
-            <a:r>
-              <a:rPr lang="en-US" sz="1800" b="0" i="0" u="none" strike="noStrike" dirty="0">
-                <a:solidFill>
-                  <a:srgbClr val="000000"/>
-                </a:solidFill>
-                <a:effectLst/>
-                <a:latin typeface="Arial" panose="020B0604020202020204" pitchFamily="34" charset="0"/>
-              </a:rPr>
-              <a:t>Team presents  the data pipeline.</a:t>
-            </a:r>
-          </a:p>
-          <a:p>
-            <a:pPr rtl="0" fontAlgn="base">
-              <a:spcBef>
-                <a:spcPts val="0"/>
-              </a:spcBef>
-              <a:spcAft>
-                <a:spcPts val="0"/>
-              </a:spcAft>
-              <a:buFont typeface="Arial" panose="020B0604020202020204" pitchFamily="34" charset="0"/>
-              <a:buChar char="•"/>
-            </a:pPr>
-            <a:r>
-              <a:rPr lang="en-US" sz="1800" b="0" i="0" u="none" strike="noStrike" dirty="0">
-                <a:solidFill>
-                  <a:srgbClr val="000000"/>
-                </a:solidFill>
-                <a:effectLst/>
-                <a:latin typeface="Arial" panose="020B0604020202020204" pitchFamily="34" charset="0"/>
-              </a:rPr>
-              <a:t>The modeling techniques  being used or considered are presented</a:t>
-            </a:r>
-          </a:p>
-          <a:p>
-            <a:pPr rtl="0" fontAlgn="base">
-              <a:spcBef>
-                <a:spcPts val="0"/>
-              </a:spcBef>
-              <a:spcAft>
-                <a:spcPts val="0"/>
-              </a:spcAft>
-              <a:buFont typeface="Arial" panose="020B0604020202020204" pitchFamily="34" charset="0"/>
-              <a:buChar char="•"/>
-            </a:pPr>
-            <a:r>
-              <a:rPr lang="en-US" sz="1800" b="0" i="0" u="none" strike="noStrike" dirty="0">
-                <a:solidFill>
-                  <a:srgbClr val="000000"/>
-                </a:solidFill>
-                <a:effectLst/>
-                <a:latin typeface="Arial" panose="020B0604020202020204" pitchFamily="34" charset="0"/>
-              </a:rPr>
-              <a:t>The current modeling results are presented</a:t>
-            </a:r>
-          </a:p>
-          <a:p>
-            <a:pPr rtl="0" fontAlgn="base">
-              <a:spcBef>
-                <a:spcPts val="0"/>
-              </a:spcBef>
-              <a:spcAft>
-                <a:spcPts val="0"/>
-              </a:spcAft>
-              <a:buFont typeface="Arial" panose="020B0604020202020204" pitchFamily="34" charset="0"/>
-              <a:buChar char="•"/>
-            </a:pPr>
-            <a:r>
-              <a:rPr lang="en-US" sz="1800" b="0" i="0" u="none" strike="noStrike" dirty="0">
-                <a:solidFill>
-                  <a:srgbClr val="000000"/>
-                </a:solidFill>
-                <a:effectLst/>
-                <a:latin typeface="Arial" panose="020B0604020202020204" pitchFamily="34" charset="0"/>
-              </a:rPr>
-              <a:t>Team described the tradeoffs in different modeling techniques</a:t>
-            </a:r>
-          </a:p>
-          <a:p>
-            <a:pPr rtl="0" fontAlgn="base">
-              <a:spcBef>
-                <a:spcPts val="0"/>
-              </a:spcBef>
-              <a:spcAft>
-                <a:spcPts val="0"/>
-              </a:spcAft>
-              <a:buFont typeface="Arial" panose="020B0604020202020204" pitchFamily="34" charset="0"/>
-              <a:buChar char="•"/>
-            </a:pPr>
-            <a:r>
-              <a:rPr lang="en-US" sz="1800" b="0" i="0" u="none" strike="noStrike" dirty="0">
-                <a:solidFill>
-                  <a:srgbClr val="000000"/>
-                </a:solidFill>
-                <a:effectLst/>
-                <a:latin typeface="Arial" panose="020B0604020202020204" pitchFamily="34" charset="0"/>
-              </a:rPr>
-              <a:t>Team described how they will evaluate the model results.</a:t>
-            </a:r>
-          </a:p>
-          <a:p>
-            <a:pPr rtl="0" fontAlgn="base">
-              <a:spcBef>
-                <a:spcPts val="0"/>
-              </a:spcBef>
-              <a:spcAft>
-                <a:spcPts val="0"/>
-              </a:spcAft>
-              <a:buFont typeface="Arial" panose="020B0604020202020204" pitchFamily="34" charset="0"/>
-              <a:buChar char="•"/>
-            </a:pPr>
-            <a:r>
-              <a:rPr lang="en-US" sz="1800" b="0" i="0" u="none" strike="noStrike" dirty="0">
-                <a:solidFill>
-                  <a:srgbClr val="000000"/>
-                </a:solidFill>
-                <a:effectLst/>
-                <a:latin typeface="Arial" panose="020B0604020202020204" pitchFamily="34" charset="0"/>
-              </a:rPr>
-              <a:t>Team lists the challenges identified based on the results so far.</a:t>
-            </a:r>
-          </a:p>
-          <a:p>
-            <a:pPr rtl="0" fontAlgn="base">
-              <a:spcBef>
-                <a:spcPts val="0"/>
-              </a:spcBef>
-              <a:spcAft>
-                <a:spcPts val="0"/>
-              </a:spcAft>
-              <a:buFont typeface="Arial" panose="020B0604020202020204" pitchFamily="34" charset="0"/>
-              <a:buChar char="•"/>
-            </a:pPr>
-            <a:endParaRPr lang="en-US" sz="1800" b="0" i="0" u="none" strike="noStrike" dirty="0">
-              <a:solidFill>
-                <a:srgbClr val="000000"/>
-              </a:solidFill>
-              <a:effectLst/>
-              <a:latin typeface="Arial" panose="020B0604020202020204" pitchFamily="34" charset="0"/>
-            </a:endParaRPr>
-          </a:p>
-          <a:p>
-            <a:pPr marL="457200" marR="0" lvl="0" indent="-298450" algn="l" defTabSz="914400" rtl="0" eaLnBrk="1" fontAlgn="base" latinLnBrk="0" hangingPunct="1">
-              <a:lnSpc>
-                <a:spcPct val="100000"/>
-              </a:lnSpc>
-              <a:spcBef>
-                <a:spcPts val="0"/>
-              </a:spcBef>
-              <a:spcAft>
-                <a:spcPts val="0"/>
-              </a:spcAft>
-              <a:buClr>
-                <a:srgbClr val="000000"/>
-              </a:buClr>
-              <a:buSzPts val="1100"/>
-              <a:buFont typeface="Arial" panose="020B0604020202020204" pitchFamily="34" charset="0"/>
-              <a:buChar char="•"/>
-              <a:tabLst/>
-              <a:defRPr/>
-            </a:pPr>
-            <a:r>
-              <a:rPr lang="en-US" sz="1800" b="0" i="0" u="none" strike="noStrike" cap="none" dirty="0">
-                <a:solidFill>
-                  <a:srgbClr val="000000"/>
-                </a:solidFill>
-                <a:effectLst/>
-                <a:latin typeface="Arial"/>
-                <a:ea typeface="Arial"/>
-                <a:cs typeface="Arial"/>
-                <a:sym typeface="Arial"/>
-              </a:rPr>
-              <a:t>We are currently using unsupervised clustering followed by a matching and sampling procedure to simulate a randomization process to create a treatment and control group. After that is done, we use statistical tests such as the T-test to generate causal insight. As a standard test of the null hypothesis, every time a test is run, we assume the sentencing for the treatment group ( black population), is the same as that of the control group (the white population) and based on the statistical significance and sample distribution, we decide whether we should reject the null and claim there is evidence of bias. We then quantify that bias with the treatment effect mean and confidence interval and store the results for UX visualizations to engage with our users.</a:t>
-            </a:r>
-            <a:endParaRPr lang="en-US" sz="3200" b="0" i="0" u="none" strike="noStrike" dirty="0">
-              <a:solidFill>
-                <a:srgbClr val="000000"/>
-              </a:solidFill>
-              <a:effectLst/>
-              <a:latin typeface="Arial" panose="020B0604020202020204" pitchFamily="34" charset="0"/>
-            </a:endParaRPr>
-          </a:p>
-          <a:p>
-            <a:pPr rtl="0" fontAlgn="base">
-              <a:spcBef>
-                <a:spcPts val="0"/>
-              </a:spcBef>
-              <a:spcAft>
-                <a:spcPts val="0"/>
-              </a:spcAft>
-              <a:buFont typeface="Arial" panose="020B0604020202020204" pitchFamily="34" charset="0"/>
-              <a:buChar char="•"/>
-            </a:pPr>
-            <a:endParaRPr lang="en-US" sz="1800" b="0" i="0" u="none" strike="noStrike" dirty="0">
-              <a:solidFill>
-                <a:srgbClr val="000000"/>
-              </a:solidFill>
-              <a:effectLst/>
-              <a:latin typeface="Arial" panose="020B0604020202020204" pitchFamily="34" charset="0"/>
-            </a:endParaRPr>
-          </a:p>
-        </p:txBody>
-      </p:sp>
-    </p:spTree>
-    <p:extLst>
-      <p:ext uri="{BB962C8B-B14F-4D97-AF65-F5344CB8AC3E}">
-        <p14:creationId xmlns:p14="http://schemas.microsoft.com/office/powerpoint/2010/main" val="2705273022"/>
-      </p:ext>
-    </p:extLst>
-  </p:cSld>
-  <p:clrMapOvr>
-    <a:masterClrMapping/>
-  </p:clrMapOvr>
-</p:notes>
-</file>
-
-<file path=ppt/notesSlides/notesSlide8.xml><?xml version="1.0" encoding="utf-8"?>
-<p:notes xmlns:a="http://schemas.openxmlformats.org/drawingml/2006/main" xmlns:r="http://schemas.openxmlformats.org/officeDocument/2006/relationships" xmlns:p="http://schemas.openxmlformats.org/presentationml/2006/main" showMasterSp="0" showMasterPhAnim="0">
-  <p:cSld>
-    <p:spTree>
-      <p:nvGrpSpPr>
-        <p:cNvPr id="1" name="Shape 648"/>
-        <p:cNvGrpSpPr/>
-        <p:nvPr/>
-      </p:nvGrpSpPr>
-      <p:grpSpPr>
-        <a:xfrm>
-          <a:off x="0" y="0"/>
-          <a:ext cx="0" cy="0"/>
-          <a:chOff x="0" y="0"/>
-          <a:chExt cx="0" cy="0"/>
-        </a:xfrm>
-      </p:grpSpPr>
-      <p:sp>
-        <p:nvSpPr>
-          <p:cNvPr id="649" name="Google Shape;649;g75f465780c_0_1803:notes"/>
-          <p:cNvSpPr>
-            <a:spLocks noGrp="1" noRot="1" noChangeAspect="1"/>
-          </p:cNvSpPr>
-          <p:nvPr>
-            <p:ph type="sldImg" idx="2"/>
-          </p:nvPr>
-        </p:nvSpPr>
-        <p:spPr>
-          <a:xfrm>
-            <a:off x="381000" y="685800"/>
-            <a:ext cx="6096000" cy="3429000"/>
-          </a:xfrm>
-          <a:custGeom>
-            <a:avLst/>
-            <a:gdLst/>
-            <a:ahLst/>
-            <a:cxnLst/>
-            <a:rect l="l" t="t" r="r" b="b"/>
-            <a:pathLst>
-              <a:path w="120000" h="120000" extrusionOk="0">
-                <a:moveTo>
-                  <a:pt x="0" y="0"/>
-                </a:moveTo>
-                <a:lnTo>
-                  <a:pt x="120000" y="0"/>
-                </a:lnTo>
-                <a:lnTo>
-                  <a:pt x="120000" y="120000"/>
-                </a:lnTo>
-                <a:lnTo>
-                  <a:pt x="0" y="120000"/>
-                </a:lnTo>
-                <a:close/>
-              </a:path>
-            </a:pathLst>
-          </a:custGeom>
-        </p:spPr>
-      </p:sp>
-      <p:sp>
-        <p:nvSpPr>
-          <p:cNvPr id="650" name="Google Shape;650;g75f465780c_0_1803:notes"/>
-          <p:cNvSpPr txBox="1">
-            <a:spLocks noGrp="1"/>
-          </p:cNvSpPr>
-          <p:nvPr>
-            <p:ph type="body" idx="1"/>
-          </p:nvPr>
-        </p:nvSpPr>
-        <p:spPr>
-          <a:xfrm>
-            <a:off x="685800" y="4343400"/>
-            <a:ext cx="5486400" cy="4114800"/>
-          </a:xfrm>
-          <a:prstGeom prst="rect">
-            <a:avLst/>
-          </a:prstGeom>
-        </p:spPr>
-        <p:txBody>
-          <a:bodyPr spcFirstLastPara="1" wrap="square" lIns="91425" tIns="91425" rIns="91425" bIns="91425" anchor="t" anchorCtr="0">
-            <a:noAutofit/>
-          </a:bodyPr>
-          <a:lstStyle/>
-          <a:p>
-            <a:pPr marL="158750" indent="0" rtl="0">
-              <a:spcBef>
-                <a:spcPts val="1800"/>
-              </a:spcBef>
-              <a:spcAft>
-                <a:spcPts val="600"/>
-              </a:spcAft>
-              <a:buNone/>
-            </a:pPr>
-            <a:r>
-              <a:rPr lang="en-US" sz="1100" b="0" i="0" u="none" strike="noStrike" cap="none">
-                <a:solidFill>
-                  <a:srgbClr val="000000"/>
-                </a:solidFill>
-                <a:effectLst/>
-                <a:latin typeface="Arial"/>
-                <a:ea typeface="Arial"/>
-                <a:cs typeface="Arial"/>
-                <a:sym typeface="Arial"/>
-              </a:rPr>
-              <a:t> This is our architecture for predictive &amp; causal modelling . We start with standard preprocessing, feature selection and feature engineering. The processed data is then stored on Azure and ingested by the modeling. </a:t>
-            </a:r>
-          </a:p>
-          <a:p>
-            <a:pPr marL="158750" indent="0" rtl="0">
-              <a:spcBef>
-                <a:spcPts val="1800"/>
-              </a:spcBef>
-              <a:spcAft>
-                <a:spcPts val="600"/>
-              </a:spcAft>
-              <a:buNone/>
-            </a:pPr>
-            <a:r>
-              <a:rPr lang="en-US" sz="1100" b="0" i="0" u="none" strike="noStrike" cap="none">
-                <a:solidFill>
-                  <a:srgbClr val="000000"/>
-                </a:solidFill>
-                <a:effectLst/>
-                <a:latin typeface="Arial"/>
-                <a:ea typeface="Arial"/>
-                <a:cs typeface="Arial"/>
-                <a:sym typeface="Arial"/>
-              </a:rPr>
-              <a:t>You’ll notice that we’re running 2 models yielding both prediction &amp; causal results. This is to offer a robust product applying maximal </a:t>
-            </a:r>
-            <a:r>
-              <a:rPr lang="en-US" sz="1100" b="0" i="0" u="none" strike="noStrike" cap="none" err="1">
-                <a:solidFill>
-                  <a:srgbClr val="000000"/>
-                </a:solidFill>
-                <a:effectLst/>
-                <a:latin typeface="Arial"/>
-                <a:ea typeface="Arial"/>
-                <a:cs typeface="Arial"/>
-                <a:sym typeface="Arial"/>
-              </a:rPr>
-              <a:t>datascience</a:t>
-            </a:r>
-            <a:r>
-              <a:rPr lang="en-US" sz="1100" b="0" i="0" u="none" strike="noStrike" cap="none">
-                <a:solidFill>
-                  <a:srgbClr val="000000"/>
-                </a:solidFill>
-                <a:effectLst/>
-                <a:latin typeface="Arial"/>
-                <a:ea typeface="Arial"/>
-                <a:cs typeface="Arial"/>
-                <a:sym typeface="Arial"/>
-              </a:rPr>
-              <a:t> so as to provide both a statistical basis for assessment and as well offer a useful prediction based on prior sentencing patterns.</a:t>
-            </a:r>
-          </a:p>
-          <a:p>
-            <a:pPr marL="158750" indent="0" rtl="0">
-              <a:spcBef>
-                <a:spcPts val="1800"/>
-              </a:spcBef>
-              <a:spcAft>
-                <a:spcPts val="600"/>
-              </a:spcAft>
-              <a:buNone/>
-            </a:pPr>
-            <a:endParaRPr lang="en-US" sz="1800" b="0" i="0" u="none" strike="noStrike">
-              <a:solidFill>
-                <a:srgbClr val="000000"/>
-              </a:solidFill>
-              <a:effectLst/>
-              <a:latin typeface="Arial" panose="020B0604020202020204" pitchFamily="34" charset="0"/>
-            </a:endParaRPr>
-          </a:p>
-          <a:p>
-            <a:pPr marL="158750" indent="0" rtl="0">
-              <a:spcBef>
-                <a:spcPts val="1800"/>
-              </a:spcBef>
-              <a:spcAft>
-                <a:spcPts val="600"/>
-              </a:spcAft>
-              <a:buNone/>
-            </a:pPr>
-            <a:r>
-              <a:rPr lang="en-US" sz="1800" b="0" i="0" u="none" strike="noStrike">
-                <a:solidFill>
-                  <a:srgbClr val="000000"/>
-                </a:solidFill>
-                <a:effectLst/>
-                <a:latin typeface="Arial" panose="020B0604020202020204" pitchFamily="34" charset="0"/>
-              </a:rPr>
-              <a:t>Requirements:</a:t>
-            </a:r>
-          </a:p>
-          <a:p>
-            <a:pPr rtl="0">
-              <a:spcBef>
-                <a:spcPts val="1800"/>
-              </a:spcBef>
-              <a:spcAft>
-                <a:spcPts val="600"/>
-              </a:spcAft>
-            </a:pPr>
-            <a:r>
-              <a:rPr lang="en-US" sz="1800" b="0" i="0" u="none" strike="noStrike">
-                <a:solidFill>
-                  <a:srgbClr val="000000"/>
-                </a:solidFill>
-                <a:effectLst/>
-                <a:latin typeface="Arial" panose="020B0604020202020204" pitchFamily="34" charset="0"/>
-              </a:rPr>
-              <a:t>Technical discussion. </a:t>
-            </a:r>
-            <a:endParaRPr lang="en-US" b="1">
-              <a:effectLst/>
-            </a:endParaRPr>
-          </a:p>
-          <a:p>
-            <a:pPr rtl="0" fontAlgn="base">
-              <a:spcBef>
-                <a:spcPts val="0"/>
-              </a:spcBef>
-              <a:spcAft>
-                <a:spcPts val="0"/>
-              </a:spcAft>
-              <a:buFont typeface="Arial" panose="020B0604020202020204" pitchFamily="34" charset="0"/>
-              <a:buChar char="•"/>
-            </a:pPr>
-            <a:r>
-              <a:rPr lang="en-US" sz="1800" b="0" i="0" u="none" strike="noStrike">
-                <a:solidFill>
-                  <a:srgbClr val="000000"/>
-                </a:solidFill>
-                <a:effectLst/>
-                <a:latin typeface="Arial" panose="020B0604020202020204" pitchFamily="34" charset="0"/>
-              </a:rPr>
-              <a:t>Team presents the current overall architecture of the product</a:t>
-            </a:r>
-          </a:p>
-          <a:p>
-            <a:pPr rtl="0" fontAlgn="base">
-              <a:spcBef>
-                <a:spcPts val="0"/>
-              </a:spcBef>
-              <a:spcAft>
-                <a:spcPts val="0"/>
-              </a:spcAft>
-              <a:buFont typeface="Arial" panose="020B0604020202020204" pitchFamily="34" charset="0"/>
-              <a:buChar char="•"/>
-            </a:pPr>
-            <a:r>
-              <a:rPr lang="en-US" sz="1800" b="0" i="0" u="none" strike="noStrike">
-                <a:solidFill>
-                  <a:srgbClr val="000000"/>
-                </a:solidFill>
-                <a:effectLst/>
-                <a:latin typeface="Arial" panose="020B0604020202020204" pitchFamily="34" charset="0"/>
-              </a:rPr>
-              <a:t>Team presents  the data pipeline.</a:t>
-            </a:r>
-          </a:p>
-          <a:p>
-            <a:pPr rtl="0" fontAlgn="base">
-              <a:spcBef>
-                <a:spcPts val="0"/>
-              </a:spcBef>
-              <a:spcAft>
-                <a:spcPts val="0"/>
-              </a:spcAft>
-              <a:buFont typeface="Arial" panose="020B0604020202020204" pitchFamily="34" charset="0"/>
-              <a:buChar char="•"/>
-            </a:pPr>
-            <a:r>
-              <a:rPr lang="en-US" sz="1800" b="0" i="0" u="none" strike="noStrike">
-                <a:solidFill>
-                  <a:srgbClr val="000000"/>
-                </a:solidFill>
-                <a:effectLst/>
-                <a:latin typeface="Arial" panose="020B0604020202020204" pitchFamily="34" charset="0"/>
-              </a:rPr>
-              <a:t>The modeling techniques  being used or considered are presented</a:t>
-            </a:r>
-          </a:p>
-          <a:p>
-            <a:pPr rtl="0" fontAlgn="base">
-              <a:spcBef>
-                <a:spcPts val="0"/>
-              </a:spcBef>
-              <a:spcAft>
-                <a:spcPts val="0"/>
-              </a:spcAft>
-              <a:buFont typeface="Arial" panose="020B0604020202020204" pitchFamily="34" charset="0"/>
-              <a:buChar char="•"/>
-            </a:pPr>
-            <a:r>
-              <a:rPr lang="en-US" sz="1800" b="0" i="0" u="none" strike="noStrike">
-                <a:solidFill>
-                  <a:srgbClr val="000000"/>
-                </a:solidFill>
-                <a:effectLst/>
-                <a:latin typeface="Arial" panose="020B0604020202020204" pitchFamily="34" charset="0"/>
-              </a:rPr>
-              <a:t>The current modeling results are presented</a:t>
-            </a:r>
-          </a:p>
-          <a:p>
-            <a:pPr rtl="0" fontAlgn="base">
-              <a:spcBef>
-                <a:spcPts val="0"/>
-              </a:spcBef>
-              <a:spcAft>
-                <a:spcPts val="0"/>
-              </a:spcAft>
-              <a:buFont typeface="Arial" panose="020B0604020202020204" pitchFamily="34" charset="0"/>
-              <a:buChar char="•"/>
-            </a:pPr>
-            <a:r>
-              <a:rPr lang="en-US" sz="1800" b="0" i="0" u="none" strike="noStrike">
-                <a:solidFill>
-                  <a:srgbClr val="000000"/>
-                </a:solidFill>
-                <a:effectLst/>
-                <a:latin typeface="Arial" panose="020B0604020202020204" pitchFamily="34" charset="0"/>
-              </a:rPr>
-              <a:t>Team described the tradeoffs in different modeling techniques</a:t>
-            </a:r>
-          </a:p>
-          <a:p>
-            <a:pPr rtl="0" fontAlgn="base">
-              <a:spcBef>
-                <a:spcPts val="0"/>
-              </a:spcBef>
-              <a:spcAft>
-                <a:spcPts val="0"/>
-              </a:spcAft>
-              <a:buFont typeface="Arial" panose="020B0604020202020204" pitchFamily="34" charset="0"/>
-              <a:buChar char="•"/>
-            </a:pPr>
-            <a:r>
-              <a:rPr lang="en-US" sz="1800" b="0" i="0" u="none" strike="noStrike">
-                <a:solidFill>
-                  <a:srgbClr val="000000"/>
-                </a:solidFill>
-                <a:effectLst/>
-                <a:latin typeface="Arial" panose="020B0604020202020204" pitchFamily="34" charset="0"/>
-              </a:rPr>
-              <a:t>Team described how they will evaluate the model results.</a:t>
-            </a:r>
-          </a:p>
-          <a:p>
-            <a:pPr rtl="0" fontAlgn="base">
-              <a:spcBef>
-                <a:spcPts val="0"/>
-              </a:spcBef>
-              <a:spcAft>
-                <a:spcPts val="0"/>
-              </a:spcAft>
-              <a:buFont typeface="Arial" panose="020B0604020202020204" pitchFamily="34" charset="0"/>
-              <a:buChar char="•"/>
-            </a:pPr>
-            <a:r>
-              <a:rPr lang="en-US" sz="1800" b="0" i="0" u="none" strike="noStrike">
-                <a:solidFill>
-                  <a:srgbClr val="000000"/>
-                </a:solidFill>
-                <a:effectLst/>
-                <a:latin typeface="Arial" panose="020B0604020202020204" pitchFamily="34" charset="0"/>
-              </a:rPr>
-              <a:t>Team lists the challenges identified based on the results so far.</a:t>
-            </a:r>
-          </a:p>
-          <a:p>
-            <a:pPr rtl="0" fontAlgn="base">
-              <a:spcBef>
-                <a:spcPts val="0"/>
-              </a:spcBef>
-              <a:spcAft>
-                <a:spcPts val="0"/>
-              </a:spcAft>
-              <a:buFont typeface="Arial" panose="020B0604020202020204" pitchFamily="34" charset="0"/>
-              <a:buChar char="•"/>
-            </a:pPr>
-            <a:endParaRPr lang="en-US" sz="1800" b="0" i="0" u="none" strike="noStrike">
-              <a:solidFill>
-                <a:srgbClr val="000000"/>
-              </a:solidFill>
-              <a:effectLst/>
-              <a:latin typeface="Arial" panose="020B0604020202020204" pitchFamily="34" charset="0"/>
-            </a:endParaRPr>
-          </a:p>
-          <a:p>
-            <a:pPr marL="457200" marR="0" lvl="0" indent="-298450" algn="l" defTabSz="914400" rtl="0" eaLnBrk="1" fontAlgn="base" latinLnBrk="0" hangingPunct="1">
-              <a:lnSpc>
-                <a:spcPct val="100000"/>
-              </a:lnSpc>
-              <a:spcBef>
-                <a:spcPts val="0"/>
-              </a:spcBef>
-              <a:spcAft>
-                <a:spcPts val="0"/>
-              </a:spcAft>
-              <a:buClr>
-                <a:srgbClr val="000000"/>
-              </a:buClr>
-              <a:buSzPts val="1100"/>
-              <a:buFont typeface="Arial" panose="020B0604020202020204" pitchFamily="34" charset="0"/>
-              <a:buChar char="•"/>
-              <a:tabLst/>
-              <a:defRPr/>
-            </a:pPr>
-            <a:r>
-              <a:rPr lang="en-US" sz="1800" b="0" i="0" u="none" strike="noStrike" cap="none">
-                <a:solidFill>
-                  <a:srgbClr val="000000"/>
-                </a:solidFill>
-                <a:effectLst/>
-                <a:latin typeface="Arial"/>
-                <a:ea typeface="Arial"/>
-                <a:cs typeface="Arial"/>
-                <a:sym typeface="Arial"/>
-              </a:rPr>
-              <a:t>We are currently using unsupervised clustering followed by a matching and sampling procedure to simulate a randomization process to create a treatment and control group. After that is done, we use statistical tests such as the T-test to generate causal insight. As a standard test of the null hypothesis, every time a test is run, we assume the sentencing for the treatment group ( black population), is the same as that of the control group (the white population) and based on the statistical significance and sample distribution, we decide whether we should reject the null and claim there is evidence of bias. We then quantify that bias with the treatment effect mean and confidence interval and store the results for UX visualizations to engage with our users.</a:t>
-            </a:r>
-            <a:endParaRPr lang="en-US" sz="3200" b="0" i="0" u="none" strike="noStrike">
-              <a:solidFill>
-                <a:srgbClr val="000000"/>
-              </a:solidFill>
-              <a:effectLst/>
-              <a:latin typeface="Arial" panose="020B0604020202020204" pitchFamily="34" charset="0"/>
-            </a:endParaRPr>
-          </a:p>
-          <a:p>
-            <a:pPr rtl="0" fontAlgn="base">
-              <a:spcBef>
-                <a:spcPts val="0"/>
-              </a:spcBef>
-              <a:spcAft>
-                <a:spcPts val="0"/>
-              </a:spcAft>
-              <a:buFont typeface="Arial" panose="020B0604020202020204" pitchFamily="34" charset="0"/>
-              <a:buChar char="•"/>
-            </a:pPr>
-            <a:endParaRPr lang="en-US" sz="1800" b="0" i="0" u="none" strike="noStrike">
-              <a:solidFill>
-                <a:srgbClr val="000000"/>
-              </a:solidFill>
-              <a:effectLst/>
-              <a:latin typeface="Arial" panose="020B0604020202020204" pitchFamily="34" charset="0"/>
-            </a:endParaRPr>
-          </a:p>
-        </p:txBody>
-      </p:sp>
-    </p:spTree>
-    <p:extLst>
-      <p:ext uri="{BB962C8B-B14F-4D97-AF65-F5344CB8AC3E}">
-        <p14:creationId xmlns:p14="http://schemas.microsoft.com/office/powerpoint/2010/main" val="966396284"/>
-      </p:ext>
-    </p:extLst>
-  </p:cSld>
-  <p:clrMapOvr>
-    <a:masterClrMapping/>
-  </p:clrMapOvr>
-</p:notes>
-</file>
-
 <file path=ppt/slideLayouts/slideLayout1.xml><?xml version="1.0" encoding="utf-8"?>
 <p:sldLayout xmlns:a="http://schemas.openxmlformats.org/drawingml/2006/main" xmlns:r="http://schemas.openxmlformats.org/officeDocument/2006/relationships" xmlns:p="http://schemas.openxmlformats.org/presentationml/2006/main" matchingName="Title slide" type="title">
   <p:cSld name="Title slide">
@@ -10665,221 +8849,6 @@
 </file>
 
 <file path=ppt/slideLayouts/slideLayout13.xml><?xml version="1.0" encoding="utf-8"?>
-<p:sldLayout xmlns:a="http://schemas.openxmlformats.org/drawingml/2006/main" xmlns:r="http://schemas.openxmlformats.org/officeDocument/2006/relationships" xmlns:p="http://schemas.openxmlformats.org/presentationml/2006/main" matchingName="Title design">
-  <p:cSld name="Title design">
-    <p:bg>
-      <p:bgPr>
-        <a:solidFill>
-          <a:schemeClr val="lt1"/>
-        </a:solidFill>
-        <a:effectLst/>
-      </p:bgPr>
-    </p:bg>
-    <p:spTree>
-      <p:nvGrpSpPr>
-        <p:cNvPr id="1" name="Shape 98"/>
-        <p:cNvGrpSpPr/>
-        <p:nvPr/>
-      </p:nvGrpSpPr>
-      <p:grpSpPr>
-        <a:xfrm>
-          <a:off x="0" y="0"/>
-          <a:ext cx="0" cy="0"/>
-          <a:chOff x="0" y="0"/>
-          <a:chExt cx="0" cy="0"/>
-        </a:xfrm>
-      </p:grpSpPr>
-      <p:sp>
-        <p:nvSpPr>
-          <p:cNvPr id="99" name="Google Shape;99;p17"/>
-          <p:cNvSpPr/>
-          <p:nvPr/>
-        </p:nvSpPr>
-        <p:spPr>
-          <a:xfrm>
-            <a:off x="5315200" y="-24900"/>
-            <a:ext cx="13753600" cy="13753600"/>
-          </a:xfrm>
-          <a:prstGeom prst="pie">
-            <a:avLst>
-              <a:gd name="adj1" fmla="val 10799952"/>
-              <a:gd name="adj2" fmla="val 16200000"/>
-            </a:avLst>
-          </a:prstGeom>
-          <a:solidFill>
-            <a:schemeClr val="dk2"/>
-          </a:solidFill>
-          <a:ln>
-            <a:noFill/>
-          </a:ln>
-        </p:spPr>
-        <p:txBody>
-          <a:bodyPr spcFirstLastPara="1" wrap="square" lIns="121900" tIns="121900" rIns="121900" bIns="121900" anchor="ctr" anchorCtr="0">
-            <a:noAutofit/>
-          </a:bodyPr>
-          <a:lstStyle/>
-          <a:p>
-            <a:pPr marL="0" lvl="0" indent="0" algn="l" rtl="0">
-              <a:spcBef>
-                <a:spcPts val="0"/>
-              </a:spcBef>
-              <a:spcAft>
-                <a:spcPts val="0"/>
-              </a:spcAft>
-              <a:buNone/>
-            </a:pPr>
-            <a:endParaRPr sz="2400"/>
-          </a:p>
-        </p:txBody>
-      </p:sp>
-      <p:sp>
-        <p:nvSpPr>
-          <p:cNvPr id="100" name="Google Shape;100;p17"/>
-          <p:cNvSpPr txBox="1">
-            <a:spLocks noGrp="1"/>
-          </p:cNvSpPr>
-          <p:nvPr>
-            <p:ph type="ctrTitle"/>
-          </p:nvPr>
-        </p:nvSpPr>
-        <p:spPr>
-          <a:xfrm>
-            <a:off x="1583400" y="553667"/>
-            <a:ext cx="9025200" cy="874000"/>
-          </a:xfrm>
-          <a:prstGeom prst="rect">
-            <a:avLst/>
-          </a:prstGeom>
-        </p:spPr>
-        <p:txBody>
-          <a:bodyPr spcFirstLastPara="1" wrap="square" lIns="91425" tIns="91425" rIns="91425" bIns="91425" anchor="t" anchorCtr="0">
-            <a:noAutofit/>
-          </a:bodyPr>
-          <a:lstStyle>
-            <a:lvl1pPr lvl="0" algn="ctr" rtl="0">
-              <a:spcBef>
-                <a:spcPts val="0"/>
-              </a:spcBef>
-              <a:spcAft>
-                <a:spcPts val="0"/>
-              </a:spcAft>
-              <a:buSzPts val="2800"/>
-              <a:buNone/>
-              <a:defRPr sz="3333">
-                <a:latin typeface="Anton"/>
-                <a:ea typeface="Anton"/>
-                <a:cs typeface="Anton"/>
-                <a:sym typeface="Anton"/>
-              </a:defRPr>
-            </a:lvl1pPr>
-            <a:lvl2pPr lvl="1" algn="r" rtl="0">
-              <a:spcBef>
-                <a:spcPts val="0"/>
-              </a:spcBef>
-              <a:spcAft>
-                <a:spcPts val="0"/>
-              </a:spcAft>
-              <a:buSzPts val="1800"/>
-              <a:buNone/>
-              <a:defRPr sz="2400"/>
-            </a:lvl2pPr>
-            <a:lvl3pPr lvl="2" algn="r" rtl="0">
-              <a:spcBef>
-                <a:spcPts val="0"/>
-              </a:spcBef>
-              <a:spcAft>
-                <a:spcPts val="0"/>
-              </a:spcAft>
-              <a:buSzPts val="1800"/>
-              <a:buNone/>
-              <a:defRPr sz="2400"/>
-            </a:lvl3pPr>
-            <a:lvl4pPr lvl="3" algn="r" rtl="0">
-              <a:spcBef>
-                <a:spcPts val="0"/>
-              </a:spcBef>
-              <a:spcAft>
-                <a:spcPts val="0"/>
-              </a:spcAft>
-              <a:buSzPts val="1800"/>
-              <a:buNone/>
-              <a:defRPr sz="2400"/>
-            </a:lvl4pPr>
-            <a:lvl5pPr lvl="4" algn="r" rtl="0">
-              <a:spcBef>
-                <a:spcPts val="0"/>
-              </a:spcBef>
-              <a:spcAft>
-                <a:spcPts val="0"/>
-              </a:spcAft>
-              <a:buSzPts val="1800"/>
-              <a:buNone/>
-              <a:defRPr sz="2400"/>
-            </a:lvl5pPr>
-            <a:lvl6pPr lvl="5" algn="r" rtl="0">
-              <a:spcBef>
-                <a:spcPts val="0"/>
-              </a:spcBef>
-              <a:spcAft>
-                <a:spcPts val="0"/>
-              </a:spcAft>
-              <a:buSzPts val="1800"/>
-              <a:buNone/>
-              <a:defRPr sz="2400"/>
-            </a:lvl6pPr>
-            <a:lvl7pPr lvl="6" algn="r" rtl="0">
-              <a:spcBef>
-                <a:spcPts val="0"/>
-              </a:spcBef>
-              <a:spcAft>
-                <a:spcPts val="0"/>
-              </a:spcAft>
-              <a:buSzPts val="1800"/>
-              <a:buNone/>
-              <a:defRPr sz="2400"/>
-            </a:lvl7pPr>
-            <a:lvl8pPr lvl="7" algn="r" rtl="0">
-              <a:spcBef>
-                <a:spcPts val="0"/>
-              </a:spcBef>
-              <a:spcAft>
-                <a:spcPts val="0"/>
-              </a:spcAft>
-              <a:buSzPts val="1800"/>
-              <a:buNone/>
-              <a:defRPr sz="2400"/>
-            </a:lvl8pPr>
-            <a:lvl9pPr lvl="8" algn="r" rtl="0">
-              <a:spcBef>
-                <a:spcPts val="0"/>
-              </a:spcBef>
-              <a:spcAft>
-                <a:spcPts val="0"/>
-              </a:spcAft>
-              <a:buSzPts val="1800"/>
-              <a:buNone/>
-              <a:defRPr sz="2400"/>
-            </a:lvl9pPr>
-          </a:lstStyle>
-          <a:p>
-            <a:endParaRPr/>
-          </a:p>
-        </p:txBody>
-      </p:sp>
-    </p:spTree>
-    <p:extLst>
-      <p:ext uri="{BB962C8B-B14F-4D97-AF65-F5344CB8AC3E}">
-        <p14:creationId xmlns:p14="http://schemas.microsoft.com/office/powerpoint/2010/main" val="3424010658"/>
-      </p:ext>
-    </p:extLst>
-  </p:cSld>
-  <p:clrMapOvr>
-    <a:masterClrMapping/>
-  </p:clrMapOvr>
-</p:sldLayout>
-</file>
-
-<file path=ppt/slideLayouts/slideLayout14.xml><?xml version="1.0" encoding="utf-8"?>
 <p:sldLayout xmlns:a="http://schemas.openxmlformats.org/drawingml/2006/main" xmlns:r="http://schemas.openxmlformats.org/officeDocument/2006/relationships" xmlns:p="http://schemas.openxmlformats.org/presentationml/2006/main" matchingName="Title design 2">
   <p:cSld name="Title design 2">
     <p:bg>
@@ -11057,7 +9026,7 @@
 </p:sldLayout>
 </file>
 
-<file path=ppt/slideLayouts/slideLayout15.xml><?xml version="1.0" encoding="utf-8"?>
+<file path=ppt/slideLayouts/slideLayout14.xml><?xml version="1.0" encoding="utf-8"?>
 <p:sldLayout xmlns:a="http://schemas.openxmlformats.org/drawingml/2006/main" xmlns:r="http://schemas.openxmlformats.org/officeDocument/2006/relationships" xmlns:p="http://schemas.openxmlformats.org/presentationml/2006/main" matchingName="Title and four columns">
   <p:cSld name="Title and four columns">
     <p:bg>
@@ -12724,7 +10693,7 @@
 </p:sldLayout>
 </file>
 
-<file path=ppt/slideLayouts/slideLayout16.xml><?xml version="1.0" encoding="utf-8"?>
+<file path=ppt/slideLayouts/slideLayout15.xml><?xml version="1.0" encoding="utf-8"?>
 <p:sldLayout xmlns:a="http://schemas.openxmlformats.org/drawingml/2006/main" xmlns:r="http://schemas.openxmlformats.org/officeDocument/2006/relationships" xmlns:p="http://schemas.openxmlformats.org/presentationml/2006/main" matchingName="Thanks">
   <p:cSld name="Thanks">
     <p:bg>
@@ -13674,7 +11643,7 @@
 </p:sldLayout>
 </file>
 
-<file path=ppt/slideLayouts/slideLayout17.xml><?xml version="1.0" encoding="utf-8"?>
+<file path=ppt/slideLayouts/slideLayout16.xml><?xml version="1.0" encoding="utf-8"?>
 <p:sldLayout xmlns:a="http://schemas.openxmlformats.org/drawingml/2006/main" xmlns:r="http://schemas.openxmlformats.org/officeDocument/2006/relationships" xmlns:p="http://schemas.openxmlformats.org/presentationml/2006/main" matchingName="Background">
   <p:cSld name="Background">
     <p:bg>
@@ -13755,7 +11724,7 @@
 </p:sldLayout>
 </file>
 
-<file path=ppt/slideLayouts/slideLayout18.xml><?xml version="1.0" encoding="utf-8"?>
+<file path=ppt/slideLayouts/slideLayout17.xml><?xml version="1.0" encoding="utf-8"?>
 <p:sldLayout xmlns:a="http://schemas.openxmlformats.org/drawingml/2006/main" xmlns:r="http://schemas.openxmlformats.org/officeDocument/2006/relationships" xmlns:p="http://schemas.openxmlformats.org/presentationml/2006/main" matchingName="Background 1">
   <p:cSld name="Background 1">
     <p:bg>
@@ -13836,7 +11805,7 @@
 </p:sldLayout>
 </file>
 
-<file path=ppt/slideLayouts/slideLayout19.xml><?xml version="1.0" encoding="utf-8"?>
+<file path=ppt/slideLayouts/slideLayout18.xml><?xml version="1.0" encoding="utf-8"?>
 <p:sldLayout xmlns:a="http://schemas.openxmlformats.org/drawingml/2006/main" xmlns:r="http://schemas.openxmlformats.org/officeDocument/2006/relationships" xmlns:p="http://schemas.openxmlformats.org/presentationml/2006/main" matchingName="Background 2">
   <p:cSld name="Background 2">
     <p:bg>
@@ -13865,6 +11834,44 @@
     <p:extLst>
       <p:ext uri="{BB962C8B-B14F-4D97-AF65-F5344CB8AC3E}">
         <p14:creationId xmlns:p14="http://schemas.microsoft.com/office/powerpoint/2010/main" val="1466377012"/>
+      </p:ext>
+    </p:extLst>
+  </p:cSld>
+  <p:clrMapOvr>
+    <a:masterClrMapping/>
+  </p:clrMapOvr>
+</p:sldLayout>
+</file>
+
+<file path=ppt/slideLayouts/slideLayout19.xml><?xml version="1.0" encoding="utf-8"?>
+<p:sldLayout xmlns:a="http://schemas.openxmlformats.org/drawingml/2006/main" xmlns:r="http://schemas.openxmlformats.org/officeDocument/2006/relationships" xmlns:p="http://schemas.openxmlformats.org/presentationml/2006/main" matchingName="Background 3">
+  <p:cSld name="Background 3">
+    <p:bg>
+      <p:bgPr>
+        <a:solidFill>
+          <a:schemeClr val="dk2"/>
+        </a:solidFill>
+        <a:effectLst/>
+      </p:bgPr>
+    </p:bg>
+    <p:spTree>
+      <p:nvGrpSpPr>
+        <p:cNvPr id="1" name="Shape 132"/>
+        <p:cNvGrpSpPr/>
+        <p:nvPr/>
+      </p:nvGrpSpPr>
+      <p:grpSpPr>
+        <a:xfrm>
+          <a:off x="0" y="0"/>
+          <a:ext cx="0" cy="0"/>
+          <a:chOff x="0" y="0"/>
+          <a:chExt cx="0" cy="0"/>
+        </a:xfrm>
+      </p:grpSpPr>
+    </p:spTree>
+    <p:extLst>
+      <p:ext uri="{BB962C8B-B14F-4D97-AF65-F5344CB8AC3E}">
+        <p14:creationId xmlns:p14="http://schemas.microsoft.com/office/powerpoint/2010/main" val="3624250098"/>
       </p:ext>
     </p:extLst>
   </p:cSld>
@@ -15092,44 +13099,6 @@
 </file>
 
 <file path=ppt/slideLayouts/slideLayout20.xml><?xml version="1.0" encoding="utf-8"?>
-<p:sldLayout xmlns:a="http://schemas.openxmlformats.org/drawingml/2006/main" xmlns:r="http://schemas.openxmlformats.org/officeDocument/2006/relationships" xmlns:p="http://schemas.openxmlformats.org/presentationml/2006/main" matchingName="Background 3">
-  <p:cSld name="Background 3">
-    <p:bg>
-      <p:bgPr>
-        <a:solidFill>
-          <a:schemeClr val="dk2"/>
-        </a:solidFill>
-        <a:effectLst/>
-      </p:bgPr>
-    </p:bg>
-    <p:spTree>
-      <p:nvGrpSpPr>
-        <p:cNvPr id="1" name="Shape 132"/>
-        <p:cNvGrpSpPr/>
-        <p:nvPr/>
-      </p:nvGrpSpPr>
-      <p:grpSpPr>
-        <a:xfrm>
-          <a:off x="0" y="0"/>
-          <a:ext cx="0" cy="0"/>
-          <a:chOff x="0" y="0"/>
-          <a:chExt cx="0" cy="0"/>
-        </a:xfrm>
-      </p:grpSpPr>
-    </p:spTree>
-    <p:extLst>
-      <p:ext uri="{BB962C8B-B14F-4D97-AF65-F5344CB8AC3E}">
-        <p14:creationId xmlns:p14="http://schemas.microsoft.com/office/powerpoint/2010/main" val="3624250098"/>
-      </p:ext>
-    </p:extLst>
-  </p:cSld>
-  <p:clrMapOvr>
-    <a:masterClrMapping/>
-  </p:clrMapOvr>
-</p:sldLayout>
-</file>
-
-<file path=ppt/slideLayouts/slideLayout21.xml><?xml version="1.0" encoding="utf-8"?>
 <p:sldLayout xmlns:a="http://schemas.openxmlformats.org/drawingml/2006/main" xmlns:r="http://schemas.openxmlformats.org/officeDocument/2006/relationships" xmlns:p="http://schemas.openxmlformats.org/presentationml/2006/main" matchingName="Blank" type="blank">
   <p:cSld name="Blank">
     <p:bg>
@@ -15165,7 +13134,7 @@
 </p:sldLayout>
 </file>
 
-<file path=ppt/slideLayouts/slideLayout22.xml><?xml version="1.0" encoding="utf-8"?>
+<file path=ppt/slideLayouts/slideLayout21.xml><?xml version="1.0" encoding="utf-8"?>
 <p:sldLayout xmlns:a="http://schemas.openxmlformats.org/drawingml/2006/main" xmlns:r="http://schemas.openxmlformats.org/officeDocument/2006/relationships" xmlns:p="http://schemas.openxmlformats.org/presentationml/2006/main" userDrawn="1">
   <p:cSld name="Demo slide">
     <p:bg>
@@ -21106,16 +19075,15 @@
     <p:sldLayoutId id="2147483670" r:id="rId10"/>
     <p:sldLayoutId id="2147483671" r:id="rId11"/>
     <p:sldLayoutId id="2147483672" r:id="rId12"/>
-    <p:sldLayoutId id="2147483673" r:id="rId13"/>
-    <p:sldLayoutId id="2147483674" r:id="rId14"/>
-    <p:sldLayoutId id="2147483675" r:id="rId15"/>
-    <p:sldLayoutId id="2147483676" r:id="rId16"/>
-    <p:sldLayoutId id="2147483677" r:id="rId17"/>
-    <p:sldLayoutId id="2147483678" r:id="rId18"/>
-    <p:sldLayoutId id="2147483679" r:id="rId19"/>
-    <p:sldLayoutId id="2147483680" r:id="rId20"/>
-    <p:sldLayoutId id="2147483681" r:id="rId21"/>
-    <p:sldLayoutId id="2147483682" r:id="rId22"/>
+    <p:sldLayoutId id="2147483674" r:id="rId13"/>
+    <p:sldLayoutId id="2147483675" r:id="rId14"/>
+    <p:sldLayoutId id="2147483676" r:id="rId15"/>
+    <p:sldLayoutId id="2147483677" r:id="rId16"/>
+    <p:sldLayoutId id="2147483678" r:id="rId17"/>
+    <p:sldLayoutId id="2147483679" r:id="rId18"/>
+    <p:sldLayoutId id="2147483680" r:id="rId19"/>
+    <p:sldLayoutId id="2147483681" r:id="rId20"/>
+    <p:sldLayoutId id="2147483682" r:id="rId21"/>
   </p:sldLayoutIdLst>
   <p:hf sldNum="0" hdr="0" ftr="0" dt="0"/>
   <p:txStyles>
@@ -21911,7 +19879,7 @@
           <a:p>
             <a:pPr algn="ctr"/>
             <a:r>
-              <a:rPr lang="en-US" sz="4000" dirty="0">
+              <a:rPr lang="en-US" sz="4000">
                 <a:latin typeface="Segoe UI" panose="020B0502040204020203" pitchFamily="34" charset="0"/>
                 <a:cs typeface="Segoe UI" panose="020B0502040204020203" pitchFamily="34" charset="0"/>
               </a:rPr>
@@ -21960,7 +19928,7 @@
               <a:defRPr/>
             </a:pPr>
             <a:r>
-              <a:rPr lang="en-US" sz="1000" b="1" spc="49" dirty="0">
+              <a:rPr lang="en-US" sz="1000" b="1" spc="49">
                 <a:solidFill>
                   <a:srgbClr val="F7F2E2"/>
                 </a:solidFill>
@@ -21969,7 +19937,7 @@
               </a:rPr>
               <a:t>Florida Department Of Corrections</a:t>
             </a:r>
-            <a:endParaRPr lang="en-US" sz="2400" dirty="0">
+            <a:endParaRPr lang="en-US" sz="2400">
               <a:solidFill>
                 <a:srgbClr val="F7F2E2"/>
               </a:solidFill>
@@ -22063,7 +20031,7 @@
               </a:spcAft>
               <a:defRPr/>
             </a:pPr>
-            <a:endParaRPr lang="en-US" sz="2400" dirty="0">
+            <a:endParaRPr lang="en-US" sz="2400">
               <a:solidFill>
                 <a:srgbClr val="000000"/>
               </a:solidFill>
@@ -22153,7 +20121,7 @@
               <a:defRPr/>
             </a:pPr>
             <a:r>
-              <a:rPr lang="en-US" sz="1867" dirty="0">
+              <a:rPr lang="en-US" sz="1867">
                 <a:gradFill>
                   <a:gsLst>
                     <a:gs pos="0">
@@ -22466,7 +20434,7 @@
               <a:defRPr/>
             </a:pPr>
             <a:r>
-              <a:rPr lang="en-US" sz="2667" dirty="0">
+              <a:rPr lang="en-US" sz="2667">
                 <a:gradFill>
                   <a:gsLst>
                     <a:gs pos="0">
@@ -22745,7 +20713,7 @@
               <a:defRPr/>
             </a:pPr>
             <a:r>
-              <a:rPr lang="en-US" sz="2133" dirty="0">
+              <a:rPr lang="en-US" sz="2133">
                 <a:gradFill>
                   <a:gsLst>
                     <a:gs pos="0">
@@ -22845,7 +20813,7 @@
               <a:defRPr/>
             </a:pPr>
             <a:r>
-              <a:rPr lang="en-US" sz="1400" dirty="0">
+              <a:rPr lang="en-US" sz="1400">
                 <a:gradFill>
                   <a:gsLst>
                     <a:gs pos="0">
@@ -22875,7 +20843,7 @@
               <a:defRPr/>
             </a:pPr>
             <a:r>
-              <a:rPr lang="en-US" sz="1400" dirty="0">
+              <a:rPr lang="en-US" sz="1400">
                 <a:gradFill>
                   <a:gsLst>
                     <a:gs pos="0">
@@ -22905,7 +20873,7 @@
               <a:defRPr/>
             </a:pPr>
             <a:r>
-              <a:rPr lang="en-US" sz="1400" dirty="0">
+              <a:rPr lang="en-US" sz="1400">
                 <a:gradFill>
                   <a:gsLst>
                     <a:gs pos="0">
@@ -23306,7 +21274,7 @@
               <a:defRPr/>
             </a:pPr>
             <a:r>
-              <a:rPr lang="en-US" sz="1400" dirty="0">
+              <a:rPr lang="en-US" sz="1400">
                 <a:gradFill>
                   <a:gsLst>
                     <a:gs pos="0">
@@ -23336,7 +21304,7 @@
               <a:defRPr/>
             </a:pPr>
             <a:r>
-              <a:rPr lang="en-US" sz="1400" dirty="0">
+              <a:rPr lang="en-US" sz="1400">
                 <a:gradFill>
                   <a:gsLst>
                     <a:gs pos="0">
@@ -23354,7 +21322,7 @@
               </a:rPr>
               <a:t>+</a:t>
             </a:r>
-            <a:endParaRPr lang="en-US" sz="1400" dirty="0">
+            <a:endParaRPr lang="en-US" sz="1400">
               <a:gradFill>
                 <a:gsLst>
                   <a:gs pos="0">
@@ -23382,7 +21350,7 @@
               <a:defRPr/>
             </a:pPr>
             <a:r>
-              <a:rPr lang="en-US" sz="1400" dirty="0">
+              <a:rPr lang="en-US" sz="1400">
                 <a:gradFill>
                   <a:gsLst>
                     <a:gs pos="0">
@@ -23400,7 +21368,7 @@
               </a:rPr>
               <a:t>Feature Engineering</a:t>
             </a:r>
-            <a:endParaRPr lang="en-US" sz="1400" dirty="0">
+            <a:endParaRPr lang="en-US" sz="1400">
               <a:gradFill>
                 <a:gsLst>
                   <a:gs pos="0">
@@ -23498,7 +21466,7 @@
               <a:defRPr/>
             </a:pPr>
             <a:r>
-              <a:rPr lang="en-US" sz="1400" dirty="0">
+              <a:rPr lang="en-US" sz="1400">
                 <a:gradFill>
                   <a:gsLst>
                     <a:gs pos="0">
@@ -23528,7 +21496,7 @@
               <a:defRPr/>
             </a:pPr>
             <a:r>
-              <a:rPr lang="en-US" sz="1400" dirty="0">
+              <a:rPr lang="en-US" sz="1400">
                 <a:gradFill>
                   <a:gsLst>
                     <a:gs pos="0">
@@ -23558,7 +21526,7 @@
               <a:defRPr/>
             </a:pPr>
             <a:r>
-              <a:rPr lang="en-US" sz="1400" dirty="0">
+              <a:rPr lang="en-US" sz="1400">
                 <a:gradFill>
                   <a:gsLst>
                     <a:gs pos="0">
@@ -23658,7 +21626,7 @@
               <a:defRPr/>
             </a:pPr>
             <a:r>
-              <a:rPr lang="en-US" sz="2133" dirty="0">
+              <a:rPr lang="en-US" sz="2133">
                 <a:gradFill>
                   <a:gsLst>
                     <a:gs pos="0">
@@ -23708,7 +21676,7 @@
           <a:lstStyle/>
           <a:p>
             <a:r>
-              <a:rPr lang="en-US" sz="1100" b="1" dirty="0">
+              <a:rPr lang="en-US" sz="1100" b="1">
                 <a:solidFill>
                   <a:schemeClr val="accent5"/>
                 </a:solidFill>
@@ -23716,7 +21684,7 @@
               <a:t>Model Inputs</a:t>
             </a:r>
             <a:r>
-              <a:rPr lang="en-US" sz="1100" dirty="0">
+              <a:rPr lang="en-US" sz="1100">
                 <a:solidFill>
                   <a:schemeClr val="accent5"/>
                 </a:solidFill>
@@ -23725,7 +21693,7 @@
             </a:r>
           </a:p>
           <a:p>
-            <a:endParaRPr lang="en-US" sz="1100" b="1" dirty="0">
+            <a:endParaRPr lang="en-US" sz="1100" b="1">
               <a:solidFill>
                 <a:schemeClr val="accent5"/>
               </a:solidFill>
@@ -23733,7 +21701,7 @@
           </a:p>
           <a:p>
             <a:r>
-              <a:rPr lang="en-US" sz="1100" b="1" dirty="0">
+              <a:rPr lang="en-US" sz="1100" b="1">
                 <a:solidFill>
                   <a:schemeClr val="accent5"/>
                 </a:solidFill>
@@ -23741,7 +21709,7 @@
               <a:t>Segmented by</a:t>
             </a:r>
             <a:r>
-              <a:rPr lang="en-US" sz="1100" dirty="0">
+              <a:rPr lang="en-US" sz="1100">
                 <a:solidFill>
                   <a:schemeClr val="accent5"/>
                 </a:solidFill>
@@ -23749,7 +21717,7 @@
               <a:t> Crime Type, geo-locations,</a:t>
             </a:r>
             <a:r>
-              <a:rPr lang="en-US" sz="1100" b="1" dirty="0">
+              <a:rPr lang="en-US" sz="1100" b="1">
                 <a:solidFill>
                   <a:schemeClr val="accent5"/>
                 </a:solidFill>
@@ -23757,7 +21725,7 @@
               <a:t> </a:t>
             </a:r>
             <a:r>
-              <a:rPr lang="en-US" sz="1100" dirty="0">
+              <a:rPr lang="en-US" sz="1100">
                 <a:solidFill>
                   <a:schemeClr val="accent5"/>
                 </a:solidFill>
@@ -23796,7 +21764,7 @@
           <a:lstStyle/>
           <a:p>
             <a:r>
-              <a:rPr lang="en-US" sz="1100" b="1" dirty="0">
+              <a:rPr lang="en-US" sz="1100" b="1">
                 <a:solidFill>
                   <a:schemeClr val="accent5"/>
                 </a:solidFill>
@@ -23804,7 +21772,7 @@
               <a:t>Model Output</a:t>
             </a:r>
             <a:r>
-              <a:rPr lang="en-US" sz="1100" dirty="0">
+              <a:rPr lang="en-US" sz="1100">
                 <a:solidFill>
                   <a:schemeClr val="accent5"/>
                 </a:solidFill>
@@ -23912,7 +21880,7 @@
               </a:spcAft>
               <a:defRPr/>
             </a:pPr>
-            <a:endParaRPr lang="en-US" sz="2400" dirty="0">
+            <a:endParaRPr lang="en-US" sz="2400">
               <a:solidFill>
                 <a:srgbClr val="000000"/>
               </a:solidFill>
@@ -24007,7 +21975,7 @@
           <a:p>
             <a:pPr algn="ctr"/>
             <a:r>
-              <a:rPr lang="en-US" sz="4000" dirty="0">
+              <a:rPr lang="en-US" sz="4000">
                 <a:latin typeface="Segoe UI" panose="020B0502040204020203" pitchFamily="34" charset="0"/>
                 <a:cs typeface="Segoe UI" panose="020B0502040204020203" pitchFamily="34" charset="0"/>
               </a:rPr>
@@ -24245,7 +22213,7 @@
               <a:defRPr/>
             </a:pPr>
             <a:r>
-              <a:rPr lang="en-US" sz="2133" dirty="0">
+              <a:rPr lang="en-US" sz="2133">
                 <a:gradFill>
                   <a:gsLst>
                     <a:gs pos="0">
@@ -24605,7 +22573,7 @@
               <a:defRPr/>
             </a:pPr>
             <a:r>
-              <a:rPr lang="en-US" sz="2133" dirty="0">
+              <a:rPr lang="en-US" sz="2133">
                 <a:gradFill>
                   <a:gsLst>
                     <a:gs pos="0">
@@ -24655,7 +22623,7 @@
           <a:lstStyle/>
           <a:p>
             <a:r>
-              <a:rPr lang="en-US" sz="1100" b="1" dirty="0">
+              <a:rPr lang="en-US" sz="1100" b="1">
                 <a:solidFill>
                   <a:schemeClr val="accent5"/>
                 </a:solidFill>
@@ -24663,7 +22631,7 @@
               <a:t>Model Inputs</a:t>
             </a:r>
             <a:r>
-              <a:rPr lang="en-US" sz="1100" dirty="0">
+              <a:rPr lang="en-US" sz="1100">
                 <a:solidFill>
                   <a:schemeClr val="accent5"/>
                 </a:solidFill>
@@ -24672,7 +22640,7 @@
             </a:r>
           </a:p>
           <a:p>
-            <a:endParaRPr lang="en-US" sz="1100" dirty="0">
+            <a:endParaRPr lang="en-US" sz="1100">
               <a:solidFill>
                 <a:schemeClr val="accent5"/>
               </a:solidFill>
@@ -24680,7 +22648,7 @@
           </a:p>
           <a:p>
             <a:r>
-              <a:rPr lang="en-US" sz="1100" b="1" dirty="0">
+              <a:rPr lang="en-US" sz="1100" b="1">
                 <a:solidFill>
                   <a:schemeClr val="accent5"/>
                 </a:solidFill>
@@ -24688,7 +22656,7 @@
               <a:t>Segmented by</a:t>
             </a:r>
             <a:r>
-              <a:rPr lang="en-US" sz="1100" dirty="0">
+              <a:rPr lang="en-US" sz="1100">
                 <a:solidFill>
                   <a:schemeClr val="accent5"/>
                 </a:solidFill>
@@ -24697,7 +22665,7 @@
             </a:r>
           </a:p>
           <a:p>
-            <a:endParaRPr lang="en-US" sz="1100" dirty="0">
+            <a:endParaRPr lang="en-US" sz="1100">
               <a:solidFill>
                 <a:schemeClr val="accent5"/>
               </a:solidFill>
@@ -24734,7 +22702,7 @@
           <a:lstStyle/>
           <a:p>
             <a:r>
-              <a:rPr lang="en-US" sz="1100" b="1" dirty="0">
+              <a:rPr lang="en-US" sz="1100" b="1">
                 <a:solidFill>
                   <a:schemeClr val="accent5"/>
                 </a:solidFill>
@@ -24742,7 +22710,7 @@
               <a:t>Model Output</a:t>
             </a:r>
             <a:r>
-              <a:rPr lang="en-US" sz="1100" dirty="0">
+              <a:rPr lang="en-US" sz="1100">
                 <a:solidFill>
                   <a:schemeClr val="accent5"/>
                 </a:solidFill>
@@ -24936,14 +22904,14 @@
                 <a:defRPr/>
               </a:pPr>
               <a:r>
-                <a:rPr lang="en-US" sz="1000" b="1" kern="0" spc="49" dirty="0">
+                <a:rPr lang="en-US" sz="1000" b="1" kern="0" spc="49">
                   <a:latin typeface="Segoe UI Semibold"/>
                   <a:cs typeface="Segoe UI Semibold"/>
                   <a:sym typeface="Arial"/>
                 </a:rPr>
                 <a:t>Bias &amp; Disparity Detection Engine (BDDE) Inference Container</a:t>
               </a:r>
-              <a:endParaRPr lang="en-US" sz="2400" kern="0" dirty="0">
+              <a:endParaRPr lang="en-US" sz="2400" kern="0">
                 <a:latin typeface="Arial"/>
                 <a:cs typeface="Arial"/>
                 <a:sym typeface="Arial"/>
@@ -25418,14 +23386,14 @@
                 <a:defRPr/>
               </a:pPr>
               <a:r>
-                <a:rPr lang="en-US" sz="1000" b="1" kern="0" spc="49" dirty="0">
+                <a:rPr lang="en-US" sz="1000" b="1" kern="0" spc="49">
                   <a:latin typeface="Segoe UI Semibold"/>
                   <a:cs typeface="Segoe UI Semibold"/>
                   <a:sym typeface="Arial"/>
                 </a:rPr>
                 <a:t>Bias &amp; Disparity Detection Engine (BDDE) Inference Container</a:t>
               </a:r>
-              <a:endParaRPr lang="en-US" sz="2400" kern="0" dirty="0">
+              <a:endParaRPr lang="en-US" sz="2400" kern="0">
                 <a:latin typeface="Arial"/>
                 <a:cs typeface="Arial"/>
                 <a:sym typeface="Arial"/>
@@ -25560,7 +23528,7 @@
               <a:defRPr/>
             </a:pPr>
             <a:r>
-              <a:rPr lang="en-US" dirty="0">
+              <a:rPr lang="en-US">
                 <a:gradFill>
                   <a:gsLst>
                     <a:gs pos="0">
@@ -25707,7 +23675,7 @@
           <a:p>
             <a:pPr algn="ctr"/>
             <a:r>
-              <a:rPr lang="en-US" sz="4000" dirty="0">
+              <a:rPr lang="en-US" sz="4000">
                 <a:latin typeface="Segoe UI" panose="020B0502040204020203" pitchFamily="34" charset="0"/>
                 <a:cs typeface="Segoe UI" panose="020B0502040204020203" pitchFamily="34" charset="0"/>
               </a:rPr>
@@ -25756,7 +23724,7 @@
               <a:defRPr/>
             </a:pPr>
             <a:r>
-              <a:rPr lang="en-US" sz="1000" b="1" spc="49" dirty="0">
+              <a:rPr lang="en-US" sz="1000" b="1" spc="49">
                 <a:solidFill>
                   <a:srgbClr val="F7F2E2"/>
                 </a:solidFill>
@@ -25765,7 +23733,7 @@
               </a:rPr>
               <a:t>Florida Department Of Corrections</a:t>
             </a:r>
-            <a:endParaRPr lang="en-US" sz="2400" dirty="0">
+            <a:endParaRPr lang="en-US" sz="2400">
               <a:solidFill>
                 <a:srgbClr val="F7F2E2"/>
               </a:solidFill>
@@ -25859,7 +23827,7 @@
               </a:spcAft>
               <a:defRPr/>
             </a:pPr>
-            <a:endParaRPr lang="en-US" sz="2400" dirty="0">
+            <a:endParaRPr lang="en-US" sz="2400">
               <a:solidFill>
                 <a:srgbClr val="000000"/>
               </a:solidFill>
@@ -25949,7 +23917,7 @@
               <a:defRPr/>
             </a:pPr>
             <a:r>
-              <a:rPr lang="en-US" sz="1867" dirty="0">
+              <a:rPr lang="en-US" sz="1867">
                 <a:gradFill>
                   <a:gsLst>
                     <a:gs pos="0">
@@ -26262,7 +24230,7 @@
               <a:defRPr/>
             </a:pPr>
             <a:r>
-              <a:rPr lang="en-US" sz="2667" dirty="0">
+              <a:rPr lang="en-US" sz="2667">
                 <a:gradFill>
                   <a:gsLst>
                     <a:gs pos="0">
@@ -26541,7 +24509,7 @@
               <a:defRPr/>
             </a:pPr>
             <a:r>
-              <a:rPr lang="en-US" dirty="0">
+              <a:rPr lang="en-US">
                 <a:gradFill>
                   <a:gsLst>
                     <a:gs pos="0">
@@ -26641,7 +24609,7 @@
               <a:defRPr/>
             </a:pPr>
             <a:r>
-              <a:rPr lang="en-US" sz="1400" dirty="0">
+              <a:rPr lang="en-US" sz="1400">
                 <a:gradFill>
                   <a:gsLst>
                     <a:gs pos="0">
@@ -26671,7 +24639,7 @@
               <a:defRPr/>
             </a:pPr>
             <a:r>
-              <a:rPr lang="en-US" sz="1400" dirty="0">
+              <a:rPr lang="en-US" sz="1400">
                 <a:gradFill>
                   <a:gsLst>
                     <a:gs pos="0">
@@ -26701,7 +24669,7 @@
               <a:defRPr/>
             </a:pPr>
             <a:r>
-              <a:rPr lang="en-US" sz="1400" dirty="0">
+              <a:rPr lang="en-US" sz="1400">
                 <a:gradFill>
                   <a:gsLst>
                     <a:gs pos="0">
@@ -27103,7 +25071,7 @@
               <a:defRPr/>
             </a:pPr>
             <a:r>
-              <a:rPr lang="en-US" sz="1400" dirty="0">
+              <a:rPr lang="en-US" sz="1400">
                 <a:gradFill>
                   <a:gsLst>
                     <a:gs pos="0">
@@ -27133,7 +25101,7 @@
               <a:defRPr/>
             </a:pPr>
             <a:r>
-              <a:rPr lang="en-US" sz="1400" dirty="0">
+              <a:rPr lang="en-US" sz="1400">
                 <a:gradFill>
                   <a:gsLst>
                     <a:gs pos="0">
@@ -27163,7 +25131,7 @@
               <a:defRPr/>
             </a:pPr>
             <a:r>
-              <a:rPr lang="en-US" sz="1400" dirty="0">
+              <a:rPr lang="en-US" sz="1400">
                 <a:gradFill>
                   <a:gsLst>
                     <a:gs pos="0">
@@ -27263,7 +25231,7 @@
               <a:defRPr/>
             </a:pPr>
             <a:r>
-              <a:rPr lang="en-US" sz="1400" dirty="0">
+              <a:rPr lang="en-US" sz="1400">
                 <a:gradFill>
                   <a:gsLst>
                     <a:gs pos="0">
@@ -27293,7 +25261,7 @@
               <a:defRPr/>
             </a:pPr>
             <a:r>
-              <a:rPr lang="en-US" sz="1400" dirty="0">
+              <a:rPr lang="en-US" sz="1400">
                 <a:gradFill>
                   <a:gsLst>
                     <a:gs pos="0">
@@ -27323,7 +25291,7 @@
               <a:defRPr/>
             </a:pPr>
             <a:r>
-              <a:rPr lang="en-US" sz="1400" dirty="0">
+              <a:rPr lang="en-US" sz="1400">
                 <a:gradFill>
                   <a:gsLst>
                     <a:gs pos="0">
@@ -27353,7 +25321,7 @@
               <a:defRPr/>
             </a:pPr>
             <a:r>
-              <a:rPr lang="en-US" sz="1400" dirty="0">
+              <a:rPr lang="en-US" sz="1400">
                 <a:gradFill>
                   <a:gsLst>
                     <a:gs pos="0">
@@ -27383,7 +25351,7 @@
               <a:defRPr/>
             </a:pPr>
             <a:r>
-              <a:rPr lang="en-US" sz="1400" dirty="0">
+              <a:rPr lang="en-US" sz="1400">
                 <a:gradFill>
                   <a:gsLst>
                     <a:gs pos="0">
@@ -27483,7 +25451,7 @@
               <a:defRPr/>
             </a:pPr>
             <a:r>
-              <a:rPr lang="en-US" dirty="0">
+              <a:rPr lang="en-US">
                 <a:gradFill>
                   <a:gsLst>
                     <a:gs pos="0">
@@ -27533,7 +25501,7 @@
           <a:lstStyle/>
           <a:p>
             <a:r>
-              <a:rPr lang="en-US" sz="1100" b="1" dirty="0">
+              <a:rPr lang="en-US" sz="1100" b="1">
                 <a:solidFill>
                   <a:schemeClr val="accent5"/>
                 </a:solidFill>
@@ -27541,7 +25509,7 @@
               <a:t>Model Inputs</a:t>
             </a:r>
             <a:r>
-              <a:rPr lang="en-US" sz="1100" dirty="0">
+              <a:rPr lang="en-US" sz="1100">
                 <a:solidFill>
                   <a:schemeClr val="accent5"/>
                 </a:solidFill>
@@ -27549,7 +25517,7 @@
               <a:t>: Age, Gender, </a:t>
             </a:r>
             <a:r>
-              <a:rPr lang="en-US" sz="1100" dirty="0" err="1">
+              <a:rPr lang="en-US" sz="1100" err="1">
                 <a:solidFill>
                   <a:schemeClr val="accent5"/>
                 </a:solidFill>
@@ -27557,7 +25525,7 @@
               <a:t>Totpts</a:t>
             </a:r>
             <a:r>
-              <a:rPr lang="en-US" sz="1100" dirty="0">
+              <a:rPr lang="en-US" sz="1100">
                 <a:solidFill>
                   <a:schemeClr val="accent5"/>
                 </a:solidFill>
@@ -27567,7 +25535,7 @@
           </a:p>
           <a:p>
             <a:r>
-              <a:rPr lang="en-US" sz="1100" b="1" dirty="0">
+              <a:rPr lang="en-US" sz="1100" b="1">
                 <a:solidFill>
                   <a:schemeClr val="accent5"/>
                 </a:solidFill>
@@ -27575,7 +25543,7 @@
               <a:t>Segmented by</a:t>
             </a:r>
             <a:r>
-              <a:rPr lang="en-US" sz="1100" dirty="0">
+              <a:rPr lang="en-US" sz="1100">
                 <a:solidFill>
                   <a:schemeClr val="accent5"/>
                 </a:solidFill>
@@ -27583,7 +25551,7 @@
               <a:t> Crime Type, geo-locations,</a:t>
             </a:r>
             <a:r>
-              <a:rPr lang="en-US" sz="1100" b="1" dirty="0">
+              <a:rPr lang="en-US" sz="1100" b="1">
                 <a:solidFill>
                   <a:schemeClr val="accent5"/>
                 </a:solidFill>
@@ -27591,7 +25559,7 @@
               <a:t> </a:t>
             </a:r>
             <a:r>
-              <a:rPr lang="en-US" sz="1100" dirty="0">
+              <a:rPr lang="en-US" sz="1100">
                 <a:solidFill>
                   <a:schemeClr val="accent5"/>
                 </a:solidFill>
@@ -27630,7 +25598,7 @@
           <a:lstStyle/>
           <a:p>
             <a:r>
-              <a:rPr lang="en-US" sz="1100" b="1" dirty="0">
+              <a:rPr lang="en-US" sz="1100" b="1">
                 <a:solidFill>
                   <a:schemeClr val="accent5"/>
                 </a:solidFill>
@@ -27638,7 +25606,7 @@
               <a:t>Model Output</a:t>
             </a:r>
             <a:r>
-              <a:rPr lang="en-US" sz="1100" dirty="0">
+              <a:rPr lang="en-US" sz="1100">
                 <a:solidFill>
                   <a:schemeClr val="accent5"/>
                 </a:solidFill>
@@ -27774,7 +25742,7 @@
           <a:p>
             <a:pPr algn="ctr"/>
             <a:r>
-              <a:rPr lang="en-US" sz="4000" dirty="0">
+              <a:rPr lang="en-US" sz="4000">
                 <a:latin typeface="Segoe UI" panose="020B0502040204020203" pitchFamily="34" charset="0"/>
                 <a:cs typeface="Segoe UI" panose="020B0502040204020203" pitchFamily="34" charset="0"/>
               </a:rPr>
@@ -27823,7 +25791,7 @@
               <a:defRPr/>
             </a:pPr>
             <a:r>
-              <a:rPr lang="en-US" sz="1000" b="1" spc="49" dirty="0">
+              <a:rPr lang="en-US" sz="1000" b="1" spc="49">
                 <a:solidFill>
                   <a:srgbClr val="F7F2E2"/>
                 </a:solidFill>
@@ -27832,7 +25800,7 @@
               </a:rPr>
               <a:t>Florida Department Of Corrections</a:t>
             </a:r>
-            <a:endParaRPr lang="en-US" sz="2400" dirty="0">
+            <a:endParaRPr lang="en-US" sz="2400">
               <a:solidFill>
                 <a:srgbClr val="F7F2E2"/>
               </a:solidFill>
@@ -27926,7 +25894,7 @@
               </a:spcAft>
               <a:defRPr/>
             </a:pPr>
-            <a:endParaRPr lang="en-US" sz="2400" dirty="0">
+            <a:endParaRPr lang="en-US" sz="2400">
               <a:solidFill>
                 <a:srgbClr val="000000"/>
               </a:solidFill>
@@ -28016,7 +25984,7 @@
               <a:defRPr/>
             </a:pPr>
             <a:r>
-              <a:rPr lang="en-US" sz="1867" dirty="0">
+              <a:rPr lang="en-US" sz="1867">
                 <a:gradFill>
                   <a:gsLst>
                     <a:gs pos="0">
@@ -28329,7 +26297,7 @@
               <a:defRPr/>
             </a:pPr>
             <a:r>
-              <a:rPr lang="en-US" sz="2667" dirty="0">
+              <a:rPr lang="en-US" sz="2667">
                 <a:gradFill>
                   <a:gsLst>
                     <a:gs pos="0">
@@ -28608,7 +26576,7 @@
               <a:defRPr/>
             </a:pPr>
             <a:r>
-              <a:rPr lang="en-US" dirty="0">
+              <a:rPr lang="en-US">
                 <a:gradFill>
                   <a:gsLst>
                     <a:gs pos="0">
@@ -28708,7 +26676,7 @@
               <a:defRPr/>
             </a:pPr>
             <a:r>
-              <a:rPr lang="en-US" sz="1400" dirty="0">
+              <a:rPr lang="en-US" sz="1400">
                 <a:gradFill>
                   <a:gsLst>
                     <a:gs pos="0">
@@ -28738,7 +26706,7 @@
               <a:defRPr/>
             </a:pPr>
             <a:r>
-              <a:rPr lang="en-US" sz="1400" dirty="0">
+              <a:rPr lang="en-US" sz="1400">
                 <a:gradFill>
                   <a:gsLst>
                     <a:gs pos="0">
@@ -28768,7 +26736,7 @@
               <a:defRPr/>
             </a:pPr>
             <a:r>
-              <a:rPr lang="en-US" sz="1400" dirty="0">
+              <a:rPr lang="en-US" sz="1400">
                 <a:gradFill>
                   <a:gsLst>
                     <a:gs pos="0">
@@ -29170,7 +27138,7 @@
               <a:defRPr/>
             </a:pPr>
             <a:r>
-              <a:rPr lang="en-US" sz="1400" dirty="0">
+              <a:rPr lang="en-US" sz="1400">
                 <a:gradFill>
                   <a:gsLst>
                     <a:gs pos="0">
@@ -29200,7 +27168,7 @@
               <a:defRPr/>
             </a:pPr>
             <a:r>
-              <a:rPr lang="en-US" sz="1400" dirty="0">
+              <a:rPr lang="en-US" sz="1400">
                 <a:gradFill>
                   <a:gsLst>
                     <a:gs pos="0">
@@ -29230,7 +27198,7 @@
               <a:defRPr/>
             </a:pPr>
             <a:r>
-              <a:rPr lang="en-US" sz="1400" dirty="0">
+              <a:rPr lang="en-US" sz="1400">
                 <a:gradFill>
                   <a:gsLst>
                     <a:gs pos="0">
@@ -29330,7 +27298,7 @@
               <a:defRPr/>
             </a:pPr>
             <a:r>
-              <a:rPr lang="en-US" sz="1400" dirty="0">
+              <a:rPr lang="en-US" sz="1400">
                 <a:gradFill>
                   <a:gsLst>
                     <a:gs pos="0">
@@ -29360,7 +27328,7 @@
               <a:defRPr/>
             </a:pPr>
             <a:r>
-              <a:rPr lang="en-US" sz="1400" dirty="0">
+              <a:rPr lang="en-US" sz="1400">
                 <a:gradFill>
                   <a:gsLst>
                     <a:gs pos="0">
@@ -29390,7 +27358,7 @@
               <a:defRPr/>
             </a:pPr>
             <a:r>
-              <a:rPr lang="en-US" sz="1400" dirty="0">
+              <a:rPr lang="en-US" sz="1400">
                 <a:gradFill>
                   <a:gsLst>
                     <a:gs pos="0">
@@ -29420,7 +27388,7 @@
               <a:defRPr/>
             </a:pPr>
             <a:r>
-              <a:rPr lang="en-US" sz="1400" dirty="0">
+              <a:rPr lang="en-US" sz="1400">
                 <a:gradFill>
                   <a:gsLst>
                     <a:gs pos="0">
@@ -29450,7 +27418,7 @@
               <a:defRPr/>
             </a:pPr>
             <a:r>
-              <a:rPr lang="en-US" sz="1400" dirty="0">
+              <a:rPr lang="en-US" sz="1400">
                 <a:gradFill>
                   <a:gsLst>
                     <a:gs pos="0">
@@ -29550,7 +27518,7 @@
               <a:defRPr/>
             </a:pPr>
             <a:r>
-              <a:rPr lang="en-US" dirty="0">
+              <a:rPr lang="en-US">
                 <a:gradFill>
                   <a:gsLst>
                     <a:gs pos="0">
@@ -29600,7 +27568,7 @@
           <a:lstStyle/>
           <a:p>
             <a:r>
-              <a:rPr lang="en-US" sz="1100" b="1" dirty="0">
+              <a:rPr lang="en-US" sz="1100" b="1">
                 <a:solidFill>
                   <a:schemeClr val="accent5"/>
                 </a:solidFill>
@@ -29608,7 +27576,7 @@
               <a:t>Model Inputs</a:t>
             </a:r>
             <a:r>
-              <a:rPr lang="en-US" sz="1100" dirty="0">
+              <a:rPr lang="en-US" sz="1100">
                 <a:solidFill>
                   <a:schemeClr val="accent5"/>
                 </a:solidFill>
@@ -29647,7 +27615,7 @@
           <a:lstStyle/>
           <a:p>
             <a:r>
-              <a:rPr lang="en-US" sz="1100" b="1" dirty="0">
+              <a:rPr lang="en-US" sz="1100" b="1">
                 <a:solidFill>
                   <a:schemeClr val="accent5"/>
                 </a:solidFill>
@@ -29655,7 +27623,7 @@
               <a:t>Model Output</a:t>
             </a:r>
             <a:r>
-              <a:rPr lang="en-US" sz="1100" dirty="0">
+              <a:rPr lang="en-US" sz="1100">
                 <a:solidFill>
                   <a:schemeClr val="accent5"/>
                 </a:solidFill>
@@ -29687,6686 +27655,6 @@
       </p:transition>
     </mc:Fallback>
   </mc:AlternateContent>
-</p:sld>
-</file>
-
-<file path=ppt/slides/slide5.xml><?xml version="1.0" encoding="utf-8"?>
-<p:sld xmlns:a="http://schemas.openxmlformats.org/drawingml/2006/main" xmlns:r="http://schemas.openxmlformats.org/officeDocument/2006/relationships" xmlns:p="http://schemas.openxmlformats.org/presentationml/2006/main">
-  <p:cSld>
-    <p:spTree>
-      <p:nvGrpSpPr>
-        <p:cNvPr id="1" name="Shape 651"/>
-        <p:cNvGrpSpPr/>
-        <p:nvPr/>
-      </p:nvGrpSpPr>
-      <p:grpSpPr>
-        <a:xfrm>
-          <a:off x="0" y="0"/>
-          <a:ext cx="0" cy="0"/>
-          <a:chOff x="0" y="0"/>
-          <a:chExt cx="0" cy="0"/>
-        </a:xfrm>
-      </p:grpSpPr>
-      <p:sp>
-        <p:nvSpPr>
-          <p:cNvPr id="658" name="Google Shape;658;p47"/>
-          <p:cNvSpPr txBox="1">
-            <a:spLocks noGrp="1"/>
-          </p:cNvSpPr>
-          <p:nvPr>
-            <p:ph type="ctrTitle"/>
-          </p:nvPr>
-        </p:nvSpPr>
-        <p:spPr>
-          <a:xfrm>
-            <a:off x="1199881" y="189949"/>
-            <a:ext cx="9025200" cy="874000"/>
-          </a:xfrm>
-          <a:prstGeom prst="rect">
-            <a:avLst/>
-          </a:prstGeom>
-        </p:spPr>
-        <p:txBody>
-          <a:bodyPr spcFirstLastPara="1" wrap="square" lIns="121900" tIns="121900" rIns="121900" bIns="121900" anchor="t" anchorCtr="0">
-            <a:noAutofit/>
-          </a:bodyPr>
-          <a:lstStyle/>
-          <a:p>
-            <a:r>
-              <a:rPr lang="en"/>
-              <a:t>DAATE MVP </a:t>
-            </a:r>
-            <a:r>
-              <a:rPr lang="en">
-                <a:solidFill>
-                  <a:srgbClr val="0070C0"/>
-                </a:solidFill>
-              </a:rPr>
-              <a:t>Model Architecture</a:t>
-            </a:r>
-            <a:endParaRPr>
-              <a:solidFill>
-                <a:srgbClr val="0070C0"/>
-              </a:solidFill>
-            </a:endParaRPr>
-          </a:p>
-        </p:txBody>
-      </p:sp>
-      <p:sp>
-        <p:nvSpPr>
-          <p:cNvPr id="33" name="Rectangle 32">
-            <a:extLst>
-              <a:ext uri="{FF2B5EF4-FFF2-40B4-BE49-F238E27FC236}">
-                <a16:creationId xmlns:a16="http://schemas.microsoft.com/office/drawing/2014/main" id="{9FB27B7A-B9DD-4785-AF50-3FD9D45ABE33}"/>
-              </a:ext>
-            </a:extLst>
-          </p:cNvPr>
-          <p:cNvSpPr/>
-          <p:nvPr/>
-        </p:nvSpPr>
-        <p:spPr bwMode="auto">
-          <a:xfrm>
-            <a:off x="1895583" y="1198521"/>
-            <a:ext cx="6789404" cy="5579572"/>
-          </a:xfrm>
-          <a:prstGeom prst="rect">
-            <a:avLst/>
-          </a:prstGeom>
-          <a:solidFill>
-            <a:srgbClr val="FFFFFF"/>
-          </a:solidFill>
-          <a:ln w="9525" cap="flat" cmpd="sng" algn="ctr">
-            <a:solidFill>
-              <a:srgbClr val="000000"/>
-            </a:solidFill>
-            <a:prstDash val="solid"/>
-            <a:headEnd type="none" w="med" len="med"/>
-            <a:tailEnd type="none" w="med" len="med"/>
-          </a:ln>
-          <a:effectLst>
-            <a:outerShdw blurRad="65500" dist="38100" dir="5400000" rotWithShape="0">
-              <a:srgbClr val="000000">
-                <a:alpha val="40000"/>
-              </a:srgbClr>
-            </a:outerShdw>
-          </a:effectLst>
-        </p:spPr>
-        <p:txBody>
-          <a:bodyPr vert="horz" wrap="square" lIns="121915" tIns="60957" rIns="121915" bIns="60957" numCol="1" rtlCol="0" anchor="t" anchorCtr="0" compatLnSpc="1">
-            <a:prstTxWarp prst="textNoShape">
-              <a:avLst/>
-            </a:prstTxWarp>
-          </a:bodyPr>
-          <a:lstStyle/>
-          <a:p>
-            <a:pPr algn="ctr" defTabSz="1218768" fontAlgn="base">
-              <a:spcBef>
-                <a:spcPct val="0"/>
-              </a:spcBef>
-              <a:spcAft>
-                <a:spcPct val="0"/>
-              </a:spcAft>
-              <a:defRPr/>
-            </a:pPr>
-            <a:r>
-              <a:rPr lang="en-US" sz="2400">
-                <a:solidFill>
-                  <a:srgbClr val="000000"/>
-                </a:solidFill>
-                <a:latin typeface="Segoe UI"/>
-                <a:cs typeface="Arial"/>
-                <a:sym typeface="Arial"/>
-              </a:rPr>
-              <a:t>Operational processing pipeline</a:t>
-            </a:r>
-          </a:p>
-        </p:txBody>
-      </p:sp>
-      <p:sp>
-        <p:nvSpPr>
-          <p:cNvPr id="35" name="Rounded Rectangle 11">
-            <a:extLst>
-              <a:ext uri="{FF2B5EF4-FFF2-40B4-BE49-F238E27FC236}">
-                <a16:creationId xmlns:a16="http://schemas.microsoft.com/office/drawing/2014/main" id="{7B832710-94B7-4794-B648-2B66623AE4F7}"/>
-              </a:ext>
-            </a:extLst>
-          </p:cNvPr>
-          <p:cNvSpPr/>
-          <p:nvPr/>
-        </p:nvSpPr>
-        <p:spPr bwMode="auto">
-          <a:xfrm>
-            <a:off x="3545565" y="1909721"/>
-            <a:ext cx="1836807" cy="1164640"/>
-          </a:xfrm>
-          <a:prstGeom prst="roundRect">
-            <a:avLst/>
-          </a:prstGeom>
-          <a:gradFill rotWithShape="1">
-            <a:gsLst>
-              <a:gs pos="0">
-                <a:srgbClr val="3A94D2">
-                  <a:tint val="65000"/>
-                  <a:satMod val="270000"/>
-                </a:srgbClr>
-              </a:gs>
-              <a:gs pos="25000">
-                <a:srgbClr val="3A94D2">
-                  <a:tint val="60000"/>
-                  <a:satMod val="300000"/>
-                </a:srgbClr>
-              </a:gs>
-              <a:gs pos="100000">
-                <a:srgbClr val="3A94D2">
-                  <a:tint val="29000"/>
-                  <a:satMod val="400000"/>
-                </a:srgbClr>
-              </a:gs>
-            </a:gsLst>
-            <a:lin ang="16200000" scaled="1"/>
-          </a:gradFill>
-          <a:ln w="9525" cap="flat" cmpd="sng" algn="ctr">
-            <a:solidFill>
-              <a:srgbClr val="3A94D2">
-                <a:satMod val="150000"/>
-              </a:srgbClr>
-            </a:solidFill>
-            <a:prstDash val="solid"/>
-            <a:headEnd type="none" w="med" len="med"/>
-            <a:tailEnd type="none" w="med" len="med"/>
-          </a:ln>
-          <a:effectLst>
-            <a:outerShdw blurRad="65500" dist="38100" dir="5400000" rotWithShape="0">
-              <a:srgbClr val="000000">
-                <a:alpha val="40000"/>
-              </a:srgbClr>
-            </a:outerShdw>
-          </a:effectLst>
-        </p:spPr>
-        <p:txBody>
-          <a:bodyPr vert="horz" wrap="square" lIns="121915" tIns="60957" rIns="121915" bIns="60957" numCol="1" rtlCol="0" anchor="ctr" anchorCtr="0" compatLnSpc="1">
-            <a:prstTxWarp prst="textNoShape">
-              <a:avLst/>
-            </a:prstTxWarp>
-          </a:bodyPr>
-          <a:lstStyle/>
-          <a:p>
-            <a:pPr algn="ctr" defTabSz="1218768" fontAlgn="base">
-              <a:spcBef>
-                <a:spcPct val="0"/>
-              </a:spcBef>
-              <a:spcAft>
-                <a:spcPct val="0"/>
-              </a:spcAft>
-              <a:defRPr/>
-            </a:pPr>
-            <a:r>
-              <a:rPr lang="en-US" sz="1867">
-                <a:gradFill>
-                  <a:gsLst>
-                    <a:gs pos="0">
-                      <a:srgbClr val="FFFFFF"/>
-                    </a:gs>
-                    <a:gs pos="100000">
-                      <a:srgbClr val="FFFFFF"/>
-                    </a:gs>
-                  </a:gsLst>
-                  <a:lin ang="5400000" scaled="0"/>
-                </a:gradFill>
-                <a:latin typeface="Segoe UI"/>
-                <a:cs typeface="Arial"/>
-                <a:sym typeface="Arial"/>
-              </a:rPr>
-              <a:t>EDA, Cleansing etc.</a:t>
-            </a:r>
-          </a:p>
-        </p:txBody>
-      </p:sp>
-      <p:grpSp>
-        <p:nvGrpSpPr>
-          <p:cNvPr id="36" name="Group 116">
-            <a:extLst>
-              <a:ext uri="{FF2B5EF4-FFF2-40B4-BE49-F238E27FC236}">
-                <a16:creationId xmlns:a16="http://schemas.microsoft.com/office/drawing/2014/main" id="{7D3C9918-0502-4280-AA27-3D95EC9C722C}"/>
-              </a:ext>
-            </a:extLst>
-          </p:cNvPr>
-          <p:cNvGrpSpPr/>
-          <p:nvPr/>
-        </p:nvGrpSpPr>
-        <p:grpSpPr>
-          <a:xfrm>
-            <a:off x="9633404" y="3449004"/>
-            <a:ext cx="986755" cy="1016000"/>
-            <a:chOff x="555334" y="4191000"/>
-            <a:chExt cx="587666" cy="609600"/>
-          </a:xfrm>
-        </p:grpSpPr>
-        <p:pic>
-          <p:nvPicPr>
-            <p:cNvPr id="37" name="Picture 3" descr="C:\Documents and Settings\antonk\Local Settings\Temporary Internet Files\Content.IE5\AV78XKCM\MCj04348450000[1].png">
-              <a:extLst>
-                <a:ext uri="{FF2B5EF4-FFF2-40B4-BE49-F238E27FC236}">
-                  <a16:creationId xmlns:a16="http://schemas.microsoft.com/office/drawing/2014/main" id="{A5E6BD81-2679-4DCC-98B1-EF65B20BCDF5}"/>
-                </a:ext>
-              </a:extLst>
-            </p:cNvPr>
-            <p:cNvPicPr>
-              <a:picLocks noChangeAspect="1" noChangeArrowheads="1"/>
-            </p:cNvPicPr>
-            <p:nvPr/>
-          </p:nvPicPr>
-          <p:blipFill>
-            <a:blip r:embed="rId3" cstate="print"/>
-            <a:srcRect/>
-            <a:stretch>
-              <a:fillRect/>
-            </a:stretch>
-          </p:blipFill>
-          <p:spPr bwMode="auto">
-            <a:xfrm>
-              <a:off x="555334" y="4191000"/>
-              <a:ext cx="587666" cy="527538"/>
-            </a:xfrm>
-            <a:prstGeom prst="rect">
-              <a:avLst/>
-            </a:prstGeom>
-            <a:noFill/>
-          </p:spPr>
-        </p:pic>
-        <p:sp>
-          <p:nvSpPr>
-            <p:cNvPr id="38" name="Can 21">
-              <a:extLst>
-                <a:ext uri="{FF2B5EF4-FFF2-40B4-BE49-F238E27FC236}">
-                  <a16:creationId xmlns:a16="http://schemas.microsoft.com/office/drawing/2014/main" id="{41AE5FDF-3196-4C7C-B2E2-A37A5A0462D6}"/>
-                </a:ext>
-              </a:extLst>
-            </p:cNvPr>
-            <p:cNvSpPr/>
-            <p:nvPr/>
-          </p:nvSpPr>
-          <p:spPr>
-            <a:xfrm>
-              <a:off x="860133" y="4419600"/>
-              <a:ext cx="228600" cy="381000"/>
-            </a:xfrm>
-            <a:prstGeom prst="can">
-              <a:avLst/>
-            </a:prstGeom>
-            <a:gradFill rotWithShape="1">
-              <a:gsLst>
-                <a:gs pos="0">
-                  <a:srgbClr val="3A94D2">
-                    <a:shade val="45000"/>
-                    <a:satMod val="155000"/>
-                  </a:srgbClr>
-                </a:gs>
-                <a:gs pos="60000">
-                  <a:srgbClr val="3A94D2">
-                    <a:shade val="95000"/>
-                    <a:satMod val="150000"/>
-                  </a:srgbClr>
-                </a:gs>
-                <a:gs pos="100000">
-                  <a:srgbClr val="3A94D2">
-                    <a:tint val="87000"/>
-                    <a:satMod val="250000"/>
-                  </a:srgbClr>
-                </a:gs>
-              </a:gsLst>
-              <a:lin ang="16200000" scaled="0"/>
-            </a:gradFill>
-            <a:ln>
-              <a:noFill/>
-            </a:ln>
-            <a:effectLst>
-              <a:outerShdw blurRad="65500" dist="38100" dir="5400000" rotWithShape="0">
-                <a:srgbClr val="000000">
-                  <a:alpha val="40000"/>
-                </a:srgbClr>
-              </a:outerShdw>
-            </a:effectLst>
-            <a:scene3d>
-              <a:camera prst="orthographicFront" fov="0">
-                <a:rot lat="0" lon="0" rev="0"/>
-              </a:camera>
-              <a:lightRig rig="contrasting" dir="t">
-                <a:rot lat="0" lon="0" rev="12000000"/>
-              </a:lightRig>
-            </a:scene3d>
-            <a:sp3d prstMaterial="powder">
-              <a:bevelT h="50800"/>
-            </a:sp3d>
-          </p:spPr>
-          <p:txBody>
-            <a:bodyPr rtlCol="0" anchor="ctr"/>
-            <a:lstStyle/>
-            <a:p>
-              <a:pPr algn="ctr" defTabSz="1219120">
-                <a:defRPr/>
-              </a:pPr>
-              <a:endParaRPr lang="en-US" sz="1600">
-                <a:solidFill>
-                  <a:srgbClr val="8557C9">
-                    <a:lumMod val="25000"/>
-                  </a:srgbClr>
-                </a:solidFill>
-                <a:latin typeface="Segoe UI"/>
-                <a:cs typeface="Arial" pitchFamily="34" charset="0"/>
-                <a:sym typeface="Arial"/>
-              </a:endParaRPr>
-            </a:p>
-          </p:txBody>
-        </p:sp>
-      </p:grpSp>
-      <p:pic>
-        <p:nvPicPr>
-          <p:cNvPr id="39" name="Picture 2" descr="Bloomberg Professional Service">
-            <a:extLst>
-              <a:ext uri="{FF2B5EF4-FFF2-40B4-BE49-F238E27FC236}">
-                <a16:creationId xmlns:a16="http://schemas.microsoft.com/office/drawing/2014/main" id="{D50A7B6E-928A-44A9-BF3A-333DA6198DC7}"/>
-              </a:ext>
-            </a:extLst>
-          </p:cNvPr>
-          <p:cNvPicPr>
-            <a:picLocks noChangeAspect="1" noChangeArrowheads="1"/>
-          </p:cNvPicPr>
-          <p:nvPr/>
-        </p:nvPicPr>
-        <p:blipFill>
-          <a:blip r:embed="rId4" cstate="print"/>
-          <a:srcRect l="2614" t="12749" r="3268" b="39442"/>
-          <a:stretch>
-            <a:fillRect/>
-          </a:stretch>
-        </p:blipFill>
-        <p:spPr bwMode="auto">
-          <a:xfrm>
-            <a:off x="9411456" y="2321650"/>
-            <a:ext cx="1930400" cy="804333"/>
-          </a:xfrm>
-          <a:prstGeom prst="rect">
-            <a:avLst/>
-          </a:prstGeom>
-          <a:noFill/>
-        </p:spPr>
-      </p:pic>
-      <p:pic>
-        <p:nvPicPr>
-          <p:cNvPr id="40" name="Picture 5" descr="C:\Users\torsteng\AppData\Local\Microsoft\Windows\Temporary Internet Files\Content.IE5\AP5NZ56T\MM900043784[1].gif">
-            <a:extLst>
-              <a:ext uri="{FF2B5EF4-FFF2-40B4-BE49-F238E27FC236}">
-                <a16:creationId xmlns:a16="http://schemas.microsoft.com/office/drawing/2014/main" id="{AF54796B-3D9F-4EE9-80A5-E2AF6EF6D913}"/>
-              </a:ext>
-            </a:extLst>
-          </p:cNvPr>
-          <p:cNvPicPr>
-            <a:picLocks noChangeAspect="1" noChangeArrowheads="1" noCrop="1"/>
-          </p:cNvPicPr>
-          <p:nvPr/>
-        </p:nvPicPr>
-        <p:blipFill>
-          <a:blip r:embed="rId5" cstate="print"/>
-          <a:srcRect/>
-          <a:stretch>
-            <a:fillRect/>
-          </a:stretch>
-        </p:blipFill>
-        <p:spPr bwMode="auto">
-          <a:xfrm>
-            <a:off x="9776825" y="1300121"/>
-            <a:ext cx="699912" cy="699912"/>
-          </a:xfrm>
-          <a:prstGeom prst="rect">
-            <a:avLst/>
-          </a:prstGeom>
-          <a:noFill/>
-        </p:spPr>
-      </p:pic>
-      <p:cxnSp>
-        <p:nvCxnSpPr>
-          <p:cNvPr id="41" name="Curved Connector 24">
-            <a:extLst>
-              <a:ext uri="{FF2B5EF4-FFF2-40B4-BE49-F238E27FC236}">
-                <a16:creationId xmlns:a16="http://schemas.microsoft.com/office/drawing/2014/main" id="{8D10B0DD-2446-4DA8-8653-95FBBCF799B3}"/>
-              </a:ext>
-            </a:extLst>
-          </p:cNvPr>
-          <p:cNvCxnSpPr>
-            <a:cxnSpLocks/>
-            <a:stCxn id="60" idx="3"/>
-            <a:endCxn id="37" idx="1"/>
-          </p:cNvCxnSpPr>
-          <p:nvPr/>
-        </p:nvCxnSpPr>
-        <p:spPr>
-          <a:xfrm>
-            <a:off x="7891401" y="2506423"/>
-            <a:ext cx="1742003" cy="1382197"/>
-          </a:xfrm>
-          <a:prstGeom prst="curvedConnector3">
-            <a:avLst>
-              <a:gd name="adj1" fmla="val 50000"/>
-            </a:avLst>
-          </a:prstGeom>
-          <a:noFill/>
-          <a:ln w="38100" cap="flat" cmpd="sng" algn="ctr">
-            <a:solidFill>
-              <a:srgbClr val="F38C37"/>
-            </a:solidFill>
-            <a:prstDash val="solid"/>
-            <a:tailEnd type="arrow"/>
-          </a:ln>
-          <a:effectLst>
-            <a:outerShdw blurRad="65500" dist="38100" dir="5400000" rotWithShape="0">
-              <a:srgbClr val="000000">
-                <a:alpha val="40000"/>
-              </a:srgbClr>
-            </a:outerShdw>
-          </a:effectLst>
-        </p:spPr>
-      </p:cxnSp>
-      <p:sp>
-        <p:nvSpPr>
-          <p:cNvPr id="42" name="Right Arrow 4">
-            <a:extLst>
-              <a:ext uri="{FF2B5EF4-FFF2-40B4-BE49-F238E27FC236}">
-                <a16:creationId xmlns:a16="http://schemas.microsoft.com/office/drawing/2014/main" id="{E195B8FB-D722-4DEA-BE3D-CA87BD8A2C54}"/>
-              </a:ext>
-            </a:extLst>
-          </p:cNvPr>
-          <p:cNvSpPr/>
-          <p:nvPr/>
-        </p:nvSpPr>
-        <p:spPr bwMode="auto">
-          <a:xfrm>
-            <a:off x="1399288" y="1823404"/>
-            <a:ext cx="2121896" cy="1302579"/>
-          </a:xfrm>
-          <a:prstGeom prst="rightArrow">
-            <a:avLst/>
-          </a:prstGeom>
-          <a:gradFill rotWithShape="1">
-            <a:gsLst>
-              <a:gs pos="0">
-                <a:srgbClr val="F38C37">
-                  <a:shade val="45000"/>
-                  <a:satMod val="155000"/>
-                </a:srgbClr>
-              </a:gs>
-              <a:gs pos="60000">
-                <a:srgbClr val="F38C37">
-                  <a:shade val="95000"/>
-                  <a:satMod val="150000"/>
-                </a:srgbClr>
-              </a:gs>
-              <a:gs pos="100000">
-                <a:srgbClr val="F38C37">
-                  <a:tint val="87000"/>
-                  <a:satMod val="250000"/>
-                </a:srgbClr>
-              </a:gs>
-            </a:gsLst>
-            <a:lin ang="16200000" scaled="0"/>
-          </a:gradFill>
-          <a:ln w="9525" cap="flat" cmpd="sng" algn="ctr">
-            <a:solidFill>
-              <a:srgbClr val="F38C37">
-                <a:satMod val="150000"/>
-              </a:srgbClr>
-            </a:solidFill>
-            <a:prstDash val="solid"/>
-            <a:headEnd type="none" w="med" len="med"/>
-            <a:tailEnd type="none" w="med" len="med"/>
-          </a:ln>
-          <a:effectLst>
-            <a:outerShdw blurRad="65500" dist="38100" dir="5400000" rotWithShape="0">
-              <a:srgbClr val="000000">
-                <a:alpha val="40000"/>
-              </a:srgbClr>
-            </a:outerShdw>
-          </a:effectLst>
-        </p:spPr>
-        <p:txBody>
-          <a:bodyPr vert="horz" wrap="square" lIns="121915" tIns="60957" rIns="121915" bIns="60957" numCol="1" rtlCol="0" anchor="ctr" anchorCtr="0" compatLnSpc="1">
-            <a:prstTxWarp prst="textNoShape">
-              <a:avLst/>
-            </a:prstTxWarp>
-          </a:bodyPr>
-          <a:lstStyle/>
-          <a:p>
-            <a:pPr algn="ctr" defTabSz="1218768" fontAlgn="base">
-              <a:spcBef>
-                <a:spcPct val="0"/>
-              </a:spcBef>
-              <a:spcAft>
-                <a:spcPct val="0"/>
-              </a:spcAft>
-              <a:defRPr/>
-            </a:pPr>
-            <a:r>
-              <a:rPr lang="en-US" sz="2667">
-                <a:gradFill>
-                  <a:gsLst>
-                    <a:gs pos="0">
-                      <a:srgbClr val="FFFFFF"/>
-                    </a:gs>
-                    <a:gs pos="100000">
-                      <a:srgbClr val="FFFFFF"/>
-                    </a:gs>
-                  </a:gsLst>
-                  <a:lin ang="5400000" scaled="0"/>
-                </a:gradFill>
-                <a:latin typeface="Segoe UI"/>
-                <a:cs typeface="Arial"/>
-                <a:sym typeface="Arial"/>
-              </a:rPr>
-              <a:t>Data</a:t>
-            </a:r>
-          </a:p>
-        </p:txBody>
-      </p:sp>
-      <p:cxnSp>
-        <p:nvCxnSpPr>
-          <p:cNvPr id="43" name="Curved Connector 30">
-            <a:extLst>
-              <a:ext uri="{FF2B5EF4-FFF2-40B4-BE49-F238E27FC236}">
-                <a16:creationId xmlns:a16="http://schemas.microsoft.com/office/drawing/2014/main" id="{9A91161C-6BE9-4FCC-84B5-4E0476D0A8E9}"/>
-              </a:ext>
-            </a:extLst>
-          </p:cNvPr>
-          <p:cNvCxnSpPr>
-            <a:cxnSpLocks/>
-            <a:stCxn id="60" idx="3"/>
-            <a:endCxn id="40" idx="1"/>
-          </p:cNvCxnSpPr>
-          <p:nvPr/>
-        </p:nvCxnSpPr>
-        <p:spPr>
-          <a:xfrm flipV="1">
-            <a:off x="7891401" y="1650078"/>
-            <a:ext cx="1885424" cy="856345"/>
-          </a:xfrm>
-          <a:prstGeom prst="curvedConnector3">
-            <a:avLst>
-              <a:gd name="adj1" fmla="val 50000"/>
-            </a:avLst>
-          </a:prstGeom>
-          <a:noFill/>
-          <a:ln w="38100" cap="flat" cmpd="sng" algn="ctr">
-            <a:solidFill>
-              <a:srgbClr val="F38C37"/>
-            </a:solidFill>
-            <a:prstDash val="solid"/>
-            <a:tailEnd type="arrow"/>
-          </a:ln>
-          <a:effectLst>
-            <a:outerShdw blurRad="65500" dist="38100" dir="5400000" rotWithShape="0">
-              <a:srgbClr val="000000">
-                <a:alpha val="40000"/>
-              </a:srgbClr>
-            </a:outerShdw>
-          </a:effectLst>
-        </p:spPr>
-      </p:cxnSp>
-      <p:sp>
-        <p:nvSpPr>
-          <p:cNvPr id="45" name="Rectangle 44">
-            <a:extLst>
-              <a:ext uri="{FF2B5EF4-FFF2-40B4-BE49-F238E27FC236}">
-                <a16:creationId xmlns:a16="http://schemas.microsoft.com/office/drawing/2014/main" id="{4336ED9A-1B37-445D-BADD-1D4771070170}"/>
-              </a:ext>
-            </a:extLst>
-          </p:cNvPr>
-          <p:cNvSpPr/>
-          <p:nvPr/>
-        </p:nvSpPr>
-        <p:spPr>
-          <a:xfrm>
-            <a:off x="179811" y="3074362"/>
-            <a:ext cx="1543120" cy="415498"/>
-          </a:xfrm>
-          <a:prstGeom prst="rect">
-            <a:avLst/>
-          </a:prstGeom>
-        </p:spPr>
-        <p:txBody>
-          <a:bodyPr wrap="square" lIns="121920" tIns="60960" rIns="121920" bIns="60960" anchor="t">
-            <a:spAutoFit/>
-          </a:bodyPr>
-          <a:lstStyle/>
-          <a:p>
-            <a:pPr defTabSz="913904">
-              <a:lnSpc>
-                <a:spcPct val="95000"/>
-              </a:lnSpc>
-              <a:spcBef>
-                <a:spcPct val="0"/>
-              </a:spcBef>
-              <a:spcAft>
-                <a:spcPct val="0"/>
-              </a:spcAft>
-              <a:defRPr/>
-            </a:pPr>
-            <a:r>
-              <a:rPr lang="en-US" sz="1000" b="1" kern="0" spc="49">
-                <a:solidFill>
-                  <a:sysClr val="windowText" lastClr="000000"/>
-                </a:solidFill>
-                <a:latin typeface="Segoe UI Semibold"/>
-                <a:cs typeface="Segoe UI Semibold"/>
-                <a:sym typeface="Arial"/>
-              </a:rPr>
-              <a:t>Florida Department Of Corrections</a:t>
-            </a:r>
-            <a:endParaRPr lang="en-US" sz="2400" kern="0">
-              <a:solidFill>
-                <a:sysClr val="windowText" lastClr="000000"/>
-              </a:solidFill>
-              <a:latin typeface="Arial"/>
-              <a:cs typeface="Arial"/>
-              <a:sym typeface="Arial"/>
-            </a:endParaRPr>
-          </a:p>
-        </p:txBody>
-      </p:sp>
-      <p:pic>
-        <p:nvPicPr>
-          <p:cNvPr id="46" name="Picture 45" descr="Logo&#10;&#10;Description automatically generated">
-            <a:extLst>
-              <a:ext uri="{FF2B5EF4-FFF2-40B4-BE49-F238E27FC236}">
-                <a16:creationId xmlns:a16="http://schemas.microsoft.com/office/drawing/2014/main" id="{A748A7AC-8454-4FDB-97AB-9DF5BF9AECCB}"/>
-              </a:ext>
-            </a:extLst>
-          </p:cNvPr>
-          <p:cNvPicPr>
-            <a:picLocks noChangeAspect="1"/>
-          </p:cNvPicPr>
-          <p:nvPr/>
-        </p:nvPicPr>
-        <p:blipFill>
-          <a:blip r:embed="rId6"/>
-          <a:stretch>
-            <a:fillRect/>
-          </a:stretch>
-        </p:blipFill>
-        <p:spPr>
-          <a:xfrm>
-            <a:off x="252146" y="1950641"/>
-            <a:ext cx="1014849" cy="1014849"/>
-          </a:xfrm>
-          <a:prstGeom prst="rect">
-            <a:avLst/>
-          </a:prstGeom>
-        </p:spPr>
-      </p:pic>
-      <p:grpSp>
-        <p:nvGrpSpPr>
-          <p:cNvPr id="47" name="Group 46">
-            <a:extLst>
-              <a:ext uri="{FF2B5EF4-FFF2-40B4-BE49-F238E27FC236}">
-                <a16:creationId xmlns:a16="http://schemas.microsoft.com/office/drawing/2014/main" id="{CE8F325B-880E-4F67-822A-D50070A32903}"/>
-              </a:ext>
-            </a:extLst>
-          </p:cNvPr>
-          <p:cNvGrpSpPr/>
-          <p:nvPr/>
-        </p:nvGrpSpPr>
-        <p:grpSpPr>
-          <a:xfrm>
-            <a:off x="10684052" y="3695600"/>
-            <a:ext cx="712054" cy="626116"/>
-            <a:chOff x="3434328" y="3336433"/>
-            <a:chExt cx="1059543" cy="925108"/>
-          </a:xfrm>
-        </p:grpSpPr>
-        <p:pic>
-          <p:nvPicPr>
-            <p:cNvPr id="48" name="Picture 47">
-              <a:extLst>
-                <a:ext uri="{FF2B5EF4-FFF2-40B4-BE49-F238E27FC236}">
-                  <a16:creationId xmlns:a16="http://schemas.microsoft.com/office/drawing/2014/main" id="{9C7C4555-0655-4FEC-9EC6-1023525826BB}"/>
-                </a:ext>
-              </a:extLst>
-            </p:cNvPr>
-            <p:cNvPicPr>
-              <a:picLocks noChangeAspect="1"/>
-            </p:cNvPicPr>
-            <p:nvPr/>
-          </p:nvPicPr>
-          <p:blipFill>
-            <a:blip r:embed="rId7" cstate="print">
-              <a:extLst>
-                <a:ext uri="{28A0092B-C50C-407E-A947-70E740481C1C}">
-                  <a14:useLocalDpi xmlns:a14="http://schemas.microsoft.com/office/drawing/2010/main"/>
-                </a:ext>
-              </a:extLst>
-            </a:blip>
-            <a:stretch>
-              <a:fillRect/>
-            </a:stretch>
-          </p:blipFill>
-          <p:spPr>
-            <a:xfrm>
-              <a:off x="3714959" y="3336433"/>
-              <a:ext cx="635521" cy="635521"/>
-            </a:xfrm>
-            <a:prstGeom prst="rect">
-              <a:avLst/>
-            </a:prstGeom>
-          </p:spPr>
-        </p:pic>
-        <p:sp>
-          <p:nvSpPr>
-            <p:cNvPr id="49" name="Rectangle 48">
-              <a:extLst>
-                <a:ext uri="{FF2B5EF4-FFF2-40B4-BE49-F238E27FC236}">
-                  <a16:creationId xmlns:a16="http://schemas.microsoft.com/office/drawing/2014/main" id="{27341FE6-CDE5-4289-A3DC-AFA6994853DA}"/>
-                </a:ext>
-              </a:extLst>
-            </p:cNvPr>
-            <p:cNvSpPr/>
-            <p:nvPr/>
-          </p:nvSpPr>
-          <p:spPr>
-            <a:xfrm>
-              <a:off x="3434328" y="3965953"/>
-              <a:ext cx="1059543" cy="295588"/>
-            </a:xfrm>
-            <a:prstGeom prst="rect">
-              <a:avLst/>
-            </a:prstGeom>
-          </p:spPr>
-          <p:txBody>
-            <a:bodyPr wrap="none">
-              <a:spAutoFit/>
-            </a:bodyPr>
-            <a:lstStyle/>
-            <a:p>
-              <a:pPr algn="ctr" defTabSz="932215"/>
-              <a:r>
-                <a:rPr lang="en-US" sz="700" kern="0">
-                  <a:solidFill>
-                    <a:prstClr val="white">
-                      <a:lumMod val="50000"/>
-                    </a:prstClr>
-                  </a:solidFill>
-                  <a:latin typeface="Segoe UI Semibold" panose="020B0702040204020203" pitchFamily="34" charset="0"/>
-                  <a:ea typeface="MS PGothic" panose="020B0600070205080204" pitchFamily="34" charset="-128"/>
-                  <a:cs typeface="Segoe UI Semibold" panose="020B0702040204020203" pitchFamily="34" charset="0"/>
-                  <a:sym typeface="Arial"/>
-                </a:rPr>
-                <a:t>AZURE SQL DB</a:t>
-              </a:r>
-            </a:p>
-          </p:txBody>
-        </p:sp>
-      </p:grpSp>
-      <p:sp>
-        <p:nvSpPr>
-          <p:cNvPr id="60" name="Rounded Rectangle 9">
-            <a:extLst>
-              <a:ext uri="{FF2B5EF4-FFF2-40B4-BE49-F238E27FC236}">
-                <a16:creationId xmlns:a16="http://schemas.microsoft.com/office/drawing/2014/main" id="{D6D39AB6-0DEC-41FD-8964-7F83BBBFCDAC}"/>
-              </a:ext>
-            </a:extLst>
-          </p:cNvPr>
-          <p:cNvSpPr/>
-          <p:nvPr/>
-        </p:nvSpPr>
-        <p:spPr bwMode="auto">
-          <a:xfrm>
-            <a:off x="5570876" y="1927731"/>
-            <a:ext cx="2320525" cy="1157383"/>
-          </a:xfrm>
-          <a:prstGeom prst="roundRect">
-            <a:avLst/>
-          </a:prstGeom>
-          <a:gradFill rotWithShape="1">
-            <a:gsLst>
-              <a:gs pos="0">
-                <a:srgbClr val="3A94D2">
-                  <a:tint val="65000"/>
-                  <a:satMod val="270000"/>
-                </a:srgbClr>
-              </a:gs>
-              <a:gs pos="25000">
-                <a:srgbClr val="3A94D2">
-                  <a:tint val="60000"/>
-                  <a:satMod val="300000"/>
-                </a:srgbClr>
-              </a:gs>
-              <a:gs pos="100000">
-                <a:srgbClr val="3A94D2">
-                  <a:tint val="29000"/>
-                  <a:satMod val="400000"/>
-                </a:srgbClr>
-              </a:gs>
-            </a:gsLst>
-            <a:lin ang="16200000" scaled="1"/>
-          </a:gradFill>
-          <a:ln w="9525" cap="flat" cmpd="sng" algn="ctr">
-            <a:solidFill>
-              <a:srgbClr val="3A94D2">
-                <a:satMod val="150000"/>
-              </a:srgbClr>
-            </a:solidFill>
-            <a:prstDash val="solid"/>
-            <a:headEnd type="none" w="med" len="med"/>
-            <a:tailEnd type="none" w="med" len="med"/>
-          </a:ln>
-          <a:effectLst>
-            <a:outerShdw blurRad="65500" dist="38100" dir="5400000" rotWithShape="0">
-              <a:srgbClr val="000000">
-                <a:alpha val="40000"/>
-              </a:srgbClr>
-            </a:outerShdw>
-          </a:effectLst>
-        </p:spPr>
-        <p:txBody>
-          <a:bodyPr vert="horz" wrap="square" lIns="121915" tIns="60957" rIns="121915" bIns="60957" numCol="1" rtlCol="0" anchor="ctr" anchorCtr="0" compatLnSpc="1">
-            <a:prstTxWarp prst="textNoShape">
-              <a:avLst/>
-            </a:prstTxWarp>
-          </a:bodyPr>
-          <a:lstStyle/>
-          <a:p>
-            <a:pPr algn="ctr" defTabSz="1218768" fontAlgn="base">
-              <a:spcBef>
-                <a:spcPct val="0"/>
-              </a:spcBef>
-              <a:spcAft>
-                <a:spcPct val="0"/>
-              </a:spcAft>
-              <a:defRPr/>
-            </a:pPr>
-            <a:r>
-              <a:rPr lang="en-US" sz="1467">
-                <a:gradFill>
-                  <a:gsLst>
-                    <a:gs pos="0">
-                      <a:srgbClr val="FFFFFF"/>
-                    </a:gs>
-                    <a:gs pos="100000">
-                      <a:srgbClr val="FFFFFF"/>
-                    </a:gs>
-                  </a:gsLst>
-                  <a:lin ang="5400000" scaled="0"/>
-                </a:gradFill>
-                <a:latin typeface="Segoe UI"/>
-                <a:cs typeface="Arial"/>
-                <a:sym typeface="Arial"/>
-              </a:rPr>
-              <a:t>Feature Selection</a:t>
-            </a:r>
-          </a:p>
-          <a:p>
-            <a:pPr algn="ctr" defTabSz="1218768" fontAlgn="base">
-              <a:spcBef>
-                <a:spcPct val="0"/>
-              </a:spcBef>
-              <a:spcAft>
-                <a:spcPct val="0"/>
-              </a:spcAft>
-              <a:defRPr/>
-            </a:pPr>
-            <a:r>
-              <a:rPr lang="en-US" sz="1467">
-                <a:gradFill>
-                  <a:gsLst>
-                    <a:gs pos="0">
-                      <a:srgbClr val="FFFFFF"/>
-                    </a:gs>
-                    <a:gs pos="100000">
-                      <a:srgbClr val="FFFFFF"/>
-                    </a:gs>
-                  </a:gsLst>
-                  <a:lin ang="5400000" scaled="0"/>
-                </a:gradFill>
-                <a:latin typeface="Segoe UI"/>
-                <a:cs typeface="Arial"/>
-                <a:sym typeface="Arial"/>
-              </a:rPr>
-              <a:t>+</a:t>
-            </a:r>
-            <a:endParaRPr lang="en-US" sz="1467">
-              <a:gradFill>
-                <a:gsLst>
-                  <a:gs pos="0">
-                    <a:srgbClr val="FFFFFF"/>
-                  </a:gs>
-                  <a:gs pos="100000">
-                    <a:srgbClr val="FFFFFF"/>
-                  </a:gs>
-                </a:gsLst>
-                <a:lin ang="5400000" scaled="0"/>
-              </a:gradFill>
-              <a:latin typeface="Segoe UI"/>
-              <a:cs typeface="Segoe UI"/>
-              <a:sym typeface="Arial"/>
-            </a:endParaRPr>
-          </a:p>
-          <a:p>
-            <a:pPr algn="ctr" defTabSz="1218768" fontAlgn="base">
-              <a:spcBef>
-                <a:spcPct val="0"/>
-              </a:spcBef>
-              <a:spcAft>
-                <a:spcPct val="0"/>
-              </a:spcAft>
-              <a:defRPr/>
-            </a:pPr>
-            <a:r>
-              <a:rPr lang="en-US" sz="1467">
-                <a:gradFill>
-                  <a:gsLst>
-                    <a:gs pos="0">
-                      <a:srgbClr val="FFFFFF"/>
-                    </a:gs>
-                    <a:gs pos="100000">
-                      <a:srgbClr val="FFFFFF"/>
-                    </a:gs>
-                  </a:gsLst>
-                  <a:lin ang="5400000" scaled="0"/>
-                </a:gradFill>
-                <a:latin typeface="Segoe UI"/>
-                <a:cs typeface="Arial"/>
-                <a:sym typeface="Arial"/>
-              </a:rPr>
-              <a:t>Feature Engineering</a:t>
-            </a:r>
-            <a:endParaRPr lang="en-US" sz="1467">
-              <a:gradFill>
-                <a:gsLst>
-                  <a:gs pos="0">
-                    <a:srgbClr val="FFFFFF"/>
-                  </a:gs>
-                  <a:gs pos="100000">
-                    <a:srgbClr val="FFFFFF"/>
-                  </a:gs>
-                </a:gsLst>
-                <a:lin ang="5400000" scaled="0"/>
-              </a:gradFill>
-              <a:latin typeface="Segoe UI"/>
-              <a:cs typeface="Segoe UI"/>
-              <a:sym typeface="Arial"/>
-            </a:endParaRPr>
-          </a:p>
-          <a:p>
-            <a:pPr algn="ctr" defTabSz="1218768" fontAlgn="base">
-              <a:spcBef>
-                <a:spcPct val="0"/>
-              </a:spcBef>
-              <a:spcAft>
-                <a:spcPct val="0"/>
-              </a:spcAft>
-              <a:defRPr/>
-            </a:pPr>
-            <a:r>
-              <a:rPr lang="en-US" sz="1467">
-                <a:gradFill>
-                  <a:gsLst>
-                    <a:gs pos="0">
-                      <a:srgbClr val="FFFFFF"/>
-                    </a:gs>
-                    <a:gs pos="100000">
-                      <a:srgbClr val="FFFFFF"/>
-                    </a:gs>
-                  </a:gsLst>
-                  <a:lin ang="5400000" scaled="0"/>
-                </a:gradFill>
-                <a:latin typeface="Segoe UI"/>
-                <a:cs typeface="Arial"/>
-                <a:sym typeface="Arial"/>
-              </a:rPr>
-              <a:t>+</a:t>
-            </a:r>
-            <a:endParaRPr lang="en-US" sz="1467">
-              <a:gradFill>
-                <a:gsLst>
-                  <a:gs pos="0">
-                    <a:srgbClr val="FFFFFF"/>
-                  </a:gs>
-                  <a:gs pos="100000">
-                    <a:srgbClr val="FFFFFF"/>
-                  </a:gs>
-                </a:gsLst>
-                <a:lin ang="5400000" scaled="0"/>
-              </a:gradFill>
-              <a:latin typeface="Segoe UI"/>
-              <a:cs typeface="Segoe UI"/>
-              <a:sym typeface="Arial"/>
-            </a:endParaRPr>
-          </a:p>
-          <a:p>
-            <a:pPr algn="ctr" defTabSz="1218768" fontAlgn="base">
-              <a:spcBef>
-                <a:spcPct val="0"/>
-              </a:spcBef>
-              <a:spcAft>
-                <a:spcPct val="0"/>
-              </a:spcAft>
-              <a:defRPr/>
-            </a:pPr>
-            <a:r>
-              <a:rPr lang="en-US" sz="1467">
-                <a:gradFill>
-                  <a:gsLst>
-                    <a:gs pos="0">
-                      <a:srgbClr val="FFFFFF"/>
-                    </a:gs>
-                    <a:gs pos="100000">
-                      <a:srgbClr val="FFFFFF"/>
-                    </a:gs>
-                  </a:gsLst>
-                  <a:lin ang="5400000" scaled="0"/>
-                </a:gradFill>
-                <a:latin typeface="Segoe UI"/>
-                <a:cs typeface="Arial"/>
-                <a:sym typeface="Arial"/>
-              </a:rPr>
-              <a:t>Balance data</a:t>
-            </a:r>
-          </a:p>
-        </p:txBody>
-      </p:sp>
-      <p:sp>
-        <p:nvSpPr>
-          <p:cNvPr id="70" name="Rounded Rectangle 9">
-            <a:extLst>
-              <a:ext uri="{FF2B5EF4-FFF2-40B4-BE49-F238E27FC236}">
-                <a16:creationId xmlns:a16="http://schemas.microsoft.com/office/drawing/2014/main" id="{02EE376C-BD40-4EBD-B404-0AF9EDDF9184}"/>
-              </a:ext>
-            </a:extLst>
-          </p:cNvPr>
-          <p:cNvSpPr/>
-          <p:nvPr/>
-        </p:nvSpPr>
-        <p:spPr bwMode="auto">
-          <a:xfrm>
-            <a:off x="2121359" y="4121662"/>
-            <a:ext cx="2320525" cy="1157383"/>
-          </a:xfrm>
-          <a:prstGeom prst="roundRect">
-            <a:avLst/>
-          </a:prstGeom>
-          <a:gradFill rotWithShape="1">
-            <a:gsLst>
-              <a:gs pos="0">
-                <a:srgbClr val="3A94D2">
-                  <a:tint val="65000"/>
-                  <a:satMod val="270000"/>
-                </a:srgbClr>
-              </a:gs>
-              <a:gs pos="25000">
-                <a:srgbClr val="3A94D2">
-                  <a:tint val="60000"/>
-                  <a:satMod val="300000"/>
-                </a:srgbClr>
-              </a:gs>
-              <a:gs pos="100000">
-                <a:srgbClr val="3A94D2">
-                  <a:tint val="29000"/>
-                  <a:satMod val="400000"/>
-                </a:srgbClr>
-              </a:gs>
-            </a:gsLst>
-            <a:lin ang="16200000" scaled="1"/>
-          </a:gradFill>
-          <a:ln w="9525" cap="flat" cmpd="sng" algn="ctr">
-            <a:solidFill>
-              <a:srgbClr val="3A94D2">
-                <a:satMod val="150000"/>
-              </a:srgbClr>
-            </a:solidFill>
-            <a:prstDash val="solid"/>
-            <a:headEnd type="none" w="med" len="med"/>
-            <a:tailEnd type="none" w="med" len="med"/>
-          </a:ln>
-          <a:effectLst>
-            <a:outerShdw blurRad="65500" dist="38100" dir="5400000" rotWithShape="0">
-              <a:srgbClr val="000000">
-                <a:alpha val="40000"/>
-              </a:srgbClr>
-            </a:outerShdw>
-          </a:effectLst>
-        </p:spPr>
-        <p:txBody>
-          <a:bodyPr vert="horz" wrap="square" lIns="121915" tIns="60957" rIns="121915" bIns="60957" numCol="1" rtlCol="0" anchor="ctr" anchorCtr="0" compatLnSpc="1">
-            <a:prstTxWarp prst="textNoShape">
-              <a:avLst/>
-            </a:prstTxWarp>
-          </a:bodyPr>
-          <a:lstStyle/>
-          <a:p>
-            <a:pPr algn="ctr" defTabSz="1218768" fontAlgn="base">
-              <a:spcBef>
-                <a:spcPct val="0"/>
-              </a:spcBef>
-              <a:spcAft>
-                <a:spcPct val="0"/>
-              </a:spcAft>
-              <a:defRPr/>
-            </a:pPr>
-            <a:r>
-              <a:rPr lang="en-US" sz="1867">
-                <a:gradFill>
-                  <a:gsLst>
-                    <a:gs pos="0">
-                      <a:srgbClr val="FFFFFF"/>
-                    </a:gs>
-                    <a:gs pos="100000">
-                      <a:srgbClr val="FFFFFF"/>
-                    </a:gs>
-                  </a:gsLst>
-                  <a:lin ang="5400000" scaled="0"/>
-                </a:gradFill>
-                <a:latin typeface="Segoe UI"/>
-                <a:cs typeface="Arial"/>
-                <a:sym typeface="Arial"/>
-              </a:rPr>
-              <a:t>Sampling</a:t>
-            </a:r>
-          </a:p>
-        </p:txBody>
-      </p:sp>
-      <p:sp>
-        <p:nvSpPr>
-          <p:cNvPr id="75" name="Rounded Rectangle 9">
-            <a:extLst>
-              <a:ext uri="{FF2B5EF4-FFF2-40B4-BE49-F238E27FC236}">
-                <a16:creationId xmlns:a16="http://schemas.microsoft.com/office/drawing/2014/main" id="{9674BA3A-0E9A-49E1-AE32-D93E79E3878C}"/>
-              </a:ext>
-            </a:extLst>
-          </p:cNvPr>
-          <p:cNvSpPr/>
-          <p:nvPr/>
-        </p:nvSpPr>
-        <p:spPr bwMode="auto">
-          <a:xfrm>
-            <a:off x="5456892" y="3354257"/>
-            <a:ext cx="2568843" cy="3380809"/>
-          </a:xfrm>
-          <a:prstGeom prst="roundRect">
-            <a:avLst/>
-          </a:prstGeom>
-          <a:solidFill>
-            <a:srgbClr val="0070C0"/>
-          </a:solidFill>
-          <a:ln w="9525" cap="flat" cmpd="sng" algn="ctr">
-            <a:solidFill>
-              <a:srgbClr val="3A94D2">
-                <a:satMod val="150000"/>
-              </a:srgbClr>
-            </a:solidFill>
-            <a:prstDash val="solid"/>
-            <a:headEnd type="none" w="med" len="med"/>
-            <a:tailEnd type="none" w="med" len="med"/>
-          </a:ln>
-          <a:effectLst>
-            <a:outerShdw blurRad="65500" dist="38100" dir="5400000" rotWithShape="0">
-              <a:srgbClr val="000000">
-                <a:alpha val="40000"/>
-              </a:srgbClr>
-            </a:outerShdw>
-          </a:effectLst>
-        </p:spPr>
-        <p:txBody>
-          <a:bodyPr vert="horz" wrap="square" lIns="121915" tIns="60957" rIns="121915" bIns="60957" numCol="1" rtlCol="0" anchor="ctr" anchorCtr="0" compatLnSpc="1">
-            <a:prstTxWarp prst="textNoShape">
-              <a:avLst/>
-            </a:prstTxWarp>
-          </a:bodyPr>
-          <a:lstStyle/>
-          <a:p>
-            <a:pPr algn="ctr" defTabSz="1218768" fontAlgn="base">
-              <a:spcBef>
-                <a:spcPct val="0"/>
-              </a:spcBef>
-              <a:spcAft>
-                <a:spcPct val="0"/>
-              </a:spcAft>
-              <a:defRPr/>
-            </a:pPr>
-            <a:endParaRPr lang="en-US" sz="2667">
-              <a:gradFill>
-                <a:gsLst>
-                  <a:gs pos="0">
-                    <a:srgbClr val="FFFFFF"/>
-                  </a:gs>
-                  <a:gs pos="100000">
-                    <a:srgbClr val="FFFFFF"/>
-                  </a:gs>
-                </a:gsLst>
-                <a:lin ang="5400000" scaled="0"/>
-              </a:gradFill>
-              <a:latin typeface="Segoe UI"/>
-              <a:cs typeface="Arial"/>
-              <a:sym typeface="Arial"/>
-            </a:endParaRPr>
-          </a:p>
-        </p:txBody>
-      </p:sp>
-      <p:sp>
-        <p:nvSpPr>
-          <p:cNvPr id="34" name="Rounded Rectangle 9">
-            <a:extLst>
-              <a:ext uri="{FF2B5EF4-FFF2-40B4-BE49-F238E27FC236}">
-                <a16:creationId xmlns:a16="http://schemas.microsoft.com/office/drawing/2014/main" id="{9EB20502-41DD-48A2-942C-6D25D0C18D73}"/>
-              </a:ext>
-            </a:extLst>
-          </p:cNvPr>
-          <p:cNvSpPr/>
-          <p:nvPr/>
-        </p:nvSpPr>
-        <p:spPr bwMode="auto">
-          <a:xfrm>
-            <a:off x="5858042" y="3553543"/>
-            <a:ext cx="1819621" cy="899236"/>
-          </a:xfrm>
-          <a:prstGeom prst="roundRect">
-            <a:avLst/>
-          </a:prstGeom>
-          <a:gradFill rotWithShape="1">
-            <a:gsLst>
-              <a:gs pos="0">
-                <a:srgbClr val="3A94D2">
-                  <a:tint val="65000"/>
-                  <a:satMod val="270000"/>
-                </a:srgbClr>
-              </a:gs>
-              <a:gs pos="25000">
-                <a:srgbClr val="3A94D2">
-                  <a:tint val="60000"/>
-                  <a:satMod val="300000"/>
-                </a:srgbClr>
-              </a:gs>
-              <a:gs pos="100000">
-                <a:srgbClr val="3A94D2">
-                  <a:tint val="29000"/>
-                  <a:satMod val="400000"/>
-                </a:srgbClr>
-              </a:gs>
-            </a:gsLst>
-            <a:lin ang="16200000" scaled="1"/>
-          </a:gradFill>
-          <a:ln w="9525" cap="flat" cmpd="sng" algn="ctr">
-            <a:solidFill>
-              <a:srgbClr val="3A94D2">
-                <a:satMod val="150000"/>
-              </a:srgbClr>
-            </a:solidFill>
-            <a:prstDash val="solid"/>
-            <a:headEnd type="none" w="med" len="med"/>
-            <a:tailEnd type="none" w="med" len="med"/>
-          </a:ln>
-          <a:effectLst>
-            <a:outerShdw blurRad="65500" dist="38100" dir="5400000" rotWithShape="0">
-              <a:srgbClr val="000000">
-                <a:alpha val="40000"/>
-              </a:srgbClr>
-            </a:outerShdw>
-          </a:effectLst>
-        </p:spPr>
-        <p:txBody>
-          <a:bodyPr vert="horz" wrap="square" lIns="121915" tIns="60957" rIns="121915" bIns="60957" numCol="1" rtlCol="0" anchor="ctr" anchorCtr="0" compatLnSpc="1">
-            <a:prstTxWarp prst="textNoShape">
-              <a:avLst/>
-            </a:prstTxWarp>
-          </a:bodyPr>
-          <a:lstStyle/>
-          <a:p>
-            <a:pPr algn="ctr" defTabSz="1218768" fontAlgn="base">
-              <a:spcBef>
-                <a:spcPct val="0"/>
-              </a:spcBef>
-              <a:spcAft>
-                <a:spcPct val="0"/>
-              </a:spcAft>
-              <a:defRPr/>
-            </a:pPr>
-            <a:r>
-              <a:rPr lang="en-US" sz="2133">
-                <a:gradFill>
-                  <a:gsLst>
-                    <a:gs pos="0">
-                      <a:srgbClr val="FFFFFF"/>
-                    </a:gs>
-                    <a:gs pos="100000">
-                      <a:srgbClr val="FFFFFF"/>
-                    </a:gs>
-                  </a:gsLst>
-                  <a:lin ang="5400000" scaled="0"/>
-                </a:gradFill>
-                <a:latin typeface="Segoe UI"/>
-                <a:cs typeface="Arial"/>
-                <a:sym typeface="Arial"/>
-              </a:rPr>
-              <a:t>Modelling</a:t>
-            </a:r>
-          </a:p>
-        </p:txBody>
-      </p:sp>
-      <p:sp>
-        <p:nvSpPr>
-          <p:cNvPr id="71" name="Rounded Rectangle 9">
-            <a:extLst>
-              <a:ext uri="{FF2B5EF4-FFF2-40B4-BE49-F238E27FC236}">
-                <a16:creationId xmlns:a16="http://schemas.microsoft.com/office/drawing/2014/main" id="{6BF56292-A7B3-4DF0-B035-61FC17AE1423}"/>
-              </a:ext>
-            </a:extLst>
-          </p:cNvPr>
-          <p:cNvSpPr/>
-          <p:nvPr/>
-        </p:nvSpPr>
-        <p:spPr bwMode="auto">
-          <a:xfrm>
-            <a:off x="5844140" y="4595045"/>
-            <a:ext cx="1847425" cy="899236"/>
-          </a:xfrm>
-          <a:prstGeom prst="roundRect">
-            <a:avLst/>
-          </a:prstGeom>
-          <a:gradFill rotWithShape="1">
-            <a:gsLst>
-              <a:gs pos="0">
-                <a:srgbClr val="3A94D2">
-                  <a:tint val="65000"/>
-                  <a:satMod val="270000"/>
-                </a:srgbClr>
-              </a:gs>
-              <a:gs pos="25000">
-                <a:srgbClr val="3A94D2">
-                  <a:tint val="60000"/>
-                  <a:satMod val="300000"/>
-                </a:srgbClr>
-              </a:gs>
-              <a:gs pos="100000">
-                <a:srgbClr val="3A94D2">
-                  <a:tint val="29000"/>
-                  <a:satMod val="400000"/>
-                </a:srgbClr>
-              </a:gs>
-            </a:gsLst>
-            <a:lin ang="16200000" scaled="1"/>
-          </a:gradFill>
-          <a:ln w="9525" cap="flat" cmpd="sng" algn="ctr">
-            <a:solidFill>
-              <a:srgbClr val="3A94D2">
-                <a:satMod val="150000"/>
-              </a:srgbClr>
-            </a:solidFill>
-            <a:prstDash val="solid"/>
-            <a:headEnd type="none" w="med" len="med"/>
-            <a:tailEnd type="none" w="med" len="med"/>
-          </a:ln>
-          <a:effectLst>
-            <a:outerShdw blurRad="65500" dist="38100" dir="5400000" rotWithShape="0">
-              <a:srgbClr val="000000">
-                <a:alpha val="40000"/>
-              </a:srgbClr>
-            </a:outerShdw>
-          </a:effectLst>
-        </p:spPr>
-        <p:txBody>
-          <a:bodyPr vert="horz" wrap="square" lIns="121915" tIns="60957" rIns="121915" bIns="60957" numCol="1" rtlCol="0" anchor="ctr" anchorCtr="0" compatLnSpc="1">
-            <a:prstTxWarp prst="textNoShape">
-              <a:avLst/>
-            </a:prstTxWarp>
-          </a:bodyPr>
-          <a:lstStyle/>
-          <a:p>
-            <a:pPr algn="ctr" defTabSz="1218768" fontAlgn="base">
-              <a:spcBef>
-                <a:spcPct val="0"/>
-              </a:spcBef>
-              <a:spcAft>
-                <a:spcPct val="0"/>
-              </a:spcAft>
-              <a:defRPr/>
-            </a:pPr>
-            <a:r>
-              <a:rPr lang="en-US" sz="2133">
-                <a:gradFill>
-                  <a:gsLst>
-                    <a:gs pos="0">
-                      <a:srgbClr val="FFFFFF"/>
-                    </a:gs>
-                    <a:gs pos="100000">
-                      <a:srgbClr val="FFFFFF"/>
-                    </a:gs>
-                  </a:gsLst>
-                  <a:lin ang="5400000" scaled="0"/>
-                </a:gradFill>
-                <a:latin typeface="Segoe UI"/>
-                <a:cs typeface="Arial"/>
-                <a:sym typeface="Arial"/>
-              </a:rPr>
-              <a:t>Matching</a:t>
-            </a:r>
-          </a:p>
-        </p:txBody>
-      </p:sp>
-      <p:sp>
-        <p:nvSpPr>
-          <p:cNvPr id="72" name="Rounded Rectangle 9">
-            <a:extLst>
-              <a:ext uri="{FF2B5EF4-FFF2-40B4-BE49-F238E27FC236}">
-                <a16:creationId xmlns:a16="http://schemas.microsoft.com/office/drawing/2014/main" id="{197575A8-9740-4FC2-899F-EE9C14BD1C49}"/>
-              </a:ext>
-            </a:extLst>
-          </p:cNvPr>
-          <p:cNvSpPr/>
-          <p:nvPr/>
-        </p:nvSpPr>
-        <p:spPr bwMode="auto">
-          <a:xfrm>
-            <a:off x="5863190" y="5690019"/>
-            <a:ext cx="1847425" cy="899236"/>
-          </a:xfrm>
-          <a:prstGeom prst="roundRect">
-            <a:avLst/>
-          </a:prstGeom>
-          <a:gradFill rotWithShape="1">
-            <a:gsLst>
-              <a:gs pos="0">
-                <a:srgbClr val="3A94D2">
-                  <a:tint val="65000"/>
-                  <a:satMod val="270000"/>
-                </a:srgbClr>
-              </a:gs>
-              <a:gs pos="25000">
-                <a:srgbClr val="3A94D2">
-                  <a:tint val="60000"/>
-                  <a:satMod val="300000"/>
-                </a:srgbClr>
-              </a:gs>
-              <a:gs pos="100000">
-                <a:srgbClr val="3A94D2">
-                  <a:tint val="29000"/>
-                  <a:satMod val="400000"/>
-                </a:srgbClr>
-              </a:gs>
-            </a:gsLst>
-            <a:lin ang="16200000" scaled="1"/>
-          </a:gradFill>
-          <a:ln w="9525" cap="flat" cmpd="sng" algn="ctr">
-            <a:solidFill>
-              <a:srgbClr val="3A94D2">
-                <a:satMod val="150000"/>
-              </a:srgbClr>
-            </a:solidFill>
-            <a:prstDash val="solid"/>
-            <a:headEnd type="none" w="med" len="med"/>
-            <a:tailEnd type="none" w="med" len="med"/>
-          </a:ln>
-          <a:effectLst>
-            <a:outerShdw blurRad="65500" dist="38100" dir="5400000" rotWithShape="0">
-              <a:srgbClr val="000000">
-                <a:alpha val="40000"/>
-              </a:srgbClr>
-            </a:outerShdw>
-          </a:effectLst>
-        </p:spPr>
-        <p:txBody>
-          <a:bodyPr vert="horz" wrap="square" lIns="121915" tIns="60957" rIns="121915" bIns="60957" numCol="1" rtlCol="0" anchor="ctr" anchorCtr="0" compatLnSpc="1">
-            <a:prstTxWarp prst="textNoShape">
-              <a:avLst/>
-            </a:prstTxWarp>
-          </a:bodyPr>
-          <a:lstStyle/>
-          <a:p>
-            <a:pPr algn="ctr" defTabSz="1218768" fontAlgn="base">
-              <a:spcBef>
-                <a:spcPct val="0"/>
-              </a:spcBef>
-              <a:spcAft>
-                <a:spcPct val="0"/>
-              </a:spcAft>
-              <a:defRPr/>
-            </a:pPr>
-            <a:r>
-              <a:rPr lang="en-US" sz="1867">
-                <a:gradFill>
-                  <a:gsLst>
-                    <a:gs pos="0">
-                      <a:srgbClr val="FFFFFF"/>
-                    </a:gs>
-                    <a:gs pos="100000">
-                      <a:srgbClr val="FFFFFF"/>
-                    </a:gs>
-                  </a:gsLst>
-                  <a:lin ang="5400000" scaled="0"/>
-                </a:gradFill>
-                <a:latin typeface="Segoe UI"/>
-                <a:cs typeface="Arial"/>
-                <a:sym typeface="Arial"/>
-              </a:rPr>
-              <a:t>Significance Test</a:t>
-            </a:r>
-          </a:p>
-        </p:txBody>
-      </p:sp>
-      <p:cxnSp>
-        <p:nvCxnSpPr>
-          <p:cNvPr id="66" name="Curved Connector 24">
-            <a:extLst>
-              <a:ext uri="{FF2B5EF4-FFF2-40B4-BE49-F238E27FC236}">
-                <a16:creationId xmlns:a16="http://schemas.microsoft.com/office/drawing/2014/main" id="{89940E0E-B79C-456F-8189-161813E9AA4E}"/>
-              </a:ext>
-            </a:extLst>
-          </p:cNvPr>
-          <p:cNvCxnSpPr>
-            <a:cxnSpLocks/>
-            <a:endCxn id="34" idx="3"/>
-          </p:cNvCxnSpPr>
-          <p:nvPr/>
-        </p:nvCxnSpPr>
-        <p:spPr>
-          <a:xfrm rot="10800000">
-            <a:off x="7677663" y="4003163"/>
-            <a:ext cx="2136459" cy="363124"/>
-          </a:xfrm>
-          <a:prstGeom prst="curvedConnector3">
-            <a:avLst>
-              <a:gd name="adj1" fmla="val 50000"/>
-            </a:avLst>
-          </a:prstGeom>
-          <a:noFill/>
-          <a:ln w="38100" cap="flat" cmpd="sng" algn="ctr">
-            <a:solidFill>
-              <a:srgbClr val="F38C37"/>
-            </a:solidFill>
-            <a:prstDash val="solid"/>
-            <a:tailEnd type="arrow"/>
-          </a:ln>
-          <a:effectLst>
-            <a:outerShdw blurRad="65500" dist="38100" dir="5400000" rotWithShape="0">
-              <a:srgbClr val="000000">
-                <a:alpha val="40000"/>
-              </a:srgbClr>
-            </a:outerShdw>
-          </a:effectLst>
-        </p:spPr>
-      </p:cxnSp>
-      <p:sp>
-        <p:nvSpPr>
-          <p:cNvPr id="74" name="Arrow: Curved Right 73">
-            <a:extLst>
-              <a:ext uri="{FF2B5EF4-FFF2-40B4-BE49-F238E27FC236}">
-                <a16:creationId xmlns:a16="http://schemas.microsoft.com/office/drawing/2014/main" id="{A300FEDC-5650-4162-A754-E3F78952A6D0}"/>
-              </a:ext>
-            </a:extLst>
-          </p:cNvPr>
-          <p:cNvSpPr/>
-          <p:nvPr/>
-        </p:nvSpPr>
-        <p:spPr>
-          <a:xfrm>
-            <a:off x="5521851" y="3931096"/>
-            <a:ext cx="336191" cy="1107165"/>
-          </a:xfrm>
-          <a:prstGeom prst="curvedRightArrow">
-            <a:avLst/>
-          </a:prstGeom>
-        </p:spPr>
-        <p:style>
-          <a:lnRef idx="2">
-            <a:schemeClr val="accent1">
-              <a:shade val="50000"/>
-            </a:schemeClr>
-          </a:lnRef>
-          <a:fillRef idx="1">
-            <a:schemeClr val="accent1"/>
-          </a:fillRef>
-          <a:effectRef idx="0">
-            <a:schemeClr val="accent1"/>
-          </a:effectRef>
-          <a:fontRef idx="minor">
-            <a:schemeClr val="lt1"/>
-          </a:fontRef>
-        </p:style>
-        <p:txBody>
-          <a:bodyPr rtlCol="0" anchor="ctr"/>
-          <a:lstStyle/>
-          <a:p>
-            <a:pPr algn="ctr" defTabSz="1219170">
-              <a:buClr>
-                <a:srgbClr val="000000"/>
-              </a:buClr>
-            </a:pPr>
-            <a:endParaRPr lang="en-US" sz="1867" kern="0">
-              <a:solidFill>
-                <a:srgbClr val="F3F3F3"/>
-              </a:solidFill>
-              <a:latin typeface="Arial"/>
-              <a:sym typeface="Arial"/>
-            </a:endParaRPr>
-          </a:p>
-        </p:txBody>
-      </p:sp>
-      <p:cxnSp>
-        <p:nvCxnSpPr>
-          <p:cNvPr id="78" name="Curved Connector 24">
-            <a:extLst>
-              <a:ext uri="{FF2B5EF4-FFF2-40B4-BE49-F238E27FC236}">
-                <a16:creationId xmlns:a16="http://schemas.microsoft.com/office/drawing/2014/main" id="{AC440A1F-3BEA-4043-BD4B-CB38F74EA534}"/>
-              </a:ext>
-            </a:extLst>
-          </p:cNvPr>
-          <p:cNvCxnSpPr>
-            <a:cxnSpLocks/>
-            <a:stCxn id="71" idx="1"/>
-            <a:endCxn id="70" idx="3"/>
-          </p:cNvCxnSpPr>
-          <p:nvPr/>
-        </p:nvCxnSpPr>
-        <p:spPr>
-          <a:xfrm rot="10800000">
-            <a:off x="4441886" y="4700354"/>
-            <a:ext cx="1402255" cy="344309"/>
-          </a:xfrm>
-          <a:prstGeom prst="curvedConnector3">
-            <a:avLst>
-              <a:gd name="adj1" fmla="val 50000"/>
-            </a:avLst>
-          </a:prstGeom>
-          <a:noFill/>
-          <a:ln w="38100" cap="flat" cmpd="sng" algn="ctr">
-            <a:solidFill>
-              <a:srgbClr val="F38C37"/>
-            </a:solidFill>
-            <a:prstDash val="solid"/>
-            <a:tailEnd type="arrow"/>
-          </a:ln>
-          <a:effectLst>
-            <a:outerShdw blurRad="65500" dist="38100" dir="5400000" rotWithShape="0">
-              <a:srgbClr val="000000">
-                <a:alpha val="40000"/>
-              </a:srgbClr>
-            </a:outerShdw>
-          </a:effectLst>
-        </p:spPr>
-      </p:cxnSp>
-      <p:cxnSp>
-        <p:nvCxnSpPr>
-          <p:cNvPr id="82" name="Curved Connector 24">
-            <a:extLst>
-              <a:ext uri="{FF2B5EF4-FFF2-40B4-BE49-F238E27FC236}">
-                <a16:creationId xmlns:a16="http://schemas.microsoft.com/office/drawing/2014/main" id="{CC1FB462-6DE6-49AB-BAFB-20F5B84872A7}"/>
-              </a:ext>
-            </a:extLst>
-          </p:cNvPr>
-          <p:cNvCxnSpPr>
-            <a:cxnSpLocks/>
-            <a:stCxn id="70" idx="2"/>
-            <a:endCxn id="72" idx="1"/>
-          </p:cNvCxnSpPr>
-          <p:nvPr/>
-        </p:nvCxnSpPr>
-        <p:spPr>
-          <a:xfrm rot="16200000" flipH="1">
-            <a:off x="4142110" y="4418556"/>
-            <a:ext cx="860593" cy="2581568"/>
-          </a:xfrm>
-          <a:prstGeom prst="curvedConnector2">
-            <a:avLst/>
-          </a:prstGeom>
-          <a:noFill/>
-          <a:ln w="38100" cap="flat" cmpd="sng" algn="ctr">
-            <a:solidFill>
-              <a:srgbClr val="F38C37"/>
-            </a:solidFill>
-            <a:prstDash val="solid"/>
-            <a:tailEnd type="arrow"/>
-          </a:ln>
-          <a:effectLst>
-            <a:outerShdw blurRad="65500" dist="38100" dir="5400000" rotWithShape="0">
-              <a:srgbClr val="000000">
-                <a:alpha val="40000"/>
-              </a:srgbClr>
-            </a:outerShdw>
-          </a:effectLst>
-        </p:spPr>
-      </p:cxnSp>
-      <p:pic>
-        <p:nvPicPr>
-          <p:cNvPr id="87" name="Picture 5" descr="C:\Users\torsteng\AppData\Local\Microsoft\Windows\Temporary Internet Files\Content.IE5\AP5NZ56T\MM900043784[1].gif">
-            <a:extLst>
-              <a:ext uri="{FF2B5EF4-FFF2-40B4-BE49-F238E27FC236}">
-                <a16:creationId xmlns:a16="http://schemas.microsoft.com/office/drawing/2014/main" id="{81D55396-65B9-4589-8E5F-B5CAA87D8AFE}"/>
-              </a:ext>
-            </a:extLst>
-          </p:cNvPr>
-          <p:cNvPicPr>
-            <a:picLocks noChangeAspect="1" noChangeArrowheads="1" noCrop="1"/>
-          </p:cNvPicPr>
-          <p:nvPr/>
-        </p:nvPicPr>
-        <p:blipFill>
-          <a:blip r:embed="rId5" cstate="print"/>
-          <a:srcRect/>
-          <a:stretch>
-            <a:fillRect/>
-          </a:stretch>
-        </p:blipFill>
-        <p:spPr bwMode="auto">
-          <a:xfrm>
-            <a:off x="9841500" y="5236056"/>
-            <a:ext cx="699912" cy="699912"/>
-          </a:xfrm>
-          <a:prstGeom prst="rect">
-            <a:avLst/>
-          </a:prstGeom>
-          <a:noFill/>
-        </p:spPr>
-      </p:pic>
-      <p:cxnSp>
-        <p:nvCxnSpPr>
-          <p:cNvPr id="88" name="Curved Connector 24">
-            <a:extLst>
-              <a:ext uri="{FF2B5EF4-FFF2-40B4-BE49-F238E27FC236}">
-                <a16:creationId xmlns:a16="http://schemas.microsoft.com/office/drawing/2014/main" id="{C5AF1ADE-6323-436D-952D-C06BA654DB7C}"/>
-              </a:ext>
-            </a:extLst>
-          </p:cNvPr>
-          <p:cNvCxnSpPr>
-            <a:cxnSpLocks/>
-            <a:stCxn id="72" idx="3"/>
-            <a:endCxn id="87" idx="1"/>
-          </p:cNvCxnSpPr>
-          <p:nvPr/>
-        </p:nvCxnSpPr>
-        <p:spPr>
-          <a:xfrm flipV="1">
-            <a:off x="7710615" y="5586013"/>
-            <a:ext cx="2130885" cy="553625"/>
-          </a:xfrm>
-          <a:prstGeom prst="curvedConnector3">
-            <a:avLst>
-              <a:gd name="adj1" fmla="val 50000"/>
-            </a:avLst>
-          </a:prstGeom>
-          <a:noFill/>
-          <a:ln w="38100" cap="flat" cmpd="sng" algn="ctr">
-            <a:solidFill>
-              <a:srgbClr val="F38C37"/>
-            </a:solidFill>
-            <a:prstDash val="solid"/>
-            <a:tailEnd type="arrow"/>
-          </a:ln>
-          <a:effectLst>
-            <a:outerShdw blurRad="65500" dist="38100" dir="5400000" rotWithShape="0">
-              <a:srgbClr val="000000">
-                <a:alpha val="40000"/>
-              </a:srgbClr>
-            </a:outerShdw>
-          </a:effectLst>
-        </p:spPr>
-      </p:cxnSp>
-      <p:sp>
-        <p:nvSpPr>
-          <p:cNvPr id="91" name="Rounded Rectangle 9">
-            <a:extLst>
-              <a:ext uri="{FF2B5EF4-FFF2-40B4-BE49-F238E27FC236}">
-                <a16:creationId xmlns:a16="http://schemas.microsoft.com/office/drawing/2014/main" id="{66335E3A-A8EB-4D6F-9882-D9751782F0E1}"/>
-              </a:ext>
-            </a:extLst>
-          </p:cNvPr>
-          <p:cNvSpPr/>
-          <p:nvPr/>
-        </p:nvSpPr>
-        <p:spPr bwMode="auto">
-          <a:xfrm>
-            <a:off x="9310529" y="5983093"/>
-            <a:ext cx="1808040" cy="642481"/>
-          </a:xfrm>
-          <a:prstGeom prst="roundRect">
-            <a:avLst/>
-          </a:prstGeom>
-          <a:gradFill rotWithShape="1">
-            <a:gsLst>
-              <a:gs pos="0">
-                <a:srgbClr val="3A94D2">
-                  <a:tint val="65000"/>
-                  <a:satMod val="270000"/>
-                </a:srgbClr>
-              </a:gs>
-              <a:gs pos="25000">
-                <a:srgbClr val="3A94D2">
-                  <a:tint val="60000"/>
-                  <a:satMod val="300000"/>
-                </a:srgbClr>
-              </a:gs>
-              <a:gs pos="100000">
-                <a:srgbClr val="3A94D2">
-                  <a:tint val="29000"/>
-                  <a:satMod val="400000"/>
-                </a:srgbClr>
-              </a:gs>
-            </a:gsLst>
-            <a:lin ang="16200000" scaled="1"/>
-          </a:gradFill>
-          <a:ln w="9525" cap="flat" cmpd="sng" algn="ctr">
-            <a:solidFill>
-              <a:srgbClr val="3A94D2">
-                <a:satMod val="150000"/>
-              </a:srgbClr>
-            </a:solidFill>
-            <a:prstDash val="solid"/>
-            <a:headEnd type="none" w="med" len="med"/>
-            <a:tailEnd type="none" w="med" len="med"/>
-          </a:ln>
-          <a:effectLst>
-            <a:outerShdw blurRad="65500" dist="38100" dir="5400000" rotWithShape="0">
-              <a:srgbClr val="000000">
-                <a:alpha val="40000"/>
-              </a:srgbClr>
-            </a:outerShdw>
-          </a:effectLst>
-        </p:spPr>
-        <p:txBody>
-          <a:bodyPr vert="horz" wrap="square" lIns="121915" tIns="60957" rIns="121915" bIns="60957" numCol="1" rtlCol="0" anchor="ctr" anchorCtr="0" compatLnSpc="1">
-            <a:prstTxWarp prst="textNoShape">
-              <a:avLst/>
-            </a:prstTxWarp>
-          </a:bodyPr>
-          <a:lstStyle/>
-          <a:p>
-            <a:pPr algn="ctr" defTabSz="1218768" fontAlgn="base">
-              <a:spcBef>
-                <a:spcPct val="0"/>
-              </a:spcBef>
-              <a:spcAft>
-                <a:spcPct val="0"/>
-              </a:spcAft>
-              <a:defRPr/>
-            </a:pPr>
-            <a:r>
-              <a:rPr lang="en-US" sz="1467">
-                <a:gradFill>
-                  <a:gsLst>
-                    <a:gs pos="0">
-                      <a:srgbClr val="FFFFFF"/>
-                    </a:gs>
-                    <a:gs pos="100000">
-                      <a:srgbClr val="FFFFFF"/>
-                    </a:gs>
-                  </a:gsLst>
-                  <a:lin ang="5400000" scaled="0"/>
-                </a:gradFill>
-                <a:latin typeface="Segoe UI"/>
-                <a:cs typeface="Arial"/>
-                <a:sym typeface="Arial"/>
-              </a:rPr>
-              <a:t>Statistical Inference</a:t>
-            </a:r>
-          </a:p>
-        </p:txBody>
-      </p:sp>
-      <p:grpSp>
-        <p:nvGrpSpPr>
-          <p:cNvPr id="44" name="Group 43">
-            <a:extLst>
-              <a:ext uri="{FF2B5EF4-FFF2-40B4-BE49-F238E27FC236}">
-                <a16:creationId xmlns:a16="http://schemas.microsoft.com/office/drawing/2014/main" id="{4AD7934F-42FD-4F4B-968B-76AE79ED9C32}"/>
-              </a:ext>
-            </a:extLst>
-          </p:cNvPr>
-          <p:cNvGrpSpPr/>
-          <p:nvPr/>
-        </p:nvGrpSpPr>
-        <p:grpSpPr>
-          <a:xfrm>
-            <a:off x="10762541" y="5326199"/>
-            <a:ext cx="712054" cy="626116"/>
-            <a:chOff x="3434328" y="3336433"/>
-            <a:chExt cx="1059543" cy="925108"/>
-          </a:xfrm>
-        </p:grpSpPr>
-        <p:pic>
-          <p:nvPicPr>
-            <p:cNvPr id="50" name="Picture 49">
-              <a:extLst>
-                <a:ext uri="{FF2B5EF4-FFF2-40B4-BE49-F238E27FC236}">
-                  <a16:creationId xmlns:a16="http://schemas.microsoft.com/office/drawing/2014/main" id="{A57D2CE6-668A-47DD-8342-392E6EF1A64B}"/>
-                </a:ext>
-              </a:extLst>
-            </p:cNvPr>
-            <p:cNvPicPr>
-              <a:picLocks noChangeAspect="1"/>
-            </p:cNvPicPr>
-            <p:nvPr/>
-          </p:nvPicPr>
-          <p:blipFill>
-            <a:blip r:embed="rId7" cstate="print">
-              <a:extLst>
-                <a:ext uri="{28A0092B-C50C-407E-A947-70E740481C1C}">
-                  <a14:useLocalDpi xmlns:a14="http://schemas.microsoft.com/office/drawing/2010/main"/>
-                </a:ext>
-              </a:extLst>
-            </a:blip>
-            <a:stretch>
-              <a:fillRect/>
-            </a:stretch>
-          </p:blipFill>
-          <p:spPr>
-            <a:xfrm>
-              <a:off x="3714959" y="3336433"/>
-              <a:ext cx="635521" cy="635521"/>
-            </a:xfrm>
-            <a:prstGeom prst="rect">
-              <a:avLst/>
-            </a:prstGeom>
-          </p:spPr>
-        </p:pic>
-        <p:sp>
-          <p:nvSpPr>
-            <p:cNvPr id="51" name="Rectangle 50">
-              <a:extLst>
-                <a:ext uri="{FF2B5EF4-FFF2-40B4-BE49-F238E27FC236}">
-                  <a16:creationId xmlns:a16="http://schemas.microsoft.com/office/drawing/2014/main" id="{7C082D8F-F0EE-40BA-B9B0-135B55120263}"/>
-                </a:ext>
-              </a:extLst>
-            </p:cNvPr>
-            <p:cNvSpPr/>
-            <p:nvPr/>
-          </p:nvSpPr>
-          <p:spPr>
-            <a:xfrm>
-              <a:off x="3434328" y="3965953"/>
-              <a:ext cx="1059543" cy="295588"/>
-            </a:xfrm>
-            <a:prstGeom prst="rect">
-              <a:avLst/>
-            </a:prstGeom>
-          </p:spPr>
-          <p:txBody>
-            <a:bodyPr wrap="none">
-              <a:spAutoFit/>
-            </a:bodyPr>
-            <a:lstStyle/>
-            <a:p>
-              <a:pPr algn="ctr" defTabSz="932215"/>
-              <a:r>
-                <a:rPr lang="en-US" sz="700" kern="0">
-                  <a:solidFill>
-                    <a:prstClr val="white">
-                      <a:lumMod val="50000"/>
-                    </a:prstClr>
-                  </a:solidFill>
-                  <a:latin typeface="Segoe UI Semibold" panose="020B0702040204020203" pitchFamily="34" charset="0"/>
-                  <a:ea typeface="MS PGothic" panose="020B0600070205080204" pitchFamily="34" charset="-128"/>
-                  <a:cs typeface="Segoe UI Semibold" panose="020B0702040204020203" pitchFamily="34" charset="0"/>
-                  <a:sym typeface="Arial"/>
-                </a:rPr>
-                <a:t>AZURE SQL DB</a:t>
-              </a:r>
-            </a:p>
-          </p:txBody>
-        </p:sp>
-      </p:grpSp>
-      <p:cxnSp>
-        <p:nvCxnSpPr>
-          <p:cNvPr id="52" name="Curved Connector 24">
-            <a:extLst>
-              <a:ext uri="{FF2B5EF4-FFF2-40B4-BE49-F238E27FC236}">
-                <a16:creationId xmlns:a16="http://schemas.microsoft.com/office/drawing/2014/main" id="{66E3BB53-BE7E-45DC-9CA4-2D04EE1D8138}"/>
-              </a:ext>
-            </a:extLst>
-          </p:cNvPr>
-          <p:cNvCxnSpPr>
-            <a:cxnSpLocks/>
-            <a:stCxn id="34" idx="3"/>
-          </p:cNvCxnSpPr>
-          <p:nvPr/>
-        </p:nvCxnSpPr>
-        <p:spPr>
-          <a:xfrm>
-            <a:off x="7677663" y="4003162"/>
-            <a:ext cx="2099164" cy="1323036"/>
-          </a:xfrm>
-          <a:prstGeom prst="curvedConnector3">
-            <a:avLst>
-              <a:gd name="adj1" fmla="val 50000"/>
-            </a:avLst>
-          </a:prstGeom>
-          <a:noFill/>
-          <a:ln w="38100" cap="flat" cmpd="sng" algn="ctr">
-            <a:solidFill>
-              <a:srgbClr val="F38C37"/>
-            </a:solidFill>
-            <a:prstDash val="solid"/>
-            <a:tailEnd type="arrow"/>
-          </a:ln>
-          <a:effectLst>
-            <a:outerShdw blurRad="65500" dist="38100" dir="5400000" rotWithShape="0">
-              <a:srgbClr val="000000">
-                <a:alpha val="40000"/>
-              </a:srgbClr>
-            </a:outerShdw>
-          </a:effectLst>
-        </p:spPr>
-      </p:cxnSp>
-      <p:sp>
-        <p:nvSpPr>
-          <p:cNvPr id="4" name="TextBox 3">
-            <a:extLst>
-              <a:ext uri="{FF2B5EF4-FFF2-40B4-BE49-F238E27FC236}">
-                <a16:creationId xmlns:a16="http://schemas.microsoft.com/office/drawing/2014/main" id="{F3E576A7-BC5E-43AD-9795-D079E36B5110}"/>
-              </a:ext>
-            </a:extLst>
-          </p:cNvPr>
-          <p:cNvSpPr txBox="1"/>
-          <p:nvPr/>
-        </p:nvSpPr>
-        <p:spPr>
-          <a:xfrm>
-            <a:off x="8791028" y="4691775"/>
-            <a:ext cx="2136459" cy="276999"/>
-          </a:xfrm>
-          <a:prstGeom prst="rect">
-            <a:avLst/>
-          </a:prstGeom>
-          <a:noFill/>
-        </p:spPr>
-        <p:txBody>
-          <a:bodyPr wrap="square" rtlCol="0">
-            <a:spAutoFit/>
-          </a:bodyPr>
-          <a:lstStyle/>
-          <a:p>
-            <a:pPr defTabSz="1219170">
-              <a:buClr>
-                <a:srgbClr val="000000"/>
-              </a:buClr>
-            </a:pPr>
-            <a:r>
-              <a:rPr lang="en-US" sz="1200" kern="0">
-                <a:solidFill>
-                  <a:srgbClr val="000000"/>
-                </a:solidFill>
-                <a:latin typeface="Arial"/>
-                <a:cs typeface="Arial"/>
-                <a:sym typeface="Arial"/>
-              </a:rPr>
-              <a:t>Prediction results</a:t>
-            </a:r>
-          </a:p>
-        </p:txBody>
-      </p:sp>
-      <p:sp>
-        <p:nvSpPr>
-          <p:cNvPr id="53" name="TextBox 52">
-            <a:extLst>
-              <a:ext uri="{FF2B5EF4-FFF2-40B4-BE49-F238E27FC236}">
-                <a16:creationId xmlns:a16="http://schemas.microsoft.com/office/drawing/2014/main" id="{6BB98AF5-1253-4F6F-B377-B487C5E1DBD2}"/>
-              </a:ext>
-            </a:extLst>
-          </p:cNvPr>
-          <p:cNvSpPr txBox="1"/>
-          <p:nvPr/>
-        </p:nvSpPr>
-        <p:spPr>
-          <a:xfrm>
-            <a:off x="7966359" y="5476777"/>
-            <a:ext cx="2136459" cy="276999"/>
-          </a:xfrm>
-          <a:prstGeom prst="rect">
-            <a:avLst/>
-          </a:prstGeom>
-          <a:noFill/>
-        </p:spPr>
-        <p:txBody>
-          <a:bodyPr wrap="square" rtlCol="0">
-            <a:spAutoFit/>
-          </a:bodyPr>
-          <a:lstStyle/>
-          <a:p>
-            <a:pPr defTabSz="1219170">
-              <a:buClr>
-                <a:srgbClr val="000000"/>
-              </a:buClr>
-            </a:pPr>
-            <a:r>
-              <a:rPr lang="en-US" sz="1200" kern="0">
-                <a:solidFill>
-                  <a:srgbClr val="000000"/>
-                </a:solidFill>
-                <a:latin typeface="Arial"/>
-                <a:cs typeface="Arial"/>
-                <a:sym typeface="Arial"/>
-              </a:rPr>
-              <a:t>Causal results</a:t>
-            </a:r>
-          </a:p>
-        </p:txBody>
-      </p:sp>
-    </p:spTree>
-    <p:extLst>
-      <p:ext uri="{BB962C8B-B14F-4D97-AF65-F5344CB8AC3E}">
-        <p14:creationId xmlns:p14="http://schemas.microsoft.com/office/powerpoint/2010/main" val="3970752288"/>
-      </p:ext>
-    </p:extLst>
-  </p:cSld>
-  <p:clrMapOvr>
-    <a:masterClrMapping/>
-  </p:clrMapOvr>
-</p:sld>
-</file>
-
-<file path=ppt/slides/slide6.xml><?xml version="1.0" encoding="utf-8"?>
-<p:sld xmlns:a="http://schemas.openxmlformats.org/drawingml/2006/main" xmlns:r="http://schemas.openxmlformats.org/officeDocument/2006/relationships" xmlns:p="http://schemas.openxmlformats.org/presentationml/2006/main">
-  <p:cSld>
-    <p:spTree>
-      <p:nvGrpSpPr>
-        <p:cNvPr id="1" name="Shape 651"/>
-        <p:cNvGrpSpPr/>
-        <p:nvPr/>
-      </p:nvGrpSpPr>
-      <p:grpSpPr>
-        <a:xfrm>
-          <a:off x="0" y="0"/>
-          <a:ext cx="0" cy="0"/>
-          <a:chOff x="0" y="0"/>
-          <a:chExt cx="0" cy="0"/>
-        </a:xfrm>
-      </p:grpSpPr>
-      <p:sp>
-        <p:nvSpPr>
-          <p:cNvPr id="658" name="Google Shape;658;p47"/>
-          <p:cNvSpPr txBox="1">
-            <a:spLocks noGrp="1"/>
-          </p:cNvSpPr>
-          <p:nvPr>
-            <p:ph type="ctrTitle"/>
-          </p:nvPr>
-        </p:nvSpPr>
-        <p:spPr>
-          <a:xfrm>
-            <a:off x="1199881" y="189949"/>
-            <a:ext cx="9025200" cy="874000"/>
-          </a:xfrm>
-          <a:prstGeom prst="rect">
-            <a:avLst/>
-          </a:prstGeom>
-        </p:spPr>
-        <p:txBody>
-          <a:bodyPr spcFirstLastPara="1" wrap="square" lIns="121900" tIns="121900" rIns="121900" bIns="121900" anchor="t" anchorCtr="0">
-            <a:noAutofit/>
-          </a:bodyPr>
-          <a:lstStyle/>
-          <a:p>
-            <a:r>
-              <a:rPr lang="en" dirty="0"/>
-              <a:t>DAATE MVP </a:t>
-            </a:r>
-            <a:r>
-              <a:rPr lang="en" dirty="0">
-                <a:solidFill>
-                  <a:srgbClr val="0070C0"/>
-                </a:solidFill>
-              </a:rPr>
-              <a:t>Predictive Modeling</a:t>
-            </a:r>
-            <a:endParaRPr dirty="0">
-              <a:solidFill>
-                <a:srgbClr val="0070C0"/>
-              </a:solidFill>
-            </a:endParaRPr>
-          </a:p>
-        </p:txBody>
-      </p:sp>
-      <p:sp>
-        <p:nvSpPr>
-          <p:cNvPr id="33" name="Rectangle 32">
-            <a:extLst>
-              <a:ext uri="{FF2B5EF4-FFF2-40B4-BE49-F238E27FC236}">
-                <a16:creationId xmlns:a16="http://schemas.microsoft.com/office/drawing/2014/main" id="{9FB27B7A-B9DD-4785-AF50-3FD9D45ABE33}"/>
-              </a:ext>
-            </a:extLst>
-          </p:cNvPr>
-          <p:cNvSpPr/>
-          <p:nvPr/>
-        </p:nvSpPr>
-        <p:spPr bwMode="auto">
-          <a:xfrm>
-            <a:off x="1895583" y="1198521"/>
-            <a:ext cx="6789404" cy="5579572"/>
-          </a:xfrm>
-          <a:prstGeom prst="rect">
-            <a:avLst/>
-          </a:prstGeom>
-          <a:solidFill>
-            <a:srgbClr val="FFFFFF"/>
-          </a:solidFill>
-          <a:ln w="9525" cap="flat" cmpd="sng" algn="ctr">
-            <a:solidFill>
-              <a:srgbClr val="000000"/>
-            </a:solidFill>
-            <a:prstDash val="solid"/>
-            <a:headEnd type="none" w="med" len="med"/>
-            <a:tailEnd type="none" w="med" len="med"/>
-          </a:ln>
-          <a:effectLst>
-            <a:outerShdw blurRad="65500" dist="38100" dir="5400000" rotWithShape="0">
-              <a:srgbClr val="000000">
-                <a:alpha val="40000"/>
-              </a:srgbClr>
-            </a:outerShdw>
-          </a:effectLst>
-        </p:spPr>
-        <p:txBody>
-          <a:bodyPr vert="horz" wrap="square" lIns="121915" tIns="60957" rIns="121915" bIns="60957" numCol="1" rtlCol="0" anchor="t" anchorCtr="0" compatLnSpc="1">
-            <a:prstTxWarp prst="textNoShape">
-              <a:avLst/>
-            </a:prstTxWarp>
-          </a:bodyPr>
-          <a:lstStyle/>
-          <a:p>
-            <a:pPr algn="ctr" defTabSz="1218768" fontAlgn="base">
-              <a:spcBef>
-                <a:spcPct val="0"/>
-              </a:spcBef>
-              <a:spcAft>
-                <a:spcPct val="0"/>
-              </a:spcAft>
-              <a:defRPr/>
-            </a:pPr>
-            <a:endParaRPr lang="en-US" sz="2400" dirty="0">
-              <a:solidFill>
-                <a:srgbClr val="000000"/>
-              </a:solidFill>
-              <a:latin typeface="Segoe UI"/>
-              <a:cs typeface="Arial"/>
-              <a:sym typeface="Arial"/>
-            </a:endParaRPr>
-          </a:p>
-        </p:txBody>
-      </p:sp>
-      <p:sp>
-        <p:nvSpPr>
-          <p:cNvPr id="35" name="Rounded Rectangle 11">
-            <a:extLst>
-              <a:ext uri="{FF2B5EF4-FFF2-40B4-BE49-F238E27FC236}">
-                <a16:creationId xmlns:a16="http://schemas.microsoft.com/office/drawing/2014/main" id="{7B832710-94B7-4794-B648-2B66623AE4F7}"/>
-              </a:ext>
-            </a:extLst>
-          </p:cNvPr>
-          <p:cNvSpPr/>
-          <p:nvPr/>
-        </p:nvSpPr>
-        <p:spPr bwMode="auto">
-          <a:xfrm>
-            <a:off x="4656528" y="1856363"/>
-            <a:ext cx="1836807" cy="1164640"/>
-          </a:xfrm>
-          <a:prstGeom prst="roundRect">
-            <a:avLst/>
-          </a:prstGeom>
-          <a:gradFill rotWithShape="1">
-            <a:gsLst>
-              <a:gs pos="0">
-                <a:srgbClr val="3A94D2">
-                  <a:tint val="65000"/>
-                  <a:satMod val="270000"/>
-                </a:srgbClr>
-              </a:gs>
-              <a:gs pos="25000">
-                <a:srgbClr val="3A94D2">
-                  <a:tint val="60000"/>
-                  <a:satMod val="300000"/>
-                </a:srgbClr>
-              </a:gs>
-              <a:gs pos="100000">
-                <a:srgbClr val="3A94D2">
-                  <a:tint val="29000"/>
-                  <a:satMod val="400000"/>
-                </a:srgbClr>
-              </a:gs>
-            </a:gsLst>
-            <a:lin ang="16200000" scaled="1"/>
-          </a:gradFill>
-          <a:ln w="9525" cap="flat" cmpd="sng" algn="ctr">
-            <a:solidFill>
-              <a:srgbClr val="3A94D2">
-                <a:satMod val="150000"/>
-              </a:srgbClr>
-            </a:solidFill>
-            <a:prstDash val="solid"/>
-            <a:headEnd type="none" w="med" len="med"/>
-            <a:tailEnd type="none" w="med" len="med"/>
-          </a:ln>
-          <a:effectLst>
-            <a:outerShdw blurRad="65500" dist="38100" dir="5400000" rotWithShape="0">
-              <a:srgbClr val="000000">
-                <a:alpha val="40000"/>
-              </a:srgbClr>
-            </a:outerShdw>
-          </a:effectLst>
-        </p:spPr>
-        <p:txBody>
-          <a:bodyPr vert="horz" wrap="square" lIns="121915" tIns="60957" rIns="121915" bIns="60957" numCol="1" rtlCol="0" anchor="ctr" anchorCtr="0" compatLnSpc="1">
-            <a:prstTxWarp prst="textNoShape">
-              <a:avLst/>
-            </a:prstTxWarp>
-          </a:bodyPr>
-          <a:lstStyle/>
-          <a:p>
-            <a:pPr algn="ctr" defTabSz="1218768" fontAlgn="base">
-              <a:spcBef>
-                <a:spcPct val="0"/>
-              </a:spcBef>
-              <a:spcAft>
-                <a:spcPct val="0"/>
-              </a:spcAft>
-              <a:defRPr/>
-            </a:pPr>
-            <a:r>
-              <a:rPr lang="en-US" sz="1867" dirty="0">
-                <a:gradFill>
-                  <a:gsLst>
-                    <a:gs pos="0">
-                      <a:srgbClr val="FFFFFF"/>
-                    </a:gs>
-                    <a:gs pos="100000">
-                      <a:srgbClr val="FFFFFF"/>
-                    </a:gs>
-                  </a:gsLst>
-                  <a:lin ang="5400000" scaled="0"/>
-                </a:gradFill>
-                <a:latin typeface="Segoe UI"/>
-                <a:cs typeface="Arial"/>
-                <a:sym typeface="Arial"/>
-              </a:rPr>
-              <a:t>EDA, Cleansing etc.</a:t>
-            </a:r>
-          </a:p>
-        </p:txBody>
-      </p:sp>
-      <p:grpSp>
-        <p:nvGrpSpPr>
-          <p:cNvPr id="36" name="Group 116">
-            <a:extLst>
-              <a:ext uri="{FF2B5EF4-FFF2-40B4-BE49-F238E27FC236}">
-                <a16:creationId xmlns:a16="http://schemas.microsoft.com/office/drawing/2014/main" id="{7D3C9918-0502-4280-AA27-3D95EC9C722C}"/>
-              </a:ext>
-            </a:extLst>
-          </p:cNvPr>
-          <p:cNvGrpSpPr/>
-          <p:nvPr/>
-        </p:nvGrpSpPr>
-        <p:grpSpPr>
-          <a:xfrm>
-            <a:off x="9554657" y="2250885"/>
-            <a:ext cx="986755" cy="1016000"/>
-            <a:chOff x="555334" y="4191000"/>
-            <a:chExt cx="587666" cy="609600"/>
-          </a:xfrm>
-        </p:grpSpPr>
-        <p:pic>
-          <p:nvPicPr>
-            <p:cNvPr id="37" name="Picture 3" descr="C:\Documents and Settings\antonk\Local Settings\Temporary Internet Files\Content.IE5\AV78XKCM\MCj04348450000[1].png">
-              <a:extLst>
-                <a:ext uri="{FF2B5EF4-FFF2-40B4-BE49-F238E27FC236}">
-                  <a16:creationId xmlns:a16="http://schemas.microsoft.com/office/drawing/2014/main" id="{A5E6BD81-2679-4DCC-98B1-EF65B20BCDF5}"/>
-                </a:ext>
-              </a:extLst>
-            </p:cNvPr>
-            <p:cNvPicPr>
-              <a:picLocks noChangeAspect="1" noChangeArrowheads="1"/>
-            </p:cNvPicPr>
-            <p:nvPr/>
-          </p:nvPicPr>
-          <p:blipFill>
-            <a:blip r:embed="rId3" cstate="print"/>
-            <a:srcRect/>
-            <a:stretch>
-              <a:fillRect/>
-            </a:stretch>
-          </p:blipFill>
-          <p:spPr bwMode="auto">
-            <a:xfrm>
-              <a:off x="555334" y="4191000"/>
-              <a:ext cx="587666" cy="527538"/>
-            </a:xfrm>
-            <a:prstGeom prst="rect">
-              <a:avLst/>
-            </a:prstGeom>
-            <a:noFill/>
-          </p:spPr>
-        </p:pic>
-        <p:sp>
-          <p:nvSpPr>
-            <p:cNvPr id="38" name="Can 21">
-              <a:extLst>
-                <a:ext uri="{FF2B5EF4-FFF2-40B4-BE49-F238E27FC236}">
-                  <a16:creationId xmlns:a16="http://schemas.microsoft.com/office/drawing/2014/main" id="{41AE5FDF-3196-4C7C-B2E2-A37A5A0462D6}"/>
-                </a:ext>
-              </a:extLst>
-            </p:cNvPr>
-            <p:cNvSpPr/>
-            <p:nvPr/>
-          </p:nvSpPr>
-          <p:spPr>
-            <a:xfrm>
-              <a:off x="860133" y="4419600"/>
-              <a:ext cx="228600" cy="381000"/>
-            </a:xfrm>
-            <a:prstGeom prst="can">
-              <a:avLst/>
-            </a:prstGeom>
-            <a:gradFill rotWithShape="1">
-              <a:gsLst>
-                <a:gs pos="0">
-                  <a:srgbClr val="3A94D2">
-                    <a:shade val="45000"/>
-                    <a:satMod val="155000"/>
-                  </a:srgbClr>
-                </a:gs>
-                <a:gs pos="60000">
-                  <a:srgbClr val="3A94D2">
-                    <a:shade val="95000"/>
-                    <a:satMod val="150000"/>
-                  </a:srgbClr>
-                </a:gs>
-                <a:gs pos="100000">
-                  <a:srgbClr val="3A94D2">
-                    <a:tint val="87000"/>
-                    <a:satMod val="250000"/>
-                  </a:srgbClr>
-                </a:gs>
-              </a:gsLst>
-              <a:lin ang="16200000" scaled="0"/>
-            </a:gradFill>
-            <a:ln>
-              <a:noFill/>
-            </a:ln>
-            <a:effectLst>
-              <a:outerShdw blurRad="65500" dist="38100" dir="5400000" rotWithShape="0">
-                <a:srgbClr val="000000">
-                  <a:alpha val="40000"/>
-                </a:srgbClr>
-              </a:outerShdw>
-            </a:effectLst>
-            <a:scene3d>
-              <a:camera prst="orthographicFront" fov="0">
-                <a:rot lat="0" lon="0" rev="0"/>
-              </a:camera>
-              <a:lightRig rig="contrasting" dir="t">
-                <a:rot lat="0" lon="0" rev="12000000"/>
-              </a:lightRig>
-            </a:scene3d>
-            <a:sp3d prstMaterial="powder">
-              <a:bevelT h="50800"/>
-            </a:sp3d>
-          </p:spPr>
-          <p:txBody>
-            <a:bodyPr rtlCol="0" anchor="ctr"/>
-            <a:lstStyle/>
-            <a:p>
-              <a:pPr algn="ctr" defTabSz="1219120">
-                <a:defRPr/>
-              </a:pPr>
-              <a:endParaRPr lang="en-US" sz="1600">
-                <a:solidFill>
-                  <a:srgbClr val="8557C9">
-                    <a:lumMod val="25000"/>
-                  </a:srgbClr>
-                </a:solidFill>
-                <a:latin typeface="Segoe UI"/>
-                <a:cs typeface="Arial" pitchFamily="34" charset="0"/>
-                <a:sym typeface="Arial"/>
-              </a:endParaRPr>
-            </a:p>
-          </p:txBody>
-        </p:sp>
-      </p:grpSp>
-      <p:pic>
-        <p:nvPicPr>
-          <p:cNvPr id="39" name="Picture 2" descr="Bloomberg Professional Service">
-            <a:extLst>
-              <a:ext uri="{FF2B5EF4-FFF2-40B4-BE49-F238E27FC236}">
-                <a16:creationId xmlns:a16="http://schemas.microsoft.com/office/drawing/2014/main" id="{D50A7B6E-928A-44A9-BF3A-333DA6198DC7}"/>
-              </a:ext>
-            </a:extLst>
-          </p:cNvPr>
-          <p:cNvPicPr>
-            <a:picLocks noChangeAspect="1" noChangeArrowheads="1"/>
-          </p:cNvPicPr>
-          <p:nvPr/>
-        </p:nvPicPr>
-        <p:blipFill>
-          <a:blip r:embed="rId4" cstate="print"/>
-          <a:srcRect l="2614" t="12749" r="3268" b="39442"/>
-          <a:stretch>
-            <a:fillRect/>
-          </a:stretch>
-        </p:blipFill>
-        <p:spPr bwMode="auto">
-          <a:xfrm>
-            <a:off x="9369342" y="1290720"/>
-            <a:ext cx="1930400" cy="804333"/>
-          </a:xfrm>
-          <a:prstGeom prst="rect">
-            <a:avLst/>
-          </a:prstGeom>
-          <a:noFill/>
-        </p:spPr>
-      </p:pic>
-      <p:cxnSp>
-        <p:nvCxnSpPr>
-          <p:cNvPr id="41" name="Curved Connector 24">
-            <a:extLst>
-              <a:ext uri="{FF2B5EF4-FFF2-40B4-BE49-F238E27FC236}">
-                <a16:creationId xmlns:a16="http://schemas.microsoft.com/office/drawing/2014/main" id="{8D10B0DD-2446-4DA8-8653-95FBBCF799B3}"/>
-              </a:ext>
-            </a:extLst>
-          </p:cNvPr>
-          <p:cNvCxnSpPr>
-            <a:cxnSpLocks/>
-            <a:stCxn id="35" idx="3"/>
-            <a:endCxn id="37" idx="1"/>
-          </p:cNvCxnSpPr>
-          <p:nvPr/>
-        </p:nvCxnSpPr>
-        <p:spPr>
-          <a:xfrm>
-            <a:off x="6493335" y="2438683"/>
-            <a:ext cx="3061322" cy="251817"/>
-          </a:xfrm>
-          <a:prstGeom prst="curvedConnector3">
-            <a:avLst>
-              <a:gd name="adj1" fmla="val 50000"/>
-            </a:avLst>
-          </a:prstGeom>
-          <a:noFill/>
-          <a:ln w="38100" cap="flat" cmpd="sng" algn="ctr">
-            <a:solidFill>
-              <a:srgbClr val="F38C37"/>
-            </a:solidFill>
-            <a:prstDash val="solid"/>
-            <a:tailEnd type="arrow"/>
-          </a:ln>
-          <a:effectLst>
-            <a:outerShdw blurRad="65500" dist="38100" dir="5400000" rotWithShape="0">
-              <a:srgbClr val="000000">
-                <a:alpha val="40000"/>
-              </a:srgbClr>
-            </a:outerShdw>
-          </a:effectLst>
-        </p:spPr>
-      </p:cxnSp>
-      <p:sp>
-        <p:nvSpPr>
-          <p:cNvPr id="42" name="Right Arrow 4">
-            <a:extLst>
-              <a:ext uri="{FF2B5EF4-FFF2-40B4-BE49-F238E27FC236}">
-                <a16:creationId xmlns:a16="http://schemas.microsoft.com/office/drawing/2014/main" id="{E195B8FB-D722-4DEA-BE3D-CA87BD8A2C54}"/>
-              </a:ext>
-            </a:extLst>
-          </p:cNvPr>
-          <p:cNvSpPr/>
-          <p:nvPr/>
-        </p:nvSpPr>
-        <p:spPr bwMode="auto">
-          <a:xfrm>
-            <a:off x="2124146" y="1718424"/>
-            <a:ext cx="2121896" cy="1302579"/>
-          </a:xfrm>
-          <a:prstGeom prst="rightArrow">
-            <a:avLst/>
-          </a:prstGeom>
-          <a:gradFill rotWithShape="1">
-            <a:gsLst>
-              <a:gs pos="0">
-                <a:srgbClr val="F38C37">
-                  <a:shade val="45000"/>
-                  <a:satMod val="155000"/>
-                </a:srgbClr>
-              </a:gs>
-              <a:gs pos="60000">
-                <a:srgbClr val="F38C37">
-                  <a:shade val="95000"/>
-                  <a:satMod val="150000"/>
-                </a:srgbClr>
-              </a:gs>
-              <a:gs pos="100000">
-                <a:srgbClr val="F38C37">
-                  <a:tint val="87000"/>
-                  <a:satMod val="250000"/>
-                </a:srgbClr>
-              </a:gs>
-            </a:gsLst>
-            <a:lin ang="16200000" scaled="0"/>
-          </a:gradFill>
-          <a:ln w="9525" cap="flat" cmpd="sng" algn="ctr">
-            <a:solidFill>
-              <a:srgbClr val="F38C37">
-                <a:satMod val="150000"/>
-              </a:srgbClr>
-            </a:solidFill>
-            <a:prstDash val="solid"/>
-            <a:headEnd type="none" w="med" len="med"/>
-            <a:tailEnd type="none" w="med" len="med"/>
-          </a:ln>
-          <a:effectLst>
-            <a:outerShdw blurRad="65500" dist="38100" dir="5400000" rotWithShape="0">
-              <a:srgbClr val="000000">
-                <a:alpha val="40000"/>
-              </a:srgbClr>
-            </a:outerShdw>
-          </a:effectLst>
-        </p:spPr>
-        <p:txBody>
-          <a:bodyPr vert="horz" wrap="square" lIns="121915" tIns="60957" rIns="121915" bIns="60957" numCol="1" rtlCol="0" anchor="ctr" anchorCtr="0" compatLnSpc="1">
-            <a:prstTxWarp prst="textNoShape">
-              <a:avLst/>
-            </a:prstTxWarp>
-          </a:bodyPr>
-          <a:lstStyle/>
-          <a:p>
-            <a:pPr algn="ctr" defTabSz="1218768" fontAlgn="base">
-              <a:spcBef>
-                <a:spcPct val="0"/>
-              </a:spcBef>
-              <a:spcAft>
-                <a:spcPct val="0"/>
-              </a:spcAft>
-              <a:defRPr/>
-            </a:pPr>
-            <a:r>
-              <a:rPr lang="en-US" sz="2667" dirty="0">
-                <a:gradFill>
-                  <a:gsLst>
-                    <a:gs pos="0">
-                      <a:srgbClr val="FFFFFF"/>
-                    </a:gs>
-                    <a:gs pos="100000">
-                      <a:srgbClr val="FFFFFF"/>
-                    </a:gs>
-                  </a:gsLst>
-                  <a:lin ang="5400000" scaled="0"/>
-                </a:gradFill>
-                <a:latin typeface="Segoe UI"/>
-                <a:cs typeface="Arial"/>
-                <a:sym typeface="Arial"/>
-              </a:rPr>
-              <a:t>Data</a:t>
-            </a:r>
-          </a:p>
-        </p:txBody>
-      </p:sp>
-      <p:sp>
-        <p:nvSpPr>
-          <p:cNvPr id="45" name="Rectangle 44">
-            <a:extLst>
-              <a:ext uri="{FF2B5EF4-FFF2-40B4-BE49-F238E27FC236}">
-                <a16:creationId xmlns:a16="http://schemas.microsoft.com/office/drawing/2014/main" id="{4336ED9A-1B37-445D-BADD-1D4771070170}"/>
-              </a:ext>
-            </a:extLst>
-          </p:cNvPr>
-          <p:cNvSpPr/>
-          <p:nvPr/>
-        </p:nvSpPr>
-        <p:spPr>
-          <a:xfrm>
-            <a:off x="179811" y="3074362"/>
-            <a:ext cx="1543120" cy="415498"/>
-          </a:xfrm>
-          <a:prstGeom prst="rect">
-            <a:avLst/>
-          </a:prstGeom>
-        </p:spPr>
-        <p:txBody>
-          <a:bodyPr wrap="square" lIns="121920" tIns="60960" rIns="121920" bIns="60960" anchor="t">
-            <a:spAutoFit/>
-          </a:bodyPr>
-          <a:lstStyle/>
-          <a:p>
-            <a:pPr defTabSz="913904">
-              <a:lnSpc>
-                <a:spcPct val="95000"/>
-              </a:lnSpc>
-              <a:spcBef>
-                <a:spcPct val="0"/>
-              </a:spcBef>
-              <a:spcAft>
-                <a:spcPct val="0"/>
-              </a:spcAft>
-              <a:defRPr/>
-            </a:pPr>
-            <a:r>
-              <a:rPr lang="en-US" sz="1000" b="1" kern="0" spc="49">
-                <a:solidFill>
-                  <a:sysClr val="windowText" lastClr="000000"/>
-                </a:solidFill>
-                <a:latin typeface="Segoe UI Semibold"/>
-                <a:cs typeface="Segoe UI Semibold"/>
-                <a:sym typeface="Arial"/>
-              </a:rPr>
-              <a:t>Florida Department Of Corrections</a:t>
-            </a:r>
-            <a:endParaRPr lang="en-US" sz="2400" kern="0">
-              <a:solidFill>
-                <a:sysClr val="windowText" lastClr="000000"/>
-              </a:solidFill>
-              <a:latin typeface="Arial"/>
-              <a:cs typeface="Arial"/>
-              <a:sym typeface="Arial"/>
-            </a:endParaRPr>
-          </a:p>
-        </p:txBody>
-      </p:sp>
-      <p:pic>
-        <p:nvPicPr>
-          <p:cNvPr id="46" name="Picture 45" descr="Logo&#10;&#10;Description automatically generated">
-            <a:extLst>
-              <a:ext uri="{FF2B5EF4-FFF2-40B4-BE49-F238E27FC236}">
-                <a16:creationId xmlns:a16="http://schemas.microsoft.com/office/drawing/2014/main" id="{A748A7AC-8454-4FDB-97AB-9DF5BF9AECCB}"/>
-              </a:ext>
-            </a:extLst>
-          </p:cNvPr>
-          <p:cNvPicPr>
-            <a:picLocks noChangeAspect="1"/>
-          </p:cNvPicPr>
-          <p:nvPr/>
-        </p:nvPicPr>
-        <p:blipFill>
-          <a:blip r:embed="rId5"/>
-          <a:stretch>
-            <a:fillRect/>
-          </a:stretch>
-        </p:blipFill>
-        <p:spPr>
-          <a:xfrm>
-            <a:off x="252146" y="1950641"/>
-            <a:ext cx="1014849" cy="1014849"/>
-          </a:xfrm>
-          <a:prstGeom prst="rect">
-            <a:avLst/>
-          </a:prstGeom>
-        </p:spPr>
-      </p:pic>
-      <p:grpSp>
-        <p:nvGrpSpPr>
-          <p:cNvPr id="47" name="Group 46">
-            <a:extLst>
-              <a:ext uri="{FF2B5EF4-FFF2-40B4-BE49-F238E27FC236}">
-                <a16:creationId xmlns:a16="http://schemas.microsoft.com/office/drawing/2014/main" id="{CE8F325B-880E-4F67-822A-D50070A32903}"/>
-              </a:ext>
-            </a:extLst>
-          </p:cNvPr>
-          <p:cNvGrpSpPr/>
-          <p:nvPr/>
-        </p:nvGrpSpPr>
-        <p:grpSpPr>
-          <a:xfrm>
-            <a:off x="10682655" y="2594942"/>
-            <a:ext cx="712054" cy="626116"/>
-            <a:chOff x="3434328" y="3336433"/>
-            <a:chExt cx="1059543" cy="925108"/>
-          </a:xfrm>
-        </p:grpSpPr>
-        <p:pic>
-          <p:nvPicPr>
-            <p:cNvPr id="48" name="Picture 47">
-              <a:extLst>
-                <a:ext uri="{FF2B5EF4-FFF2-40B4-BE49-F238E27FC236}">
-                  <a16:creationId xmlns:a16="http://schemas.microsoft.com/office/drawing/2014/main" id="{9C7C4555-0655-4FEC-9EC6-1023525826BB}"/>
-                </a:ext>
-              </a:extLst>
-            </p:cNvPr>
-            <p:cNvPicPr>
-              <a:picLocks noChangeAspect="1"/>
-            </p:cNvPicPr>
-            <p:nvPr/>
-          </p:nvPicPr>
-          <p:blipFill>
-            <a:blip r:embed="rId6" cstate="print">
-              <a:extLst>
-                <a:ext uri="{28A0092B-C50C-407E-A947-70E740481C1C}">
-                  <a14:useLocalDpi xmlns:a14="http://schemas.microsoft.com/office/drawing/2010/main"/>
-                </a:ext>
-              </a:extLst>
-            </a:blip>
-            <a:stretch>
-              <a:fillRect/>
-            </a:stretch>
-          </p:blipFill>
-          <p:spPr>
-            <a:xfrm>
-              <a:off x="3714959" y="3336433"/>
-              <a:ext cx="635521" cy="635521"/>
-            </a:xfrm>
-            <a:prstGeom prst="rect">
-              <a:avLst/>
-            </a:prstGeom>
-          </p:spPr>
-        </p:pic>
-        <p:sp>
-          <p:nvSpPr>
-            <p:cNvPr id="49" name="Rectangle 48">
-              <a:extLst>
-                <a:ext uri="{FF2B5EF4-FFF2-40B4-BE49-F238E27FC236}">
-                  <a16:creationId xmlns:a16="http://schemas.microsoft.com/office/drawing/2014/main" id="{27341FE6-CDE5-4289-A3DC-AFA6994853DA}"/>
-                </a:ext>
-              </a:extLst>
-            </p:cNvPr>
-            <p:cNvSpPr/>
-            <p:nvPr/>
-          </p:nvSpPr>
-          <p:spPr>
-            <a:xfrm>
-              <a:off x="3434328" y="3965953"/>
-              <a:ext cx="1059543" cy="295588"/>
-            </a:xfrm>
-            <a:prstGeom prst="rect">
-              <a:avLst/>
-            </a:prstGeom>
-          </p:spPr>
-          <p:txBody>
-            <a:bodyPr wrap="none">
-              <a:spAutoFit/>
-            </a:bodyPr>
-            <a:lstStyle/>
-            <a:p>
-              <a:pPr algn="ctr" defTabSz="932215"/>
-              <a:r>
-                <a:rPr lang="en-US" sz="700" kern="0">
-                  <a:solidFill>
-                    <a:prstClr val="white">
-                      <a:lumMod val="50000"/>
-                    </a:prstClr>
-                  </a:solidFill>
-                  <a:latin typeface="Segoe UI Semibold" panose="020B0702040204020203" pitchFamily="34" charset="0"/>
-                  <a:ea typeface="MS PGothic" panose="020B0600070205080204" pitchFamily="34" charset="-128"/>
-                  <a:cs typeface="Segoe UI Semibold" panose="020B0702040204020203" pitchFamily="34" charset="0"/>
-                  <a:sym typeface="Arial"/>
-                </a:rPr>
-                <a:t>AZURE SQL DB</a:t>
-              </a:r>
-            </a:p>
-          </p:txBody>
-        </p:sp>
-      </p:grpSp>
-      <p:sp>
-        <p:nvSpPr>
-          <p:cNvPr id="75" name="Rounded Rectangle 9">
-            <a:extLst>
-              <a:ext uri="{FF2B5EF4-FFF2-40B4-BE49-F238E27FC236}">
-                <a16:creationId xmlns:a16="http://schemas.microsoft.com/office/drawing/2014/main" id="{9674BA3A-0E9A-49E1-AE32-D93E79E3878C}"/>
-              </a:ext>
-            </a:extLst>
-          </p:cNvPr>
-          <p:cNvSpPr/>
-          <p:nvPr/>
-        </p:nvSpPr>
-        <p:spPr bwMode="auto">
-          <a:xfrm>
-            <a:off x="2234722" y="3130115"/>
-            <a:ext cx="3532798" cy="3380809"/>
-          </a:xfrm>
-          <a:prstGeom prst="roundRect">
-            <a:avLst/>
-          </a:prstGeom>
-          <a:solidFill>
-            <a:srgbClr val="0070C0"/>
-          </a:solidFill>
-          <a:ln w="9525" cap="flat" cmpd="sng" algn="ctr">
-            <a:solidFill>
-              <a:srgbClr val="3A94D2">
-                <a:satMod val="150000"/>
-              </a:srgbClr>
-            </a:solidFill>
-            <a:prstDash val="solid"/>
-            <a:headEnd type="none" w="med" len="med"/>
-            <a:tailEnd type="none" w="med" len="med"/>
-          </a:ln>
-          <a:effectLst>
-            <a:outerShdw blurRad="65500" dist="38100" dir="5400000" rotWithShape="0">
-              <a:srgbClr val="000000">
-                <a:alpha val="40000"/>
-              </a:srgbClr>
-            </a:outerShdw>
-          </a:effectLst>
-        </p:spPr>
-        <p:txBody>
-          <a:bodyPr vert="horz" wrap="square" lIns="121915" tIns="60957" rIns="121915" bIns="60957" numCol="1" rtlCol="0" anchor="ctr" anchorCtr="0" compatLnSpc="1">
-            <a:prstTxWarp prst="textNoShape">
-              <a:avLst/>
-            </a:prstTxWarp>
-          </a:bodyPr>
-          <a:lstStyle/>
-          <a:p>
-            <a:pPr algn="ctr" defTabSz="1218768" fontAlgn="base">
-              <a:spcBef>
-                <a:spcPct val="0"/>
-              </a:spcBef>
-              <a:spcAft>
-                <a:spcPct val="0"/>
-              </a:spcAft>
-              <a:defRPr/>
-            </a:pPr>
-            <a:endParaRPr lang="en-US" sz="2667">
-              <a:gradFill>
-                <a:gsLst>
-                  <a:gs pos="0">
-                    <a:srgbClr val="FFFFFF"/>
-                  </a:gs>
-                  <a:gs pos="100000">
-                    <a:srgbClr val="FFFFFF"/>
-                  </a:gs>
-                </a:gsLst>
-                <a:lin ang="5400000" scaled="0"/>
-              </a:gradFill>
-              <a:latin typeface="Segoe UI"/>
-              <a:cs typeface="Arial"/>
-              <a:sym typeface="Arial"/>
-            </a:endParaRPr>
-          </a:p>
-        </p:txBody>
-      </p:sp>
-      <p:sp>
-        <p:nvSpPr>
-          <p:cNvPr id="34" name="Rounded Rectangle 9">
-            <a:extLst>
-              <a:ext uri="{FF2B5EF4-FFF2-40B4-BE49-F238E27FC236}">
-                <a16:creationId xmlns:a16="http://schemas.microsoft.com/office/drawing/2014/main" id="{9EB20502-41DD-48A2-942C-6D25D0C18D73}"/>
-              </a:ext>
-            </a:extLst>
-          </p:cNvPr>
-          <p:cNvSpPr/>
-          <p:nvPr/>
-        </p:nvSpPr>
-        <p:spPr bwMode="auto">
-          <a:xfrm>
-            <a:off x="6306296" y="3423555"/>
-            <a:ext cx="1819621" cy="899236"/>
-          </a:xfrm>
-          <a:prstGeom prst="roundRect">
-            <a:avLst/>
-          </a:prstGeom>
-          <a:gradFill rotWithShape="1">
-            <a:gsLst>
-              <a:gs pos="0">
-                <a:srgbClr val="3A94D2">
-                  <a:tint val="65000"/>
-                  <a:satMod val="270000"/>
-                </a:srgbClr>
-              </a:gs>
-              <a:gs pos="25000">
-                <a:srgbClr val="3A94D2">
-                  <a:tint val="60000"/>
-                  <a:satMod val="300000"/>
-                </a:srgbClr>
-              </a:gs>
-              <a:gs pos="100000">
-                <a:srgbClr val="3A94D2">
-                  <a:tint val="29000"/>
-                  <a:satMod val="400000"/>
-                </a:srgbClr>
-              </a:gs>
-            </a:gsLst>
-            <a:lin ang="16200000" scaled="1"/>
-          </a:gradFill>
-          <a:ln w="9525" cap="flat" cmpd="sng" algn="ctr">
-            <a:solidFill>
-              <a:srgbClr val="3A94D2">
-                <a:satMod val="150000"/>
-              </a:srgbClr>
-            </a:solidFill>
-            <a:prstDash val="solid"/>
-            <a:headEnd type="none" w="med" len="med"/>
-            <a:tailEnd type="none" w="med" len="med"/>
-          </a:ln>
-          <a:effectLst>
-            <a:outerShdw blurRad="65500" dist="38100" dir="5400000" rotWithShape="0">
-              <a:srgbClr val="000000">
-                <a:alpha val="40000"/>
-              </a:srgbClr>
-            </a:outerShdw>
-          </a:effectLst>
-        </p:spPr>
-        <p:txBody>
-          <a:bodyPr vert="horz" wrap="square" lIns="121915" tIns="60957" rIns="121915" bIns="60957" numCol="1" rtlCol="0" anchor="ctr" anchorCtr="0" compatLnSpc="1">
-            <a:prstTxWarp prst="textNoShape">
-              <a:avLst/>
-            </a:prstTxWarp>
-          </a:bodyPr>
-          <a:lstStyle/>
-          <a:p>
-            <a:pPr algn="ctr" defTabSz="1218768" fontAlgn="base">
-              <a:spcBef>
-                <a:spcPct val="0"/>
-              </a:spcBef>
-              <a:spcAft>
-                <a:spcPct val="0"/>
-              </a:spcAft>
-              <a:defRPr/>
-            </a:pPr>
-            <a:r>
-              <a:rPr lang="en-US" sz="2133" dirty="0">
-                <a:gradFill>
-                  <a:gsLst>
-                    <a:gs pos="0">
-                      <a:srgbClr val="FFFFFF"/>
-                    </a:gs>
-                    <a:gs pos="100000">
-                      <a:srgbClr val="FFFFFF"/>
-                    </a:gs>
-                  </a:gsLst>
-                  <a:lin ang="5400000" scaled="0"/>
-                </a:gradFill>
-                <a:latin typeface="Segoe UI"/>
-                <a:cs typeface="Arial"/>
-                <a:sym typeface="Arial"/>
-              </a:rPr>
-              <a:t>Baseline Model</a:t>
-            </a:r>
-          </a:p>
-        </p:txBody>
-      </p:sp>
-      <p:sp>
-        <p:nvSpPr>
-          <p:cNvPr id="71" name="Rounded Rectangle 9">
-            <a:extLst>
-              <a:ext uri="{FF2B5EF4-FFF2-40B4-BE49-F238E27FC236}">
-                <a16:creationId xmlns:a16="http://schemas.microsoft.com/office/drawing/2014/main" id="{6BF56292-A7B3-4DF0-B035-61FC17AE1423}"/>
-              </a:ext>
-            </a:extLst>
-          </p:cNvPr>
-          <p:cNvSpPr/>
-          <p:nvPr/>
-        </p:nvSpPr>
-        <p:spPr bwMode="auto">
-          <a:xfrm>
-            <a:off x="2532183" y="4218826"/>
-            <a:ext cx="2932109" cy="1143046"/>
-          </a:xfrm>
-          <a:prstGeom prst="roundRect">
-            <a:avLst/>
-          </a:prstGeom>
-          <a:gradFill rotWithShape="1">
-            <a:gsLst>
-              <a:gs pos="0">
-                <a:srgbClr val="3A94D2">
-                  <a:tint val="65000"/>
-                  <a:satMod val="270000"/>
-                </a:srgbClr>
-              </a:gs>
-              <a:gs pos="25000">
-                <a:srgbClr val="3A94D2">
-                  <a:tint val="60000"/>
-                  <a:satMod val="300000"/>
-                </a:srgbClr>
-              </a:gs>
-              <a:gs pos="100000">
-                <a:srgbClr val="3A94D2">
-                  <a:tint val="29000"/>
-                  <a:satMod val="400000"/>
-                </a:srgbClr>
-              </a:gs>
-            </a:gsLst>
-            <a:lin ang="16200000" scaled="1"/>
-          </a:gradFill>
-          <a:ln w="9525" cap="flat" cmpd="sng" algn="ctr">
-            <a:solidFill>
-              <a:srgbClr val="3A94D2">
-                <a:satMod val="150000"/>
-              </a:srgbClr>
-            </a:solidFill>
-            <a:prstDash val="solid"/>
-            <a:headEnd type="none" w="med" len="med"/>
-            <a:tailEnd type="none" w="med" len="med"/>
-          </a:ln>
-          <a:effectLst>
-            <a:outerShdw blurRad="65500" dist="38100" dir="5400000" rotWithShape="0">
-              <a:srgbClr val="000000">
-                <a:alpha val="40000"/>
-              </a:srgbClr>
-            </a:outerShdw>
-          </a:effectLst>
-        </p:spPr>
-        <p:txBody>
-          <a:bodyPr vert="horz" wrap="square" lIns="121915" tIns="60957" rIns="121915" bIns="60957" numCol="1" rtlCol="0" anchor="ctr" anchorCtr="0" compatLnSpc="1">
-            <a:prstTxWarp prst="textNoShape">
-              <a:avLst/>
-            </a:prstTxWarp>
-          </a:bodyPr>
-          <a:lstStyle/>
-          <a:p>
-            <a:pPr algn="ctr" defTabSz="1218768" fontAlgn="base">
-              <a:spcBef>
-                <a:spcPct val="0"/>
-              </a:spcBef>
-              <a:spcAft>
-                <a:spcPct val="0"/>
-              </a:spcAft>
-              <a:defRPr/>
-            </a:pPr>
-            <a:r>
-              <a:rPr lang="en-US" sz="1400" dirty="0">
-                <a:gradFill>
-                  <a:gsLst>
-                    <a:gs pos="0">
-                      <a:srgbClr val="FFFFFF"/>
-                    </a:gs>
-                    <a:gs pos="100000">
-                      <a:srgbClr val="FFFFFF"/>
-                    </a:gs>
-                  </a:gsLst>
-                  <a:lin ang="5400000" scaled="0"/>
-                </a:gradFill>
-                <a:latin typeface="Segoe UI"/>
-                <a:cs typeface="Arial"/>
-                <a:sym typeface="Arial"/>
-              </a:rPr>
-              <a:t>Data transformation</a:t>
-            </a:r>
-          </a:p>
-          <a:p>
-            <a:pPr algn="ctr" defTabSz="1218768" fontAlgn="base">
-              <a:spcBef>
-                <a:spcPct val="0"/>
-              </a:spcBef>
-              <a:spcAft>
-                <a:spcPct val="0"/>
-              </a:spcAft>
-              <a:defRPr/>
-            </a:pPr>
-            <a:r>
-              <a:rPr lang="en-US" sz="1400" dirty="0">
-                <a:gradFill>
-                  <a:gsLst>
-                    <a:gs pos="0">
-                      <a:srgbClr val="FFFFFF"/>
-                    </a:gs>
-                    <a:gs pos="100000">
-                      <a:srgbClr val="FFFFFF"/>
-                    </a:gs>
-                  </a:gsLst>
-                  <a:lin ang="5400000" scaled="0"/>
-                </a:gradFill>
-                <a:latin typeface="Segoe UI"/>
-                <a:cs typeface="Arial"/>
-                <a:sym typeface="Arial"/>
-              </a:rPr>
-              <a:t>+</a:t>
-            </a:r>
-          </a:p>
-          <a:p>
-            <a:pPr algn="ctr" defTabSz="1218768" fontAlgn="base">
-              <a:spcBef>
-                <a:spcPct val="0"/>
-              </a:spcBef>
-              <a:spcAft>
-                <a:spcPct val="0"/>
-              </a:spcAft>
-              <a:defRPr/>
-            </a:pPr>
-            <a:r>
-              <a:rPr lang="en-US" sz="1400" dirty="0">
-                <a:gradFill>
-                  <a:gsLst>
-                    <a:gs pos="0">
-                      <a:srgbClr val="FFFFFF"/>
-                    </a:gs>
-                    <a:gs pos="100000">
-                      <a:srgbClr val="FFFFFF"/>
-                    </a:gs>
-                  </a:gsLst>
-                  <a:lin ang="5400000" scaled="0"/>
-                </a:gradFill>
-                <a:latin typeface="Segoe UI"/>
-                <a:cs typeface="Arial"/>
-                <a:sym typeface="Arial"/>
-              </a:rPr>
-              <a:t> normalization and regularization</a:t>
-            </a:r>
-          </a:p>
-        </p:txBody>
-      </p:sp>
-      <p:sp>
-        <p:nvSpPr>
-          <p:cNvPr id="72" name="Rounded Rectangle 9">
-            <a:extLst>
-              <a:ext uri="{FF2B5EF4-FFF2-40B4-BE49-F238E27FC236}">
-                <a16:creationId xmlns:a16="http://schemas.microsoft.com/office/drawing/2014/main" id="{197575A8-9740-4FC2-899F-EE9C14BD1C49}"/>
-              </a:ext>
-            </a:extLst>
-          </p:cNvPr>
-          <p:cNvSpPr/>
-          <p:nvPr/>
-        </p:nvSpPr>
-        <p:spPr bwMode="auto">
-          <a:xfrm>
-            <a:off x="6639547" y="5586012"/>
-            <a:ext cx="1847425" cy="612049"/>
-          </a:xfrm>
-          <a:prstGeom prst="roundRect">
-            <a:avLst/>
-          </a:prstGeom>
-          <a:gradFill rotWithShape="1">
-            <a:gsLst>
-              <a:gs pos="0">
-                <a:srgbClr val="3A94D2">
-                  <a:tint val="65000"/>
-                  <a:satMod val="270000"/>
-                </a:srgbClr>
-              </a:gs>
-              <a:gs pos="25000">
-                <a:srgbClr val="3A94D2">
-                  <a:tint val="60000"/>
-                  <a:satMod val="300000"/>
-                </a:srgbClr>
-              </a:gs>
-              <a:gs pos="100000">
-                <a:srgbClr val="3A94D2">
-                  <a:tint val="29000"/>
-                  <a:satMod val="400000"/>
-                </a:srgbClr>
-              </a:gs>
-            </a:gsLst>
-            <a:lin ang="16200000" scaled="1"/>
-          </a:gradFill>
-          <a:ln w="9525" cap="flat" cmpd="sng" algn="ctr">
-            <a:solidFill>
-              <a:srgbClr val="3A94D2">
-                <a:satMod val="150000"/>
-              </a:srgbClr>
-            </a:solidFill>
-            <a:prstDash val="solid"/>
-            <a:headEnd type="none" w="med" len="med"/>
-            <a:tailEnd type="none" w="med" len="med"/>
-          </a:ln>
-          <a:effectLst>
-            <a:outerShdw blurRad="65500" dist="38100" dir="5400000" rotWithShape="0">
-              <a:srgbClr val="000000">
-                <a:alpha val="40000"/>
-              </a:srgbClr>
-            </a:outerShdw>
-          </a:effectLst>
-        </p:spPr>
-        <p:txBody>
-          <a:bodyPr vert="horz" wrap="square" lIns="121915" tIns="60957" rIns="121915" bIns="60957" numCol="1" rtlCol="0" anchor="ctr" anchorCtr="0" compatLnSpc="1">
-            <a:prstTxWarp prst="textNoShape">
-              <a:avLst/>
-            </a:prstTxWarp>
-          </a:bodyPr>
-          <a:lstStyle/>
-          <a:p>
-            <a:pPr algn="ctr" defTabSz="1218768" fontAlgn="base">
-              <a:spcBef>
-                <a:spcPct val="0"/>
-              </a:spcBef>
-              <a:spcAft>
-                <a:spcPct val="0"/>
-              </a:spcAft>
-              <a:defRPr/>
-            </a:pPr>
-            <a:r>
-              <a:rPr lang="en-US" sz="1867" dirty="0">
-                <a:gradFill>
-                  <a:gsLst>
-                    <a:gs pos="0">
-                      <a:srgbClr val="FFFFFF"/>
-                    </a:gs>
-                    <a:gs pos="100000">
-                      <a:srgbClr val="FFFFFF"/>
-                    </a:gs>
-                  </a:gsLst>
-                  <a:lin ang="5400000" scaled="0"/>
-                </a:gradFill>
-                <a:latin typeface="Segoe UI"/>
-                <a:cs typeface="Arial"/>
-                <a:sym typeface="Arial"/>
-              </a:rPr>
-              <a:t>Predictive results</a:t>
-            </a:r>
-          </a:p>
-        </p:txBody>
-      </p:sp>
-      <p:cxnSp>
-        <p:nvCxnSpPr>
-          <p:cNvPr id="66" name="Curved Connector 24">
-            <a:extLst>
-              <a:ext uri="{FF2B5EF4-FFF2-40B4-BE49-F238E27FC236}">
-                <a16:creationId xmlns:a16="http://schemas.microsoft.com/office/drawing/2014/main" id="{89940E0E-B79C-456F-8189-161813E9AA4E}"/>
-              </a:ext>
-            </a:extLst>
-          </p:cNvPr>
-          <p:cNvCxnSpPr>
-            <a:cxnSpLocks/>
-            <a:stCxn id="37" idx="2"/>
-            <a:endCxn id="34" idx="3"/>
-          </p:cNvCxnSpPr>
-          <p:nvPr/>
-        </p:nvCxnSpPr>
-        <p:spPr>
-          <a:xfrm rot="5400000">
-            <a:off x="8715447" y="2540585"/>
-            <a:ext cx="743058" cy="1922118"/>
-          </a:xfrm>
-          <a:prstGeom prst="curvedConnector2">
-            <a:avLst/>
-          </a:prstGeom>
-          <a:noFill/>
-          <a:ln w="38100" cap="flat" cmpd="sng" algn="ctr">
-            <a:solidFill>
-              <a:srgbClr val="F38C37"/>
-            </a:solidFill>
-            <a:prstDash val="solid"/>
-            <a:tailEnd type="arrow"/>
-          </a:ln>
-          <a:effectLst>
-            <a:outerShdw blurRad="65500" dist="38100" dir="5400000" rotWithShape="0">
-              <a:srgbClr val="000000">
-                <a:alpha val="40000"/>
-              </a:srgbClr>
-            </a:outerShdw>
-          </a:effectLst>
-        </p:spPr>
-      </p:cxnSp>
-      <p:cxnSp>
-        <p:nvCxnSpPr>
-          <p:cNvPr id="82" name="Curved Connector 24">
-            <a:extLst>
-              <a:ext uri="{FF2B5EF4-FFF2-40B4-BE49-F238E27FC236}">
-                <a16:creationId xmlns:a16="http://schemas.microsoft.com/office/drawing/2014/main" id="{CC1FB462-6DE6-49AB-BAFB-20F5B84872A7}"/>
-              </a:ext>
-            </a:extLst>
-          </p:cNvPr>
-          <p:cNvCxnSpPr>
-            <a:cxnSpLocks/>
-            <a:endCxn id="72" idx="1"/>
-          </p:cNvCxnSpPr>
-          <p:nvPr/>
-        </p:nvCxnSpPr>
-        <p:spPr>
-          <a:xfrm flipV="1">
-            <a:off x="5681462" y="5892037"/>
-            <a:ext cx="958085" cy="362338"/>
-          </a:xfrm>
-          <a:prstGeom prst="curvedConnector3">
-            <a:avLst>
-              <a:gd name="adj1" fmla="val 50000"/>
-            </a:avLst>
-          </a:prstGeom>
-          <a:noFill/>
-          <a:ln w="38100" cap="flat" cmpd="sng" algn="ctr">
-            <a:solidFill>
-              <a:srgbClr val="F38C37"/>
-            </a:solidFill>
-            <a:prstDash val="solid"/>
-            <a:tailEnd type="arrow"/>
-          </a:ln>
-          <a:effectLst>
-            <a:outerShdw blurRad="65500" dist="38100" dir="5400000" rotWithShape="0">
-              <a:srgbClr val="000000">
-                <a:alpha val="40000"/>
-              </a:srgbClr>
-            </a:outerShdw>
-          </a:effectLst>
-        </p:spPr>
-      </p:cxnSp>
-      <p:pic>
-        <p:nvPicPr>
-          <p:cNvPr id="87" name="Picture 5" descr="C:\Users\torsteng\AppData\Local\Microsoft\Windows\Temporary Internet Files\Content.IE5\AP5NZ56T\MM900043784[1].gif">
-            <a:extLst>
-              <a:ext uri="{FF2B5EF4-FFF2-40B4-BE49-F238E27FC236}">
-                <a16:creationId xmlns:a16="http://schemas.microsoft.com/office/drawing/2014/main" id="{81D55396-65B9-4589-8E5F-B5CAA87D8AFE}"/>
-              </a:ext>
-            </a:extLst>
-          </p:cNvPr>
-          <p:cNvPicPr>
-            <a:picLocks noChangeAspect="1" noChangeArrowheads="1" noCrop="1"/>
-          </p:cNvPicPr>
-          <p:nvPr/>
-        </p:nvPicPr>
-        <p:blipFill>
-          <a:blip r:embed="rId7" cstate="print"/>
-          <a:srcRect/>
-          <a:stretch>
-            <a:fillRect/>
-          </a:stretch>
-        </p:blipFill>
-        <p:spPr bwMode="auto">
-          <a:xfrm>
-            <a:off x="9841500" y="5236056"/>
-            <a:ext cx="699912" cy="699912"/>
-          </a:xfrm>
-          <a:prstGeom prst="rect">
-            <a:avLst/>
-          </a:prstGeom>
-          <a:noFill/>
-        </p:spPr>
-      </p:pic>
-      <p:cxnSp>
-        <p:nvCxnSpPr>
-          <p:cNvPr id="88" name="Curved Connector 24">
-            <a:extLst>
-              <a:ext uri="{FF2B5EF4-FFF2-40B4-BE49-F238E27FC236}">
-                <a16:creationId xmlns:a16="http://schemas.microsoft.com/office/drawing/2014/main" id="{C5AF1ADE-6323-436D-952D-C06BA654DB7C}"/>
-              </a:ext>
-            </a:extLst>
-          </p:cNvPr>
-          <p:cNvCxnSpPr>
-            <a:cxnSpLocks/>
-            <a:stCxn id="72" idx="3"/>
-            <a:endCxn id="87" idx="1"/>
-          </p:cNvCxnSpPr>
-          <p:nvPr/>
-        </p:nvCxnSpPr>
-        <p:spPr>
-          <a:xfrm flipV="1">
-            <a:off x="8486972" y="5586012"/>
-            <a:ext cx="1354528" cy="306025"/>
-          </a:xfrm>
-          <a:prstGeom prst="curvedConnector3">
-            <a:avLst>
-              <a:gd name="adj1" fmla="val 50000"/>
-            </a:avLst>
-          </a:prstGeom>
-          <a:noFill/>
-          <a:ln w="38100" cap="flat" cmpd="sng" algn="ctr">
-            <a:solidFill>
-              <a:srgbClr val="F38C37"/>
-            </a:solidFill>
-            <a:prstDash val="solid"/>
-            <a:tailEnd type="arrow"/>
-          </a:ln>
-          <a:effectLst>
-            <a:outerShdw blurRad="65500" dist="38100" dir="5400000" rotWithShape="0">
-              <a:srgbClr val="000000">
-                <a:alpha val="40000"/>
-              </a:srgbClr>
-            </a:outerShdw>
-          </a:effectLst>
-        </p:spPr>
-      </p:cxnSp>
-      <p:grpSp>
-        <p:nvGrpSpPr>
-          <p:cNvPr id="44" name="Group 43">
-            <a:extLst>
-              <a:ext uri="{FF2B5EF4-FFF2-40B4-BE49-F238E27FC236}">
-                <a16:creationId xmlns:a16="http://schemas.microsoft.com/office/drawing/2014/main" id="{4AD7934F-42FD-4F4B-968B-76AE79ED9C32}"/>
-              </a:ext>
-            </a:extLst>
-          </p:cNvPr>
-          <p:cNvGrpSpPr/>
-          <p:nvPr/>
-        </p:nvGrpSpPr>
-        <p:grpSpPr>
-          <a:xfrm>
-            <a:off x="10762541" y="5326199"/>
-            <a:ext cx="712054" cy="626116"/>
-            <a:chOff x="3434328" y="3336433"/>
-            <a:chExt cx="1059543" cy="925108"/>
-          </a:xfrm>
-        </p:grpSpPr>
-        <p:pic>
-          <p:nvPicPr>
-            <p:cNvPr id="50" name="Picture 49">
-              <a:extLst>
-                <a:ext uri="{FF2B5EF4-FFF2-40B4-BE49-F238E27FC236}">
-                  <a16:creationId xmlns:a16="http://schemas.microsoft.com/office/drawing/2014/main" id="{A57D2CE6-668A-47DD-8342-392E6EF1A64B}"/>
-                </a:ext>
-              </a:extLst>
-            </p:cNvPr>
-            <p:cNvPicPr>
-              <a:picLocks noChangeAspect="1"/>
-            </p:cNvPicPr>
-            <p:nvPr/>
-          </p:nvPicPr>
-          <p:blipFill>
-            <a:blip r:embed="rId6" cstate="print">
-              <a:extLst>
-                <a:ext uri="{28A0092B-C50C-407E-A947-70E740481C1C}">
-                  <a14:useLocalDpi xmlns:a14="http://schemas.microsoft.com/office/drawing/2010/main"/>
-                </a:ext>
-              </a:extLst>
-            </a:blip>
-            <a:stretch>
-              <a:fillRect/>
-            </a:stretch>
-          </p:blipFill>
-          <p:spPr>
-            <a:xfrm>
-              <a:off x="3714959" y="3336433"/>
-              <a:ext cx="635521" cy="635521"/>
-            </a:xfrm>
-            <a:prstGeom prst="rect">
-              <a:avLst/>
-            </a:prstGeom>
-          </p:spPr>
-        </p:pic>
-        <p:sp>
-          <p:nvSpPr>
-            <p:cNvPr id="51" name="Rectangle 50">
-              <a:extLst>
-                <a:ext uri="{FF2B5EF4-FFF2-40B4-BE49-F238E27FC236}">
-                  <a16:creationId xmlns:a16="http://schemas.microsoft.com/office/drawing/2014/main" id="{7C082D8F-F0EE-40BA-B9B0-135B55120263}"/>
-                </a:ext>
-              </a:extLst>
-            </p:cNvPr>
-            <p:cNvSpPr/>
-            <p:nvPr/>
-          </p:nvSpPr>
-          <p:spPr>
-            <a:xfrm>
-              <a:off x="3434328" y="3965953"/>
-              <a:ext cx="1059543" cy="295588"/>
-            </a:xfrm>
-            <a:prstGeom prst="rect">
-              <a:avLst/>
-            </a:prstGeom>
-          </p:spPr>
-          <p:txBody>
-            <a:bodyPr wrap="none">
-              <a:spAutoFit/>
-            </a:bodyPr>
-            <a:lstStyle/>
-            <a:p>
-              <a:pPr algn="ctr" defTabSz="932215"/>
-              <a:r>
-                <a:rPr lang="en-US" sz="700" kern="0">
-                  <a:solidFill>
-                    <a:prstClr val="white">
-                      <a:lumMod val="50000"/>
-                    </a:prstClr>
-                  </a:solidFill>
-                  <a:latin typeface="Segoe UI Semibold" panose="020B0702040204020203" pitchFamily="34" charset="0"/>
-                  <a:ea typeface="MS PGothic" panose="020B0600070205080204" pitchFamily="34" charset="-128"/>
-                  <a:cs typeface="Segoe UI Semibold" panose="020B0702040204020203" pitchFamily="34" charset="0"/>
-                  <a:sym typeface="Arial"/>
-                </a:rPr>
-                <a:t>AZURE SQL DB</a:t>
-              </a:r>
-            </a:p>
-          </p:txBody>
-        </p:sp>
-      </p:grpSp>
-      <p:cxnSp>
-        <p:nvCxnSpPr>
-          <p:cNvPr id="54" name="Curved Connector 24">
-            <a:extLst>
-              <a:ext uri="{FF2B5EF4-FFF2-40B4-BE49-F238E27FC236}">
-                <a16:creationId xmlns:a16="http://schemas.microsoft.com/office/drawing/2014/main" id="{76077CA1-E925-E24B-BA9C-73E170126708}"/>
-              </a:ext>
-            </a:extLst>
-          </p:cNvPr>
-          <p:cNvCxnSpPr>
-            <a:cxnSpLocks/>
-          </p:cNvCxnSpPr>
-          <p:nvPr/>
-        </p:nvCxnSpPr>
-        <p:spPr>
-          <a:xfrm rot="10800000" flipV="1">
-            <a:off x="5769143" y="4350288"/>
-            <a:ext cx="1207412" cy="705558"/>
-          </a:xfrm>
-          <a:prstGeom prst="curvedConnector3">
-            <a:avLst>
-              <a:gd name="adj1" fmla="val 50000"/>
-            </a:avLst>
-          </a:prstGeom>
-          <a:noFill/>
-          <a:ln w="38100" cap="flat" cmpd="sng" algn="ctr">
-            <a:solidFill>
-              <a:srgbClr val="F38C37"/>
-            </a:solidFill>
-            <a:prstDash val="solid"/>
-            <a:tailEnd type="arrow"/>
-          </a:ln>
-          <a:effectLst>
-            <a:outerShdw blurRad="65500" dist="38100" dir="5400000" rotWithShape="0">
-              <a:srgbClr val="000000">
-                <a:alpha val="40000"/>
-              </a:srgbClr>
-            </a:outerShdw>
-          </a:effectLst>
-        </p:spPr>
-      </p:cxnSp>
-      <p:sp>
-        <p:nvSpPr>
-          <p:cNvPr id="60" name="Rounded Rectangle 9">
-            <a:extLst>
-              <a:ext uri="{FF2B5EF4-FFF2-40B4-BE49-F238E27FC236}">
-                <a16:creationId xmlns:a16="http://schemas.microsoft.com/office/drawing/2014/main" id="{D6D39AB6-0DEC-41FD-8964-7F83BBBFCDAC}"/>
-              </a:ext>
-            </a:extLst>
-          </p:cNvPr>
-          <p:cNvSpPr/>
-          <p:nvPr/>
-        </p:nvSpPr>
-        <p:spPr bwMode="auto">
-          <a:xfrm>
-            <a:off x="2556887" y="3328781"/>
-            <a:ext cx="2880433" cy="769858"/>
-          </a:xfrm>
-          <a:prstGeom prst="roundRect">
-            <a:avLst/>
-          </a:prstGeom>
-          <a:gradFill rotWithShape="1">
-            <a:gsLst>
-              <a:gs pos="0">
-                <a:srgbClr val="3A94D2">
-                  <a:tint val="65000"/>
-                  <a:satMod val="270000"/>
-                </a:srgbClr>
-              </a:gs>
-              <a:gs pos="25000">
-                <a:srgbClr val="3A94D2">
-                  <a:tint val="60000"/>
-                  <a:satMod val="300000"/>
-                </a:srgbClr>
-              </a:gs>
-              <a:gs pos="100000">
-                <a:srgbClr val="3A94D2">
-                  <a:tint val="29000"/>
-                  <a:satMod val="400000"/>
-                </a:srgbClr>
-              </a:gs>
-            </a:gsLst>
-            <a:lin ang="16200000" scaled="1"/>
-          </a:gradFill>
-          <a:ln w="9525" cap="flat" cmpd="sng" algn="ctr">
-            <a:solidFill>
-              <a:srgbClr val="3A94D2">
-                <a:satMod val="150000"/>
-              </a:srgbClr>
-            </a:solidFill>
-            <a:prstDash val="solid"/>
-            <a:headEnd type="none" w="med" len="med"/>
-            <a:tailEnd type="none" w="med" len="med"/>
-          </a:ln>
-          <a:effectLst>
-            <a:outerShdw blurRad="65500" dist="38100" dir="5400000" rotWithShape="0">
-              <a:srgbClr val="000000">
-                <a:alpha val="40000"/>
-              </a:srgbClr>
-            </a:outerShdw>
-          </a:effectLst>
-        </p:spPr>
-        <p:txBody>
-          <a:bodyPr vert="horz" wrap="square" lIns="121915" tIns="60957" rIns="121915" bIns="60957" numCol="1" rtlCol="0" anchor="ctr" anchorCtr="0" compatLnSpc="1">
-            <a:prstTxWarp prst="textNoShape">
-              <a:avLst/>
-            </a:prstTxWarp>
-          </a:bodyPr>
-          <a:lstStyle/>
-          <a:p>
-            <a:pPr algn="ctr" defTabSz="1218768" fontAlgn="base">
-              <a:spcBef>
-                <a:spcPct val="0"/>
-              </a:spcBef>
-              <a:spcAft>
-                <a:spcPct val="0"/>
-              </a:spcAft>
-              <a:defRPr/>
-            </a:pPr>
-            <a:r>
-              <a:rPr lang="en-US" sz="1400" dirty="0">
-                <a:gradFill>
-                  <a:gsLst>
-                    <a:gs pos="0">
-                      <a:srgbClr val="FFFFFF"/>
-                    </a:gs>
-                    <a:gs pos="100000">
-                      <a:srgbClr val="FFFFFF"/>
-                    </a:gs>
-                  </a:gsLst>
-                  <a:lin ang="5400000" scaled="0"/>
-                </a:gradFill>
-                <a:latin typeface="Segoe UI"/>
-                <a:cs typeface="Arial"/>
-                <a:sym typeface="Arial"/>
-              </a:rPr>
-              <a:t>Feature Selection</a:t>
-            </a:r>
-          </a:p>
-          <a:p>
-            <a:pPr algn="ctr" defTabSz="1218768" fontAlgn="base">
-              <a:spcBef>
-                <a:spcPct val="0"/>
-              </a:spcBef>
-              <a:spcAft>
-                <a:spcPct val="0"/>
-              </a:spcAft>
-              <a:defRPr/>
-            </a:pPr>
-            <a:r>
-              <a:rPr lang="en-US" sz="1400" dirty="0">
-                <a:gradFill>
-                  <a:gsLst>
-                    <a:gs pos="0">
-                      <a:srgbClr val="FFFFFF"/>
-                    </a:gs>
-                    <a:gs pos="100000">
-                      <a:srgbClr val="FFFFFF"/>
-                    </a:gs>
-                  </a:gsLst>
-                  <a:lin ang="5400000" scaled="0"/>
-                </a:gradFill>
-                <a:latin typeface="Segoe UI"/>
-                <a:cs typeface="Arial"/>
-                <a:sym typeface="Arial"/>
-              </a:rPr>
-              <a:t>+</a:t>
-            </a:r>
-            <a:endParaRPr lang="en-US" sz="1400" dirty="0">
-              <a:gradFill>
-                <a:gsLst>
-                  <a:gs pos="0">
-                    <a:srgbClr val="FFFFFF"/>
-                  </a:gs>
-                  <a:gs pos="100000">
-                    <a:srgbClr val="FFFFFF"/>
-                  </a:gs>
-                </a:gsLst>
-                <a:lin ang="5400000" scaled="0"/>
-              </a:gradFill>
-              <a:latin typeface="Segoe UI"/>
-              <a:cs typeface="Segoe UI"/>
-              <a:sym typeface="Arial"/>
-            </a:endParaRPr>
-          </a:p>
-          <a:p>
-            <a:pPr algn="ctr" defTabSz="1218768" fontAlgn="base">
-              <a:spcBef>
-                <a:spcPct val="0"/>
-              </a:spcBef>
-              <a:spcAft>
-                <a:spcPct val="0"/>
-              </a:spcAft>
-              <a:defRPr/>
-            </a:pPr>
-            <a:r>
-              <a:rPr lang="en-US" sz="1400" dirty="0">
-                <a:gradFill>
-                  <a:gsLst>
-                    <a:gs pos="0">
-                      <a:srgbClr val="FFFFFF"/>
-                    </a:gs>
-                    <a:gs pos="100000">
-                      <a:srgbClr val="FFFFFF"/>
-                    </a:gs>
-                  </a:gsLst>
-                  <a:lin ang="5400000" scaled="0"/>
-                </a:gradFill>
-                <a:latin typeface="Segoe UI"/>
-                <a:cs typeface="Arial"/>
-                <a:sym typeface="Arial"/>
-              </a:rPr>
-              <a:t>Feature Engineering</a:t>
-            </a:r>
-            <a:endParaRPr lang="en-US" sz="1400" dirty="0">
-              <a:gradFill>
-                <a:gsLst>
-                  <a:gs pos="0">
-                    <a:srgbClr val="FFFFFF"/>
-                  </a:gs>
-                  <a:gs pos="100000">
-                    <a:srgbClr val="FFFFFF"/>
-                  </a:gs>
-                </a:gsLst>
-                <a:lin ang="5400000" scaled="0"/>
-              </a:gradFill>
-              <a:latin typeface="Segoe UI"/>
-              <a:cs typeface="Segoe UI"/>
-              <a:sym typeface="Arial"/>
-            </a:endParaRPr>
-          </a:p>
-        </p:txBody>
-      </p:sp>
-      <p:sp>
-        <p:nvSpPr>
-          <p:cNvPr id="70" name="Rounded Rectangle 9">
-            <a:extLst>
-              <a:ext uri="{FF2B5EF4-FFF2-40B4-BE49-F238E27FC236}">
-                <a16:creationId xmlns:a16="http://schemas.microsoft.com/office/drawing/2014/main" id="{02EE376C-BD40-4EBD-B404-0AF9EDDF9184}"/>
-              </a:ext>
-            </a:extLst>
-          </p:cNvPr>
-          <p:cNvSpPr/>
-          <p:nvPr/>
-        </p:nvSpPr>
-        <p:spPr bwMode="auto">
-          <a:xfrm>
-            <a:off x="2556887" y="5435337"/>
-            <a:ext cx="2907405" cy="819038"/>
-          </a:xfrm>
-          <a:prstGeom prst="roundRect">
-            <a:avLst/>
-          </a:prstGeom>
-          <a:gradFill rotWithShape="1">
-            <a:gsLst>
-              <a:gs pos="0">
-                <a:srgbClr val="3A94D2">
-                  <a:tint val="65000"/>
-                  <a:satMod val="270000"/>
-                </a:srgbClr>
-              </a:gs>
-              <a:gs pos="25000">
-                <a:srgbClr val="3A94D2">
-                  <a:tint val="60000"/>
-                  <a:satMod val="300000"/>
-                </a:srgbClr>
-              </a:gs>
-              <a:gs pos="100000">
-                <a:srgbClr val="3A94D2">
-                  <a:tint val="29000"/>
-                  <a:satMod val="400000"/>
-                </a:srgbClr>
-              </a:gs>
-            </a:gsLst>
-            <a:lin ang="16200000" scaled="1"/>
-          </a:gradFill>
-          <a:ln w="9525" cap="flat" cmpd="sng" algn="ctr">
-            <a:solidFill>
-              <a:srgbClr val="3A94D2">
-                <a:satMod val="150000"/>
-              </a:srgbClr>
-            </a:solidFill>
-            <a:prstDash val="solid"/>
-            <a:headEnd type="none" w="med" len="med"/>
-            <a:tailEnd type="none" w="med" len="med"/>
-          </a:ln>
-          <a:effectLst>
-            <a:outerShdw blurRad="65500" dist="38100" dir="5400000" rotWithShape="0">
-              <a:srgbClr val="000000">
-                <a:alpha val="40000"/>
-              </a:srgbClr>
-            </a:outerShdw>
-          </a:effectLst>
-        </p:spPr>
-        <p:txBody>
-          <a:bodyPr vert="horz" wrap="square" lIns="121915" tIns="60957" rIns="121915" bIns="60957" numCol="1" rtlCol="0" anchor="ctr" anchorCtr="0" compatLnSpc="1">
-            <a:prstTxWarp prst="textNoShape">
-              <a:avLst/>
-            </a:prstTxWarp>
-          </a:bodyPr>
-          <a:lstStyle/>
-          <a:p>
-            <a:pPr algn="ctr" defTabSz="1218768" fontAlgn="base">
-              <a:spcBef>
-                <a:spcPct val="0"/>
-              </a:spcBef>
-              <a:spcAft>
-                <a:spcPct val="0"/>
-              </a:spcAft>
-              <a:defRPr/>
-            </a:pPr>
-            <a:r>
-              <a:rPr lang="en-US" sz="1400" dirty="0">
-                <a:gradFill>
-                  <a:gsLst>
-                    <a:gs pos="0">
-                      <a:srgbClr val="FFFFFF"/>
-                    </a:gs>
-                    <a:gs pos="100000">
-                      <a:srgbClr val="FFFFFF"/>
-                    </a:gs>
-                  </a:gsLst>
-                  <a:lin ang="5400000" scaled="0"/>
-                </a:gradFill>
-                <a:latin typeface="Segoe UI"/>
-                <a:cs typeface="Arial"/>
-                <a:sym typeface="Arial"/>
-              </a:rPr>
-              <a:t>Model Configuration</a:t>
-            </a:r>
-          </a:p>
-          <a:p>
-            <a:pPr algn="ctr" defTabSz="1218768" fontAlgn="base">
-              <a:spcBef>
-                <a:spcPct val="0"/>
-              </a:spcBef>
-              <a:spcAft>
-                <a:spcPct val="0"/>
-              </a:spcAft>
-              <a:defRPr/>
-            </a:pPr>
-            <a:r>
-              <a:rPr lang="en-US" sz="1400" dirty="0">
-                <a:gradFill>
-                  <a:gsLst>
-                    <a:gs pos="0">
-                      <a:srgbClr val="FFFFFF"/>
-                    </a:gs>
-                    <a:gs pos="100000">
-                      <a:srgbClr val="FFFFFF"/>
-                    </a:gs>
-                  </a:gsLst>
-                  <a:lin ang="5400000" scaled="0"/>
-                </a:gradFill>
-                <a:latin typeface="Segoe UI"/>
-                <a:cs typeface="Arial"/>
-                <a:sym typeface="Arial"/>
-              </a:rPr>
-              <a:t>+</a:t>
-            </a:r>
-          </a:p>
-          <a:p>
-            <a:pPr algn="ctr" defTabSz="1218768" fontAlgn="base">
-              <a:spcBef>
-                <a:spcPct val="0"/>
-              </a:spcBef>
-              <a:spcAft>
-                <a:spcPct val="0"/>
-              </a:spcAft>
-              <a:defRPr/>
-            </a:pPr>
-            <a:r>
-              <a:rPr lang="en-US" sz="1400" dirty="0">
-                <a:gradFill>
-                  <a:gsLst>
-                    <a:gs pos="0">
-                      <a:srgbClr val="FFFFFF"/>
-                    </a:gs>
-                    <a:gs pos="100000">
-                      <a:srgbClr val="FFFFFF"/>
-                    </a:gs>
-                  </a:gsLst>
-                  <a:lin ang="5400000" scaled="0"/>
-                </a:gradFill>
-                <a:latin typeface="Segoe UI"/>
-                <a:cs typeface="Arial"/>
-                <a:sym typeface="Arial"/>
-              </a:rPr>
-              <a:t>Hyper-Parameter Tuning</a:t>
-            </a:r>
-          </a:p>
-        </p:txBody>
-      </p:sp>
-    </p:spTree>
-    <p:extLst>
-      <p:ext uri="{BB962C8B-B14F-4D97-AF65-F5344CB8AC3E}">
-        <p14:creationId xmlns:p14="http://schemas.microsoft.com/office/powerpoint/2010/main" val="4160911636"/>
-      </p:ext>
-    </p:extLst>
-  </p:cSld>
-  <p:clrMapOvr>
-    <a:masterClrMapping/>
-  </p:clrMapOvr>
-</p:sld>
-</file>
-
-<file path=ppt/slides/slide7.xml><?xml version="1.0" encoding="utf-8"?>
-<p:sld xmlns:a="http://schemas.openxmlformats.org/drawingml/2006/main" xmlns:r="http://schemas.openxmlformats.org/officeDocument/2006/relationships" xmlns:p="http://schemas.openxmlformats.org/presentationml/2006/main">
-  <p:cSld>
-    <p:spTree>
-      <p:nvGrpSpPr>
-        <p:cNvPr id="1" name="Shape 651"/>
-        <p:cNvGrpSpPr/>
-        <p:nvPr/>
-      </p:nvGrpSpPr>
-      <p:grpSpPr>
-        <a:xfrm>
-          <a:off x="0" y="0"/>
-          <a:ext cx="0" cy="0"/>
-          <a:chOff x="0" y="0"/>
-          <a:chExt cx="0" cy="0"/>
-        </a:xfrm>
-      </p:grpSpPr>
-      <p:sp>
-        <p:nvSpPr>
-          <p:cNvPr id="658" name="Google Shape;658;p47"/>
-          <p:cNvSpPr txBox="1">
-            <a:spLocks noGrp="1"/>
-          </p:cNvSpPr>
-          <p:nvPr>
-            <p:ph type="ctrTitle"/>
-          </p:nvPr>
-        </p:nvSpPr>
-        <p:spPr>
-          <a:xfrm>
-            <a:off x="1199881" y="189949"/>
-            <a:ext cx="9025200" cy="874000"/>
-          </a:xfrm>
-          <a:prstGeom prst="rect">
-            <a:avLst/>
-          </a:prstGeom>
-        </p:spPr>
-        <p:txBody>
-          <a:bodyPr spcFirstLastPara="1" wrap="square" lIns="121900" tIns="121900" rIns="121900" bIns="121900" anchor="t" anchorCtr="0">
-            <a:noAutofit/>
-          </a:bodyPr>
-          <a:lstStyle/>
-          <a:p>
-            <a:r>
-              <a:rPr lang="en" dirty="0"/>
-              <a:t>DAATE MVP </a:t>
-            </a:r>
-            <a:r>
-              <a:rPr lang="en" dirty="0">
-                <a:solidFill>
-                  <a:srgbClr val="0070C0"/>
-                </a:solidFill>
-              </a:rPr>
-              <a:t>DAATE Modeling</a:t>
-            </a:r>
-            <a:endParaRPr dirty="0">
-              <a:solidFill>
-                <a:srgbClr val="0070C0"/>
-              </a:solidFill>
-            </a:endParaRPr>
-          </a:p>
-        </p:txBody>
-      </p:sp>
-      <p:sp>
-        <p:nvSpPr>
-          <p:cNvPr id="33" name="Rectangle 32">
-            <a:extLst>
-              <a:ext uri="{FF2B5EF4-FFF2-40B4-BE49-F238E27FC236}">
-                <a16:creationId xmlns:a16="http://schemas.microsoft.com/office/drawing/2014/main" id="{9FB27B7A-B9DD-4785-AF50-3FD9D45ABE33}"/>
-              </a:ext>
-            </a:extLst>
-          </p:cNvPr>
-          <p:cNvSpPr/>
-          <p:nvPr/>
-        </p:nvSpPr>
-        <p:spPr bwMode="auto">
-          <a:xfrm>
-            <a:off x="1695475" y="1088479"/>
-            <a:ext cx="6789404" cy="5579572"/>
-          </a:xfrm>
-          <a:prstGeom prst="rect">
-            <a:avLst/>
-          </a:prstGeom>
-          <a:solidFill>
-            <a:srgbClr val="FFFFFF"/>
-          </a:solidFill>
-          <a:ln w="9525" cap="flat" cmpd="sng" algn="ctr">
-            <a:solidFill>
-              <a:srgbClr val="000000"/>
-            </a:solidFill>
-            <a:prstDash val="solid"/>
-            <a:headEnd type="none" w="med" len="med"/>
-            <a:tailEnd type="none" w="med" len="med"/>
-          </a:ln>
-          <a:effectLst>
-            <a:outerShdw blurRad="65500" dist="38100" dir="5400000" rotWithShape="0">
-              <a:srgbClr val="000000">
-                <a:alpha val="40000"/>
-              </a:srgbClr>
-            </a:outerShdw>
-          </a:effectLst>
-        </p:spPr>
-        <p:txBody>
-          <a:bodyPr vert="horz" wrap="square" lIns="121915" tIns="60957" rIns="121915" bIns="60957" numCol="1" rtlCol="0" anchor="t" anchorCtr="0" compatLnSpc="1">
-            <a:prstTxWarp prst="textNoShape">
-              <a:avLst/>
-            </a:prstTxWarp>
-          </a:bodyPr>
-          <a:lstStyle/>
-          <a:p>
-            <a:pPr algn="ctr" defTabSz="1218768" fontAlgn="base">
-              <a:spcBef>
-                <a:spcPct val="0"/>
-              </a:spcBef>
-              <a:spcAft>
-                <a:spcPct val="0"/>
-              </a:spcAft>
-              <a:defRPr/>
-            </a:pPr>
-            <a:endParaRPr lang="en-US" sz="2400" dirty="0">
-              <a:solidFill>
-                <a:srgbClr val="000000"/>
-              </a:solidFill>
-              <a:latin typeface="Segoe UI"/>
-              <a:cs typeface="Arial"/>
-              <a:sym typeface="Arial"/>
-            </a:endParaRPr>
-          </a:p>
-        </p:txBody>
-      </p:sp>
-      <p:cxnSp>
-        <p:nvCxnSpPr>
-          <p:cNvPr id="41" name="Curved Connector 24">
-            <a:extLst>
-              <a:ext uri="{FF2B5EF4-FFF2-40B4-BE49-F238E27FC236}">
-                <a16:creationId xmlns:a16="http://schemas.microsoft.com/office/drawing/2014/main" id="{8D10B0DD-2446-4DA8-8653-95FBBCF799B3}"/>
-              </a:ext>
-            </a:extLst>
-          </p:cNvPr>
-          <p:cNvCxnSpPr>
-            <a:cxnSpLocks/>
-          </p:cNvCxnSpPr>
-          <p:nvPr/>
-        </p:nvCxnSpPr>
-        <p:spPr>
-          <a:xfrm flipV="1">
-            <a:off x="7824839" y="2751688"/>
-            <a:ext cx="1830159" cy="213801"/>
-          </a:xfrm>
-          <a:prstGeom prst="curvedConnector3">
-            <a:avLst>
-              <a:gd name="adj1" fmla="val 50000"/>
-            </a:avLst>
-          </a:prstGeom>
-          <a:noFill/>
-          <a:ln w="38100" cap="flat" cmpd="sng" algn="ctr">
-            <a:solidFill>
-              <a:srgbClr val="F38C37"/>
-            </a:solidFill>
-            <a:prstDash val="solid"/>
-            <a:tailEnd type="arrow"/>
-          </a:ln>
-          <a:effectLst>
-            <a:outerShdw blurRad="65500" dist="38100" dir="5400000" rotWithShape="0">
-              <a:srgbClr val="000000">
-                <a:alpha val="40000"/>
-              </a:srgbClr>
-            </a:outerShdw>
-          </a:effectLst>
-        </p:spPr>
-      </p:cxnSp>
-      <p:sp>
-        <p:nvSpPr>
-          <p:cNvPr id="42" name="Right Arrow 4">
-            <a:extLst>
-              <a:ext uri="{FF2B5EF4-FFF2-40B4-BE49-F238E27FC236}">
-                <a16:creationId xmlns:a16="http://schemas.microsoft.com/office/drawing/2014/main" id="{E195B8FB-D722-4DEA-BE3D-CA87BD8A2C54}"/>
-              </a:ext>
-            </a:extLst>
-          </p:cNvPr>
-          <p:cNvSpPr/>
-          <p:nvPr/>
-        </p:nvSpPr>
-        <p:spPr bwMode="auto">
-          <a:xfrm>
-            <a:off x="1371300" y="2121758"/>
-            <a:ext cx="4904057" cy="1737406"/>
-          </a:xfrm>
-          <a:prstGeom prst="rightArrow">
-            <a:avLst/>
-          </a:prstGeom>
-          <a:gradFill rotWithShape="1">
-            <a:gsLst>
-              <a:gs pos="0">
-                <a:srgbClr val="F38C37">
-                  <a:shade val="45000"/>
-                  <a:satMod val="155000"/>
-                </a:srgbClr>
-              </a:gs>
-              <a:gs pos="60000">
-                <a:srgbClr val="F38C37">
-                  <a:shade val="95000"/>
-                  <a:satMod val="150000"/>
-                </a:srgbClr>
-              </a:gs>
-              <a:gs pos="100000">
-                <a:srgbClr val="F38C37">
-                  <a:tint val="87000"/>
-                  <a:satMod val="250000"/>
-                </a:srgbClr>
-              </a:gs>
-            </a:gsLst>
-            <a:lin ang="16200000" scaled="0"/>
-          </a:gradFill>
-          <a:ln w="9525" cap="flat" cmpd="sng" algn="ctr">
-            <a:solidFill>
-              <a:srgbClr val="F38C37">
-                <a:satMod val="150000"/>
-              </a:srgbClr>
-            </a:solidFill>
-            <a:prstDash val="solid"/>
-            <a:headEnd type="none" w="med" len="med"/>
-            <a:tailEnd type="none" w="med" len="med"/>
-          </a:ln>
-          <a:effectLst>
-            <a:outerShdw blurRad="65500" dist="38100" dir="5400000" rotWithShape="0">
-              <a:srgbClr val="000000">
-                <a:alpha val="40000"/>
-              </a:srgbClr>
-            </a:outerShdw>
-          </a:effectLst>
-        </p:spPr>
-        <p:txBody>
-          <a:bodyPr vert="horz" wrap="square" lIns="121915" tIns="60957" rIns="121915" bIns="60957" numCol="1" rtlCol="0" anchor="ctr" anchorCtr="0" compatLnSpc="1">
-            <a:prstTxWarp prst="textNoShape">
-              <a:avLst/>
-            </a:prstTxWarp>
-          </a:bodyPr>
-          <a:lstStyle/>
-          <a:p>
-            <a:pPr algn="ctr" defTabSz="1218768" fontAlgn="base">
-              <a:spcBef>
-                <a:spcPct val="0"/>
-              </a:spcBef>
-              <a:spcAft>
-                <a:spcPct val="0"/>
-              </a:spcAft>
-              <a:defRPr/>
-            </a:pPr>
-            <a:r>
-              <a:rPr lang="en-US" sz="2667" dirty="0">
-                <a:gradFill>
-                  <a:gsLst>
-                    <a:gs pos="0">
-                      <a:srgbClr val="FFFFFF"/>
-                    </a:gs>
-                    <a:gs pos="100000">
-                      <a:srgbClr val="FFFFFF"/>
-                    </a:gs>
-                  </a:gsLst>
-                  <a:lin ang="5400000" scaled="0"/>
-                </a:gradFill>
-                <a:latin typeface="Segoe UI"/>
-                <a:cs typeface="Arial"/>
-                <a:sym typeface="Arial"/>
-              </a:rPr>
-              <a:t>Generate Combinations of independent variables</a:t>
-            </a:r>
-          </a:p>
-        </p:txBody>
-      </p:sp>
-      <p:sp>
-        <p:nvSpPr>
-          <p:cNvPr id="45" name="Rectangle 44">
-            <a:extLst>
-              <a:ext uri="{FF2B5EF4-FFF2-40B4-BE49-F238E27FC236}">
-                <a16:creationId xmlns:a16="http://schemas.microsoft.com/office/drawing/2014/main" id="{4336ED9A-1B37-445D-BADD-1D4771070170}"/>
-              </a:ext>
-            </a:extLst>
-          </p:cNvPr>
-          <p:cNvSpPr/>
-          <p:nvPr/>
-        </p:nvSpPr>
-        <p:spPr>
-          <a:xfrm>
-            <a:off x="9173980" y="1714614"/>
-            <a:ext cx="2381327" cy="415498"/>
-          </a:xfrm>
-          <a:prstGeom prst="rect">
-            <a:avLst/>
-          </a:prstGeom>
-        </p:spPr>
-        <p:txBody>
-          <a:bodyPr wrap="square" lIns="121920" tIns="60960" rIns="121920" bIns="60960" anchor="t">
-            <a:spAutoFit/>
-          </a:bodyPr>
-          <a:lstStyle/>
-          <a:p>
-            <a:pPr defTabSz="913904">
-              <a:lnSpc>
-                <a:spcPct val="95000"/>
-              </a:lnSpc>
-              <a:spcBef>
-                <a:spcPct val="0"/>
-              </a:spcBef>
-              <a:spcAft>
-                <a:spcPct val="0"/>
-              </a:spcAft>
-              <a:defRPr/>
-            </a:pPr>
-            <a:r>
-              <a:rPr lang="en-US" sz="1000" b="1" kern="0" spc="49" dirty="0">
-                <a:solidFill>
-                  <a:sysClr val="windowText" lastClr="000000"/>
-                </a:solidFill>
-                <a:latin typeface="Segoe UI Semibold"/>
-                <a:cs typeface="Segoe UI Semibold"/>
-                <a:sym typeface="Arial"/>
-              </a:rPr>
-              <a:t>Bias Detection Engine Inference (BDDE) Container</a:t>
-            </a:r>
-            <a:endParaRPr lang="en-US" sz="2400" kern="0" dirty="0">
-              <a:solidFill>
-                <a:sysClr val="windowText" lastClr="000000"/>
-              </a:solidFill>
-              <a:latin typeface="Arial"/>
-              <a:cs typeface="Arial"/>
-              <a:sym typeface="Arial"/>
-            </a:endParaRPr>
-          </a:p>
-        </p:txBody>
-      </p:sp>
-      <p:sp>
-        <p:nvSpPr>
-          <p:cNvPr id="34" name="Rounded Rectangle 9">
-            <a:extLst>
-              <a:ext uri="{FF2B5EF4-FFF2-40B4-BE49-F238E27FC236}">
-                <a16:creationId xmlns:a16="http://schemas.microsoft.com/office/drawing/2014/main" id="{9EB20502-41DD-48A2-942C-6D25D0C18D73}"/>
-              </a:ext>
-            </a:extLst>
-          </p:cNvPr>
-          <p:cNvSpPr/>
-          <p:nvPr/>
-        </p:nvSpPr>
-        <p:spPr bwMode="auto">
-          <a:xfrm>
-            <a:off x="3517219" y="5239771"/>
-            <a:ext cx="1819621" cy="899236"/>
-          </a:xfrm>
-          <a:prstGeom prst="roundRect">
-            <a:avLst/>
-          </a:prstGeom>
-          <a:gradFill rotWithShape="1">
-            <a:gsLst>
-              <a:gs pos="0">
-                <a:srgbClr val="3A94D2">
-                  <a:tint val="65000"/>
-                  <a:satMod val="270000"/>
-                </a:srgbClr>
-              </a:gs>
-              <a:gs pos="25000">
-                <a:srgbClr val="3A94D2">
-                  <a:tint val="60000"/>
-                  <a:satMod val="300000"/>
-                </a:srgbClr>
-              </a:gs>
-              <a:gs pos="100000">
-                <a:srgbClr val="3A94D2">
-                  <a:tint val="29000"/>
-                  <a:satMod val="400000"/>
-                </a:srgbClr>
-              </a:gs>
-            </a:gsLst>
-            <a:lin ang="16200000" scaled="1"/>
-          </a:gradFill>
-          <a:ln w="9525" cap="flat" cmpd="sng" algn="ctr">
-            <a:solidFill>
-              <a:srgbClr val="3A94D2">
-                <a:satMod val="150000"/>
-              </a:srgbClr>
-            </a:solidFill>
-            <a:prstDash val="solid"/>
-            <a:headEnd type="none" w="med" len="med"/>
-            <a:tailEnd type="none" w="med" len="med"/>
-          </a:ln>
-          <a:effectLst>
-            <a:outerShdw blurRad="65500" dist="38100" dir="5400000" rotWithShape="0">
-              <a:srgbClr val="000000">
-                <a:alpha val="40000"/>
-              </a:srgbClr>
-            </a:outerShdw>
-          </a:effectLst>
-        </p:spPr>
-        <p:txBody>
-          <a:bodyPr vert="horz" wrap="square" lIns="121915" tIns="60957" rIns="121915" bIns="60957" numCol="1" rtlCol="0" anchor="ctr" anchorCtr="0" compatLnSpc="1">
-            <a:prstTxWarp prst="textNoShape">
-              <a:avLst/>
-            </a:prstTxWarp>
-          </a:bodyPr>
-          <a:lstStyle/>
-          <a:p>
-            <a:pPr algn="ctr" defTabSz="1218768" fontAlgn="base">
-              <a:spcBef>
-                <a:spcPct val="0"/>
-              </a:spcBef>
-              <a:spcAft>
-                <a:spcPct val="0"/>
-              </a:spcAft>
-              <a:defRPr/>
-            </a:pPr>
-            <a:r>
-              <a:rPr lang="en-US" sz="2133" dirty="0">
-                <a:gradFill>
-                  <a:gsLst>
-                    <a:gs pos="0">
-                      <a:srgbClr val="FFFFFF"/>
-                    </a:gs>
-                    <a:gs pos="100000">
-                      <a:srgbClr val="FFFFFF"/>
-                    </a:gs>
-                  </a:gsLst>
-                  <a:lin ang="5400000" scaled="0"/>
-                </a:gradFill>
-                <a:latin typeface="Segoe UI"/>
-                <a:cs typeface="Arial"/>
-                <a:sym typeface="Arial"/>
-              </a:rPr>
-              <a:t>Prediction Results</a:t>
-            </a:r>
-          </a:p>
-        </p:txBody>
-      </p:sp>
-      <p:cxnSp>
-        <p:nvCxnSpPr>
-          <p:cNvPr id="66" name="Curved Connector 24">
-            <a:extLst>
-              <a:ext uri="{FF2B5EF4-FFF2-40B4-BE49-F238E27FC236}">
-                <a16:creationId xmlns:a16="http://schemas.microsoft.com/office/drawing/2014/main" id="{89940E0E-B79C-456F-8189-161813E9AA4E}"/>
-              </a:ext>
-            </a:extLst>
-          </p:cNvPr>
-          <p:cNvCxnSpPr>
-            <a:cxnSpLocks/>
-            <a:stCxn id="3" idx="2"/>
-          </p:cNvCxnSpPr>
-          <p:nvPr/>
-        </p:nvCxnSpPr>
-        <p:spPr>
-          <a:xfrm rot="5400000">
-            <a:off x="7083985" y="1729405"/>
-            <a:ext cx="2001948" cy="5496237"/>
-          </a:xfrm>
-          <a:prstGeom prst="curvedConnector2">
-            <a:avLst/>
-          </a:prstGeom>
-          <a:noFill/>
-          <a:ln w="38100" cap="flat" cmpd="sng" algn="ctr">
-            <a:solidFill>
-              <a:srgbClr val="F38C37"/>
-            </a:solidFill>
-            <a:prstDash val="solid"/>
-            <a:tailEnd type="arrow"/>
-          </a:ln>
-          <a:effectLst>
-            <a:outerShdw blurRad="65500" dist="38100" dir="5400000" rotWithShape="0">
-              <a:srgbClr val="000000">
-                <a:alpha val="40000"/>
-              </a:srgbClr>
-            </a:outerShdw>
-          </a:effectLst>
-        </p:spPr>
-      </p:cxnSp>
-      <p:pic>
-        <p:nvPicPr>
-          <p:cNvPr id="87" name="Picture 5" descr="C:\Users\torsteng\AppData\Local\Microsoft\Windows\Temporary Internet Files\Content.IE5\AP5NZ56T\MM900043784[1].gif">
-            <a:extLst>
-              <a:ext uri="{FF2B5EF4-FFF2-40B4-BE49-F238E27FC236}">
-                <a16:creationId xmlns:a16="http://schemas.microsoft.com/office/drawing/2014/main" id="{81D55396-65B9-4589-8E5F-B5CAA87D8AFE}"/>
-              </a:ext>
-            </a:extLst>
-          </p:cNvPr>
-          <p:cNvPicPr>
-            <a:picLocks noChangeAspect="1" noChangeArrowheads="1" noCrop="1"/>
-          </p:cNvPicPr>
-          <p:nvPr/>
-        </p:nvPicPr>
-        <p:blipFill>
-          <a:blip r:embed="rId3" cstate="print"/>
-          <a:srcRect/>
-          <a:stretch>
-            <a:fillRect/>
-          </a:stretch>
-        </p:blipFill>
-        <p:spPr bwMode="auto">
-          <a:xfrm>
-            <a:off x="10312839" y="5544199"/>
-            <a:ext cx="699912" cy="699912"/>
-          </a:xfrm>
-          <a:prstGeom prst="rect">
-            <a:avLst/>
-          </a:prstGeom>
-          <a:noFill/>
-        </p:spPr>
-      </p:pic>
-      <p:cxnSp>
-        <p:nvCxnSpPr>
-          <p:cNvPr id="88" name="Curved Connector 24">
-            <a:extLst>
-              <a:ext uri="{FF2B5EF4-FFF2-40B4-BE49-F238E27FC236}">
-                <a16:creationId xmlns:a16="http://schemas.microsoft.com/office/drawing/2014/main" id="{C5AF1ADE-6323-436D-952D-C06BA654DB7C}"/>
-              </a:ext>
-            </a:extLst>
-          </p:cNvPr>
-          <p:cNvCxnSpPr>
-            <a:cxnSpLocks/>
-            <a:endCxn id="87" idx="1"/>
-          </p:cNvCxnSpPr>
-          <p:nvPr/>
-        </p:nvCxnSpPr>
-        <p:spPr>
-          <a:xfrm>
-            <a:off x="5336840" y="5894155"/>
-            <a:ext cx="4975999" cy="12700"/>
-          </a:xfrm>
-          <a:prstGeom prst="curvedConnector3">
-            <a:avLst>
-              <a:gd name="adj1" fmla="val 50000"/>
-            </a:avLst>
-          </a:prstGeom>
-          <a:noFill/>
-          <a:ln w="38100" cap="flat" cmpd="sng" algn="ctr">
-            <a:solidFill>
-              <a:srgbClr val="F38C37"/>
-            </a:solidFill>
-            <a:prstDash val="solid"/>
-            <a:tailEnd type="arrow"/>
-          </a:ln>
-          <a:effectLst>
-            <a:outerShdw blurRad="65500" dist="38100" dir="5400000" rotWithShape="0">
-              <a:srgbClr val="000000">
-                <a:alpha val="40000"/>
-              </a:srgbClr>
-            </a:outerShdw>
-          </a:effectLst>
-        </p:spPr>
-      </p:cxnSp>
-      <p:pic>
-        <p:nvPicPr>
-          <p:cNvPr id="3" name="Picture 2" descr="DAATE Inference Container&#10;">
-            <a:extLst>
-              <a:ext uri="{FF2B5EF4-FFF2-40B4-BE49-F238E27FC236}">
-                <a16:creationId xmlns:a16="http://schemas.microsoft.com/office/drawing/2014/main" id="{CF6EFC03-F2AC-794D-B21C-12248AE10E99}"/>
-              </a:ext>
-            </a:extLst>
-          </p:cNvPr>
-          <p:cNvPicPr>
-            <a:picLocks noChangeAspect="1"/>
-          </p:cNvPicPr>
-          <p:nvPr/>
-        </p:nvPicPr>
-        <p:blipFill>
-          <a:blip r:embed="rId4">
-            <a:extLst>
-              <a:ext uri="{837473B0-CC2E-450A-ABE3-18F120FF3D39}">
-                <a1611:picAttrSrcUrl xmlns:a1611="http://schemas.microsoft.com/office/drawing/2016/11/main" r:id="rId5"/>
-              </a:ext>
-            </a:extLst>
-          </a:blip>
-          <a:stretch>
-            <a:fillRect/>
-          </a:stretch>
-        </p:blipFill>
-        <p:spPr>
-          <a:xfrm>
-            <a:off x="9654998" y="2121758"/>
-            <a:ext cx="2356158" cy="1354791"/>
-          </a:xfrm>
-          <a:prstGeom prst="rect">
-            <a:avLst/>
-          </a:prstGeom>
-        </p:spPr>
-      </p:pic>
-      <p:sp>
-        <p:nvSpPr>
-          <p:cNvPr id="12" name="Rectangle 11">
-            <a:extLst>
-              <a:ext uri="{FF2B5EF4-FFF2-40B4-BE49-F238E27FC236}">
-                <a16:creationId xmlns:a16="http://schemas.microsoft.com/office/drawing/2014/main" id="{4DB1916D-7FF6-4818-8FEE-A1B570EC346E}"/>
-              </a:ext>
-            </a:extLst>
-          </p:cNvPr>
-          <p:cNvSpPr/>
-          <p:nvPr/>
-        </p:nvSpPr>
-        <p:spPr>
-          <a:xfrm>
-            <a:off x="143686" y="3581786"/>
-            <a:ext cx="1543120" cy="415498"/>
-          </a:xfrm>
-          <a:prstGeom prst="rect">
-            <a:avLst/>
-          </a:prstGeom>
-        </p:spPr>
-        <p:txBody>
-          <a:bodyPr wrap="square" lIns="121920" tIns="60960" rIns="121920" bIns="60960" anchor="t">
-            <a:spAutoFit/>
-          </a:bodyPr>
-          <a:lstStyle/>
-          <a:p>
-            <a:pPr defTabSz="913904">
-              <a:lnSpc>
-                <a:spcPct val="95000"/>
-              </a:lnSpc>
-              <a:spcBef>
-                <a:spcPct val="0"/>
-              </a:spcBef>
-              <a:spcAft>
-                <a:spcPct val="0"/>
-              </a:spcAft>
-              <a:defRPr/>
-            </a:pPr>
-            <a:r>
-              <a:rPr lang="en-US" sz="1000" b="1" kern="0" spc="49">
-                <a:solidFill>
-                  <a:sysClr val="windowText" lastClr="000000"/>
-                </a:solidFill>
-                <a:latin typeface="Segoe UI Semibold"/>
-                <a:cs typeface="Segoe UI Semibold"/>
-                <a:sym typeface="Arial"/>
-              </a:rPr>
-              <a:t>Florida Department Of Corrections</a:t>
-            </a:r>
-            <a:endParaRPr lang="en-US" sz="2400" kern="0">
-              <a:solidFill>
-                <a:sysClr val="windowText" lastClr="000000"/>
-              </a:solidFill>
-              <a:latin typeface="Arial"/>
-              <a:cs typeface="Arial"/>
-              <a:sym typeface="Arial"/>
-            </a:endParaRPr>
-          </a:p>
-        </p:txBody>
-      </p:sp>
-      <p:pic>
-        <p:nvPicPr>
-          <p:cNvPr id="13" name="Picture 12" descr="Logo&#10;&#10;Description automatically generated">
-            <a:extLst>
-              <a:ext uri="{FF2B5EF4-FFF2-40B4-BE49-F238E27FC236}">
-                <a16:creationId xmlns:a16="http://schemas.microsoft.com/office/drawing/2014/main" id="{6E832ADD-9016-4013-B9F9-EE4ED4A0A610}"/>
-              </a:ext>
-            </a:extLst>
-          </p:cNvPr>
-          <p:cNvPicPr>
-            <a:picLocks noChangeAspect="1"/>
-          </p:cNvPicPr>
-          <p:nvPr/>
-        </p:nvPicPr>
-        <p:blipFill>
-          <a:blip r:embed="rId6"/>
-          <a:stretch>
-            <a:fillRect/>
-          </a:stretch>
-        </p:blipFill>
-        <p:spPr>
-          <a:xfrm>
-            <a:off x="216021" y="2458065"/>
-            <a:ext cx="1014849" cy="1014849"/>
-          </a:xfrm>
-          <a:prstGeom prst="rect">
-            <a:avLst/>
-          </a:prstGeom>
-        </p:spPr>
-      </p:pic>
-      <p:pic>
-        <p:nvPicPr>
-          <p:cNvPr id="1026" name="Picture 2" descr="See the source image">
-            <a:extLst>
-              <a:ext uri="{FF2B5EF4-FFF2-40B4-BE49-F238E27FC236}">
-                <a16:creationId xmlns:a16="http://schemas.microsoft.com/office/drawing/2014/main" id="{DDC9FF5D-A32B-4C0E-AC67-435B0C68B319}"/>
-              </a:ext>
-            </a:extLst>
-          </p:cNvPr>
-          <p:cNvPicPr>
-            <a:picLocks noChangeAspect="1" noChangeArrowheads="1"/>
-          </p:cNvPicPr>
-          <p:nvPr/>
-        </p:nvPicPr>
-        <p:blipFill>
-          <a:blip r:embed="rId7">
-            <a:extLst>
-              <a:ext uri="{28A0092B-C50C-407E-A947-70E740481C1C}">
-                <a14:useLocalDpi xmlns:a14="http://schemas.microsoft.com/office/drawing/2010/main" val="0"/>
-              </a:ext>
-            </a:extLst>
-          </a:blip>
-          <a:srcRect/>
-          <a:stretch>
-            <a:fillRect/>
-          </a:stretch>
-        </p:blipFill>
-        <p:spPr bwMode="auto">
-          <a:xfrm>
-            <a:off x="6531176" y="2458065"/>
-            <a:ext cx="1037844" cy="1037844"/>
-          </a:xfrm>
-          <a:prstGeom prst="rect">
-            <a:avLst/>
-          </a:prstGeom>
-          <a:noFill/>
-          <a:extLst>
-            <a:ext uri="{909E8E84-426E-40DD-AFC4-6F175D3DCCD1}">
-              <a14:hiddenFill xmlns:a14="http://schemas.microsoft.com/office/drawing/2010/main">
-                <a:solidFill>
-                  <a:srgbClr val="FFFFFF"/>
-                </a:solidFill>
-              </a14:hiddenFill>
-            </a:ext>
-          </a:extLst>
-        </p:spPr>
-      </p:pic>
-      <p:sp>
-        <p:nvSpPr>
-          <p:cNvPr id="5" name="TextBox 4">
-            <a:extLst>
-              <a:ext uri="{FF2B5EF4-FFF2-40B4-BE49-F238E27FC236}">
-                <a16:creationId xmlns:a16="http://schemas.microsoft.com/office/drawing/2014/main" id="{387D8D78-8B7E-4122-84AF-18C6E0CCBDC4}"/>
-              </a:ext>
-            </a:extLst>
-          </p:cNvPr>
-          <p:cNvSpPr txBox="1"/>
-          <p:nvPr/>
-        </p:nvSpPr>
-        <p:spPr>
-          <a:xfrm>
-            <a:off x="6019787" y="1335024"/>
-            <a:ext cx="1898917" cy="646331"/>
-          </a:xfrm>
-          <a:prstGeom prst="rect">
-            <a:avLst/>
-          </a:prstGeom>
-          <a:noFill/>
-        </p:spPr>
-        <p:txBody>
-          <a:bodyPr wrap="square" rtlCol="0">
-            <a:spAutoFit/>
-          </a:bodyPr>
-          <a:lstStyle/>
-          <a:p>
-            <a:r>
-              <a:rPr lang="en-US" dirty="0">
-                <a:solidFill>
-                  <a:schemeClr val="accent5"/>
-                </a:solidFill>
-              </a:rPr>
-              <a:t>Add model input variables here</a:t>
-            </a:r>
-          </a:p>
-        </p:txBody>
-      </p:sp>
-      <p:sp>
-        <p:nvSpPr>
-          <p:cNvPr id="18" name="TextBox 17">
-            <a:extLst>
-              <a:ext uri="{FF2B5EF4-FFF2-40B4-BE49-F238E27FC236}">
-                <a16:creationId xmlns:a16="http://schemas.microsoft.com/office/drawing/2014/main" id="{415243F2-6896-44F3-AAA4-BBB8C9465D91}"/>
-              </a:ext>
-            </a:extLst>
-          </p:cNvPr>
-          <p:cNvSpPr txBox="1"/>
-          <p:nvPr/>
-        </p:nvSpPr>
-        <p:spPr>
-          <a:xfrm>
-            <a:off x="3319259" y="4346015"/>
-            <a:ext cx="1898917" cy="923330"/>
-          </a:xfrm>
-          <a:prstGeom prst="rect">
-            <a:avLst/>
-          </a:prstGeom>
-          <a:noFill/>
-        </p:spPr>
-        <p:txBody>
-          <a:bodyPr wrap="square" rtlCol="0">
-            <a:spAutoFit/>
-          </a:bodyPr>
-          <a:lstStyle/>
-          <a:p>
-            <a:r>
-              <a:rPr lang="en-US" dirty="0">
-                <a:solidFill>
-                  <a:schemeClr val="accent5"/>
-                </a:solidFill>
-              </a:rPr>
-              <a:t>Add model output variables here</a:t>
-            </a:r>
-          </a:p>
-        </p:txBody>
-      </p:sp>
-    </p:spTree>
-    <p:extLst>
-      <p:ext uri="{BB962C8B-B14F-4D97-AF65-F5344CB8AC3E}">
-        <p14:creationId xmlns:p14="http://schemas.microsoft.com/office/powerpoint/2010/main" val="2004495830"/>
-      </p:ext>
-    </p:extLst>
-  </p:cSld>
-  <p:clrMapOvr>
-    <a:masterClrMapping/>
-  </p:clrMapOvr>
-</p:sld>
-</file>
-
-<file path=ppt/slides/slide8.xml><?xml version="1.0" encoding="utf-8"?>
-<p:sld xmlns:a="http://schemas.openxmlformats.org/drawingml/2006/main" xmlns:r="http://schemas.openxmlformats.org/officeDocument/2006/relationships" xmlns:p="http://schemas.openxmlformats.org/presentationml/2006/main">
-  <p:cSld>
-    <p:spTree>
-      <p:nvGrpSpPr>
-        <p:cNvPr id="1" name="Shape 651"/>
-        <p:cNvGrpSpPr/>
-        <p:nvPr/>
-      </p:nvGrpSpPr>
-      <p:grpSpPr>
-        <a:xfrm>
-          <a:off x="0" y="0"/>
-          <a:ext cx="0" cy="0"/>
-          <a:chOff x="0" y="0"/>
-          <a:chExt cx="0" cy="0"/>
-        </a:xfrm>
-      </p:grpSpPr>
-      <p:sp>
-        <p:nvSpPr>
-          <p:cNvPr id="658" name="Google Shape;658;p47"/>
-          <p:cNvSpPr txBox="1">
-            <a:spLocks noGrp="1"/>
-          </p:cNvSpPr>
-          <p:nvPr>
-            <p:ph type="ctrTitle"/>
-          </p:nvPr>
-        </p:nvSpPr>
-        <p:spPr>
-          <a:xfrm>
-            <a:off x="1199881" y="189949"/>
-            <a:ext cx="9025200" cy="874000"/>
-          </a:xfrm>
-          <a:prstGeom prst="rect">
-            <a:avLst/>
-          </a:prstGeom>
-        </p:spPr>
-        <p:txBody>
-          <a:bodyPr spcFirstLastPara="1" wrap="square" lIns="121900" tIns="121900" rIns="121900" bIns="121900" anchor="t" anchorCtr="0">
-            <a:noAutofit/>
-          </a:bodyPr>
-          <a:lstStyle/>
-          <a:p>
-            <a:r>
-              <a:rPr lang="en" dirty="0"/>
-              <a:t>DAATE MVP </a:t>
-            </a:r>
-            <a:r>
-              <a:rPr lang="en" dirty="0">
-                <a:solidFill>
-                  <a:srgbClr val="0070C0"/>
-                </a:solidFill>
-              </a:rPr>
-              <a:t>Causal Modeling</a:t>
-            </a:r>
-            <a:endParaRPr dirty="0">
-              <a:solidFill>
-                <a:srgbClr val="0070C0"/>
-              </a:solidFill>
-            </a:endParaRPr>
-          </a:p>
-        </p:txBody>
-      </p:sp>
-      <p:sp>
-        <p:nvSpPr>
-          <p:cNvPr id="33" name="Rectangle 32">
-            <a:extLst>
-              <a:ext uri="{FF2B5EF4-FFF2-40B4-BE49-F238E27FC236}">
-                <a16:creationId xmlns:a16="http://schemas.microsoft.com/office/drawing/2014/main" id="{9FB27B7A-B9DD-4785-AF50-3FD9D45ABE33}"/>
-              </a:ext>
-            </a:extLst>
-          </p:cNvPr>
-          <p:cNvSpPr/>
-          <p:nvPr/>
-        </p:nvSpPr>
-        <p:spPr bwMode="auto">
-          <a:xfrm>
-            <a:off x="1895583" y="1198521"/>
-            <a:ext cx="6789404" cy="5579572"/>
-          </a:xfrm>
-          <a:prstGeom prst="rect">
-            <a:avLst/>
-          </a:prstGeom>
-          <a:solidFill>
-            <a:srgbClr val="FFFFFF"/>
-          </a:solidFill>
-          <a:ln w="9525" cap="flat" cmpd="sng" algn="ctr">
-            <a:solidFill>
-              <a:srgbClr val="000000"/>
-            </a:solidFill>
-            <a:prstDash val="solid"/>
-            <a:headEnd type="none" w="med" len="med"/>
-            <a:tailEnd type="none" w="med" len="med"/>
-          </a:ln>
-          <a:effectLst>
-            <a:outerShdw blurRad="65500" dist="38100" dir="5400000" rotWithShape="0">
-              <a:srgbClr val="000000">
-                <a:alpha val="40000"/>
-              </a:srgbClr>
-            </a:outerShdw>
-          </a:effectLst>
-        </p:spPr>
-        <p:txBody>
-          <a:bodyPr vert="horz" wrap="square" lIns="121915" tIns="60957" rIns="121915" bIns="60957" numCol="1" rtlCol="0" anchor="t" anchorCtr="0" compatLnSpc="1">
-            <a:prstTxWarp prst="textNoShape">
-              <a:avLst/>
-            </a:prstTxWarp>
-          </a:bodyPr>
-          <a:lstStyle/>
-          <a:p>
-            <a:pPr algn="ctr" defTabSz="1218768" fontAlgn="base">
-              <a:spcBef>
-                <a:spcPct val="0"/>
-              </a:spcBef>
-              <a:spcAft>
-                <a:spcPct val="0"/>
-              </a:spcAft>
-              <a:defRPr/>
-            </a:pPr>
-            <a:endParaRPr lang="en-US" sz="2400" dirty="0">
-              <a:solidFill>
-                <a:srgbClr val="000000"/>
-              </a:solidFill>
-              <a:latin typeface="Segoe UI"/>
-              <a:cs typeface="Arial"/>
-              <a:sym typeface="Arial"/>
-            </a:endParaRPr>
-          </a:p>
-        </p:txBody>
-      </p:sp>
-      <p:sp>
-        <p:nvSpPr>
-          <p:cNvPr id="35" name="Rounded Rectangle 11">
-            <a:extLst>
-              <a:ext uri="{FF2B5EF4-FFF2-40B4-BE49-F238E27FC236}">
-                <a16:creationId xmlns:a16="http://schemas.microsoft.com/office/drawing/2014/main" id="{7B832710-94B7-4794-B648-2B66623AE4F7}"/>
-              </a:ext>
-            </a:extLst>
-          </p:cNvPr>
-          <p:cNvSpPr/>
-          <p:nvPr/>
-        </p:nvSpPr>
-        <p:spPr bwMode="auto">
-          <a:xfrm>
-            <a:off x="4656528" y="1856363"/>
-            <a:ext cx="1836807" cy="1164640"/>
-          </a:xfrm>
-          <a:prstGeom prst="roundRect">
-            <a:avLst/>
-          </a:prstGeom>
-          <a:gradFill rotWithShape="1">
-            <a:gsLst>
-              <a:gs pos="0">
-                <a:srgbClr val="3A94D2">
-                  <a:tint val="65000"/>
-                  <a:satMod val="270000"/>
-                </a:srgbClr>
-              </a:gs>
-              <a:gs pos="25000">
-                <a:srgbClr val="3A94D2">
-                  <a:tint val="60000"/>
-                  <a:satMod val="300000"/>
-                </a:srgbClr>
-              </a:gs>
-              <a:gs pos="100000">
-                <a:srgbClr val="3A94D2">
-                  <a:tint val="29000"/>
-                  <a:satMod val="400000"/>
-                </a:srgbClr>
-              </a:gs>
-            </a:gsLst>
-            <a:lin ang="16200000" scaled="1"/>
-          </a:gradFill>
-          <a:ln w="9525" cap="flat" cmpd="sng" algn="ctr">
-            <a:solidFill>
-              <a:srgbClr val="3A94D2">
-                <a:satMod val="150000"/>
-              </a:srgbClr>
-            </a:solidFill>
-            <a:prstDash val="solid"/>
-            <a:headEnd type="none" w="med" len="med"/>
-            <a:tailEnd type="none" w="med" len="med"/>
-          </a:ln>
-          <a:effectLst>
-            <a:outerShdw blurRad="65500" dist="38100" dir="5400000" rotWithShape="0">
-              <a:srgbClr val="000000">
-                <a:alpha val="40000"/>
-              </a:srgbClr>
-            </a:outerShdw>
-          </a:effectLst>
-        </p:spPr>
-        <p:txBody>
-          <a:bodyPr vert="horz" wrap="square" lIns="121915" tIns="60957" rIns="121915" bIns="60957" numCol="1" rtlCol="0" anchor="ctr" anchorCtr="0" compatLnSpc="1">
-            <a:prstTxWarp prst="textNoShape">
-              <a:avLst/>
-            </a:prstTxWarp>
-          </a:bodyPr>
-          <a:lstStyle/>
-          <a:p>
-            <a:pPr algn="ctr" defTabSz="1218768" fontAlgn="base">
-              <a:spcBef>
-                <a:spcPct val="0"/>
-              </a:spcBef>
-              <a:spcAft>
-                <a:spcPct val="0"/>
-              </a:spcAft>
-              <a:defRPr/>
-            </a:pPr>
-            <a:r>
-              <a:rPr lang="en-US" sz="1867" dirty="0">
-                <a:gradFill>
-                  <a:gsLst>
-                    <a:gs pos="0">
-                      <a:srgbClr val="FFFFFF"/>
-                    </a:gs>
-                    <a:gs pos="100000">
-                      <a:srgbClr val="FFFFFF"/>
-                    </a:gs>
-                  </a:gsLst>
-                  <a:lin ang="5400000" scaled="0"/>
-                </a:gradFill>
-                <a:latin typeface="Segoe UI"/>
-                <a:cs typeface="Arial"/>
-                <a:sym typeface="Arial"/>
-              </a:rPr>
-              <a:t>EDA, Cleansing etc.</a:t>
-            </a:r>
-          </a:p>
-        </p:txBody>
-      </p:sp>
-      <p:grpSp>
-        <p:nvGrpSpPr>
-          <p:cNvPr id="36" name="Group 116">
-            <a:extLst>
-              <a:ext uri="{FF2B5EF4-FFF2-40B4-BE49-F238E27FC236}">
-                <a16:creationId xmlns:a16="http://schemas.microsoft.com/office/drawing/2014/main" id="{7D3C9918-0502-4280-AA27-3D95EC9C722C}"/>
-              </a:ext>
-            </a:extLst>
-          </p:cNvPr>
-          <p:cNvGrpSpPr/>
-          <p:nvPr/>
-        </p:nvGrpSpPr>
-        <p:grpSpPr>
-          <a:xfrm>
-            <a:off x="9554657" y="2250885"/>
-            <a:ext cx="986755" cy="1016000"/>
-            <a:chOff x="555334" y="4191000"/>
-            <a:chExt cx="587666" cy="609600"/>
-          </a:xfrm>
-        </p:grpSpPr>
-        <p:pic>
-          <p:nvPicPr>
-            <p:cNvPr id="37" name="Picture 3" descr="C:\Documents and Settings\antonk\Local Settings\Temporary Internet Files\Content.IE5\AV78XKCM\MCj04348450000[1].png">
-              <a:extLst>
-                <a:ext uri="{FF2B5EF4-FFF2-40B4-BE49-F238E27FC236}">
-                  <a16:creationId xmlns:a16="http://schemas.microsoft.com/office/drawing/2014/main" id="{A5E6BD81-2679-4DCC-98B1-EF65B20BCDF5}"/>
-                </a:ext>
-              </a:extLst>
-            </p:cNvPr>
-            <p:cNvPicPr>
-              <a:picLocks noChangeAspect="1" noChangeArrowheads="1"/>
-            </p:cNvPicPr>
-            <p:nvPr/>
-          </p:nvPicPr>
-          <p:blipFill>
-            <a:blip r:embed="rId3" cstate="print"/>
-            <a:srcRect/>
-            <a:stretch>
-              <a:fillRect/>
-            </a:stretch>
-          </p:blipFill>
-          <p:spPr bwMode="auto">
-            <a:xfrm>
-              <a:off x="555334" y="4191000"/>
-              <a:ext cx="587666" cy="527538"/>
-            </a:xfrm>
-            <a:prstGeom prst="rect">
-              <a:avLst/>
-            </a:prstGeom>
-            <a:noFill/>
-          </p:spPr>
-        </p:pic>
-        <p:sp>
-          <p:nvSpPr>
-            <p:cNvPr id="38" name="Can 21">
-              <a:extLst>
-                <a:ext uri="{FF2B5EF4-FFF2-40B4-BE49-F238E27FC236}">
-                  <a16:creationId xmlns:a16="http://schemas.microsoft.com/office/drawing/2014/main" id="{41AE5FDF-3196-4C7C-B2E2-A37A5A0462D6}"/>
-                </a:ext>
-              </a:extLst>
-            </p:cNvPr>
-            <p:cNvSpPr/>
-            <p:nvPr/>
-          </p:nvSpPr>
-          <p:spPr>
-            <a:xfrm>
-              <a:off x="860133" y="4419600"/>
-              <a:ext cx="228600" cy="381000"/>
-            </a:xfrm>
-            <a:prstGeom prst="can">
-              <a:avLst/>
-            </a:prstGeom>
-            <a:gradFill rotWithShape="1">
-              <a:gsLst>
-                <a:gs pos="0">
-                  <a:srgbClr val="3A94D2">
-                    <a:shade val="45000"/>
-                    <a:satMod val="155000"/>
-                  </a:srgbClr>
-                </a:gs>
-                <a:gs pos="60000">
-                  <a:srgbClr val="3A94D2">
-                    <a:shade val="95000"/>
-                    <a:satMod val="150000"/>
-                  </a:srgbClr>
-                </a:gs>
-                <a:gs pos="100000">
-                  <a:srgbClr val="3A94D2">
-                    <a:tint val="87000"/>
-                    <a:satMod val="250000"/>
-                  </a:srgbClr>
-                </a:gs>
-              </a:gsLst>
-              <a:lin ang="16200000" scaled="0"/>
-            </a:gradFill>
-            <a:ln>
-              <a:noFill/>
-            </a:ln>
-            <a:effectLst>
-              <a:outerShdw blurRad="65500" dist="38100" dir="5400000" rotWithShape="0">
-                <a:srgbClr val="000000">
-                  <a:alpha val="40000"/>
-                </a:srgbClr>
-              </a:outerShdw>
-            </a:effectLst>
-            <a:scene3d>
-              <a:camera prst="orthographicFront" fov="0">
-                <a:rot lat="0" lon="0" rev="0"/>
-              </a:camera>
-              <a:lightRig rig="contrasting" dir="t">
-                <a:rot lat="0" lon="0" rev="12000000"/>
-              </a:lightRig>
-            </a:scene3d>
-            <a:sp3d prstMaterial="powder">
-              <a:bevelT h="50800"/>
-            </a:sp3d>
-          </p:spPr>
-          <p:txBody>
-            <a:bodyPr rtlCol="0" anchor="ctr"/>
-            <a:lstStyle/>
-            <a:p>
-              <a:pPr algn="ctr" defTabSz="1219120">
-                <a:defRPr/>
-              </a:pPr>
-              <a:endParaRPr lang="en-US" sz="1600">
-                <a:solidFill>
-                  <a:srgbClr val="8557C9">
-                    <a:lumMod val="25000"/>
-                  </a:srgbClr>
-                </a:solidFill>
-                <a:latin typeface="Segoe UI"/>
-                <a:cs typeface="Arial" pitchFamily="34" charset="0"/>
-                <a:sym typeface="Arial"/>
-              </a:endParaRPr>
-            </a:p>
-          </p:txBody>
-        </p:sp>
-      </p:grpSp>
-      <p:pic>
-        <p:nvPicPr>
-          <p:cNvPr id="39" name="Picture 2" descr="Bloomberg Professional Service">
-            <a:extLst>
-              <a:ext uri="{FF2B5EF4-FFF2-40B4-BE49-F238E27FC236}">
-                <a16:creationId xmlns:a16="http://schemas.microsoft.com/office/drawing/2014/main" id="{D50A7B6E-928A-44A9-BF3A-333DA6198DC7}"/>
-              </a:ext>
-            </a:extLst>
-          </p:cNvPr>
-          <p:cNvPicPr>
-            <a:picLocks noChangeAspect="1" noChangeArrowheads="1"/>
-          </p:cNvPicPr>
-          <p:nvPr/>
-        </p:nvPicPr>
-        <p:blipFill>
-          <a:blip r:embed="rId4" cstate="print"/>
-          <a:srcRect l="2614" t="12749" r="3268" b="39442"/>
-          <a:stretch>
-            <a:fillRect/>
-          </a:stretch>
-        </p:blipFill>
-        <p:spPr bwMode="auto">
-          <a:xfrm>
-            <a:off x="9369342" y="1290720"/>
-            <a:ext cx="1930400" cy="804333"/>
-          </a:xfrm>
-          <a:prstGeom prst="rect">
-            <a:avLst/>
-          </a:prstGeom>
-          <a:noFill/>
-        </p:spPr>
-      </p:pic>
-      <p:cxnSp>
-        <p:nvCxnSpPr>
-          <p:cNvPr id="41" name="Curved Connector 24">
-            <a:extLst>
-              <a:ext uri="{FF2B5EF4-FFF2-40B4-BE49-F238E27FC236}">
-                <a16:creationId xmlns:a16="http://schemas.microsoft.com/office/drawing/2014/main" id="{8D10B0DD-2446-4DA8-8653-95FBBCF799B3}"/>
-              </a:ext>
-            </a:extLst>
-          </p:cNvPr>
-          <p:cNvCxnSpPr>
-            <a:cxnSpLocks/>
-            <a:stCxn id="35" idx="3"/>
-            <a:endCxn id="37" idx="1"/>
-          </p:cNvCxnSpPr>
-          <p:nvPr/>
-        </p:nvCxnSpPr>
-        <p:spPr>
-          <a:xfrm>
-            <a:off x="6493335" y="2438683"/>
-            <a:ext cx="3061322" cy="251817"/>
-          </a:xfrm>
-          <a:prstGeom prst="curvedConnector3">
-            <a:avLst>
-              <a:gd name="adj1" fmla="val 50000"/>
-            </a:avLst>
-          </a:prstGeom>
-          <a:noFill/>
-          <a:ln w="38100" cap="flat" cmpd="sng" algn="ctr">
-            <a:solidFill>
-              <a:srgbClr val="F38C37"/>
-            </a:solidFill>
-            <a:prstDash val="solid"/>
-            <a:tailEnd type="arrow"/>
-          </a:ln>
-          <a:effectLst>
-            <a:outerShdw blurRad="65500" dist="38100" dir="5400000" rotWithShape="0">
-              <a:srgbClr val="000000">
-                <a:alpha val="40000"/>
-              </a:srgbClr>
-            </a:outerShdw>
-          </a:effectLst>
-        </p:spPr>
-      </p:cxnSp>
-      <p:sp>
-        <p:nvSpPr>
-          <p:cNvPr id="42" name="Right Arrow 4">
-            <a:extLst>
-              <a:ext uri="{FF2B5EF4-FFF2-40B4-BE49-F238E27FC236}">
-                <a16:creationId xmlns:a16="http://schemas.microsoft.com/office/drawing/2014/main" id="{E195B8FB-D722-4DEA-BE3D-CA87BD8A2C54}"/>
-              </a:ext>
-            </a:extLst>
-          </p:cNvPr>
-          <p:cNvSpPr/>
-          <p:nvPr/>
-        </p:nvSpPr>
-        <p:spPr bwMode="auto">
-          <a:xfrm>
-            <a:off x="2124146" y="1718424"/>
-            <a:ext cx="2121896" cy="1302579"/>
-          </a:xfrm>
-          <a:prstGeom prst="rightArrow">
-            <a:avLst/>
-          </a:prstGeom>
-          <a:gradFill rotWithShape="1">
-            <a:gsLst>
-              <a:gs pos="0">
-                <a:srgbClr val="F38C37">
-                  <a:shade val="45000"/>
-                  <a:satMod val="155000"/>
-                </a:srgbClr>
-              </a:gs>
-              <a:gs pos="60000">
-                <a:srgbClr val="F38C37">
-                  <a:shade val="95000"/>
-                  <a:satMod val="150000"/>
-                </a:srgbClr>
-              </a:gs>
-              <a:gs pos="100000">
-                <a:srgbClr val="F38C37">
-                  <a:tint val="87000"/>
-                  <a:satMod val="250000"/>
-                </a:srgbClr>
-              </a:gs>
-            </a:gsLst>
-            <a:lin ang="16200000" scaled="0"/>
-          </a:gradFill>
-          <a:ln w="9525" cap="flat" cmpd="sng" algn="ctr">
-            <a:solidFill>
-              <a:srgbClr val="F38C37">
-                <a:satMod val="150000"/>
-              </a:srgbClr>
-            </a:solidFill>
-            <a:prstDash val="solid"/>
-            <a:headEnd type="none" w="med" len="med"/>
-            <a:tailEnd type="none" w="med" len="med"/>
-          </a:ln>
-          <a:effectLst>
-            <a:outerShdw blurRad="65500" dist="38100" dir="5400000" rotWithShape="0">
-              <a:srgbClr val="000000">
-                <a:alpha val="40000"/>
-              </a:srgbClr>
-            </a:outerShdw>
-          </a:effectLst>
-        </p:spPr>
-        <p:txBody>
-          <a:bodyPr vert="horz" wrap="square" lIns="121915" tIns="60957" rIns="121915" bIns="60957" numCol="1" rtlCol="0" anchor="ctr" anchorCtr="0" compatLnSpc="1">
-            <a:prstTxWarp prst="textNoShape">
-              <a:avLst/>
-            </a:prstTxWarp>
-          </a:bodyPr>
-          <a:lstStyle/>
-          <a:p>
-            <a:pPr algn="ctr" defTabSz="1218768" fontAlgn="base">
-              <a:spcBef>
-                <a:spcPct val="0"/>
-              </a:spcBef>
-              <a:spcAft>
-                <a:spcPct val="0"/>
-              </a:spcAft>
-              <a:defRPr/>
-            </a:pPr>
-            <a:r>
-              <a:rPr lang="en-US" sz="2667" dirty="0">
-                <a:gradFill>
-                  <a:gsLst>
-                    <a:gs pos="0">
-                      <a:srgbClr val="FFFFFF"/>
-                    </a:gs>
-                    <a:gs pos="100000">
-                      <a:srgbClr val="FFFFFF"/>
-                    </a:gs>
-                  </a:gsLst>
-                  <a:lin ang="5400000" scaled="0"/>
-                </a:gradFill>
-                <a:latin typeface="Segoe UI"/>
-                <a:cs typeface="Arial"/>
-                <a:sym typeface="Arial"/>
-              </a:rPr>
-              <a:t>Data</a:t>
-            </a:r>
-          </a:p>
-        </p:txBody>
-      </p:sp>
-      <p:sp>
-        <p:nvSpPr>
-          <p:cNvPr id="45" name="Rectangle 44">
-            <a:extLst>
-              <a:ext uri="{FF2B5EF4-FFF2-40B4-BE49-F238E27FC236}">
-                <a16:creationId xmlns:a16="http://schemas.microsoft.com/office/drawing/2014/main" id="{4336ED9A-1B37-445D-BADD-1D4771070170}"/>
-              </a:ext>
-            </a:extLst>
-          </p:cNvPr>
-          <p:cNvSpPr/>
-          <p:nvPr/>
-        </p:nvSpPr>
-        <p:spPr>
-          <a:xfrm>
-            <a:off x="179811" y="3074362"/>
-            <a:ext cx="1543120" cy="415498"/>
-          </a:xfrm>
-          <a:prstGeom prst="rect">
-            <a:avLst/>
-          </a:prstGeom>
-        </p:spPr>
-        <p:txBody>
-          <a:bodyPr wrap="square" lIns="121920" tIns="60960" rIns="121920" bIns="60960" anchor="t">
-            <a:spAutoFit/>
-          </a:bodyPr>
-          <a:lstStyle/>
-          <a:p>
-            <a:pPr defTabSz="913904">
-              <a:lnSpc>
-                <a:spcPct val="95000"/>
-              </a:lnSpc>
-              <a:spcBef>
-                <a:spcPct val="0"/>
-              </a:spcBef>
-              <a:spcAft>
-                <a:spcPct val="0"/>
-              </a:spcAft>
-              <a:defRPr/>
-            </a:pPr>
-            <a:r>
-              <a:rPr lang="en-US" sz="1000" b="1" kern="0" spc="49">
-                <a:solidFill>
-                  <a:sysClr val="windowText" lastClr="000000"/>
-                </a:solidFill>
-                <a:latin typeface="Segoe UI Semibold"/>
-                <a:cs typeface="Segoe UI Semibold"/>
-                <a:sym typeface="Arial"/>
-              </a:rPr>
-              <a:t>Florida Department Of Corrections</a:t>
-            </a:r>
-            <a:endParaRPr lang="en-US" sz="2400" kern="0">
-              <a:solidFill>
-                <a:sysClr val="windowText" lastClr="000000"/>
-              </a:solidFill>
-              <a:latin typeface="Arial"/>
-              <a:cs typeface="Arial"/>
-              <a:sym typeface="Arial"/>
-            </a:endParaRPr>
-          </a:p>
-        </p:txBody>
-      </p:sp>
-      <p:pic>
-        <p:nvPicPr>
-          <p:cNvPr id="46" name="Picture 45" descr="Logo&#10;&#10;Description automatically generated">
-            <a:extLst>
-              <a:ext uri="{FF2B5EF4-FFF2-40B4-BE49-F238E27FC236}">
-                <a16:creationId xmlns:a16="http://schemas.microsoft.com/office/drawing/2014/main" id="{A748A7AC-8454-4FDB-97AB-9DF5BF9AECCB}"/>
-              </a:ext>
-            </a:extLst>
-          </p:cNvPr>
-          <p:cNvPicPr>
-            <a:picLocks noChangeAspect="1"/>
-          </p:cNvPicPr>
-          <p:nvPr/>
-        </p:nvPicPr>
-        <p:blipFill>
-          <a:blip r:embed="rId5"/>
-          <a:stretch>
-            <a:fillRect/>
-          </a:stretch>
-        </p:blipFill>
-        <p:spPr>
-          <a:xfrm>
-            <a:off x="252146" y="1950641"/>
-            <a:ext cx="1014849" cy="1014849"/>
-          </a:xfrm>
-          <a:prstGeom prst="rect">
-            <a:avLst/>
-          </a:prstGeom>
-        </p:spPr>
-      </p:pic>
-      <p:grpSp>
-        <p:nvGrpSpPr>
-          <p:cNvPr id="47" name="Group 46">
-            <a:extLst>
-              <a:ext uri="{FF2B5EF4-FFF2-40B4-BE49-F238E27FC236}">
-                <a16:creationId xmlns:a16="http://schemas.microsoft.com/office/drawing/2014/main" id="{CE8F325B-880E-4F67-822A-D50070A32903}"/>
-              </a:ext>
-            </a:extLst>
-          </p:cNvPr>
-          <p:cNvGrpSpPr/>
-          <p:nvPr/>
-        </p:nvGrpSpPr>
-        <p:grpSpPr>
-          <a:xfrm>
-            <a:off x="10682655" y="2594942"/>
-            <a:ext cx="712054" cy="626116"/>
-            <a:chOff x="3434328" y="3336433"/>
-            <a:chExt cx="1059543" cy="925108"/>
-          </a:xfrm>
-        </p:grpSpPr>
-        <p:pic>
-          <p:nvPicPr>
-            <p:cNvPr id="48" name="Picture 47">
-              <a:extLst>
-                <a:ext uri="{FF2B5EF4-FFF2-40B4-BE49-F238E27FC236}">
-                  <a16:creationId xmlns:a16="http://schemas.microsoft.com/office/drawing/2014/main" id="{9C7C4555-0655-4FEC-9EC6-1023525826BB}"/>
-                </a:ext>
-              </a:extLst>
-            </p:cNvPr>
-            <p:cNvPicPr>
-              <a:picLocks noChangeAspect="1"/>
-            </p:cNvPicPr>
-            <p:nvPr/>
-          </p:nvPicPr>
-          <p:blipFill>
-            <a:blip r:embed="rId6" cstate="print">
-              <a:extLst>
-                <a:ext uri="{28A0092B-C50C-407E-A947-70E740481C1C}">
-                  <a14:useLocalDpi xmlns:a14="http://schemas.microsoft.com/office/drawing/2010/main"/>
-                </a:ext>
-              </a:extLst>
-            </a:blip>
-            <a:stretch>
-              <a:fillRect/>
-            </a:stretch>
-          </p:blipFill>
-          <p:spPr>
-            <a:xfrm>
-              <a:off x="3714959" y="3336433"/>
-              <a:ext cx="635521" cy="635521"/>
-            </a:xfrm>
-            <a:prstGeom prst="rect">
-              <a:avLst/>
-            </a:prstGeom>
-          </p:spPr>
-        </p:pic>
-        <p:sp>
-          <p:nvSpPr>
-            <p:cNvPr id="49" name="Rectangle 48">
-              <a:extLst>
-                <a:ext uri="{FF2B5EF4-FFF2-40B4-BE49-F238E27FC236}">
-                  <a16:creationId xmlns:a16="http://schemas.microsoft.com/office/drawing/2014/main" id="{27341FE6-CDE5-4289-A3DC-AFA6994853DA}"/>
-                </a:ext>
-              </a:extLst>
-            </p:cNvPr>
-            <p:cNvSpPr/>
-            <p:nvPr/>
-          </p:nvSpPr>
-          <p:spPr>
-            <a:xfrm>
-              <a:off x="3434328" y="3965953"/>
-              <a:ext cx="1059543" cy="295588"/>
-            </a:xfrm>
-            <a:prstGeom prst="rect">
-              <a:avLst/>
-            </a:prstGeom>
-          </p:spPr>
-          <p:txBody>
-            <a:bodyPr wrap="none">
-              <a:spAutoFit/>
-            </a:bodyPr>
-            <a:lstStyle/>
-            <a:p>
-              <a:pPr algn="ctr" defTabSz="932215"/>
-              <a:r>
-                <a:rPr lang="en-US" sz="700" kern="0">
-                  <a:solidFill>
-                    <a:prstClr val="white">
-                      <a:lumMod val="50000"/>
-                    </a:prstClr>
-                  </a:solidFill>
-                  <a:latin typeface="Segoe UI Semibold" panose="020B0702040204020203" pitchFamily="34" charset="0"/>
-                  <a:ea typeface="MS PGothic" panose="020B0600070205080204" pitchFamily="34" charset="-128"/>
-                  <a:cs typeface="Segoe UI Semibold" panose="020B0702040204020203" pitchFamily="34" charset="0"/>
-                  <a:sym typeface="Arial"/>
-                </a:rPr>
-                <a:t>AZURE SQL DB</a:t>
-              </a:r>
-            </a:p>
-          </p:txBody>
-        </p:sp>
-      </p:grpSp>
-      <p:sp>
-        <p:nvSpPr>
-          <p:cNvPr id="75" name="Rounded Rectangle 9">
-            <a:extLst>
-              <a:ext uri="{FF2B5EF4-FFF2-40B4-BE49-F238E27FC236}">
-                <a16:creationId xmlns:a16="http://schemas.microsoft.com/office/drawing/2014/main" id="{9674BA3A-0E9A-49E1-AE32-D93E79E3878C}"/>
-              </a:ext>
-            </a:extLst>
-          </p:cNvPr>
-          <p:cNvSpPr/>
-          <p:nvPr/>
-        </p:nvSpPr>
-        <p:spPr bwMode="auto">
-          <a:xfrm>
-            <a:off x="2300581" y="3214359"/>
-            <a:ext cx="3292286" cy="3453692"/>
-          </a:xfrm>
-          <a:prstGeom prst="roundRect">
-            <a:avLst/>
-          </a:prstGeom>
-          <a:solidFill>
-            <a:srgbClr val="0070C0"/>
-          </a:solidFill>
-          <a:ln w="9525" cap="flat" cmpd="sng" algn="ctr">
-            <a:solidFill>
-              <a:srgbClr val="3A94D2">
-                <a:satMod val="150000"/>
-              </a:srgbClr>
-            </a:solidFill>
-            <a:prstDash val="solid"/>
-            <a:headEnd type="none" w="med" len="med"/>
-            <a:tailEnd type="none" w="med" len="med"/>
-          </a:ln>
-          <a:effectLst>
-            <a:outerShdw blurRad="65500" dist="38100" dir="5400000" rotWithShape="0">
-              <a:srgbClr val="000000">
-                <a:alpha val="40000"/>
-              </a:srgbClr>
-            </a:outerShdw>
-          </a:effectLst>
-        </p:spPr>
-        <p:txBody>
-          <a:bodyPr vert="horz" wrap="square" lIns="121915" tIns="60957" rIns="121915" bIns="60957" numCol="1" rtlCol="0" anchor="ctr" anchorCtr="0" compatLnSpc="1">
-            <a:prstTxWarp prst="textNoShape">
-              <a:avLst/>
-            </a:prstTxWarp>
-          </a:bodyPr>
-          <a:lstStyle/>
-          <a:p>
-            <a:pPr algn="ctr" defTabSz="1218768" fontAlgn="base">
-              <a:spcBef>
-                <a:spcPct val="0"/>
-              </a:spcBef>
-              <a:spcAft>
-                <a:spcPct val="0"/>
-              </a:spcAft>
-              <a:defRPr/>
-            </a:pPr>
-            <a:endParaRPr lang="en-US" sz="2667">
-              <a:gradFill>
-                <a:gsLst>
-                  <a:gs pos="0">
-                    <a:srgbClr val="FFFFFF"/>
-                  </a:gs>
-                  <a:gs pos="100000">
-                    <a:srgbClr val="FFFFFF"/>
-                  </a:gs>
-                </a:gsLst>
-                <a:lin ang="5400000" scaled="0"/>
-              </a:gradFill>
-              <a:latin typeface="Segoe UI"/>
-              <a:cs typeface="Arial"/>
-              <a:sym typeface="Arial"/>
-            </a:endParaRPr>
-          </a:p>
-        </p:txBody>
-      </p:sp>
-      <p:sp>
-        <p:nvSpPr>
-          <p:cNvPr id="34" name="Rounded Rectangle 9">
-            <a:extLst>
-              <a:ext uri="{FF2B5EF4-FFF2-40B4-BE49-F238E27FC236}">
-                <a16:creationId xmlns:a16="http://schemas.microsoft.com/office/drawing/2014/main" id="{9EB20502-41DD-48A2-942C-6D25D0C18D73}"/>
-              </a:ext>
-            </a:extLst>
-          </p:cNvPr>
-          <p:cNvSpPr/>
-          <p:nvPr/>
-        </p:nvSpPr>
-        <p:spPr bwMode="auto">
-          <a:xfrm>
-            <a:off x="7127309" y="3452354"/>
-            <a:ext cx="2730577" cy="879230"/>
-          </a:xfrm>
-          <a:prstGeom prst="roundRect">
-            <a:avLst/>
-          </a:prstGeom>
-          <a:gradFill rotWithShape="1">
-            <a:gsLst>
-              <a:gs pos="0">
-                <a:srgbClr val="3A94D2">
-                  <a:tint val="65000"/>
-                  <a:satMod val="270000"/>
-                </a:srgbClr>
-              </a:gs>
-              <a:gs pos="25000">
-                <a:srgbClr val="3A94D2">
-                  <a:tint val="60000"/>
-                  <a:satMod val="300000"/>
-                </a:srgbClr>
-              </a:gs>
-              <a:gs pos="100000">
-                <a:srgbClr val="3A94D2">
-                  <a:tint val="29000"/>
-                  <a:satMod val="400000"/>
-                </a:srgbClr>
-              </a:gs>
-            </a:gsLst>
-            <a:lin ang="16200000" scaled="1"/>
-          </a:gradFill>
-          <a:ln w="9525" cap="flat" cmpd="sng" algn="ctr">
-            <a:solidFill>
-              <a:srgbClr val="3A94D2">
-                <a:satMod val="150000"/>
-              </a:srgbClr>
-            </a:solidFill>
-            <a:prstDash val="solid"/>
-            <a:headEnd type="none" w="med" len="med"/>
-            <a:tailEnd type="none" w="med" len="med"/>
-          </a:ln>
-          <a:effectLst>
-            <a:outerShdw blurRad="65500" dist="38100" dir="5400000" rotWithShape="0">
-              <a:srgbClr val="000000">
-                <a:alpha val="40000"/>
-              </a:srgbClr>
-            </a:outerShdw>
-          </a:effectLst>
-        </p:spPr>
-        <p:txBody>
-          <a:bodyPr vert="horz" wrap="square" lIns="121915" tIns="60957" rIns="121915" bIns="60957" numCol="1" rtlCol="0" anchor="ctr" anchorCtr="0" compatLnSpc="1">
-            <a:prstTxWarp prst="textNoShape">
-              <a:avLst/>
-            </a:prstTxWarp>
-          </a:bodyPr>
-          <a:lstStyle/>
-          <a:p>
-            <a:pPr algn="ctr" defTabSz="1218768" fontAlgn="base">
-              <a:spcBef>
-                <a:spcPct val="0"/>
-              </a:spcBef>
-              <a:spcAft>
-                <a:spcPct val="0"/>
-              </a:spcAft>
-              <a:defRPr/>
-            </a:pPr>
-            <a:r>
-              <a:rPr lang="en-US" sz="2000" dirty="0">
-                <a:gradFill>
-                  <a:gsLst>
-                    <a:gs pos="0">
-                      <a:srgbClr val="FFFFFF"/>
-                    </a:gs>
-                    <a:gs pos="100000">
-                      <a:srgbClr val="FFFFFF"/>
-                    </a:gs>
-                  </a:gsLst>
-                  <a:lin ang="5400000" scaled="0"/>
-                </a:gradFill>
-                <a:latin typeface="Segoe UI"/>
-                <a:cs typeface="Arial"/>
-                <a:sym typeface="Arial"/>
-              </a:rPr>
-              <a:t>Feature Space Identification</a:t>
-            </a:r>
-          </a:p>
-        </p:txBody>
-      </p:sp>
-      <p:sp>
-        <p:nvSpPr>
-          <p:cNvPr id="71" name="Rounded Rectangle 9">
-            <a:extLst>
-              <a:ext uri="{FF2B5EF4-FFF2-40B4-BE49-F238E27FC236}">
-                <a16:creationId xmlns:a16="http://schemas.microsoft.com/office/drawing/2014/main" id="{6BF56292-A7B3-4DF0-B035-61FC17AE1423}"/>
-              </a:ext>
-            </a:extLst>
-          </p:cNvPr>
-          <p:cNvSpPr/>
-          <p:nvPr/>
-        </p:nvSpPr>
-        <p:spPr bwMode="auto">
-          <a:xfrm>
-            <a:off x="2480671" y="3374935"/>
-            <a:ext cx="2932109" cy="819038"/>
-          </a:xfrm>
-          <a:prstGeom prst="roundRect">
-            <a:avLst/>
-          </a:prstGeom>
-          <a:gradFill rotWithShape="1">
-            <a:gsLst>
-              <a:gs pos="0">
-                <a:srgbClr val="3A94D2">
-                  <a:tint val="65000"/>
-                  <a:satMod val="270000"/>
-                </a:srgbClr>
-              </a:gs>
-              <a:gs pos="25000">
-                <a:srgbClr val="3A94D2">
-                  <a:tint val="60000"/>
-                  <a:satMod val="300000"/>
-                </a:srgbClr>
-              </a:gs>
-              <a:gs pos="100000">
-                <a:srgbClr val="3A94D2">
-                  <a:tint val="29000"/>
-                  <a:satMod val="400000"/>
-                </a:srgbClr>
-              </a:gs>
-            </a:gsLst>
-            <a:lin ang="16200000" scaled="1"/>
-          </a:gradFill>
-          <a:ln w="9525" cap="flat" cmpd="sng" algn="ctr">
-            <a:solidFill>
-              <a:srgbClr val="3A94D2">
-                <a:satMod val="150000"/>
-              </a:srgbClr>
-            </a:solidFill>
-            <a:prstDash val="solid"/>
-            <a:headEnd type="none" w="med" len="med"/>
-            <a:tailEnd type="none" w="med" len="med"/>
-          </a:ln>
-          <a:effectLst>
-            <a:outerShdw blurRad="65500" dist="38100" dir="5400000" rotWithShape="0">
-              <a:srgbClr val="000000">
-                <a:alpha val="40000"/>
-              </a:srgbClr>
-            </a:outerShdw>
-          </a:effectLst>
-        </p:spPr>
-        <p:txBody>
-          <a:bodyPr vert="horz" wrap="square" lIns="121915" tIns="60957" rIns="121915" bIns="60957" numCol="1" rtlCol="0" anchor="ctr" anchorCtr="0" compatLnSpc="1">
-            <a:prstTxWarp prst="textNoShape">
-              <a:avLst/>
-            </a:prstTxWarp>
-          </a:bodyPr>
-          <a:lstStyle/>
-          <a:p>
-            <a:pPr algn="ctr" defTabSz="1218768" fontAlgn="base">
-              <a:spcBef>
-                <a:spcPct val="0"/>
-              </a:spcBef>
-              <a:spcAft>
-                <a:spcPct val="0"/>
-              </a:spcAft>
-              <a:defRPr/>
-            </a:pPr>
-            <a:r>
-              <a:rPr lang="en-US" sz="1400" dirty="0">
-                <a:gradFill>
-                  <a:gsLst>
-                    <a:gs pos="0">
-                      <a:srgbClr val="FFFFFF"/>
-                    </a:gs>
-                    <a:gs pos="100000">
-                      <a:srgbClr val="FFFFFF"/>
-                    </a:gs>
-                  </a:gsLst>
-                  <a:lin ang="5400000" scaled="0"/>
-                </a:gradFill>
-                <a:latin typeface="Segoe UI"/>
-                <a:cs typeface="Arial"/>
-                <a:sym typeface="Arial"/>
-              </a:rPr>
-              <a:t>Data transformation</a:t>
-            </a:r>
-          </a:p>
-          <a:p>
-            <a:pPr algn="ctr" defTabSz="1218768" fontAlgn="base">
-              <a:spcBef>
-                <a:spcPct val="0"/>
-              </a:spcBef>
-              <a:spcAft>
-                <a:spcPct val="0"/>
-              </a:spcAft>
-              <a:defRPr/>
-            </a:pPr>
-            <a:r>
-              <a:rPr lang="en-US" sz="1400" dirty="0">
-                <a:gradFill>
-                  <a:gsLst>
-                    <a:gs pos="0">
-                      <a:srgbClr val="FFFFFF"/>
-                    </a:gs>
-                    <a:gs pos="100000">
-                      <a:srgbClr val="FFFFFF"/>
-                    </a:gs>
-                  </a:gsLst>
-                  <a:lin ang="5400000" scaled="0"/>
-                </a:gradFill>
-                <a:latin typeface="Segoe UI"/>
-                <a:cs typeface="Arial"/>
-                <a:sym typeface="Arial"/>
-              </a:rPr>
-              <a:t>+</a:t>
-            </a:r>
-          </a:p>
-          <a:p>
-            <a:pPr algn="ctr" defTabSz="1218768" fontAlgn="base">
-              <a:spcBef>
-                <a:spcPct val="0"/>
-              </a:spcBef>
-              <a:spcAft>
-                <a:spcPct val="0"/>
-              </a:spcAft>
-              <a:defRPr/>
-            </a:pPr>
-            <a:r>
-              <a:rPr lang="en-US" sz="1400" dirty="0">
-                <a:gradFill>
-                  <a:gsLst>
-                    <a:gs pos="0">
-                      <a:srgbClr val="FFFFFF"/>
-                    </a:gs>
-                    <a:gs pos="100000">
-                      <a:srgbClr val="FFFFFF"/>
-                    </a:gs>
-                  </a:gsLst>
-                  <a:lin ang="5400000" scaled="0"/>
-                </a:gradFill>
-                <a:latin typeface="Segoe UI"/>
-                <a:cs typeface="Arial"/>
-                <a:sym typeface="Arial"/>
-              </a:rPr>
-              <a:t> normalization</a:t>
-            </a:r>
-          </a:p>
-        </p:txBody>
-      </p:sp>
-      <p:sp>
-        <p:nvSpPr>
-          <p:cNvPr id="72" name="Rounded Rectangle 9">
-            <a:extLst>
-              <a:ext uri="{FF2B5EF4-FFF2-40B4-BE49-F238E27FC236}">
-                <a16:creationId xmlns:a16="http://schemas.microsoft.com/office/drawing/2014/main" id="{197575A8-9740-4FC2-899F-EE9C14BD1C49}"/>
-              </a:ext>
-            </a:extLst>
-          </p:cNvPr>
-          <p:cNvSpPr/>
-          <p:nvPr/>
-        </p:nvSpPr>
-        <p:spPr bwMode="auto">
-          <a:xfrm>
-            <a:off x="7416425" y="5340266"/>
-            <a:ext cx="1847425" cy="612049"/>
-          </a:xfrm>
-          <a:prstGeom prst="roundRect">
-            <a:avLst/>
-          </a:prstGeom>
-          <a:gradFill rotWithShape="1">
-            <a:gsLst>
-              <a:gs pos="0">
-                <a:srgbClr val="3A94D2">
-                  <a:tint val="65000"/>
-                  <a:satMod val="270000"/>
-                </a:srgbClr>
-              </a:gs>
-              <a:gs pos="25000">
-                <a:srgbClr val="3A94D2">
-                  <a:tint val="60000"/>
-                  <a:satMod val="300000"/>
-                </a:srgbClr>
-              </a:gs>
-              <a:gs pos="100000">
-                <a:srgbClr val="3A94D2">
-                  <a:tint val="29000"/>
-                  <a:satMod val="400000"/>
-                </a:srgbClr>
-              </a:gs>
-            </a:gsLst>
-            <a:lin ang="16200000" scaled="1"/>
-          </a:gradFill>
-          <a:ln w="9525" cap="flat" cmpd="sng" algn="ctr">
-            <a:solidFill>
-              <a:srgbClr val="3A94D2">
-                <a:satMod val="150000"/>
-              </a:srgbClr>
-            </a:solidFill>
-            <a:prstDash val="solid"/>
-            <a:headEnd type="none" w="med" len="med"/>
-            <a:tailEnd type="none" w="med" len="med"/>
-          </a:ln>
-          <a:effectLst>
-            <a:outerShdw blurRad="65500" dist="38100" dir="5400000" rotWithShape="0">
-              <a:srgbClr val="000000">
-                <a:alpha val="40000"/>
-              </a:srgbClr>
-            </a:outerShdw>
-          </a:effectLst>
-        </p:spPr>
-        <p:txBody>
-          <a:bodyPr vert="horz" wrap="square" lIns="121915" tIns="60957" rIns="121915" bIns="60957" numCol="1" rtlCol="0" anchor="ctr" anchorCtr="0" compatLnSpc="1">
-            <a:prstTxWarp prst="textNoShape">
-              <a:avLst/>
-            </a:prstTxWarp>
-          </a:bodyPr>
-          <a:lstStyle/>
-          <a:p>
-            <a:pPr algn="ctr" defTabSz="1218768" fontAlgn="base">
-              <a:spcBef>
-                <a:spcPct val="0"/>
-              </a:spcBef>
-              <a:spcAft>
-                <a:spcPct val="0"/>
-              </a:spcAft>
-              <a:defRPr/>
-            </a:pPr>
-            <a:r>
-              <a:rPr lang="en-US" sz="1867" dirty="0">
-                <a:gradFill>
-                  <a:gsLst>
-                    <a:gs pos="0">
-                      <a:srgbClr val="FFFFFF"/>
-                    </a:gs>
-                    <a:gs pos="100000">
-                      <a:srgbClr val="FFFFFF"/>
-                    </a:gs>
-                  </a:gsLst>
-                  <a:lin ang="5400000" scaled="0"/>
-                </a:gradFill>
-                <a:latin typeface="Segoe UI"/>
-                <a:cs typeface="Arial"/>
-                <a:sym typeface="Arial"/>
-              </a:rPr>
-              <a:t>Significance Testing</a:t>
-            </a:r>
-          </a:p>
-        </p:txBody>
-      </p:sp>
-      <p:cxnSp>
-        <p:nvCxnSpPr>
-          <p:cNvPr id="66" name="Curved Connector 24">
-            <a:extLst>
-              <a:ext uri="{FF2B5EF4-FFF2-40B4-BE49-F238E27FC236}">
-                <a16:creationId xmlns:a16="http://schemas.microsoft.com/office/drawing/2014/main" id="{89940E0E-B79C-456F-8189-161813E9AA4E}"/>
-              </a:ext>
-            </a:extLst>
-          </p:cNvPr>
-          <p:cNvCxnSpPr>
-            <a:cxnSpLocks/>
-          </p:cNvCxnSpPr>
-          <p:nvPr/>
-        </p:nvCxnSpPr>
-        <p:spPr>
-          <a:xfrm rot="5400000">
-            <a:off x="9818635" y="3321362"/>
-            <a:ext cx="517032" cy="438531"/>
-          </a:xfrm>
-          <a:prstGeom prst="curvedConnector2">
-            <a:avLst/>
-          </a:prstGeom>
-          <a:noFill/>
-          <a:ln w="38100" cap="flat" cmpd="sng" algn="ctr">
-            <a:solidFill>
-              <a:srgbClr val="F38C37"/>
-            </a:solidFill>
-            <a:prstDash val="solid"/>
-            <a:tailEnd type="arrow"/>
-          </a:ln>
-          <a:effectLst>
-            <a:outerShdw blurRad="65500" dist="38100" dir="5400000" rotWithShape="0">
-              <a:srgbClr val="000000">
-                <a:alpha val="40000"/>
-              </a:srgbClr>
-            </a:outerShdw>
-          </a:effectLst>
-        </p:spPr>
-      </p:cxnSp>
-      <p:cxnSp>
-        <p:nvCxnSpPr>
-          <p:cNvPr id="82" name="Curved Connector 24">
-            <a:extLst>
-              <a:ext uri="{FF2B5EF4-FFF2-40B4-BE49-F238E27FC236}">
-                <a16:creationId xmlns:a16="http://schemas.microsoft.com/office/drawing/2014/main" id="{CC1FB462-6DE6-49AB-BAFB-20F5B84872A7}"/>
-              </a:ext>
-            </a:extLst>
-          </p:cNvPr>
-          <p:cNvCxnSpPr>
-            <a:cxnSpLocks/>
-            <a:endCxn id="72" idx="1"/>
-          </p:cNvCxnSpPr>
-          <p:nvPr/>
-        </p:nvCxnSpPr>
-        <p:spPr>
-          <a:xfrm>
-            <a:off x="5388918" y="5422613"/>
-            <a:ext cx="2027507" cy="223678"/>
-          </a:xfrm>
-          <a:prstGeom prst="curvedConnector3">
-            <a:avLst>
-              <a:gd name="adj1" fmla="val 50000"/>
-            </a:avLst>
-          </a:prstGeom>
-          <a:noFill/>
-          <a:ln w="38100" cap="flat" cmpd="sng" algn="ctr">
-            <a:solidFill>
-              <a:srgbClr val="F38C37"/>
-            </a:solidFill>
-            <a:prstDash val="solid"/>
-            <a:tailEnd type="arrow"/>
-          </a:ln>
-          <a:effectLst>
-            <a:outerShdw blurRad="65500" dist="38100" dir="5400000" rotWithShape="0">
-              <a:srgbClr val="000000">
-                <a:alpha val="40000"/>
-              </a:srgbClr>
-            </a:outerShdw>
-          </a:effectLst>
-        </p:spPr>
-      </p:cxnSp>
-      <p:pic>
-        <p:nvPicPr>
-          <p:cNvPr id="87" name="Picture 5" descr="C:\Users\torsteng\AppData\Local\Microsoft\Windows\Temporary Internet Files\Content.IE5\AP5NZ56T\MM900043784[1].gif">
-            <a:extLst>
-              <a:ext uri="{FF2B5EF4-FFF2-40B4-BE49-F238E27FC236}">
-                <a16:creationId xmlns:a16="http://schemas.microsoft.com/office/drawing/2014/main" id="{81D55396-65B9-4589-8E5F-B5CAA87D8AFE}"/>
-              </a:ext>
-            </a:extLst>
-          </p:cNvPr>
-          <p:cNvPicPr>
-            <a:picLocks noChangeAspect="1" noChangeArrowheads="1" noCrop="1"/>
-          </p:cNvPicPr>
-          <p:nvPr/>
-        </p:nvPicPr>
-        <p:blipFill>
-          <a:blip r:embed="rId7" cstate="print"/>
-          <a:srcRect/>
-          <a:stretch>
-            <a:fillRect/>
-          </a:stretch>
-        </p:blipFill>
-        <p:spPr bwMode="auto">
-          <a:xfrm>
-            <a:off x="9841500" y="5236056"/>
-            <a:ext cx="699912" cy="699912"/>
-          </a:xfrm>
-          <a:prstGeom prst="rect">
-            <a:avLst/>
-          </a:prstGeom>
-          <a:noFill/>
-        </p:spPr>
-      </p:pic>
-      <p:cxnSp>
-        <p:nvCxnSpPr>
-          <p:cNvPr id="88" name="Curved Connector 24">
-            <a:extLst>
-              <a:ext uri="{FF2B5EF4-FFF2-40B4-BE49-F238E27FC236}">
-                <a16:creationId xmlns:a16="http://schemas.microsoft.com/office/drawing/2014/main" id="{C5AF1ADE-6323-436D-952D-C06BA654DB7C}"/>
-              </a:ext>
-            </a:extLst>
-          </p:cNvPr>
-          <p:cNvCxnSpPr>
-            <a:cxnSpLocks/>
-            <a:stCxn id="72" idx="3"/>
-            <a:endCxn id="87" idx="1"/>
-          </p:cNvCxnSpPr>
-          <p:nvPr/>
-        </p:nvCxnSpPr>
-        <p:spPr>
-          <a:xfrm flipV="1">
-            <a:off x="9263850" y="5586012"/>
-            <a:ext cx="577650" cy="60279"/>
-          </a:xfrm>
-          <a:prstGeom prst="curvedConnector3">
-            <a:avLst>
-              <a:gd name="adj1" fmla="val 50000"/>
-            </a:avLst>
-          </a:prstGeom>
-          <a:noFill/>
-          <a:ln w="38100" cap="flat" cmpd="sng" algn="ctr">
-            <a:solidFill>
-              <a:srgbClr val="F38C37"/>
-            </a:solidFill>
-            <a:prstDash val="solid"/>
-            <a:tailEnd type="arrow"/>
-          </a:ln>
-          <a:effectLst>
-            <a:outerShdw blurRad="65500" dist="38100" dir="5400000" rotWithShape="0">
-              <a:srgbClr val="000000">
-                <a:alpha val="40000"/>
-              </a:srgbClr>
-            </a:outerShdw>
-          </a:effectLst>
-        </p:spPr>
-      </p:cxnSp>
-      <p:grpSp>
-        <p:nvGrpSpPr>
-          <p:cNvPr id="44" name="Group 43">
-            <a:extLst>
-              <a:ext uri="{FF2B5EF4-FFF2-40B4-BE49-F238E27FC236}">
-                <a16:creationId xmlns:a16="http://schemas.microsoft.com/office/drawing/2014/main" id="{4AD7934F-42FD-4F4B-968B-76AE79ED9C32}"/>
-              </a:ext>
-            </a:extLst>
-          </p:cNvPr>
-          <p:cNvGrpSpPr/>
-          <p:nvPr/>
-        </p:nvGrpSpPr>
-        <p:grpSpPr>
-          <a:xfrm>
-            <a:off x="10762541" y="5326199"/>
-            <a:ext cx="712054" cy="626116"/>
-            <a:chOff x="3434328" y="3336433"/>
-            <a:chExt cx="1059543" cy="925108"/>
-          </a:xfrm>
-        </p:grpSpPr>
-        <p:pic>
-          <p:nvPicPr>
-            <p:cNvPr id="50" name="Picture 49">
-              <a:extLst>
-                <a:ext uri="{FF2B5EF4-FFF2-40B4-BE49-F238E27FC236}">
-                  <a16:creationId xmlns:a16="http://schemas.microsoft.com/office/drawing/2014/main" id="{A57D2CE6-668A-47DD-8342-392E6EF1A64B}"/>
-                </a:ext>
-              </a:extLst>
-            </p:cNvPr>
-            <p:cNvPicPr>
-              <a:picLocks noChangeAspect="1"/>
-            </p:cNvPicPr>
-            <p:nvPr/>
-          </p:nvPicPr>
-          <p:blipFill>
-            <a:blip r:embed="rId6" cstate="print">
-              <a:extLst>
-                <a:ext uri="{28A0092B-C50C-407E-A947-70E740481C1C}">
-                  <a14:useLocalDpi xmlns:a14="http://schemas.microsoft.com/office/drawing/2010/main"/>
-                </a:ext>
-              </a:extLst>
-            </a:blip>
-            <a:stretch>
-              <a:fillRect/>
-            </a:stretch>
-          </p:blipFill>
-          <p:spPr>
-            <a:xfrm>
-              <a:off x="3714959" y="3336433"/>
-              <a:ext cx="635521" cy="635521"/>
-            </a:xfrm>
-            <a:prstGeom prst="rect">
-              <a:avLst/>
-            </a:prstGeom>
-          </p:spPr>
-        </p:pic>
-        <p:sp>
-          <p:nvSpPr>
-            <p:cNvPr id="51" name="Rectangle 50">
-              <a:extLst>
-                <a:ext uri="{FF2B5EF4-FFF2-40B4-BE49-F238E27FC236}">
-                  <a16:creationId xmlns:a16="http://schemas.microsoft.com/office/drawing/2014/main" id="{7C082D8F-F0EE-40BA-B9B0-135B55120263}"/>
-                </a:ext>
-              </a:extLst>
-            </p:cNvPr>
-            <p:cNvSpPr/>
-            <p:nvPr/>
-          </p:nvSpPr>
-          <p:spPr>
-            <a:xfrm>
-              <a:off x="3434328" y="3965953"/>
-              <a:ext cx="1059543" cy="295588"/>
-            </a:xfrm>
-            <a:prstGeom prst="rect">
-              <a:avLst/>
-            </a:prstGeom>
-          </p:spPr>
-          <p:txBody>
-            <a:bodyPr wrap="none">
-              <a:spAutoFit/>
-            </a:bodyPr>
-            <a:lstStyle/>
-            <a:p>
-              <a:pPr algn="ctr" defTabSz="932215"/>
-              <a:r>
-                <a:rPr lang="en-US" sz="700" kern="0">
-                  <a:solidFill>
-                    <a:prstClr val="white">
-                      <a:lumMod val="50000"/>
-                    </a:prstClr>
-                  </a:solidFill>
-                  <a:latin typeface="Segoe UI Semibold" panose="020B0702040204020203" pitchFamily="34" charset="0"/>
-                  <a:ea typeface="MS PGothic" panose="020B0600070205080204" pitchFamily="34" charset="-128"/>
-                  <a:cs typeface="Segoe UI Semibold" panose="020B0702040204020203" pitchFamily="34" charset="0"/>
-                  <a:sym typeface="Arial"/>
-                </a:rPr>
-                <a:t>AZURE SQL DB</a:t>
-              </a:r>
-            </a:p>
-          </p:txBody>
-        </p:sp>
-      </p:grpSp>
-      <p:cxnSp>
-        <p:nvCxnSpPr>
-          <p:cNvPr id="54" name="Curved Connector 24">
-            <a:extLst>
-              <a:ext uri="{FF2B5EF4-FFF2-40B4-BE49-F238E27FC236}">
-                <a16:creationId xmlns:a16="http://schemas.microsoft.com/office/drawing/2014/main" id="{76077CA1-E925-E24B-BA9C-73E170126708}"/>
-              </a:ext>
-            </a:extLst>
-          </p:cNvPr>
-          <p:cNvCxnSpPr>
-            <a:cxnSpLocks/>
-            <a:stCxn id="34" idx="1"/>
-            <a:endCxn id="75" idx="3"/>
-          </p:cNvCxnSpPr>
-          <p:nvPr/>
-        </p:nvCxnSpPr>
-        <p:spPr>
-          <a:xfrm rot="10800000" flipV="1">
-            <a:off x="5592867" y="3891969"/>
-            <a:ext cx="1534442" cy="1049236"/>
-          </a:xfrm>
-          <a:prstGeom prst="curvedConnector3">
-            <a:avLst>
-              <a:gd name="adj1" fmla="val 50000"/>
-            </a:avLst>
-          </a:prstGeom>
-          <a:noFill/>
-          <a:ln w="38100" cap="flat" cmpd="sng" algn="ctr">
-            <a:solidFill>
-              <a:srgbClr val="F38C37"/>
-            </a:solidFill>
-            <a:prstDash val="solid"/>
-            <a:tailEnd type="arrow"/>
-          </a:ln>
-          <a:effectLst>
-            <a:outerShdw blurRad="65500" dist="38100" dir="5400000" rotWithShape="0">
-              <a:srgbClr val="000000">
-                <a:alpha val="40000"/>
-              </a:srgbClr>
-            </a:outerShdw>
-          </a:effectLst>
-        </p:spPr>
-      </p:cxnSp>
-      <p:sp>
-        <p:nvSpPr>
-          <p:cNvPr id="70" name="Rounded Rectangle 9">
-            <a:extLst>
-              <a:ext uri="{FF2B5EF4-FFF2-40B4-BE49-F238E27FC236}">
-                <a16:creationId xmlns:a16="http://schemas.microsoft.com/office/drawing/2014/main" id="{02EE376C-BD40-4EBD-B404-0AF9EDDF9184}"/>
-              </a:ext>
-            </a:extLst>
-          </p:cNvPr>
-          <p:cNvSpPr/>
-          <p:nvPr/>
-        </p:nvSpPr>
-        <p:spPr bwMode="auto">
-          <a:xfrm>
-            <a:off x="2493022" y="4341190"/>
-            <a:ext cx="2907405" cy="819038"/>
-          </a:xfrm>
-          <a:prstGeom prst="roundRect">
-            <a:avLst/>
-          </a:prstGeom>
-          <a:gradFill rotWithShape="1">
-            <a:gsLst>
-              <a:gs pos="0">
-                <a:srgbClr val="3A94D2">
-                  <a:tint val="65000"/>
-                  <a:satMod val="270000"/>
-                </a:srgbClr>
-              </a:gs>
-              <a:gs pos="25000">
-                <a:srgbClr val="3A94D2">
-                  <a:tint val="60000"/>
-                  <a:satMod val="300000"/>
-                </a:srgbClr>
-              </a:gs>
-              <a:gs pos="100000">
-                <a:srgbClr val="3A94D2">
-                  <a:tint val="29000"/>
-                  <a:satMod val="400000"/>
-                </a:srgbClr>
-              </a:gs>
-            </a:gsLst>
-            <a:lin ang="16200000" scaled="1"/>
-          </a:gradFill>
-          <a:ln w="9525" cap="flat" cmpd="sng" algn="ctr">
-            <a:solidFill>
-              <a:srgbClr val="3A94D2">
-                <a:satMod val="150000"/>
-              </a:srgbClr>
-            </a:solidFill>
-            <a:prstDash val="solid"/>
-            <a:headEnd type="none" w="med" len="med"/>
-            <a:tailEnd type="none" w="med" len="med"/>
-          </a:ln>
-          <a:effectLst>
-            <a:outerShdw blurRad="65500" dist="38100" dir="5400000" rotWithShape="0">
-              <a:srgbClr val="000000">
-                <a:alpha val="40000"/>
-              </a:srgbClr>
-            </a:outerShdw>
-          </a:effectLst>
-        </p:spPr>
-        <p:txBody>
-          <a:bodyPr vert="horz" wrap="square" lIns="121915" tIns="60957" rIns="121915" bIns="60957" numCol="1" rtlCol="0" anchor="ctr" anchorCtr="0" compatLnSpc="1">
-            <a:prstTxWarp prst="textNoShape">
-              <a:avLst/>
-            </a:prstTxWarp>
-          </a:bodyPr>
-          <a:lstStyle/>
-          <a:p>
-            <a:pPr algn="ctr" defTabSz="1218768" fontAlgn="base">
-              <a:spcBef>
-                <a:spcPct val="0"/>
-              </a:spcBef>
-              <a:spcAft>
-                <a:spcPct val="0"/>
-              </a:spcAft>
-              <a:defRPr/>
-            </a:pPr>
-            <a:r>
-              <a:rPr lang="en-US" sz="1400" dirty="0">
-                <a:gradFill>
-                  <a:gsLst>
-                    <a:gs pos="0">
-                      <a:srgbClr val="FFFFFF"/>
-                    </a:gs>
-                    <a:gs pos="100000">
-                      <a:srgbClr val="FFFFFF"/>
-                    </a:gs>
-                  </a:gsLst>
-                  <a:lin ang="5400000" scaled="0"/>
-                </a:gradFill>
-                <a:latin typeface="Segoe UI"/>
-                <a:cs typeface="Arial"/>
-                <a:sym typeface="Arial"/>
-              </a:rPr>
-              <a:t>Distance-Based Clustering</a:t>
-            </a:r>
-          </a:p>
-          <a:p>
-            <a:pPr algn="ctr" defTabSz="1218768" fontAlgn="base">
-              <a:spcBef>
-                <a:spcPct val="0"/>
-              </a:spcBef>
-              <a:spcAft>
-                <a:spcPct val="0"/>
-              </a:spcAft>
-              <a:defRPr/>
-            </a:pPr>
-            <a:r>
-              <a:rPr lang="en-US" sz="1400" dirty="0">
-                <a:gradFill>
-                  <a:gsLst>
-                    <a:gs pos="0">
-                      <a:srgbClr val="FFFFFF"/>
-                    </a:gs>
-                    <a:gs pos="100000">
-                      <a:srgbClr val="FFFFFF"/>
-                    </a:gs>
-                  </a:gsLst>
-                  <a:lin ang="5400000" scaled="0"/>
-                </a:gradFill>
-                <a:latin typeface="Segoe UI"/>
-                <a:cs typeface="Arial"/>
-                <a:sym typeface="Arial"/>
-              </a:rPr>
-              <a:t>+</a:t>
-            </a:r>
-          </a:p>
-          <a:p>
-            <a:pPr algn="ctr" defTabSz="1218768" fontAlgn="base">
-              <a:spcBef>
-                <a:spcPct val="0"/>
-              </a:spcBef>
-              <a:spcAft>
-                <a:spcPct val="0"/>
-              </a:spcAft>
-              <a:defRPr/>
-            </a:pPr>
-            <a:r>
-              <a:rPr lang="en-US" sz="1400" dirty="0">
-                <a:gradFill>
-                  <a:gsLst>
-                    <a:gs pos="0">
-                      <a:srgbClr val="FFFFFF"/>
-                    </a:gs>
-                    <a:gs pos="100000">
-                      <a:srgbClr val="FFFFFF"/>
-                    </a:gs>
-                  </a:gsLst>
-                  <a:lin ang="5400000" scaled="0"/>
-                </a:gradFill>
-                <a:latin typeface="Segoe UI"/>
-                <a:cs typeface="Arial"/>
-                <a:sym typeface="Arial"/>
-              </a:rPr>
-              <a:t>Cluster Method Optimization</a:t>
-            </a:r>
-          </a:p>
-        </p:txBody>
-      </p:sp>
-      <p:sp>
-        <p:nvSpPr>
-          <p:cNvPr id="31" name="Rounded Rectangle 9">
-            <a:extLst>
-              <a:ext uri="{FF2B5EF4-FFF2-40B4-BE49-F238E27FC236}">
-                <a16:creationId xmlns:a16="http://schemas.microsoft.com/office/drawing/2014/main" id="{1A71CCAC-0B70-7E49-AFC4-5700F171C84D}"/>
-              </a:ext>
-            </a:extLst>
-          </p:cNvPr>
-          <p:cNvSpPr/>
-          <p:nvPr/>
-        </p:nvSpPr>
-        <p:spPr bwMode="auto">
-          <a:xfrm>
-            <a:off x="2480671" y="5338039"/>
-            <a:ext cx="2907405" cy="1182997"/>
-          </a:xfrm>
-          <a:prstGeom prst="roundRect">
-            <a:avLst/>
-          </a:prstGeom>
-          <a:gradFill rotWithShape="1">
-            <a:gsLst>
-              <a:gs pos="0">
-                <a:srgbClr val="3A94D2">
-                  <a:tint val="65000"/>
-                  <a:satMod val="270000"/>
-                </a:srgbClr>
-              </a:gs>
-              <a:gs pos="25000">
-                <a:srgbClr val="3A94D2">
-                  <a:tint val="60000"/>
-                  <a:satMod val="300000"/>
-                </a:srgbClr>
-              </a:gs>
-              <a:gs pos="100000">
-                <a:srgbClr val="3A94D2">
-                  <a:tint val="29000"/>
-                  <a:satMod val="400000"/>
-                </a:srgbClr>
-              </a:gs>
-            </a:gsLst>
-            <a:lin ang="16200000" scaled="1"/>
-          </a:gradFill>
-          <a:ln w="9525" cap="flat" cmpd="sng" algn="ctr">
-            <a:solidFill>
-              <a:srgbClr val="3A94D2">
-                <a:satMod val="150000"/>
-              </a:srgbClr>
-            </a:solidFill>
-            <a:prstDash val="solid"/>
-            <a:headEnd type="none" w="med" len="med"/>
-            <a:tailEnd type="none" w="med" len="med"/>
-          </a:ln>
-          <a:effectLst>
-            <a:outerShdw blurRad="65500" dist="38100" dir="5400000" rotWithShape="0">
-              <a:srgbClr val="000000">
-                <a:alpha val="40000"/>
-              </a:srgbClr>
-            </a:outerShdw>
-          </a:effectLst>
-        </p:spPr>
-        <p:txBody>
-          <a:bodyPr vert="horz" wrap="square" lIns="121915" tIns="60957" rIns="121915" bIns="60957" numCol="1" rtlCol="0" anchor="ctr" anchorCtr="0" compatLnSpc="1">
-            <a:prstTxWarp prst="textNoShape">
-              <a:avLst/>
-            </a:prstTxWarp>
-          </a:bodyPr>
-          <a:lstStyle/>
-          <a:p>
-            <a:pPr algn="ctr" defTabSz="1218768" fontAlgn="base">
-              <a:spcBef>
-                <a:spcPct val="0"/>
-              </a:spcBef>
-              <a:spcAft>
-                <a:spcPct val="0"/>
-              </a:spcAft>
-              <a:defRPr/>
-            </a:pPr>
-            <a:r>
-              <a:rPr lang="en-US" sz="1400" dirty="0">
-                <a:gradFill>
-                  <a:gsLst>
-                    <a:gs pos="0">
-                      <a:srgbClr val="FFFFFF"/>
-                    </a:gs>
-                    <a:gs pos="100000">
-                      <a:srgbClr val="FFFFFF"/>
-                    </a:gs>
-                  </a:gsLst>
-                  <a:lin ang="5400000" scaled="0"/>
-                </a:gradFill>
-                <a:latin typeface="Segoe UI"/>
-                <a:cs typeface="Arial"/>
-                <a:sym typeface="Arial"/>
-              </a:rPr>
-              <a:t>Subgroup Matching</a:t>
-            </a:r>
-          </a:p>
-          <a:p>
-            <a:pPr algn="ctr" defTabSz="1218768" fontAlgn="base">
-              <a:spcBef>
-                <a:spcPct val="0"/>
-              </a:spcBef>
-              <a:spcAft>
-                <a:spcPct val="0"/>
-              </a:spcAft>
-              <a:defRPr/>
-            </a:pPr>
-            <a:r>
-              <a:rPr lang="en-US" sz="1400" dirty="0">
-                <a:gradFill>
-                  <a:gsLst>
-                    <a:gs pos="0">
-                      <a:srgbClr val="FFFFFF"/>
-                    </a:gs>
-                    <a:gs pos="100000">
-                      <a:srgbClr val="FFFFFF"/>
-                    </a:gs>
-                  </a:gsLst>
-                  <a:lin ang="5400000" scaled="0"/>
-                </a:gradFill>
-                <a:latin typeface="Segoe UI"/>
-                <a:cs typeface="Arial"/>
-                <a:sym typeface="Arial"/>
-              </a:rPr>
-              <a:t>+</a:t>
-            </a:r>
-          </a:p>
-          <a:p>
-            <a:pPr algn="ctr" defTabSz="1218768" fontAlgn="base">
-              <a:spcBef>
-                <a:spcPct val="0"/>
-              </a:spcBef>
-              <a:spcAft>
-                <a:spcPct val="0"/>
-              </a:spcAft>
-              <a:defRPr/>
-            </a:pPr>
-            <a:r>
-              <a:rPr lang="en-US" sz="1400" dirty="0">
-                <a:gradFill>
-                  <a:gsLst>
-                    <a:gs pos="0">
-                      <a:srgbClr val="FFFFFF"/>
-                    </a:gs>
-                    <a:gs pos="100000">
-                      <a:srgbClr val="FFFFFF"/>
-                    </a:gs>
-                  </a:gsLst>
-                  <a:lin ang="5400000" scaled="0"/>
-                </a:gradFill>
-                <a:latin typeface="Segoe UI"/>
-                <a:cs typeface="Arial"/>
-                <a:sym typeface="Arial"/>
-              </a:rPr>
-              <a:t>Stratified Sampling</a:t>
-            </a:r>
-          </a:p>
-          <a:p>
-            <a:pPr algn="ctr" defTabSz="1218768" fontAlgn="base">
-              <a:spcBef>
-                <a:spcPct val="0"/>
-              </a:spcBef>
-              <a:spcAft>
-                <a:spcPct val="0"/>
-              </a:spcAft>
-              <a:defRPr/>
-            </a:pPr>
-            <a:r>
-              <a:rPr lang="en-US" sz="1400" dirty="0">
-                <a:gradFill>
-                  <a:gsLst>
-                    <a:gs pos="0">
-                      <a:srgbClr val="FFFFFF"/>
-                    </a:gs>
-                    <a:gs pos="100000">
-                      <a:srgbClr val="FFFFFF"/>
-                    </a:gs>
-                  </a:gsLst>
-                  <a:lin ang="5400000" scaled="0"/>
-                </a:gradFill>
-                <a:latin typeface="Segoe UI"/>
-                <a:cs typeface="Arial"/>
-                <a:sym typeface="Arial"/>
-              </a:rPr>
-              <a:t>+</a:t>
-            </a:r>
-          </a:p>
-          <a:p>
-            <a:pPr algn="ctr" defTabSz="1218768" fontAlgn="base">
-              <a:spcBef>
-                <a:spcPct val="0"/>
-              </a:spcBef>
-              <a:spcAft>
-                <a:spcPct val="0"/>
-              </a:spcAft>
-              <a:defRPr/>
-            </a:pPr>
-            <a:r>
-              <a:rPr lang="en-US" sz="1400" dirty="0">
-                <a:gradFill>
-                  <a:gsLst>
-                    <a:gs pos="0">
-                      <a:srgbClr val="FFFFFF"/>
-                    </a:gs>
-                    <a:gs pos="100000">
-                      <a:srgbClr val="FFFFFF"/>
-                    </a:gs>
-                  </a:gsLst>
-                  <a:lin ang="5400000" scaled="0"/>
-                </a:gradFill>
-                <a:latin typeface="Segoe UI"/>
-                <a:cs typeface="Arial"/>
-                <a:sym typeface="Arial"/>
-              </a:rPr>
-              <a:t>Contrast Group Creation</a:t>
-            </a:r>
-          </a:p>
-        </p:txBody>
-      </p:sp>
-    </p:spTree>
-    <p:extLst>
-      <p:ext uri="{BB962C8B-B14F-4D97-AF65-F5344CB8AC3E}">
-        <p14:creationId xmlns:p14="http://schemas.microsoft.com/office/powerpoint/2010/main" val="1988895959"/>
-      </p:ext>
-    </p:extLst>
-  </p:cSld>
-  <p:clrMapOvr>
-    <a:masterClrMapping/>
-  </p:clrMapOvr>
 </p:sld>
 </file>
 
